--- a/doc/test/ZoomToArea.pptx
+++ b/doc/test/ZoomToArea.pptx
@@ -11,7 +11,13 @@
     <p:sldId id="256" r:id="rId5"/>
     <p:sldId id="292" r:id="rId6"/>
     <p:sldId id="293" r:id="rId7"/>
-    <p:sldId id="274" r:id="rId8"/>
+    <p:sldId id="294" r:id="rId8"/>
+    <p:sldId id="295" r:id="rId9"/>
+    <p:sldId id="296" r:id="rId10"/>
+    <p:sldId id="297" r:id="rId11"/>
+    <p:sldId id="298" r:id="rId12"/>
+    <p:sldId id="299" r:id="rId13"/>
+    <p:sldId id="274" r:id="rId14"/>
   </p:sldIdLst>
   <p:sldSz cx="9144000" cy="6858000" type="screen4x3"/>
   <p:notesSz cx="6858000" cy="9144000"/>
@@ -123,6 +129,12 @@
             <p14:sldId id="256"/>
             <p14:sldId id="292"/>
             <p14:sldId id="293"/>
+            <p14:sldId id="294"/>
+            <p14:sldId id="295"/>
+            <p14:sldId id="296"/>
+            <p14:sldId id="297"/>
+            <p14:sldId id="298"/>
+            <p14:sldId id="299"/>
             <p14:sldId id="274"/>
           </p14:sldIdLst>
         </p14:section>
@@ -327,7 +339,7 @@
           <a:p>
             <a:fld id="{699DC775-C286-4358-8C92-D7E584E969B3}" type="datetimeFigureOut">
               <a:rPr lang="en-US" smtClean="0"/>
-              <a:t>3/26/2014</a:t>
+              <a:t>3/31/2014</a:t>
             </a:fld>
             <a:endParaRPr lang="en-US"/>
           </a:p>
@@ -497,7 +509,7 @@
           <a:p>
             <a:fld id="{699DC775-C286-4358-8C92-D7E584E969B3}" type="datetimeFigureOut">
               <a:rPr lang="en-US" smtClean="0"/>
-              <a:t>3/26/2014</a:t>
+              <a:t>3/31/2014</a:t>
             </a:fld>
             <a:endParaRPr lang="en-US"/>
           </a:p>
@@ -677,7 +689,7 @@
           <a:p>
             <a:fld id="{699DC775-C286-4358-8C92-D7E584E969B3}" type="datetimeFigureOut">
               <a:rPr lang="en-US" smtClean="0"/>
-              <a:t>3/26/2014</a:t>
+              <a:t>3/31/2014</a:t>
             </a:fld>
             <a:endParaRPr lang="en-US"/>
           </a:p>
@@ -919,7 +931,7 @@
           <a:p>
             <a:fld id="{699DC775-C286-4358-8C92-D7E584E969B3}" type="datetimeFigureOut">
               <a:rPr lang="en-US" smtClean="0"/>
-              <a:t>3/26/2014</a:t>
+              <a:t>3/31/2014</a:t>
             </a:fld>
             <a:endParaRPr lang="en-US"/>
           </a:p>
@@ -1089,7 +1101,7 @@
           <a:p>
             <a:fld id="{699DC775-C286-4358-8C92-D7E584E969B3}" type="datetimeFigureOut">
               <a:rPr lang="en-US" smtClean="0"/>
-              <a:t>3/26/2014</a:t>
+              <a:t>3/31/2014</a:t>
             </a:fld>
             <a:endParaRPr lang="en-US"/>
           </a:p>
@@ -1335,7 +1347,7 @@
           <a:p>
             <a:fld id="{699DC775-C286-4358-8C92-D7E584E969B3}" type="datetimeFigureOut">
               <a:rPr lang="en-US" smtClean="0"/>
-              <a:t>3/26/2014</a:t>
+              <a:t>3/31/2014</a:t>
             </a:fld>
             <a:endParaRPr lang="en-US"/>
           </a:p>
@@ -1623,7 +1635,7 @@
           <a:p>
             <a:fld id="{699DC775-C286-4358-8C92-D7E584E969B3}" type="datetimeFigureOut">
               <a:rPr lang="en-US" smtClean="0"/>
-              <a:t>3/26/2014</a:t>
+              <a:t>3/31/2014</a:t>
             </a:fld>
             <a:endParaRPr lang="en-US"/>
           </a:p>
@@ -2045,7 +2057,7 @@
           <a:p>
             <a:fld id="{699DC775-C286-4358-8C92-D7E584E969B3}" type="datetimeFigureOut">
               <a:rPr lang="en-US" smtClean="0"/>
-              <a:t>3/26/2014</a:t>
+              <a:t>3/31/2014</a:t>
             </a:fld>
             <a:endParaRPr lang="en-US"/>
           </a:p>
@@ -2163,7 +2175,7 @@
           <a:p>
             <a:fld id="{699DC775-C286-4358-8C92-D7E584E969B3}" type="datetimeFigureOut">
               <a:rPr lang="en-US" smtClean="0"/>
-              <a:t>3/26/2014</a:t>
+              <a:t>3/31/2014</a:t>
             </a:fld>
             <a:endParaRPr lang="en-US"/>
           </a:p>
@@ -2258,7 +2270,7 @@
           <a:p>
             <a:fld id="{699DC775-C286-4358-8C92-D7E584E969B3}" type="datetimeFigureOut">
               <a:rPr lang="en-US" smtClean="0"/>
-              <a:t>3/26/2014</a:t>
+              <a:t>3/31/2014</a:t>
             </a:fld>
             <a:endParaRPr lang="en-US"/>
           </a:p>
@@ -2535,7 +2547,7 @@
           <a:p>
             <a:fld id="{699DC775-C286-4358-8C92-D7E584E969B3}" type="datetimeFigureOut">
               <a:rPr lang="en-US" smtClean="0"/>
-              <a:t>3/26/2014</a:t>
+              <a:t>3/31/2014</a:t>
             </a:fld>
             <a:endParaRPr lang="en-US"/>
           </a:p>
@@ -2705,7 +2717,7 @@
           <a:p>
             <a:fld id="{699DC775-C286-4358-8C92-D7E584E969B3}" type="datetimeFigureOut">
               <a:rPr lang="en-US" smtClean="0"/>
-              <a:t>3/26/2014</a:t>
+              <a:t>3/31/2014</a:t>
             </a:fld>
             <a:endParaRPr lang="en-US"/>
           </a:p>
@@ -2958,7 +2970,7 @@
           <a:p>
             <a:fld id="{699DC775-C286-4358-8C92-D7E584E969B3}" type="datetimeFigureOut">
               <a:rPr lang="en-US" smtClean="0"/>
-              <a:t>3/26/2014</a:t>
+              <a:t>3/31/2014</a:t>
             </a:fld>
             <a:endParaRPr lang="en-US"/>
           </a:p>
@@ -3128,7 +3140,7 @@
           <a:p>
             <a:fld id="{699DC775-C286-4358-8C92-D7E584E969B3}" type="datetimeFigureOut">
               <a:rPr lang="en-US" smtClean="0"/>
-              <a:t>3/26/2014</a:t>
+              <a:t>3/31/2014</a:t>
             </a:fld>
             <a:endParaRPr lang="en-US"/>
           </a:p>
@@ -3308,7 +3320,7 @@
           <a:p>
             <a:fld id="{699DC775-C286-4358-8C92-D7E584E969B3}" type="datetimeFigureOut">
               <a:rPr lang="en-US" smtClean="0"/>
-              <a:t>3/26/2014</a:t>
+              <a:t>3/31/2014</a:t>
             </a:fld>
             <a:endParaRPr lang="en-US"/>
           </a:p>
@@ -3558,7 +3570,7 @@
           <a:p>
             <a:fld id="{699DC775-C286-4358-8C92-D7E584E969B3}" type="datetimeFigureOut">
               <a:rPr lang="en-US" smtClean="0"/>
-              <a:t>3/26/2014</a:t>
+              <a:t>3/31/2014</a:t>
             </a:fld>
             <a:endParaRPr lang="en-US"/>
           </a:p>
@@ -3736,7 +3748,7 @@
           <a:p>
             <a:fld id="{699DC775-C286-4358-8C92-D7E584E969B3}" type="datetimeFigureOut">
               <a:rPr lang="en-US" smtClean="0"/>
-              <a:t>3/26/2014</a:t>
+              <a:t>3/31/2014</a:t>
             </a:fld>
             <a:endParaRPr lang="en-US"/>
           </a:p>
@@ -3990,7 +4002,7 @@
           <a:p>
             <a:fld id="{699DC775-C286-4358-8C92-D7E584E969B3}" type="datetimeFigureOut">
               <a:rPr lang="en-US" smtClean="0"/>
-              <a:t>3/26/2014</a:t>
+              <a:t>3/31/2014</a:t>
             </a:fld>
             <a:endParaRPr lang="en-US"/>
           </a:p>
@@ -4286,7 +4298,7 @@
           <a:p>
             <a:fld id="{699DC775-C286-4358-8C92-D7E584E969B3}" type="datetimeFigureOut">
               <a:rPr lang="en-US" smtClean="0"/>
-              <a:t>3/26/2014</a:t>
+              <a:t>3/31/2014</a:t>
             </a:fld>
             <a:endParaRPr lang="en-US"/>
           </a:p>
@@ -4716,7 +4728,7 @@
           <a:p>
             <a:fld id="{699DC775-C286-4358-8C92-D7E584E969B3}" type="datetimeFigureOut">
               <a:rPr lang="en-US" smtClean="0"/>
-              <a:t>3/26/2014</a:t>
+              <a:t>3/31/2014</a:t>
             </a:fld>
             <a:endParaRPr lang="en-US"/>
           </a:p>
@@ -4842,7 +4854,7 @@
           <a:p>
             <a:fld id="{699DC775-C286-4358-8C92-D7E584E969B3}" type="datetimeFigureOut">
               <a:rPr lang="en-US" smtClean="0"/>
-              <a:t>3/26/2014</a:t>
+              <a:t>3/31/2014</a:t>
             </a:fld>
             <a:endParaRPr lang="en-US"/>
           </a:p>
@@ -4945,7 +4957,7 @@
           <a:p>
             <a:fld id="{699DC775-C286-4358-8C92-D7E584E969B3}" type="datetimeFigureOut">
               <a:rPr lang="en-US" smtClean="0"/>
-              <a:t>3/26/2014</a:t>
+              <a:t>3/31/2014</a:t>
             </a:fld>
             <a:endParaRPr lang="en-US"/>
           </a:p>
@@ -5191,7 +5203,7 @@
           <a:p>
             <a:fld id="{699DC775-C286-4358-8C92-D7E584E969B3}" type="datetimeFigureOut">
               <a:rPr lang="en-US" smtClean="0"/>
-              <a:t>3/26/2014</a:t>
+              <a:t>3/31/2014</a:t>
             </a:fld>
             <a:endParaRPr lang="en-US"/>
           </a:p>
@@ -5476,7 +5488,7 @@
           <a:p>
             <a:fld id="{699DC775-C286-4358-8C92-D7E584E969B3}" type="datetimeFigureOut">
               <a:rPr lang="en-US" smtClean="0"/>
-              <a:t>3/26/2014</a:t>
+              <a:t>3/31/2014</a:t>
             </a:fld>
             <a:endParaRPr lang="en-US"/>
           </a:p>
@@ -5737,7 +5749,7 @@
           <a:p>
             <a:fld id="{699DC775-C286-4358-8C92-D7E584E969B3}" type="datetimeFigureOut">
               <a:rPr lang="en-US" smtClean="0"/>
-              <a:t>3/26/2014</a:t>
+              <a:t>3/31/2014</a:t>
             </a:fld>
             <a:endParaRPr lang="en-US"/>
           </a:p>
@@ -5915,7 +5927,7 @@
           <a:p>
             <a:fld id="{699DC775-C286-4358-8C92-D7E584E969B3}" type="datetimeFigureOut">
               <a:rPr lang="en-US" smtClean="0"/>
-              <a:t>3/26/2014</a:t>
+              <a:t>3/31/2014</a:t>
             </a:fld>
             <a:endParaRPr lang="en-US"/>
           </a:p>
@@ -6103,7 +6115,7 @@
           <a:p>
             <a:fld id="{699DC775-C286-4358-8C92-D7E584E969B3}" type="datetimeFigureOut">
               <a:rPr lang="en-US" smtClean="0"/>
-              <a:t>3/26/2014</a:t>
+              <a:t>3/31/2014</a:t>
             </a:fld>
             <a:endParaRPr lang="en-US"/>
           </a:p>
@@ -6391,7 +6403,7 @@
           <a:p>
             <a:fld id="{699DC775-C286-4358-8C92-D7E584E969B3}" type="datetimeFigureOut">
               <a:rPr lang="en-US" smtClean="0"/>
-              <a:t>3/26/2014</a:t>
+              <a:t>3/31/2014</a:t>
             </a:fld>
             <a:endParaRPr lang="en-US"/>
           </a:p>
@@ -6813,7 +6825,7 @@
           <a:p>
             <a:fld id="{699DC775-C286-4358-8C92-D7E584E969B3}" type="datetimeFigureOut">
               <a:rPr lang="en-US" smtClean="0"/>
-              <a:t>3/26/2014</a:t>
+              <a:t>3/31/2014</a:t>
             </a:fld>
             <a:endParaRPr lang="en-US"/>
           </a:p>
@@ -6931,7 +6943,7 @@
           <a:p>
             <a:fld id="{699DC775-C286-4358-8C92-D7E584E969B3}" type="datetimeFigureOut">
               <a:rPr lang="en-US" smtClean="0"/>
-              <a:t>3/26/2014</a:t>
+              <a:t>3/31/2014</a:t>
             </a:fld>
             <a:endParaRPr lang="en-US"/>
           </a:p>
@@ -7026,7 +7038,7 @@
           <a:p>
             <a:fld id="{699DC775-C286-4358-8C92-D7E584E969B3}" type="datetimeFigureOut">
               <a:rPr lang="en-US" smtClean="0"/>
-              <a:t>3/26/2014</a:t>
+              <a:t>3/31/2014</a:t>
             </a:fld>
             <a:endParaRPr lang="en-US"/>
           </a:p>
@@ -7303,7 +7315,7 @@
           <a:p>
             <a:fld id="{699DC775-C286-4358-8C92-D7E584E969B3}" type="datetimeFigureOut">
               <a:rPr lang="en-US" smtClean="0"/>
-              <a:t>3/26/2014</a:t>
+              <a:t>3/31/2014</a:t>
             </a:fld>
             <a:endParaRPr lang="en-US"/>
           </a:p>
@@ -7556,7 +7568,7 @@
           <a:p>
             <a:fld id="{699DC775-C286-4358-8C92-D7E584E969B3}" type="datetimeFigureOut">
               <a:rPr lang="en-US" smtClean="0"/>
-              <a:t>3/26/2014</a:t>
+              <a:t>3/31/2014</a:t>
             </a:fld>
             <a:endParaRPr lang="en-US"/>
           </a:p>
@@ -7769,7 +7781,7 @@
           <a:p>
             <a:fld id="{699DC775-C286-4358-8C92-D7E584E969B3}" type="datetimeFigureOut">
               <a:rPr lang="en-US" smtClean="0"/>
-              <a:t>3/26/2014</a:t>
+              <a:t>3/31/2014</a:t>
             </a:fld>
             <a:endParaRPr lang="en-US"/>
           </a:p>
@@ -8284,7 +8296,7 @@
           <a:p>
             <a:fld id="{699DC775-C286-4358-8C92-D7E584E969B3}" type="datetimeFigureOut">
               <a:rPr lang="en-US" smtClean="0"/>
-              <a:t>3/26/2014</a:t>
+              <a:t>3/31/2014</a:t>
             </a:fld>
             <a:endParaRPr lang="en-US"/>
           </a:p>
@@ -8797,7 +8809,7 @@
           <a:p>
             <a:fld id="{699DC775-C286-4358-8C92-D7E584E969B3}" type="datetimeFigureOut">
               <a:rPr lang="en-US" smtClean="0"/>
-              <a:t>3/26/2014</a:t>
+              <a:t>3/31/2014</a:t>
             </a:fld>
             <a:endParaRPr lang="en-US"/>
           </a:p>
@@ -9352,6 +9364,3378 @@
 </p:sld>
 </file>
 
+<file path=ppt/slides/slide10.xml><?xml version="1.0" encoding="utf-8"?>
+<p:sld xmlns:a="http://schemas.openxmlformats.org/drawingml/2006/main" xmlns:r="http://schemas.openxmlformats.org/officeDocument/2006/relationships" xmlns:p="http://schemas.openxmlformats.org/presentationml/2006/main">
+  <p:cSld name="PPTLabsMagnifyingSlide201403311925457450">
+    <p:bg>
+      <p:bgPr>
+        <a:solidFill>
+          <a:schemeClr val="bg1"/>
+        </a:solidFill>
+        <a:effectLst/>
+      </p:bgPr>
+    </p:bg>
+    <p:spTree>
+      <p:nvGrpSpPr>
+        <p:cNvPr id="1" name=""/>
+        <p:cNvGrpSpPr/>
+        <p:nvPr/>
+      </p:nvGrpSpPr>
+      <p:grpSpPr>
+        <a:xfrm>
+          <a:off x="0" y="0"/>
+          <a:ext cx="0" cy="0"/>
+          <a:chOff x="0" y="0"/>
+          <a:chExt cx="0" cy="0"/>
+        </a:xfrm>
+      </p:grpSpPr>
+      <p:pic>
+        <p:nvPicPr>
+          <p:cNvPr id="4" name="Picture 3" descr="File:AmineTreating.png"/>
+          <p:cNvPicPr>
+            <a:picLocks noChangeAspect="1" noChangeArrowheads="1"/>
+          </p:cNvPicPr>
+          <p:nvPr/>
+        </p:nvPicPr>
+        <p:blipFill rotWithShape="1">
+          <a:blip r:embed="rId2">
+            <a:duotone>
+              <a:schemeClr val="bg2">
+                <a:shade val="45000"/>
+                <a:satMod val="135000"/>
+              </a:schemeClr>
+              <a:prstClr val="white"/>
+            </a:duotone>
+            <a:extLst>
+              <a:ext uri="{28A0092B-C50C-407E-A947-70E740481C1C}">
+                <a14:useLocalDpi xmlns:a14="http://schemas.microsoft.com/office/drawing/2010/main" val="0"/>
+              </a:ext>
+            </a:extLst>
+          </a:blip>
+          <a:srcRect l="1320" t="1116" r="1244" b="19220"/>
+          <a:stretch/>
+        </p:blipFill>
+        <p:spPr bwMode="auto">
+          <a:xfrm>
+            <a:off x="952500" y="708136"/>
+            <a:ext cx="7429500" cy="5313152"/>
+          </a:xfrm>
+          <a:prstGeom prst="rect">
+            <a:avLst/>
+          </a:prstGeom>
+          <a:noFill/>
+          <a:extLst>
+            <a:ext uri="{909E8E84-426E-40DD-AFC4-6F175D3DCCD1}">
+              <a14:hiddenFill xmlns:a14="http://schemas.microsoft.com/office/drawing/2010/main">
+                <a:solidFill>
+                  <a:srgbClr val="FFFFFF"/>
+                </a:solidFill>
+              </a14:hiddenFill>
+            </a:ext>
+          </a:extLst>
+        </p:spPr>
+      </p:pic>
+      <p:pic>
+        <p:nvPicPr>
+          <p:cNvPr id="12" name="PPTLabsMagnifyingAreaSlide201403311925461940"/>
+          <p:cNvPicPr>
+            <a:picLocks/>
+          </p:cNvPicPr>
+          <p:nvPr/>
+        </p:nvPicPr>
+        <p:blipFill>
+          <a:blip r:embed="rId3"/>
+          <a:stretch>
+            <a:fillRect/>
+          </a:stretch>
+        </p:blipFill>
+        <p:spPr>
+          <a:xfrm>
+            <a:off x="0" y="0"/>
+            <a:ext cx="9144000" cy="6858000"/>
+          </a:xfrm>
+          <a:prstGeom prst="rect">
+            <a:avLst/>
+          </a:prstGeom>
+        </p:spPr>
+      </p:pic>
+      <p:pic>
+        <p:nvPicPr>
+          <p:cNvPr id="14" name="PPTLabsMagnifyAreaGroupShape1-201403311925461980"/>
+          <p:cNvPicPr>
+            <a:picLocks noChangeAspect="1"/>
+          </p:cNvPicPr>
+          <p:nvPr/>
+        </p:nvPicPr>
+        <p:blipFill>
+          <a:blip r:embed="rId4"/>
+          <a:srcRect/>
+          <a:stretch>
+            <a:fillRect/>
+          </a:stretch>
+        </p:blipFill>
+        <p:spPr>
+          <a:xfrm>
+            <a:off x="-3205059" y="-2045960"/>
+            <a:ext cx="25607703" cy="19206004"/>
+          </a:xfrm>
+          <a:prstGeom prst="rect">
+            <a:avLst/>
+          </a:prstGeom>
+        </p:spPr>
+      </p:pic>
+      <p:pic>
+        <p:nvPicPr>
+          <p:cNvPr id="15" name="PPTLabsMagnifyAreaGroupShape2-201403311925462000"/>
+          <p:cNvPicPr>
+            <a:picLocks noChangeAspect="1"/>
+          </p:cNvPicPr>
+          <p:nvPr/>
+        </p:nvPicPr>
+        <p:blipFill>
+          <a:blip r:embed="rId4"/>
+          <a:srcRect/>
+          <a:stretch>
+            <a:fillRect/>
+          </a:stretch>
+        </p:blipFill>
+        <p:spPr>
+          <a:xfrm>
+            <a:off x="-8050110" y="-1454943"/>
+            <a:ext cx="17194110" cy="12895411"/>
+          </a:xfrm>
+          <a:prstGeom prst="rect">
+            <a:avLst/>
+          </a:prstGeom>
+        </p:spPr>
+      </p:pic>
+      <p:pic>
+        <p:nvPicPr>
+          <p:cNvPr id="16" name="PPTLabsMagnifyPanAreaGroup201403311925462020"/>
+          <p:cNvPicPr>
+            <a:picLocks/>
+          </p:cNvPicPr>
+          <p:nvPr/>
+        </p:nvPicPr>
+        <p:blipFill>
+          <a:blip r:embed="rId4"/>
+          <a:srcRect/>
+          <a:stretch>
+            <a:fillRect/>
+          </a:stretch>
+        </p:blipFill>
+        <p:spPr>
+          <a:xfrm>
+            <a:off x="-3689565" y="-1986858"/>
+            <a:ext cx="24766344" cy="18574944"/>
+          </a:xfrm>
+          <a:prstGeom prst="rect">
+            <a:avLst/>
+          </a:prstGeom>
+        </p:spPr>
+      </p:pic>
+      <p:pic>
+        <p:nvPicPr>
+          <p:cNvPr id="17" name="PPTLabsMagnifyPanAreaGroup201403311925462030"/>
+          <p:cNvPicPr>
+            <a:picLocks/>
+          </p:cNvPicPr>
+          <p:nvPr/>
+        </p:nvPicPr>
+        <p:blipFill>
+          <a:blip r:embed="rId4"/>
+          <a:srcRect/>
+          <a:stretch>
+            <a:fillRect/>
+          </a:stretch>
+        </p:blipFill>
+        <p:spPr>
+          <a:xfrm>
+            <a:off x="-4174069" y="-1927757"/>
+            <a:ext cx="23924984" cy="17943886"/>
+          </a:xfrm>
+          <a:prstGeom prst="rect">
+            <a:avLst/>
+          </a:prstGeom>
+        </p:spPr>
+      </p:pic>
+      <p:pic>
+        <p:nvPicPr>
+          <p:cNvPr id="18" name="PPTLabsMagnifyPanAreaGroup201403311925462050"/>
+          <p:cNvPicPr>
+            <a:picLocks/>
+          </p:cNvPicPr>
+          <p:nvPr/>
+        </p:nvPicPr>
+        <p:blipFill>
+          <a:blip r:embed="rId4"/>
+          <a:srcRect/>
+          <a:stretch>
+            <a:fillRect/>
+          </a:stretch>
+        </p:blipFill>
+        <p:spPr>
+          <a:xfrm>
+            <a:off x="-4658575" y="-1868655"/>
+            <a:ext cx="23083625" cy="17312826"/>
+          </a:xfrm>
+          <a:prstGeom prst="rect">
+            <a:avLst/>
+          </a:prstGeom>
+        </p:spPr>
+      </p:pic>
+      <p:pic>
+        <p:nvPicPr>
+          <p:cNvPr id="19" name="PPTLabsMagnifyPanAreaGroup201403311925462060"/>
+          <p:cNvPicPr>
+            <a:picLocks/>
+          </p:cNvPicPr>
+          <p:nvPr/>
+        </p:nvPicPr>
+        <p:blipFill>
+          <a:blip r:embed="rId4"/>
+          <a:srcRect/>
+          <a:stretch>
+            <a:fillRect/>
+          </a:stretch>
+        </p:blipFill>
+        <p:spPr>
+          <a:xfrm>
+            <a:off x="-5143079" y="-1809553"/>
+            <a:ext cx="22242265" cy="16681767"/>
+          </a:xfrm>
+          <a:prstGeom prst="rect">
+            <a:avLst/>
+          </a:prstGeom>
+        </p:spPr>
+      </p:pic>
+      <p:pic>
+        <p:nvPicPr>
+          <p:cNvPr id="20" name="PPTLabsMagnifyPanAreaGroup201403311925462090"/>
+          <p:cNvPicPr>
+            <a:picLocks/>
+          </p:cNvPicPr>
+          <p:nvPr/>
+        </p:nvPicPr>
+        <p:blipFill>
+          <a:blip r:embed="rId4"/>
+          <a:srcRect/>
+          <a:stretch>
+            <a:fillRect/>
+          </a:stretch>
+        </p:blipFill>
+        <p:spPr>
+          <a:xfrm>
+            <a:off x="-5627585" y="-1750452"/>
+            <a:ext cx="21400906" cy="16050708"/>
+          </a:xfrm>
+          <a:prstGeom prst="rect">
+            <a:avLst/>
+          </a:prstGeom>
+        </p:spPr>
+      </p:pic>
+      <p:pic>
+        <p:nvPicPr>
+          <p:cNvPr id="21" name="PPTLabsMagnifyPanAreaGroup201403311925462110"/>
+          <p:cNvPicPr>
+            <a:picLocks/>
+          </p:cNvPicPr>
+          <p:nvPr/>
+        </p:nvPicPr>
+        <p:blipFill>
+          <a:blip r:embed="rId4"/>
+          <a:srcRect/>
+          <a:stretch>
+            <a:fillRect/>
+          </a:stretch>
+        </p:blipFill>
+        <p:spPr>
+          <a:xfrm>
+            <a:off x="-6112091" y="-1691350"/>
+            <a:ext cx="20559548" cy="15419648"/>
+          </a:xfrm>
+          <a:prstGeom prst="rect">
+            <a:avLst/>
+          </a:prstGeom>
+        </p:spPr>
+      </p:pic>
+      <p:pic>
+        <p:nvPicPr>
+          <p:cNvPr id="22" name="PPTLabsMagnifyPanAreaGroup201403311925462130"/>
+          <p:cNvPicPr>
+            <a:picLocks/>
+          </p:cNvPicPr>
+          <p:nvPr/>
+        </p:nvPicPr>
+        <p:blipFill>
+          <a:blip r:embed="rId4"/>
+          <a:srcRect/>
+          <a:stretch>
+            <a:fillRect/>
+          </a:stretch>
+        </p:blipFill>
+        <p:spPr>
+          <a:xfrm>
+            <a:off x="-6596594" y="-1632248"/>
+            <a:ext cx="19718187" cy="14788588"/>
+          </a:xfrm>
+          <a:prstGeom prst="rect">
+            <a:avLst/>
+          </a:prstGeom>
+        </p:spPr>
+      </p:pic>
+      <p:pic>
+        <p:nvPicPr>
+          <p:cNvPr id="23" name="PPTLabsMagnifyPanAreaGroup201403311925462140"/>
+          <p:cNvPicPr>
+            <a:picLocks/>
+          </p:cNvPicPr>
+          <p:nvPr/>
+        </p:nvPicPr>
+        <p:blipFill>
+          <a:blip r:embed="rId4"/>
+          <a:srcRect/>
+          <a:stretch>
+            <a:fillRect/>
+          </a:stretch>
+        </p:blipFill>
+        <p:spPr>
+          <a:xfrm>
+            <a:off x="-7081100" y="-1573147"/>
+            <a:ext cx="18876829" cy="14157530"/>
+          </a:xfrm>
+          <a:prstGeom prst="rect">
+            <a:avLst/>
+          </a:prstGeom>
+        </p:spPr>
+      </p:pic>
+      <p:pic>
+        <p:nvPicPr>
+          <p:cNvPr id="24" name="PPTLabsMagnifyPanAreaGroup201403311925462160"/>
+          <p:cNvPicPr>
+            <a:picLocks/>
+          </p:cNvPicPr>
+          <p:nvPr/>
+        </p:nvPicPr>
+        <p:blipFill>
+          <a:blip r:embed="rId4"/>
+          <a:srcRect/>
+          <a:stretch>
+            <a:fillRect/>
+          </a:stretch>
+        </p:blipFill>
+        <p:spPr>
+          <a:xfrm>
+            <a:off x="-7565606" y="-1514045"/>
+            <a:ext cx="18035470" cy="13526471"/>
+          </a:xfrm>
+          <a:prstGeom prst="rect">
+            <a:avLst/>
+          </a:prstGeom>
+        </p:spPr>
+      </p:pic>
+      <p:pic>
+        <p:nvPicPr>
+          <p:cNvPr id="25" name="PPTLabsMagnifyPanAreaGroup201403311925462180"/>
+          <p:cNvPicPr>
+            <a:picLocks/>
+          </p:cNvPicPr>
+          <p:nvPr/>
+        </p:nvPicPr>
+        <p:blipFill>
+          <a:blip r:embed="rId4"/>
+          <a:srcRect/>
+          <a:stretch>
+            <a:fillRect/>
+          </a:stretch>
+        </p:blipFill>
+        <p:spPr>
+          <a:xfrm>
+            <a:off x="-8050110" y="-1454944"/>
+            <a:ext cx="17194110" cy="12895412"/>
+          </a:xfrm>
+          <a:prstGeom prst="rect">
+            <a:avLst/>
+          </a:prstGeom>
+        </p:spPr>
+      </p:pic>
+      <p:pic>
+        <p:nvPicPr>
+          <p:cNvPr id="26" name="PPTLabsMagnifyAreaGroupShape3-201403311925462210"/>
+          <p:cNvPicPr>
+            <a:picLocks noChangeAspect="1"/>
+          </p:cNvPicPr>
+          <p:nvPr/>
+        </p:nvPicPr>
+        <p:blipFill>
+          <a:blip r:embed="rId4"/>
+          <a:srcRect/>
+          <a:stretch>
+            <a:fillRect/>
+          </a:stretch>
+        </p:blipFill>
+        <p:spPr>
+          <a:xfrm>
+            <a:off x="-4039873" y="-7109974"/>
+            <a:ext cx="18622078" cy="13966398"/>
+          </a:xfrm>
+          <a:prstGeom prst="rect">
+            <a:avLst/>
+          </a:prstGeom>
+        </p:spPr>
+      </p:pic>
+      <p:pic>
+        <p:nvPicPr>
+          <p:cNvPr id="27" name="PPTLabsMagnifyPanAreaGroup201403311925462230"/>
+          <p:cNvPicPr>
+            <a:picLocks/>
+          </p:cNvPicPr>
+          <p:nvPr/>
+        </p:nvPicPr>
+        <p:blipFill>
+          <a:blip r:embed="rId4"/>
+          <a:srcRect/>
+          <a:stretch>
+            <a:fillRect/>
+          </a:stretch>
+        </p:blipFill>
+        <p:spPr>
+          <a:xfrm>
+            <a:off x="-7649086" y="-2020447"/>
+            <a:ext cx="17336906" cy="13002510"/>
+          </a:xfrm>
+          <a:prstGeom prst="rect">
+            <a:avLst/>
+          </a:prstGeom>
+        </p:spPr>
+      </p:pic>
+      <p:pic>
+        <p:nvPicPr>
+          <p:cNvPr id="28" name="PPTLabsMagnifyPanAreaGroup201403311925462260"/>
+          <p:cNvPicPr>
+            <a:picLocks/>
+          </p:cNvPicPr>
+          <p:nvPr/>
+        </p:nvPicPr>
+        <p:blipFill>
+          <a:blip r:embed="rId4"/>
+          <a:srcRect/>
+          <a:stretch>
+            <a:fillRect/>
+          </a:stretch>
+        </p:blipFill>
+        <p:spPr>
+          <a:xfrm>
+            <a:off x="-7248062" y="-2585950"/>
+            <a:ext cx="17479703" cy="13109609"/>
+          </a:xfrm>
+          <a:prstGeom prst="rect">
+            <a:avLst/>
+          </a:prstGeom>
+        </p:spPr>
+      </p:pic>
+      <p:pic>
+        <p:nvPicPr>
+          <p:cNvPr id="29" name="PPTLabsMagnifyPanAreaGroup201403311925462280"/>
+          <p:cNvPicPr>
+            <a:picLocks/>
+          </p:cNvPicPr>
+          <p:nvPr/>
+        </p:nvPicPr>
+        <p:blipFill>
+          <a:blip r:embed="rId4"/>
+          <a:srcRect/>
+          <a:stretch>
+            <a:fillRect/>
+          </a:stretch>
+        </p:blipFill>
+        <p:spPr>
+          <a:xfrm>
+            <a:off x="-6847039" y="-3151453"/>
+            <a:ext cx="17622501" cy="13216708"/>
+          </a:xfrm>
+          <a:prstGeom prst="rect">
+            <a:avLst/>
+          </a:prstGeom>
+        </p:spPr>
+      </p:pic>
+      <p:pic>
+        <p:nvPicPr>
+          <p:cNvPr id="30" name="PPTLabsMagnifyPanAreaGroup201403311925462310"/>
+          <p:cNvPicPr>
+            <a:picLocks/>
+          </p:cNvPicPr>
+          <p:nvPr/>
+        </p:nvPicPr>
+        <p:blipFill>
+          <a:blip r:embed="rId4"/>
+          <a:srcRect/>
+          <a:stretch>
+            <a:fillRect/>
+          </a:stretch>
+        </p:blipFill>
+        <p:spPr>
+          <a:xfrm>
+            <a:off x="-6446015" y="-3716956"/>
+            <a:ext cx="17765297" cy="13323806"/>
+          </a:xfrm>
+          <a:prstGeom prst="rect">
+            <a:avLst/>
+          </a:prstGeom>
+        </p:spPr>
+      </p:pic>
+      <p:pic>
+        <p:nvPicPr>
+          <p:cNvPr id="31" name="PPTLabsMagnifyPanAreaGroup201403311925462330"/>
+          <p:cNvPicPr>
+            <a:picLocks/>
+          </p:cNvPicPr>
+          <p:nvPr/>
+        </p:nvPicPr>
+        <p:blipFill>
+          <a:blip r:embed="rId4"/>
+          <a:srcRect/>
+          <a:stretch>
+            <a:fillRect/>
+          </a:stretch>
+        </p:blipFill>
+        <p:spPr>
+          <a:xfrm>
+            <a:off x="-6044991" y="-4282459"/>
+            <a:ext cx="17908093" cy="13430904"/>
+          </a:xfrm>
+          <a:prstGeom prst="rect">
+            <a:avLst/>
+          </a:prstGeom>
+        </p:spPr>
+      </p:pic>
+      <p:pic>
+        <p:nvPicPr>
+          <p:cNvPr id="32" name="PPTLabsMagnifyPanAreaGroup201403311925462350"/>
+          <p:cNvPicPr>
+            <a:picLocks/>
+          </p:cNvPicPr>
+          <p:nvPr/>
+        </p:nvPicPr>
+        <p:blipFill>
+          <a:blip r:embed="rId4"/>
+          <a:srcRect/>
+          <a:stretch>
+            <a:fillRect/>
+          </a:stretch>
+        </p:blipFill>
+        <p:spPr>
+          <a:xfrm>
+            <a:off x="-5643968" y="-4847961"/>
+            <a:ext cx="18050890" cy="13538003"/>
+          </a:xfrm>
+          <a:prstGeom prst="rect">
+            <a:avLst/>
+          </a:prstGeom>
+        </p:spPr>
+      </p:pic>
+      <p:pic>
+        <p:nvPicPr>
+          <p:cNvPr id="33" name="PPTLabsMagnifyPanAreaGroup201403311925462380"/>
+          <p:cNvPicPr>
+            <a:picLocks/>
+          </p:cNvPicPr>
+          <p:nvPr/>
+        </p:nvPicPr>
+        <p:blipFill>
+          <a:blip r:embed="rId4"/>
+          <a:srcRect/>
+          <a:stretch>
+            <a:fillRect/>
+          </a:stretch>
+        </p:blipFill>
+        <p:spPr>
+          <a:xfrm>
+            <a:off x="-5242944" y="-5413465"/>
+            <a:ext cx="18193686" cy="13645102"/>
+          </a:xfrm>
+          <a:prstGeom prst="rect">
+            <a:avLst/>
+          </a:prstGeom>
+        </p:spPr>
+      </p:pic>
+      <p:pic>
+        <p:nvPicPr>
+          <p:cNvPr id="34" name="PPTLabsMagnifyPanAreaGroup201403311925462420"/>
+          <p:cNvPicPr>
+            <a:picLocks/>
+          </p:cNvPicPr>
+          <p:nvPr/>
+        </p:nvPicPr>
+        <p:blipFill>
+          <a:blip r:embed="rId4"/>
+          <a:srcRect/>
+          <a:stretch>
+            <a:fillRect/>
+          </a:stretch>
+        </p:blipFill>
+        <p:spPr>
+          <a:xfrm>
+            <a:off x="-4841921" y="-5978968"/>
+            <a:ext cx="18336484" cy="13752200"/>
+          </a:xfrm>
+          <a:prstGeom prst="rect">
+            <a:avLst/>
+          </a:prstGeom>
+        </p:spPr>
+      </p:pic>
+      <p:pic>
+        <p:nvPicPr>
+          <p:cNvPr id="35" name="PPTLabsMagnifyPanAreaGroup201403311925462470"/>
+          <p:cNvPicPr>
+            <a:picLocks/>
+          </p:cNvPicPr>
+          <p:nvPr/>
+        </p:nvPicPr>
+        <p:blipFill>
+          <a:blip r:embed="rId4"/>
+          <a:srcRect/>
+          <a:stretch>
+            <a:fillRect/>
+          </a:stretch>
+        </p:blipFill>
+        <p:spPr>
+          <a:xfrm>
+            <a:off x="-4440897" y="-6544470"/>
+            <a:ext cx="18479281" cy="13859299"/>
+          </a:xfrm>
+          <a:prstGeom prst="rect">
+            <a:avLst/>
+          </a:prstGeom>
+        </p:spPr>
+      </p:pic>
+      <p:pic>
+        <p:nvPicPr>
+          <p:cNvPr id="36" name="PPTLabsMagnifyPanAreaGroup201403311925462500"/>
+          <p:cNvPicPr>
+            <a:picLocks/>
+          </p:cNvPicPr>
+          <p:nvPr/>
+        </p:nvPicPr>
+        <p:blipFill>
+          <a:blip r:embed="rId4"/>
+          <a:srcRect/>
+          <a:stretch>
+            <a:fillRect/>
+          </a:stretch>
+        </p:blipFill>
+        <p:spPr>
+          <a:xfrm>
+            <a:off x="-4039873" y="-7109974"/>
+            <a:ext cx="18622077" cy="13966398"/>
+          </a:xfrm>
+          <a:prstGeom prst="rect">
+            <a:avLst/>
+          </a:prstGeom>
+        </p:spPr>
+      </p:pic>
+      <p:pic>
+        <p:nvPicPr>
+          <p:cNvPr id="37" name="PPTLabsDeMagnifyAreaSlide201403311925462530"/>
+          <p:cNvPicPr>
+            <a:picLocks/>
+          </p:cNvPicPr>
+          <p:nvPr/>
+        </p:nvPicPr>
+        <p:blipFill>
+          <a:blip r:embed="rId3"/>
+          <a:stretch>
+            <a:fillRect/>
+          </a:stretch>
+        </p:blipFill>
+        <p:spPr>
+          <a:xfrm>
+            <a:off x="-4029560" y="-7090474"/>
+            <a:ext cx="18597967" cy="13948474"/>
+          </a:xfrm>
+          <a:prstGeom prst="rect">
+            <a:avLst/>
+          </a:prstGeom>
+        </p:spPr>
+      </p:pic>
+      <p:pic>
+        <p:nvPicPr>
+          <p:cNvPr id="41" name="PPTLabsDeMagnifyAreaSlide201403311925462530"/>
+          <p:cNvPicPr>
+            <a:picLocks/>
+          </p:cNvPicPr>
+          <p:nvPr/>
+        </p:nvPicPr>
+        <p:blipFill>
+          <a:blip r:embed="rId3"/>
+          <a:stretch>
+            <a:fillRect/>
+          </a:stretch>
+        </p:blipFill>
+        <p:spPr>
+          <a:xfrm>
+            <a:off x="-3626604" y="-6381426"/>
+            <a:ext cx="17652570" cy="13239426"/>
+          </a:xfrm>
+          <a:prstGeom prst="rect">
+            <a:avLst/>
+          </a:prstGeom>
+        </p:spPr>
+      </p:pic>
+      <p:pic>
+        <p:nvPicPr>
+          <p:cNvPr id="42" name="PPTLabsDeMagnifyAreaSlide201403311925462530"/>
+          <p:cNvPicPr>
+            <a:picLocks/>
+          </p:cNvPicPr>
+          <p:nvPr/>
+        </p:nvPicPr>
+        <p:blipFill>
+          <a:blip r:embed="rId3"/>
+          <a:stretch>
+            <a:fillRect/>
+          </a:stretch>
+        </p:blipFill>
+        <p:spPr>
+          <a:xfrm>
+            <a:off x="-3223648" y="-5672379"/>
+            <a:ext cx="16707173" cy="12530379"/>
+          </a:xfrm>
+          <a:prstGeom prst="rect">
+            <a:avLst/>
+          </a:prstGeom>
+        </p:spPr>
+      </p:pic>
+      <p:pic>
+        <p:nvPicPr>
+          <p:cNvPr id="43" name="PPTLabsDeMagnifyAreaSlide201403311925462530"/>
+          <p:cNvPicPr>
+            <a:picLocks/>
+          </p:cNvPicPr>
+          <p:nvPr/>
+        </p:nvPicPr>
+        <p:blipFill>
+          <a:blip r:embed="rId3"/>
+          <a:stretch>
+            <a:fillRect/>
+          </a:stretch>
+        </p:blipFill>
+        <p:spPr>
+          <a:xfrm>
+            <a:off x="-2820692" y="-4963331"/>
+            <a:ext cx="15761776" cy="11821331"/>
+          </a:xfrm>
+          <a:prstGeom prst="rect">
+            <a:avLst/>
+          </a:prstGeom>
+        </p:spPr>
+      </p:pic>
+      <p:pic>
+        <p:nvPicPr>
+          <p:cNvPr id="44" name="PPTLabsDeMagnifyAreaSlide201403311925462530"/>
+          <p:cNvPicPr>
+            <a:picLocks/>
+          </p:cNvPicPr>
+          <p:nvPr/>
+        </p:nvPicPr>
+        <p:blipFill>
+          <a:blip r:embed="rId3"/>
+          <a:stretch>
+            <a:fillRect/>
+          </a:stretch>
+        </p:blipFill>
+        <p:spPr>
+          <a:xfrm>
+            <a:off x="-2417737" y="-4254284"/>
+            <a:ext cx="14816380" cy="11112284"/>
+          </a:xfrm>
+          <a:prstGeom prst="rect">
+            <a:avLst/>
+          </a:prstGeom>
+        </p:spPr>
+      </p:pic>
+      <p:pic>
+        <p:nvPicPr>
+          <p:cNvPr id="45" name="PPTLabsDeMagnifyAreaSlide201403311925462530"/>
+          <p:cNvPicPr>
+            <a:picLocks/>
+          </p:cNvPicPr>
+          <p:nvPr/>
+        </p:nvPicPr>
+        <p:blipFill>
+          <a:blip r:embed="rId3"/>
+          <a:stretch>
+            <a:fillRect/>
+          </a:stretch>
+        </p:blipFill>
+        <p:spPr>
+          <a:xfrm>
+            <a:off x="-2014780" y="-3545236"/>
+            <a:ext cx="13870983" cy="10403237"/>
+          </a:xfrm>
+          <a:prstGeom prst="rect">
+            <a:avLst/>
+          </a:prstGeom>
+        </p:spPr>
+      </p:pic>
+      <p:pic>
+        <p:nvPicPr>
+          <p:cNvPr id="46" name="PPTLabsDeMagnifyAreaSlide201403311925462530"/>
+          <p:cNvPicPr>
+            <a:picLocks/>
+          </p:cNvPicPr>
+          <p:nvPr/>
+        </p:nvPicPr>
+        <p:blipFill>
+          <a:blip r:embed="rId3"/>
+          <a:stretch>
+            <a:fillRect/>
+          </a:stretch>
+        </p:blipFill>
+        <p:spPr>
+          <a:xfrm>
+            <a:off x="-1611825" y="-2836189"/>
+            <a:ext cx="12925586" cy="9694189"/>
+          </a:xfrm>
+          <a:prstGeom prst="rect">
+            <a:avLst/>
+          </a:prstGeom>
+        </p:spPr>
+      </p:pic>
+      <p:pic>
+        <p:nvPicPr>
+          <p:cNvPr id="47" name="PPTLabsDeMagnifyAreaSlide201403311925462530"/>
+          <p:cNvPicPr>
+            <a:picLocks/>
+          </p:cNvPicPr>
+          <p:nvPr/>
+        </p:nvPicPr>
+        <p:blipFill>
+          <a:blip r:embed="rId3"/>
+          <a:stretch>
+            <a:fillRect/>
+          </a:stretch>
+        </p:blipFill>
+        <p:spPr>
+          <a:xfrm>
+            <a:off x="-1208868" y="-2127142"/>
+            <a:ext cx="11980189" cy="8985143"/>
+          </a:xfrm>
+          <a:prstGeom prst="rect">
+            <a:avLst/>
+          </a:prstGeom>
+        </p:spPr>
+      </p:pic>
+      <p:pic>
+        <p:nvPicPr>
+          <p:cNvPr id="48" name="PPTLabsDeMagnifyAreaSlide201403311925462530"/>
+          <p:cNvPicPr>
+            <a:picLocks/>
+          </p:cNvPicPr>
+          <p:nvPr/>
+        </p:nvPicPr>
+        <p:blipFill>
+          <a:blip r:embed="rId3"/>
+          <a:stretch>
+            <a:fillRect/>
+          </a:stretch>
+        </p:blipFill>
+        <p:spPr>
+          <a:xfrm>
+            <a:off x="-805913" y="-1418094"/>
+            <a:ext cx="11034792" cy="8276095"/>
+          </a:xfrm>
+          <a:prstGeom prst="rect">
+            <a:avLst/>
+          </a:prstGeom>
+        </p:spPr>
+      </p:pic>
+      <p:pic>
+        <p:nvPicPr>
+          <p:cNvPr id="49" name="PPTLabsDeMagnifyAreaSlide201403311925462530"/>
+          <p:cNvPicPr>
+            <a:picLocks/>
+          </p:cNvPicPr>
+          <p:nvPr/>
+        </p:nvPicPr>
+        <p:blipFill>
+          <a:blip r:embed="rId3"/>
+          <a:stretch>
+            <a:fillRect/>
+          </a:stretch>
+        </p:blipFill>
+        <p:spPr>
+          <a:xfrm>
+            <a:off x="-402956" y="-709047"/>
+            <a:ext cx="10089395" cy="7567047"/>
+          </a:xfrm>
+          <a:prstGeom prst="rect">
+            <a:avLst/>
+          </a:prstGeom>
+        </p:spPr>
+      </p:pic>
+      <p:pic>
+        <p:nvPicPr>
+          <p:cNvPr id="50" name="PPTLabsDeMagnifyAreaSlide201403311925462530"/>
+          <p:cNvPicPr>
+            <a:picLocks/>
+          </p:cNvPicPr>
+          <p:nvPr/>
+        </p:nvPicPr>
+        <p:blipFill>
+          <a:blip r:embed="rId3"/>
+          <a:stretch>
+            <a:fillRect/>
+          </a:stretch>
+        </p:blipFill>
+        <p:spPr>
+          <a:xfrm>
+            <a:off x="0" y="0"/>
+            <a:ext cx="9143998" cy="6858000"/>
+          </a:xfrm>
+          <a:prstGeom prst="rect">
+            <a:avLst/>
+          </a:prstGeom>
+        </p:spPr>
+      </p:pic>
+      <p:pic>
+        <p:nvPicPr>
+          <p:cNvPr id="11" name="PPIndicator201403311925461770"/>
+          <p:cNvPicPr>
+            <a:picLocks/>
+          </p:cNvPicPr>
+          <p:nvPr/>
+        </p:nvPicPr>
+        <p:blipFill>
+          <a:blip r:embed="rId5" cstate="print">
+            <a:extLst>
+              <a:ext uri="{28A0092B-C50C-407E-A947-70E740481C1C}">
+                <a14:useLocalDpi xmlns:a14="http://schemas.microsoft.com/office/drawing/2010/main" val="0"/>
+              </a:ext>
+            </a:extLst>
+          </a:blip>
+          <a:stretch>
+            <a:fillRect/>
+          </a:stretch>
+        </p:blipFill>
+        <p:spPr>
+          <a:xfrm>
+            <a:off x="7620000" y="0"/>
+            <a:ext cx="1524000" cy="1066800"/>
+          </a:xfrm>
+          <a:prstGeom prst="rect">
+            <a:avLst/>
+          </a:prstGeom>
+        </p:spPr>
+      </p:pic>
+      <p:sp>
+        <p:nvSpPr>
+          <p:cNvPr id="51" name="[text 3]"/>
+          <p:cNvSpPr txBox="1"/>
+          <p:nvPr/>
+        </p:nvSpPr>
+        <p:spPr>
+          <a:xfrm>
+            <a:off x="430386" y="6043939"/>
+            <a:ext cx="2644122" cy="523220"/>
+          </a:xfrm>
+          <a:prstGeom prst="rect">
+            <a:avLst/>
+          </a:prstGeom>
+          <a:noFill/>
+        </p:spPr>
+        <p:txBody>
+          <a:bodyPr wrap="none" rtlCol="0">
+            <a:spAutoFit/>
+          </a:bodyPr>
+          <a:lstStyle/>
+          <a:p>
+            <a:r>
+              <a:rPr lang="en-US" sz="2800" b="1" dirty="0" smtClean="0">
+                <a:solidFill>
+                  <a:schemeClr val="bg1">
+                    <a:lumMod val="75000"/>
+                  </a:schemeClr>
+                </a:solidFill>
+              </a:rPr>
+              <a:t>Expected output</a:t>
+            </a:r>
+            <a:endParaRPr lang="en-SG" sz="2800" b="1" dirty="0">
+              <a:solidFill>
+                <a:schemeClr val="bg1">
+                  <a:lumMod val="75000"/>
+                </a:schemeClr>
+              </a:solidFill>
+            </a:endParaRPr>
+          </a:p>
+        </p:txBody>
+      </p:sp>
+    </p:spTree>
+    <p:extLst>
+      <p:ext uri="{BB962C8B-B14F-4D97-AF65-F5344CB8AC3E}">
+        <p14:creationId xmlns:p14="http://schemas.microsoft.com/office/powerpoint/2010/main" val="4254419779"/>
+      </p:ext>
+    </p:extLst>
+  </p:cSld>
+  <p:clrMapOvr>
+    <a:masterClrMapping/>
+  </p:clrMapOvr>
+  <mc:AlternateContent xmlns:mc="http://schemas.openxmlformats.org/markup-compatibility/2006" xmlns:p14="http://schemas.microsoft.com/office/powerpoint/2010/main">
+    <mc:Choice Requires="p14">
+      <p:transition spd="slow" p14:dur="2000"/>
+    </mc:Choice>
+    <mc:Fallback xmlns="">
+      <p:transition spd="slow"/>
+    </mc:Fallback>
+  </mc:AlternateContent>
+  <p:timing>
+    <p:tnLst>
+      <p:par>
+        <p:cTn id="1" dur="indefinite" restart="never" nodeType="tmRoot">
+          <p:childTnLst>
+            <p:seq concurrent="1" nextAc="seek">
+              <p:cTn id="2" dur="indefinite" nodeType="mainSeq">
+                <p:childTnLst>
+                  <p:par>
+                    <p:cTn id="3" fill="hold">
+                      <p:stCondLst>
+                        <p:cond delay="indefinite"/>
+                        <p:cond evt="onBegin" delay="0">
+                          <p:tn val="2"/>
+                        </p:cond>
+                      </p:stCondLst>
+                      <p:childTnLst>
+                        <p:par>
+                          <p:cTn id="4" fill="hold">
+                            <p:stCondLst>
+                              <p:cond delay="0"/>
+                            </p:stCondLst>
+                            <p:childTnLst>
+                              <p:par>
+                                <p:cTn id="5" presetID="1" presetClass="entr" presetSubtype="0" fill="hold" nodeType="withEffect">
+                                  <p:stCondLst>
+                                    <p:cond delay="0"/>
+                                  </p:stCondLst>
+                                  <p:childTnLst>
+                                    <p:set>
+                                      <p:cBhvr>
+                                        <p:cTn id="6" dur="1" fill="hold">
+                                          <p:stCondLst>
+                                            <p:cond delay="0"/>
+                                          </p:stCondLst>
+                                        </p:cTn>
+                                        <p:tgtEl>
+                                          <p:spTgt spid="11"/>
+                                        </p:tgtEl>
+                                        <p:attrNameLst>
+                                          <p:attrName>style.visibility</p:attrName>
+                                        </p:attrNameLst>
+                                      </p:cBhvr>
+                                      <p:to>
+                                        <p:strVal val="visible"/>
+                                      </p:to>
+                                    </p:set>
+                                  </p:childTnLst>
+                                </p:cTn>
+                              </p:par>
+                              <p:par>
+                                <p:cTn id="7" presetID="1" presetClass="exit" presetSubtype="0" fill="hold" nodeType="withEffect">
+                                  <p:stCondLst>
+                                    <p:cond delay="0"/>
+                                  </p:stCondLst>
+                                  <p:childTnLst>
+                                    <p:set>
+                                      <p:cBhvr>
+                                        <p:cTn id="8" dur="1" fill="hold">
+                                          <p:stCondLst>
+                                            <p:cond delay="0"/>
+                                          </p:stCondLst>
+                                        </p:cTn>
+                                        <p:tgtEl>
+                                          <p:spTgt spid="11"/>
+                                        </p:tgtEl>
+                                        <p:attrNameLst>
+                                          <p:attrName>style.visibility</p:attrName>
+                                        </p:attrNameLst>
+                                      </p:cBhvr>
+                                      <p:to>
+                                        <p:strVal val="hidden"/>
+                                      </p:to>
+                                    </p:set>
+                                  </p:childTnLst>
+                                </p:cTn>
+                              </p:par>
+                            </p:childTnLst>
+                          </p:cTn>
+                        </p:par>
+                        <p:par>
+                          <p:cTn id="9" fill="hold">
+                            <p:stCondLst>
+                              <p:cond delay="0"/>
+                            </p:stCondLst>
+                            <p:childTnLst>
+                              <p:par>
+                                <p:cTn id="10" presetID="42" presetClass="path" presetSubtype="0" fill="hold" nodeType="afterEffect">
+                                  <p:stCondLst>
+                                    <p:cond delay="0"/>
+                                  </p:stCondLst>
+                                  <p:childTnLst>
+                                    <p:animMotion origin="layout" path="M 0 0 C 0.2739166 0.299782 0.2739166 0.299782 0.5478333 0.599564 E" pathEditMode="relative" ptsTypes="">
+                                      <p:cBhvr>
+                                        <p:cTn id="11" dur="500" fill="hold"/>
+                                        <p:tgtEl>
+                                          <p:spTgt spid="12"/>
+                                        </p:tgtEl>
+                                        <p:attrNameLst>
+                                          <p:attrName>ppt_x</p:attrName>
+                                          <p:attrName>ppt_y</p:attrName>
+                                        </p:attrNameLst>
+                                      </p:cBhvr>
+                                    </p:animMotion>
+                                  </p:childTnLst>
+                                </p:cTn>
+                              </p:par>
+                              <p:par>
+                                <p:cTn id="12" presetID="6" presetClass="emph" presetSubtype="0" fill="hold" nodeType="withEffect">
+                                  <p:stCondLst>
+                                    <p:cond delay="0"/>
+                                  </p:stCondLst>
+                                  <p:childTnLst>
+                                    <p:animScale>
+                                      <p:cBhvr>
+                                        <p:cTn id="13" dur="500" fill="hold"/>
+                                        <p:tgtEl>
+                                          <p:spTgt spid="12"/>
+                                        </p:tgtEl>
+                                      </p:cBhvr>
+                                      <p:by x="279422" y="279422"/>
+                                    </p:animScale>
+                                  </p:childTnLst>
+                                </p:cTn>
+                              </p:par>
+                            </p:childTnLst>
+                          </p:cTn>
+                        </p:par>
+                        <p:par>
+                          <p:cTn id="14" fill="hold">
+                            <p:stCondLst>
+                              <p:cond delay="500"/>
+                            </p:stCondLst>
+                            <p:childTnLst>
+                              <p:par>
+                                <p:cTn id="15" presetID="1" presetClass="entr" presetSubtype="0" fill="hold" nodeType="afterEffect">
+                                  <p:stCondLst>
+                                    <p:cond delay="0"/>
+                                  </p:stCondLst>
+                                  <p:childTnLst>
+                                    <p:set>
+                                      <p:cBhvr>
+                                        <p:cTn id="16" dur="1" fill="hold">
+                                          <p:stCondLst>
+                                            <p:cond delay="0"/>
+                                          </p:stCondLst>
+                                        </p:cTn>
+                                        <p:tgtEl>
+                                          <p:spTgt spid="14"/>
+                                        </p:tgtEl>
+                                        <p:attrNameLst>
+                                          <p:attrName>style.visibility</p:attrName>
+                                        </p:attrNameLst>
+                                      </p:cBhvr>
+                                      <p:to>
+                                        <p:strVal val="visible"/>
+                                      </p:to>
+                                    </p:set>
+                                  </p:childTnLst>
+                                </p:cTn>
+                              </p:par>
+                              <p:par>
+                                <p:cTn id="17" presetID="1" presetClass="exit" presetSubtype="0" fill="hold" nodeType="withEffect">
+                                  <p:stCondLst>
+                                    <p:cond delay="0"/>
+                                  </p:stCondLst>
+                                  <p:childTnLst>
+                                    <p:set>
+                                      <p:cBhvr>
+                                        <p:cTn id="18" dur="1" fill="hold">
+                                          <p:stCondLst>
+                                            <p:cond delay="0"/>
+                                          </p:stCondLst>
+                                        </p:cTn>
+                                        <p:tgtEl>
+                                          <p:spTgt spid="12"/>
+                                        </p:tgtEl>
+                                        <p:attrNameLst>
+                                          <p:attrName>style.visibility</p:attrName>
+                                        </p:attrNameLst>
+                                      </p:cBhvr>
+                                      <p:to>
+                                        <p:strVal val="hidden"/>
+                                      </p:to>
+                                    </p:set>
+                                  </p:childTnLst>
+                                </p:cTn>
+                              </p:par>
+                            </p:childTnLst>
+                          </p:cTn>
+                        </p:par>
+                      </p:childTnLst>
+                    </p:cTn>
+                  </p:par>
+                  <p:par>
+                    <p:cTn id="19" fill="hold">
+                      <p:stCondLst>
+                        <p:cond delay="indefinite"/>
+                      </p:stCondLst>
+                      <p:childTnLst>
+                        <p:par>
+                          <p:cTn id="20" fill="hold">
+                            <p:stCondLst>
+                              <p:cond delay="0"/>
+                            </p:stCondLst>
+                            <p:childTnLst>
+                              <p:par>
+                                <p:cTn id="21" presetID="1" presetClass="entr" presetSubtype="0" fill="hold" nodeType="clickEffect">
+                                  <p:stCondLst>
+                                    <p:cond delay="50"/>
+                                  </p:stCondLst>
+                                  <p:childTnLst>
+                                    <p:set>
+                                      <p:cBhvr>
+                                        <p:cTn id="22" dur="1" fill="hold">
+                                          <p:stCondLst>
+                                            <p:cond delay="0"/>
+                                          </p:stCondLst>
+                                        </p:cTn>
+                                        <p:tgtEl>
+                                          <p:spTgt spid="16"/>
+                                        </p:tgtEl>
+                                        <p:attrNameLst>
+                                          <p:attrName>style.visibility</p:attrName>
+                                        </p:attrNameLst>
+                                      </p:cBhvr>
+                                      <p:to>
+                                        <p:strVal val="visible"/>
+                                      </p:to>
+                                    </p:set>
+                                  </p:childTnLst>
+                                </p:cTn>
+                              </p:par>
+                              <p:par>
+                                <p:cTn id="23" presetID="1" presetClass="exit" presetSubtype="0" fill="hold" nodeType="withEffect">
+                                  <p:stCondLst>
+                                    <p:cond delay="50"/>
+                                  </p:stCondLst>
+                                  <p:childTnLst>
+                                    <p:set>
+                                      <p:cBhvr>
+                                        <p:cTn id="24" dur="1" fill="hold">
+                                          <p:stCondLst>
+                                            <p:cond delay="0"/>
+                                          </p:stCondLst>
+                                        </p:cTn>
+                                        <p:tgtEl>
+                                          <p:spTgt spid="14"/>
+                                        </p:tgtEl>
+                                        <p:attrNameLst>
+                                          <p:attrName>style.visibility</p:attrName>
+                                        </p:attrNameLst>
+                                      </p:cBhvr>
+                                      <p:to>
+                                        <p:strVal val="hidden"/>
+                                      </p:to>
+                                    </p:set>
+                                  </p:childTnLst>
+                                </p:cTn>
+                              </p:par>
+                              <p:par>
+                                <p:cTn id="25" presetID="1" presetClass="entr" presetSubtype="0" fill="hold" nodeType="withEffect">
+                                  <p:stCondLst>
+                                    <p:cond delay="100"/>
+                                  </p:stCondLst>
+                                  <p:childTnLst>
+                                    <p:set>
+                                      <p:cBhvr>
+                                        <p:cTn id="26" dur="1" fill="hold">
+                                          <p:stCondLst>
+                                            <p:cond delay="0"/>
+                                          </p:stCondLst>
+                                        </p:cTn>
+                                        <p:tgtEl>
+                                          <p:spTgt spid="17"/>
+                                        </p:tgtEl>
+                                        <p:attrNameLst>
+                                          <p:attrName>style.visibility</p:attrName>
+                                        </p:attrNameLst>
+                                      </p:cBhvr>
+                                      <p:to>
+                                        <p:strVal val="visible"/>
+                                      </p:to>
+                                    </p:set>
+                                  </p:childTnLst>
+                                </p:cTn>
+                              </p:par>
+                              <p:par>
+                                <p:cTn id="27" presetID="1" presetClass="exit" presetSubtype="0" fill="hold" nodeType="withEffect">
+                                  <p:stCondLst>
+                                    <p:cond delay="100"/>
+                                  </p:stCondLst>
+                                  <p:childTnLst>
+                                    <p:set>
+                                      <p:cBhvr>
+                                        <p:cTn id="28" dur="1" fill="hold">
+                                          <p:stCondLst>
+                                            <p:cond delay="0"/>
+                                          </p:stCondLst>
+                                        </p:cTn>
+                                        <p:tgtEl>
+                                          <p:spTgt spid="16"/>
+                                        </p:tgtEl>
+                                        <p:attrNameLst>
+                                          <p:attrName>style.visibility</p:attrName>
+                                        </p:attrNameLst>
+                                      </p:cBhvr>
+                                      <p:to>
+                                        <p:strVal val="hidden"/>
+                                      </p:to>
+                                    </p:set>
+                                  </p:childTnLst>
+                                </p:cTn>
+                              </p:par>
+                              <p:par>
+                                <p:cTn id="29" presetID="1" presetClass="entr" presetSubtype="0" fill="hold" nodeType="withEffect">
+                                  <p:stCondLst>
+                                    <p:cond delay="150"/>
+                                  </p:stCondLst>
+                                  <p:childTnLst>
+                                    <p:set>
+                                      <p:cBhvr>
+                                        <p:cTn id="30" dur="1" fill="hold">
+                                          <p:stCondLst>
+                                            <p:cond delay="0"/>
+                                          </p:stCondLst>
+                                        </p:cTn>
+                                        <p:tgtEl>
+                                          <p:spTgt spid="18"/>
+                                        </p:tgtEl>
+                                        <p:attrNameLst>
+                                          <p:attrName>style.visibility</p:attrName>
+                                        </p:attrNameLst>
+                                      </p:cBhvr>
+                                      <p:to>
+                                        <p:strVal val="visible"/>
+                                      </p:to>
+                                    </p:set>
+                                  </p:childTnLst>
+                                </p:cTn>
+                              </p:par>
+                              <p:par>
+                                <p:cTn id="31" presetID="1" presetClass="exit" presetSubtype="0" fill="hold" nodeType="withEffect">
+                                  <p:stCondLst>
+                                    <p:cond delay="150"/>
+                                  </p:stCondLst>
+                                  <p:childTnLst>
+                                    <p:set>
+                                      <p:cBhvr>
+                                        <p:cTn id="32" dur="1" fill="hold">
+                                          <p:stCondLst>
+                                            <p:cond delay="0"/>
+                                          </p:stCondLst>
+                                        </p:cTn>
+                                        <p:tgtEl>
+                                          <p:spTgt spid="17"/>
+                                        </p:tgtEl>
+                                        <p:attrNameLst>
+                                          <p:attrName>style.visibility</p:attrName>
+                                        </p:attrNameLst>
+                                      </p:cBhvr>
+                                      <p:to>
+                                        <p:strVal val="hidden"/>
+                                      </p:to>
+                                    </p:set>
+                                  </p:childTnLst>
+                                </p:cTn>
+                              </p:par>
+                              <p:par>
+                                <p:cTn id="33" presetID="1" presetClass="entr" presetSubtype="0" fill="hold" nodeType="withEffect">
+                                  <p:stCondLst>
+                                    <p:cond delay="200"/>
+                                  </p:stCondLst>
+                                  <p:childTnLst>
+                                    <p:set>
+                                      <p:cBhvr>
+                                        <p:cTn id="34" dur="1" fill="hold">
+                                          <p:stCondLst>
+                                            <p:cond delay="0"/>
+                                          </p:stCondLst>
+                                        </p:cTn>
+                                        <p:tgtEl>
+                                          <p:spTgt spid="19"/>
+                                        </p:tgtEl>
+                                        <p:attrNameLst>
+                                          <p:attrName>style.visibility</p:attrName>
+                                        </p:attrNameLst>
+                                      </p:cBhvr>
+                                      <p:to>
+                                        <p:strVal val="visible"/>
+                                      </p:to>
+                                    </p:set>
+                                  </p:childTnLst>
+                                </p:cTn>
+                              </p:par>
+                              <p:par>
+                                <p:cTn id="35" presetID="1" presetClass="exit" presetSubtype="0" fill="hold" nodeType="withEffect">
+                                  <p:stCondLst>
+                                    <p:cond delay="200"/>
+                                  </p:stCondLst>
+                                  <p:childTnLst>
+                                    <p:set>
+                                      <p:cBhvr>
+                                        <p:cTn id="36" dur="1" fill="hold">
+                                          <p:stCondLst>
+                                            <p:cond delay="0"/>
+                                          </p:stCondLst>
+                                        </p:cTn>
+                                        <p:tgtEl>
+                                          <p:spTgt spid="18"/>
+                                        </p:tgtEl>
+                                        <p:attrNameLst>
+                                          <p:attrName>style.visibility</p:attrName>
+                                        </p:attrNameLst>
+                                      </p:cBhvr>
+                                      <p:to>
+                                        <p:strVal val="hidden"/>
+                                      </p:to>
+                                    </p:set>
+                                  </p:childTnLst>
+                                </p:cTn>
+                              </p:par>
+                              <p:par>
+                                <p:cTn id="37" presetID="1" presetClass="entr" presetSubtype="0" fill="hold" nodeType="withEffect">
+                                  <p:stCondLst>
+                                    <p:cond delay="250"/>
+                                  </p:stCondLst>
+                                  <p:childTnLst>
+                                    <p:set>
+                                      <p:cBhvr>
+                                        <p:cTn id="38" dur="1" fill="hold">
+                                          <p:stCondLst>
+                                            <p:cond delay="0"/>
+                                          </p:stCondLst>
+                                        </p:cTn>
+                                        <p:tgtEl>
+                                          <p:spTgt spid="20"/>
+                                        </p:tgtEl>
+                                        <p:attrNameLst>
+                                          <p:attrName>style.visibility</p:attrName>
+                                        </p:attrNameLst>
+                                      </p:cBhvr>
+                                      <p:to>
+                                        <p:strVal val="visible"/>
+                                      </p:to>
+                                    </p:set>
+                                  </p:childTnLst>
+                                </p:cTn>
+                              </p:par>
+                              <p:par>
+                                <p:cTn id="39" presetID="1" presetClass="exit" presetSubtype="0" fill="hold" nodeType="withEffect">
+                                  <p:stCondLst>
+                                    <p:cond delay="250"/>
+                                  </p:stCondLst>
+                                  <p:childTnLst>
+                                    <p:set>
+                                      <p:cBhvr>
+                                        <p:cTn id="40" dur="1" fill="hold">
+                                          <p:stCondLst>
+                                            <p:cond delay="0"/>
+                                          </p:stCondLst>
+                                        </p:cTn>
+                                        <p:tgtEl>
+                                          <p:spTgt spid="19"/>
+                                        </p:tgtEl>
+                                        <p:attrNameLst>
+                                          <p:attrName>style.visibility</p:attrName>
+                                        </p:attrNameLst>
+                                      </p:cBhvr>
+                                      <p:to>
+                                        <p:strVal val="hidden"/>
+                                      </p:to>
+                                    </p:set>
+                                  </p:childTnLst>
+                                </p:cTn>
+                              </p:par>
+                              <p:par>
+                                <p:cTn id="41" presetID="1" presetClass="entr" presetSubtype="0" fill="hold" nodeType="withEffect">
+                                  <p:stCondLst>
+                                    <p:cond delay="300"/>
+                                  </p:stCondLst>
+                                  <p:childTnLst>
+                                    <p:set>
+                                      <p:cBhvr>
+                                        <p:cTn id="42" dur="1" fill="hold">
+                                          <p:stCondLst>
+                                            <p:cond delay="0"/>
+                                          </p:stCondLst>
+                                        </p:cTn>
+                                        <p:tgtEl>
+                                          <p:spTgt spid="21"/>
+                                        </p:tgtEl>
+                                        <p:attrNameLst>
+                                          <p:attrName>style.visibility</p:attrName>
+                                        </p:attrNameLst>
+                                      </p:cBhvr>
+                                      <p:to>
+                                        <p:strVal val="visible"/>
+                                      </p:to>
+                                    </p:set>
+                                  </p:childTnLst>
+                                </p:cTn>
+                              </p:par>
+                              <p:par>
+                                <p:cTn id="43" presetID="1" presetClass="exit" presetSubtype="0" fill="hold" nodeType="withEffect">
+                                  <p:stCondLst>
+                                    <p:cond delay="300"/>
+                                  </p:stCondLst>
+                                  <p:childTnLst>
+                                    <p:set>
+                                      <p:cBhvr>
+                                        <p:cTn id="44" dur="1" fill="hold">
+                                          <p:stCondLst>
+                                            <p:cond delay="0"/>
+                                          </p:stCondLst>
+                                        </p:cTn>
+                                        <p:tgtEl>
+                                          <p:spTgt spid="20"/>
+                                        </p:tgtEl>
+                                        <p:attrNameLst>
+                                          <p:attrName>style.visibility</p:attrName>
+                                        </p:attrNameLst>
+                                      </p:cBhvr>
+                                      <p:to>
+                                        <p:strVal val="hidden"/>
+                                      </p:to>
+                                    </p:set>
+                                  </p:childTnLst>
+                                </p:cTn>
+                              </p:par>
+                              <p:par>
+                                <p:cTn id="45" presetID="1" presetClass="entr" presetSubtype="0" fill="hold" nodeType="withEffect">
+                                  <p:stCondLst>
+                                    <p:cond delay="350"/>
+                                  </p:stCondLst>
+                                  <p:childTnLst>
+                                    <p:set>
+                                      <p:cBhvr>
+                                        <p:cTn id="46" dur="1" fill="hold">
+                                          <p:stCondLst>
+                                            <p:cond delay="0"/>
+                                          </p:stCondLst>
+                                        </p:cTn>
+                                        <p:tgtEl>
+                                          <p:spTgt spid="22"/>
+                                        </p:tgtEl>
+                                        <p:attrNameLst>
+                                          <p:attrName>style.visibility</p:attrName>
+                                        </p:attrNameLst>
+                                      </p:cBhvr>
+                                      <p:to>
+                                        <p:strVal val="visible"/>
+                                      </p:to>
+                                    </p:set>
+                                  </p:childTnLst>
+                                </p:cTn>
+                              </p:par>
+                              <p:par>
+                                <p:cTn id="47" presetID="1" presetClass="exit" presetSubtype="0" fill="hold" nodeType="withEffect">
+                                  <p:stCondLst>
+                                    <p:cond delay="350"/>
+                                  </p:stCondLst>
+                                  <p:childTnLst>
+                                    <p:set>
+                                      <p:cBhvr>
+                                        <p:cTn id="48" dur="1" fill="hold">
+                                          <p:stCondLst>
+                                            <p:cond delay="0"/>
+                                          </p:stCondLst>
+                                        </p:cTn>
+                                        <p:tgtEl>
+                                          <p:spTgt spid="21"/>
+                                        </p:tgtEl>
+                                        <p:attrNameLst>
+                                          <p:attrName>style.visibility</p:attrName>
+                                        </p:attrNameLst>
+                                      </p:cBhvr>
+                                      <p:to>
+                                        <p:strVal val="hidden"/>
+                                      </p:to>
+                                    </p:set>
+                                  </p:childTnLst>
+                                </p:cTn>
+                              </p:par>
+                              <p:par>
+                                <p:cTn id="49" presetID="1" presetClass="entr" presetSubtype="0" fill="hold" nodeType="withEffect">
+                                  <p:stCondLst>
+                                    <p:cond delay="400"/>
+                                  </p:stCondLst>
+                                  <p:childTnLst>
+                                    <p:set>
+                                      <p:cBhvr>
+                                        <p:cTn id="50" dur="1" fill="hold">
+                                          <p:stCondLst>
+                                            <p:cond delay="0"/>
+                                          </p:stCondLst>
+                                        </p:cTn>
+                                        <p:tgtEl>
+                                          <p:spTgt spid="23"/>
+                                        </p:tgtEl>
+                                        <p:attrNameLst>
+                                          <p:attrName>style.visibility</p:attrName>
+                                        </p:attrNameLst>
+                                      </p:cBhvr>
+                                      <p:to>
+                                        <p:strVal val="visible"/>
+                                      </p:to>
+                                    </p:set>
+                                  </p:childTnLst>
+                                </p:cTn>
+                              </p:par>
+                              <p:par>
+                                <p:cTn id="51" presetID="1" presetClass="exit" presetSubtype="0" fill="hold" nodeType="withEffect">
+                                  <p:stCondLst>
+                                    <p:cond delay="400"/>
+                                  </p:stCondLst>
+                                  <p:childTnLst>
+                                    <p:set>
+                                      <p:cBhvr>
+                                        <p:cTn id="52" dur="1" fill="hold">
+                                          <p:stCondLst>
+                                            <p:cond delay="0"/>
+                                          </p:stCondLst>
+                                        </p:cTn>
+                                        <p:tgtEl>
+                                          <p:spTgt spid="22"/>
+                                        </p:tgtEl>
+                                        <p:attrNameLst>
+                                          <p:attrName>style.visibility</p:attrName>
+                                        </p:attrNameLst>
+                                      </p:cBhvr>
+                                      <p:to>
+                                        <p:strVal val="hidden"/>
+                                      </p:to>
+                                    </p:set>
+                                  </p:childTnLst>
+                                </p:cTn>
+                              </p:par>
+                              <p:par>
+                                <p:cTn id="53" presetID="1" presetClass="entr" presetSubtype="0" fill="hold" nodeType="withEffect">
+                                  <p:stCondLst>
+                                    <p:cond delay="450"/>
+                                  </p:stCondLst>
+                                  <p:childTnLst>
+                                    <p:set>
+                                      <p:cBhvr>
+                                        <p:cTn id="54" dur="1" fill="hold">
+                                          <p:stCondLst>
+                                            <p:cond delay="0"/>
+                                          </p:stCondLst>
+                                        </p:cTn>
+                                        <p:tgtEl>
+                                          <p:spTgt spid="24"/>
+                                        </p:tgtEl>
+                                        <p:attrNameLst>
+                                          <p:attrName>style.visibility</p:attrName>
+                                        </p:attrNameLst>
+                                      </p:cBhvr>
+                                      <p:to>
+                                        <p:strVal val="visible"/>
+                                      </p:to>
+                                    </p:set>
+                                  </p:childTnLst>
+                                </p:cTn>
+                              </p:par>
+                              <p:par>
+                                <p:cTn id="55" presetID="1" presetClass="exit" presetSubtype="0" fill="hold" nodeType="withEffect">
+                                  <p:stCondLst>
+                                    <p:cond delay="450"/>
+                                  </p:stCondLst>
+                                  <p:childTnLst>
+                                    <p:set>
+                                      <p:cBhvr>
+                                        <p:cTn id="56" dur="1" fill="hold">
+                                          <p:stCondLst>
+                                            <p:cond delay="0"/>
+                                          </p:stCondLst>
+                                        </p:cTn>
+                                        <p:tgtEl>
+                                          <p:spTgt spid="23"/>
+                                        </p:tgtEl>
+                                        <p:attrNameLst>
+                                          <p:attrName>style.visibility</p:attrName>
+                                        </p:attrNameLst>
+                                      </p:cBhvr>
+                                      <p:to>
+                                        <p:strVal val="hidden"/>
+                                      </p:to>
+                                    </p:set>
+                                  </p:childTnLst>
+                                </p:cTn>
+                              </p:par>
+                              <p:par>
+                                <p:cTn id="57" presetID="1" presetClass="entr" presetSubtype="0" fill="hold" nodeType="withEffect">
+                                  <p:stCondLst>
+                                    <p:cond delay="500"/>
+                                  </p:stCondLst>
+                                  <p:childTnLst>
+                                    <p:set>
+                                      <p:cBhvr>
+                                        <p:cTn id="58" dur="1" fill="hold">
+                                          <p:stCondLst>
+                                            <p:cond delay="0"/>
+                                          </p:stCondLst>
+                                        </p:cTn>
+                                        <p:tgtEl>
+                                          <p:spTgt spid="25"/>
+                                        </p:tgtEl>
+                                        <p:attrNameLst>
+                                          <p:attrName>style.visibility</p:attrName>
+                                        </p:attrNameLst>
+                                      </p:cBhvr>
+                                      <p:to>
+                                        <p:strVal val="visible"/>
+                                      </p:to>
+                                    </p:set>
+                                  </p:childTnLst>
+                                </p:cTn>
+                              </p:par>
+                              <p:par>
+                                <p:cTn id="59" presetID="1" presetClass="exit" presetSubtype="0" fill="hold" nodeType="withEffect">
+                                  <p:stCondLst>
+                                    <p:cond delay="500"/>
+                                  </p:stCondLst>
+                                  <p:childTnLst>
+                                    <p:set>
+                                      <p:cBhvr>
+                                        <p:cTn id="60" dur="1" fill="hold">
+                                          <p:stCondLst>
+                                            <p:cond delay="0"/>
+                                          </p:stCondLst>
+                                        </p:cTn>
+                                        <p:tgtEl>
+                                          <p:spTgt spid="24"/>
+                                        </p:tgtEl>
+                                        <p:attrNameLst>
+                                          <p:attrName>style.visibility</p:attrName>
+                                        </p:attrNameLst>
+                                      </p:cBhvr>
+                                      <p:to>
+                                        <p:strVal val="hidden"/>
+                                      </p:to>
+                                    </p:set>
+                                  </p:childTnLst>
+                                </p:cTn>
+                              </p:par>
+                            </p:childTnLst>
+                          </p:cTn>
+                        </p:par>
+                        <p:par>
+                          <p:cTn id="61" fill="hold">
+                            <p:stCondLst>
+                              <p:cond delay="500"/>
+                            </p:stCondLst>
+                            <p:childTnLst>
+                              <p:par>
+                                <p:cTn id="62" presetID="1" presetClass="entr" presetSubtype="0" fill="hold" nodeType="afterEffect">
+                                  <p:stCondLst>
+                                    <p:cond delay="0"/>
+                                  </p:stCondLst>
+                                  <p:childTnLst>
+                                    <p:set>
+                                      <p:cBhvr>
+                                        <p:cTn id="63" dur="1" fill="hold">
+                                          <p:stCondLst>
+                                            <p:cond delay="0"/>
+                                          </p:stCondLst>
+                                        </p:cTn>
+                                        <p:tgtEl>
+                                          <p:spTgt spid="15"/>
+                                        </p:tgtEl>
+                                        <p:attrNameLst>
+                                          <p:attrName>style.visibility</p:attrName>
+                                        </p:attrNameLst>
+                                      </p:cBhvr>
+                                      <p:to>
+                                        <p:strVal val="visible"/>
+                                      </p:to>
+                                    </p:set>
+                                  </p:childTnLst>
+                                </p:cTn>
+                              </p:par>
+                              <p:par>
+                                <p:cTn id="64" presetID="1" presetClass="exit" presetSubtype="0" fill="hold" nodeType="withEffect">
+                                  <p:stCondLst>
+                                    <p:cond delay="0"/>
+                                  </p:stCondLst>
+                                  <p:childTnLst>
+                                    <p:set>
+                                      <p:cBhvr>
+                                        <p:cTn id="65" dur="1" fill="hold">
+                                          <p:stCondLst>
+                                            <p:cond delay="9"/>
+                                          </p:stCondLst>
+                                        </p:cTn>
+                                        <p:tgtEl>
+                                          <p:spTgt spid="25"/>
+                                        </p:tgtEl>
+                                        <p:attrNameLst>
+                                          <p:attrName>style.visibility</p:attrName>
+                                        </p:attrNameLst>
+                                      </p:cBhvr>
+                                      <p:to>
+                                        <p:strVal val="hidden"/>
+                                      </p:to>
+                                    </p:set>
+                                  </p:childTnLst>
+                                </p:cTn>
+                              </p:par>
+                            </p:childTnLst>
+                          </p:cTn>
+                        </p:par>
+                      </p:childTnLst>
+                    </p:cTn>
+                  </p:par>
+                  <p:par>
+                    <p:cTn id="66" fill="hold">
+                      <p:stCondLst>
+                        <p:cond delay="indefinite"/>
+                      </p:stCondLst>
+                      <p:childTnLst>
+                        <p:par>
+                          <p:cTn id="67" fill="hold">
+                            <p:stCondLst>
+                              <p:cond delay="0"/>
+                            </p:stCondLst>
+                            <p:childTnLst>
+                              <p:par>
+                                <p:cTn id="68" presetID="1" presetClass="entr" presetSubtype="0" fill="hold" nodeType="clickEffect">
+                                  <p:stCondLst>
+                                    <p:cond delay="50"/>
+                                  </p:stCondLst>
+                                  <p:childTnLst>
+                                    <p:set>
+                                      <p:cBhvr>
+                                        <p:cTn id="69" dur="1" fill="hold">
+                                          <p:stCondLst>
+                                            <p:cond delay="0"/>
+                                          </p:stCondLst>
+                                        </p:cTn>
+                                        <p:tgtEl>
+                                          <p:spTgt spid="27"/>
+                                        </p:tgtEl>
+                                        <p:attrNameLst>
+                                          <p:attrName>style.visibility</p:attrName>
+                                        </p:attrNameLst>
+                                      </p:cBhvr>
+                                      <p:to>
+                                        <p:strVal val="visible"/>
+                                      </p:to>
+                                    </p:set>
+                                  </p:childTnLst>
+                                </p:cTn>
+                              </p:par>
+                              <p:par>
+                                <p:cTn id="70" presetID="1" presetClass="exit" presetSubtype="0" fill="hold" nodeType="withEffect">
+                                  <p:stCondLst>
+                                    <p:cond delay="50"/>
+                                  </p:stCondLst>
+                                  <p:childTnLst>
+                                    <p:set>
+                                      <p:cBhvr>
+                                        <p:cTn id="71" dur="1" fill="hold">
+                                          <p:stCondLst>
+                                            <p:cond delay="0"/>
+                                          </p:stCondLst>
+                                        </p:cTn>
+                                        <p:tgtEl>
+                                          <p:spTgt spid="15"/>
+                                        </p:tgtEl>
+                                        <p:attrNameLst>
+                                          <p:attrName>style.visibility</p:attrName>
+                                        </p:attrNameLst>
+                                      </p:cBhvr>
+                                      <p:to>
+                                        <p:strVal val="hidden"/>
+                                      </p:to>
+                                    </p:set>
+                                  </p:childTnLst>
+                                </p:cTn>
+                              </p:par>
+                              <p:par>
+                                <p:cTn id="72" presetID="1" presetClass="entr" presetSubtype="0" fill="hold" nodeType="withEffect">
+                                  <p:stCondLst>
+                                    <p:cond delay="100"/>
+                                  </p:stCondLst>
+                                  <p:childTnLst>
+                                    <p:set>
+                                      <p:cBhvr>
+                                        <p:cTn id="73" dur="1" fill="hold">
+                                          <p:stCondLst>
+                                            <p:cond delay="0"/>
+                                          </p:stCondLst>
+                                        </p:cTn>
+                                        <p:tgtEl>
+                                          <p:spTgt spid="28"/>
+                                        </p:tgtEl>
+                                        <p:attrNameLst>
+                                          <p:attrName>style.visibility</p:attrName>
+                                        </p:attrNameLst>
+                                      </p:cBhvr>
+                                      <p:to>
+                                        <p:strVal val="visible"/>
+                                      </p:to>
+                                    </p:set>
+                                  </p:childTnLst>
+                                </p:cTn>
+                              </p:par>
+                              <p:par>
+                                <p:cTn id="74" presetID="1" presetClass="exit" presetSubtype="0" fill="hold" nodeType="withEffect">
+                                  <p:stCondLst>
+                                    <p:cond delay="100"/>
+                                  </p:stCondLst>
+                                  <p:childTnLst>
+                                    <p:set>
+                                      <p:cBhvr>
+                                        <p:cTn id="75" dur="1" fill="hold">
+                                          <p:stCondLst>
+                                            <p:cond delay="0"/>
+                                          </p:stCondLst>
+                                        </p:cTn>
+                                        <p:tgtEl>
+                                          <p:spTgt spid="27"/>
+                                        </p:tgtEl>
+                                        <p:attrNameLst>
+                                          <p:attrName>style.visibility</p:attrName>
+                                        </p:attrNameLst>
+                                      </p:cBhvr>
+                                      <p:to>
+                                        <p:strVal val="hidden"/>
+                                      </p:to>
+                                    </p:set>
+                                  </p:childTnLst>
+                                </p:cTn>
+                              </p:par>
+                              <p:par>
+                                <p:cTn id="76" presetID="1" presetClass="entr" presetSubtype="0" fill="hold" nodeType="withEffect">
+                                  <p:stCondLst>
+                                    <p:cond delay="150"/>
+                                  </p:stCondLst>
+                                  <p:childTnLst>
+                                    <p:set>
+                                      <p:cBhvr>
+                                        <p:cTn id="77" dur="1" fill="hold">
+                                          <p:stCondLst>
+                                            <p:cond delay="0"/>
+                                          </p:stCondLst>
+                                        </p:cTn>
+                                        <p:tgtEl>
+                                          <p:spTgt spid="29"/>
+                                        </p:tgtEl>
+                                        <p:attrNameLst>
+                                          <p:attrName>style.visibility</p:attrName>
+                                        </p:attrNameLst>
+                                      </p:cBhvr>
+                                      <p:to>
+                                        <p:strVal val="visible"/>
+                                      </p:to>
+                                    </p:set>
+                                  </p:childTnLst>
+                                </p:cTn>
+                              </p:par>
+                              <p:par>
+                                <p:cTn id="78" presetID="1" presetClass="exit" presetSubtype="0" fill="hold" nodeType="withEffect">
+                                  <p:stCondLst>
+                                    <p:cond delay="150"/>
+                                  </p:stCondLst>
+                                  <p:childTnLst>
+                                    <p:set>
+                                      <p:cBhvr>
+                                        <p:cTn id="79" dur="1" fill="hold">
+                                          <p:stCondLst>
+                                            <p:cond delay="0"/>
+                                          </p:stCondLst>
+                                        </p:cTn>
+                                        <p:tgtEl>
+                                          <p:spTgt spid="28"/>
+                                        </p:tgtEl>
+                                        <p:attrNameLst>
+                                          <p:attrName>style.visibility</p:attrName>
+                                        </p:attrNameLst>
+                                      </p:cBhvr>
+                                      <p:to>
+                                        <p:strVal val="hidden"/>
+                                      </p:to>
+                                    </p:set>
+                                  </p:childTnLst>
+                                </p:cTn>
+                              </p:par>
+                              <p:par>
+                                <p:cTn id="80" presetID="1" presetClass="entr" presetSubtype="0" fill="hold" nodeType="withEffect">
+                                  <p:stCondLst>
+                                    <p:cond delay="200"/>
+                                  </p:stCondLst>
+                                  <p:childTnLst>
+                                    <p:set>
+                                      <p:cBhvr>
+                                        <p:cTn id="81" dur="1" fill="hold">
+                                          <p:stCondLst>
+                                            <p:cond delay="0"/>
+                                          </p:stCondLst>
+                                        </p:cTn>
+                                        <p:tgtEl>
+                                          <p:spTgt spid="30"/>
+                                        </p:tgtEl>
+                                        <p:attrNameLst>
+                                          <p:attrName>style.visibility</p:attrName>
+                                        </p:attrNameLst>
+                                      </p:cBhvr>
+                                      <p:to>
+                                        <p:strVal val="visible"/>
+                                      </p:to>
+                                    </p:set>
+                                  </p:childTnLst>
+                                </p:cTn>
+                              </p:par>
+                              <p:par>
+                                <p:cTn id="82" presetID="1" presetClass="exit" presetSubtype="0" fill="hold" nodeType="withEffect">
+                                  <p:stCondLst>
+                                    <p:cond delay="200"/>
+                                  </p:stCondLst>
+                                  <p:childTnLst>
+                                    <p:set>
+                                      <p:cBhvr>
+                                        <p:cTn id="83" dur="1" fill="hold">
+                                          <p:stCondLst>
+                                            <p:cond delay="0"/>
+                                          </p:stCondLst>
+                                        </p:cTn>
+                                        <p:tgtEl>
+                                          <p:spTgt spid="29"/>
+                                        </p:tgtEl>
+                                        <p:attrNameLst>
+                                          <p:attrName>style.visibility</p:attrName>
+                                        </p:attrNameLst>
+                                      </p:cBhvr>
+                                      <p:to>
+                                        <p:strVal val="hidden"/>
+                                      </p:to>
+                                    </p:set>
+                                  </p:childTnLst>
+                                </p:cTn>
+                              </p:par>
+                              <p:par>
+                                <p:cTn id="84" presetID="1" presetClass="entr" presetSubtype="0" fill="hold" nodeType="withEffect">
+                                  <p:stCondLst>
+                                    <p:cond delay="250"/>
+                                  </p:stCondLst>
+                                  <p:childTnLst>
+                                    <p:set>
+                                      <p:cBhvr>
+                                        <p:cTn id="85" dur="1" fill="hold">
+                                          <p:stCondLst>
+                                            <p:cond delay="0"/>
+                                          </p:stCondLst>
+                                        </p:cTn>
+                                        <p:tgtEl>
+                                          <p:spTgt spid="31"/>
+                                        </p:tgtEl>
+                                        <p:attrNameLst>
+                                          <p:attrName>style.visibility</p:attrName>
+                                        </p:attrNameLst>
+                                      </p:cBhvr>
+                                      <p:to>
+                                        <p:strVal val="visible"/>
+                                      </p:to>
+                                    </p:set>
+                                  </p:childTnLst>
+                                </p:cTn>
+                              </p:par>
+                              <p:par>
+                                <p:cTn id="86" presetID="1" presetClass="exit" presetSubtype="0" fill="hold" nodeType="withEffect">
+                                  <p:stCondLst>
+                                    <p:cond delay="250"/>
+                                  </p:stCondLst>
+                                  <p:childTnLst>
+                                    <p:set>
+                                      <p:cBhvr>
+                                        <p:cTn id="87" dur="1" fill="hold">
+                                          <p:stCondLst>
+                                            <p:cond delay="0"/>
+                                          </p:stCondLst>
+                                        </p:cTn>
+                                        <p:tgtEl>
+                                          <p:spTgt spid="30"/>
+                                        </p:tgtEl>
+                                        <p:attrNameLst>
+                                          <p:attrName>style.visibility</p:attrName>
+                                        </p:attrNameLst>
+                                      </p:cBhvr>
+                                      <p:to>
+                                        <p:strVal val="hidden"/>
+                                      </p:to>
+                                    </p:set>
+                                  </p:childTnLst>
+                                </p:cTn>
+                              </p:par>
+                              <p:par>
+                                <p:cTn id="88" presetID="1" presetClass="entr" presetSubtype="0" fill="hold" nodeType="withEffect">
+                                  <p:stCondLst>
+                                    <p:cond delay="300"/>
+                                  </p:stCondLst>
+                                  <p:childTnLst>
+                                    <p:set>
+                                      <p:cBhvr>
+                                        <p:cTn id="89" dur="1" fill="hold">
+                                          <p:stCondLst>
+                                            <p:cond delay="0"/>
+                                          </p:stCondLst>
+                                        </p:cTn>
+                                        <p:tgtEl>
+                                          <p:spTgt spid="32"/>
+                                        </p:tgtEl>
+                                        <p:attrNameLst>
+                                          <p:attrName>style.visibility</p:attrName>
+                                        </p:attrNameLst>
+                                      </p:cBhvr>
+                                      <p:to>
+                                        <p:strVal val="visible"/>
+                                      </p:to>
+                                    </p:set>
+                                  </p:childTnLst>
+                                </p:cTn>
+                              </p:par>
+                              <p:par>
+                                <p:cTn id="90" presetID="1" presetClass="exit" presetSubtype="0" fill="hold" nodeType="withEffect">
+                                  <p:stCondLst>
+                                    <p:cond delay="300"/>
+                                  </p:stCondLst>
+                                  <p:childTnLst>
+                                    <p:set>
+                                      <p:cBhvr>
+                                        <p:cTn id="91" dur="1" fill="hold">
+                                          <p:stCondLst>
+                                            <p:cond delay="0"/>
+                                          </p:stCondLst>
+                                        </p:cTn>
+                                        <p:tgtEl>
+                                          <p:spTgt spid="31"/>
+                                        </p:tgtEl>
+                                        <p:attrNameLst>
+                                          <p:attrName>style.visibility</p:attrName>
+                                        </p:attrNameLst>
+                                      </p:cBhvr>
+                                      <p:to>
+                                        <p:strVal val="hidden"/>
+                                      </p:to>
+                                    </p:set>
+                                  </p:childTnLst>
+                                </p:cTn>
+                              </p:par>
+                              <p:par>
+                                <p:cTn id="92" presetID="1" presetClass="entr" presetSubtype="0" fill="hold" nodeType="withEffect">
+                                  <p:stCondLst>
+                                    <p:cond delay="350"/>
+                                  </p:stCondLst>
+                                  <p:childTnLst>
+                                    <p:set>
+                                      <p:cBhvr>
+                                        <p:cTn id="93" dur="1" fill="hold">
+                                          <p:stCondLst>
+                                            <p:cond delay="0"/>
+                                          </p:stCondLst>
+                                        </p:cTn>
+                                        <p:tgtEl>
+                                          <p:spTgt spid="33"/>
+                                        </p:tgtEl>
+                                        <p:attrNameLst>
+                                          <p:attrName>style.visibility</p:attrName>
+                                        </p:attrNameLst>
+                                      </p:cBhvr>
+                                      <p:to>
+                                        <p:strVal val="visible"/>
+                                      </p:to>
+                                    </p:set>
+                                  </p:childTnLst>
+                                </p:cTn>
+                              </p:par>
+                              <p:par>
+                                <p:cTn id="94" presetID="1" presetClass="exit" presetSubtype="0" fill="hold" nodeType="withEffect">
+                                  <p:stCondLst>
+                                    <p:cond delay="350"/>
+                                  </p:stCondLst>
+                                  <p:childTnLst>
+                                    <p:set>
+                                      <p:cBhvr>
+                                        <p:cTn id="95" dur="1" fill="hold">
+                                          <p:stCondLst>
+                                            <p:cond delay="0"/>
+                                          </p:stCondLst>
+                                        </p:cTn>
+                                        <p:tgtEl>
+                                          <p:spTgt spid="32"/>
+                                        </p:tgtEl>
+                                        <p:attrNameLst>
+                                          <p:attrName>style.visibility</p:attrName>
+                                        </p:attrNameLst>
+                                      </p:cBhvr>
+                                      <p:to>
+                                        <p:strVal val="hidden"/>
+                                      </p:to>
+                                    </p:set>
+                                  </p:childTnLst>
+                                </p:cTn>
+                              </p:par>
+                              <p:par>
+                                <p:cTn id="96" presetID="1" presetClass="entr" presetSubtype="0" fill="hold" nodeType="withEffect">
+                                  <p:stCondLst>
+                                    <p:cond delay="400"/>
+                                  </p:stCondLst>
+                                  <p:childTnLst>
+                                    <p:set>
+                                      <p:cBhvr>
+                                        <p:cTn id="97" dur="1" fill="hold">
+                                          <p:stCondLst>
+                                            <p:cond delay="0"/>
+                                          </p:stCondLst>
+                                        </p:cTn>
+                                        <p:tgtEl>
+                                          <p:spTgt spid="34"/>
+                                        </p:tgtEl>
+                                        <p:attrNameLst>
+                                          <p:attrName>style.visibility</p:attrName>
+                                        </p:attrNameLst>
+                                      </p:cBhvr>
+                                      <p:to>
+                                        <p:strVal val="visible"/>
+                                      </p:to>
+                                    </p:set>
+                                  </p:childTnLst>
+                                </p:cTn>
+                              </p:par>
+                              <p:par>
+                                <p:cTn id="98" presetID="1" presetClass="exit" presetSubtype="0" fill="hold" nodeType="withEffect">
+                                  <p:stCondLst>
+                                    <p:cond delay="400"/>
+                                  </p:stCondLst>
+                                  <p:childTnLst>
+                                    <p:set>
+                                      <p:cBhvr>
+                                        <p:cTn id="99" dur="1" fill="hold">
+                                          <p:stCondLst>
+                                            <p:cond delay="0"/>
+                                          </p:stCondLst>
+                                        </p:cTn>
+                                        <p:tgtEl>
+                                          <p:spTgt spid="33"/>
+                                        </p:tgtEl>
+                                        <p:attrNameLst>
+                                          <p:attrName>style.visibility</p:attrName>
+                                        </p:attrNameLst>
+                                      </p:cBhvr>
+                                      <p:to>
+                                        <p:strVal val="hidden"/>
+                                      </p:to>
+                                    </p:set>
+                                  </p:childTnLst>
+                                </p:cTn>
+                              </p:par>
+                              <p:par>
+                                <p:cTn id="100" presetID="1" presetClass="entr" presetSubtype="0" fill="hold" nodeType="withEffect">
+                                  <p:stCondLst>
+                                    <p:cond delay="450"/>
+                                  </p:stCondLst>
+                                  <p:childTnLst>
+                                    <p:set>
+                                      <p:cBhvr>
+                                        <p:cTn id="101" dur="1" fill="hold">
+                                          <p:stCondLst>
+                                            <p:cond delay="0"/>
+                                          </p:stCondLst>
+                                        </p:cTn>
+                                        <p:tgtEl>
+                                          <p:spTgt spid="35"/>
+                                        </p:tgtEl>
+                                        <p:attrNameLst>
+                                          <p:attrName>style.visibility</p:attrName>
+                                        </p:attrNameLst>
+                                      </p:cBhvr>
+                                      <p:to>
+                                        <p:strVal val="visible"/>
+                                      </p:to>
+                                    </p:set>
+                                  </p:childTnLst>
+                                </p:cTn>
+                              </p:par>
+                              <p:par>
+                                <p:cTn id="102" presetID="1" presetClass="exit" presetSubtype="0" fill="hold" nodeType="withEffect">
+                                  <p:stCondLst>
+                                    <p:cond delay="450"/>
+                                  </p:stCondLst>
+                                  <p:childTnLst>
+                                    <p:set>
+                                      <p:cBhvr>
+                                        <p:cTn id="103" dur="1" fill="hold">
+                                          <p:stCondLst>
+                                            <p:cond delay="0"/>
+                                          </p:stCondLst>
+                                        </p:cTn>
+                                        <p:tgtEl>
+                                          <p:spTgt spid="34"/>
+                                        </p:tgtEl>
+                                        <p:attrNameLst>
+                                          <p:attrName>style.visibility</p:attrName>
+                                        </p:attrNameLst>
+                                      </p:cBhvr>
+                                      <p:to>
+                                        <p:strVal val="hidden"/>
+                                      </p:to>
+                                    </p:set>
+                                  </p:childTnLst>
+                                </p:cTn>
+                              </p:par>
+                              <p:par>
+                                <p:cTn id="104" presetID="1" presetClass="entr" presetSubtype="0" fill="hold" nodeType="withEffect">
+                                  <p:stCondLst>
+                                    <p:cond delay="500"/>
+                                  </p:stCondLst>
+                                  <p:childTnLst>
+                                    <p:set>
+                                      <p:cBhvr>
+                                        <p:cTn id="105" dur="1" fill="hold">
+                                          <p:stCondLst>
+                                            <p:cond delay="0"/>
+                                          </p:stCondLst>
+                                        </p:cTn>
+                                        <p:tgtEl>
+                                          <p:spTgt spid="36"/>
+                                        </p:tgtEl>
+                                        <p:attrNameLst>
+                                          <p:attrName>style.visibility</p:attrName>
+                                        </p:attrNameLst>
+                                      </p:cBhvr>
+                                      <p:to>
+                                        <p:strVal val="visible"/>
+                                      </p:to>
+                                    </p:set>
+                                  </p:childTnLst>
+                                </p:cTn>
+                              </p:par>
+                              <p:par>
+                                <p:cTn id="106" presetID="1" presetClass="exit" presetSubtype="0" fill="hold" nodeType="withEffect">
+                                  <p:stCondLst>
+                                    <p:cond delay="500"/>
+                                  </p:stCondLst>
+                                  <p:childTnLst>
+                                    <p:set>
+                                      <p:cBhvr>
+                                        <p:cTn id="107" dur="1" fill="hold">
+                                          <p:stCondLst>
+                                            <p:cond delay="0"/>
+                                          </p:stCondLst>
+                                        </p:cTn>
+                                        <p:tgtEl>
+                                          <p:spTgt spid="35"/>
+                                        </p:tgtEl>
+                                        <p:attrNameLst>
+                                          <p:attrName>style.visibility</p:attrName>
+                                        </p:attrNameLst>
+                                      </p:cBhvr>
+                                      <p:to>
+                                        <p:strVal val="hidden"/>
+                                      </p:to>
+                                    </p:set>
+                                  </p:childTnLst>
+                                </p:cTn>
+                              </p:par>
+                            </p:childTnLst>
+                          </p:cTn>
+                        </p:par>
+                        <p:par>
+                          <p:cTn id="108" fill="hold">
+                            <p:stCondLst>
+                              <p:cond delay="500"/>
+                            </p:stCondLst>
+                            <p:childTnLst>
+                              <p:par>
+                                <p:cTn id="109" presetID="1" presetClass="entr" presetSubtype="0" fill="hold" nodeType="afterEffect">
+                                  <p:stCondLst>
+                                    <p:cond delay="0"/>
+                                  </p:stCondLst>
+                                  <p:childTnLst>
+                                    <p:set>
+                                      <p:cBhvr>
+                                        <p:cTn id="110" dur="1" fill="hold">
+                                          <p:stCondLst>
+                                            <p:cond delay="0"/>
+                                          </p:stCondLst>
+                                        </p:cTn>
+                                        <p:tgtEl>
+                                          <p:spTgt spid="26"/>
+                                        </p:tgtEl>
+                                        <p:attrNameLst>
+                                          <p:attrName>style.visibility</p:attrName>
+                                        </p:attrNameLst>
+                                      </p:cBhvr>
+                                      <p:to>
+                                        <p:strVal val="visible"/>
+                                      </p:to>
+                                    </p:set>
+                                  </p:childTnLst>
+                                </p:cTn>
+                              </p:par>
+                              <p:par>
+                                <p:cTn id="111" presetID="1" presetClass="exit" presetSubtype="0" fill="hold" nodeType="withEffect">
+                                  <p:stCondLst>
+                                    <p:cond delay="0"/>
+                                  </p:stCondLst>
+                                  <p:childTnLst>
+                                    <p:set>
+                                      <p:cBhvr>
+                                        <p:cTn id="112" dur="1" fill="hold">
+                                          <p:stCondLst>
+                                            <p:cond delay="9"/>
+                                          </p:stCondLst>
+                                        </p:cTn>
+                                        <p:tgtEl>
+                                          <p:spTgt spid="36"/>
+                                        </p:tgtEl>
+                                        <p:attrNameLst>
+                                          <p:attrName>style.visibility</p:attrName>
+                                        </p:attrNameLst>
+                                      </p:cBhvr>
+                                      <p:to>
+                                        <p:strVal val="hidden"/>
+                                      </p:to>
+                                    </p:set>
+                                  </p:childTnLst>
+                                </p:cTn>
+                              </p:par>
+                            </p:childTnLst>
+                          </p:cTn>
+                        </p:par>
+                      </p:childTnLst>
+                    </p:cTn>
+                  </p:par>
+                  <p:par>
+                    <p:cTn id="113" fill="hold">
+                      <p:stCondLst>
+                        <p:cond delay="indefinite"/>
+                      </p:stCondLst>
+                      <p:childTnLst>
+                        <p:par>
+                          <p:cTn id="114" fill="hold">
+                            <p:stCondLst>
+                              <p:cond delay="0"/>
+                            </p:stCondLst>
+                            <p:childTnLst>
+                              <p:par>
+                                <p:cTn id="115" presetID="1" presetClass="entr" presetSubtype="0" fill="hold" nodeType="clickEffect">
+                                  <p:stCondLst>
+                                    <p:cond delay="0"/>
+                                  </p:stCondLst>
+                                  <p:childTnLst>
+                                    <p:set>
+                                      <p:cBhvr>
+                                        <p:cTn id="116" dur="1" fill="hold">
+                                          <p:stCondLst>
+                                            <p:cond delay="0"/>
+                                          </p:stCondLst>
+                                        </p:cTn>
+                                        <p:tgtEl>
+                                          <p:spTgt spid="37"/>
+                                        </p:tgtEl>
+                                        <p:attrNameLst>
+                                          <p:attrName>style.visibility</p:attrName>
+                                        </p:attrNameLst>
+                                      </p:cBhvr>
+                                      <p:to>
+                                        <p:strVal val="visible"/>
+                                      </p:to>
+                                    </p:set>
+                                  </p:childTnLst>
+                                </p:cTn>
+                              </p:par>
+                              <p:par>
+                                <p:cTn id="117" presetID="1" presetClass="entr" presetSubtype="0" fill="hold" nodeType="withEffect">
+                                  <p:stCondLst>
+                                    <p:cond delay="50"/>
+                                  </p:stCondLst>
+                                  <p:childTnLst>
+                                    <p:set>
+                                      <p:cBhvr>
+                                        <p:cTn id="118" dur="1" fill="hold">
+                                          <p:stCondLst>
+                                            <p:cond delay="0"/>
+                                          </p:stCondLst>
+                                        </p:cTn>
+                                        <p:tgtEl>
+                                          <p:spTgt spid="41"/>
+                                        </p:tgtEl>
+                                        <p:attrNameLst>
+                                          <p:attrName>style.visibility</p:attrName>
+                                        </p:attrNameLst>
+                                      </p:cBhvr>
+                                      <p:to>
+                                        <p:strVal val="visible"/>
+                                      </p:to>
+                                    </p:set>
+                                  </p:childTnLst>
+                                </p:cTn>
+                              </p:par>
+                              <p:par>
+                                <p:cTn id="119" presetID="1" presetClass="exit" presetSubtype="0" fill="hold" nodeType="withEffect">
+                                  <p:stCondLst>
+                                    <p:cond delay="50"/>
+                                  </p:stCondLst>
+                                  <p:childTnLst>
+                                    <p:set>
+                                      <p:cBhvr>
+                                        <p:cTn id="120" dur="1" fill="hold">
+                                          <p:stCondLst>
+                                            <p:cond delay="0"/>
+                                          </p:stCondLst>
+                                        </p:cTn>
+                                        <p:tgtEl>
+                                          <p:spTgt spid="37"/>
+                                        </p:tgtEl>
+                                        <p:attrNameLst>
+                                          <p:attrName>style.visibility</p:attrName>
+                                        </p:attrNameLst>
+                                      </p:cBhvr>
+                                      <p:to>
+                                        <p:strVal val="hidden"/>
+                                      </p:to>
+                                    </p:set>
+                                  </p:childTnLst>
+                                </p:cTn>
+                              </p:par>
+                              <p:par>
+                                <p:cTn id="121" presetID="1" presetClass="entr" presetSubtype="0" fill="hold" nodeType="withEffect">
+                                  <p:stCondLst>
+                                    <p:cond delay="100"/>
+                                  </p:stCondLst>
+                                  <p:childTnLst>
+                                    <p:set>
+                                      <p:cBhvr>
+                                        <p:cTn id="122" dur="1" fill="hold">
+                                          <p:stCondLst>
+                                            <p:cond delay="0"/>
+                                          </p:stCondLst>
+                                        </p:cTn>
+                                        <p:tgtEl>
+                                          <p:spTgt spid="42"/>
+                                        </p:tgtEl>
+                                        <p:attrNameLst>
+                                          <p:attrName>style.visibility</p:attrName>
+                                        </p:attrNameLst>
+                                      </p:cBhvr>
+                                      <p:to>
+                                        <p:strVal val="visible"/>
+                                      </p:to>
+                                    </p:set>
+                                  </p:childTnLst>
+                                </p:cTn>
+                              </p:par>
+                              <p:par>
+                                <p:cTn id="123" presetID="1" presetClass="exit" presetSubtype="0" fill="hold" nodeType="withEffect">
+                                  <p:stCondLst>
+                                    <p:cond delay="100"/>
+                                  </p:stCondLst>
+                                  <p:childTnLst>
+                                    <p:set>
+                                      <p:cBhvr>
+                                        <p:cTn id="124" dur="1" fill="hold">
+                                          <p:stCondLst>
+                                            <p:cond delay="0"/>
+                                          </p:stCondLst>
+                                        </p:cTn>
+                                        <p:tgtEl>
+                                          <p:spTgt spid="41"/>
+                                        </p:tgtEl>
+                                        <p:attrNameLst>
+                                          <p:attrName>style.visibility</p:attrName>
+                                        </p:attrNameLst>
+                                      </p:cBhvr>
+                                      <p:to>
+                                        <p:strVal val="hidden"/>
+                                      </p:to>
+                                    </p:set>
+                                  </p:childTnLst>
+                                </p:cTn>
+                              </p:par>
+                              <p:par>
+                                <p:cTn id="125" presetID="1" presetClass="entr" presetSubtype="0" fill="hold" nodeType="withEffect">
+                                  <p:stCondLst>
+                                    <p:cond delay="150"/>
+                                  </p:stCondLst>
+                                  <p:childTnLst>
+                                    <p:set>
+                                      <p:cBhvr>
+                                        <p:cTn id="126" dur="1" fill="hold">
+                                          <p:stCondLst>
+                                            <p:cond delay="0"/>
+                                          </p:stCondLst>
+                                        </p:cTn>
+                                        <p:tgtEl>
+                                          <p:spTgt spid="43"/>
+                                        </p:tgtEl>
+                                        <p:attrNameLst>
+                                          <p:attrName>style.visibility</p:attrName>
+                                        </p:attrNameLst>
+                                      </p:cBhvr>
+                                      <p:to>
+                                        <p:strVal val="visible"/>
+                                      </p:to>
+                                    </p:set>
+                                  </p:childTnLst>
+                                </p:cTn>
+                              </p:par>
+                              <p:par>
+                                <p:cTn id="127" presetID="1" presetClass="exit" presetSubtype="0" fill="hold" nodeType="withEffect">
+                                  <p:stCondLst>
+                                    <p:cond delay="150"/>
+                                  </p:stCondLst>
+                                  <p:childTnLst>
+                                    <p:set>
+                                      <p:cBhvr>
+                                        <p:cTn id="128" dur="1" fill="hold">
+                                          <p:stCondLst>
+                                            <p:cond delay="0"/>
+                                          </p:stCondLst>
+                                        </p:cTn>
+                                        <p:tgtEl>
+                                          <p:spTgt spid="42"/>
+                                        </p:tgtEl>
+                                        <p:attrNameLst>
+                                          <p:attrName>style.visibility</p:attrName>
+                                        </p:attrNameLst>
+                                      </p:cBhvr>
+                                      <p:to>
+                                        <p:strVal val="hidden"/>
+                                      </p:to>
+                                    </p:set>
+                                  </p:childTnLst>
+                                </p:cTn>
+                              </p:par>
+                              <p:par>
+                                <p:cTn id="129" presetID="1" presetClass="entr" presetSubtype="0" fill="hold" nodeType="withEffect">
+                                  <p:stCondLst>
+                                    <p:cond delay="200"/>
+                                  </p:stCondLst>
+                                  <p:childTnLst>
+                                    <p:set>
+                                      <p:cBhvr>
+                                        <p:cTn id="130" dur="1" fill="hold">
+                                          <p:stCondLst>
+                                            <p:cond delay="0"/>
+                                          </p:stCondLst>
+                                        </p:cTn>
+                                        <p:tgtEl>
+                                          <p:spTgt spid="44"/>
+                                        </p:tgtEl>
+                                        <p:attrNameLst>
+                                          <p:attrName>style.visibility</p:attrName>
+                                        </p:attrNameLst>
+                                      </p:cBhvr>
+                                      <p:to>
+                                        <p:strVal val="visible"/>
+                                      </p:to>
+                                    </p:set>
+                                  </p:childTnLst>
+                                </p:cTn>
+                              </p:par>
+                              <p:par>
+                                <p:cTn id="131" presetID="1" presetClass="exit" presetSubtype="0" fill="hold" nodeType="withEffect">
+                                  <p:stCondLst>
+                                    <p:cond delay="200"/>
+                                  </p:stCondLst>
+                                  <p:childTnLst>
+                                    <p:set>
+                                      <p:cBhvr>
+                                        <p:cTn id="132" dur="1" fill="hold">
+                                          <p:stCondLst>
+                                            <p:cond delay="0"/>
+                                          </p:stCondLst>
+                                        </p:cTn>
+                                        <p:tgtEl>
+                                          <p:spTgt spid="43"/>
+                                        </p:tgtEl>
+                                        <p:attrNameLst>
+                                          <p:attrName>style.visibility</p:attrName>
+                                        </p:attrNameLst>
+                                      </p:cBhvr>
+                                      <p:to>
+                                        <p:strVal val="hidden"/>
+                                      </p:to>
+                                    </p:set>
+                                  </p:childTnLst>
+                                </p:cTn>
+                              </p:par>
+                              <p:par>
+                                <p:cTn id="133" presetID="1" presetClass="entr" presetSubtype="0" fill="hold" nodeType="withEffect">
+                                  <p:stCondLst>
+                                    <p:cond delay="250"/>
+                                  </p:stCondLst>
+                                  <p:childTnLst>
+                                    <p:set>
+                                      <p:cBhvr>
+                                        <p:cTn id="134" dur="1" fill="hold">
+                                          <p:stCondLst>
+                                            <p:cond delay="0"/>
+                                          </p:stCondLst>
+                                        </p:cTn>
+                                        <p:tgtEl>
+                                          <p:spTgt spid="45"/>
+                                        </p:tgtEl>
+                                        <p:attrNameLst>
+                                          <p:attrName>style.visibility</p:attrName>
+                                        </p:attrNameLst>
+                                      </p:cBhvr>
+                                      <p:to>
+                                        <p:strVal val="visible"/>
+                                      </p:to>
+                                    </p:set>
+                                  </p:childTnLst>
+                                </p:cTn>
+                              </p:par>
+                              <p:par>
+                                <p:cTn id="135" presetID="1" presetClass="exit" presetSubtype="0" fill="hold" nodeType="withEffect">
+                                  <p:stCondLst>
+                                    <p:cond delay="250"/>
+                                  </p:stCondLst>
+                                  <p:childTnLst>
+                                    <p:set>
+                                      <p:cBhvr>
+                                        <p:cTn id="136" dur="1" fill="hold">
+                                          <p:stCondLst>
+                                            <p:cond delay="0"/>
+                                          </p:stCondLst>
+                                        </p:cTn>
+                                        <p:tgtEl>
+                                          <p:spTgt spid="44"/>
+                                        </p:tgtEl>
+                                        <p:attrNameLst>
+                                          <p:attrName>style.visibility</p:attrName>
+                                        </p:attrNameLst>
+                                      </p:cBhvr>
+                                      <p:to>
+                                        <p:strVal val="hidden"/>
+                                      </p:to>
+                                    </p:set>
+                                  </p:childTnLst>
+                                </p:cTn>
+                              </p:par>
+                              <p:par>
+                                <p:cTn id="137" presetID="1" presetClass="entr" presetSubtype="0" fill="hold" nodeType="withEffect">
+                                  <p:stCondLst>
+                                    <p:cond delay="300"/>
+                                  </p:stCondLst>
+                                  <p:childTnLst>
+                                    <p:set>
+                                      <p:cBhvr>
+                                        <p:cTn id="138" dur="1" fill="hold">
+                                          <p:stCondLst>
+                                            <p:cond delay="0"/>
+                                          </p:stCondLst>
+                                        </p:cTn>
+                                        <p:tgtEl>
+                                          <p:spTgt spid="46"/>
+                                        </p:tgtEl>
+                                        <p:attrNameLst>
+                                          <p:attrName>style.visibility</p:attrName>
+                                        </p:attrNameLst>
+                                      </p:cBhvr>
+                                      <p:to>
+                                        <p:strVal val="visible"/>
+                                      </p:to>
+                                    </p:set>
+                                  </p:childTnLst>
+                                </p:cTn>
+                              </p:par>
+                              <p:par>
+                                <p:cTn id="139" presetID="1" presetClass="exit" presetSubtype="0" fill="hold" nodeType="withEffect">
+                                  <p:stCondLst>
+                                    <p:cond delay="300"/>
+                                  </p:stCondLst>
+                                  <p:childTnLst>
+                                    <p:set>
+                                      <p:cBhvr>
+                                        <p:cTn id="140" dur="1" fill="hold">
+                                          <p:stCondLst>
+                                            <p:cond delay="0"/>
+                                          </p:stCondLst>
+                                        </p:cTn>
+                                        <p:tgtEl>
+                                          <p:spTgt spid="45"/>
+                                        </p:tgtEl>
+                                        <p:attrNameLst>
+                                          <p:attrName>style.visibility</p:attrName>
+                                        </p:attrNameLst>
+                                      </p:cBhvr>
+                                      <p:to>
+                                        <p:strVal val="hidden"/>
+                                      </p:to>
+                                    </p:set>
+                                  </p:childTnLst>
+                                </p:cTn>
+                              </p:par>
+                              <p:par>
+                                <p:cTn id="141" presetID="1" presetClass="entr" presetSubtype="0" fill="hold" nodeType="withEffect">
+                                  <p:stCondLst>
+                                    <p:cond delay="350"/>
+                                  </p:stCondLst>
+                                  <p:childTnLst>
+                                    <p:set>
+                                      <p:cBhvr>
+                                        <p:cTn id="142" dur="1" fill="hold">
+                                          <p:stCondLst>
+                                            <p:cond delay="0"/>
+                                          </p:stCondLst>
+                                        </p:cTn>
+                                        <p:tgtEl>
+                                          <p:spTgt spid="47"/>
+                                        </p:tgtEl>
+                                        <p:attrNameLst>
+                                          <p:attrName>style.visibility</p:attrName>
+                                        </p:attrNameLst>
+                                      </p:cBhvr>
+                                      <p:to>
+                                        <p:strVal val="visible"/>
+                                      </p:to>
+                                    </p:set>
+                                  </p:childTnLst>
+                                </p:cTn>
+                              </p:par>
+                              <p:par>
+                                <p:cTn id="143" presetID="1" presetClass="exit" presetSubtype="0" fill="hold" nodeType="withEffect">
+                                  <p:stCondLst>
+                                    <p:cond delay="350"/>
+                                  </p:stCondLst>
+                                  <p:childTnLst>
+                                    <p:set>
+                                      <p:cBhvr>
+                                        <p:cTn id="144" dur="1" fill="hold">
+                                          <p:stCondLst>
+                                            <p:cond delay="0"/>
+                                          </p:stCondLst>
+                                        </p:cTn>
+                                        <p:tgtEl>
+                                          <p:spTgt spid="46"/>
+                                        </p:tgtEl>
+                                        <p:attrNameLst>
+                                          <p:attrName>style.visibility</p:attrName>
+                                        </p:attrNameLst>
+                                      </p:cBhvr>
+                                      <p:to>
+                                        <p:strVal val="hidden"/>
+                                      </p:to>
+                                    </p:set>
+                                  </p:childTnLst>
+                                </p:cTn>
+                              </p:par>
+                              <p:par>
+                                <p:cTn id="145" presetID="1" presetClass="entr" presetSubtype="0" fill="hold" nodeType="withEffect">
+                                  <p:stCondLst>
+                                    <p:cond delay="400"/>
+                                  </p:stCondLst>
+                                  <p:childTnLst>
+                                    <p:set>
+                                      <p:cBhvr>
+                                        <p:cTn id="146" dur="1" fill="hold">
+                                          <p:stCondLst>
+                                            <p:cond delay="0"/>
+                                          </p:stCondLst>
+                                        </p:cTn>
+                                        <p:tgtEl>
+                                          <p:spTgt spid="48"/>
+                                        </p:tgtEl>
+                                        <p:attrNameLst>
+                                          <p:attrName>style.visibility</p:attrName>
+                                        </p:attrNameLst>
+                                      </p:cBhvr>
+                                      <p:to>
+                                        <p:strVal val="visible"/>
+                                      </p:to>
+                                    </p:set>
+                                  </p:childTnLst>
+                                </p:cTn>
+                              </p:par>
+                              <p:par>
+                                <p:cTn id="147" presetID="1" presetClass="exit" presetSubtype="0" fill="hold" nodeType="withEffect">
+                                  <p:stCondLst>
+                                    <p:cond delay="400"/>
+                                  </p:stCondLst>
+                                  <p:childTnLst>
+                                    <p:set>
+                                      <p:cBhvr>
+                                        <p:cTn id="148" dur="1" fill="hold">
+                                          <p:stCondLst>
+                                            <p:cond delay="0"/>
+                                          </p:stCondLst>
+                                        </p:cTn>
+                                        <p:tgtEl>
+                                          <p:spTgt spid="47"/>
+                                        </p:tgtEl>
+                                        <p:attrNameLst>
+                                          <p:attrName>style.visibility</p:attrName>
+                                        </p:attrNameLst>
+                                      </p:cBhvr>
+                                      <p:to>
+                                        <p:strVal val="hidden"/>
+                                      </p:to>
+                                    </p:set>
+                                  </p:childTnLst>
+                                </p:cTn>
+                              </p:par>
+                              <p:par>
+                                <p:cTn id="149" presetID="1" presetClass="entr" presetSubtype="0" fill="hold" nodeType="withEffect">
+                                  <p:stCondLst>
+                                    <p:cond delay="450"/>
+                                  </p:stCondLst>
+                                  <p:childTnLst>
+                                    <p:set>
+                                      <p:cBhvr>
+                                        <p:cTn id="150" dur="1" fill="hold">
+                                          <p:stCondLst>
+                                            <p:cond delay="0"/>
+                                          </p:stCondLst>
+                                        </p:cTn>
+                                        <p:tgtEl>
+                                          <p:spTgt spid="49"/>
+                                        </p:tgtEl>
+                                        <p:attrNameLst>
+                                          <p:attrName>style.visibility</p:attrName>
+                                        </p:attrNameLst>
+                                      </p:cBhvr>
+                                      <p:to>
+                                        <p:strVal val="visible"/>
+                                      </p:to>
+                                    </p:set>
+                                  </p:childTnLst>
+                                </p:cTn>
+                              </p:par>
+                              <p:par>
+                                <p:cTn id="151" presetID="1" presetClass="exit" presetSubtype="0" fill="hold" nodeType="withEffect">
+                                  <p:stCondLst>
+                                    <p:cond delay="450"/>
+                                  </p:stCondLst>
+                                  <p:childTnLst>
+                                    <p:set>
+                                      <p:cBhvr>
+                                        <p:cTn id="152" dur="1" fill="hold">
+                                          <p:stCondLst>
+                                            <p:cond delay="0"/>
+                                          </p:stCondLst>
+                                        </p:cTn>
+                                        <p:tgtEl>
+                                          <p:spTgt spid="48"/>
+                                        </p:tgtEl>
+                                        <p:attrNameLst>
+                                          <p:attrName>style.visibility</p:attrName>
+                                        </p:attrNameLst>
+                                      </p:cBhvr>
+                                      <p:to>
+                                        <p:strVal val="hidden"/>
+                                      </p:to>
+                                    </p:set>
+                                  </p:childTnLst>
+                                </p:cTn>
+                              </p:par>
+                              <p:par>
+                                <p:cTn id="153" presetID="1" presetClass="entr" presetSubtype="0" fill="hold" nodeType="withEffect">
+                                  <p:stCondLst>
+                                    <p:cond delay="500"/>
+                                  </p:stCondLst>
+                                  <p:childTnLst>
+                                    <p:set>
+                                      <p:cBhvr>
+                                        <p:cTn id="154" dur="1" fill="hold">
+                                          <p:stCondLst>
+                                            <p:cond delay="0"/>
+                                          </p:stCondLst>
+                                        </p:cTn>
+                                        <p:tgtEl>
+                                          <p:spTgt spid="50"/>
+                                        </p:tgtEl>
+                                        <p:attrNameLst>
+                                          <p:attrName>style.visibility</p:attrName>
+                                        </p:attrNameLst>
+                                      </p:cBhvr>
+                                      <p:to>
+                                        <p:strVal val="visible"/>
+                                      </p:to>
+                                    </p:set>
+                                  </p:childTnLst>
+                                </p:cTn>
+                              </p:par>
+                              <p:par>
+                                <p:cTn id="155" presetID="1" presetClass="exit" presetSubtype="0" fill="hold" nodeType="withEffect">
+                                  <p:stCondLst>
+                                    <p:cond delay="500"/>
+                                  </p:stCondLst>
+                                  <p:childTnLst>
+                                    <p:set>
+                                      <p:cBhvr>
+                                        <p:cTn id="156" dur="1" fill="hold">
+                                          <p:stCondLst>
+                                            <p:cond delay="0"/>
+                                          </p:stCondLst>
+                                        </p:cTn>
+                                        <p:tgtEl>
+                                          <p:spTgt spid="49"/>
+                                        </p:tgtEl>
+                                        <p:attrNameLst>
+                                          <p:attrName>style.visibility</p:attrName>
+                                        </p:attrNameLst>
+                                      </p:cBhvr>
+                                      <p:to>
+                                        <p:strVal val="hidden"/>
+                                      </p:to>
+                                    </p:set>
+                                  </p:childTnLst>
+                                </p:cTn>
+                              </p:par>
+                            </p:childTnLst>
+                          </p:cTn>
+                        </p:par>
+                        <p:par>
+                          <p:cTn id="157" fill="hold">
+                            <p:stCondLst>
+                              <p:cond delay="500"/>
+                            </p:stCondLst>
+                            <p:childTnLst>
+                              <p:par>
+                                <p:cTn id="158" presetID="1" presetClass="entr" presetSubtype="0" fill="hold" nodeType="afterEffect">
+                                  <p:stCondLst>
+                                    <p:cond delay="0"/>
+                                  </p:stCondLst>
+                                  <p:childTnLst>
+                                    <p:set>
+                                      <p:cBhvr>
+                                        <p:cTn id="159" dur="1" fill="hold">
+                                          <p:stCondLst>
+                                            <p:cond delay="9"/>
+                                          </p:stCondLst>
+                                        </p:cTn>
+                                        <p:tgtEl>
+                                          <p:spTgt spid="4"/>
+                                        </p:tgtEl>
+                                        <p:attrNameLst>
+                                          <p:attrName>style.visibility</p:attrName>
+                                        </p:attrNameLst>
+                                      </p:cBhvr>
+                                      <p:to>
+                                        <p:strVal val="visible"/>
+                                      </p:to>
+                                    </p:set>
+                                  </p:childTnLst>
+                                </p:cTn>
+                              </p:par>
+                              <p:par>
+                                <p:cTn id="160" presetID="1" presetClass="exit" presetSubtype="0" fill="hold" nodeType="withEffect">
+                                  <p:stCondLst>
+                                    <p:cond delay="0"/>
+                                  </p:stCondLst>
+                                  <p:childTnLst>
+                                    <p:set>
+                                      <p:cBhvr>
+                                        <p:cTn id="161" dur="1" fill="hold">
+                                          <p:stCondLst>
+                                            <p:cond delay="9"/>
+                                          </p:stCondLst>
+                                        </p:cTn>
+                                        <p:tgtEl>
+                                          <p:spTgt spid="12"/>
+                                        </p:tgtEl>
+                                        <p:attrNameLst>
+                                          <p:attrName>style.visibility</p:attrName>
+                                        </p:attrNameLst>
+                                      </p:cBhvr>
+                                      <p:to>
+                                        <p:strVal val="hidden"/>
+                                      </p:to>
+                                    </p:set>
+                                  </p:childTnLst>
+                                </p:cTn>
+                              </p:par>
+                              <p:par>
+                                <p:cTn id="162" presetID="1" presetClass="exit" presetSubtype="0" fill="hold" nodeType="withEffect">
+                                  <p:stCondLst>
+                                    <p:cond delay="0"/>
+                                  </p:stCondLst>
+                                  <p:childTnLst>
+                                    <p:set>
+                                      <p:cBhvr>
+                                        <p:cTn id="163" dur="1" fill="hold">
+                                          <p:stCondLst>
+                                            <p:cond delay="9"/>
+                                          </p:stCondLst>
+                                        </p:cTn>
+                                        <p:tgtEl>
+                                          <p:spTgt spid="14"/>
+                                        </p:tgtEl>
+                                        <p:attrNameLst>
+                                          <p:attrName>style.visibility</p:attrName>
+                                        </p:attrNameLst>
+                                      </p:cBhvr>
+                                      <p:to>
+                                        <p:strVal val="hidden"/>
+                                      </p:to>
+                                    </p:set>
+                                  </p:childTnLst>
+                                </p:cTn>
+                              </p:par>
+                              <p:par>
+                                <p:cTn id="164" presetID="1" presetClass="exit" presetSubtype="0" fill="hold" nodeType="withEffect">
+                                  <p:stCondLst>
+                                    <p:cond delay="0"/>
+                                  </p:stCondLst>
+                                  <p:childTnLst>
+                                    <p:set>
+                                      <p:cBhvr>
+                                        <p:cTn id="165" dur="1" fill="hold">
+                                          <p:stCondLst>
+                                            <p:cond delay="9"/>
+                                          </p:stCondLst>
+                                        </p:cTn>
+                                        <p:tgtEl>
+                                          <p:spTgt spid="15"/>
+                                        </p:tgtEl>
+                                        <p:attrNameLst>
+                                          <p:attrName>style.visibility</p:attrName>
+                                        </p:attrNameLst>
+                                      </p:cBhvr>
+                                      <p:to>
+                                        <p:strVal val="hidden"/>
+                                      </p:to>
+                                    </p:set>
+                                  </p:childTnLst>
+                                </p:cTn>
+                              </p:par>
+                              <p:par>
+                                <p:cTn id="166" presetID="1" presetClass="exit" presetSubtype="0" fill="hold" nodeType="withEffect">
+                                  <p:stCondLst>
+                                    <p:cond delay="0"/>
+                                  </p:stCondLst>
+                                  <p:childTnLst>
+                                    <p:set>
+                                      <p:cBhvr>
+                                        <p:cTn id="167" dur="1" fill="hold">
+                                          <p:stCondLst>
+                                            <p:cond delay="9"/>
+                                          </p:stCondLst>
+                                        </p:cTn>
+                                        <p:tgtEl>
+                                          <p:spTgt spid="26"/>
+                                        </p:tgtEl>
+                                        <p:attrNameLst>
+                                          <p:attrName>style.visibility</p:attrName>
+                                        </p:attrNameLst>
+                                      </p:cBhvr>
+                                      <p:to>
+                                        <p:strVal val="hidden"/>
+                                      </p:to>
+                                    </p:set>
+                                  </p:childTnLst>
+                                </p:cTn>
+                              </p:par>
+                              <p:par>
+                                <p:cTn id="168" presetID="1" presetClass="exit" presetSubtype="0" fill="hold" nodeType="withEffect">
+                                  <p:stCondLst>
+                                    <p:cond delay="0"/>
+                                  </p:stCondLst>
+                                  <p:childTnLst>
+                                    <p:set>
+                                      <p:cBhvr>
+                                        <p:cTn id="169" dur="1" fill="hold">
+                                          <p:stCondLst>
+                                            <p:cond delay="9"/>
+                                          </p:stCondLst>
+                                        </p:cTn>
+                                        <p:tgtEl>
+                                          <p:spTgt spid="50"/>
+                                        </p:tgtEl>
+                                        <p:attrNameLst>
+                                          <p:attrName>style.visibility</p:attrName>
+                                        </p:attrNameLst>
+                                      </p:cBhvr>
+                                      <p:to>
+                                        <p:strVal val="hidden"/>
+                                      </p:to>
+                                    </p:set>
+                                  </p:childTnLst>
+                                </p:cTn>
+                              </p:par>
+                              <p:par>
+                                <p:cTn id="170" presetID="10" presetClass="exit" presetSubtype="0" fill="hold" grpId="0" nodeType="withEffect">
+                                  <p:stCondLst>
+                                    <p:cond delay="0"/>
+                                  </p:stCondLst>
+                                  <p:childTnLst>
+                                    <p:animEffect transition="out" filter="fade">
+                                      <p:cBhvr>
+                                        <p:cTn id="171" dur="500"/>
+                                        <p:tgtEl>
+                                          <p:spTgt spid="51"/>
+                                        </p:tgtEl>
+                                      </p:cBhvr>
+                                    </p:animEffect>
+                                    <p:set>
+                                      <p:cBhvr>
+                                        <p:cTn id="172" dur="1" fill="hold">
+                                          <p:stCondLst>
+                                            <p:cond delay="499"/>
+                                          </p:stCondLst>
+                                        </p:cTn>
+                                        <p:tgtEl>
+                                          <p:spTgt spid="51"/>
+                                        </p:tgtEl>
+                                        <p:attrNameLst>
+                                          <p:attrName>style.visibility</p:attrName>
+                                        </p:attrNameLst>
+                                      </p:cBhvr>
+                                      <p:to>
+                                        <p:strVal val="hidden"/>
+                                      </p:to>
+                                    </p:set>
+                                  </p:childTnLst>
+                                </p:cTn>
+                              </p:par>
+                            </p:childTnLst>
+                          </p:cTn>
+                        </p:par>
+                      </p:childTnLst>
+                    </p:cTn>
+                  </p:par>
+                </p:childTnLst>
+              </p:cTn>
+              <p:prevCondLst>
+                <p:cond evt="onPrev" delay="0">
+                  <p:tgtEl>
+                    <p:sldTgt/>
+                  </p:tgtEl>
+                </p:cond>
+              </p:prevCondLst>
+              <p:nextCondLst>
+                <p:cond evt="onNext" delay="0">
+                  <p:tgtEl>
+                    <p:sldTgt/>
+                  </p:tgtEl>
+                </p:cond>
+              </p:nextCondLst>
+            </p:seq>
+          </p:childTnLst>
+        </p:cTn>
+      </p:par>
+    </p:tnLst>
+    <p:bldLst>
+      <p:bldP spid="51" grpId="0"/>
+    </p:bldLst>
+  </p:timing>
+</p:sld>
+</file>
+
+<file path=ppt/slides/slide11.xml><?xml version="1.0" encoding="utf-8"?>
+<p:sld xmlns:a="http://schemas.openxmlformats.org/drawingml/2006/main" xmlns:r="http://schemas.openxmlformats.org/officeDocument/2006/relationships" xmlns:p="http://schemas.openxmlformats.org/presentationml/2006/main" show="0">
+  <p:cSld name="PPAck201403240026082737">
+    <p:spTree>
+      <p:nvGrpSpPr>
+        <p:cNvPr id="1" name=""/>
+        <p:cNvGrpSpPr/>
+        <p:nvPr/>
+      </p:nvGrpSpPr>
+      <p:grpSpPr>
+        <a:xfrm>
+          <a:off x="0" y="0"/>
+          <a:ext cx="0" cy="0"/>
+          <a:chOff x="0" y="0"/>
+          <a:chExt cx="0" cy="0"/>
+        </a:xfrm>
+      </p:grpSpPr>
+      <p:sp>
+        <p:nvSpPr>
+          <p:cNvPr id="2" name="标题 1"/>
+          <p:cNvSpPr>
+            <a:spLocks noGrp="1"/>
+          </p:cNvSpPr>
+          <p:nvPr>
+            <p:ph type="title"/>
+          </p:nvPr>
+        </p:nvSpPr>
+        <p:spPr/>
+        <p:txBody>
+          <a:bodyPr/>
+          <a:lstStyle/>
+          <a:p>
+            <a:endParaRPr lang="en-SG"/>
+          </a:p>
+        </p:txBody>
+      </p:sp>
+      <p:pic>
+        <p:nvPicPr>
+          <p:cNvPr id="4" name="内容占位符 3"/>
+          <p:cNvPicPr>
+            <a:picLocks noGrp="1"/>
+          </p:cNvPicPr>
+          <p:nvPr>
+            <p:ph idx="1"/>
+          </p:nvPr>
+        </p:nvPicPr>
+        <p:blipFill>
+          <a:blip r:embed="rId2">
+            <a:extLst>
+              <a:ext uri="{28A0092B-C50C-407E-A947-70E740481C1C}">
+                <a14:useLocalDpi xmlns:a14="http://schemas.microsoft.com/office/drawing/2010/main" val="0"/>
+              </a:ext>
+            </a:extLst>
+          </a:blip>
+          <a:stretch>
+            <a:fillRect/>
+          </a:stretch>
+        </p:blipFill>
+        <p:spPr>
+          <a:xfrm>
+            <a:off x="1074665" y="1600200"/>
+            <a:ext cx="6994670" cy="4525963"/>
+          </a:xfrm>
+        </p:spPr>
+      </p:pic>
+    </p:spTree>
+    <p:extLst>
+      <p:ext uri="{BB962C8B-B14F-4D97-AF65-F5344CB8AC3E}">
+        <p14:creationId xmlns:p14="http://schemas.microsoft.com/office/powerpoint/2010/main" val="2306293579"/>
+      </p:ext>
+    </p:extLst>
+  </p:cSld>
+  <p:clrMapOvr>
+    <a:masterClrMapping/>
+  </p:clrMapOvr>
+  <mc:AlternateContent xmlns:mc="http://schemas.openxmlformats.org/markup-compatibility/2006" xmlns:p14="http://schemas.microsoft.com/office/powerpoint/2010/main">
+    <mc:Choice Requires="p14">
+      <p:transition spd="slow" p14:dur="2000"/>
+    </mc:Choice>
+    <mc:Fallback xmlns="">
+      <p:transition spd="slow"/>
+    </mc:Fallback>
+  </mc:AlternateContent>
+  <p:timing>
+    <p:tnLst>
+      <p:par>
+        <p:cTn id="1" dur="indefinite" restart="never" nodeType="tmRoot"/>
+      </p:par>
+    </p:tnLst>
+  </p:timing>
+</p:sld>
+</file>
+
 <file path=ppt/slides/slide2.xml><?xml version="1.0" encoding="utf-8"?>
 <p:sld xmlns:a="http://schemas.openxmlformats.org/drawingml/2006/main" xmlns:r="http://schemas.openxmlformats.org/officeDocument/2006/relationships" xmlns:p="http://schemas.openxmlformats.org/presentationml/2006/main">
   <p:cSld>
@@ -9476,21 +12860,8 @@
                   <a:schemeClr val="bg1"/>
                 </a:solidFill>
               </a:rPr>
-              <a:t> color </a:t>
-            </a:r>
-            <a:r>
-              <a:rPr lang="en-US" sz="2400" dirty="0" smtClean="0">
-                <a:solidFill>
-                  <a:schemeClr val="bg1"/>
-                </a:solidFill>
-              </a:rPr>
-              <a:t>shape.</a:t>
-            </a:r>
-            <a:endParaRPr lang="en-US" sz="2400" dirty="0" smtClean="0">
-              <a:solidFill>
-                <a:schemeClr val="bg1"/>
-              </a:solidFill>
-            </a:endParaRPr>
+              <a:t> color shape.</a:t>
+            </a:r>
           </a:p>
           <a:p>
             <a:pPr marL="285750" indent="-285750">
@@ -9519,56 +12890,22 @@
                   <a:schemeClr val="bg1"/>
                 </a:solidFill>
               </a:rPr>
-              <a:t> </a:t>
-            </a:r>
+              <a:t> button in the ribbon. </a:t>
+            </a:r>
+          </a:p>
+          <a:p>
+            <a:pPr marL="285750" indent="-285750">
+              <a:buFont typeface="Arial" panose="020B0604020202020204" pitchFamily="34" charset="0"/>
+              <a:buChar char="•"/>
+            </a:pPr>
             <a:r>
               <a:rPr lang="en-US" sz="2400" dirty="0" smtClean="0">
                 <a:solidFill>
                   <a:schemeClr val="bg1"/>
                 </a:solidFill>
               </a:rPr>
-              <a:t>button in </a:t>
-            </a:r>
-            <a:r>
-              <a:rPr lang="en-US" sz="2400" dirty="0" smtClean="0">
-                <a:solidFill>
-                  <a:schemeClr val="bg1"/>
-                </a:solidFill>
-              </a:rPr>
-              <a:t>the ribbon. </a:t>
-            </a:r>
-            <a:endParaRPr lang="en-US" sz="2400" dirty="0" smtClean="0">
-              <a:solidFill>
-                <a:schemeClr val="bg1"/>
-              </a:solidFill>
-            </a:endParaRPr>
-          </a:p>
-          <a:p>
-            <a:pPr marL="285750" indent="-285750">
-              <a:buFont typeface="Arial" panose="020B0604020202020204" pitchFamily="34" charset="0"/>
-              <a:buChar char="•"/>
-            </a:pPr>
-            <a:r>
-              <a:rPr lang="en-US" sz="2400" dirty="0" smtClean="0">
-                <a:solidFill>
-                  <a:schemeClr val="bg1"/>
-                </a:solidFill>
-              </a:rPr>
-              <a:t>Compare the result with the expected output</a:t>
-            </a:r>
-            <a:r>
-              <a:rPr lang="en-US" sz="2400" dirty="0" smtClean="0">
-                <a:solidFill>
-                  <a:schemeClr val="bg1"/>
-                </a:solidFill>
-              </a:rPr>
-              <a:t>.</a:t>
-            </a:r>
-            <a:endParaRPr lang="en-US" sz="2400" dirty="0" smtClean="0">
-              <a:solidFill>
-                <a:schemeClr val="bg1"/>
-              </a:solidFill>
-            </a:endParaRPr>
+              <a:t>Compare the result with the expected output.</a:t>
+            </a:r>
           </a:p>
         </p:txBody>
       </p:sp>
@@ -9626,19 +12963,7 @@
           <a:p>
             <a:r>
               <a:rPr lang="en-US" dirty="0" smtClean="0"/>
-              <a:t>Zoom to Area</a:t>
-            </a:r>
-            <a:r>
-              <a:rPr lang="en-US" dirty="0" smtClean="0"/>
-              <a:t>:: </a:t>
-            </a:r>
-            <a:r>
-              <a:rPr lang="en-US" dirty="0" smtClean="0"/>
-              <a:t>normal </a:t>
-            </a:r>
-            <a:r>
-              <a:rPr lang="en-US" dirty="0" smtClean="0"/>
-              <a:t>case</a:t>
+              <a:t>Zoom to Area:: normal case</a:t>
             </a:r>
             <a:endParaRPr lang="en-SG" dirty="0"/>
           </a:p>
@@ -9810,11 +13135,11 @@
   <p:clrMapOvr>
     <a:masterClrMapping/>
   </p:clrMapOvr>
-  <mc:AlternateContent xmlns:mc="http://schemas.openxmlformats.org/markup-compatibility/2006">
-    <mc:Choice xmlns:p14="http://schemas.microsoft.com/office/powerpoint/2010/main" Requires="p14">
+  <mc:AlternateContent xmlns:mc="http://schemas.openxmlformats.org/markup-compatibility/2006" xmlns:p14="http://schemas.microsoft.com/office/powerpoint/2010/main">
+    <mc:Choice Requires="p14">
       <p:transition spd="slow" p14:dur="2000" advTm="1000"/>
     </mc:Choice>
-    <mc:Fallback>
+    <mc:Fallback xmlns="">
       <p:transition spd="slow" advTm="1000"/>
     </mc:Fallback>
   </mc:AlternateContent>
@@ -9911,8 +13236,16 @@
 </file>
 
 <file path=ppt/slides/slide5.xml><?xml version="1.0" encoding="utf-8"?>
-<p:sld xmlns:a="http://schemas.openxmlformats.org/drawingml/2006/main" xmlns:r="http://schemas.openxmlformats.org/officeDocument/2006/relationships" xmlns:p="http://schemas.openxmlformats.org/presentationml/2006/main" show="0">
-  <p:cSld name="PPAck201403240026082737">
+<p:sld xmlns:a="http://schemas.openxmlformats.org/drawingml/2006/main" xmlns:r="http://schemas.openxmlformats.org/officeDocument/2006/relationships" xmlns:p="http://schemas.openxmlformats.org/presentationml/2006/main">
+  <p:cSld name="PPTLabsZoomToAreaSlide201403311922174591">
+    <p:bg>
+      <p:bgPr>
+        <a:solidFill>
+          <a:schemeClr val="bg1"/>
+        </a:solidFill>
+        <a:effectLst/>
+      </p:bgPr>
+    </p:bg>
     <p:spTree>
       <p:nvGrpSpPr>
         <p:cNvPr id="1" name=""/>
@@ -9927,37 +13260,754 @@
           <a:chExt cx="0" cy="0"/>
         </a:xfrm>
       </p:grpSpPr>
-      <p:sp>
-        <p:nvSpPr>
-          <p:cNvPr id="2" name="标题 1"/>
-          <p:cNvSpPr>
-            <a:spLocks noGrp="1"/>
-          </p:cNvSpPr>
-          <p:nvPr>
-            <p:ph type="title"/>
-          </p:nvPr>
-        </p:nvSpPr>
-        <p:spPr/>
-        <p:txBody>
-          <a:bodyPr/>
-          <a:lstStyle/>
-          <a:p>
-            <a:endParaRPr lang="en-SG"/>
-          </a:p>
-        </p:txBody>
-      </p:sp>
       <p:pic>
         <p:nvPicPr>
-          <p:cNvPr id="4" name="内容占位符 3"/>
+          <p:cNvPr id="4" name="Picture 3" descr="File:AmineTreating.png"/>
           <p:cNvPicPr>
-            <a:picLocks noGrp="1"/>
+            <a:picLocks noChangeAspect="1" noChangeArrowheads="1"/>
           </p:cNvPicPr>
-          <p:nvPr>
-            <p:ph idx="1"/>
-          </p:nvPr>
+          <p:nvPr/>
+        </p:nvPicPr>
+        <p:blipFill rotWithShape="1">
+          <a:blip r:embed="rId2">
+            <a:duotone>
+              <a:schemeClr val="bg2">
+                <a:shade val="45000"/>
+                <a:satMod val="135000"/>
+              </a:schemeClr>
+              <a:prstClr val="white"/>
+            </a:duotone>
+            <a:extLst>
+              <a:ext uri="{28A0092B-C50C-407E-A947-70E740481C1C}">
+                <a14:useLocalDpi xmlns:a14="http://schemas.microsoft.com/office/drawing/2010/main" val="0"/>
+              </a:ext>
+            </a:extLst>
+          </a:blip>
+          <a:srcRect l="1320" t="1116" r="1244" b="19220"/>
+          <a:stretch/>
+        </p:blipFill>
+        <p:spPr bwMode="auto">
+          <a:xfrm>
+            <a:off x="952500" y="708136"/>
+            <a:ext cx="7429500" cy="5313152"/>
+          </a:xfrm>
+          <a:prstGeom prst="rect">
+            <a:avLst/>
+          </a:prstGeom>
+          <a:noFill/>
+          <a:extLst>
+            <a:ext uri="{909E8E84-426E-40DD-AFC4-6F175D3DCCD1}">
+              <a14:hiddenFill xmlns:a14="http://schemas.microsoft.com/office/drawing/2010/main">
+                <a:solidFill>
+                  <a:srgbClr val="FFFFFF"/>
+                </a:solidFill>
+              </a14:hiddenFill>
+            </a:ext>
+          </a:extLst>
+        </p:spPr>
+      </p:pic>
+      <p:sp>
+        <p:nvSpPr>
+          <p:cNvPr id="5" name="PPTLabsMagnifyShape201403311922174751"/>
+          <p:cNvSpPr/>
+          <p:nvPr/>
+        </p:nvSpPr>
+        <p:spPr>
+          <a:xfrm>
+            <a:off x="1142999" y="730284"/>
+            <a:ext cx="3272468" cy="2454350"/>
+          </a:xfrm>
+          <a:prstGeom prst="rect">
+            <a:avLst/>
+          </a:prstGeom>
+          <a:solidFill>
+            <a:srgbClr val="AAAAAA">
+              <a:alpha val="30000"/>
+            </a:srgbClr>
+          </a:solidFill>
+          <a:ln w="57150">
+            <a:solidFill>
+              <a:srgbClr val="000000"/>
+            </a:solidFill>
+          </a:ln>
+        </p:spPr>
+        <p:style>
+          <a:lnRef idx="2">
+            <a:schemeClr val="accent1">
+              <a:shade val="50000"/>
+            </a:schemeClr>
+          </a:lnRef>
+          <a:fillRef idx="1">
+            <a:schemeClr val="accent1"/>
+          </a:fillRef>
+          <a:effectRef idx="0">
+            <a:schemeClr val="accent1"/>
+          </a:effectRef>
+          <a:fontRef idx="minor">
+            <a:schemeClr val="lt1"/>
+          </a:fontRef>
+        </p:style>
+        <p:txBody>
+          <a:bodyPr lIns="228600" tIns="114300" rIns="228600" bIns="114300" rtlCol="0" anchor="ctr">
+            <a:normAutofit/>
+          </a:bodyPr>
+          <a:lstStyle/>
+          <a:p>
+            <a:pPr algn="ctr"/>
+            <a:r>
+              <a:rPr lang="en-US" b="1" smtClean="0">
+                <a:solidFill>
+                  <a:srgbClr val="FFFFFF"/>
+                </a:solidFill>
+              </a:rPr>
+              <a:t>Zoom Shape 1</a:t>
+            </a:r>
+            <a:endParaRPr lang="en-US" b="1">
+              <a:solidFill>
+                <a:srgbClr val="FFFFFF"/>
+              </a:solidFill>
+            </a:endParaRPr>
+          </a:p>
+        </p:txBody>
+      </p:sp>
+      <p:sp>
+        <p:nvSpPr>
+          <p:cNvPr id="7" name="[text 3]"/>
+          <p:cNvSpPr txBox="1"/>
+          <p:nvPr/>
+        </p:nvSpPr>
+        <p:spPr>
+          <a:xfrm>
+            <a:off x="430386" y="6043939"/>
+            <a:ext cx="2644122" cy="523220"/>
+          </a:xfrm>
+          <a:prstGeom prst="rect">
+            <a:avLst/>
+          </a:prstGeom>
+          <a:noFill/>
+        </p:spPr>
+        <p:txBody>
+          <a:bodyPr wrap="none" rtlCol="0">
+            <a:spAutoFit/>
+          </a:bodyPr>
+          <a:lstStyle/>
+          <a:p>
+            <a:r>
+              <a:rPr lang="en-US" sz="2800" b="1" dirty="0" smtClean="0">
+                <a:solidFill>
+                  <a:schemeClr val="bg1">
+                    <a:lumMod val="75000"/>
+                  </a:schemeClr>
+                </a:solidFill>
+              </a:rPr>
+              <a:t>Expected output</a:t>
+            </a:r>
+            <a:endParaRPr lang="en-SG" sz="2800" b="1" dirty="0">
+              <a:solidFill>
+                <a:schemeClr val="bg1">
+                  <a:lumMod val="75000"/>
+                </a:schemeClr>
+              </a:solidFill>
+            </a:endParaRPr>
+          </a:p>
+        </p:txBody>
+      </p:sp>
+    </p:spTree>
+    <p:extLst>
+      <p:ext uri="{BB962C8B-B14F-4D97-AF65-F5344CB8AC3E}">
+        <p14:creationId xmlns:p14="http://schemas.microsoft.com/office/powerpoint/2010/main" val="2338268256"/>
+      </p:ext>
+    </p:extLst>
+  </p:cSld>
+  <p:clrMapOvr>
+    <a:masterClrMapping/>
+  </p:clrMapOvr>
+  <mc:AlternateContent xmlns:mc="http://schemas.openxmlformats.org/markup-compatibility/2006" xmlns:p14="http://schemas.microsoft.com/office/powerpoint/2010/main">
+    <mc:Choice Requires="p14">
+      <p:transition spd="slow" p14:dur="2000" advTm="1000"/>
+    </mc:Choice>
+    <mc:Fallback xmlns="">
+      <p:transition spd="slow" advTm="1000"/>
+    </mc:Fallback>
+  </mc:AlternateContent>
+  <p:timing>
+    <p:tnLst>
+      <p:par>
+        <p:cTn id="1" dur="indefinite" restart="never" nodeType="tmRoot">
+          <p:childTnLst>
+            <p:seq concurrent="1" nextAc="seek">
+              <p:cTn id="2" dur="indefinite" nodeType="mainSeq">
+                <p:childTnLst>
+                  <p:par>
+                    <p:cTn id="3" fill="hold">
+                      <p:stCondLst>
+                        <p:cond delay="indefinite"/>
+                        <p:cond evt="onBegin" delay="0">
+                          <p:tn val="2"/>
+                        </p:cond>
+                      </p:stCondLst>
+                      <p:childTnLst>
+                        <p:par>
+                          <p:cTn id="4" fill="hold">
+                            <p:stCondLst>
+                              <p:cond delay="0"/>
+                            </p:stCondLst>
+                            <p:childTnLst>
+                              <p:par>
+                                <p:cTn id="5" presetID="21" presetClass="entr" presetSubtype="1" fill="hold" grpId="0" nodeType="withEffect">
+                                  <p:stCondLst>
+                                    <p:cond delay="0"/>
+                                  </p:stCondLst>
+                                  <p:childTnLst>
+                                    <p:set>
+                                      <p:cBhvr>
+                                        <p:cTn id="6" dur="1" fill="hold">
+                                          <p:stCondLst>
+                                            <p:cond delay="0"/>
+                                          </p:stCondLst>
+                                        </p:cTn>
+                                        <p:tgtEl>
+                                          <p:spTgt spid="5"/>
+                                        </p:tgtEl>
+                                        <p:attrNameLst>
+                                          <p:attrName>style.visibility</p:attrName>
+                                        </p:attrNameLst>
+                                      </p:cBhvr>
+                                      <p:to>
+                                        <p:strVal val="visible"/>
+                                      </p:to>
+                                    </p:set>
+                                    <p:animEffect transition="in" filter="wheel(1)">
+                                      <p:cBhvr>
+                                        <p:cTn id="7" dur="500"/>
+                                        <p:tgtEl>
+                                          <p:spTgt spid="5"/>
+                                        </p:tgtEl>
+                                      </p:cBhvr>
+                                    </p:animEffect>
+                                  </p:childTnLst>
+                                </p:cTn>
+                              </p:par>
+                              <p:par>
+                                <p:cTn id="8" presetID="1" presetClass="entr" presetSubtype="0" fill="hold" grpId="1" nodeType="withEffect">
+                                  <p:stCondLst>
+                                    <p:cond delay="0"/>
+                                  </p:stCondLst>
+                                  <p:childTnLst>
+                                    <p:set>
+                                      <p:cBhvr>
+                                        <p:cTn id="9" dur="1" fill="hold">
+                                          <p:stCondLst>
+                                            <p:cond delay="0"/>
+                                          </p:stCondLst>
+                                        </p:cTn>
+                                        <p:tgtEl>
+                                          <p:spTgt spid="5"/>
+                                        </p:tgtEl>
+                                        <p:attrNameLst>
+                                          <p:attrName>style.visibility</p:attrName>
+                                        </p:attrNameLst>
+                                      </p:cBhvr>
+                                      <p:to>
+                                        <p:strVal val="visible"/>
+                                      </p:to>
+                                    </p:set>
+                                  </p:childTnLst>
+                                </p:cTn>
+                              </p:par>
+                              <p:par>
+                                <p:cTn id="10" presetID="1" presetClass="exit" presetSubtype="0" fill="hold" grpId="2" nodeType="withEffect">
+                                  <p:stCondLst>
+                                    <p:cond delay="0"/>
+                                  </p:stCondLst>
+                                  <p:childTnLst>
+                                    <p:set>
+                                      <p:cBhvr>
+                                        <p:cTn id="11" dur="1" fill="hold">
+                                          <p:stCondLst>
+                                            <p:cond delay="0"/>
+                                          </p:stCondLst>
+                                        </p:cTn>
+                                        <p:tgtEl>
+                                          <p:spTgt spid="5"/>
+                                        </p:tgtEl>
+                                        <p:attrNameLst>
+                                          <p:attrName>style.visibility</p:attrName>
+                                        </p:attrNameLst>
+                                      </p:cBhvr>
+                                      <p:to>
+                                        <p:strVal val="hidden"/>
+                                      </p:to>
+                                    </p:set>
+                                  </p:childTnLst>
+                                </p:cTn>
+                              </p:par>
+                              <p:par>
+                                <p:cTn id="12" presetID="10" presetClass="exit" presetSubtype="0" fill="hold" grpId="0" nodeType="withEffect">
+                                  <p:stCondLst>
+                                    <p:cond delay="0"/>
+                                  </p:stCondLst>
+                                  <p:childTnLst>
+                                    <p:animEffect transition="out" filter="fade">
+                                      <p:cBhvr>
+                                        <p:cTn id="13" dur="500"/>
+                                        <p:tgtEl>
+                                          <p:spTgt spid="7"/>
+                                        </p:tgtEl>
+                                      </p:cBhvr>
+                                    </p:animEffect>
+                                    <p:set>
+                                      <p:cBhvr>
+                                        <p:cTn id="14" dur="1" fill="hold">
+                                          <p:stCondLst>
+                                            <p:cond delay="499"/>
+                                          </p:stCondLst>
+                                        </p:cTn>
+                                        <p:tgtEl>
+                                          <p:spTgt spid="7"/>
+                                        </p:tgtEl>
+                                        <p:attrNameLst>
+                                          <p:attrName>style.visibility</p:attrName>
+                                        </p:attrNameLst>
+                                      </p:cBhvr>
+                                      <p:to>
+                                        <p:strVal val="hidden"/>
+                                      </p:to>
+                                    </p:set>
+                                  </p:childTnLst>
+                                </p:cTn>
+                              </p:par>
+                            </p:childTnLst>
+                          </p:cTn>
+                        </p:par>
+                      </p:childTnLst>
+                    </p:cTn>
+                  </p:par>
+                </p:childTnLst>
+              </p:cTn>
+              <p:prevCondLst>
+                <p:cond evt="onPrev" delay="0">
+                  <p:tgtEl>
+                    <p:sldTgt/>
+                  </p:tgtEl>
+                </p:cond>
+              </p:prevCondLst>
+              <p:nextCondLst>
+                <p:cond evt="onNext" delay="0">
+                  <p:tgtEl>
+                    <p:sldTgt/>
+                  </p:tgtEl>
+                </p:cond>
+              </p:nextCondLst>
+            </p:seq>
+          </p:childTnLst>
+        </p:cTn>
+      </p:par>
+    </p:tnLst>
+    <p:bldLst>
+      <p:bldP spid="5" grpId="0" animBg="1"/>
+      <p:bldP spid="5" grpId="1" animBg="1"/>
+      <p:bldP spid="5" grpId="2" animBg="1"/>
+      <p:bldP spid="7" grpId="0"/>
+    </p:bldLst>
+  </p:timing>
+</p:sld>
+</file>
+
+<file path=ppt/slides/slide6.xml><?xml version="1.0" encoding="utf-8"?>
+<p:sld xmlns:a="http://schemas.openxmlformats.org/drawingml/2006/main" xmlns:r="http://schemas.openxmlformats.org/officeDocument/2006/relationships" xmlns:p="http://schemas.openxmlformats.org/presentationml/2006/main">
+  <p:cSld name="PPTLabsMagnifyingSlide201403311922176471">
+    <p:bg>
+      <p:bgPr>
+        <a:solidFill>
+          <a:schemeClr val="bg1"/>
+        </a:solidFill>
+        <a:effectLst/>
+      </p:bgPr>
+    </p:bg>
+    <p:spTree>
+      <p:nvGrpSpPr>
+        <p:cNvPr id="1" name=""/>
+        <p:cNvGrpSpPr/>
+        <p:nvPr/>
+      </p:nvGrpSpPr>
+      <p:grpSpPr>
+        <a:xfrm>
+          <a:off x="0" y="0"/>
+          <a:ext cx="0" cy="0"/>
+          <a:chOff x="0" y="0"/>
+          <a:chExt cx="0" cy="0"/>
+        </a:xfrm>
+      </p:grpSpPr>
+      <p:pic>
+        <p:nvPicPr>
+          <p:cNvPr id="4" name="Picture 3" descr="File:AmineTreating.png"/>
+          <p:cNvPicPr>
+            <a:picLocks noChangeAspect="1" noChangeArrowheads="1"/>
+          </p:cNvPicPr>
+          <p:nvPr/>
+        </p:nvPicPr>
+        <p:blipFill rotWithShape="1">
+          <a:blip r:embed="rId2">
+            <a:duotone>
+              <a:schemeClr val="bg2">
+                <a:shade val="45000"/>
+                <a:satMod val="135000"/>
+              </a:schemeClr>
+              <a:prstClr val="white"/>
+            </a:duotone>
+            <a:extLst>
+              <a:ext uri="{28A0092B-C50C-407E-A947-70E740481C1C}">
+                <a14:useLocalDpi xmlns:a14="http://schemas.microsoft.com/office/drawing/2010/main" val="0"/>
+              </a:ext>
+            </a:extLst>
+          </a:blip>
+          <a:srcRect l="1320" t="1116" r="1244" b="19220"/>
+          <a:stretch/>
+        </p:blipFill>
+        <p:spPr bwMode="auto">
+          <a:xfrm>
+            <a:off x="952500" y="708136"/>
+            <a:ext cx="7429500" cy="5313152"/>
+          </a:xfrm>
+          <a:prstGeom prst="rect">
+            <a:avLst/>
+          </a:prstGeom>
+          <a:noFill/>
+          <a:extLst>
+            <a:ext uri="{909E8E84-426E-40DD-AFC4-6F175D3DCCD1}">
+              <a14:hiddenFill xmlns:a14="http://schemas.microsoft.com/office/drawing/2010/main">
+                <a:solidFill>
+                  <a:srgbClr val="FFFFFF"/>
+                </a:solidFill>
+              </a14:hiddenFill>
+            </a:ext>
+          </a:extLst>
+        </p:spPr>
+      </p:pic>
+      <p:pic>
+        <p:nvPicPr>
+          <p:cNvPr id="8" name="PPTLabsMagnifyingAreaSlide201403311922181621"/>
+          <p:cNvPicPr>
+            <a:picLocks/>
+          </p:cNvPicPr>
+          <p:nvPr/>
         </p:nvPicPr>
         <p:blipFill>
-          <a:blip r:embed="rId2">
+          <a:blip r:embed="rId3"/>
+          <a:stretch>
+            <a:fillRect/>
+          </a:stretch>
+        </p:blipFill>
+        <p:spPr>
+          <a:xfrm>
+            <a:off x="0" y="0"/>
+            <a:ext cx="9144000" cy="6858000"/>
+          </a:xfrm>
+          <a:prstGeom prst="rect">
+            <a:avLst/>
+          </a:prstGeom>
+        </p:spPr>
+      </p:pic>
+      <p:pic>
+        <p:nvPicPr>
+          <p:cNvPr id="10" name="PPTLabsMagnifyAreaGroupShape1-201403311922181731"/>
+          <p:cNvPicPr>
+            <a:picLocks noChangeAspect="1"/>
+          </p:cNvPicPr>
+          <p:nvPr/>
+        </p:nvPicPr>
+        <p:blipFill>
+          <a:blip r:embed="rId4"/>
+          <a:srcRect/>
+          <a:stretch>
+            <a:fillRect/>
+          </a:stretch>
+        </p:blipFill>
+        <p:spPr>
+          <a:xfrm>
+            <a:off x="-3205059" y="-2045960"/>
+            <a:ext cx="25607703" cy="19206004"/>
+          </a:xfrm>
+          <a:prstGeom prst="rect">
+            <a:avLst/>
+          </a:prstGeom>
+        </p:spPr>
+      </p:pic>
+      <p:pic>
+        <p:nvPicPr>
+          <p:cNvPr id="11" name="PPTLabsDeMagnifyAreaSlide201403311922181771"/>
+          <p:cNvPicPr>
+            <a:picLocks/>
+          </p:cNvPicPr>
+          <p:nvPr/>
+        </p:nvPicPr>
+        <p:blipFill>
+          <a:blip r:embed="rId3"/>
+          <a:stretch>
+            <a:fillRect/>
+          </a:stretch>
+        </p:blipFill>
+        <p:spPr>
+          <a:xfrm>
+            <a:off x="-3193792" y="-2040575"/>
+            <a:ext cx="25550360" cy="19162770"/>
+          </a:xfrm>
+          <a:prstGeom prst="rect">
+            <a:avLst/>
+          </a:prstGeom>
+        </p:spPr>
+      </p:pic>
+      <p:pic>
+        <p:nvPicPr>
+          <p:cNvPr id="15" name="PPTLabsDeMagnifyAreaSlide201403311922181771"/>
+          <p:cNvPicPr>
+            <a:picLocks/>
+          </p:cNvPicPr>
+          <p:nvPr/>
+        </p:nvPicPr>
+        <p:blipFill>
+          <a:blip r:embed="rId3"/>
+          <a:stretch>
+            <a:fillRect/>
+          </a:stretch>
+        </p:blipFill>
+        <p:spPr>
+          <a:xfrm>
+            <a:off x="-2874413" y="-1836517"/>
+            <a:ext cx="23909724" cy="17932293"/>
+          </a:xfrm>
+          <a:prstGeom prst="rect">
+            <a:avLst/>
+          </a:prstGeom>
+        </p:spPr>
+      </p:pic>
+      <p:pic>
+        <p:nvPicPr>
+          <p:cNvPr id="16" name="PPTLabsDeMagnifyAreaSlide201403311922181771"/>
+          <p:cNvPicPr>
+            <a:picLocks/>
+          </p:cNvPicPr>
+          <p:nvPr/>
+        </p:nvPicPr>
+        <p:blipFill>
+          <a:blip r:embed="rId3"/>
+          <a:stretch>
+            <a:fillRect/>
+          </a:stretch>
+        </p:blipFill>
+        <p:spPr>
+          <a:xfrm>
+            <a:off x="-2555034" y="-1632460"/>
+            <a:ext cx="22269088" cy="16701816"/>
+          </a:xfrm>
+          <a:prstGeom prst="rect">
+            <a:avLst/>
+          </a:prstGeom>
+        </p:spPr>
+      </p:pic>
+      <p:pic>
+        <p:nvPicPr>
+          <p:cNvPr id="17" name="PPTLabsDeMagnifyAreaSlide201403311922181771"/>
+          <p:cNvPicPr>
+            <a:picLocks/>
+          </p:cNvPicPr>
+          <p:nvPr/>
+        </p:nvPicPr>
+        <p:blipFill>
+          <a:blip r:embed="rId3"/>
+          <a:stretch>
+            <a:fillRect/>
+          </a:stretch>
+        </p:blipFill>
+        <p:spPr>
+          <a:xfrm>
+            <a:off x="-2235653" y="-1428402"/>
+            <a:ext cx="20628451" cy="15471338"/>
+          </a:xfrm>
+          <a:prstGeom prst="rect">
+            <a:avLst/>
+          </a:prstGeom>
+        </p:spPr>
+      </p:pic>
+      <p:pic>
+        <p:nvPicPr>
+          <p:cNvPr id="18" name="PPTLabsDeMagnifyAreaSlide201403311922181771"/>
+          <p:cNvPicPr>
+            <a:picLocks/>
+          </p:cNvPicPr>
+          <p:nvPr/>
+        </p:nvPicPr>
+        <p:blipFill>
+          <a:blip r:embed="rId3"/>
+          <a:stretch>
+            <a:fillRect/>
+          </a:stretch>
+        </p:blipFill>
+        <p:spPr>
+          <a:xfrm>
+            <a:off x="-1916274" y="-1224345"/>
+            <a:ext cx="18987815" cy="14240862"/>
+          </a:xfrm>
+          <a:prstGeom prst="rect">
+            <a:avLst/>
+          </a:prstGeom>
+        </p:spPr>
+      </p:pic>
+      <p:pic>
+        <p:nvPicPr>
+          <p:cNvPr id="19" name="PPTLabsDeMagnifyAreaSlide201403311922181771"/>
+          <p:cNvPicPr>
+            <a:picLocks/>
+          </p:cNvPicPr>
+          <p:nvPr/>
+        </p:nvPicPr>
+        <p:blipFill>
+          <a:blip r:embed="rId3"/>
+          <a:stretch>
+            <a:fillRect/>
+          </a:stretch>
+        </p:blipFill>
+        <p:spPr>
+          <a:xfrm>
+            <a:off x="-1596896" y="-1020287"/>
+            <a:ext cx="17347180" cy="13010385"/>
+          </a:xfrm>
+          <a:prstGeom prst="rect">
+            <a:avLst/>
+          </a:prstGeom>
+        </p:spPr>
+      </p:pic>
+      <p:pic>
+        <p:nvPicPr>
+          <p:cNvPr id="20" name="PPTLabsDeMagnifyAreaSlide201403311922181771"/>
+          <p:cNvPicPr>
+            <a:picLocks/>
+          </p:cNvPicPr>
+          <p:nvPr/>
+        </p:nvPicPr>
+        <p:blipFill>
+          <a:blip r:embed="rId3"/>
+          <a:stretch>
+            <a:fillRect/>
+          </a:stretch>
+        </p:blipFill>
+        <p:spPr>
+          <a:xfrm>
+            <a:off x="-1277516" y="-816229"/>
+            <a:ext cx="15706542" cy="11779907"/>
+          </a:xfrm>
+          <a:prstGeom prst="rect">
+            <a:avLst/>
+          </a:prstGeom>
+        </p:spPr>
+      </p:pic>
+      <p:pic>
+        <p:nvPicPr>
+          <p:cNvPr id="21" name="PPTLabsDeMagnifyAreaSlide201403311922181771"/>
+          <p:cNvPicPr>
+            <a:picLocks/>
+          </p:cNvPicPr>
+          <p:nvPr/>
+        </p:nvPicPr>
+        <p:blipFill>
+          <a:blip r:embed="rId3"/>
+          <a:stretch>
+            <a:fillRect/>
+          </a:stretch>
+        </p:blipFill>
+        <p:spPr>
+          <a:xfrm>
+            <a:off x="-958137" y="-612172"/>
+            <a:ext cx="14065907" cy="10549430"/>
+          </a:xfrm>
+          <a:prstGeom prst="rect">
+            <a:avLst/>
+          </a:prstGeom>
+        </p:spPr>
+      </p:pic>
+      <p:pic>
+        <p:nvPicPr>
+          <p:cNvPr id="22" name="PPTLabsDeMagnifyAreaSlide201403311922181771"/>
+          <p:cNvPicPr>
+            <a:picLocks/>
+          </p:cNvPicPr>
+          <p:nvPr/>
+        </p:nvPicPr>
+        <p:blipFill>
+          <a:blip r:embed="rId3"/>
+          <a:stretch>
+            <a:fillRect/>
+          </a:stretch>
+        </p:blipFill>
+        <p:spPr>
+          <a:xfrm>
+            <a:off x="-638758" y="-408114"/>
+            <a:ext cx="12425271" cy="9318953"/>
+          </a:xfrm>
+          <a:prstGeom prst="rect">
+            <a:avLst/>
+          </a:prstGeom>
+        </p:spPr>
+      </p:pic>
+      <p:pic>
+        <p:nvPicPr>
+          <p:cNvPr id="23" name="PPTLabsDeMagnifyAreaSlide201403311922181771"/>
+          <p:cNvPicPr>
+            <a:picLocks/>
+          </p:cNvPicPr>
+          <p:nvPr/>
+        </p:nvPicPr>
+        <p:blipFill>
+          <a:blip r:embed="rId3"/>
+          <a:stretch>
+            <a:fillRect/>
+          </a:stretch>
+        </p:blipFill>
+        <p:spPr>
+          <a:xfrm>
+            <a:off x="-319378" y="-204057"/>
+            <a:ext cx="10784635" cy="8088476"/>
+          </a:xfrm>
+          <a:prstGeom prst="rect">
+            <a:avLst/>
+          </a:prstGeom>
+        </p:spPr>
+      </p:pic>
+      <p:pic>
+        <p:nvPicPr>
+          <p:cNvPr id="24" name="PPTLabsDeMagnifyAreaSlide201403311922181771"/>
+          <p:cNvPicPr>
+            <a:picLocks/>
+          </p:cNvPicPr>
+          <p:nvPr/>
+        </p:nvPicPr>
+        <p:blipFill>
+          <a:blip r:embed="rId3"/>
+          <a:stretch>
+            <a:fillRect/>
+          </a:stretch>
+        </p:blipFill>
+        <p:spPr>
+          <a:xfrm>
+            <a:off x="1" y="2"/>
+            <a:ext cx="9143999" cy="6857999"/>
+          </a:xfrm>
+          <a:prstGeom prst="rect">
+            <a:avLst/>
+          </a:prstGeom>
+        </p:spPr>
+      </p:pic>
+      <p:pic>
+        <p:nvPicPr>
+          <p:cNvPr id="7" name="PPIndicator201403311922181541"/>
+          <p:cNvPicPr>
+            <a:picLocks/>
+          </p:cNvPicPr>
+          <p:nvPr/>
+        </p:nvPicPr>
+        <p:blipFill>
+          <a:blip r:embed="rId5" cstate="print">
             <a:extLst>
               <a:ext uri="{28A0092B-C50C-407E-A947-70E740481C1C}">
                 <a14:useLocalDpi xmlns:a14="http://schemas.microsoft.com/office/drawing/2010/main" val="0"/>
@@ -9970,15 +14020,60 @@
         </p:blipFill>
         <p:spPr>
           <a:xfrm>
-            <a:off x="1074665" y="1600200"/>
-            <a:ext cx="6994670" cy="4525963"/>
+            <a:off x="7620000" y="0"/>
+            <a:ext cx="1524000" cy="1066800"/>
           </a:xfrm>
+          <a:prstGeom prst="rect">
+            <a:avLst/>
+          </a:prstGeom>
         </p:spPr>
       </p:pic>
+      <p:sp>
+        <p:nvSpPr>
+          <p:cNvPr id="25" name="[text 3]"/>
+          <p:cNvSpPr txBox="1"/>
+          <p:nvPr/>
+        </p:nvSpPr>
+        <p:spPr>
+          <a:xfrm>
+            <a:off x="430386" y="6043939"/>
+            <a:ext cx="2644122" cy="523220"/>
+          </a:xfrm>
+          <a:prstGeom prst="rect">
+            <a:avLst/>
+          </a:prstGeom>
+          <a:noFill/>
+        </p:spPr>
+        <p:txBody>
+          <a:bodyPr wrap="none" rtlCol="0">
+            <a:spAutoFit/>
+          </a:bodyPr>
+          <a:lstStyle/>
+          <a:p>
+            <a:r>
+              <a:rPr lang="en-US" sz="2800" b="1" dirty="0" smtClean="0">
+                <a:solidFill>
+                  <a:schemeClr val="bg1">
+                    <a:lumMod val="75000"/>
+                  </a:schemeClr>
+                </a:solidFill>
+              </a:rPr>
+              <a:t>Expected output</a:t>
+            </a:r>
+            <a:endParaRPr lang="en-SG" sz="2800" b="1" dirty="0">
+              <a:solidFill>
+                <a:schemeClr val="bg1">
+                  <a:lumMod val="75000"/>
+                </a:schemeClr>
+              </a:solidFill>
+            </a:endParaRPr>
+          </a:p>
+        </p:txBody>
+      </p:sp>
     </p:spTree>
     <p:extLst>
       <p:ext uri="{BB962C8B-B14F-4D97-AF65-F5344CB8AC3E}">
-        <p14:creationId xmlns:p14="http://schemas.microsoft.com/office/powerpoint/2010/main" val="2306293579"/>
+        <p14:creationId xmlns:p14="http://schemas.microsoft.com/office/powerpoint/2010/main" val="530845490"/>
       </p:ext>
     </p:extLst>
   </p:cSld>
@@ -9996,9 +14091,2351 @@
   <p:timing>
     <p:tnLst>
       <p:par>
+        <p:cTn id="1" dur="indefinite" restart="never" nodeType="tmRoot">
+          <p:childTnLst>
+            <p:seq concurrent="1" nextAc="seek">
+              <p:cTn id="2" dur="indefinite" nodeType="mainSeq">
+                <p:childTnLst>
+                  <p:par>
+                    <p:cTn id="3" fill="hold">
+                      <p:stCondLst>
+                        <p:cond delay="indefinite"/>
+                        <p:cond evt="onBegin" delay="0">
+                          <p:tn val="2"/>
+                        </p:cond>
+                      </p:stCondLst>
+                      <p:childTnLst>
+                        <p:par>
+                          <p:cTn id="4" fill="hold">
+                            <p:stCondLst>
+                              <p:cond delay="0"/>
+                            </p:stCondLst>
+                            <p:childTnLst>
+                              <p:par>
+                                <p:cTn id="5" presetID="1" presetClass="entr" presetSubtype="0" fill="hold" nodeType="withEffect">
+                                  <p:stCondLst>
+                                    <p:cond delay="0"/>
+                                  </p:stCondLst>
+                                  <p:childTnLst>
+                                    <p:set>
+                                      <p:cBhvr>
+                                        <p:cTn id="6" dur="1" fill="hold">
+                                          <p:stCondLst>
+                                            <p:cond delay="0"/>
+                                          </p:stCondLst>
+                                        </p:cTn>
+                                        <p:tgtEl>
+                                          <p:spTgt spid="7"/>
+                                        </p:tgtEl>
+                                        <p:attrNameLst>
+                                          <p:attrName>style.visibility</p:attrName>
+                                        </p:attrNameLst>
+                                      </p:cBhvr>
+                                      <p:to>
+                                        <p:strVal val="visible"/>
+                                      </p:to>
+                                    </p:set>
+                                  </p:childTnLst>
+                                </p:cTn>
+                              </p:par>
+                              <p:par>
+                                <p:cTn id="7" presetID="1" presetClass="exit" presetSubtype="0" fill="hold" nodeType="withEffect">
+                                  <p:stCondLst>
+                                    <p:cond delay="0"/>
+                                  </p:stCondLst>
+                                  <p:childTnLst>
+                                    <p:set>
+                                      <p:cBhvr>
+                                        <p:cTn id="8" dur="1" fill="hold">
+                                          <p:stCondLst>
+                                            <p:cond delay="0"/>
+                                          </p:stCondLst>
+                                        </p:cTn>
+                                        <p:tgtEl>
+                                          <p:spTgt spid="7"/>
+                                        </p:tgtEl>
+                                        <p:attrNameLst>
+                                          <p:attrName>style.visibility</p:attrName>
+                                        </p:attrNameLst>
+                                      </p:cBhvr>
+                                      <p:to>
+                                        <p:strVal val="hidden"/>
+                                      </p:to>
+                                    </p:set>
+                                  </p:childTnLst>
+                                </p:cTn>
+                              </p:par>
+                            </p:childTnLst>
+                          </p:cTn>
+                        </p:par>
+                        <p:par>
+                          <p:cTn id="9" fill="hold">
+                            <p:stCondLst>
+                              <p:cond delay="0"/>
+                            </p:stCondLst>
+                            <p:childTnLst>
+                              <p:par>
+                                <p:cTn id="10" presetID="42" presetClass="path" presetSubtype="0" fill="hold" nodeType="afterEffect">
+                                  <p:stCondLst>
+                                    <p:cond delay="0"/>
+                                  </p:stCondLst>
+                                  <p:childTnLst>
+                                    <p:animMotion origin="layout" path="M 0 0 C 0.2739166 0.299782 0.2739166 0.299782 0.5478333 0.599564 E" pathEditMode="relative" ptsTypes="">
+                                      <p:cBhvr>
+                                        <p:cTn id="11" dur="500" fill="hold"/>
+                                        <p:tgtEl>
+                                          <p:spTgt spid="8"/>
+                                        </p:tgtEl>
+                                        <p:attrNameLst>
+                                          <p:attrName>ppt_x</p:attrName>
+                                          <p:attrName>ppt_y</p:attrName>
+                                        </p:attrNameLst>
+                                      </p:cBhvr>
+                                    </p:animMotion>
+                                  </p:childTnLst>
+                                </p:cTn>
+                              </p:par>
+                              <p:par>
+                                <p:cTn id="12" presetID="6" presetClass="emph" presetSubtype="0" fill="hold" nodeType="withEffect">
+                                  <p:stCondLst>
+                                    <p:cond delay="0"/>
+                                  </p:stCondLst>
+                                  <p:childTnLst>
+                                    <p:animScale>
+                                      <p:cBhvr>
+                                        <p:cTn id="13" dur="500" fill="hold"/>
+                                        <p:tgtEl>
+                                          <p:spTgt spid="8"/>
+                                        </p:tgtEl>
+                                      </p:cBhvr>
+                                      <p:by x="279422" y="279422"/>
+                                    </p:animScale>
+                                  </p:childTnLst>
+                                </p:cTn>
+                              </p:par>
+                            </p:childTnLst>
+                          </p:cTn>
+                        </p:par>
+                        <p:par>
+                          <p:cTn id="14" fill="hold">
+                            <p:stCondLst>
+                              <p:cond delay="500"/>
+                            </p:stCondLst>
+                            <p:childTnLst>
+                              <p:par>
+                                <p:cTn id="15" presetID="1" presetClass="entr" presetSubtype="0" fill="hold" nodeType="afterEffect">
+                                  <p:stCondLst>
+                                    <p:cond delay="0"/>
+                                  </p:stCondLst>
+                                  <p:childTnLst>
+                                    <p:set>
+                                      <p:cBhvr>
+                                        <p:cTn id="16" dur="1" fill="hold">
+                                          <p:stCondLst>
+                                            <p:cond delay="0"/>
+                                          </p:stCondLst>
+                                        </p:cTn>
+                                        <p:tgtEl>
+                                          <p:spTgt spid="10"/>
+                                        </p:tgtEl>
+                                        <p:attrNameLst>
+                                          <p:attrName>style.visibility</p:attrName>
+                                        </p:attrNameLst>
+                                      </p:cBhvr>
+                                      <p:to>
+                                        <p:strVal val="visible"/>
+                                      </p:to>
+                                    </p:set>
+                                  </p:childTnLst>
+                                </p:cTn>
+                              </p:par>
+                              <p:par>
+                                <p:cTn id="17" presetID="1" presetClass="exit" presetSubtype="0" fill="hold" nodeType="withEffect">
+                                  <p:stCondLst>
+                                    <p:cond delay="0"/>
+                                  </p:stCondLst>
+                                  <p:childTnLst>
+                                    <p:set>
+                                      <p:cBhvr>
+                                        <p:cTn id="18" dur="1" fill="hold">
+                                          <p:stCondLst>
+                                            <p:cond delay="0"/>
+                                          </p:stCondLst>
+                                        </p:cTn>
+                                        <p:tgtEl>
+                                          <p:spTgt spid="8"/>
+                                        </p:tgtEl>
+                                        <p:attrNameLst>
+                                          <p:attrName>style.visibility</p:attrName>
+                                        </p:attrNameLst>
+                                      </p:cBhvr>
+                                      <p:to>
+                                        <p:strVal val="hidden"/>
+                                      </p:to>
+                                    </p:set>
+                                  </p:childTnLst>
+                                </p:cTn>
+                              </p:par>
+                            </p:childTnLst>
+                          </p:cTn>
+                        </p:par>
+                      </p:childTnLst>
+                    </p:cTn>
+                  </p:par>
+                  <p:par>
+                    <p:cTn id="19" fill="hold">
+                      <p:stCondLst>
+                        <p:cond delay="indefinite"/>
+                      </p:stCondLst>
+                      <p:childTnLst>
+                        <p:par>
+                          <p:cTn id="20" fill="hold">
+                            <p:stCondLst>
+                              <p:cond delay="0"/>
+                            </p:stCondLst>
+                            <p:childTnLst>
+                              <p:par>
+                                <p:cTn id="21" presetID="1" presetClass="entr" presetSubtype="0" fill="hold" nodeType="clickEffect">
+                                  <p:stCondLst>
+                                    <p:cond delay="0"/>
+                                  </p:stCondLst>
+                                  <p:childTnLst>
+                                    <p:set>
+                                      <p:cBhvr>
+                                        <p:cTn id="22" dur="1" fill="hold">
+                                          <p:stCondLst>
+                                            <p:cond delay="0"/>
+                                          </p:stCondLst>
+                                        </p:cTn>
+                                        <p:tgtEl>
+                                          <p:spTgt spid="11"/>
+                                        </p:tgtEl>
+                                        <p:attrNameLst>
+                                          <p:attrName>style.visibility</p:attrName>
+                                        </p:attrNameLst>
+                                      </p:cBhvr>
+                                      <p:to>
+                                        <p:strVal val="visible"/>
+                                      </p:to>
+                                    </p:set>
+                                  </p:childTnLst>
+                                </p:cTn>
+                              </p:par>
+                              <p:par>
+                                <p:cTn id="23" presetID="1" presetClass="entr" presetSubtype="0" fill="hold" nodeType="withEffect">
+                                  <p:stCondLst>
+                                    <p:cond delay="50"/>
+                                  </p:stCondLst>
+                                  <p:childTnLst>
+                                    <p:set>
+                                      <p:cBhvr>
+                                        <p:cTn id="24" dur="1" fill="hold">
+                                          <p:stCondLst>
+                                            <p:cond delay="0"/>
+                                          </p:stCondLst>
+                                        </p:cTn>
+                                        <p:tgtEl>
+                                          <p:spTgt spid="15"/>
+                                        </p:tgtEl>
+                                        <p:attrNameLst>
+                                          <p:attrName>style.visibility</p:attrName>
+                                        </p:attrNameLst>
+                                      </p:cBhvr>
+                                      <p:to>
+                                        <p:strVal val="visible"/>
+                                      </p:to>
+                                    </p:set>
+                                  </p:childTnLst>
+                                </p:cTn>
+                              </p:par>
+                              <p:par>
+                                <p:cTn id="25" presetID="1" presetClass="exit" presetSubtype="0" fill="hold" nodeType="withEffect">
+                                  <p:stCondLst>
+                                    <p:cond delay="50"/>
+                                  </p:stCondLst>
+                                  <p:childTnLst>
+                                    <p:set>
+                                      <p:cBhvr>
+                                        <p:cTn id="26" dur="1" fill="hold">
+                                          <p:stCondLst>
+                                            <p:cond delay="0"/>
+                                          </p:stCondLst>
+                                        </p:cTn>
+                                        <p:tgtEl>
+                                          <p:spTgt spid="11"/>
+                                        </p:tgtEl>
+                                        <p:attrNameLst>
+                                          <p:attrName>style.visibility</p:attrName>
+                                        </p:attrNameLst>
+                                      </p:cBhvr>
+                                      <p:to>
+                                        <p:strVal val="hidden"/>
+                                      </p:to>
+                                    </p:set>
+                                  </p:childTnLst>
+                                </p:cTn>
+                              </p:par>
+                              <p:par>
+                                <p:cTn id="27" presetID="1" presetClass="entr" presetSubtype="0" fill="hold" nodeType="withEffect">
+                                  <p:stCondLst>
+                                    <p:cond delay="100"/>
+                                  </p:stCondLst>
+                                  <p:childTnLst>
+                                    <p:set>
+                                      <p:cBhvr>
+                                        <p:cTn id="28" dur="1" fill="hold">
+                                          <p:stCondLst>
+                                            <p:cond delay="0"/>
+                                          </p:stCondLst>
+                                        </p:cTn>
+                                        <p:tgtEl>
+                                          <p:spTgt spid="16"/>
+                                        </p:tgtEl>
+                                        <p:attrNameLst>
+                                          <p:attrName>style.visibility</p:attrName>
+                                        </p:attrNameLst>
+                                      </p:cBhvr>
+                                      <p:to>
+                                        <p:strVal val="visible"/>
+                                      </p:to>
+                                    </p:set>
+                                  </p:childTnLst>
+                                </p:cTn>
+                              </p:par>
+                              <p:par>
+                                <p:cTn id="29" presetID="1" presetClass="exit" presetSubtype="0" fill="hold" nodeType="withEffect">
+                                  <p:stCondLst>
+                                    <p:cond delay="100"/>
+                                  </p:stCondLst>
+                                  <p:childTnLst>
+                                    <p:set>
+                                      <p:cBhvr>
+                                        <p:cTn id="30" dur="1" fill="hold">
+                                          <p:stCondLst>
+                                            <p:cond delay="0"/>
+                                          </p:stCondLst>
+                                        </p:cTn>
+                                        <p:tgtEl>
+                                          <p:spTgt spid="15"/>
+                                        </p:tgtEl>
+                                        <p:attrNameLst>
+                                          <p:attrName>style.visibility</p:attrName>
+                                        </p:attrNameLst>
+                                      </p:cBhvr>
+                                      <p:to>
+                                        <p:strVal val="hidden"/>
+                                      </p:to>
+                                    </p:set>
+                                  </p:childTnLst>
+                                </p:cTn>
+                              </p:par>
+                              <p:par>
+                                <p:cTn id="31" presetID="1" presetClass="entr" presetSubtype="0" fill="hold" nodeType="withEffect">
+                                  <p:stCondLst>
+                                    <p:cond delay="150"/>
+                                  </p:stCondLst>
+                                  <p:childTnLst>
+                                    <p:set>
+                                      <p:cBhvr>
+                                        <p:cTn id="32" dur="1" fill="hold">
+                                          <p:stCondLst>
+                                            <p:cond delay="0"/>
+                                          </p:stCondLst>
+                                        </p:cTn>
+                                        <p:tgtEl>
+                                          <p:spTgt spid="17"/>
+                                        </p:tgtEl>
+                                        <p:attrNameLst>
+                                          <p:attrName>style.visibility</p:attrName>
+                                        </p:attrNameLst>
+                                      </p:cBhvr>
+                                      <p:to>
+                                        <p:strVal val="visible"/>
+                                      </p:to>
+                                    </p:set>
+                                  </p:childTnLst>
+                                </p:cTn>
+                              </p:par>
+                              <p:par>
+                                <p:cTn id="33" presetID="1" presetClass="exit" presetSubtype="0" fill="hold" nodeType="withEffect">
+                                  <p:stCondLst>
+                                    <p:cond delay="150"/>
+                                  </p:stCondLst>
+                                  <p:childTnLst>
+                                    <p:set>
+                                      <p:cBhvr>
+                                        <p:cTn id="34" dur="1" fill="hold">
+                                          <p:stCondLst>
+                                            <p:cond delay="0"/>
+                                          </p:stCondLst>
+                                        </p:cTn>
+                                        <p:tgtEl>
+                                          <p:spTgt spid="16"/>
+                                        </p:tgtEl>
+                                        <p:attrNameLst>
+                                          <p:attrName>style.visibility</p:attrName>
+                                        </p:attrNameLst>
+                                      </p:cBhvr>
+                                      <p:to>
+                                        <p:strVal val="hidden"/>
+                                      </p:to>
+                                    </p:set>
+                                  </p:childTnLst>
+                                </p:cTn>
+                              </p:par>
+                              <p:par>
+                                <p:cTn id="35" presetID="1" presetClass="entr" presetSubtype="0" fill="hold" nodeType="withEffect">
+                                  <p:stCondLst>
+                                    <p:cond delay="200"/>
+                                  </p:stCondLst>
+                                  <p:childTnLst>
+                                    <p:set>
+                                      <p:cBhvr>
+                                        <p:cTn id="36" dur="1" fill="hold">
+                                          <p:stCondLst>
+                                            <p:cond delay="0"/>
+                                          </p:stCondLst>
+                                        </p:cTn>
+                                        <p:tgtEl>
+                                          <p:spTgt spid="18"/>
+                                        </p:tgtEl>
+                                        <p:attrNameLst>
+                                          <p:attrName>style.visibility</p:attrName>
+                                        </p:attrNameLst>
+                                      </p:cBhvr>
+                                      <p:to>
+                                        <p:strVal val="visible"/>
+                                      </p:to>
+                                    </p:set>
+                                  </p:childTnLst>
+                                </p:cTn>
+                              </p:par>
+                              <p:par>
+                                <p:cTn id="37" presetID="1" presetClass="exit" presetSubtype="0" fill="hold" nodeType="withEffect">
+                                  <p:stCondLst>
+                                    <p:cond delay="200"/>
+                                  </p:stCondLst>
+                                  <p:childTnLst>
+                                    <p:set>
+                                      <p:cBhvr>
+                                        <p:cTn id="38" dur="1" fill="hold">
+                                          <p:stCondLst>
+                                            <p:cond delay="0"/>
+                                          </p:stCondLst>
+                                        </p:cTn>
+                                        <p:tgtEl>
+                                          <p:spTgt spid="17"/>
+                                        </p:tgtEl>
+                                        <p:attrNameLst>
+                                          <p:attrName>style.visibility</p:attrName>
+                                        </p:attrNameLst>
+                                      </p:cBhvr>
+                                      <p:to>
+                                        <p:strVal val="hidden"/>
+                                      </p:to>
+                                    </p:set>
+                                  </p:childTnLst>
+                                </p:cTn>
+                              </p:par>
+                              <p:par>
+                                <p:cTn id="39" presetID="1" presetClass="entr" presetSubtype="0" fill="hold" nodeType="withEffect">
+                                  <p:stCondLst>
+                                    <p:cond delay="250"/>
+                                  </p:stCondLst>
+                                  <p:childTnLst>
+                                    <p:set>
+                                      <p:cBhvr>
+                                        <p:cTn id="40" dur="1" fill="hold">
+                                          <p:stCondLst>
+                                            <p:cond delay="0"/>
+                                          </p:stCondLst>
+                                        </p:cTn>
+                                        <p:tgtEl>
+                                          <p:spTgt spid="19"/>
+                                        </p:tgtEl>
+                                        <p:attrNameLst>
+                                          <p:attrName>style.visibility</p:attrName>
+                                        </p:attrNameLst>
+                                      </p:cBhvr>
+                                      <p:to>
+                                        <p:strVal val="visible"/>
+                                      </p:to>
+                                    </p:set>
+                                  </p:childTnLst>
+                                </p:cTn>
+                              </p:par>
+                              <p:par>
+                                <p:cTn id="41" presetID="1" presetClass="exit" presetSubtype="0" fill="hold" nodeType="withEffect">
+                                  <p:stCondLst>
+                                    <p:cond delay="250"/>
+                                  </p:stCondLst>
+                                  <p:childTnLst>
+                                    <p:set>
+                                      <p:cBhvr>
+                                        <p:cTn id="42" dur="1" fill="hold">
+                                          <p:stCondLst>
+                                            <p:cond delay="0"/>
+                                          </p:stCondLst>
+                                        </p:cTn>
+                                        <p:tgtEl>
+                                          <p:spTgt spid="18"/>
+                                        </p:tgtEl>
+                                        <p:attrNameLst>
+                                          <p:attrName>style.visibility</p:attrName>
+                                        </p:attrNameLst>
+                                      </p:cBhvr>
+                                      <p:to>
+                                        <p:strVal val="hidden"/>
+                                      </p:to>
+                                    </p:set>
+                                  </p:childTnLst>
+                                </p:cTn>
+                              </p:par>
+                              <p:par>
+                                <p:cTn id="43" presetID="1" presetClass="entr" presetSubtype="0" fill="hold" nodeType="withEffect">
+                                  <p:stCondLst>
+                                    <p:cond delay="300"/>
+                                  </p:stCondLst>
+                                  <p:childTnLst>
+                                    <p:set>
+                                      <p:cBhvr>
+                                        <p:cTn id="44" dur="1" fill="hold">
+                                          <p:stCondLst>
+                                            <p:cond delay="0"/>
+                                          </p:stCondLst>
+                                        </p:cTn>
+                                        <p:tgtEl>
+                                          <p:spTgt spid="20"/>
+                                        </p:tgtEl>
+                                        <p:attrNameLst>
+                                          <p:attrName>style.visibility</p:attrName>
+                                        </p:attrNameLst>
+                                      </p:cBhvr>
+                                      <p:to>
+                                        <p:strVal val="visible"/>
+                                      </p:to>
+                                    </p:set>
+                                  </p:childTnLst>
+                                </p:cTn>
+                              </p:par>
+                              <p:par>
+                                <p:cTn id="45" presetID="1" presetClass="exit" presetSubtype="0" fill="hold" nodeType="withEffect">
+                                  <p:stCondLst>
+                                    <p:cond delay="300"/>
+                                  </p:stCondLst>
+                                  <p:childTnLst>
+                                    <p:set>
+                                      <p:cBhvr>
+                                        <p:cTn id="46" dur="1" fill="hold">
+                                          <p:stCondLst>
+                                            <p:cond delay="0"/>
+                                          </p:stCondLst>
+                                        </p:cTn>
+                                        <p:tgtEl>
+                                          <p:spTgt spid="19"/>
+                                        </p:tgtEl>
+                                        <p:attrNameLst>
+                                          <p:attrName>style.visibility</p:attrName>
+                                        </p:attrNameLst>
+                                      </p:cBhvr>
+                                      <p:to>
+                                        <p:strVal val="hidden"/>
+                                      </p:to>
+                                    </p:set>
+                                  </p:childTnLst>
+                                </p:cTn>
+                              </p:par>
+                              <p:par>
+                                <p:cTn id="47" presetID="1" presetClass="entr" presetSubtype="0" fill="hold" nodeType="withEffect">
+                                  <p:stCondLst>
+                                    <p:cond delay="350"/>
+                                  </p:stCondLst>
+                                  <p:childTnLst>
+                                    <p:set>
+                                      <p:cBhvr>
+                                        <p:cTn id="48" dur="1" fill="hold">
+                                          <p:stCondLst>
+                                            <p:cond delay="0"/>
+                                          </p:stCondLst>
+                                        </p:cTn>
+                                        <p:tgtEl>
+                                          <p:spTgt spid="21"/>
+                                        </p:tgtEl>
+                                        <p:attrNameLst>
+                                          <p:attrName>style.visibility</p:attrName>
+                                        </p:attrNameLst>
+                                      </p:cBhvr>
+                                      <p:to>
+                                        <p:strVal val="visible"/>
+                                      </p:to>
+                                    </p:set>
+                                  </p:childTnLst>
+                                </p:cTn>
+                              </p:par>
+                              <p:par>
+                                <p:cTn id="49" presetID="1" presetClass="exit" presetSubtype="0" fill="hold" nodeType="withEffect">
+                                  <p:stCondLst>
+                                    <p:cond delay="350"/>
+                                  </p:stCondLst>
+                                  <p:childTnLst>
+                                    <p:set>
+                                      <p:cBhvr>
+                                        <p:cTn id="50" dur="1" fill="hold">
+                                          <p:stCondLst>
+                                            <p:cond delay="0"/>
+                                          </p:stCondLst>
+                                        </p:cTn>
+                                        <p:tgtEl>
+                                          <p:spTgt spid="20"/>
+                                        </p:tgtEl>
+                                        <p:attrNameLst>
+                                          <p:attrName>style.visibility</p:attrName>
+                                        </p:attrNameLst>
+                                      </p:cBhvr>
+                                      <p:to>
+                                        <p:strVal val="hidden"/>
+                                      </p:to>
+                                    </p:set>
+                                  </p:childTnLst>
+                                </p:cTn>
+                              </p:par>
+                              <p:par>
+                                <p:cTn id="51" presetID="1" presetClass="entr" presetSubtype="0" fill="hold" nodeType="withEffect">
+                                  <p:stCondLst>
+                                    <p:cond delay="400"/>
+                                  </p:stCondLst>
+                                  <p:childTnLst>
+                                    <p:set>
+                                      <p:cBhvr>
+                                        <p:cTn id="52" dur="1" fill="hold">
+                                          <p:stCondLst>
+                                            <p:cond delay="0"/>
+                                          </p:stCondLst>
+                                        </p:cTn>
+                                        <p:tgtEl>
+                                          <p:spTgt spid="22"/>
+                                        </p:tgtEl>
+                                        <p:attrNameLst>
+                                          <p:attrName>style.visibility</p:attrName>
+                                        </p:attrNameLst>
+                                      </p:cBhvr>
+                                      <p:to>
+                                        <p:strVal val="visible"/>
+                                      </p:to>
+                                    </p:set>
+                                  </p:childTnLst>
+                                </p:cTn>
+                              </p:par>
+                              <p:par>
+                                <p:cTn id="53" presetID="1" presetClass="exit" presetSubtype="0" fill="hold" nodeType="withEffect">
+                                  <p:stCondLst>
+                                    <p:cond delay="400"/>
+                                  </p:stCondLst>
+                                  <p:childTnLst>
+                                    <p:set>
+                                      <p:cBhvr>
+                                        <p:cTn id="54" dur="1" fill="hold">
+                                          <p:stCondLst>
+                                            <p:cond delay="0"/>
+                                          </p:stCondLst>
+                                        </p:cTn>
+                                        <p:tgtEl>
+                                          <p:spTgt spid="21"/>
+                                        </p:tgtEl>
+                                        <p:attrNameLst>
+                                          <p:attrName>style.visibility</p:attrName>
+                                        </p:attrNameLst>
+                                      </p:cBhvr>
+                                      <p:to>
+                                        <p:strVal val="hidden"/>
+                                      </p:to>
+                                    </p:set>
+                                  </p:childTnLst>
+                                </p:cTn>
+                              </p:par>
+                              <p:par>
+                                <p:cTn id="55" presetID="1" presetClass="entr" presetSubtype="0" fill="hold" nodeType="withEffect">
+                                  <p:stCondLst>
+                                    <p:cond delay="450"/>
+                                  </p:stCondLst>
+                                  <p:childTnLst>
+                                    <p:set>
+                                      <p:cBhvr>
+                                        <p:cTn id="56" dur="1" fill="hold">
+                                          <p:stCondLst>
+                                            <p:cond delay="0"/>
+                                          </p:stCondLst>
+                                        </p:cTn>
+                                        <p:tgtEl>
+                                          <p:spTgt spid="23"/>
+                                        </p:tgtEl>
+                                        <p:attrNameLst>
+                                          <p:attrName>style.visibility</p:attrName>
+                                        </p:attrNameLst>
+                                      </p:cBhvr>
+                                      <p:to>
+                                        <p:strVal val="visible"/>
+                                      </p:to>
+                                    </p:set>
+                                  </p:childTnLst>
+                                </p:cTn>
+                              </p:par>
+                              <p:par>
+                                <p:cTn id="57" presetID="1" presetClass="exit" presetSubtype="0" fill="hold" nodeType="withEffect">
+                                  <p:stCondLst>
+                                    <p:cond delay="450"/>
+                                  </p:stCondLst>
+                                  <p:childTnLst>
+                                    <p:set>
+                                      <p:cBhvr>
+                                        <p:cTn id="58" dur="1" fill="hold">
+                                          <p:stCondLst>
+                                            <p:cond delay="0"/>
+                                          </p:stCondLst>
+                                        </p:cTn>
+                                        <p:tgtEl>
+                                          <p:spTgt spid="22"/>
+                                        </p:tgtEl>
+                                        <p:attrNameLst>
+                                          <p:attrName>style.visibility</p:attrName>
+                                        </p:attrNameLst>
+                                      </p:cBhvr>
+                                      <p:to>
+                                        <p:strVal val="hidden"/>
+                                      </p:to>
+                                    </p:set>
+                                  </p:childTnLst>
+                                </p:cTn>
+                              </p:par>
+                              <p:par>
+                                <p:cTn id="59" presetID="1" presetClass="entr" presetSubtype="0" fill="hold" nodeType="withEffect">
+                                  <p:stCondLst>
+                                    <p:cond delay="500"/>
+                                  </p:stCondLst>
+                                  <p:childTnLst>
+                                    <p:set>
+                                      <p:cBhvr>
+                                        <p:cTn id="60" dur="1" fill="hold">
+                                          <p:stCondLst>
+                                            <p:cond delay="0"/>
+                                          </p:stCondLst>
+                                        </p:cTn>
+                                        <p:tgtEl>
+                                          <p:spTgt spid="24"/>
+                                        </p:tgtEl>
+                                        <p:attrNameLst>
+                                          <p:attrName>style.visibility</p:attrName>
+                                        </p:attrNameLst>
+                                      </p:cBhvr>
+                                      <p:to>
+                                        <p:strVal val="visible"/>
+                                      </p:to>
+                                    </p:set>
+                                  </p:childTnLst>
+                                </p:cTn>
+                              </p:par>
+                              <p:par>
+                                <p:cTn id="61" presetID="1" presetClass="exit" presetSubtype="0" fill="hold" nodeType="withEffect">
+                                  <p:stCondLst>
+                                    <p:cond delay="500"/>
+                                  </p:stCondLst>
+                                  <p:childTnLst>
+                                    <p:set>
+                                      <p:cBhvr>
+                                        <p:cTn id="62" dur="1" fill="hold">
+                                          <p:stCondLst>
+                                            <p:cond delay="0"/>
+                                          </p:stCondLst>
+                                        </p:cTn>
+                                        <p:tgtEl>
+                                          <p:spTgt spid="23"/>
+                                        </p:tgtEl>
+                                        <p:attrNameLst>
+                                          <p:attrName>style.visibility</p:attrName>
+                                        </p:attrNameLst>
+                                      </p:cBhvr>
+                                      <p:to>
+                                        <p:strVal val="hidden"/>
+                                      </p:to>
+                                    </p:set>
+                                  </p:childTnLst>
+                                </p:cTn>
+                              </p:par>
+                            </p:childTnLst>
+                          </p:cTn>
+                        </p:par>
+                        <p:par>
+                          <p:cTn id="63" fill="hold">
+                            <p:stCondLst>
+                              <p:cond delay="500"/>
+                            </p:stCondLst>
+                            <p:childTnLst>
+                              <p:par>
+                                <p:cTn id="64" presetID="1" presetClass="entr" presetSubtype="0" fill="hold" nodeType="afterEffect">
+                                  <p:stCondLst>
+                                    <p:cond delay="0"/>
+                                  </p:stCondLst>
+                                  <p:childTnLst>
+                                    <p:set>
+                                      <p:cBhvr>
+                                        <p:cTn id="65" dur="1" fill="hold">
+                                          <p:stCondLst>
+                                            <p:cond delay="9"/>
+                                          </p:stCondLst>
+                                        </p:cTn>
+                                        <p:tgtEl>
+                                          <p:spTgt spid="4"/>
+                                        </p:tgtEl>
+                                        <p:attrNameLst>
+                                          <p:attrName>style.visibility</p:attrName>
+                                        </p:attrNameLst>
+                                      </p:cBhvr>
+                                      <p:to>
+                                        <p:strVal val="visible"/>
+                                      </p:to>
+                                    </p:set>
+                                  </p:childTnLst>
+                                </p:cTn>
+                              </p:par>
+                              <p:par>
+                                <p:cTn id="66" presetID="1" presetClass="exit" presetSubtype="0" fill="hold" nodeType="withEffect">
+                                  <p:stCondLst>
+                                    <p:cond delay="0"/>
+                                  </p:stCondLst>
+                                  <p:childTnLst>
+                                    <p:set>
+                                      <p:cBhvr>
+                                        <p:cTn id="67" dur="1" fill="hold">
+                                          <p:stCondLst>
+                                            <p:cond delay="9"/>
+                                          </p:stCondLst>
+                                        </p:cTn>
+                                        <p:tgtEl>
+                                          <p:spTgt spid="8"/>
+                                        </p:tgtEl>
+                                        <p:attrNameLst>
+                                          <p:attrName>style.visibility</p:attrName>
+                                        </p:attrNameLst>
+                                      </p:cBhvr>
+                                      <p:to>
+                                        <p:strVal val="hidden"/>
+                                      </p:to>
+                                    </p:set>
+                                  </p:childTnLst>
+                                </p:cTn>
+                              </p:par>
+                              <p:par>
+                                <p:cTn id="68" presetID="1" presetClass="exit" presetSubtype="0" fill="hold" nodeType="withEffect">
+                                  <p:stCondLst>
+                                    <p:cond delay="0"/>
+                                  </p:stCondLst>
+                                  <p:childTnLst>
+                                    <p:set>
+                                      <p:cBhvr>
+                                        <p:cTn id="69" dur="1" fill="hold">
+                                          <p:stCondLst>
+                                            <p:cond delay="9"/>
+                                          </p:stCondLst>
+                                        </p:cTn>
+                                        <p:tgtEl>
+                                          <p:spTgt spid="10"/>
+                                        </p:tgtEl>
+                                        <p:attrNameLst>
+                                          <p:attrName>style.visibility</p:attrName>
+                                        </p:attrNameLst>
+                                      </p:cBhvr>
+                                      <p:to>
+                                        <p:strVal val="hidden"/>
+                                      </p:to>
+                                    </p:set>
+                                  </p:childTnLst>
+                                </p:cTn>
+                              </p:par>
+                              <p:par>
+                                <p:cTn id="70" presetID="1" presetClass="exit" presetSubtype="0" fill="hold" nodeType="withEffect">
+                                  <p:stCondLst>
+                                    <p:cond delay="0"/>
+                                  </p:stCondLst>
+                                  <p:childTnLst>
+                                    <p:set>
+                                      <p:cBhvr>
+                                        <p:cTn id="71" dur="1" fill="hold">
+                                          <p:stCondLst>
+                                            <p:cond delay="9"/>
+                                          </p:stCondLst>
+                                        </p:cTn>
+                                        <p:tgtEl>
+                                          <p:spTgt spid="24"/>
+                                        </p:tgtEl>
+                                        <p:attrNameLst>
+                                          <p:attrName>style.visibility</p:attrName>
+                                        </p:attrNameLst>
+                                      </p:cBhvr>
+                                      <p:to>
+                                        <p:strVal val="hidden"/>
+                                      </p:to>
+                                    </p:set>
+                                  </p:childTnLst>
+                                </p:cTn>
+                              </p:par>
+                              <p:par>
+                                <p:cTn id="72" presetID="10" presetClass="exit" presetSubtype="0" fill="hold" grpId="0" nodeType="withEffect">
+                                  <p:stCondLst>
+                                    <p:cond delay="0"/>
+                                  </p:stCondLst>
+                                  <p:childTnLst>
+                                    <p:animEffect transition="out" filter="fade">
+                                      <p:cBhvr>
+                                        <p:cTn id="73" dur="500"/>
+                                        <p:tgtEl>
+                                          <p:spTgt spid="25"/>
+                                        </p:tgtEl>
+                                      </p:cBhvr>
+                                    </p:animEffect>
+                                    <p:set>
+                                      <p:cBhvr>
+                                        <p:cTn id="74" dur="1" fill="hold">
+                                          <p:stCondLst>
+                                            <p:cond delay="499"/>
+                                          </p:stCondLst>
+                                        </p:cTn>
+                                        <p:tgtEl>
+                                          <p:spTgt spid="25"/>
+                                        </p:tgtEl>
+                                        <p:attrNameLst>
+                                          <p:attrName>style.visibility</p:attrName>
+                                        </p:attrNameLst>
+                                      </p:cBhvr>
+                                      <p:to>
+                                        <p:strVal val="hidden"/>
+                                      </p:to>
+                                    </p:set>
+                                  </p:childTnLst>
+                                </p:cTn>
+                              </p:par>
+                            </p:childTnLst>
+                          </p:cTn>
+                        </p:par>
+                      </p:childTnLst>
+                    </p:cTn>
+                  </p:par>
+                </p:childTnLst>
+              </p:cTn>
+              <p:prevCondLst>
+                <p:cond evt="onPrev" delay="0">
+                  <p:tgtEl>
+                    <p:sldTgt/>
+                  </p:tgtEl>
+                </p:cond>
+              </p:prevCondLst>
+              <p:nextCondLst>
+                <p:cond evt="onNext" delay="0">
+                  <p:tgtEl>
+                    <p:sldTgt/>
+                  </p:tgtEl>
+                </p:cond>
+              </p:nextCondLst>
+            </p:seq>
+          </p:childTnLst>
+        </p:cTn>
+      </p:par>
+    </p:tnLst>
+    <p:bldLst>
+      <p:bldP spid="25" grpId="0"/>
+    </p:bldLst>
+  </p:timing>
+</p:sld>
+</file>
+
+<file path=ppt/slides/slide7.xml><?xml version="1.0" encoding="utf-8"?>
+<p:sld xmlns:a="http://schemas.openxmlformats.org/drawingml/2006/main" xmlns:r="http://schemas.openxmlformats.org/officeDocument/2006/relationships" xmlns:p="http://schemas.openxmlformats.org/presentationml/2006/main">
+  <p:cSld>
+    <p:spTree>
+      <p:nvGrpSpPr>
+        <p:cNvPr id="1" name=""/>
+        <p:cNvGrpSpPr/>
+        <p:nvPr/>
+      </p:nvGrpSpPr>
+      <p:grpSpPr>
+        <a:xfrm>
+          <a:off x="0" y="0"/>
+          <a:ext cx="0" cy="0"/>
+          <a:chOff x="0" y="0"/>
+          <a:chExt cx="0" cy="0"/>
+        </a:xfrm>
+      </p:grpSpPr>
+      <p:sp>
+        <p:nvSpPr>
+          <p:cNvPr id="2" name="Title 1"/>
+          <p:cNvSpPr>
+            <a:spLocks noGrp="1"/>
+          </p:cNvSpPr>
+          <p:nvPr>
+            <p:ph type="title"/>
+          </p:nvPr>
+        </p:nvSpPr>
+        <p:spPr/>
+        <p:txBody>
+          <a:bodyPr/>
+          <a:lstStyle/>
+          <a:p>
+            <a:r>
+              <a:rPr lang="en-US" dirty="0" smtClean="0"/>
+              <a:t>Zoom to Area:: </a:t>
+            </a:r>
+            <a:r>
+              <a:rPr lang="en-US" dirty="0"/>
+              <a:t>z</a:t>
+            </a:r>
+            <a:r>
+              <a:rPr lang="en-US" dirty="0" smtClean="0"/>
+              <a:t>oom and pan, shapes with same name</a:t>
+            </a:r>
+            <a:endParaRPr lang="en-SG" dirty="0"/>
+          </a:p>
+        </p:txBody>
+      </p:sp>
+      <p:sp>
+        <p:nvSpPr>
+          <p:cNvPr id="3" name="Content Placeholder 2"/>
+          <p:cNvSpPr>
+            <a:spLocks noGrp="1"/>
+          </p:cNvSpPr>
+          <p:nvPr>
+            <p:ph idx="1"/>
+          </p:nvPr>
+        </p:nvSpPr>
+        <p:spPr/>
+        <p:txBody>
+          <a:bodyPr/>
+          <a:lstStyle/>
+          <a:p>
+            <a:r>
+              <a:rPr lang="en-US" dirty="0"/>
+              <a:t>Select all blue </a:t>
+            </a:r>
+            <a:r>
+              <a:rPr lang="en-US" dirty="0" smtClean="0"/>
+              <a:t>rectangles sequentially.</a:t>
+            </a:r>
+            <a:endParaRPr lang="en-SG" dirty="0"/>
+          </a:p>
+        </p:txBody>
+      </p:sp>
+    </p:spTree>
+    <p:extLst>
+      <p:ext uri="{BB962C8B-B14F-4D97-AF65-F5344CB8AC3E}">
+        <p14:creationId xmlns:p14="http://schemas.microsoft.com/office/powerpoint/2010/main" val="3171513366"/>
+      </p:ext>
+    </p:extLst>
+  </p:cSld>
+  <p:clrMapOvr>
+    <a:masterClrMapping/>
+  </p:clrMapOvr>
+  <p:timing>
+    <p:tnLst>
+      <p:par>
         <p:cTn id="1" dur="indefinite" restart="never" nodeType="tmRoot"/>
       </p:par>
     </p:tnLst>
+  </p:timing>
+</p:sld>
+</file>
+
+<file path=ppt/slides/slide8.xml><?xml version="1.0" encoding="utf-8"?>
+<p:sld xmlns:a="http://schemas.openxmlformats.org/drawingml/2006/main" xmlns:r="http://schemas.openxmlformats.org/officeDocument/2006/relationships" xmlns:p="http://schemas.openxmlformats.org/presentationml/2006/main">
+  <p:cSld>
+    <p:bg>
+      <p:bgPr>
+        <a:solidFill>
+          <a:schemeClr val="bg1"/>
+        </a:solidFill>
+        <a:effectLst/>
+      </p:bgPr>
+    </p:bg>
+    <p:spTree>
+      <p:nvGrpSpPr>
+        <p:cNvPr id="1" name=""/>
+        <p:cNvGrpSpPr/>
+        <p:nvPr/>
+      </p:nvGrpSpPr>
+      <p:grpSpPr>
+        <a:xfrm>
+          <a:off x="0" y="0"/>
+          <a:ext cx="0" cy="0"/>
+          <a:chOff x="0" y="0"/>
+          <a:chExt cx="0" cy="0"/>
+        </a:xfrm>
+      </p:grpSpPr>
+      <p:pic>
+        <p:nvPicPr>
+          <p:cNvPr id="4" name="Picture 3" descr="File:AmineTreating.png"/>
+          <p:cNvPicPr>
+            <a:picLocks noChangeAspect="1" noChangeArrowheads="1"/>
+          </p:cNvPicPr>
+          <p:nvPr/>
+        </p:nvPicPr>
+        <p:blipFill rotWithShape="1">
+          <a:blip r:embed="rId2">
+            <a:duotone>
+              <a:schemeClr val="bg2">
+                <a:shade val="45000"/>
+                <a:satMod val="135000"/>
+              </a:schemeClr>
+              <a:prstClr val="white"/>
+            </a:duotone>
+            <a:extLst>
+              <a:ext uri="{28A0092B-C50C-407E-A947-70E740481C1C}">
+                <a14:useLocalDpi xmlns:a14="http://schemas.microsoft.com/office/drawing/2010/main" val="0"/>
+              </a:ext>
+            </a:extLst>
+          </a:blip>
+          <a:srcRect l="1320" t="1116" r="1244" b="19220"/>
+          <a:stretch/>
+        </p:blipFill>
+        <p:spPr bwMode="auto">
+          <a:xfrm>
+            <a:off x="952500" y="708136"/>
+            <a:ext cx="7429500" cy="5313152"/>
+          </a:xfrm>
+          <a:prstGeom prst="rect">
+            <a:avLst/>
+          </a:prstGeom>
+          <a:noFill/>
+          <a:extLst>
+            <a:ext uri="{909E8E84-426E-40DD-AFC4-6F175D3DCCD1}">
+              <a14:hiddenFill xmlns:a14="http://schemas.microsoft.com/office/drawing/2010/main">
+                <a:solidFill>
+                  <a:srgbClr val="FFFFFF"/>
+                </a:solidFill>
+              </a14:hiddenFill>
+            </a:ext>
+          </a:extLst>
+        </p:spPr>
+      </p:pic>
+      <p:sp>
+        <p:nvSpPr>
+          <p:cNvPr id="5" name="[Rectangle 4]"/>
+          <p:cNvSpPr/>
+          <p:nvPr/>
+        </p:nvSpPr>
+        <p:spPr>
+          <a:xfrm>
+            <a:off x="1142999" y="730284"/>
+            <a:ext cx="3272468" cy="2454350"/>
+          </a:xfrm>
+          <a:prstGeom prst="rect">
+            <a:avLst/>
+          </a:prstGeom>
+          <a:noFill/>
+          <a:ln w="57150">
+            <a:solidFill>
+              <a:srgbClr val="0070C0"/>
+            </a:solidFill>
+          </a:ln>
+        </p:spPr>
+        <p:style>
+          <a:lnRef idx="2">
+            <a:schemeClr val="accent1">
+              <a:shade val="50000"/>
+            </a:schemeClr>
+          </a:lnRef>
+          <a:fillRef idx="1">
+            <a:schemeClr val="accent1"/>
+          </a:fillRef>
+          <a:effectRef idx="0">
+            <a:schemeClr val="accent1"/>
+          </a:effectRef>
+          <a:fontRef idx="minor">
+            <a:schemeClr val="lt1"/>
+          </a:fontRef>
+        </p:style>
+        <p:txBody>
+          <a:bodyPr lIns="228600" tIns="114300" rIns="228600" bIns="114300" rtlCol="0" anchor="ctr"/>
+          <a:lstStyle/>
+          <a:p>
+            <a:pPr algn="ctr"/>
+            <a:endParaRPr lang="en-US"/>
+          </a:p>
+        </p:txBody>
+      </p:sp>
+      <p:sp>
+        <p:nvSpPr>
+          <p:cNvPr id="6" name="[Rectangle 4]"/>
+          <p:cNvSpPr/>
+          <p:nvPr/>
+        </p:nvSpPr>
+        <p:spPr>
+          <a:xfrm>
+            <a:off x="4580566" y="1371600"/>
+            <a:ext cx="4868234" cy="2454350"/>
+          </a:xfrm>
+          <a:prstGeom prst="rect">
+            <a:avLst/>
+          </a:prstGeom>
+          <a:noFill/>
+          <a:ln w="57150">
+            <a:solidFill>
+              <a:srgbClr val="0070C0"/>
+            </a:solidFill>
+          </a:ln>
+        </p:spPr>
+        <p:style>
+          <a:lnRef idx="2">
+            <a:schemeClr val="accent1">
+              <a:shade val="50000"/>
+            </a:schemeClr>
+          </a:lnRef>
+          <a:fillRef idx="1">
+            <a:schemeClr val="accent1"/>
+          </a:fillRef>
+          <a:effectRef idx="0">
+            <a:schemeClr val="accent1"/>
+          </a:effectRef>
+          <a:fontRef idx="minor">
+            <a:schemeClr val="lt1"/>
+          </a:fontRef>
+        </p:style>
+        <p:txBody>
+          <a:bodyPr lIns="228600" tIns="114300" rIns="228600" bIns="114300" rtlCol="0" anchor="ctr"/>
+          <a:lstStyle/>
+          <a:p>
+            <a:pPr algn="ctr"/>
+            <a:endParaRPr lang="en-US"/>
+          </a:p>
+        </p:txBody>
+      </p:sp>
+      <p:sp>
+        <p:nvSpPr>
+          <p:cNvPr id="7" name="[Rectangle 4]"/>
+          <p:cNvSpPr/>
+          <p:nvPr/>
+        </p:nvSpPr>
+        <p:spPr>
+          <a:xfrm>
+            <a:off x="1981200" y="3962400"/>
+            <a:ext cx="4495800" cy="2438400"/>
+          </a:xfrm>
+          <a:prstGeom prst="rect">
+            <a:avLst/>
+          </a:prstGeom>
+          <a:noFill/>
+          <a:ln w="57150">
+            <a:solidFill>
+              <a:srgbClr val="0070C0"/>
+            </a:solidFill>
+          </a:ln>
+        </p:spPr>
+        <p:style>
+          <a:lnRef idx="2">
+            <a:schemeClr val="accent1">
+              <a:shade val="50000"/>
+            </a:schemeClr>
+          </a:lnRef>
+          <a:fillRef idx="1">
+            <a:schemeClr val="accent1"/>
+          </a:fillRef>
+          <a:effectRef idx="0">
+            <a:schemeClr val="accent1"/>
+          </a:effectRef>
+          <a:fontRef idx="minor">
+            <a:schemeClr val="lt1"/>
+          </a:fontRef>
+        </p:style>
+        <p:txBody>
+          <a:bodyPr lIns="228600" tIns="114300" rIns="228600" bIns="114300" rtlCol="0" anchor="ctr"/>
+          <a:lstStyle/>
+          <a:p>
+            <a:pPr algn="ctr"/>
+            <a:endParaRPr lang="en-US"/>
+          </a:p>
+        </p:txBody>
+      </p:sp>
+      <p:sp>
+        <p:nvSpPr>
+          <p:cNvPr id="12" name="[tb 3]"/>
+          <p:cNvSpPr txBox="1"/>
+          <p:nvPr/>
+        </p:nvSpPr>
+        <p:spPr>
+          <a:xfrm>
+            <a:off x="1142999" y="2178236"/>
+            <a:ext cx="544780" cy="1107996"/>
+          </a:xfrm>
+          <a:prstGeom prst="rect">
+            <a:avLst/>
+          </a:prstGeom>
+          <a:noFill/>
+        </p:spPr>
+        <p:txBody>
+          <a:bodyPr wrap="square" rtlCol="0">
+            <a:spAutoFit/>
+          </a:bodyPr>
+          <a:lstStyle/>
+          <a:p>
+            <a:r>
+              <a:rPr lang="en-US" sz="6600" dirty="0" smtClean="0">
+                <a:solidFill>
+                  <a:schemeClr val="accent1"/>
+                </a:solidFill>
+              </a:rPr>
+              <a:t>1</a:t>
+            </a:r>
+            <a:endParaRPr lang="en-SG" sz="6600" dirty="0">
+              <a:solidFill>
+                <a:schemeClr val="accent1"/>
+              </a:solidFill>
+            </a:endParaRPr>
+          </a:p>
+        </p:txBody>
+      </p:sp>
+      <p:sp>
+        <p:nvSpPr>
+          <p:cNvPr id="13" name="[tb 3]"/>
+          <p:cNvSpPr txBox="1"/>
+          <p:nvPr/>
+        </p:nvSpPr>
+        <p:spPr>
+          <a:xfrm>
+            <a:off x="4605966" y="2786179"/>
+            <a:ext cx="544780" cy="1107996"/>
+          </a:xfrm>
+          <a:prstGeom prst="rect">
+            <a:avLst/>
+          </a:prstGeom>
+          <a:noFill/>
+        </p:spPr>
+        <p:txBody>
+          <a:bodyPr wrap="square" rtlCol="0">
+            <a:spAutoFit/>
+          </a:bodyPr>
+          <a:lstStyle/>
+          <a:p>
+            <a:r>
+              <a:rPr lang="en-US" sz="6600" dirty="0">
+                <a:solidFill>
+                  <a:schemeClr val="accent1"/>
+                </a:solidFill>
+              </a:rPr>
+              <a:t>2</a:t>
+            </a:r>
+            <a:endParaRPr lang="en-SG" sz="6600" dirty="0">
+              <a:solidFill>
+                <a:schemeClr val="accent1"/>
+              </a:solidFill>
+            </a:endParaRPr>
+          </a:p>
+        </p:txBody>
+      </p:sp>
+      <p:sp>
+        <p:nvSpPr>
+          <p:cNvPr id="14" name="[tb 3]"/>
+          <p:cNvSpPr txBox="1"/>
+          <p:nvPr/>
+        </p:nvSpPr>
+        <p:spPr>
+          <a:xfrm>
+            <a:off x="1981200" y="5378454"/>
+            <a:ext cx="544780" cy="1107996"/>
+          </a:xfrm>
+          <a:prstGeom prst="rect">
+            <a:avLst/>
+          </a:prstGeom>
+          <a:noFill/>
+        </p:spPr>
+        <p:txBody>
+          <a:bodyPr wrap="square" rtlCol="0">
+            <a:spAutoFit/>
+          </a:bodyPr>
+          <a:lstStyle/>
+          <a:p>
+            <a:r>
+              <a:rPr lang="en-US" sz="6600" dirty="0" smtClean="0">
+                <a:solidFill>
+                  <a:schemeClr val="accent1"/>
+                </a:solidFill>
+              </a:rPr>
+              <a:t>3</a:t>
+            </a:r>
+            <a:endParaRPr lang="en-SG" sz="6600" dirty="0">
+              <a:solidFill>
+                <a:schemeClr val="accent1"/>
+              </a:solidFill>
+            </a:endParaRPr>
+          </a:p>
+        </p:txBody>
+      </p:sp>
+    </p:spTree>
+    <p:extLst>
+      <p:ext uri="{BB962C8B-B14F-4D97-AF65-F5344CB8AC3E}">
+        <p14:creationId xmlns:p14="http://schemas.microsoft.com/office/powerpoint/2010/main" val="1061844167"/>
+      </p:ext>
+    </p:extLst>
+  </p:cSld>
+  <p:clrMapOvr>
+    <a:masterClrMapping/>
+  </p:clrMapOvr>
+  <mc:AlternateContent xmlns:mc="http://schemas.openxmlformats.org/markup-compatibility/2006" xmlns:p14="http://schemas.microsoft.com/office/powerpoint/2010/main">
+    <mc:Choice Requires="p14">
+      <p:transition spd="slow" p14:dur="2000" advTm="1000"/>
+    </mc:Choice>
+    <mc:Fallback xmlns="">
+      <p:transition spd="slow" advTm="1000"/>
+    </mc:Fallback>
+  </mc:AlternateContent>
+  <p:timing>
+    <p:tnLst>
+      <p:par>
+        <p:cTn id="1" dur="indefinite" restart="never" nodeType="tmRoot">
+          <p:childTnLst>
+            <p:seq concurrent="1" nextAc="seek">
+              <p:cTn id="2" dur="indefinite" nodeType="mainSeq">
+                <p:childTnLst>
+                  <p:par>
+                    <p:cTn id="3" fill="hold">
+                      <p:stCondLst>
+                        <p:cond delay="indefinite"/>
+                        <p:cond evt="onBegin" delay="0">
+                          <p:tn val="2"/>
+                        </p:cond>
+                      </p:stCondLst>
+                      <p:childTnLst>
+                        <p:par>
+                          <p:cTn id="4" fill="hold">
+                            <p:stCondLst>
+                              <p:cond delay="0"/>
+                            </p:stCondLst>
+                            <p:childTnLst>
+                              <p:par>
+                                <p:cTn id="5" presetID="21" presetClass="entr" presetSubtype="1" fill="hold" grpId="0" nodeType="withEffect">
+                                  <p:stCondLst>
+                                    <p:cond delay="0"/>
+                                  </p:stCondLst>
+                                  <p:childTnLst>
+                                    <p:set>
+                                      <p:cBhvr>
+                                        <p:cTn id="6" dur="1" fill="hold">
+                                          <p:stCondLst>
+                                            <p:cond delay="0"/>
+                                          </p:stCondLst>
+                                        </p:cTn>
+                                        <p:tgtEl>
+                                          <p:spTgt spid="5"/>
+                                        </p:tgtEl>
+                                        <p:attrNameLst>
+                                          <p:attrName>style.visibility</p:attrName>
+                                        </p:attrNameLst>
+                                      </p:cBhvr>
+                                      <p:to>
+                                        <p:strVal val="visible"/>
+                                      </p:to>
+                                    </p:set>
+                                    <p:animEffect transition="in" filter="wheel(1)">
+                                      <p:cBhvr>
+                                        <p:cTn id="7" dur="500"/>
+                                        <p:tgtEl>
+                                          <p:spTgt spid="5"/>
+                                        </p:tgtEl>
+                                      </p:cBhvr>
+                                    </p:animEffect>
+                                  </p:childTnLst>
+                                </p:cTn>
+                              </p:par>
+                              <p:par>
+                                <p:cTn id="8" presetID="21" presetClass="entr" presetSubtype="1" fill="hold" grpId="0" nodeType="withEffect">
+                                  <p:stCondLst>
+                                    <p:cond delay="0"/>
+                                  </p:stCondLst>
+                                  <p:childTnLst>
+                                    <p:set>
+                                      <p:cBhvr>
+                                        <p:cTn id="9" dur="1" fill="hold">
+                                          <p:stCondLst>
+                                            <p:cond delay="0"/>
+                                          </p:stCondLst>
+                                        </p:cTn>
+                                        <p:tgtEl>
+                                          <p:spTgt spid="6"/>
+                                        </p:tgtEl>
+                                        <p:attrNameLst>
+                                          <p:attrName>style.visibility</p:attrName>
+                                        </p:attrNameLst>
+                                      </p:cBhvr>
+                                      <p:to>
+                                        <p:strVal val="visible"/>
+                                      </p:to>
+                                    </p:set>
+                                    <p:animEffect transition="in" filter="wheel(1)">
+                                      <p:cBhvr>
+                                        <p:cTn id="10" dur="500"/>
+                                        <p:tgtEl>
+                                          <p:spTgt spid="6"/>
+                                        </p:tgtEl>
+                                      </p:cBhvr>
+                                    </p:animEffect>
+                                  </p:childTnLst>
+                                </p:cTn>
+                              </p:par>
+                              <p:par>
+                                <p:cTn id="11" presetID="21" presetClass="entr" presetSubtype="1" fill="hold" grpId="0" nodeType="withEffect">
+                                  <p:stCondLst>
+                                    <p:cond delay="0"/>
+                                  </p:stCondLst>
+                                  <p:childTnLst>
+                                    <p:set>
+                                      <p:cBhvr>
+                                        <p:cTn id="12" dur="1" fill="hold">
+                                          <p:stCondLst>
+                                            <p:cond delay="0"/>
+                                          </p:stCondLst>
+                                        </p:cTn>
+                                        <p:tgtEl>
+                                          <p:spTgt spid="7"/>
+                                        </p:tgtEl>
+                                        <p:attrNameLst>
+                                          <p:attrName>style.visibility</p:attrName>
+                                        </p:attrNameLst>
+                                      </p:cBhvr>
+                                      <p:to>
+                                        <p:strVal val="visible"/>
+                                      </p:to>
+                                    </p:set>
+                                    <p:animEffect transition="in" filter="wheel(1)">
+                                      <p:cBhvr>
+                                        <p:cTn id="13" dur="500"/>
+                                        <p:tgtEl>
+                                          <p:spTgt spid="7"/>
+                                        </p:tgtEl>
+                                      </p:cBhvr>
+                                    </p:animEffect>
+                                  </p:childTnLst>
+                                </p:cTn>
+                              </p:par>
+                            </p:childTnLst>
+                          </p:cTn>
+                        </p:par>
+                      </p:childTnLst>
+                    </p:cTn>
+                  </p:par>
+                  <p:par>
+                    <p:cTn id="14" fill="hold">
+                      <p:stCondLst>
+                        <p:cond delay="indefinite"/>
+                      </p:stCondLst>
+                      <p:childTnLst>
+                        <p:par>
+                          <p:cTn id="15" fill="hold">
+                            <p:stCondLst>
+                              <p:cond delay="0"/>
+                            </p:stCondLst>
+                            <p:childTnLst>
+                              <p:par>
+                                <p:cTn id="16" presetID="1" presetClass="exit" presetSubtype="0" fill="hold" grpId="0" nodeType="clickEffect">
+                                  <p:stCondLst>
+                                    <p:cond delay="0"/>
+                                  </p:stCondLst>
+                                  <p:childTnLst>
+                                    <p:set>
+                                      <p:cBhvr>
+                                        <p:cTn id="17" dur="1" fill="hold">
+                                          <p:stCondLst>
+                                            <p:cond delay="0"/>
+                                          </p:stCondLst>
+                                        </p:cTn>
+                                        <p:tgtEl>
+                                          <p:spTgt spid="12"/>
+                                        </p:tgtEl>
+                                        <p:attrNameLst>
+                                          <p:attrName>style.visibility</p:attrName>
+                                        </p:attrNameLst>
+                                      </p:cBhvr>
+                                      <p:to>
+                                        <p:strVal val="hidden"/>
+                                      </p:to>
+                                    </p:set>
+                                  </p:childTnLst>
+                                </p:cTn>
+                              </p:par>
+                              <p:par>
+                                <p:cTn id="18" presetID="1" presetClass="exit" presetSubtype="0" fill="hold" grpId="0" nodeType="withEffect">
+                                  <p:stCondLst>
+                                    <p:cond delay="0"/>
+                                  </p:stCondLst>
+                                  <p:childTnLst>
+                                    <p:set>
+                                      <p:cBhvr>
+                                        <p:cTn id="19" dur="1" fill="hold">
+                                          <p:stCondLst>
+                                            <p:cond delay="0"/>
+                                          </p:stCondLst>
+                                        </p:cTn>
+                                        <p:tgtEl>
+                                          <p:spTgt spid="13"/>
+                                        </p:tgtEl>
+                                        <p:attrNameLst>
+                                          <p:attrName>style.visibility</p:attrName>
+                                        </p:attrNameLst>
+                                      </p:cBhvr>
+                                      <p:to>
+                                        <p:strVal val="hidden"/>
+                                      </p:to>
+                                    </p:set>
+                                  </p:childTnLst>
+                                </p:cTn>
+                              </p:par>
+                              <p:par>
+                                <p:cTn id="20" presetID="1" presetClass="exit" presetSubtype="0" fill="hold" grpId="0" nodeType="withEffect">
+                                  <p:stCondLst>
+                                    <p:cond delay="0"/>
+                                  </p:stCondLst>
+                                  <p:childTnLst>
+                                    <p:set>
+                                      <p:cBhvr>
+                                        <p:cTn id="21" dur="1" fill="hold">
+                                          <p:stCondLst>
+                                            <p:cond delay="0"/>
+                                          </p:stCondLst>
+                                        </p:cTn>
+                                        <p:tgtEl>
+                                          <p:spTgt spid="14"/>
+                                        </p:tgtEl>
+                                        <p:attrNameLst>
+                                          <p:attrName>style.visibility</p:attrName>
+                                        </p:attrNameLst>
+                                      </p:cBhvr>
+                                      <p:to>
+                                        <p:strVal val="hidden"/>
+                                      </p:to>
+                                    </p:set>
+                                  </p:childTnLst>
+                                </p:cTn>
+                              </p:par>
+                            </p:childTnLst>
+                          </p:cTn>
+                        </p:par>
+                      </p:childTnLst>
+                    </p:cTn>
+                  </p:par>
+                </p:childTnLst>
+              </p:cTn>
+              <p:prevCondLst>
+                <p:cond evt="onPrev" delay="0">
+                  <p:tgtEl>
+                    <p:sldTgt/>
+                  </p:tgtEl>
+                </p:cond>
+              </p:prevCondLst>
+              <p:nextCondLst>
+                <p:cond evt="onNext" delay="0">
+                  <p:tgtEl>
+                    <p:sldTgt/>
+                  </p:tgtEl>
+                </p:cond>
+              </p:nextCondLst>
+            </p:seq>
+          </p:childTnLst>
+        </p:cTn>
+      </p:par>
+    </p:tnLst>
+    <p:bldLst>
+      <p:bldP spid="5" grpId="0" animBg="1"/>
+      <p:bldP spid="6" grpId="0" animBg="1"/>
+      <p:bldP spid="7" grpId="0" animBg="1"/>
+      <p:bldP spid="12" grpId="0"/>
+      <p:bldP spid="13" grpId="0"/>
+      <p:bldP spid="14" grpId="0"/>
+    </p:bldLst>
+  </p:timing>
+</p:sld>
+</file>
+
+<file path=ppt/slides/slide9.xml><?xml version="1.0" encoding="utf-8"?>
+<p:sld xmlns:a="http://schemas.openxmlformats.org/drawingml/2006/main" xmlns:r="http://schemas.openxmlformats.org/officeDocument/2006/relationships" xmlns:p="http://schemas.openxmlformats.org/presentationml/2006/main">
+  <p:cSld name="PPTLabsZoomToAreaSlide201403311925457090">
+    <p:bg>
+      <p:bgPr>
+        <a:solidFill>
+          <a:schemeClr val="bg1"/>
+        </a:solidFill>
+        <a:effectLst/>
+      </p:bgPr>
+    </p:bg>
+    <p:spTree>
+      <p:nvGrpSpPr>
+        <p:cNvPr id="1" name=""/>
+        <p:cNvGrpSpPr/>
+        <p:nvPr/>
+      </p:nvGrpSpPr>
+      <p:grpSpPr>
+        <a:xfrm>
+          <a:off x="0" y="0"/>
+          <a:ext cx="0" cy="0"/>
+          <a:chOff x="0" y="0"/>
+          <a:chExt cx="0" cy="0"/>
+        </a:xfrm>
+      </p:grpSpPr>
+      <p:pic>
+        <p:nvPicPr>
+          <p:cNvPr id="4" name="Picture 3" descr="File:AmineTreating.png"/>
+          <p:cNvPicPr>
+            <a:picLocks noChangeAspect="1" noChangeArrowheads="1"/>
+          </p:cNvPicPr>
+          <p:nvPr/>
+        </p:nvPicPr>
+        <p:blipFill rotWithShape="1">
+          <a:blip r:embed="rId2">
+            <a:duotone>
+              <a:schemeClr val="bg2">
+                <a:shade val="45000"/>
+                <a:satMod val="135000"/>
+              </a:schemeClr>
+              <a:prstClr val="white"/>
+            </a:duotone>
+            <a:extLst>
+              <a:ext uri="{28A0092B-C50C-407E-A947-70E740481C1C}">
+                <a14:useLocalDpi xmlns:a14="http://schemas.microsoft.com/office/drawing/2010/main" val="0"/>
+              </a:ext>
+            </a:extLst>
+          </a:blip>
+          <a:srcRect l="1320" t="1116" r="1244" b="19220"/>
+          <a:stretch/>
+        </p:blipFill>
+        <p:spPr bwMode="auto">
+          <a:xfrm>
+            <a:off x="952500" y="708136"/>
+            <a:ext cx="7429500" cy="5313152"/>
+          </a:xfrm>
+          <a:prstGeom prst="rect">
+            <a:avLst/>
+          </a:prstGeom>
+          <a:noFill/>
+          <a:extLst>
+            <a:ext uri="{909E8E84-426E-40DD-AFC4-6F175D3DCCD1}">
+              <a14:hiddenFill xmlns:a14="http://schemas.microsoft.com/office/drawing/2010/main">
+                <a:solidFill>
+                  <a:srgbClr val="FFFFFF"/>
+                </a:solidFill>
+              </a14:hiddenFill>
+            </a:ext>
+          </a:extLst>
+        </p:spPr>
+      </p:pic>
+      <p:sp>
+        <p:nvSpPr>
+          <p:cNvPr id="5" name="PPTLabsMagnifyShape201403311925457110"/>
+          <p:cNvSpPr/>
+          <p:nvPr/>
+        </p:nvSpPr>
+        <p:spPr>
+          <a:xfrm>
+            <a:off x="1142999" y="730284"/>
+            <a:ext cx="3272468" cy="2454350"/>
+          </a:xfrm>
+          <a:prstGeom prst="rect">
+            <a:avLst/>
+          </a:prstGeom>
+          <a:solidFill>
+            <a:srgbClr val="AAAAAA">
+              <a:alpha val="30000"/>
+            </a:srgbClr>
+          </a:solidFill>
+          <a:ln w="57150">
+            <a:solidFill>
+              <a:srgbClr val="000000"/>
+            </a:solidFill>
+          </a:ln>
+        </p:spPr>
+        <p:style>
+          <a:lnRef idx="2">
+            <a:schemeClr val="accent1">
+              <a:shade val="50000"/>
+            </a:schemeClr>
+          </a:lnRef>
+          <a:fillRef idx="1">
+            <a:schemeClr val="accent1"/>
+          </a:fillRef>
+          <a:effectRef idx="0">
+            <a:schemeClr val="accent1"/>
+          </a:effectRef>
+          <a:fontRef idx="minor">
+            <a:schemeClr val="lt1"/>
+          </a:fontRef>
+        </p:style>
+        <p:txBody>
+          <a:bodyPr lIns="228600" tIns="114300" rIns="228600" bIns="114300" rtlCol="0" anchor="ctr">
+            <a:normAutofit/>
+          </a:bodyPr>
+          <a:lstStyle/>
+          <a:p>
+            <a:pPr algn="ctr"/>
+            <a:r>
+              <a:rPr lang="en-US" b="1" smtClean="0">
+                <a:solidFill>
+                  <a:srgbClr val="FFFFFF"/>
+                </a:solidFill>
+              </a:rPr>
+              <a:t>Zoom Shape 1</a:t>
+            </a:r>
+            <a:endParaRPr lang="en-US" b="1">
+              <a:solidFill>
+                <a:srgbClr val="FFFFFF"/>
+              </a:solidFill>
+            </a:endParaRPr>
+          </a:p>
+        </p:txBody>
+      </p:sp>
+      <p:sp>
+        <p:nvSpPr>
+          <p:cNvPr id="6" name="PPTLabsMagnifyShape201403311925457270"/>
+          <p:cNvSpPr/>
+          <p:nvPr/>
+        </p:nvSpPr>
+        <p:spPr>
+          <a:xfrm>
+            <a:off x="4580566" y="1371600"/>
+            <a:ext cx="4868234" cy="2454350"/>
+          </a:xfrm>
+          <a:prstGeom prst="rect">
+            <a:avLst/>
+          </a:prstGeom>
+          <a:solidFill>
+            <a:srgbClr val="AAAAAA">
+              <a:alpha val="30000"/>
+            </a:srgbClr>
+          </a:solidFill>
+          <a:ln w="57150">
+            <a:solidFill>
+              <a:srgbClr val="000000"/>
+            </a:solidFill>
+          </a:ln>
+        </p:spPr>
+        <p:style>
+          <a:lnRef idx="2">
+            <a:schemeClr val="accent1">
+              <a:shade val="50000"/>
+            </a:schemeClr>
+          </a:lnRef>
+          <a:fillRef idx="1">
+            <a:schemeClr val="accent1"/>
+          </a:fillRef>
+          <a:effectRef idx="0">
+            <a:schemeClr val="accent1"/>
+          </a:effectRef>
+          <a:fontRef idx="minor">
+            <a:schemeClr val="lt1"/>
+          </a:fontRef>
+        </p:style>
+        <p:txBody>
+          <a:bodyPr lIns="228600" tIns="114300" rIns="228600" bIns="114300" rtlCol="0" anchor="ctr">
+            <a:normAutofit/>
+          </a:bodyPr>
+          <a:lstStyle/>
+          <a:p>
+            <a:pPr algn="ctr"/>
+            <a:r>
+              <a:rPr lang="en-US" b="1" smtClean="0">
+                <a:solidFill>
+                  <a:srgbClr val="FFFFFF"/>
+                </a:solidFill>
+              </a:rPr>
+              <a:t>Zoom Shape 2</a:t>
+            </a:r>
+            <a:endParaRPr lang="en-US" b="1">
+              <a:solidFill>
+                <a:srgbClr val="FFFFFF"/>
+              </a:solidFill>
+            </a:endParaRPr>
+          </a:p>
+        </p:txBody>
+      </p:sp>
+      <p:sp>
+        <p:nvSpPr>
+          <p:cNvPr id="7" name="PPTLabsMagnifyShape201403311925457330"/>
+          <p:cNvSpPr/>
+          <p:nvPr/>
+        </p:nvSpPr>
+        <p:spPr>
+          <a:xfrm>
+            <a:off x="1981200" y="3962400"/>
+            <a:ext cx="4495800" cy="2438400"/>
+          </a:xfrm>
+          <a:prstGeom prst="rect">
+            <a:avLst/>
+          </a:prstGeom>
+          <a:solidFill>
+            <a:srgbClr val="AAAAAA">
+              <a:alpha val="30000"/>
+            </a:srgbClr>
+          </a:solidFill>
+          <a:ln w="57150">
+            <a:solidFill>
+              <a:srgbClr val="000000"/>
+            </a:solidFill>
+          </a:ln>
+        </p:spPr>
+        <p:style>
+          <a:lnRef idx="2">
+            <a:schemeClr val="accent1">
+              <a:shade val="50000"/>
+            </a:schemeClr>
+          </a:lnRef>
+          <a:fillRef idx="1">
+            <a:schemeClr val="accent1"/>
+          </a:fillRef>
+          <a:effectRef idx="0">
+            <a:schemeClr val="accent1"/>
+          </a:effectRef>
+          <a:fontRef idx="minor">
+            <a:schemeClr val="lt1"/>
+          </a:fontRef>
+        </p:style>
+        <p:txBody>
+          <a:bodyPr lIns="228600" tIns="114300" rIns="228600" bIns="114300" rtlCol="0" anchor="ctr">
+            <a:normAutofit/>
+          </a:bodyPr>
+          <a:lstStyle/>
+          <a:p>
+            <a:pPr algn="ctr"/>
+            <a:r>
+              <a:rPr lang="en-US" b="1" smtClean="0">
+                <a:solidFill>
+                  <a:srgbClr val="FFFFFF"/>
+                </a:solidFill>
+              </a:rPr>
+              <a:t>Zoom Shape 3</a:t>
+            </a:r>
+            <a:endParaRPr lang="en-US" b="1">
+              <a:solidFill>
+                <a:srgbClr val="FFFFFF"/>
+              </a:solidFill>
+            </a:endParaRPr>
+          </a:p>
+        </p:txBody>
+      </p:sp>
+      <p:sp>
+        <p:nvSpPr>
+          <p:cNvPr id="11" name="[text 3]"/>
+          <p:cNvSpPr txBox="1"/>
+          <p:nvPr/>
+        </p:nvSpPr>
+        <p:spPr>
+          <a:xfrm>
+            <a:off x="430386" y="6043939"/>
+            <a:ext cx="2644122" cy="523220"/>
+          </a:xfrm>
+          <a:prstGeom prst="rect">
+            <a:avLst/>
+          </a:prstGeom>
+          <a:noFill/>
+        </p:spPr>
+        <p:txBody>
+          <a:bodyPr wrap="none" rtlCol="0">
+            <a:spAutoFit/>
+          </a:bodyPr>
+          <a:lstStyle/>
+          <a:p>
+            <a:r>
+              <a:rPr lang="en-US" sz="2800" b="1" dirty="0" smtClean="0">
+                <a:solidFill>
+                  <a:schemeClr val="bg1">
+                    <a:lumMod val="75000"/>
+                  </a:schemeClr>
+                </a:solidFill>
+              </a:rPr>
+              <a:t>Expected output</a:t>
+            </a:r>
+            <a:endParaRPr lang="en-SG" sz="2800" b="1" dirty="0">
+              <a:solidFill>
+                <a:schemeClr val="bg1">
+                  <a:lumMod val="75000"/>
+                </a:schemeClr>
+              </a:solidFill>
+            </a:endParaRPr>
+          </a:p>
+        </p:txBody>
+      </p:sp>
+    </p:spTree>
+    <p:extLst>
+      <p:ext uri="{BB962C8B-B14F-4D97-AF65-F5344CB8AC3E}">
+        <p14:creationId xmlns:p14="http://schemas.microsoft.com/office/powerpoint/2010/main" val="3003986474"/>
+      </p:ext>
+    </p:extLst>
+  </p:cSld>
+  <p:clrMapOvr>
+    <a:masterClrMapping/>
+  </p:clrMapOvr>
+  <mc:AlternateContent xmlns:mc="http://schemas.openxmlformats.org/markup-compatibility/2006" xmlns:p14="http://schemas.microsoft.com/office/powerpoint/2010/main">
+    <mc:Choice Requires="p14">
+      <p:transition spd="slow" p14:dur="2000" advTm="1000"/>
+    </mc:Choice>
+    <mc:Fallback xmlns="">
+      <p:transition spd="slow" advTm="1000"/>
+    </mc:Fallback>
+  </mc:AlternateContent>
+  <p:timing>
+    <p:tnLst>
+      <p:par>
+        <p:cTn id="1" dur="indefinite" restart="never" nodeType="tmRoot">
+          <p:childTnLst>
+            <p:seq concurrent="1" nextAc="seek">
+              <p:cTn id="2" dur="indefinite" nodeType="mainSeq">
+                <p:childTnLst>
+                  <p:par>
+                    <p:cTn id="3" fill="hold">
+                      <p:stCondLst>
+                        <p:cond delay="indefinite"/>
+                        <p:cond evt="onBegin" delay="0">
+                          <p:tn val="2"/>
+                        </p:cond>
+                      </p:stCondLst>
+                      <p:childTnLst>
+                        <p:par>
+                          <p:cTn id="4" fill="hold">
+                            <p:stCondLst>
+                              <p:cond delay="0"/>
+                            </p:stCondLst>
+                            <p:childTnLst>
+                              <p:par>
+                                <p:cTn id="5" presetID="21" presetClass="entr" presetSubtype="1" fill="hold" grpId="0" nodeType="withEffect">
+                                  <p:stCondLst>
+                                    <p:cond delay="0"/>
+                                  </p:stCondLst>
+                                  <p:childTnLst>
+                                    <p:set>
+                                      <p:cBhvr>
+                                        <p:cTn id="6" dur="1" fill="hold">
+                                          <p:stCondLst>
+                                            <p:cond delay="0"/>
+                                          </p:stCondLst>
+                                        </p:cTn>
+                                        <p:tgtEl>
+                                          <p:spTgt spid="5"/>
+                                        </p:tgtEl>
+                                        <p:attrNameLst>
+                                          <p:attrName>style.visibility</p:attrName>
+                                        </p:attrNameLst>
+                                      </p:cBhvr>
+                                      <p:to>
+                                        <p:strVal val="visible"/>
+                                      </p:to>
+                                    </p:set>
+                                    <p:animEffect transition="in" filter="wheel(1)">
+                                      <p:cBhvr>
+                                        <p:cTn id="7" dur="500"/>
+                                        <p:tgtEl>
+                                          <p:spTgt spid="5"/>
+                                        </p:tgtEl>
+                                      </p:cBhvr>
+                                    </p:animEffect>
+                                  </p:childTnLst>
+                                </p:cTn>
+                              </p:par>
+                              <p:par>
+                                <p:cTn id="8" presetID="21" presetClass="entr" presetSubtype="1" fill="hold" grpId="0" nodeType="withEffect">
+                                  <p:stCondLst>
+                                    <p:cond delay="0"/>
+                                  </p:stCondLst>
+                                  <p:childTnLst>
+                                    <p:set>
+                                      <p:cBhvr>
+                                        <p:cTn id="9" dur="1" fill="hold">
+                                          <p:stCondLst>
+                                            <p:cond delay="0"/>
+                                          </p:stCondLst>
+                                        </p:cTn>
+                                        <p:tgtEl>
+                                          <p:spTgt spid="6"/>
+                                        </p:tgtEl>
+                                        <p:attrNameLst>
+                                          <p:attrName>style.visibility</p:attrName>
+                                        </p:attrNameLst>
+                                      </p:cBhvr>
+                                      <p:to>
+                                        <p:strVal val="visible"/>
+                                      </p:to>
+                                    </p:set>
+                                    <p:animEffect transition="in" filter="wheel(1)">
+                                      <p:cBhvr>
+                                        <p:cTn id="10" dur="500"/>
+                                        <p:tgtEl>
+                                          <p:spTgt spid="6"/>
+                                        </p:tgtEl>
+                                      </p:cBhvr>
+                                    </p:animEffect>
+                                  </p:childTnLst>
+                                </p:cTn>
+                              </p:par>
+                              <p:par>
+                                <p:cTn id="11" presetID="21" presetClass="entr" presetSubtype="1" fill="hold" grpId="0" nodeType="withEffect">
+                                  <p:stCondLst>
+                                    <p:cond delay="0"/>
+                                  </p:stCondLst>
+                                  <p:childTnLst>
+                                    <p:set>
+                                      <p:cBhvr>
+                                        <p:cTn id="12" dur="1" fill="hold">
+                                          <p:stCondLst>
+                                            <p:cond delay="0"/>
+                                          </p:stCondLst>
+                                        </p:cTn>
+                                        <p:tgtEl>
+                                          <p:spTgt spid="7"/>
+                                        </p:tgtEl>
+                                        <p:attrNameLst>
+                                          <p:attrName>style.visibility</p:attrName>
+                                        </p:attrNameLst>
+                                      </p:cBhvr>
+                                      <p:to>
+                                        <p:strVal val="visible"/>
+                                      </p:to>
+                                    </p:set>
+                                    <p:animEffect transition="in" filter="wheel(1)">
+                                      <p:cBhvr>
+                                        <p:cTn id="13" dur="500"/>
+                                        <p:tgtEl>
+                                          <p:spTgt spid="7"/>
+                                        </p:tgtEl>
+                                      </p:cBhvr>
+                                    </p:animEffect>
+                                  </p:childTnLst>
+                                </p:cTn>
+                              </p:par>
+                              <p:par>
+                                <p:cTn id="14" presetID="1" presetClass="entr" presetSubtype="0" fill="hold" grpId="1" nodeType="withEffect">
+                                  <p:stCondLst>
+                                    <p:cond delay="0"/>
+                                  </p:stCondLst>
+                                  <p:childTnLst>
+                                    <p:set>
+                                      <p:cBhvr>
+                                        <p:cTn id="15" dur="1" fill="hold">
+                                          <p:stCondLst>
+                                            <p:cond delay="0"/>
+                                          </p:stCondLst>
+                                        </p:cTn>
+                                        <p:tgtEl>
+                                          <p:spTgt spid="5"/>
+                                        </p:tgtEl>
+                                        <p:attrNameLst>
+                                          <p:attrName>style.visibility</p:attrName>
+                                        </p:attrNameLst>
+                                      </p:cBhvr>
+                                      <p:to>
+                                        <p:strVal val="visible"/>
+                                      </p:to>
+                                    </p:set>
+                                  </p:childTnLst>
+                                </p:cTn>
+                              </p:par>
+                              <p:par>
+                                <p:cTn id="16" presetID="1" presetClass="exit" presetSubtype="0" fill="hold" grpId="2" nodeType="withEffect">
+                                  <p:stCondLst>
+                                    <p:cond delay="0"/>
+                                  </p:stCondLst>
+                                  <p:childTnLst>
+                                    <p:set>
+                                      <p:cBhvr>
+                                        <p:cTn id="17" dur="1" fill="hold">
+                                          <p:stCondLst>
+                                            <p:cond delay="0"/>
+                                          </p:stCondLst>
+                                        </p:cTn>
+                                        <p:tgtEl>
+                                          <p:spTgt spid="5"/>
+                                        </p:tgtEl>
+                                        <p:attrNameLst>
+                                          <p:attrName>style.visibility</p:attrName>
+                                        </p:attrNameLst>
+                                      </p:cBhvr>
+                                      <p:to>
+                                        <p:strVal val="hidden"/>
+                                      </p:to>
+                                    </p:set>
+                                  </p:childTnLst>
+                                </p:cTn>
+                              </p:par>
+                              <p:par>
+                                <p:cTn id="18" presetID="1" presetClass="entr" presetSubtype="0" fill="hold" grpId="1" nodeType="withEffect">
+                                  <p:stCondLst>
+                                    <p:cond delay="0"/>
+                                  </p:stCondLst>
+                                  <p:childTnLst>
+                                    <p:set>
+                                      <p:cBhvr>
+                                        <p:cTn id="19" dur="1" fill="hold">
+                                          <p:stCondLst>
+                                            <p:cond delay="0"/>
+                                          </p:stCondLst>
+                                        </p:cTn>
+                                        <p:tgtEl>
+                                          <p:spTgt spid="6"/>
+                                        </p:tgtEl>
+                                        <p:attrNameLst>
+                                          <p:attrName>style.visibility</p:attrName>
+                                        </p:attrNameLst>
+                                      </p:cBhvr>
+                                      <p:to>
+                                        <p:strVal val="visible"/>
+                                      </p:to>
+                                    </p:set>
+                                  </p:childTnLst>
+                                </p:cTn>
+                              </p:par>
+                              <p:par>
+                                <p:cTn id="20" presetID="1" presetClass="exit" presetSubtype="0" fill="hold" grpId="2" nodeType="withEffect">
+                                  <p:stCondLst>
+                                    <p:cond delay="0"/>
+                                  </p:stCondLst>
+                                  <p:childTnLst>
+                                    <p:set>
+                                      <p:cBhvr>
+                                        <p:cTn id="21" dur="1" fill="hold">
+                                          <p:stCondLst>
+                                            <p:cond delay="0"/>
+                                          </p:stCondLst>
+                                        </p:cTn>
+                                        <p:tgtEl>
+                                          <p:spTgt spid="6"/>
+                                        </p:tgtEl>
+                                        <p:attrNameLst>
+                                          <p:attrName>style.visibility</p:attrName>
+                                        </p:attrNameLst>
+                                      </p:cBhvr>
+                                      <p:to>
+                                        <p:strVal val="hidden"/>
+                                      </p:to>
+                                    </p:set>
+                                  </p:childTnLst>
+                                </p:cTn>
+                              </p:par>
+                              <p:par>
+                                <p:cTn id="22" presetID="1" presetClass="entr" presetSubtype="0" fill="hold" grpId="1" nodeType="withEffect">
+                                  <p:stCondLst>
+                                    <p:cond delay="0"/>
+                                  </p:stCondLst>
+                                  <p:childTnLst>
+                                    <p:set>
+                                      <p:cBhvr>
+                                        <p:cTn id="23" dur="1" fill="hold">
+                                          <p:stCondLst>
+                                            <p:cond delay="0"/>
+                                          </p:stCondLst>
+                                        </p:cTn>
+                                        <p:tgtEl>
+                                          <p:spTgt spid="7"/>
+                                        </p:tgtEl>
+                                        <p:attrNameLst>
+                                          <p:attrName>style.visibility</p:attrName>
+                                        </p:attrNameLst>
+                                      </p:cBhvr>
+                                      <p:to>
+                                        <p:strVal val="visible"/>
+                                      </p:to>
+                                    </p:set>
+                                  </p:childTnLst>
+                                </p:cTn>
+                              </p:par>
+                              <p:par>
+                                <p:cTn id="24" presetID="1" presetClass="exit" presetSubtype="0" fill="hold" grpId="2" nodeType="withEffect">
+                                  <p:stCondLst>
+                                    <p:cond delay="0"/>
+                                  </p:stCondLst>
+                                  <p:childTnLst>
+                                    <p:set>
+                                      <p:cBhvr>
+                                        <p:cTn id="25" dur="1" fill="hold">
+                                          <p:stCondLst>
+                                            <p:cond delay="0"/>
+                                          </p:stCondLst>
+                                        </p:cTn>
+                                        <p:tgtEl>
+                                          <p:spTgt spid="7"/>
+                                        </p:tgtEl>
+                                        <p:attrNameLst>
+                                          <p:attrName>style.visibility</p:attrName>
+                                        </p:attrNameLst>
+                                      </p:cBhvr>
+                                      <p:to>
+                                        <p:strVal val="hidden"/>
+                                      </p:to>
+                                    </p:set>
+                                  </p:childTnLst>
+                                </p:cTn>
+                              </p:par>
+                              <p:par>
+                                <p:cTn id="26" presetID="10" presetClass="exit" presetSubtype="0" fill="hold" grpId="0" nodeType="withEffect">
+                                  <p:stCondLst>
+                                    <p:cond delay="0"/>
+                                  </p:stCondLst>
+                                  <p:childTnLst>
+                                    <p:animEffect transition="out" filter="fade">
+                                      <p:cBhvr>
+                                        <p:cTn id="27" dur="500"/>
+                                        <p:tgtEl>
+                                          <p:spTgt spid="11"/>
+                                        </p:tgtEl>
+                                      </p:cBhvr>
+                                    </p:animEffect>
+                                    <p:set>
+                                      <p:cBhvr>
+                                        <p:cTn id="28" dur="1" fill="hold">
+                                          <p:stCondLst>
+                                            <p:cond delay="499"/>
+                                          </p:stCondLst>
+                                        </p:cTn>
+                                        <p:tgtEl>
+                                          <p:spTgt spid="11"/>
+                                        </p:tgtEl>
+                                        <p:attrNameLst>
+                                          <p:attrName>style.visibility</p:attrName>
+                                        </p:attrNameLst>
+                                      </p:cBhvr>
+                                      <p:to>
+                                        <p:strVal val="hidden"/>
+                                      </p:to>
+                                    </p:set>
+                                  </p:childTnLst>
+                                </p:cTn>
+                              </p:par>
+                            </p:childTnLst>
+                          </p:cTn>
+                        </p:par>
+                      </p:childTnLst>
+                    </p:cTn>
+                  </p:par>
+                </p:childTnLst>
+              </p:cTn>
+              <p:prevCondLst>
+                <p:cond evt="onPrev" delay="0">
+                  <p:tgtEl>
+                    <p:sldTgt/>
+                  </p:tgtEl>
+                </p:cond>
+              </p:prevCondLst>
+              <p:nextCondLst>
+                <p:cond evt="onNext" delay="0">
+                  <p:tgtEl>
+                    <p:sldTgt/>
+                  </p:tgtEl>
+                </p:cond>
+              </p:nextCondLst>
+            </p:seq>
+          </p:childTnLst>
+        </p:cTn>
+      </p:par>
+    </p:tnLst>
+    <p:bldLst>
+      <p:bldP spid="5" grpId="0" animBg="1"/>
+      <p:bldP spid="5" grpId="1" animBg="1"/>
+      <p:bldP spid="5" grpId="2" animBg="1"/>
+      <p:bldP spid="6" grpId="0" animBg="1"/>
+      <p:bldP spid="6" grpId="1" animBg="1"/>
+      <p:bldP spid="6" grpId="2" animBg="1"/>
+      <p:bldP spid="7" grpId="0" animBg="1"/>
+      <p:bldP spid="7" grpId="1" animBg="1"/>
+      <p:bldP spid="7" grpId="2" animBg="1"/>
+      <p:bldP spid="11" grpId="0"/>
+    </p:bldLst>
   </p:timing>
 </p:sld>
 </file>

--- a/doc/test/ZoomToArea.pptx
+++ b/doc/test/ZoomToArea.pptx
@@ -209,7 +209,7 @@
       </p14:sectionLst>
     </p:ext>
     <p:ext uri="{EFAFB233-063F-42B5-8137-9DF3F51BA10A}">
-      <p15:sldGuideLst xmlns="" xmlns:p15="http://schemas.microsoft.com/office/powerpoint/2012/main">
+      <p15:sldGuideLst xmlns:p15="http://schemas.microsoft.com/office/powerpoint/2012/main" xmlns="">
         <p15:guide id="1" orient="horz" pos="2160">
           <p15:clr>
             <a:srgbClr val="A4A3A4"/>
@@ -9549,6 +9549,86 @@
         </p:style>
         <p:txBody>
           <a:bodyPr lIns="228600" tIns="114300" rIns="228600" bIns="114300" rtlCol="0" anchor="ctr"/>
+          <a:lstStyle/>
+          <a:p>
+            <a:pPr algn="ctr"/>
+            <a:endParaRPr lang="en-US"/>
+          </a:p>
+        </p:txBody>
+      </p:sp>
+      <p:sp>
+        <p:nvSpPr>
+          <p:cNvPr id="6" name="Oval 1" hidden="1"/>
+          <p:cNvSpPr/>
+          <p:nvPr/>
+        </p:nvSpPr>
+        <p:spPr>
+          <a:xfrm>
+            <a:off x="302733" y="3184634"/>
+            <a:ext cx="4953000" cy="3505200"/>
+          </a:xfrm>
+          <a:prstGeom prst="ellipse">
+            <a:avLst/>
+          </a:prstGeom>
+        </p:spPr>
+        <p:style>
+          <a:lnRef idx="2">
+            <a:schemeClr val="accent1">
+              <a:shade val="50000"/>
+            </a:schemeClr>
+          </a:lnRef>
+          <a:fillRef idx="1">
+            <a:schemeClr val="accent1"/>
+          </a:fillRef>
+          <a:effectRef idx="0">
+            <a:schemeClr val="accent1"/>
+          </a:effectRef>
+          <a:fontRef idx="minor">
+            <a:schemeClr val="lt1"/>
+          </a:fontRef>
+        </p:style>
+        <p:txBody>
+          <a:bodyPr rtlCol="0" anchor="ctr"/>
+          <a:lstStyle/>
+          <a:p>
+            <a:pPr algn="ctr"/>
+            <a:endParaRPr lang="en-US"/>
+          </a:p>
+        </p:txBody>
+      </p:sp>
+      <p:sp>
+        <p:nvSpPr>
+          <p:cNvPr id="7" name="Oval 5" hidden="1"/>
+          <p:cNvSpPr/>
+          <p:nvPr/>
+        </p:nvSpPr>
+        <p:spPr>
+          <a:xfrm>
+            <a:off x="3962400" y="381000"/>
+            <a:ext cx="4953000" cy="3505200"/>
+          </a:xfrm>
+          <a:prstGeom prst="ellipse">
+            <a:avLst/>
+          </a:prstGeom>
+        </p:spPr>
+        <p:style>
+          <a:lnRef idx="2">
+            <a:schemeClr val="accent1">
+              <a:shade val="50000"/>
+            </a:schemeClr>
+          </a:lnRef>
+          <a:fillRef idx="1">
+            <a:schemeClr val="accent1"/>
+          </a:fillRef>
+          <a:effectRef idx="0">
+            <a:schemeClr val="accent1"/>
+          </a:effectRef>
+          <a:fontRef idx="minor">
+            <a:schemeClr val="lt1"/>
+          </a:fontRef>
+        </p:style>
+        <p:txBody>
+          <a:bodyPr rtlCol="0" anchor="ctr"/>
           <a:lstStyle/>
           <a:p>
             <a:pPr algn="ctr"/>
@@ -10344,11 +10424,11 @@
   <p:clrMapOvr>
     <a:masterClrMapping/>
   </p:clrMapOvr>
-  <mc:AlternateContent xmlns:mc="http://schemas.openxmlformats.org/markup-compatibility/2006">
-    <mc:Choice xmlns:p14="http://schemas.microsoft.com/office/powerpoint/2010/main" Requires="p14">
+  <mc:AlternateContent xmlns:mc="http://schemas.openxmlformats.org/markup-compatibility/2006" xmlns:p14="http://schemas.microsoft.com/office/powerpoint/2010/main">
+    <mc:Choice Requires="p14">
       <p:transition spd="slow" p14:dur="2000"/>
     </mc:Choice>
-    <mc:Fallback>
+    <mc:Fallback xmlns="">
       <p:transition spd="slow"/>
     </mc:Fallback>
   </mc:AlternateContent>
@@ -11341,6 +11421,86 @@
               <a:t>TEXT IN SLIDE</a:t>
             </a:r>
             <a:endParaRPr lang="en-US" sz="6000" b="1" dirty="0"/>
+          </a:p>
+        </p:txBody>
+      </p:sp>
+      <p:sp>
+        <p:nvSpPr>
+          <p:cNvPr id="16" name="Oval 1" hidden="1"/>
+          <p:cNvSpPr/>
+          <p:nvPr/>
+        </p:nvSpPr>
+        <p:spPr>
+          <a:xfrm>
+            <a:off x="302733" y="3184634"/>
+            <a:ext cx="4953000" cy="3505200"/>
+          </a:xfrm>
+          <a:prstGeom prst="ellipse">
+            <a:avLst/>
+          </a:prstGeom>
+        </p:spPr>
+        <p:style>
+          <a:lnRef idx="2">
+            <a:schemeClr val="accent1">
+              <a:shade val="50000"/>
+            </a:schemeClr>
+          </a:lnRef>
+          <a:fillRef idx="1">
+            <a:schemeClr val="accent1"/>
+          </a:fillRef>
+          <a:effectRef idx="0">
+            <a:schemeClr val="accent1"/>
+          </a:effectRef>
+          <a:fontRef idx="minor">
+            <a:schemeClr val="lt1"/>
+          </a:fontRef>
+        </p:style>
+        <p:txBody>
+          <a:bodyPr rtlCol="0" anchor="ctr"/>
+          <a:lstStyle/>
+          <a:p>
+            <a:pPr algn="ctr"/>
+            <a:endParaRPr lang="en-US"/>
+          </a:p>
+        </p:txBody>
+      </p:sp>
+      <p:sp>
+        <p:nvSpPr>
+          <p:cNvPr id="17" name="Oval 5" hidden="1"/>
+          <p:cNvSpPr/>
+          <p:nvPr/>
+        </p:nvSpPr>
+        <p:spPr>
+          <a:xfrm>
+            <a:off x="3962400" y="381000"/>
+            <a:ext cx="4953000" cy="3505200"/>
+          </a:xfrm>
+          <a:prstGeom prst="ellipse">
+            <a:avLst/>
+          </a:prstGeom>
+        </p:spPr>
+        <p:style>
+          <a:lnRef idx="2">
+            <a:schemeClr val="accent1">
+              <a:shade val="50000"/>
+            </a:schemeClr>
+          </a:lnRef>
+          <a:fillRef idx="1">
+            <a:schemeClr val="accent1"/>
+          </a:fillRef>
+          <a:effectRef idx="0">
+            <a:schemeClr val="accent1"/>
+          </a:effectRef>
+          <a:fontRef idx="minor">
+            <a:schemeClr val="lt1"/>
+          </a:fontRef>
+        </p:style>
+        <p:txBody>
+          <a:bodyPr rtlCol="0" anchor="ctr"/>
+          <a:lstStyle/>
+          <a:p>
+            <a:pPr algn="ctr"/>
+            <a:endParaRPr lang="en-US"/>
           </a:p>
         </p:txBody>
       </p:sp>
@@ -16167,11 +16327,7 @@
             </a:r>
             <a:r>
               <a:rPr lang="en-US" dirty="0" smtClean="0"/>
-              <a:t>rectangles sequentially</a:t>
-            </a:r>
-            <a:r>
-              <a:rPr lang="en-US" dirty="0" smtClean="0"/>
-              <a:t>.</a:t>
+              <a:t>rectangles sequentially.</a:t>
             </a:r>
           </a:p>
           <a:p>
@@ -16653,6 +16809,86 @@
               <a:t>TEXT IN SLIDE</a:t>
             </a:r>
             <a:endParaRPr lang="en-US" sz="6000" b="1" dirty="0"/>
+          </a:p>
+        </p:txBody>
+      </p:sp>
+      <p:sp>
+        <p:nvSpPr>
+          <p:cNvPr id="16" name="Oval 1" hidden="1"/>
+          <p:cNvSpPr/>
+          <p:nvPr/>
+        </p:nvSpPr>
+        <p:spPr>
+          <a:xfrm>
+            <a:off x="302733" y="3184634"/>
+            <a:ext cx="4953000" cy="3505200"/>
+          </a:xfrm>
+          <a:prstGeom prst="ellipse">
+            <a:avLst/>
+          </a:prstGeom>
+        </p:spPr>
+        <p:style>
+          <a:lnRef idx="2">
+            <a:schemeClr val="accent1">
+              <a:shade val="50000"/>
+            </a:schemeClr>
+          </a:lnRef>
+          <a:fillRef idx="1">
+            <a:schemeClr val="accent1"/>
+          </a:fillRef>
+          <a:effectRef idx="0">
+            <a:schemeClr val="accent1"/>
+          </a:effectRef>
+          <a:fontRef idx="minor">
+            <a:schemeClr val="lt1"/>
+          </a:fontRef>
+        </p:style>
+        <p:txBody>
+          <a:bodyPr rtlCol="0" anchor="ctr"/>
+          <a:lstStyle/>
+          <a:p>
+            <a:pPr algn="ctr"/>
+            <a:endParaRPr lang="en-US"/>
+          </a:p>
+        </p:txBody>
+      </p:sp>
+      <p:sp>
+        <p:nvSpPr>
+          <p:cNvPr id="17" name="Oval 5" hidden="1"/>
+          <p:cNvSpPr/>
+          <p:nvPr/>
+        </p:nvSpPr>
+        <p:spPr>
+          <a:xfrm>
+            <a:off x="3962400" y="381000"/>
+            <a:ext cx="4953000" cy="3505200"/>
+          </a:xfrm>
+          <a:prstGeom prst="ellipse">
+            <a:avLst/>
+          </a:prstGeom>
+        </p:spPr>
+        <p:style>
+          <a:lnRef idx="2">
+            <a:schemeClr val="accent1">
+              <a:shade val="50000"/>
+            </a:schemeClr>
+          </a:lnRef>
+          <a:fillRef idx="1">
+            <a:schemeClr val="accent1"/>
+          </a:fillRef>
+          <a:effectRef idx="0">
+            <a:schemeClr val="accent1"/>
+          </a:effectRef>
+          <a:fontRef idx="minor">
+            <a:schemeClr val="lt1"/>
+          </a:fontRef>
+        </p:style>
+        <p:txBody>
+          <a:bodyPr rtlCol="0" anchor="ctr"/>
+          <a:lstStyle/>
+          <a:p>
+            <a:pPr algn="ctr"/>
+            <a:endParaRPr lang="en-US"/>
           </a:p>
         </p:txBody>
       </p:sp>
@@ -19033,11 +19269,11 @@
   <p:clrMapOvr>
     <a:masterClrMapping/>
   </p:clrMapOvr>
-  <mc:AlternateContent xmlns:mc="http://schemas.openxmlformats.org/markup-compatibility/2006">
-    <mc:Choice xmlns:p14="http://schemas.microsoft.com/office/powerpoint/2010/main" Requires="p14">
+  <mc:AlternateContent xmlns:mc="http://schemas.openxmlformats.org/markup-compatibility/2006" xmlns:p14="http://schemas.microsoft.com/office/powerpoint/2010/main">
+    <mc:Choice Requires="p14">
       <p:transition spd="slow" p14:dur="2000"/>
     </mc:Choice>
-    <mc:Fallback>
+    <mc:Fallback xmlns="">
       <p:transition spd="slow"/>
     </mc:Fallback>
   </mc:AlternateContent>
@@ -20568,11 +20804,7 @@
             </a:r>
             <a:r>
               <a:rPr lang="en-US" dirty="0" smtClean="0"/>
-              <a:t>rectangles sequentially</a:t>
-            </a:r>
-            <a:r>
-              <a:rPr lang="en-US" dirty="0" smtClean="0"/>
-              <a:t>.</a:t>
+              <a:t>rectangles sequentially.</a:t>
             </a:r>
           </a:p>
           <a:p>
@@ -21133,6 +21365,86 @@
               <a:t>TEXT IN SLIDE</a:t>
             </a:r>
             <a:endParaRPr lang="en-US" sz="6000" b="1" dirty="0"/>
+          </a:p>
+        </p:txBody>
+      </p:sp>
+      <p:sp>
+        <p:nvSpPr>
+          <p:cNvPr id="16" name="Oval 1" hidden="1"/>
+          <p:cNvSpPr/>
+          <p:nvPr/>
+        </p:nvSpPr>
+        <p:spPr>
+          <a:xfrm>
+            <a:off x="302733" y="3184634"/>
+            <a:ext cx="4953000" cy="3505200"/>
+          </a:xfrm>
+          <a:prstGeom prst="ellipse">
+            <a:avLst/>
+          </a:prstGeom>
+        </p:spPr>
+        <p:style>
+          <a:lnRef idx="2">
+            <a:schemeClr val="accent1">
+              <a:shade val="50000"/>
+            </a:schemeClr>
+          </a:lnRef>
+          <a:fillRef idx="1">
+            <a:schemeClr val="accent1"/>
+          </a:fillRef>
+          <a:effectRef idx="0">
+            <a:schemeClr val="accent1"/>
+          </a:effectRef>
+          <a:fontRef idx="minor">
+            <a:schemeClr val="lt1"/>
+          </a:fontRef>
+        </p:style>
+        <p:txBody>
+          <a:bodyPr rtlCol="0" anchor="ctr"/>
+          <a:lstStyle/>
+          <a:p>
+            <a:pPr algn="ctr"/>
+            <a:endParaRPr lang="en-US"/>
+          </a:p>
+        </p:txBody>
+      </p:sp>
+      <p:sp>
+        <p:nvSpPr>
+          <p:cNvPr id="17" name="Oval 5" hidden="1"/>
+          <p:cNvSpPr/>
+          <p:nvPr/>
+        </p:nvSpPr>
+        <p:spPr>
+          <a:xfrm>
+            <a:off x="3962400" y="381000"/>
+            <a:ext cx="4953000" cy="3505200"/>
+          </a:xfrm>
+          <a:prstGeom prst="ellipse">
+            <a:avLst/>
+          </a:prstGeom>
+        </p:spPr>
+        <p:style>
+          <a:lnRef idx="2">
+            <a:schemeClr val="accent1">
+              <a:shade val="50000"/>
+            </a:schemeClr>
+          </a:lnRef>
+          <a:fillRef idx="1">
+            <a:schemeClr val="accent1"/>
+          </a:fillRef>
+          <a:effectRef idx="0">
+            <a:schemeClr val="accent1"/>
+          </a:effectRef>
+          <a:fontRef idx="minor">
+            <a:schemeClr val="lt1"/>
+          </a:fontRef>
+        </p:style>
+        <p:txBody>
+          <a:bodyPr rtlCol="0" anchor="ctr"/>
+          <a:lstStyle/>
+          <a:p>
+            <a:pPr algn="ctr"/>
+            <a:endParaRPr lang="en-US"/>
           </a:p>
         </p:txBody>
       </p:sp>
@@ -22669,11 +22981,11 @@
   <p:clrMapOvr>
     <a:masterClrMapping/>
   </p:clrMapOvr>
-  <mc:AlternateContent xmlns:mc="http://schemas.openxmlformats.org/markup-compatibility/2006">
-    <mc:Choice xmlns:p14="http://schemas.microsoft.com/office/powerpoint/2010/main" Requires="p14">
+  <mc:AlternateContent xmlns:mc="http://schemas.openxmlformats.org/markup-compatibility/2006" xmlns:p14="http://schemas.microsoft.com/office/powerpoint/2010/main">
+    <mc:Choice Requires="p14">
       <p:transition spd="slow" p14:dur="2000" advClick="0" advTm="0"/>
     </mc:Choice>
-    <mc:Fallback>
+    <mc:Fallback xmlns="">
       <p:transition spd="slow" advClick="0" advTm="0"/>
     </mc:Fallback>
   </mc:AlternateContent>
@@ -23035,11 +23347,11 @@
   <p:clrMapOvr>
     <a:masterClrMapping/>
   </p:clrMapOvr>
-  <mc:AlternateContent xmlns:mc="http://schemas.openxmlformats.org/markup-compatibility/2006">
-    <mc:Choice xmlns:p14="http://schemas.microsoft.com/office/powerpoint/2010/main" Requires="p14">
+  <mc:AlternateContent xmlns:mc="http://schemas.openxmlformats.org/markup-compatibility/2006" xmlns:p14="http://schemas.microsoft.com/office/powerpoint/2010/main">
+    <mc:Choice Requires="p14">
       <p:transition spd="slow" p14:dur="2000"/>
     </mc:Choice>
-    <mc:Fallback>
+    <mc:Fallback xmlns="">
       <p:transition spd="slow"/>
     </mc:Fallback>
   </mc:AlternateContent>
@@ -23344,11 +23656,11 @@
   <p:clrMapOvr>
     <a:masterClrMapping/>
   </p:clrMapOvr>
-  <mc:AlternateContent xmlns:mc="http://schemas.openxmlformats.org/markup-compatibility/2006">
-    <mc:Choice xmlns:p14="http://schemas.microsoft.com/office/powerpoint/2010/main" Requires="p14">
+  <mc:AlternateContent xmlns:mc="http://schemas.openxmlformats.org/markup-compatibility/2006" xmlns:p14="http://schemas.microsoft.com/office/powerpoint/2010/main">
+    <mc:Choice Requires="p14">
       <p:transition spd="slow" p14:dur="2000" advClick="0" advTm="0"/>
     </mc:Choice>
-    <mc:Fallback>
+    <mc:Fallback xmlns="">
       <p:transition spd="slow" advClick="0" advTm="0"/>
     </mc:Fallback>
   </mc:AlternateContent>
@@ -23711,11 +24023,11 @@
   <p:clrMapOvr>
     <a:masterClrMapping/>
   </p:clrMapOvr>
-  <mc:AlternateContent xmlns:mc="http://schemas.openxmlformats.org/markup-compatibility/2006">
-    <mc:Choice xmlns:p14="http://schemas.microsoft.com/office/powerpoint/2010/main" Requires="p14">
+  <mc:AlternateContent xmlns:mc="http://schemas.openxmlformats.org/markup-compatibility/2006" xmlns:p14="http://schemas.microsoft.com/office/powerpoint/2010/main">
+    <mc:Choice Requires="p14">
       <p:transition spd="slow" p14:dur="2000"/>
     </mc:Choice>
-    <mc:Fallback>
+    <mc:Fallback xmlns="">
       <p:transition spd="slow"/>
     </mc:Fallback>
   </mc:AlternateContent>
@@ -24020,11 +24332,11 @@
   <p:clrMapOvr>
     <a:masterClrMapping/>
   </p:clrMapOvr>
-  <mc:AlternateContent xmlns:mc="http://schemas.openxmlformats.org/markup-compatibility/2006">
-    <mc:Choice xmlns:p14="http://schemas.microsoft.com/office/powerpoint/2010/main" Requires="p14">
+  <mc:AlternateContent xmlns:mc="http://schemas.openxmlformats.org/markup-compatibility/2006" xmlns:p14="http://schemas.microsoft.com/office/powerpoint/2010/main">
+    <mc:Choice Requires="p14">
       <p:transition spd="slow" p14:dur="2000" advClick="0" advTm="0"/>
     </mc:Choice>
-    <mc:Fallback>
+    <mc:Fallback xmlns="">
       <p:transition spd="slow" advClick="0" advTm="0"/>
     </mc:Fallback>
   </mc:AlternateContent>
@@ -24387,11 +24699,11 @@
   <p:clrMapOvr>
     <a:masterClrMapping/>
   </p:clrMapOvr>
-  <mc:AlternateContent xmlns:mc="http://schemas.openxmlformats.org/markup-compatibility/2006">
-    <mc:Choice xmlns:p14="http://schemas.microsoft.com/office/powerpoint/2010/main" Requires="p14">
+  <mc:AlternateContent xmlns:mc="http://schemas.openxmlformats.org/markup-compatibility/2006" xmlns:p14="http://schemas.microsoft.com/office/powerpoint/2010/main">
+    <mc:Choice Requires="p14">
       <p:transition spd="slow" p14:dur="2000"/>
     </mc:Choice>
-    <mc:Fallback>
+    <mc:Fallback xmlns="">
       <p:transition spd="slow"/>
     </mc:Fallback>
   </mc:AlternateContent>
@@ -24696,11 +25008,11 @@
   <p:clrMapOvr>
     <a:masterClrMapping/>
   </p:clrMapOvr>
-  <mc:AlternateContent xmlns:mc="http://schemas.openxmlformats.org/markup-compatibility/2006">
-    <mc:Choice xmlns:p14="http://schemas.microsoft.com/office/powerpoint/2010/main" Requires="p14">
+  <mc:AlternateContent xmlns:mc="http://schemas.openxmlformats.org/markup-compatibility/2006" xmlns:p14="http://schemas.microsoft.com/office/powerpoint/2010/main">
+    <mc:Choice Requires="p14">
       <p:transition spd="slow" p14:dur="2000" advClick="0" advTm="0"/>
     </mc:Choice>
-    <mc:Fallback>
+    <mc:Fallback xmlns="">
       <p:transition spd="slow" advClick="0" advTm="0"/>
     </mc:Fallback>
   </mc:AlternateContent>
@@ -25063,11 +25375,11 @@
   <p:clrMapOvr>
     <a:masterClrMapping/>
   </p:clrMapOvr>
-  <mc:AlternateContent xmlns:mc="http://schemas.openxmlformats.org/markup-compatibility/2006">
-    <mc:Choice xmlns:p14="http://schemas.microsoft.com/office/powerpoint/2010/main" Requires="p14">
+  <mc:AlternateContent xmlns:mc="http://schemas.openxmlformats.org/markup-compatibility/2006" xmlns:p14="http://schemas.microsoft.com/office/powerpoint/2010/main">
+    <mc:Choice Requires="p14">
       <p:transition spd="slow" p14:dur="2000"/>
     </mc:Choice>
-    <mc:Fallback>
+    <mc:Fallback xmlns="">
       <p:transition spd="slow"/>
     </mc:Fallback>
   </mc:AlternateContent>
@@ -25296,6 +25608,86 @@
           </a:p>
         </p:txBody>
       </p:sp>
+      <p:sp>
+        <p:nvSpPr>
+          <p:cNvPr id="2" name="Oval 1" hidden="1"/>
+          <p:cNvSpPr/>
+          <p:nvPr/>
+        </p:nvSpPr>
+        <p:spPr>
+          <a:xfrm>
+            <a:off x="302733" y="3184634"/>
+            <a:ext cx="4953000" cy="3505200"/>
+          </a:xfrm>
+          <a:prstGeom prst="ellipse">
+            <a:avLst/>
+          </a:prstGeom>
+        </p:spPr>
+        <p:style>
+          <a:lnRef idx="2">
+            <a:schemeClr val="accent1">
+              <a:shade val="50000"/>
+            </a:schemeClr>
+          </a:lnRef>
+          <a:fillRef idx="1">
+            <a:schemeClr val="accent1"/>
+          </a:fillRef>
+          <a:effectRef idx="0">
+            <a:schemeClr val="accent1"/>
+          </a:effectRef>
+          <a:fontRef idx="minor">
+            <a:schemeClr val="lt1"/>
+          </a:fontRef>
+        </p:style>
+        <p:txBody>
+          <a:bodyPr rtlCol="0" anchor="ctr"/>
+          <a:lstStyle/>
+          <a:p>
+            <a:pPr algn="ctr"/>
+            <a:endParaRPr lang="en-US"/>
+          </a:p>
+        </p:txBody>
+      </p:sp>
+      <p:sp>
+        <p:nvSpPr>
+          <p:cNvPr id="6" name="Oval 5" hidden="1"/>
+          <p:cNvSpPr/>
+          <p:nvPr/>
+        </p:nvSpPr>
+        <p:spPr>
+          <a:xfrm>
+            <a:off x="3962400" y="381000"/>
+            <a:ext cx="4953000" cy="3505200"/>
+          </a:xfrm>
+          <a:prstGeom prst="ellipse">
+            <a:avLst/>
+          </a:prstGeom>
+        </p:spPr>
+        <p:style>
+          <a:lnRef idx="2">
+            <a:schemeClr val="accent1">
+              <a:shade val="50000"/>
+            </a:schemeClr>
+          </a:lnRef>
+          <a:fillRef idx="1">
+            <a:schemeClr val="accent1"/>
+          </a:fillRef>
+          <a:effectRef idx="0">
+            <a:schemeClr val="accent1"/>
+          </a:effectRef>
+          <a:fontRef idx="minor">
+            <a:schemeClr val="lt1"/>
+          </a:fontRef>
+        </p:style>
+        <p:txBody>
+          <a:bodyPr rtlCol="0" anchor="ctr"/>
+          <a:lstStyle/>
+          <a:p>
+            <a:pPr algn="ctr"/>
+            <a:endParaRPr lang="en-US"/>
+          </a:p>
+        </p:txBody>
+      </p:sp>
     </p:spTree>
     <p:extLst>
       <p:ext uri="{BB962C8B-B14F-4D97-AF65-F5344CB8AC3E}">
@@ -25611,11 +26003,11 @@
   <p:clrMapOvr>
     <a:masterClrMapping/>
   </p:clrMapOvr>
-  <mc:AlternateContent xmlns:mc="http://schemas.openxmlformats.org/markup-compatibility/2006">
-    <mc:Choice xmlns:p14="http://schemas.microsoft.com/office/powerpoint/2010/main" Requires="p14">
+  <mc:AlternateContent xmlns:mc="http://schemas.openxmlformats.org/markup-compatibility/2006" xmlns:p14="http://schemas.microsoft.com/office/powerpoint/2010/main">
+    <mc:Choice Requires="p14">
       <p:transition spd="slow" p14:dur="2000"/>
     </mc:Choice>
-    <mc:Fallback>
+    <mc:Fallback xmlns="">
       <p:transition spd="slow"/>
     </mc:Fallback>
   </mc:AlternateContent>
@@ -25944,11 +26336,7 @@
             </a:r>
             <a:r>
               <a:rPr lang="en-US" dirty="0" smtClean="0"/>
-              <a:t>rectangles sequentially</a:t>
-            </a:r>
-            <a:r>
-              <a:rPr lang="en-US" dirty="0" smtClean="0"/>
-              <a:t>.</a:t>
+              <a:t>rectangles sequentially.</a:t>
             </a:r>
           </a:p>
           <a:p>
@@ -26430,6 +26818,86 @@
               <a:t>TEXT IN SLIDE</a:t>
             </a:r>
             <a:endParaRPr lang="en-US" sz="6000" b="1" dirty="0"/>
+          </a:p>
+        </p:txBody>
+      </p:sp>
+      <p:sp>
+        <p:nvSpPr>
+          <p:cNvPr id="16" name="Oval 1" hidden="1"/>
+          <p:cNvSpPr/>
+          <p:nvPr/>
+        </p:nvSpPr>
+        <p:spPr>
+          <a:xfrm>
+            <a:off x="302733" y="3184634"/>
+            <a:ext cx="4953000" cy="3505200"/>
+          </a:xfrm>
+          <a:prstGeom prst="ellipse">
+            <a:avLst/>
+          </a:prstGeom>
+        </p:spPr>
+        <p:style>
+          <a:lnRef idx="2">
+            <a:schemeClr val="accent1">
+              <a:shade val="50000"/>
+            </a:schemeClr>
+          </a:lnRef>
+          <a:fillRef idx="1">
+            <a:schemeClr val="accent1"/>
+          </a:fillRef>
+          <a:effectRef idx="0">
+            <a:schemeClr val="accent1"/>
+          </a:effectRef>
+          <a:fontRef idx="minor">
+            <a:schemeClr val="lt1"/>
+          </a:fontRef>
+        </p:style>
+        <p:txBody>
+          <a:bodyPr rtlCol="0" anchor="ctr"/>
+          <a:lstStyle/>
+          <a:p>
+            <a:pPr algn="ctr"/>
+            <a:endParaRPr lang="en-US"/>
+          </a:p>
+        </p:txBody>
+      </p:sp>
+      <p:sp>
+        <p:nvSpPr>
+          <p:cNvPr id="17" name="Oval 5" hidden="1"/>
+          <p:cNvSpPr/>
+          <p:nvPr/>
+        </p:nvSpPr>
+        <p:spPr>
+          <a:xfrm>
+            <a:off x="3962400" y="381000"/>
+            <a:ext cx="4953000" cy="3505200"/>
+          </a:xfrm>
+          <a:prstGeom prst="ellipse">
+            <a:avLst/>
+          </a:prstGeom>
+        </p:spPr>
+        <p:style>
+          <a:lnRef idx="2">
+            <a:schemeClr val="accent1">
+              <a:shade val="50000"/>
+            </a:schemeClr>
+          </a:lnRef>
+          <a:fillRef idx="1">
+            <a:schemeClr val="accent1"/>
+          </a:fillRef>
+          <a:effectRef idx="0">
+            <a:schemeClr val="accent1"/>
+          </a:effectRef>
+          <a:fontRef idx="minor">
+            <a:schemeClr val="lt1"/>
+          </a:fontRef>
+        </p:style>
+        <p:txBody>
+          <a:bodyPr rtlCol="0" anchor="ctr"/>
+          <a:lstStyle/>
+          <a:p>
+            <a:pPr algn="ctr"/>
+            <a:endParaRPr lang="en-US"/>
           </a:p>
         </p:txBody>
       </p:sp>
@@ -28746,11 +29214,11 @@
   <p:clrMapOvr>
     <a:masterClrMapping/>
   </p:clrMapOvr>
-  <mc:AlternateContent xmlns:mc="http://schemas.openxmlformats.org/markup-compatibility/2006">
-    <mc:Choice xmlns:p14="http://schemas.microsoft.com/office/powerpoint/2010/main" Requires="p14">
+  <mc:AlternateContent xmlns:mc="http://schemas.openxmlformats.org/markup-compatibility/2006" xmlns:p14="http://schemas.microsoft.com/office/powerpoint/2010/main">
+    <mc:Choice Requires="p14">
       <p:transition spd="slow" p14:dur="2000"/>
     </mc:Choice>
-    <mc:Fallback>
+    <mc:Fallback xmlns="">
       <p:transition spd="slow"/>
     </mc:Fallback>
   </mc:AlternateContent>
@@ -31712,11 +32180,7 @@
           <a:p>
             <a:r>
               <a:rPr lang="en-US" dirty="0" smtClean="0"/>
-              <a:t>Zoom to Area:: Single </a:t>
-            </a:r>
-            <a:r>
-              <a:rPr lang="en-US" dirty="0" smtClean="0"/>
-              <a:t>Shape</a:t>
+              <a:t>Zoom to Area:: Single Shape</a:t>
             </a:r>
             <a:endParaRPr lang="en-SG" dirty="0"/>
           </a:p>

--- a/doc/test/ZoomToArea.pptx
+++ b/doc/test/ZoomToArea.pptx
@@ -11,46 +11,46 @@
     <p:sldId id="256" r:id="rId5"/>
     <p:sldId id="320" r:id="rId6"/>
     <p:sldId id="321" r:id="rId7"/>
-    <p:sldId id="300" r:id="rId8"/>
-    <p:sldId id="301" r:id="rId9"/>
-    <p:sldId id="302" r:id="rId10"/>
-    <p:sldId id="303" r:id="rId11"/>
+    <p:sldId id="377" r:id="rId8"/>
+    <p:sldId id="378" r:id="rId9"/>
+    <p:sldId id="379" r:id="rId10"/>
+    <p:sldId id="380" r:id="rId11"/>
     <p:sldId id="292" r:id="rId12"/>
     <p:sldId id="293" r:id="rId13"/>
-    <p:sldId id="343" r:id="rId14"/>
-    <p:sldId id="344" r:id="rId15"/>
+    <p:sldId id="375" r:id="rId14"/>
+    <p:sldId id="376" r:id="rId15"/>
     <p:sldId id="296" r:id="rId16"/>
-    <p:sldId id="297" r:id="rId17"/>
-    <p:sldId id="305" r:id="rId18"/>
-    <p:sldId id="306" r:id="rId19"/>
-    <p:sldId id="307" r:id="rId20"/>
-    <p:sldId id="310" r:id="rId21"/>
-    <p:sldId id="309" r:id="rId22"/>
-    <p:sldId id="313" r:id="rId23"/>
-    <p:sldId id="312" r:id="rId24"/>
-    <p:sldId id="316" r:id="rId25"/>
-    <p:sldId id="315" r:id="rId26"/>
-    <p:sldId id="317" r:id="rId27"/>
+    <p:sldId id="374" r:id="rId17"/>
+    <p:sldId id="297" r:id="rId18"/>
+    <p:sldId id="362" r:id="rId19"/>
+    <p:sldId id="363" r:id="rId20"/>
+    <p:sldId id="366" r:id="rId21"/>
+    <p:sldId id="365" r:id="rId22"/>
+    <p:sldId id="369" r:id="rId23"/>
+    <p:sldId id="368" r:id="rId24"/>
+    <p:sldId id="372" r:id="rId25"/>
+    <p:sldId id="371" r:id="rId26"/>
+    <p:sldId id="373" r:id="rId27"/>
     <p:sldId id="318" r:id="rId28"/>
     <p:sldId id="319" r:id="rId29"/>
-    <p:sldId id="326" r:id="rId30"/>
-    <p:sldId id="342" r:id="rId31"/>
+    <p:sldId id="360" r:id="rId30"/>
+    <p:sldId id="361" r:id="rId31"/>
     <p:sldId id="324" r:id="rId32"/>
     <p:sldId id="325" r:id="rId33"/>
-    <p:sldId id="327" r:id="rId34"/>
-    <p:sldId id="330" r:id="rId35"/>
-    <p:sldId id="331" r:id="rId36"/>
-    <p:sldId id="334" r:id="rId37"/>
-    <p:sldId id="333" r:id="rId38"/>
-    <p:sldId id="337" r:id="rId39"/>
-    <p:sldId id="336" r:id="rId40"/>
-    <p:sldId id="340" r:id="rId41"/>
-    <p:sldId id="339" r:id="rId42"/>
-    <p:sldId id="341" r:id="rId43"/>
+    <p:sldId id="347" r:id="rId34"/>
+    <p:sldId id="348" r:id="rId35"/>
+    <p:sldId id="349" r:id="rId36"/>
+    <p:sldId id="352" r:id="rId37"/>
+    <p:sldId id="351" r:id="rId38"/>
+    <p:sldId id="355" r:id="rId39"/>
+    <p:sldId id="354" r:id="rId40"/>
+    <p:sldId id="358" r:id="rId41"/>
+    <p:sldId id="357" r:id="rId42"/>
+    <p:sldId id="359" r:id="rId43"/>
     <p:sldId id="322" r:id="rId44"/>
     <p:sldId id="323" r:id="rId45"/>
-    <p:sldId id="328" r:id="rId46"/>
-    <p:sldId id="329" r:id="rId47"/>
+    <p:sldId id="345" r:id="rId46"/>
+    <p:sldId id="346" r:id="rId47"/>
     <p:sldId id="304" r:id="rId48"/>
   </p:sldIdLst>
   <p:sldSz cx="9144000" cy="6858000" type="screen4x3"/>
@@ -163,53 +163,53 @@
             <p14:sldId id="256"/>
             <p14:sldId id="320"/>
             <p14:sldId id="321"/>
-            <p14:sldId id="300"/>
-            <p14:sldId id="301"/>
-            <p14:sldId id="302"/>
-            <p14:sldId id="303"/>
+            <p14:sldId id="377"/>
+            <p14:sldId id="378"/>
+            <p14:sldId id="379"/>
+            <p14:sldId id="380"/>
             <p14:sldId id="292"/>
             <p14:sldId id="293"/>
-            <p14:sldId id="343"/>
-            <p14:sldId id="344"/>
+            <p14:sldId id="375"/>
+            <p14:sldId id="376"/>
             <p14:sldId id="296"/>
+            <p14:sldId id="374"/>
             <p14:sldId id="297"/>
-            <p14:sldId id="305"/>
-            <p14:sldId id="306"/>
-            <p14:sldId id="307"/>
-            <p14:sldId id="310"/>
-            <p14:sldId id="309"/>
-            <p14:sldId id="313"/>
-            <p14:sldId id="312"/>
-            <p14:sldId id="316"/>
-            <p14:sldId id="315"/>
-            <p14:sldId id="317"/>
+            <p14:sldId id="362"/>
+            <p14:sldId id="363"/>
+            <p14:sldId id="366"/>
+            <p14:sldId id="365"/>
+            <p14:sldId id="369"/>
+            <p14:sldId id="368"/>
+            <p14:sldId id="372"/>
+            <p14:sldId id="371"/>
+            <p14:sldId id="373"/>
             <p14:sldId id="318"/>
             <p14:sldId id="319"/>
-            <p14:sldId id="326"/>
-            <p14:sldId id="342"/>
+            <p14:sldId id="360"/>
+            <p14:sldId id="361"/>
             <p14:sldId id="324"/>
             <p14:sldId id="325"/>
-            <p14:sldId id="327"/>
-            <p14:sldId id="330"/>
-            <p14:sldId id="331"/>
-            <p14:sldId id="334"/>
-            <p14:sldId id="333"/>
-            <p14:sldId id="337"/>
-            <p14:sldId id="336"/>
-            <p14:sldId id="340"/>
-            <p14:sldId id="339"/>
-            <p14:sldId id="341"/>
+            <p14:sldId id="347"/>
+            <p14:sldId id="348"/>
+            <p14:sldId id="349"/>
+            <p14:sldId id="352"/>
+            <p14:sldId id="351"/>
+            <p14:sldId id="355"/>
+            <p14:sldId id="354"/>
+            <p14:sldId id="358"/>
+            <p14:sldId id="357"/>
+            <p14:sldId id="359"/>
             <p14:sldId id="322"/>
             <p14:sldId id="323"/>
-            <p14:sldId id="328"/>
-            <p14:sldId id="329"/>
+            <p14:sldId id="345"/>
+            <p14:sldId id="346"/>
             <p14:sldId id="304"/>
           </p14:sldIdLst>
         </p14:section>
       </p14:sectionLst>
     </p:ext>
     <p:ext uri="{EFAFB233-063F-42B5-8137-9DF3F51BA10A}">
-      <p15:sldGuideLst xmlns:p15="http://schemas.microsoft.com/office/powerpoint/2012/main" xmlns="">
+      <p15:sldGuideLst xmlns:p15="http://schemas.microsoft.com/office/powerpoint/2012/main">
         <p15:guide id="1" orient="horz" pos="2160">
           <p15:clr>
             <a:srgbClr val="A4A3A4"/>
@@ -407,7 +407,7 @@
           <a:p>
             <a:fld id="{699DC775-C286-4358-8C92-D7E584E969B3}" type="datetimeFigureOut">
               <a:rPr lang="en-US" smtClean="0"/>
-              <a:t>26-Jun-15</a:t>
+              <a:t>5/11/2017</a:t>
             </a:fld>
             <a:endParaRPr lang="en-US"/>
           </a:p>
@@ -577,7 +577,7 @@
           <a:p>
             <a:fld id="{699DC775-C286-4358-8C92-D7E584E969B3}" type="datetimeFigureOut">
               <a:rPr lang="en-US" smtClean="0"/>
-              <a:t>26-Jun-15</a:t>
+              <a:t>5/11/2017</a:t>
             </a:fld>
             <a:endParaRPr lang="en-US"/>
           </a:p>
@@ -757,7 +757,7 @@
           <a:p>
             <a:fld id="{699DC775-C286-4358-8C92-D7E584E969B3}" type="datetimeFigureOut">
               <a:rPr lang="en-US" smtClean="0"/>
-              <a:t>26-Jun-15</a:t>
+              <a:t>5/11/2017</a:t>
             </a:fld>
             <a:endParaRPr lang="en-US"/>
           </a:p>
@@ -999,7 +999,7 @@
           <a:p>
             <a:fld id="{699DC775-C286-4358-8C92-D7E584E969B3}" type="datetimeFigureOut">
               <a:rPr lang="en-US" smtClean="0"/>
-              <a:t>26-Jun-15</a:t>
+              <a:t>5/11/2017</a:t>
             </a:fld>
             <a:endParaRPr lang="en-US"/>
           </a:p>
@@ -1169,7 +1169,7 @@
           <a:p>
             <a:fld id="{699DC775-C286-4358-8C92-D7E584E969B3}" type="datetimeFigureOut">
               <a:rPr lang="en-US" smtClean="0"/>
-              <a:t>26-Jun-15</a:t>
+              <a:t>5/11/2017</a:t>
             </a:fld>
             <a:endParaRPr lang="en-US"/>
           </a:p>
@@ -1415,7 +1415,7 @@
           <a:p>
             <a:fld id="{699DC775-C286-4358-8C92-D7E584E969B3}" type="datetimeFigureOut">
               <a:rPr lang="en-US" smtClean="0"/>
-              <a:t>26-Jun-15</a:t>
+              <a:t>5/11/2017</a:t>
             </a:fld>
             <a:endParaRPr lang="en-US"/>
           </a:p>
@@ -1703,7 +1703,7 @@
           <a:p>
             <a:fld id="{699DC775-C286-4358-8C92-D7E584E969B3}" type="datetimeFigureOut">
               <a:rPr lang="en-US" smtClean="0"/>
-              <a:t>26-Jun-15</a:t>
+              <a:t>5/11/2017</a:t>
             </a:fld>
             <a:endParaRPr lang="en-US"/>
           </a:p>
@@ -2125,7 +2125,7 @@
           <a:p>
             <a:fld id="{699DC775-C286-4358-8C92-D7E584E969B3}" type="datetimeFigureOut">
               <a:rPr lang="en-US" smtClean="0"/>
-              <a:t>26-Jun-15</a:t>
+              <a:t>5/11/2017</a:t>
             </a:fld>
             <a:endParaRPr lang="en-US"/>
           </a:p>
@@ -2243,7 +2243,7 @@
           <a:p>
             <a:fld id="{699DC775-C286-4358-8C92-D7E584E969B3}" type="datetimeFigureOut">
               <a:rPr lang="en-US" smtClean="0"/>
-              <a:t>26-Jun-15</a:t>
+              <a:t>5/11/2017</a:t>
             </a:fld>
             <a:endParaRPr lang="en-US"/>
           </a:p>
@@ -2338,7 +2338,7 @@
           <a:p>
             <a:fld id="{699DC775-C286-4358-8C92-D7E584E969B3}" type="datetimeFigureOut">
               <a:rPr lang="en-US" smtClean="0"/>
-              <a:t>26-Jun-15</a:t>
+              <a:t>5/11/2017</a:t>
             </a:fld>
             <a:endParaRPr lang="en-US"/>
           </a:p>
@@ -2615,7 +2615,7 @@
           <a:p>
             <a:fld id="{699DC775-C286-4358-8C92-D7E584E969B3}" type="datetimeFigureOut">
               <a:rPr lang="en-US" smtClean="0"/>
-              <a:t>26-Jun-15</a:t>
+              <a:t>5/11/2017</a:t>
             </a:fld>
             <a:endParaRPr lang="en-US"/>
           </a:p>
@@ -2785,7 +2785,7 @@
           <a:p>
             <a:fld id="{699DC775-C286-4358-8C92-D7E584E969B3}" type="datetimeFigureOut">
               <a:rPr lang="en-US" smtClean="0"/>
-              <a:t>26-Jun-15</a:t>
+              <a:t>5/11/2017</a:t>
             </a:fld>
             <a:endParaRPr lang="en-US"/>
           </a:p>
@@ -3038,7 +3038,7 @@
           <a:p>
             <a:fld id="{699DC775-C286-4358-8C92-D7E584E969B3}" type="datetimeFigureOut">
               <a:rPr lang="en-US" smtClean="0"/>
-              <a:t>26-Jun-15</a:t>
+              <a:t>5/11/2017</a:t>
             </a:fld>
             <a:endParaRPr lang="en-US"/>
           </a:p>
@@ -3208,7 +3208,7 @@
           <a:p>
             <a:fld id="{699DC775-C286-4358-8C92-D7E584E969B3}" type="datetimeFigureOut">
               <a:rPr lang="en-US" smtClean="0"/>
-              <a:t>26-Jun-15</a:t>
+              <a:t>5/11/2017</a:t>
             </a:fld>
             <a:endParaRPr lang="en-US"/>
           </a:p>
@@ -3388,7 +3388,7 @@
           <a:p>
             <a:fld id="{699DC775-C286-4358-8C92-D7E584E969B3}" type="datetimeFigureOut">
               <a:rPr lang="en-US" smtClean="0"/>
-              <a:t>26-Jun-15</a:t>
+              <a:t>5/11/2017</a:t>
             </a:fld>
             <a:endParaRPr lang="en-US"/>
           </a:p>
@@ -3638,7 +3638,7 @@
           <a:p>
             <a:fld id="{699DC775-C286-4358-8C92-D7E584E969B3}" type="datetimeFigureOut">
               <a:rPr lang="en-US" smtClean="0"/>
-              <a:t>26-Jun-15</a:t>
+              <a:t>5/11/2017</a:t>
             </a:fld>
             <a:endParaRPr lang="en-US"/>
           </a:p>
@@ -3816,7 +3816,7 @@
           <a:p>
             <a:fld id="{699DC775-C286-4358-8C92-D7E584E969B3}" type="datetimeFigureOut">
               <a:rPr lang="en-US" smtClean="0"/>
-              <a:t>26-Jun-15</a:t>
+              <a:t>5/11/2017</a:t>
             </a:fld>
             <a:endParaRPr lang="en-US"/>
           </a:p>
@@ -4070,7 +4070,7 @@
           <a:p>
             <a:fld id="{699DC775-C286-4358-8C92-D7E584E969B3}" type="datetimeFigureOut">
               <a:rPr lang="en-US" smtClean="0"/>
-              <a:t>26-Jun-15</a:t>
+              <a:t>5/11/2017</a:t>
             </a:fld>
             <a:endParaRPr lang="en-US"/>
           </a:p>
@@ -4366,7 +4366,7 @@
           <a:p>
             <a:fld id="{699DC775-C286-4358-8C92-D7E584E969B3}" type="datetimeFigureOut">
               <a:rPr lang="en-US" smtClean="0"/>
-              <a:t>26-Jun-15</a:t>
+              <a:t>5/11/2017</a:t>
             </a:fld>
             <a:endParaRPr lang="en-US"/>
           </a:p>
@@ -4796,7 +4796,7 @@
           <a:p>
             <a:fld id="{699DC775-C286-4358-8C92-D7E584E969B3}" type="datetimeFigureOut">
               <a:rPr lang="en-US" smtClean="0"/>
-              <a:t>26-Jun-15</a:t>
+              <a:t>5/11/2017</a:t>
             </a:fld>
             <a:endParaRPr lang="en-US"/>
           </a:p>
@@ -4922,7 +4922,7 @@
           <a:p>
             <a:fld id="{699DC775-C286-4358-8C92-D7E584E969B3}" type="datetimeFigureOut">
               <a:rPr lang="en-US" smtClean="0"/>
-              <a:t>26-Jun-15</a:t>
+              <a:t>5/11/2017</a:t>
             </a:fld>
             <a:endParaRPr lang="en-US"/>
           </a:p>
@@ -5025,7 +5025,7 @@
           <a:p>
             <a:fld id="{699DC775-C286-4358-8C92-D7E584E969B3}" type="datetimeFigureOut">
               <a:rPr lang="en-US" smtClean="0"/>
-              <a:t>26-Jun-15</a:t>
+              <a:t>5/11/2017</a:t>
             </a:fld>
             <a:endParaRPr lang="en-US"/>
           </a:p>
@@ -5271,7 +5271,7 @@
           <a:p>
             <a:fld id="{699DC775-C286-4358-8C92-D7E584E969B3}" type="datetimeFigureOut">
               <a:rPr lang="en-US" smtClean="0"/>
-              <a:t>26-Jun-15</a:t>
+              <a:t>5/11/2017</a:t>
             </a:fld>
             <a:endParaRPr lang="en-US"/>
           </a:p>
@@ -5556,7 +5556,7 @@
           <a:p>
             <a:fld id="{699DC775-C286-4358-8C92-D7E584E969B3}" type="datetimeFigureOut">
               <a:rPr lang="en-US" smtClean="0"/>
-              <a:t>26-Jun-15</a:t>
+              <a:t>5/11/2017</a:t>
             </a:fld>
             <a:endParaRPr lang="en-US"/>
           </a:p>
@@ -5817,7 +5817,7 @@
           <a:p>
             <a:fld id="{699DC775-C286-4358-8C92-D7E584E969B3}" type="datetimeFigureOut">
               <a:rPr lang="en-US" smtClean="0"/>
-              <a:t>26-Jun-15</a:t>
+              <a:t>5/11/2017</a:t>
             </a:fld>
             <a:endParaRPr lang="en-US"/>
           </a:p>
@@ -5995,7 +5995,7 @@
           <a:p>
             <a:fld id="{699DC775-C286-4358-8C92-D7E584E969B3}" type="datetimeFigureOut">
               <a:rPr lang="en-US" smtClean="0"/>
-              <a:t>26-Jun-15</a:t>
+              <a:t>5/11/2017</a:t>
             </a:fld>
             <a:endParaRPr lang="en-US"/>
           </a:p>
@@ -6183,7 +6183,7 @@
           <a:p>
             <a:fld id="{699DC775-C286-4358-8C92-D7E584E969B3}" type="datetimeFigureOut">
               <a:rPr lang="en-US" smtClean="0"/>
-              <a:t>26-Jun-15</a:t>
+              <a:t>5/11/2017</a:t>
             </a:fld>
             <a:endParaRPr lang="en-US"/>
           </a:p>
@@ -6471,7 +6471,7 @@
           <a:p>
             <a:fld id="{699DC775-C286-4358-8C92-D7E584E969B3}" type="datetimeFigureOut">
               <a:rPr lang="en-US" smtClean="0"/>
-              <a:t>26-Jun-15</a:t>
+              <a:t>5/11/2017</a:t>
             </a:fld>
             <a:endParaRPr lang="en-US"/>
           </a:p>
@@ -6893,7 +6893,7 @@
           <a:p>
             <a:fld id="{699DC775-C286-4358-8C92-D7E584E969B3}" type="datetimeFigureOut">
               <a:rPr lang="en-US" smtClean="0"/>
-              <a:t>26-Jun-15</a:t>
+              <a:t>5/11/2017</a:t>
             </a:fld>
             <a:endParaRPr lang="en-US"/>
           </a:p>
@@ -7011,7 +7011,7 @@
           <a:p>
             <a:fld id="{699DC775-C286-4358-8C92-D7E584E969B3}" type="datetimeFigureOut">
               <a:rPr lang="en-US" smtClean="0"/>
-              <a:t>26-Jun-15</a:t>
+              <a:t>5/11/2017</a:t>
             </a:fld>
             <a:endParaRPr lang="en-US"/>
           </a:p>
@@ -7106,7 +7106,7 @@
           <a:p>
             <a:fld id="{699DC775-C286-4358-8C92-D7E584E969B3}" type="datetimeFigureOut">
               <a:rPr lang="en-US" smtClean="0"/>
-              <a:t>26-Jun-15</a:t>
+              <a:t>5/11/2017</a:t>
             </a:fld>
             <a:endParaRPr lang="en-US"/>
           </a:p>
@@ -7383,7 +7383,7 @@
           <a:p>
             <a:fld id="{699DC775-C286-4358-8C92-D7E584E969B3}" type="datetimeFigureOut">
               <a:rPr lang="en-US" smtClean="0"/>
-              <a:t>26-Jun-15</a:t>
+              <a:t>5/11/2017</a:t>
             </a:fld>
             <a:endParaRPr lang="en-US"/>
           </a:p>
@@ -7636,7 +7636,7 @@
           <a:p>
             <a:fld id="{699DC775-C286-4358-8C92-D7E584E969B3}" type="datetimeFigureOut">
               <a:rPr lang="en-US" smtClean="0"/>
-              <a:t>26-Jun-15</a:t>
+              <a:t>5/11/2017</a:t>
             </a:fld>
             <a:endParaRPr lang="en-US"/>
           </a:p>
@@ -7849,7 +7849,7 @@
           <a:p>
             <a:fld id="{699DC775-C286-4358-8C92-D7E584E969B3}" type="datetimeFigureOut">
               <a:rPr lang="en-US" smtClean="0"/>
-              <a:t>26-Jun-15</a:t>
+              <a:t>5/11/2017</a:t>
             </a:fld>
             <a:endParaRPr lang="en-US"/>
           </a:p>
@@ -8364,7 +8364,7 @@
           <a:p>
             <a:fld id="{699DC775-C286-4358-8C92-D7E584E969B3}" type="datetimeFigureOut">
               <a:rPr lang="en-US" smtClean="0"/>
-              <a:t>26-Jun-15</a:t>
+              <a:t>5/11/2017</a:t>
             </a:fld>
             <a:endParaRPr lang="en-US"/>
           </a:p>
@@ -8877,7 +8877,7 @@
           <a:p>
             <a:fld id="{699DC775-C286-4358-8C92-D7E584E969B3}" type="datetimeFigureOut">
               <a:rPr lang="en-US" smtClean="0"/>
-              <a:t>26-Jun-15</a:t>
+              <a:t>5/11/2017</a:t>
             </a:fld>
             <a:endParaRPr lang="en-US"/>
           </a:p>
@@ -9748,7 +9748,7 @@
 
 <file path=ppt/slides/slide11.xml><?xml version="1.0" encoding="utf-8"?>
 <p:sld xmlns:a="http://schemas.openxmlformats.org/drawingml/2006/main" xmlns:r="http://schemas.openxmlformats.org/officeDocument/2006/relationships" xmlns:p="http://schemas.openxmlformats.org/presentationml/2006/main">
-  <p:cSld name="PPTLabsZoomToAreaSlide201506261604350671">
+  <p:cSld name="PPTLabsZoomToAreaSlide201705111431580867">
     <p:bg>
       <p:bgPr>
         <a:solidFill>
@@ -9819,7 +9819,87 @@
       </p:pic>
       <p:sp>
         <p:nvSpPr>
-          <p:cNvPr id="2" name="PPTLabsMagnifyShape201506261604350711"/>
+          <p:cNvPr id="6" name="Oval 1" hidden="1"/>
+          <p:cNvSpPr/>
+          <p:nvPr/>
+        </p:nvSpPr>
+        <p:spPr>
+          <a:xfrm>
+            <a:off x="302733" y="3184634"/>
+            <a:ext cx="4953000" cy="3505200"/>
+          </a:xfrm>
+          <a:prstGeom prst="ellipse">
+            <a:avLst/>
+          </a:prstGeom>
+        </p:spPr>
+        <p:style>
+          <a:lnRef idx="2">
+            <a:schemeClr val="accent1">
+              <a:shade val="50000"/>
+            </a:schemeClr>
+          </a:lnRef>
+          <a:fillRef idx="1">
+            <a:schemeClr val="accent1"/>
+          </a:fillRef>
+          <a:effectRef idx="0">
+            <a:schemeClr val="accent1"/>
+          </a:effectRef>
+          <a:fontRef idx="minor">
+            <a:schemeClr val="lt1"/>
+          </a:fontRef>
+        </p:style>
+        <p:txBody>
+          <a:bodyPr rtlCol="0" anchor="ctr"/>
+          <a:lstStyle/>
+          <a:p>
+            <a:pPr algn="ctr"/>
+            <a:endParaRPr lang="en-US"/>
+          </a:p>
+        </p:txBody>
+      </p:sp>
+      <p:sp>
+        <p:nvSpPr>
+          <p:cNvPr id="7" name="Oval 5" hidden="1"/>
+          <p:cNvSpPr/>
+          <p:nvPr/>
+        </p:nvSpPr>
+        <p:spPr>
+          <a:xfrm>
+            <a:off x="3962400" y="381000"/>
+            <a:ext cx="4953000" cy="3505200"/>
+          </a:xfrm>
+          <a:prstGeom prst="ellipse">
+            <a:avLst/>
+          </a:prstGeom>
+        </p:spPr>
+        <p:style>
+          <a:lnRef idx="2">
+            <a:schemeClr val="accent1">
+              <a:shade val="50000"/>
+            </a:schemeClr>
+          </a:lnRef>
+          <a:fillRef idx="1">
+            <a:schemeClr val="accent1"/>
+          </a:fillRef>
+          <a:effectRef idx="0">
+            <a:schemeClr val="accent1"/>
+          </a:effectRef>
+          <a:fontRef idx="minor">
+            <a:schemeClr val="lt1"/>
+          </a:fontRef>
+        </p:style>
+        <p:txBody>
+          <a:bodyPr rtlCol="0" anchor="ctr"/>
+          <a:lstStyle/>
+          <a:p>
+            <a:pPr algn="ctr"/>
+            <a:endParaRPr lang="en-US"/>
+          </a:p>
+        </p:txBody>
+      </p:sp>
+      <p:sp>
+        <p:nvSpPr>
+          <p:cNvPr id="2" name="PPTLabsMagnifyShape201705111431580947"/>
           <p:cNvSpPr/>
           <p:nvPr/>
         </p:nvSpPr>
@@ -9884,7 +9964,7 @@
     </p:spTree>
     <p:extLst>
       <p:ext uri="{BB962C8B-B14F-4D97-AF65-F5344CB8AC3E}">
-        <p14:creationId xmlns:p14="http://schemas.microsoft.com/office/powerpoint/2010/main" val="893296094"/>
+        <p14:creationId xmlns:p14="http://schemas.microsoft.com/office/powerpoint/2010/main" val="3935905690"/>
       </p:ext>
     </p:extLst>
   </p:cSld>
@@ -10013,7 +10093,7 @@
 
 <file path=ppt/slides/slide12.xml><?xml version="1.0" encoding="utf-8"?>
 <p:sld xmlns:a="http://schemas.openxmlformats.org/drawingml/2006/main" xmlns:r="http://schemas.openxmlformats.org/officeDocument/2006/relationships" xmlns:p="http://schemas.openxmlformats.org/presentationml/2006/main">
-  <p:cSld name="PPTLabsMagnifyingSlide201506261604350881">
+  <p:cSld name="PPTLabsMagnifyingSlide201705111431581228">
     <p:bg>
       <p:bgPr>
         <a:solidFill>
@@ -10038,7 +10118,7 @@
       </p:grpSpPr>
       <p:pic>
         <p:nvPicPr>
-          <p:cNvPr id="10" name="Picture 3" descr="File:AmineTreating.png"/>
+          <p:cNvPr id="12" name="Picture 3" descr="File:AmineTreating.png"/>
           <p:cNvPicPr>
             <a:picLocks noChangeAspect="1" noChangeArrowheads="1"/>
           </p:cNvPicPr>
@@ -10084,130 +10164,52 @@
       </p:pic>
       <p:pic>
         <p:nvPicPr>
-          <p:cNvPr id="11" name="PPTLabsMagnifyAreaGroup201506261604353611"/>
+          <p:cNvPr id="13" name="PPTLabsMagnifyAreaGroup201705111431584090"/>
           <p:cNvPicPr>
-            <a:picLocks noChangeArrowheads="1"/>
+            <a:picLocks/>
           </p:cNvPicPr>
           <p:nvPr/>
         </p:nvPicPr>
         <p:blipFill>
-          <a:blip r:embed="rId3">
-            <a:extLst>
-              <a:ext uri="{28A0092B-C50C-407E-A947-70E740481C1C}">
-                <a14:useLocalDpi xmlns:a14="http://schemas.microsoft.com/office/drawing/2010/main" val="0"/>
-              </a:ext>
-            </a:extLst>
-          </a:blip>
+          <a:blip r:embed="rId3"/>
           <a:srcRect l="12499" t="10648" r="51707" b="53559"/>
           <a:stretch>
             <a:fillRect/>
           </a:stretch>
         </p:blipFill>
-        <p:spPr bwMode="auto">
+        <p:spPr>
           <a:xfrm>
-            <a:off x="0" y="10"/>
-            <a:ext cx="9144000" cy="6857981"/>
+            <a:off x="0" y="11"/>
+            <a:ext cx="9144000" cy="6857978"/>
           </a:xfrm>
           <a:prstGeom prst="rect">
             <a:avLst/>
           </a:prstGeom>
-          <a:noFill/>
-          <a:ln>
-            <a:noFill/>
-          </a:ln>
-          <a:effectLst/>
-          <a:extLst>
-            <a:ext uri="{909E8E84-426E-40DD-AFC4-6F175D3DCCD1}">
-              <a14:hiddenFill xmlns:a14="http://schemas.microsoft.com/office/drawing/2010/main">
-                <a:solidFill>
-                  <a:schemeClr val="accent1"/>
-                </a:solidFill>
-              </a14:hiddenFill>
-            </a:ext>
-            <a:ext uri="{91240B29-F687-4F45-9708-019B960494DF}">
-              <a14:hiddenLine xmlns:a14="http://schemas.microsoft.com/office/drawing/2010/main" w="9525">
-                <a:solidFill>
-                  <a:schemeClr val="tx1"/>
-                </a:solidFill>
-                <a:miter lim="800000"/>
-                <a:headEnd/>
-                <a:tailEnd/>
-              </a14:hiddenLine>
-            </a:ext>
-            <a:ext uri="{AF507438-7753-43E0-B8FC-AC1667EBCBE1}">
-              <a14:hiddenEffects xmlns:a14="http://schemas.microsoft.com/office/drawing/2010/main">
-                <a:effectLst>
-                  <a:outerShdw dist="35921" dir="2700000" algn="ctr" rotWithShape="0">
-                    <a:schemeClr val="bg2"/>
-                  </a:outerShdw>
-                </a:effectLst>
-              </a14:hiddenEffects>
-            </a:ext>
-          </a:extLst>
         </p:spPr>
       </p:pic>
       <p:pic>
         <p:nvPicPr>
-          <p:cNvPr id="9" name="PPTLabsMagnifyAreaGroup201506261604353611"/>
+          <p:cNvPr id="11" name="PPTLabsMagnifyAreaGroup201705111431584090"/>
           <p:cNvPicPr>
-            <a:picLocks noChangeAspect="1" noChangeArrowheads="1"/>
+            <a:picLocks noChangeAspect="1"/>
           </p:cNvPicPr>
           <p:nvPr/>
         </p:nvPicPr>
         <p:blipFill>
-          <a:blip r:embed="rId3">
-            <a:extLst>
-              <a:ext uri="{28A0092B-C50C-407E-A947-70E740481C1C}">
-                <a14:useLocalDpi xmlns:a14="http://schemas.microsoft.com/office/drawing/2010/main" val="0"/>
-              </a:ext>
-            </a:extLst>
-          </a:blip>
+          <a:blip r:embed="rId3"/>
           <a:srcRect/>
           <a:stretch>
             <a:fillRect/>
           </a:stretch>
         </p:blipFill>
-        <p:spPr bwMode="auto">
+        <p:spPr>
           <a:xfrm>
-            <a:off x="-3193018" y="-2040158"/>
-            <a:ext cx="25546182" cy="19160112"/>
+            <a:off x="-3193018" y="-2040156"/>
+            <a:ext cx="25546182" cy="19160104"/>
           </a:xfrm>
           <a:prstGeom prst="rect">
             <a:avLst/>
           </a:prstGeom>
-          <a:noFill/>
-          <a:ln>
-            <a:noFill/>
-          </a:ln>
-          <a:effectLst/>
-          <a:extLst>
-            <a:ext uri="{909E8E84-426E-40DD-AFC4-6F175D3DCCD1}">
-              <a14:hiddenFill xmlns:a14="http://schemas.microsoft.com/office/drawing/2010/main">
-                <a:solidFill>
-                  <a:schemeClr val="accent1"/>
-                </a:solidFill>
-              </a14:hiddenFill>
-            </a:ext>
-            <a:ext uri="{91240B29-F687-4F45-9708-019B960494DF}">
-              <a14:hiddenLine xmlns:a14="http://schemas.microsoft.com/office/drawing/2010/main" w="9525">
-                <a:solidFill>
-                  <a:schemeClr val="tx1"/>
-                </a:solidFill>
-                <a:miter lim="800000"/>
-                <a:headEnd/>
-                <a:tailEnd/>
-              </a14:hiddenLine>
-            </a:ext>
-            <a:ext uri="{AF507438-7753-43E0-B8FC-AC1667EBCBE1}">
-              <a14:hiddenEffects xmlns:a14="http://schemas.microsoft.com/office/drawing/2010/main">
-                <a:effectLst>
-                  <a:outerShdw dist="35921" dir="2700000" algn="ctr" rotWithShape="0">
-                    <a:schemeClr val="bg2"/>
-                  </a:outerShdw>
-                </a:effectLst>
-              </a14:hiddenEffects>
-            </a:ext>
-          </a:extLst>
         </p:spPr>
       </p:pic>
       <p:pic>
@@ -10258,26 +10260,19 @@
       </p:pic>
       <p:pic>
         <p:nvPicPr>
-          <p:cNvPr id="13314" name="PPTLabsMagnifyAreaGroup201506261604353611" hidden="1"/>
+          <p:cNvPr id="3" name="PPTLabsMagnifyAreaGroup201705111431584090" hidden="1"/>
           <p:cNvPicPr>
-            <a:picLocks noChangeArrowheads="1"/>
+            <a:picLocks/>
           </p:cNvPicPr>
           <p:nvPr/>
         </p:nvPicPr>
         <p:blipFill>
-          <a:blip r:embed="rId3">
-            <a:extLst>
-              <a:ext uri="{28A0092B-C50C-407E-A947-70E740481C1C}">
-                <a14:useLocalDpi xmlns:a14="http://schemas.microsoft.com/office/drawing/2010/main" val="0"/>
-              </a:ext>
-            </a:extLst>
-          </a:blip>
-          <a:srcRect/>
+          <a:blip r:embed="rId3"/>
           <a:stretch>
             <a:fillRect/>
           </a:stretch>
         </p:blipFill>
-        <p:spPr bwMode="auto">
+        <p:spPr>
           <a:xfrm>
             <a:off x="0" y="0"/>
             <a:ext cx="9144000" cy="6858000"/>
@@ -10285,108 +10280,36 @@
           <a:prstGeom prst="rect">
             <a:avLst/>
           </a:prstGeom>
-          <a:noFill/>
-          <a:ln>
-            <a:noFill/>
-          </a:ln>
-          <a:effectLst/>
-          <a:extLst>
-            <a:ext uri="{909E8E84-426E-40DD-AFC4-6F175D3DCCD1}">
-              <a14:hiddenFill xmlns:a14="http://schemas.microsoft.com/office/drawing/2010/main">
-                <a:solidFill>
-                  <a:schemeClr val="accent1"/>
-                </a:solidFill>
-              </a14:hiddenFill>
-            </a:ext>
-            <a:ext uri="{91240B29-F687-4F45-9708-019B960494DF}">
-              <a14:hiddenLine xmlns:a14="http://schemas.microsoft.com/office/drawing/2010/main" w="9525">
-                <a:solidFill>
-                  <a:schemeClr val="tx1"/>
-                </a:solidFill>
-                <a:miter lim="800000"/>
-                <a:headEnd/>
-                <a:tailEnd/>
-              </a14:hiddenLine>
-            </a:ext>
-            <a:ext uri="{AF507438-7753-43E0-B8FC-AC1667EBCBE1}">
-              <a14:hiddenEffects xmlns:a14="http://schemas.microsoft.com/office/drawing/2010/main">
-                <a:effectLst>
-                  <a:outerShdw dist="35921" dir="2700000" algn="ctr" rotWithShape="0">
-                    <a:schemeClr val="bg2"/>
-                  </a:outerShdw>
-                </a:effectLst>
-              </a14:hiddenEffects>
-            </a:ext>
-          </a:extLst>
         </p:spPr>
       </p:pic>
       <p:pic>
         <p:nvPicPr>
-          <p:cNvPr id="7" name="PPTLabsMagnifyAreaSlide201506261604353851"/>
+          <p:cNvPr id="9" name="PPTLabsMagnifyAreaSlide201705111431584872"/>
           <p:cNvPicPr>
-            <a:picLocks noChangeArrowheads="1"/>
+            <a:picLocks/>
           </p:cNvPicPr>
           <p:nvPr/>
         </p:nvPicPr>
         <p:blipFill>
-          <a:blip r:embed="rId3">
-            <a:extLst>
-              <a:ext uri="{28A0092B-C50C-407E-A947-70E740481C1C}">
-                <a14:useLocalDpi xmlns:a14="http://schemas.microsoft.com/office/drawing/2010/main" val="0"/>
-              </a:ext>
-            </a:extLst>
-          </a:blip>
+          <a:blip r:embed="rId3"/>
           <a:srcRect l="12499" t="10648" r="51707" b="53559"/>
           <a:stretch>
             <a:fillRect/>
           </a:stretch>
         </p:blipFill>
-        <p:spPr bwMode="auto">
+        <p:spPr>
           <a:xfrm>
-            <a:off x="1142747" y="730098"/>
-            <a:ext cx="3272973" cy="2454723"/>
+            <a:off x="1142747" y="730099"/>
+            <a:ext cx="3272973" cy="2454722"/>
           </a:xfrm>
           <a:prstGeom prst="rect">
             <a:avLst/>
           </a:prstGeom>
-          <a:noFill/>
-          <a:ln>
-            <a:noFill/>
-          </a:ln>
-          <a:effectLst/>
-          <a:extLst>
-            <a:ext uri="{909E8E84-426E-40DD-AFC4-6F175D3DCCD1}">
-              <a14:hiddenFill xmlns:a14="http://schemas.microsoft.com/office/drawing/2010/main">
-                <a:solidFill>
-                  <a:schemeClr val="accent1"/>
-                </a:solidFill>
-              </a14:hiddenFill>
-            </a:ext>
-            <a:ext uri="{91240B29-F687-4F45-9708-019B960494DF}">
-              <a14:hiddenLine xmlns:a14="http://schemas.microsoft.com/office/drawing/2010/main" w="9525">
-                <a:solidFill>
-                  <a:schemeClr val="tx1"/>
-                </a:solidFill>
-                <a:miter lim="800000"/>
-                <a:headEnd/>
-                <a:tailEnd/>
-              </a14:hiddenLine>
-            </a:ext>
-            <a:ext uri="{AF507438-7753-43E0-B8FC-AC1667EBCBE1}">
-              <a14:hiddenEffects xmlns:a14="http://schemas.microsoft.com/office/drawing/2010/main">
-                <a:effectLst>
-                  <a:outerShdw dist="35921" dir="2700000" algn="ctr" rotWithShape="0">
-                    <a:schemeClr val="bg2"/>
-                  </a:outerShdw>
-                </a:effectLst>
-              </a14:hiddenEffects>
-            </a:ext>
-          </a:extLst>
         </p:spPr>
       </p:pic>
       <p:pic>
         <p:nvPicPr>
-          <p:cNvPr id="3" name="PPTIndicator201506261604353791"/>
+          <p:cNvPr id="5" name="PPTIndicator201705111431584742"/>
           <p:cNvPicPr>
             <a:picLocks/>
           </p:cNvPicPr>
@@ -10417,18 +10340,18 @@
     </p:spTree>
     <p:extLst>
       <p:ext uri="{BB962C8B-B14F-4D97-AF65-F5344CB8AC3E}">
-        <p14:creationId xmlns:p14="http://schemas.microsoft.com/office/powerpoint/2010/main" val="2311836691"/>
+        <p14:creationId xmlns:p14="http://schemas.microsoft.com/office/powerpoint/2010/main" val="1689804877"/>
       </p:ext>
     </p:extLst>
   </p:cSld>
   <p:clrMapOvr>
     <a:masterClrMapping/>
   </p:clrMapOvr>
-  <mc:AlternateContent xmlns:mc="http://schemas.openxmlformats.org/markup-compatibility/2006" xmlns:p14="http://schemas.microsoft.com/office/powerpoint/2010/main">
-    <mc:Choice Requires="p14">
+  <mc:AlternateContent xmlns:mc="http://schemas.openxmlformats.org/markup-compatibility/2006">
+    <mc:Choice xmlns:p14="http://schemas.microsoft.com/office/powerpoint/2010/main" Requires="p14">
       <p:transition spd="slow" p14:dur="2000"/>
     </mc:Choice>
-    <mc:Fallback xmlns="">
+    <mc:Fallback>
       <p:transition spd="slow"/>
     </mc:Fallback>
   </mc:AlternateContent>
@@ -10469,7 +10392,7 @@
                                           </p:stCondLst>
                                         </p:cTn>
                                         <p:tgtEl>
-                                          <p:spTgt spid="3"/>
+                                          <p:spTgt spid="5"/>
                                         </p:tgtEl>
                                         <p:attrNameLst>
                                           <p:attrName>style.visibility</p:attrName>
@@ -10496,7 +10419,7 @@
                                           </p:stCondLst>
                                         </p:cTn>
                                         <p:tgtEl>
-                                          <p:spTgt spid="3"/>
+                                          <p:spTgt spid="5"/>
                                         </p:tgtEl>
                                         <p:attrNameLst>
                                           <p:attrName>style.visibility</p:attrName>
@@ -10559,11 +10482,11 @@
                                     <p:cond delay="0"/>
                                   </p:stCondLst>
                                   <p:childTnLst>
-                                    <p:animMotion origin="layout" path="M 0 0 C 0.09802967 0.1072864 0.09802967 0.1072864 0.1960593 0.2145729 E" pathEditMode="relative" ptsTypes="">
+                                    <p:animMotion origin="layout" path="M 0 0 C 0.09802967 0.1072864 0.09802967 0.1072864 0.1960593 0.2145728 E" pathEditMode="relative" ptsTypes="">
                                       <p:cBhvr>
                                         <p:cTn id="14" dur="500" fill="hold"/>
                                         <p:tgtEl>
-                                          <p:spTgt spid="7"/>
+                                          <p:spTgt spid="9"/>
                                         </p:tgtEl>
                                         <p:attrNameLst>
                                           <p:attrName>ppt_x</p:attrName>
@@ -10584,7 +10507,7 @@
                                       <p:cBhvr>
                                         <p:cTn id="16" dur="500" fill="hold"/>
                                         <p:tgtEl>
-                                          <p:spTgt spid="7"/>
+                                          <p:spTgt spid="9"/>
                                         </p:tgtEl>
                                       </p:cBhvr>
                                       <p:by x="279379" y="279379"/>
@@ -10615,7 +10538,7 @@
                                           </p:stCondLst>
                                         </p:cTn>
                                         <p:tgtEl>
-                                          <p:spTgt spid="7"/>
+                                          <p:spTgt spid="9"/>
                                         </p:tgtEl>
                                         <p:attrNameLst>
                                           <p:attrName>style.visibility</p:attrName>
@@ -10642,7 +10565,7 @@
                                           </p:stCondLst>
                                         </p:cTn>
                                         <p:tgtEl>
-                                          <p:spTgt spid="9"/>
+                                          <p:spTgt spid="11"/>
                                         </p:tgtEl>
                                         <p:attrNameLst>
                                           <p:attrName>style.visibility</p:attrName>
@@ -10669,7 +10592,7 @@
                                           </p:stCondLst>
                                         </p:cTn>
                                         <p:tgtEl>
-                                          <p:spTgt spid="13314"/>
+                                          <p:spTgt spid="3"/>
                                         </p:tgtEl>
                                         <p:attrNameLst>
                                           <p:attrName>style.visibility</p:attrName>
@@ -10714,7 +10637,7 @@
                                           </p:stCondLst>
                                         </p:cTn>
                                         <p:tgtEl>
-                                          <p:spTgt spid="9"/>
+                                          <p:spTgt spid="11"/>
                                         </p:tgtEl>
                                         <p:attrNameLst>
                                           <p:attrName>style.visibility</p:attrName>
@@ -10741,7 +10664,7 @@
                                           </p:stCondLst>
                                         </p:cTn>
                                         <p:tgtEl>
-                                          <p:spTgt spid="11"/>
+                                          <p:spTgt spid="13"/>
                                         </p:tgtEl>
                                         <p:attrNameLst>
                                           <p:attrName>style.visibility</p:attrName>
@@ -10760,11 +10683,11 @@
                                     <p:cond delay="0"/>
                                   </p:stCondLst>
                                   <p:childTnLst>
-                                    <p:animMotion origin="layout" path="M 0 0 C -0.09802969 -0.1072864 -0.09802969 -0.1072864 -0.1960594 -0.2145729 E" pathEditMode="relative" ptsTypes="">
+                                    <p:animMotion origin="layout" path="M 0 0 C -0.09802969 -0.1072864 -0.09802969 -0.1072864 -0.1960594 -0.2145728 E" pathEditMode="relative" ptsTypes="">
                                       <p:cBhvr>
                                         <p:cTn id="31" dur="500" fill="hold"/>
                                         <p:tgtEl>
-                                          <p:spTgt spid="11"/>
+                                          <p:spTgt spid="13"/>
                                         </p:tgtEl>
                                         <p:attrNameLst>
                                           <p:attrName>ppt_x</p:attrName>
@@ -10785,7 +10708,7 @@
                                       <p:cBhvr>
                                         <p:cTn id="33" dur="500" fill="hold"/>
                                         <p:tgtEl>
-                                          <p:spTgt spid="11"/>
+                                          <p:spTgt spid="13"/>
                                         </p:tgtEl>
                                       </p:cBhvr>
                                       <p:by x="35788" y="35788"/>
@@ -10816,7 +10739,7 @@
                                           </p:stCondLst>
                                         </p:cTn>
                                         <p:tgtEl>
-                                          <p:spTgt spid="10"/>
+                                          <p:spTgt spid="12"/>
                                         </p:tgtEl>
                                         <p:attrNameLst>
                                           <p:attrName>style.visibility</p:attrName>
@@ -10830,7 +10753,7 @@
                                       <p:cBhvr>
                                         <p:cTn id="37" dur="250"/>
                                         <p:tgtEl>
-                                          <p:spTgt spid="10"/>
+                                          <p:spTgt spid="12"/>
                                         </p:tgtEl>
                                       </p:cBhvr>
                                     </p:animEffect>
@@ -10847,7 +10770,7 @@
                                       <p:cBhvr>
                                         <p:cTn id="39" dur="250"/>
                                         <p:tgtEl>
-                                          <p:spTgt spid="11"/>
+                                          <p:spTgt spid="13"/>
                                         </p:tgtEl>
                                       </p:cBhvr>
                                     </p:animEffect>
@@ -10859,7 +10782,7 @@
                                           </p:stCondLst>
                                         </p:cTn>
                                         <p:tgtEl>
-                                          <p:spTgt spid="11"/>
+                                          <p:spTgt spid="13"/>
                                         </p:tgtEl>
                                         <p:attrNameLst>
                                           <p:attrName>style.visibility</p:attrName>
@@ -11507,7 +11430,7 @@
     </p:spTree>
     <p:extLst>
       <p:ext uri="{BB962C8B-B14F-4D97-AF65-F5344CB8AC3E}">
-        <p14:creationId xmlns:p14="http://schemas.microsoft.com/office/powerpoint/2010/main" val="1061844167"/>
+        <p14:creationId xmlns:p14="http://schemas.microsoft.com/office/powerpoint/2010/main" val="3684537491"/>
       </p:ext>
     </p:extLst>
   </p:cSld>
@@ -11836,7 +11759,7 @@
 
 <file path=ppt/slides/slide15.xml><?xml version="1.0" encoding="utf-8"?>
 <p:sld xmlns:a="http://schemas.openxmlformats.org/drawingml/2006/main" xmlns:r="http://schemas.openxmlformats.org/officeDocument/2006/relationships" xmlns:p="http://schemas.openxmlformats.org/presentationml/2006/main">
-  <p:cSld name="PPTLabsZoomToAreaSlide201506181756125910">
+  <p:cSld name="PPTLabsZoomToAreaSlide201705111428194626">
     <p:bg>
       <p:bgPr>
         <a:solidFill>
@@ -12089,7 +12012,87 @@
       </p:sp>
       <p:sp>
         <p:nvSpPr>
-          <p:cNvPr id="3" name="PPTLabsMagnifyShape201506181756125960"/>
+          <p:cNvPr id="16" name="Oval 1" hidden="1"/>
+          <p:cNvSpPr/>
+          <p:nvPr/>
+        </p:nvSpPr>
+        <p:spPr>
+          <a:xfrm>
+            <a:off x="302733" y="3184634"/>
+            <a:ext cx="4953000" cy="3505200"/>
+          </a:xfrm>
+          <a:prstGeom prst="ellipse">
+            <a:avLst/>
+          </a:prstGeom>
+        </p:spPr>
+        <p:style>
+          <a:lnRef idx="2">
+            <a:schemeClr val="accent1">
+              <a:shade val="50000"/>
+            </a:schemeClr>
+          </a:lnRef>
+          <a:fillRef idx="1">
+            <a:schemeClr val="accent1"/>
+          </a:fillRef>
+          <a:effectRef idx="0">
+            <a:schemeClr val="accent1"/>
+          </a:effectRef>
+          <a:fontRef idx="minor">
+            <a:schemeClr val="lt1"/>
+          </a:fontRef>
+        </p:style>
+        <p:txBody>
+          <a:bodyPr rtlCol="0" anchor="ctr"/>
+          <a:lstStyle/>
+          <a:p>
+            <a:pPr algn="ctr"/>
+            <a:endParaRPr lang="en-US"/>
+          </a:p>
+        </p:txBody>
+      </p:sp>
+      <p:sp>
+        <p:nvSpPr>
+          <p:cNvPr id="17" name="Oval 5" hidden="1"/>
+          <p:cNvSpPr/>
+          <p:nvPr/>
+        </p:nvSpPr>
+        <p:spPr>
+          <a:xfrm>
+            <a:off x="3962400" y="381000"/>
+            <a:ext cx="4953000" cy="3505200"/>
+          </a:xfrm>
+          <a:prstGeom prst="ellipse">
+            <a:avLst/>
+          </a:prstGeom>
+        </p:spPr>
+        <p:style>
+          <a:lnRef idx="2">
+            <a:schemeClr val="accent1">
+              <a:shade val="50000"/>
+            </a:schemeClr>
+          </a:lnRef>
+          <a:fillRef idx="1">
+            <a:schemeClr val="accent1"/>
+          </a:fillRef>
+          <a:effectRef idx="0">
+            <a:schemeClr val="accent1"/>
+          </a:effectRef>
+          <a:fontRef idx="minor">
+            <a:schemeClr val="lt1"/>
+          </a:fontRef>
+        </p:style>
+        <p:txBody>
+          <a:bodyPr rtlCol="0" anchor="ctr"/>
+          <a:lstStyle/>
+          <a:p>
+            <a:pPr algn="ctr"/>
+            <a:endParaRPr lang="en-US"/>
+          </a:p>
+        </p:txBody>
+      </p:sp>
+      <p:sp>
+        <p:nvSpPr>
+          <p:cNvPr id="3" name="PPTLabsMagnifyShape201705111428194645"/>
           <p:cNvSpPr/>
           <p:nvPr/>
         </p:nvSpPr>
@@ -12153,7 +12156,7 @@
       </p:sp>
       <p:sp>
         <p:nvSpPr>
-          <p:cNvPr id="8" name="PPTLabsMagnifyShape201506181756126090"/>
+          <p:cNvPr id="8" name="PPTLabsMagnifyShape201705111428194696"/>
           <p:cNvSpPr/>
           <p:nvPr/>
         </p:nvSpPr>
@@ -12217,7 +12220,7 @@
       </p:sp>
       <p:sp>
         <p:nvSpPr>
-          <p:cNvPr id="9" name="PPTLabsMagnifyShape201506181756126220"/>
+          <p:cNvPr id="9" name="PPTLabsMagnifyShape201705111428194756"/>
           <p:cNvSpPr/>
           <p:nvPr/>
         </p:nvSpPr>
@@ -12281,7 +12284,7 @@
       </p:sp>
       <p:sp>
         <p:nvSpPr>
-          <p:cNvPr id="10" name="PPTLabsMagnifyShape201506181756126330"/>
+          <p:cNvPr id="10" name="PPTLabsMagnifyShape201705111428194806"/>
           <p:cNvSpPr/>
           <p:nvPr/>
         </p:nvSpPr>
@@ -12346,7 +12349,7 @@
     </p:spTree>
     <p:extLst>
       <p:ext uri="{BB962C8B-B14F-4D97-AF65-F5344CB8AC3E}">
-        <p14:creationId xmlns:p14="http://schemas.microsoft.com/office/powerpoint/2010/main" val="936790927"/>
+        <p14:creationId xmlns:p14="http://schemas.microsoft.com/office/powerpoint/2010/main" val="1061844167"/>
       </p:ext>
     </p:extLst>
   </p:cSld>
@@ -12770,7 +12773,7 @@
 
 <file path=ppt/slides/slide16.xml><?xml version="1.0" encoding="utf-8"?>
 <p:sld xmlns:a="http://schemas.openxmlformats.org/drawingml/2006/main" xmlns:r="http://schemas.openxmlformats.org/officeDocument/2006/relationships" xmlns:p="http://schemas.openxmlformats.org/presentationml/2006/main">
-  <p:cSld name="PPTLabsMagnifyingSlide201506181756126510">
+  <p:cSld name="PPTLabsMagnifyingSlide201705111428195046">
     <p:bg>
       <p:bgPr>
         <a:solidFill>
@@ -12871,26 +12874,19 @@
       </p:sp>
       <p:pic>
         <p:nvPicPr>
-          <p:cNvPr id="10242" name="PPTLabsMagnifyAreaGroup201506181756129260" hidden="1"/>
+          <p:cNvPr id="5" name="PPTLabsMagnifyAreaGroup201705111428197711" hidden="1"/>
           <p:cNvPicPr>
-            <a:picLocks noChangeArrowheads="1"/>
+            <a:picLocks/>
           </p:cNvPicPr>
           <p:nvPr/>
         </p:nvPicPr>
         <p:blipFill>
-          <a:blip r:embed="rId3">
-            <a:extLst>
-              <a:ext uri="{28A0092B-C50C-407E-A947-70E740481C1C}">
-                <a14:useLocalDpi xmlns:a14="http://schemas.microsoft.com/office/drawing/2010/main" val="0"/>
-              </a:ext>
-            </a:extLst>
-          </a:blip>
-          <a:srcRect/>
+          <a:blip r:embed="rId3"/>
           <a:stretch>
             <a:fillRect/>
           </a:stretch>
         </p:blipFill>
-        <p:spPr bwMode="auto">
+        <p:spPr>
           <a:xfrm>
             <a:off x="0" y="0"/>
             <a:ext cx="9144000" cy="6858000"/>
@@ -12898,63 +12894,23 @@
           <a:prstGeom prst="rect">
             <a:avLst/>
           </a:prstGeom>
-          <a:noFill/>
-          <a:ln>
-            <a:noFill/>
-          </a:ln>
-          <a:effectLst/>
-          <a:extLst>
-            <a:ext uri="{909E8E84-426E-40DD-AFC4-6F175D3DCCD1}">
-              <a14:hiddenFill xmlns:a14="http://schemas.microsoft.com/office/drawing/2010/main">
-                <a:solidFill>
-                  <a:schemeClr val="accent1"/>
-                </a:solidFill>
-              </a14:hiddenFill>
-            </a:ext>
-            <a:ext uri="{91240B29-F687-4F45-9708-019B960494DF}">
-              <a14:hiddenLine xmlns:a14="http://schemas.microsoft.com/office/drawing/2010/main" w="9525">
-                <a:solidFill>
-                  <a:schemeClr val="tx1"/>
-                </a:solidFill>
-                <a:miter lim="800000"/>
-                <a:headEnd/>
-                <a:tailEnd/>
-              </a14:hiddenLine>
-            </a:ext>
-            <a:ext uri="{AF507438-7753-43E0-B8FC-AC1667EBCBE1}">
-              <a14:hiddenEffects xmlns:a14="http://schemas.microsoft.com/office/drawing/2010/main">
-                <a:effectLst>
-                  <a:outerShdw dist="35921" dir="2700000" algn="ctr" rotWithShape="0">
-                    <a:schemeClr val="bg2"/>
-                  </a:outerShdw>
-                </a:effectLst>
-              </a14:hiddenEffects>
-            </a:ext>
-          </a:extLst>
         </p:spPr>
       </p:pic>
       <p:pic>
         <p:nvPicPr>
-          <p:cNvPr id="20" name="PPTLabsMagnifyAreaSlide201506181756129480"/>
+          <p:cNvPr id="22" name="PPTLabsMagnifyAreaSlide201705111428198221"/>
           <p:cNvPicPr>
-            <a:picLocks noChangeArrowheads="1"/>
+            <a:picLocks/>
           </p:cNvPicPr>
           <p:nvPr/>
         </p:nvPicPr>
         <p:blipFill>
-          <a:blip r:embed="rId3">
-            <a:extLst>
-              <a:ext uri="{28A0092B-C50C-407E-A947-70E740481C1C}">
-                <a14:useLocalDpi xmlns:a14="http://schemas.microsoft.com/office/drawing/2010/main" val="0"/>
-              </a:ext>
-            </a:extLst>
-          </a:blip>
-          <a:srcRect/>
+          <a:blip r:embed="rId3"/>
           <a:stretch>
             <a:fillRect/>
           </a:stretch>
         </p:blipFill>
-        <p:spPr bwMode="auto">
+        <p:spPr>
           <a:xfrm>
             <a:off x="0" y="0"/>
             <a:ext cx="9144000" cy="6858000"/>
@@ -12962,44 +12918,11 @@
           <a:prstGeom prst="rect">
             <a:avLst/>
           </a:prstGeom>
-          <a:noFill/>
-          <a:ln>
-            <a:noFill/>
-          </a:ln>
-          <a:effectLst/>
-          <a:extLst>
-            <a:ext uri="{909E8E84-426E-40DD-AFC4-6F175D3DCCD1}">
-              <a14:hiddenFill xmlns:a14="http://schemas.microsoft.com/office/drawing/2010/main">
-                <a:solidFill>
-                  <a:schemeClr val="accent1"/>
-                </a:solidFill>
-              </a14:hiddenFill>
-            </a:ext>
-            <a:ext uri="{91240B29-F687-4F45-9708-019B960494DF}">
-              <a14:hiddenLine xmlns:a14="http://schemas.microsoft.com/office/drawing/2010/main" w="9525">
-                <a:solidFill>
-                  <a:schemeClr val="tx1"/>
-                </a:solidFill>
-                <a:miter lim="800000"/>
-                <a:headEnd/>
-                <a:tailEnd/>
-              </a14:hiddenLine>
-            </a:ext>
-            <a:ext uri="{AF507438-7753-43E0-B8FC-AC1667EBCBE1}">
-              <a14:hiddenEffects xmlns:a14="http://schemas.microsoft.com/office/drawing/2010/main">
-                <a:effectLst>
-                  <a:outerShdw dist="35921" dir="2700000" algn="ctr" rotWithShape="0">
-                    <a:schemeClr val="bg2"/>
-                  </a:outerShdw>
-                </a:effectLst>
-              </a14:hiddenEffects>
-            </a:ext>
-          </a:extLst>
         </p:spPr>
       </p:pic>
       <p:pic>
         <p:nvPicPr>
-          <p:cNvPr id="5" name="PPTIndicator201506181756129430"/>
+          <p:cNvPr id="6" name="PPTIndicator201705111428198191"/>
           <p:cNvPicPr>
             <a:picLocks/>
           </p:cNvPicPr>
@@ -13030,7 +12953,7 @@
     </p:spTree>
     <p:extLst>
       <p:ext uri="{BB962C8B-B14F-4D97-AF65-F5344CB8AC3E}">
-        <p14:creationId xmlns:p14="http://schemas.microsoft.com/office/powerpoint/2010/main" val="1221846932"/>
+        <p14:creationId xmlns:p14="http://schemas.microsoft.com/office/powerpoint/2010/main" val="789142181"/>
       </p:ext>
     </p:extLst>
   </p:cSld>
@@ -13082,7 +13005,7 @@
                                           </p:stCondLst>
                                         </p:cTn>
                                         <p:tgtEl>
-                                          <p:spTgt spid="5"/>
+                                          <p:spTgt spid="6"/>
                                         </p:tgtEl>
                                         <p:attrNameLst>
                                           <p:attrName>style.visibility</p:attrName>
@@ -13109,7 +13032,7 @@
                                           </p:stCondLst>
                                         </p:cTn>
                                         <p:tgtEl>
-                                          <p:spTgt spid="5"/>
+                                          <p:spTgt spid="6"/>
                                         </p:tgtEl>
                                         <p:attrNameLst>
                                           <p:attrName>style.visibility</p:attrName>
@@ -13137,11 +13060,11 @@
                                     <p:cond delay="0"/>
                                   </p:stCondLst>
                                   <p:childTnLst>
-                                    <p:animMotion origin="layout" path="M 0 0 C 0.2105131 0.2478196 0.2105131 0.2478196 0.4210261 0.4956393 E" pathEditMode="relative" ptsTypes="">
+                                    <p:animMotion origin="layout" path="M 0 0 C 0.2105131 0.2478195 0.2105131 0.2478195 0.4210261 0.495639 E" pathEditMode="relative" ptsTypes="">
                                       <p:cBhvr>
                                         <p:cTn id="11" dur="500" fill="hold"/>
                                         <p:tgtEl>
-                                          <p:spTgt spid="20"/>
+                                          <p:spTgt spid="22"/>
                                         </p:tgtEl>
                                         <p:attrNameLst>
                                           <p:attrName>ppt_x</p:attrName>
@@ -13162,7 +13085,7 @@
                                       <p:cBhvr>
                                         <p:cTn id="13" dur="500" fill="hold"/>
                                         <p:tgtEl>
-                                          <p:spTgt spid="20"/>
+                                          <p:spTgt spid="22"/>
                                         </p:tgtEl>
                                       </p:cBhvr>
                                       <p:by x="235718" y="235718"/>
@@ -13203,7 +13126,7 @@
 
 <file path=ppt/slides/slide17.xml><?xml version="1.0" encoding="utf-8"?>
 <p:sld xmlns:a="http://schemas.openxmlformats.org/drawingml/2006/main" xmlns:r="http://schemas.openxmlformats.org/officeDocument/2006/relationships" xmlns:p="http://schemas.openxmlformats.org/presentationml/2006/main">
-  <p:cSld name="PPTLabsMagnifiedSlide201506181756129490">
+  <p:cSld name="PPTLabsMagnifiedSlide201705111428198241">
     <p:bg>
       <p:bgPr>
         <a:solidFill>
@@ -13228,26 +13151,20 @@
       </p:grpSpPr>
       <p:pic>
         <p:nvPicPr>
-          <p:cNvPr id="10242" name="PPTLabsMagnifyAreaGroup201506181756129260"/>
+          <p:cNvPr id="5" name="PPTLabsMagnifyAreaGroup201705111428197711"/>
           <p:cNvPicPr>
-            <a:picLocks noChangeAspect="1" noChangeArrowheads="1"/>
+            <a:picLocks noChangeAspect="1"/>
           </p:cNvPicPr>
           <p:nvPr/>
         </p:nvPicPr>
         <p:blipFill>
-          <a:blip r:embed="rId2">
-            <a:extLst>
-              <a:ext uri="{28A0092B-C50C-407E-A947-70E740481C1C}">
-                <a14:useLocalDpi xmlns:a14="http://schemas.microsoft.com/office/drawing/2010/main" val="0"/>
-              </a:ext>
-            </a:extLst>
-          </a:blip>
+          <a:blip r:embed="rId2"/>
           <a:srcRect/>
           <a:stretch>
             <a:fillRect/>
           </a:stretch>
         </p:blipFill>
-        <p:spPr bwMode="auto">
+        <p:spPr>
           <a:xfrm>
             <a:off x="-2354749" y="-1254471"/>
             <a:ext cx="21551802" cy="16163835"/>
@@ -13255,44 +13172,11 @@
           <a:prstGeom prst="rect">
             <a:avLst/>
           </a:prstGeom>
-          <a:noFill/>
-          <a:ln>
-            <a:noFill/>
-          </a:ln>
-          <a:effectLst/>
-          <a:extLst>
-            <a:ext uri="{909E8E84-426E-40DD-AFC4-6F175D3DCCD1}">
-              <a14:hiddenFill xmlns:a14="http://schemas.microsoft.com/office/drawing/2010/main">
-                <a:solidFill>
-                  <a:schemeClr val="accent1"/>
-                </a:solidFill>
-              </a14:hiddenFill>
-            </a:ext>
-            <a:ext uri="{91240B29-F687-4F45-9708-019B960494DF}">
-              <a14:hiddenLine xmlns:a14="http://schemas.microsoft.com/office/drawing/2010/main" w="9525">
-                <a:solidFill>
-                  <a:schemeClr val="tx1"/>
-                </a:solidFill>
-                <a:miter lim="800000"/>
-                <a:headEnd/>
-                <a:tailEnd/>
-              </a14:hiddenLine>
-            </a:ext>
-            <a:ext uri="{AF507438-7753-43E0-B8FC-AC1667EBCBE1}">
-              <a14:hiddenEffects xmlns:a14="http://schemas.microsoft.com/office/drawing/2010/main">
-                <a:effectLst>
-                  <a:outerShdw dist="35921" dir="2700000" algn="ctr" rotWithShape="0">
-                    <a:schemeClr val="bg2"/>
-                  </a:outerShdw>
-                </a:effectLst>
-              </a14:hiddenEffects>
-            </a:ext>
-          </a:extLst>
         </p:spPr>
       </p:pic>
       <p:pic>
         <p:nvPicPr>
-          <p:cNvPr id="3" name="PPTIndicator201506181756129630"/>
+          <p:cNvPr id="3" name="PPTIndicator201705111428198471"/>
           <p:cNvPicPr>
             <a:picLocks/>
           </p:cNvPicPr>
@@ -13323,7 +13207,7 @@
     </p:spTree>
     <p:extLst>
       <p:ext uri="{BB962C8B-B14F-4D97-AF65-F5344CB8AC3E}">
-        <p14:creationId xmlns:p14="http://schemas.microsoft.com/office/powerpoint/2010/main" val="3235416022"/>
+        <p14:creationId xmlns:p14="http://schemas.microsoft.com/office/powerpoint/2010/main" val="3438702707"/>
       </p:ext>
     </p:extLst>
   </p:cSld>
@@ -13448,7 +13332,7 @@
 
 <file path=ppt/slides/slide18.xml><?xml version="1.0" encoding="utf-8"?>
 <p:sld xmlns:a="http://schemas.openxmlformats.org/drawingml/2006/main" xmlns:r="http://schemas.openxmlformats.org/officeDocument/2006/relationships" xmlns:p="http://schemas.openxmlformats.org/presentationml/2006/main">
-  <p:cSld name="PPTLabsMagnifiedPanSlide201506181756132860">
+  <p:cSld name="PPTLabsMagnifiedPanSlide201705111428201825">
     <p:bg>
       <p:bgPr>
         <a:solidFill>
@@ -13473,26 +13357,20 @@
       </p:grpSpPr>
       <p:pic>
         <p:nvPicPr>
-          <p:cNvPr id="10242" name="PPTLabsMagnifyAreaGroup201506181756129260"/>
+          <p:cNvPr id="5" name="PPTLabsMagnifyAreaGroup201705111428197711"/>
           <p:cNvPicPr>
-            <a:picLocks noChangeArrowheads="1"/>
+            <a:picLocks/>
           </p:cNvPicPr>
           <p:nvPr/>
         </p:nvPicPr>
         <p:blipFill>
-          <a:blip r:embed="rId2">
-            <a:extLst>
-              <a:ext uri="{28A0092B-C50C-407E-A947-70E740481C1C}">
-                <a14:useLocalDpi xmlns:a14="http://schemas.microsoft.com/office/drawing/2010/main" val="0"/>
-              </a:ext>
-            </a:extLst>
-          </a:blip>
+          <a:blip r:embed="rId2"/>
           <a:srcRect/>
           <a:stretch>
             <a:fillRect/>
           </a:stretch>
         </p:blipFill>
-        <p:spPr bwMode="auto">
+        <p:spPr>
           <a:xfrm>
             <a:off x="0" y="0"/>
             <a:ext cx="9144000" cy="6857993"/>
@@ -13500,63 +13378,24 @@
           <a:prstGeom prst="rect">
             <a:avLst/>
           </a:prstGeom>
-          <a:noFill/>
-          <a:ln>
-            <a:noFill/>
-          </a:ln>
-          <a:effectLst/>
-          <a:extLst>
-            <a:ext uri="{909E8E84-426E-40DD-AFC4-6F175D3DCCD1}">
-              <a14:hiddenFill xmlns:a14="http://schemas.microsoft.com/office/drawing/2010/main">
-                <a:solidFill>
-                  <a:schemeClr val="accent1"/>
-                </a:solidFill>
-              </a14:hiddenFill>
-            </a:ext>
-            <a:ext uri="{91240B29-F687-4F45-9708-019B960494DF}">
-              <a14:hiddenLine xmlns:a14="http://schemas.microsoft.com/office/drawing/2010/main" w="9525">
-                <a:solidFill>
-                  <a:schemeClr val="tx1"/>
-                </a:solidFill>
-                <a:miter lim="800000"/>
-                <a:headEnd/>
-                <a:tailEnd/>
-              </a14:hiddenLine>
-            </a:ext>
-            <a:ext uri="{AF507438-7753-43E0-B8FC-AC1667EBCBE1}">
-              <a14:hiddenEffects xmlns:a14="http://schemas.microsoft.com/office/drawing/2010/main">
-                <a:effectLst>
-                  <a:outerShdw dist="35921" dir="2700000" algn="ctr" rotWithShape="0">
-                    <a:schemeClr val="bg2"/>
-                  </a:outerShdw>
-                </a:effectLst>
-              </a14:hiddenEffects>
-            </a:ext>
-          </a:extLst>
         </p:spPr>
       </p:pic>
       <p:pic>
         <p:nvPicPr>
-          <p:cNvPr id="5" name="PPTLabsMagnifyAreaGroup201506181756129260"/>
+          <p:cNvPr id="6" name="PPTLabsMagnifyAreaGroup201705111428197711"/>
           <p:cNvPicPr>
-            <a:picLocks noChangeArrowheads="1"/>
+            <a:picLocks/>
           </p:cNvPicPr>
           <p:nvPr/>
         </p:nvPicPr>
         <p:blipFill>
-          <a:blip r:embed="rId2">
-            <a:extLst>
-              <a:ext uri="{28A0092B-C50C-407E-A947-70E740481C1C}">
-                <a14:useLocalDpi xmlns:a14="http://schemas.microsoft.com/office/drawing/2010/main" val="0"/>
-              </a:ext>
-            </a:extLst>
-          </a:blip>
+          <a:blip r:embed="rId2"/>
           <a:srcRect/>
           <a:stretch>
             <a:fillRect/>
           </a:stretch>
         </p:blipFill>
-        <p:spPr bwMode="auto">
+        <p:spPr>
           <a:xfrm>
             <a:off x="-2354749" y="-1254471"/>
             <a:ext cx="21551802" cy="16163835"/>
@@ -13564,44 +13403,11 @@
           <a:prstGeom prst="rect">
             <a:avLst/>
           </a:prstGeom>
-          <a:noFill/>
-          <a:ln>
-            <a:noFill/>
-          </a:ln>
-          <a:effectLst/>
-          <a:extLst>
-            <a:ext uri="{909E8E84-426E-40DD-AFC4-6F175D3DCCD1}">
-              <a14:hiddenFill xmlns:a14="http://schemas.microsoft.com/office/drawing/2010/main">
-                <a:solidFill>
-                  <a:schemeClr val="accent1"/>
-                </a:solidFill>
-              </a14:hiddenFill>
-            </a:ext>
-            <a:ext uri="{91240B29-F687-4F45-9708-019B960494DF}">
-              <a14:hiddenLine xmlns:a14="http://schemas.microsoft.com/office/drawing/2010/main" w="9525">
-                <a:solidFill>
-                  <a:schemeClr val="tx1"/>
-                </a:solidFill>
-                <a:miter lim="800000"/>
-                <a:headEnd/>
-                <a:tailEnd/>
-              </a14:hiddenLine>
-            </a:ext>
-            <a:ext uri="{AF507438-7753-43E0-B8FC-AC1667EBCBE1}">
-              <a14:hiddenEffects xmlns:a14="http://schemas.microsoft.com/office/drawing/2010/main">
-                <a:effectLst>
-                  <a:outerShdw dist="35921" dir="2700000" algn="ctr" rotWithShape="0">
-                    <a:schemeClr val="bg2"/>
-                  </a:outerShdw>
-                </a:effectLst>
-              </a14:hiddenEffects>
-            </a:ext>
-          </a:extLst>
         </p:spPr>
       </p:pic>
       <p:pic>
         <p:nvPicPr>
-          <p:cNvPr id="2" name="PPTIndicator201506181756133000"/>
+          <p:cNvPr id="2" name="PPTIndicator201705111428202131"/>
           <p:cNvPicPr>
             <a:picLocks/>
           </p:cNvPicPr>
@@ -13632,7 +13438,7 @@
     </p:spTree>
     <p:extLst>
       <p:ext uri="{BB962C8B-B14F-4D97-AF65-F5344CB8AC3E}">
-        <p14:creationId xmlns:p14="http://schemas.microsoft.com/office/powerpoint/2010/main" val="3209269376"/>
+        <p14:creationId xmlns:p14="http://schemas.microsoft.com/office/powerpoint/2010/main" val="3752020867"/>
       </p:ext>
     </p:extLst>
   </p:cSld>
@@ -13734,7 +13540,7 @@
                                       <p:cBhvr>
                                         <p:cTn id="10" dur="1" fill="hold"/>
                                         <p:tgtEl>
-                                          <p:spTgt spid="10242"/>
+                                          <p:spTgt spid="5"/>
                                         </p:tgtEl>
                                         <p:attrNameLst>
                                           <p:attrName>ppt_x</p:attrName>
@@ -13755,7 +13561,7 @@
                                       <p:cBhvr>
                                         <p:cTn id="12" dur="1" fill="hold"/>
                                         <p:tgtEl>
-                                          <p:spTgt spid="10242"/>
+                                          <p:spTgt spid="5"/>
                                         </p:tgtEl>
                                       </p:cBhvr>
                                       <p:by x="235693" y="235693"/>
@@ -13773,7 +13579,7 @@
                                       <p:cBhvr>
                                         <p:cTn id="14" dur="10"/>
                                         <p:tgtEl>
-                                          <p:spTgt spid="5"/>
+                                          <p:spTgt spid="6"/>
                                         </p:tgtEl>
                                       </p:cBhvr>
                                     </p:animEffect>
@@ -13785,7 +13591,7 @@
                                           </p:stCondLst>
                                         </p:cTn>
                                         <p:tgtEl>
-                                          <p:spTgt spid="5"/>
+                                          <p:spTgt spid="6"/>
                                         </p:tgtEl>
                                         <p:attrNameLst>
                                           <p:attrName>style.visibility</p:attrName>
@@ -13813,11 +13619,11 @@
                                     <p:cond delay="0"/>
                                   </p:stCondLst>
                                   <p:childTnLst>
-                                    <p:animMotion origin="layout" path="M 0.4209484 0.4955453 C 0.4328168 0.9727182 0.4328168 0.9727182 0.4446852 1.449891 E" pathEditMode="relative" ptsTypes="">
+                                    <p:animMotion origin="layout" path="M 0.4209484 0.4955453 C 0.4328169 0.9727173 0.4328169 0.9727173 0.4446853 1.449889 E" pathEditMode="relative" ptsTypes="">
                                       <p:cBhvr>
                                         <p:cTn id="18" dur="400" fill="hold"/>
                                         <p:tgtEl>
-                                          <p:spTgt spid="10242"/>
+                                          <p:spTgt spid="5"/>
                                         </p:tgtEl>
                                         <p:attrNameLst>
                                           <p:attrName>ppt_x</p:attrName>
@@ -13838,7 +13644,7 @@
                                       <p:cBhvr>
                                         <p:cTn id="20" dur="400" fill="hold"/>
                                         <p:tgtEl>
-                                          <p:spTgt spid="10242"/>
+                                          <p:spTgt spid="5"/>
                                         </p:tgtEl>
                                       </p:cBhvr>
                                       <p:by x="224368" y="224372"/>
@@ -13879,7 +13685,7 @@
 
 <file path=ppt/slides/slide19.xml><?xml version="1.0" encoding="utf-8"?>
 <p:sld xmlns:a="http://schemas.openxmlformats.org/drawingml/2006/main" xmlns:r="http://schemas.openxmlformats.org/officeDocument/2006/relationships" xmlns:p="http://schemas.openxmlformats.org/presentationml/2006/main">
-  <p:cSld name="PPTLabsMagnifiedSlide201506181756132670">
+  <p:cSld name="PPTLabsMagnifiedSlide201705111428201521">
     <p:bg>
       <p:bgPr>
         <a:solidFill>
@@ -13904,71 +13710,32 @@
       </p:grpSpPr>
       <p:pic>
         <p:nvPicPr>
-          <p:cNvPr id="11266" name="PPTLabsMagnifyAreaGroup201506181756132440"/>
+          <p:cNvPr id="5" name="PPTLabsMagnifyAreaGroup201705111428201069"/>
           <p:cNvPicPr>
-            <a:picLocks noChangeAspect="1" noChangeArrowheads="1"/>
+            <a:picLocks noChangeAspect="1"/>
           </p:cNvPicPr>
           <p:nvPr/>
         </p:nvPicPr>
         <p:blipFill>
-          <a:blip r:embed="rId2">
-            <a:extLst>
-              <a:ext uri="{28A0092B-C50C-407E-A947-70E740481C1C}">
-                <a14:useLocalDpi xmlns:a14="http://schemas.microsoft.com/office/drawing/2010/main" val="0"/>
-              </a:ext>
-            </a:extLst>
-          </a:blip>
+          <a:blip r:embed="rId2"/>
           <a:srcRect/>
           <a:stretch>
             <a:fillRect/>
           </a:stretch>
         </p:blipFill>
-        <p:spPr bwMode="auto">
+        <p:spPr>
           <a:xfrm>
-            <a:off x="-15539485" y="-4761195"/>
-            <a:ext cx="48355375" cy="36267088"/>
+            <a:off x="-15539485" y="-4761187"/>
+            <a:ext cx="48355375" cy="36267051"/>
           </a:xfrm>
           <a:prstGeom prst="rect">
             <a:avLst/>
           </a:prstGeom>
-          <a:noFill/>
-          <a:ln>
-            <a:noFill/>
-          </a:ln>
-          <a:effectLst/>
-          <a:extLst>
-            <a:ext uri="{909E8E84-426E-40DD-AFC4-6F175D3DCCD1}">
-              <a14:hiddenFill xmlns:a14="http://schemas.microsoft.com/office/drawing/2010/main">
-                <a:solidFill>
-                  <a:schemeClr val="accent1"/>
-                </a:solidFill>
-              </a14:hiddenFill>
-            </a:ext>
-            <a:ext uri="{91240B29-F687-4F45-9708-019B960494DF}">
-              <a14:hiddenLine xmlns:a14="http://schemas.microsoft.com/office/drawing/2010/main" w="9525">
-                <a:solidFill>
-                  <a:schemeClr val="tx1"/>
-                </a:solidFill>
-                <a:miter lim="800000"/>
-                <a:headEnd/>
-                <a:tailEnd/>
-              </a14:hiddenLine>
-            </a:ext>
-            <a:ext uri="{AF507438-7753-43E0-B8FC-AC1667EBCBE1}">
-              <a14:hiddenEffects xmlns:a14="http://schemas.microsoft.com/office/drawing/2010/main">
-                <a:effectLst>
-                  <a:outerShdw dist="35921" dir="2700000" algn="ctr" rotWithShape="0">
-                    <a:schemeClr val="bg2"/>
-                  </a:outerShdw>
-                </a:effectLst>
-              </a14:hiddenEffects>
-            </a:ext>
-          </a:extLst>
         </p:spPr>
       </p:pic>
       <p:pic>
         <p:nvPicPr>
-          <p:cNvPr id="3" name="PPTIndicator201506181756132820"/>
+          <p:cNvPr id="3" name="PPTIndicator201705111428201795"/>
           <p:cNvPicPr>
             <a:picLocks/>
           </p:cNvPicPr>
@@ -13999,7 +13766,7 @@
     </p:spTree>
     <p:extLst>
       <p:ext uri="{BB962C8B-B14F-4D97-AF65-F5344CB8AC3E}">
-        <p14:creationId xmlns:p14="http://schemas.microsoft.com/office/powerpoint/2010/main" val="3076973614"/>
+        <p14:creationId xmlns:p14="http://schemas.microsoft.com/office/powerpoint/2010/main" val="847195898"/>
       </p:ext>
     </p:extLst>
   </p:cSld>
@@ -14317,7 +14084,7 @@
 
 <file path=ppt/slides/slide20.xml><?xml version="1.0" encoding="utf-8"?>
 <p:sld xmlns:a="http://schemas.openxmlformats.org/drawingml/2006/main" xmlns:r="http://schemas.openxmlformats.org/officeDocument/2006/relationships" xmlns:p="http://schemas.openxmlformats.org/presentationml/2006/main">
-  <p:cSld name="PPTLabsMagnifiedPanSlide201506181756136290">
+  <p:cSld name="PPTLabsMagnifiedPanSlide201705111428205327">
     <p:bg>
       <p:bgPr>
         <a:solidFill>
@@ -14342,135 +14109,57 @@
       </p:grpSpPr>
       <p:pic>
         <p:nvPicPr>
-          <p:cNvPr id="11266" name="PPTLabsMagnifyAreaGroup201506181756132440"/>
+          <p:cNvPr id="5" name="PPTLabsMagnifyAreaGroup201705111428201069"/>
           <p:cNvPicPr>
-            <a:picLocks noChangeArrowheads="1"/>
+            <a:picLocks/>
           </p:cNvPicPr>
           <p:nvPr/>
         </p:nvPicPr>
         <p:blipFill>
-          <a:blip r:embed="rId2">
-            <a:extLst>
-              <a:ext uri="{28A0092B-C50C-407E-A947-70E740481C1C}">
-                <a14:useLocalDpi xmlns:a14="http://schemas.microsoft.com/office/drawing/2010/main" val="0"/>
-              </a:ext>
-            </a:extLst>
-          </a:blip>
+          <a:blip r:embed="rId2"/>
           <a:srcRect/>
           <a:stretch>
             <a:fillRect/>
           </a:stretch>
         </p:blipFill>
-        <p:spPr bwMode="auto">
+        <p:spPr>
           <a:xfrm>
             <a:off x="0" y="0"/>
-            <a:ext cx="9143859" cy="6858000"/>
+            <a:ext cx="9143869" cy="6858000"/>
           </a:xfrm>
           <a:prstGeom prst="rect">
             <a:avLst/>
           </a:prstGeom>
-          <a:noFill/>
-          <a:ln>
-            <a:noFill/>
-          </a:ln>
-          <a:effectLst/>
-          <a:extLst>
-            <a:ext uri="{909E8E84-426E-40DD-AFC4-6F175D3DCCD1}">
-              <a14:hiddenFill xmlns:a14="http://schemas.microsoft.com/office/drawing/2010/main">
-                <a:solidFill>
-                  <a:schemeClr val="accent1"/>
-                </a:solidFill>
-              </a14:hiddenFill>
-            </a:ext>
-            <a:ext uri="{91240B29-F687-4F45-9708-019B960494DF}">
-              <a14:hiddenLine xmlns:a14="http://schemas.microsoft.com/office/drawing/2010/main" w="9525">
-                <a:solidFill>
-                  <a:schemeClr val="tx1"/>
-                </a:solidFill>
-                <a:miter lim="800000"/>
-                <a:headEnd/>
-                <a:tailEnd/>
-              </a14:hiddenLine>
-            </a:ext>
-            <a:ext uri="{AF507438-7753-43E0-B8FC-AC1667EBCBE1}">
-              <a14:hiddenEffects xmlns:a14="http://schemas.microsoft.com/office/drawing/2010/main">
-                <a:effectLst>
-                  <a:outerShdw dist="35921" dir="2700000" algn="ctr" rotWithShape="0">
-                    <a:schemeClr val="bg2"/>
-                  </a:outerShdw>
-                </a:effectLst>
-              </a14:hiddenEffects>
-            </a:ext>
-          </a:extLst>
         </p:spPr>
       </p:pic>
       <p:pic>
         <p:nvPicPr>
-          <p:cNvPr id="5" name="PPTLabsMagnifyAreaGroup201506181756132440"/>
+          <p:cNvPr id="6" name="PPTLabsMagnifyAreaGroup201705111428201069"/>
           <p:cNvPicPr>
-            <a:picLocks noChangeArrowheads="1"/>
+            <a:picLocks/>
           </p:cNvPicPr>
           <p:nvPr/>
         </p:nvPicPr>
         <p:blipFill>
-          <a:blip r:embed="rId2">
-            <a:extLst>
-              <a:ext uri="{28A0092B-C50C-407E-A947-70E740481C1C}">
-                <a14:useLocalDpi xmlns:a14="http://schemas.microsoft.com/office/drawing/2010/main" val="0"/>
-              </a:ext>
-            </a:extLst>
-          </a:blip>
+          <a:blip r:embed="rId2"/>
           <a:srcRect/>
           <a:stretch>
             <a:fillRect/>
           </a:stretch>
         </p:blipFill>
-        <p:spPr bwMode="auto">
+        <p:spPr>
           <a:xfrm>
-            <a:off x="-15539486" y="-4761195"/>
-            <a:ext cx="48355375" cy="36267088"/>
+            <a:off x="-15539486" y="-4761187"/>
+            <a:ext cx="48355375" cy="36267051"/>
           </a:xfrm>
           <a:prstGeom prst="rect">
             <a:avLst/>
           </a:prstGeom>
-          <a:noFill/>
-          <a:ln>
-            <a:noFill/>
-          </a:ln>
-          <a:effectLst/>
-          <a:extLst>
-            <a:ext uri="{909E8E84-426E-40DD-AFC4-6F175D3DCCD1}">
-              <a14:hiddenFill xmlns:a14="http://schemas.microsoft.com/office/drawing/2010/main">
-                <a:solidFill>
-                  <a:schemeClr val="accent1"/>
-                </a:solidFill>
-              </a14:hiddenFill>
-            </a:ext>
-            <a:ext uri="{91240B29-F687-4F45-9708-019B960494DF}">
-              <a14:hiddenLine xmlns:a14="http://schemas.microsoft.com/office/drawing/2010/main" w="9525">
-                <a:solidFill>
-                  <a:schemeClr val="tx1"/>
-                </a:solidFill>
-                <a:miter lim="800000"/>
-                <a:headEnd/>
-                <a:tailEnd/>
-              </a14:hiddenLine>
-            </a:ext>
-            <a:ext uri="{AF507438-7753-43E0-B8FC-AC1667EBCBE1}">
-              <a14:hiddenEffects xmlns:a14="http://schemas.microsoft.com/office/drawing/2010/main">
-                <a:effectLst>
-                  <a:outerShdw dist="35921" dir="2700000" algn="ctr" rotWithShape="0">
-                    <a:schemeClr val="bg2"/>
-                  </a:outerShdw>
-                </a:effectLst>
-              </a14:hiddenEffects>
-            </a:ext>
-          </a:extLst>
         </p:spPr>
       </p:pic>
       <p:pic>
         <p:nvPicPr>
-          <p:cNvPr id="2" name="PPTIndicator201506181756136420"/>
+          <p:cNvPr id="2" name="PPTIndicator201705111428205497"/>
           <p:cNvPicPr>
             <a:picLocks/>
           </p:cNvPicPr>
@@ -14501,7 +14190,7 @@
     </p:spTree>
     <p:extLst>
       <p:ext uri="{BB962C8B-B14F-4D97-AF65-F5344CB8AC3E}">
-        <p14:creationId xmlns:p14="http://schemas.microsoft.com/office/powerpoint/2010/main" val="696875417"/>
+        <p14:creationId xmlns:p14="http://schemas.microsoft.com/office/powerpoint/2010/main" val="2215249357"/>
       </p:ext>
     </p:extLst>
   </p:cSld>
@@ -14599,11 +14288,11 @@
                                     <p:cond delay="0"/>
                                   </p:stCondLst>
                                   <p:childTnLst>
-                                    <p:animMotion origin="layout" path="M 0 0 C 0.2223465 0.7249453 0.2223465 0.7249453 0.4446929 1.449891 E" pathEditMode="relative" ptsTypes="">
+                                    <p:animMotion origin="layout" path="M 0 0 C 0.2223462 0.7249445 0.2223462 0.7249445 0.4446925 1.449889 E" pathEditMode="relative" ptsTypes="">
                                       <p:cBhvr>
                                         <p:cTn id="10" dur="1" fill="hold"/>
                                         <p:tgtEl>
-                                          <p:spTgt spid="11266"/>
+                                          <p:spTgt spid="5"/>
                                         </p:tgtEl>
                                         <p:attrNameLst>
                                           <p:attrName>ppt_x</p:attrName>
@@ -14624,10 +14313,10 @@
                                       <p:cBhvr>
                                         <p:cTn id="12" dur="1" fill="hold"/>
                                         <p:tgtEl>
-                                          <p:spTgt spid="11266"/>
-                                        </p:tgtEl>
-                                      </p:cBhvr>
-                                      <p:by x="528829" y="528829"/>
+                                          <p:spTgt spid="5"/>
+                                        </p:tgtEl>
+                                      </p:cBhvr>
+                                      <p:by x="528828" y="528828"/>
                                     </p:animScale>
                                   </p:childTnLst>
                                 </p:cTn>
@@ -14642,7 +14331,7 @@
                                       <p:cBhvr>
                                         <p:cTn id="14" dur="10"/>
                                         <p:tgtEl>
-                                          <p:spTgt spid="5"/>
+                                          <p:spTgt spid="6"/>
                                         </p:tgtEl>
                                       </p:cBhvr>
                                     </p:animEffect>
@@ -14654,7 +14343,7 @@
                                           </p:stCondLst>
                                         </p:cTn>
                                         <p:tgtEl>
-                                          <p:spTgt spid="5"/>
+                                          <p:spTgt spid="6"/>
                                         </p:tgtEl>
                                         <p:attrNameLst>
                                           <p:attrName>style.visibility</p:attrName>
@@ -14682,11 +14371,11 @@
                                     <p:cond delay="0"/>
                                   </p:stCondLst>
                                   <p:childTnLst>
-                                    <p:animMotion origin="layout" path="M 0.4446929 1.449891 C 0.002813905 0.8386203 0.002813905 0.8386203 -0.4390651 0.2273496 E" pathEditMode="relative" ptsTypes="">
+                                    <p:animMotion origin="layout" path="M 0.4446925 1.449889 C 0.002813399 0.8386196 0.002813399 0.8386196 -0.4390657 0.2273501 E" pathEditMode="relative" ptsTypes="">
                                       <p:cBhvr>
                                         <p:cTn id="18" dur="400" fill="hold"/>
                                         <p:tgtEl>
-                                          <p:spTgt spid="11266"/>
+                                          <p:spTgt spid="5"/>
                                         </p:tgtEl>
                                         <p:attrNameLst>
                                           <p:attrName>ppt_x</p:attrName>
@@ -14707,7 +14396,7 @@
                                       <p:cBhvr>
                                         <p:cTn id="20" dur="400" fill="hold"/>
                                         <p:tgtEl>
-                                          <p:spTgt spid="11266"/>
+                                          <p:spTgt spid="5"/>
                                         </p:tgtEl>
                                       </p:cBhvr>
                                       <p:by x="35516" y="35515"/>
@@ -14748,7 +14437,7 @@
 
 <file path=ppt/slides/slide21.xml><?xml version="1.0" encoding="utf-8"?>
 <p:sld xmlns:a="http://schemas.openxmlformats.org/drawingml/2006/main" xmlns:r="http://schemas.openxmlformats.org/officeDocument/2006/relationships" xmlns:p="http://schemas.openxmlformats.org/presentationml/2006/main">
-  <p:cSld name="PPTLabsMagnifiedSlide201506181756136100">
+  <p:cSld name="PPTLabsMagnifiedSlide201705111428205036">
     <p:bg>
       <p:bgPr>
         <a:solidFill>
@@ -14773,26 +14462,20 @@
       </p:grpSpPr>
       <p:pic>
         <p:nvPicPr>
-          <p:cNvPr id="12290" name="PPTLabsMagnifyAreaGroup201506181756135860"/>
+          <p:cNvPr id="5" name="PPTLabsMagnifyAreaGroup201705111428204704"/>
           <p:cNvPicPr>
-            <a:picLocks noChangeAspect="1" noChangeArrowheads="1"/>
+            <a:picLocks noChangeAspect="1"/>
           </p:cNvPicPr>
           <p:nvPr/>
         </p:nvPicPr>
         <p:blipFill>
-          <a:blip r:embed="rId2">
-            <a:extLst>
-              <a:ext uri="{28A0092B-C50C-407E-A947-70E740481C1C}">
-                <a14:useLocalDpi xmlns:a14="http://schemas.microsoft.com/office/drawing/2010/main" val="0"/>
-              </a:ext>
-            </a:extLst>
-          </a:blip>
+          <a:blip r:embed="rId2"/>
           <a:srcRect/>
           <a:stretch>
             <a:fillRect/>
           </a:stretch>
         </p:blipFill>
-        <p:spPr bwMode="auto">
+        <p:spPr>
           <a:xfrm>
             <a:off x="-8029764" y="-1452008"/>
             <a:ext cx="17173764" cy="12880349"/>
@@ -14800,44 +14483,11 @@
           <a:prstGeom prst="rect">
             <a:avLst/>
           </a:prstGeom>
-          <a:noFill/>
-          <a:ln>
-            <a:noFill/>
-          </a:ln>
-          <a:effectLst/>
-          <a:extLst>
-            <a:ext uri="{909E8E84-426E-40DD-AFC4-6F175D3DCCD1}">
-              <a14:hiddenFill xmlns:a14="http://schemas.microsoft.com/office/drawing/2010/main">
-                <a:solidFill>
-                  <a:schemeClr val="accent1"/>
-                </a:solidFill>
-              </a14:hiddenFill>
-            </a:ext>
-            <a:ext uri="{91240B29-F687-4F45-9708-019B960494DF}">
-              <a14:hiddenLine xmlns:a14="http://schemas.microsoft.com/office/drawing/2010/main" w="9525">
-                <a:solidFill>
-                  <a:schemeClr val="tx1"/>
-                </a:solidFill>
-                <a:miter lim="800000"/>
-                <a:headEnd/>
-                <a:tailEnd/>
-              </a14:hiddenLine>
-            </a:ext>
-            <a:ext uri="{AF507438-7753-43E0-B8FC-AC1667EBCBE1}">
-              <a14:hiddenEffects xmlns:a14="http://schemas.microsoft.com/office/drawing/2010/main">
-                <a:effectLst>
-                  <a:outerShdw dist="35921" dir="2700000" algn="ctr" rotWithShape="0">
-                    <a:schemeClr val="bg2"/>
-                  </a:outerShdw>
-                </a:effectLst>
-              </a14:hiddenEffects>
-            </a:ext>
-          </a:extLst>
         </p:spPr>
       </p:pic>
       <p:pic>
         <p:nvPicPr>
-          <p:cNvPr id="3" name="PPTIndicator201506181756136250"/>
+          <p:cNvPr id="3" name="PPTIndicator201705111428205297"/>
           <p:cNvPicPr>
             <a:picLocks/>
           </p:cNvPicPr>
@@ -14868,7 +14518,7 @@
     </p:spTree>
     <p:extLst>
       <p:ext uri="{BB962C8B-B14F-4D97-AF65-F5344CB8AC3E}">
-        <p14:creationId xmlns:p14="http://schemas.microsoft.com/office/powerpoint/2010/main" val="704792802"/>
+        <p14:creationId xmlns:p14="http://schemas.microsoft.com/office/powerpoint/2010/main" val="102992547"/>
       </p:ext>
     </p:extLst>
   </p:cSld>
@@ -14993,7 +14643,7 @@
 
 <file path=ppt/slides/slide22.xml><?xml version="1.0" encoding="utf-8"?>
 <p:sld xmlns:a="http://schemas.openxmlformats.org/drawingml/2006/main" xmlns:r="http://schemas.openxmlformats.org/officeDocument/2006/relationships" xmlns:p="http://schemas.openxmlformats.org/presentationml/2006/main">
-  <p:cSld name="PPTLabsMagnifiedPanSlide201506181756139670">
+  <p:cSld name="PPTLabsMagnifiedPanSlide201705111428208828">
     <p:bg>
       <p:bgPr>
         <a:solidFill>
@@ -15018,26 +14668,20 @@
       </p:grpSpPr>
       <p:pic>
         <p:nvPicPr>
-          <p:cNvPr id="12290" name="PPTLabsMagnifyAreaGroup201506181756135860"/>
+          <p:cNvPr id="5" name="PPTLabsMagnifyAreaGroup201705111428204704"/>
           <p:cNvPicPr>
-            <a:picLocks noChangeArrowheads="1"/>
+            <a:picLocks/>
           </p:cNvPicPr>
           <p:nvPr/>
         </p:nvPicPr>
         <p:blipFill>
-          <a:blip r:embed="rId2">
-            <a:extLst>
-              <a:ext uri="{28A0092B-C50C-407E-A947-70E740481C1C}">
-                <a14:useLocalDpi xmlns:a14="http://schemas.microsoft.com/office/drawing/2010/main" val="0"/>
-              </a:ext>
-            </a:extLst>
-          </a:blip>
+          <a:blip r:embed="rId2"/>
           <a:srcRect/>
           <a:stretch>
             <a:fillRect/>
           </a:stretch>
         </p:blipFill>
-        <p:spPr bwMode="auto">
+        <p:spPr>
           <a:xfrm>
             <a:off x="1" y="0"/>
             <a:ext cx="9143981" cy="6858000"/>
@@ -15045,63 +14689,24 @@
           <a:prstGeom prst="rect">
             <a:avLst/>
           </a:prstGeom>
-          <a:noFill/>
-          <a:ln>
-            <a:noFill/>
-          </a:ln>
-          <a:effectLst/>
-          <a:extLst>
-            <a:ext uri="{909E8E84-426E-40DD-AFC4-6F175D3DCCD1}">
-              <a14:hiddenFill xmlns:a14="http://schemas.microsoft.com/office/drawing/2010/main">
-                <a:solidFill>
-                  <a:schemeClr val="accent1"/>
-                </a:solidFill>
-              </a14:hiddenFill>
-            </a:ext>
-            <a:ext uri="{91240B29-F687-4F45-9708-019B960494DF}">
-              <a14:hiddenLine xmlns:a14="http://schemas.microsoft.com/office/drawing/2010/main" w="9525">
-                <a:solidFill>
-                  <a:schemeClr val="tx1"/>
-                </a:solidFill>
-                <a:miter lim="800000"/>
-                <a:headEnd/>
-                <a:tailEnd/>
-              </a14:hiddenLine>
-            </a:ext>
-            <a:ext uri="{AF507438-7753-43E0-B8FC-AC1667EBCBE1}">
-              <a14:hiddenEffects xmlns:a14="http://schemas.microsoft.com/office/drawing/2010/main">
-                <a:effectLst>
-                  <a:outerShdw dist="35921" dir="2700000" algn="ctr" rotWithShape="0">
-                    <a:schemeClr val="bg2"/>
-                  </a:outerShdw>
-                </a:effectLst>
-              </a14:hiddenEffects>
-            </a:ext>
-          </a:extLst>
         </p:spPr>
       </p:pic>
       <p:pic>
         <p:nvPicPr>
-          <p:cNvPr id="5" name="PPTLabsMagnifyAreaGroup201506181756135860"/>
+          <p:cNvPr id="6" name="PPTLabsMagnifyAreaGroup201705111428204704"/>
           <p:cNvPicPr>
-            <a:picLocks noChangeArrowheads="1"/>
+            <a:picLocks/>
           </p:cNvPicPr>
           <p:nvPr/>
         </p:nvPicPr>
         <p:blipFill>
-          <a:blip r:embed="rId2">
-            <a:extLst>
-              <a:ext uri="{28A0092B-C50C-407E-A947-70E740481C1C}">
-                <a14:useLocalDpi xmlns:a14="http://schemas.microsoft.com/office/drawing/2010/main" val="0"/>
-              </a:ext>
-            </a:extLst>
-          </a:blip>
+          <a:blip r:embed="rId2"/>
           <a:srcRect/>
           <a:stretch>
             <a:fillRect/>
           </a:stretch>
         </p:blipFill>
-        <p:spPr bwMode="auto">
+        <p:spPr>
           <a:xfrm>
             <a:off x="-8029764" y="-1452008"/>
             <a:ext cx="17173764" cy="12880349"/>
@@ -15109,44 +14714,11 @@
           <a:prstGeom prst="rect">
             <a:avLst/>
           </a:prstGeom>
-          <a:noFill/>
-          <a:ln>
-            <a:noFill/>
-          </a:ln>
-          <a:effectLst/>
-          <a:extLst>
-            <a:ext uri="{909E8E84-426E-40DD-AFC4-6F175D3DCCD1}">
-              <a14:hiddenFill xmlns:a14="http://schemas.microsoft.com/office/drawing/2010/main">
-                <a:solidFill>
-                  <a:schemeClr val="accent1"/>
-                </a:solidFill>
-              </a14:hiddenFill>
-            </a:ext>
-            <a:ext uri="{91240B29-F687-4F45-9708-019B960494DF}">
-              <a14:hiddenLine xmlns:a14="http://schemas.microsoft.com/office/drawing/2010/main" w="9525">
-                <a:solidFill>
-                  <a:schemeClr val="tx1"/>
-                </a:solidFill>
-                <a:miter lim="800000"/>
-                <a:headEnd/>
-                <a:tailEnd/>
-              </a14:hiddenLine>
-            </a:ext>
-            <a:ext uri="{AF507438-7753-43E0-B8FC-AC1667EBCBE1}">
-              <a14:hiddenEffects xmlns:a14="http://schemas.microsoft.com/office/drawing/2010/main">
-                <a:effectLst>
-                  <a:outerShdw dist="35921" dir="2700000" algn="ctr" rotWithShape="0">
-                    <a:schemeClr val="bg2"/>
-                  </a:outerShdw>
-                </a:effectLst>
-              </a14:hiddenEffects>
-            </a:ext>
-          </a:extLst>
         </p:spPr>
       </p:pic>
       <p:pic>
         <p:nvPicPr>
-          <p:cNvPr id="2" name="PPTIndicator201506181756139810"/>
+          <p:cNvPr id="2" name="PPTIndicator201705111428209008"/>
           <p:cNvPicPr>
             <a:picLocks/>
           </p:cNvPicPr>
@@ -15177,7 +14749,7 @@
     </p:spTree>
     <p:extLst>
       <p:ext uri="{BB962C8B-B14F-4D97-AF65-F5344CB8AC3E}">
-        <p14:creationId xmlns:p14="http://schemas.microsoft.com/office/powerpoint/2010/main" val="3546375103"/>
+        <p14:creationId xmlns:p14="http://schemas.microsoft.com/office/powerpoint/2010/main" val="1170809142"/>
       </p:ext>
     </p:extLst>
   </p:cSld>
@@ -15275,11 +14847,11 @@
                                     <p:cond delay="0"/>
                                   </p:stCondLst>
                                   <p:childTnLst>
-                                    <p:animMotion origin="layout" path="M 0 0 C -0.2195359 0.113675 -0.2195359 0.113675 -0.4390719 0.22735 E" pathEditMode="relative" ptsTypes="">
+                                    <p:animMotion origin="layout" path="M 0 0 C -0.219536 0.113675 -0.219536 0.113675 -0.4390719 0.22735 E" pathEditMode="relative" ptsTypes="">
                                       <p:cBhvr>
                                         <p:cTn id="10" dur="1" fill="hold"/>
                                         <p:tgtEl>
-                                          <p:spTgt spid="12290"/>
+                                          <p:spTgt spid="5"/>
                                         </p:tgtEl>
                                         <p:attrNameLst>
                                           <p:attrName>ppt_x</p:attrName>
@@ -15300,7 +14872,7 @@
                                       <p:cBhvr>
                                         <p:cTn id="12" dur="1" fill="hold"/>
                                         <p:tgtEl>
-                                          <p:spTgt spid="12290"/>
+                                          <p:spTgt spid="5"/>
                                         </p:tgtEl>
                                       </p:cBhvr>
                                       <p:by x="187815" y="187815"/>
@@ -15318,7 +14890,7 @@
                                       <p:cBhvr>
                                         <p:cTn id="14" dur="10"/>
                                         <p:tgtEl>
-                                          <p:spTgt spid="5"/>
+                                          <p:spTgt spid="6"/>
                                         </p:tgtEl>
                                       </p:cBhvr>
                                     </p:animEffect>
@@ -15330,7 +14902,7 @@
                                           </p:stCondLst>
                                         </p:cTn>
                                         <p:tgtEl>
-                                          <p:spTgt spid="5"/>
+                                          <p:spTgt spid="6"/>
                                         </p:tgtEl>
                                         <p:attrNameLst>
                                           <p:attrName>style.visibility</p:attrName>
@@ -15362,7 +14934,7 @@
                                       <p:cBhvr>
                                         <p:cTn id="18" dur="400" fill="hold"/>
                                         <p:tgtEl>
-                                          <p:spTgt spid="12290"/>
+                                          <p:spTgt spid="5"/>
                                         </p:tgtEl>
                                         <p:attrNameLst>
                                           <p:attrName>ppt_x</p:attrName>
@@ -15383,7 +14955,7 @@
                                       <p:cBhvr>
                                         <p:cTn id="20" dur="400" fill="hold"/>
                                         <p:tgtEl>
-                                          <p:spTgt spid="12290"/>
+                                          <p:spTgt spid="5"/>
                                         </p:tgtEl>
                                       </p:cBhvr>
                                       <p:by x="108283" y="108283"/>
@@ -15424,7 +14996,7 @@
 
 <file path=ppt/slides/slide23.xml><?xml version="1.0" encoding="utf-8"?>
 <p:sld xmlns:a="http://schemas.openxmlformats.org/drawingml/2006/main" xmlns:r="http://schemas.openxmlformats.org/officeDocument/2006/relationships" xmlns:p="http://schemas.openxmlformats.org/presentationml/2006/main">
-  <p:cSld name="PPTLabsMagnifiedSlide201506181756139480">
+  <p:cSld name="PPTLabsMagnifiedSlide201705111428208527">
     <p:bg>
       <p:bgPr>
         <a:solidFill>
@@ -15449,26 +15021,20 @@
       </p:grpSpPr>
       <p:pic>
         <p:nvPicPr>
-          <p:cNvPr id="13314" name="PPTLabsMagnifyAreaGroup201506181756139240"/>
+          <p:cNvPr id="5" name="PPTLabsMagnifyAreaGroup201705111428208072"/>
           <p:cNvPicPr>
-            <a:picLocks noChangeAspect="1" noChangeArrowheads="1"/>
+            <a:picLocks noChangeAspect="1"/>
           </p:cNvPicPr>
           <p:nvPr/>
         </p:nvPicPr>
         <p:blipFill>
-          <a:blip r:embed="rId2">
-            <a:extLst>
-              <a:ext uri="{28A0092B-C50C-407E-A947-70E740481C1C}">
-                <a14:useLocalDpi xmlns:a14="http://schemas.microsoft.com/office/drawing/2010/main" val="0"/>
-              </a:ext>
-            </a:extLst>
-          </a:blip>
+          <a:blip r:embed="rId2"/>
           <a:srcRect/>
           <a:stretch>
             <a:fillRect/>
           </a:stretch>
         </p:blipFill>
-        <p:spPr bwMode="auto">
+        <p:spPr>
           <a:xfrm>
             <a:off x="-4028893" y="-7089260"/>
             <a:ext cx="18596324" cy="13947264"/>
@@ -15476,44 +15042,11 @@
           <a:prstGeom prst="rect">
             <a:avLst/>
           </a:prstGeom>
-          <a:noFill/>
-          <a:ln>
-            <a:noFill/>
-          </a:ln>
-          <a:effectLst/>
-          <a:extLst>
-            <a:ext uri="{909E8E84-426E-40DD-AFC4-6F175D3DCCD1}">
-              <a14:hiddenFill xmlns:a14="http://schemas.microsoft.com/office/drawing/2010/main">
-                <a:solidFill>
-                  <a:schemeClr val="accent1"/>
-                </a:solidFill>
-              </a14:hiddenFill>
-            </a:ext>
-            <a:ext uri="{91240B29-F687-4F45-9708-019B960494DF}">
-              <a14:hiddenLine xmlns:a14="http://schemas.microsoft.com/office/drawing/2010/main" w="9525">
-                <a:solidFill>
-                  <a:schemeClr val="tx1"/>
-                </a:solidFill>
-                <a:miter lim="800000"/>
-                <a:headEnd/>
-                <a:tailEnd/>
-              </a14:hiddenLine>
-            </a:ext>
-            <a:ext uri="{AF507438-7753-43E0-B8FC-AC1667EBCBE1}">
-              <a14:hiddenEffects xmlns:a14="http://schemas.microsoft.com/office/drawing/2010/main">
-                <a:effectLst>
-                  <a:outerShdw dist="35921" dir="2700000" algn="ctr" rotWithShape="0">
-                    <a:schemeClr val="bg2"/>
-                  </a:outerShdw>
-                </a:effectLst>
-              </a14:hiddenEffects>
-            </a:ext>
-          </a:extLst>
         </p:spPr>
       </p:pic>
       <p:pic>
         <p:nvPicPr>
-          <p:cNvPr id="3" name="PPTIndicator201506181756139630"/>
+          <p:cNvPr id="3" name="PPTIndicator201705111428208798"/>
           <p:cNvPicPr>
             <a:picLocks/>
           </p:cNvPicPr>
@@ -15544,7 +15077,7 @@
     </p:spTree>
     <p:extLst>
       <p:ext uri="{BB962C8B-B14F-4D97-AF65-F5344CB8AC3E}">
-        <p14:creationId xmlns:p14="http://schemas.microsoft.com/office/powerpoint/2010/main" val="1124689160"/>
+        <p14:creationId xmlns:p14="http://schemas.microsoft.com/office/powerpoint/2010/main" val="1203944331"/>
       </p:ext>
     </p:extLst>
   </p:cSld>
@@ -15669,7 +15202,7 @@
 
 <file path=ppt/slides/slide24.xml><?xml version="1.0" encoding="utf-8"?>
 <p:sld xmlns:a="http://schemas.openxmlformats.org/drawingml/2006/main" xmlns:r="http://schemas.openxmlformats.org/officeDocument/2006/relationships" xmlns:p="http://schemas.openxmlformats.org/presentationml/2006/main">
-  <p:cSld name="PPTLabsDeMagnifyingSlide201506181756139870">
+  <p:cSld name="PPTLabsDeMagnifyingSlide201705111428209078">
     <p:bg>
       <p:bgPr>
         <a:solidFill>
@@ -15770,135 +15303,55 @@
       </p:sp>
       <p:pic>
         <p:nvPicPr>
-          <p:cNvPr id="13314" name="PPTLabsMagnifyAreaGroup201506181756139240"/>
+          <p:cNvPr id="5" name="PPTLabsMagnifyAreaGroup201705111428208072"/>
           <p:cNvPicPr>
-            <a:picLocks noChangeArrowheads="1"/>
+            <a:picLocks/>
           </p:cNvPicPr>
           <p:nvPr/>
         </p:nvPicPr>
         <p:blipFill>
-          <a:blip r:embed="rId3">
-            <a:extLst>
-              <a:ext uri="{28A0092B-C50C-407E-A947-70E740481C1C}">
-                <a14:useLocalDpi xmlns:a14="http://schemas.microsoft.com/office/drawing/2010/main" val="0"/>
-              </a:ext>
-            </a:extLst>
-          </a:blip>
-          <a:srcRect/>
+          <a:blip r:embed="rId3"/>
           <a:stretch>
             <a:fillRect/>
           </a:stretch>
         </p:blipFill>
-        <p:spPr bwMode="auto">
+        <p:spPr>
           <a:xfrm>
             <a:off x="0" y="0"/>
-            <a:ext cx="9144000" cy="6858000"/>
+            <a:ext cx="9144000" cy="6857998"/>
           </a:xfrm>
           <a:prstGeom prst="rect">
             <a:avLst/>
           </a:prstGeom>
-          <a:noFill/>
-          <a:ln>
-            <a:noFill/>
-          </a:ln>
-          <a:effectLst/>
-          <a:extLst>
-            <a:ext uri="{909E8E84-426E-40DD-AFC4-6F175D3DCCD1}">
-              <a14:hiddenFill xmlns:a14="http://schemas.microsoft.com/office/drawing/2010/main">
-                <a:solidFill>
-                  <a:schemeClr val="accent1"/>
-                </a:solidFill>
-              </a14:hiddenFill>
-            </a:ext>
-            <a:ext uri="{91240B29-F687-4F45-9708-019B960494DF}">
-              <a14:hiddenLine xmlns:a14="http://schemas.microsoft.com/office/drawing/2010/main" w="9525">
-                <a:solidFill>
-                  <a:schemeClr val="tx1"/>
-                </a:solidFill>
-                <a:miter lim="800000"/>
-                <a:headEnd/>
-                <a:tailEnd/>
-              </a14:hiddenLine>
-            </a:ext>
-            <a:ext uri="{AF507438-7753-43E0-B8FC-AC1667EBCBE1}">
-              <a14:hiddenEffects xmlns:a14="http://schemas.microsoft.com/office/drawing/2010/main">
-                <a:effectLst>
-                  <a:outerShdw dist="35921" dir="2700000" algn="ctr" rotWithShape="0">
-                    <a:schemeClr val="bg2"/>
-                  </a:outerShdw>
-                </a:effectLst>
-              </a14:hiddenEffects>
-            </a:ext>
-          </a:extLst>
         </p:spPr>
       </p:pic>
       <p:pic>
         <p:nvPicPr>
-          <p:cNvPr id="11" name="PPTLabsMagnifyAreaGroup201506181756139240"/>
+          <p:cNvPr id="11" name="PPTLabsMagnifyAreaGroup201705111428208072"/>
           <p:cNvPicPr>
-            <a:picLocks noChangeArrowheads="1"/>
+            <a:picLocks/>
           </p:cNvPicPr>
           <p:nvPr/>
         </p:nvPicPr>
         <p:blipFill>
-          <a:blip r:embed="rId3">
-            <a:extLst>
-              <a:ext uri="{28A0092B-C50C-407E-A947-70E740481C1C}">
-                <a14:useLocalDpi xmlns:a14="http://schemas.microsoft.com/office/drawing/2010/main" val="0"/>
-              </a:ext>
-            </a:extLst>
-          </a:blip>
-          <a:srcRect/>
+          <a:blip r:embed="rId3"/>
           <a:stretch>
             <a:fillRect/>
           </a:stretch>
         </p:blipFill>
-        <p:spPr bwMode="auto">
+        <p:spPr>
           <a:xfrm>
-            <a:off x="-4029559" y="-7090474"/>
-            <a:ext cx="18597966" cy="13948474"/>
+            <a:off x="-4029560" y="-7090474"/>
+            <a:ext cx="18597967" cy="13948474"/>
           </a:xfrm>
           <a:prstGeom prst="rect">
             <a:avLst/>
           </a:prstGeom>
-          <a:noFill/>
-          <a:ln>
-            <a:noFill/>
-          </a:ln>
-          <a:effectLst/>
-          <a:extLst>
-            <a:ext uri="{909E8E84-426E-40DD-AFC4-6F175D3DCCD1}">
-              <a14:hiddenFill xmlns:a14="http://schemas.microsoft.com/office/drawing/2010/main">
-                <a:solidFill>
-                  <a:schemeClr val="accent1"/>
-                </a:solidFill>
-              </a14:hiddenFill>
-            </a:ext>
-            <a:ext uri="{91240B29-F687-4F45-9708-019B960494DF}">
-              <a14:hiddenLine xmlns:a14="http://schemas.microsoft.com/office/drawing/2010/main" w="9525">
-                <a:solidFill>
-                  <a:schemeClr val="tx1"/>
-                </a:solidFill>
-                <a:miter lim="800000"/>
-                <a:headEnd/>
-                <a:tailEnd/>
-              </a14:hiddenLine>
-            </a:ext>
-            <a:ext uri="{AF507438-7753-43E0-B8FC-AC1667EBCBE1}">
-              <a14:hiddenEffects xmlns:a14="http://schemas.microsoft.com/office/drawing/2010/main">
-                <a:effectLst>
-                  <a:outerShdw dist="35921" dir="2700000" algn="ctr" rotWithShape="0">
-                    <a:schemeClr val="bg2"/>
-                  </a:outerShdw>
-                </a:effectLst>
-              </a14:hiddenEffects>
-            </a:ext>
-          </a:extLst>
         </p:spPr>
       </p:pic>
       <p:pic>
         <p:nvPicPr>
-          <p:cNvPr id="3" name="PPTIndicator201506181756140030"/>
+          <p:cNvPr id="3" name="PPTIndicator201705111428209298"/>
           <p:cNvPicPr>
             <a:picLocks/>
           </p:cNvPicPr>
@@ -15929,7 +15382,7 @@
     </p:spTree>
     <p:extLst>
       <p:ext uri="{BB962C8B-B14F-4D97-AF65-F5344CB8AC3E}">
-        <p14:creationId xmlns:p14="http://schemas.microsoft.com/office/powerpoint/2010/main" val="1704016943"/>
+        <p14:creationId xmlns:p14="http://schemas.microsoft.com/office/powerpoint/2010/main" val="2628252027"/>
       </p:ext>
     </p:extLst>
   </p:cSld>
@@ -16027,11 +15480,11 @@
                                     <p:cond delay="0"/>
                                   </p:stCondLst>
                                   <p:childTnLst>
-                                    <p:animMotion origin="layout" path="M 0 0 C 0.03813559 -0.2584746 0.03813559 -0.2584746 0.07627118 -0.5169491 E" pathEditMode="relative" ptsTypes="">
+                                    <p:animMotion origin="layout" path="M 0 0 C 0.03813563 -0.2584745 0.03813563 -0.2584745 0.07627127 -0.5169489 E" pathEditMode="relative" ptsTypes="">
                                       <p:cBhvr>
                                         <p:cTn id="10" dur="1" fill="hold"/>
                                         <p:tgtEl>
-                                          <p:spTgt spid="13314"/>
+                                          <p:spTgt spid="5"/>
                                         </p:tgtEl>
                                         <p:attrNameLst>
                                           <p:attrName>ppt_x</p:attrName>
@@ -16052,7 +15505,7 @@
                                       <p:cBhvr>
                                         <p:cTn id="12" dur="1" fill="hold"/>
                                         <p:tgtEl>
-                                          <p:spTgt spid="13314"/>
+                                          <p:spTgt spid="5"/>
                                         </p:tgtEl>
                                       </p:cBhvr>
                                       <p:by x="203390" y="203390"/>
@@ -16101,11 +15554,11 @@
                                     <p:cond delay="0"/>
                                   </p:stCondLst>
                                   <p:childTnLst>
-                                    <p:animMotion origin="layout" path="M 0.07627118 -0.5169491 C 0.0381356 -0.2584745 0.0381356 -0.2584745 7.450581E-09 0 E" pathEditMode="relative" ptsTypes="">
+                                    <p:animMotion origin="layout" path="M 0.07627127 -0.516949 C 0.03813564 -0.2584744 0.03813564 -0.2584744 -7.450581E-09 1.192093E-07 E" pathEditMode="relative" ptsTypes="">
                                       <p:cBhvr>
                                         <p:cTn id="17" dur="400" fill="hold"/>
                                         <p:tgtEl>
-                                          <p:spTgt spid="13314"/>
+                                          <p:spTgt spid="5"/>
                                         </p:tgtEl>
                                         <p:attrNameLst>
                                           <p:attrName>ppt_x</p:attrName>
@@ -16126,7 +15579,7 @@
                                       <p:cBhvr>
                                         <p:cTn id="19" dur="400" fill="hold"/>
                                         <p:tgtEl>
-                                          <p:spTgt spid="13314"/>
+                                          <p:spTgt spid="5"/>
                                         </p:tgtEl>
                                       </p:cBhvr>
                                       <p:by x="49167" y="49167"/>
@@ -16207,7 +15660,7 @@
                                       <p:cBhvr>
                                         <p:cTn id="26" dur="10"/>
                                         <p:tgtEl>
-                                          <p:spTgt spid="13314"/>
+                                          <p:spTgt spid="5"/>
                                         </p:tgtEl>
                                       </p:cBhvr>
                                     </p:animEffect>
@@ -16219,7 +15672,7 @@
                                           </p:stCondLst>
                                         </p:cTn>
                                         <p:tgtEl>
-                                          <p:spTgt spid="13314"/>
+                                          <p:spTgt spid="5"/>
                                         </p:tgtEl>
                                         <p:attrNameLst>
                                           <p:attrName>style.visibility</p:attrName>
@@ -17224,7 +16677,7 @@
 
 <file path=ppt/slides/slide27.xml><?xml version="1.0" encoding="utf-8"?>
 <p:sld xmlns:a="http://schemas.openxmlformats.org/drawingml/2006/main" xmlns:r="http://schemas.openxmlformats.org/officeDocument/2006/relationships" xmlns:p="http://schemas.openxmlformats.org/presentationml/2006/main">
-  <p:cSld name="PPTLabsZoomToAreaSlide201506261604157394">
+  <p:cSld name="PPTLabsZoomToAreaSlide201705111427513434">
     <p:bg>
       <p:bgPr>
         <a:solidFill>
@@ -17477,7 +16930,87 @@
       </p:sp>
       <p:sp>
         <p:nvSpPr>
-          <p:cNvPr id="3" name="PPTLabsMagnifyShape201506261604157454"/>
+          <p:cNvPr id="16" name="Oval 1" hidden="1"/>
+          <p:cNvSpPr/>
+          <p:nvPr/>
+        </p:nvSpPr>
+        <p:spPr>
+          <a:xfrm>
+            <a:off x="302733" y="3184634"/>
+            <a:ext cx="4953000" cy="3505200"/>
+          </a:xfrm>
+          <a:prstGeom prst="ellipse">
+            <a:avLst/>
+          </a:prstGeom>
+        </p:spPr>
+        <p:style>
+          <a:lnRef idx="2">
+            <a:schemeClr val="accent1">
+              <a:shade val="50000"/>
+            </a:schemeClr>
+          </a:lnRef>
+          <a:fillRef idx="1">
+            <a:schemeClr val="accent1"/>
+          </a:fillRef>
+          <a:effectRef idx="0">
+            <a:schemeClr val="accent1"/>
+          </a:effectRef>
+          <a:fontRef idx="minor">
+            <a:schemeClr val="lt1"/>
+          </a:fontRef>
+        </p:style>
+        <p:txBody>
+          <a:bodyPr rtlCol="0" anchor="ctr"/>
+          <a:lstStyle/>
+          <a:p>
+            <a:pPr algn="ctr"/>
+            <a:endParaRPr lang="en-US"/>
+          </a:p>
+        </p:txBody>
+      </p:sp>
+      <p:sp>
+        <p:nvSpPr>
+          <p:cNvPr id="17" name="Oval 5" hidden="1"/>
+          <p:cNvSpPr/>
+          <p:nvPr/>
+        </p:nvSpPr>
+        <p:spPr>
+          <a:xfrm>
+            <a:off x="3962400" y="381000"/>
+            <a:ext cx="4953000" cy="3505200"/>
+          </a:xfrm>
+          <a:prstGeom prst="ellipse">
+            <a:avLst/>
+          </a:prstGeom>
+        </p:spPr>
+        <p:style>
+          <a:lnRef idx="2">
+            <a:schemeClr val="accent1">
+              <a:shade val="50000"/>
+            </a:schemeClr>
+          </a:lnRef>
+          <a:fillRef idx="1">
+            <a:schemeClr val="accent1"/>
+          </a:fillRef>
+          <a:effectRef idx="0">
+            <a:schemeClr val="accent1"/>
+          </a:effectRef>
+          <a:fontRef idx="minor">
+            <a:schemeClr val="lt1"/>
+          </a:fontRef>
+        </p:style>
+        <p:txBody>
+          <a:bodyPr rtlCol="0" anchor="ctr"/>
+          <a:lstStyle/>
+          <a:p>
+            <a:pPr algn="ctr"/>
+            <a:endParaRPr lang="en-US"/>
+          </a:p>
+        </p:txBody>
+      </p:sp>
+      <p:sp>
+        <p:nvSpPr>
+          <p:cNvPr id="3" name="PPTLabsMagnifyShape201705111427513514"/>
           <p:cNvSpPr/>
           <p:nvPr/>
         </p:nvSpPr>
@@ -17541,7 +17074,7 @@
       </p:sp>
       <p:sp>
         <p:nvSpPr>
-          <p:cNvPr id="8" name="PPTLabsMagnifyShape201506261604157594"/>
+          <p:cNvPr id="8" name="PPTLabsMagnifyShape201705111427513674"/>
           <p:cNvSpPr/>
           <p:nvPr/>
         </p:nvSpPr>
@@ -17605,7 +17138,7 @@
       </p:sp>
       <p:sp>
         <p:nvSpPr>
-          <p:cNvPr id="9" name="PPTLabsMagnifyShape201506261604157744"/>
+          <p:cNvPr id="9" name="PPTLabsMagnifyShape201705111427513724"/>
           <p:cNvSpPr/>
           <p:nvPr/>
         </p:nvSpPr>
@@ -17669,7 +17202,7 @@
       </p:sp>
       <p:sp>
         <p:nvSpPr>
-          <p:cNvPr id="10" name="PPTLabsMagnifyShape201506261604157824"/>
+          <p:cNvPr id="10" name="PPTLabsMagnifyShape201705111427513784"/>
           <p:cNvSpPr/>
           <p:nvPr/>
         </p:nvSpPr>
@@ -17734,7 +17267,7 @@
     </p:spTree>
     <p:extLst>
       <p:ext uri="{BB962C8B-B14F-4D97-AF65-F5344CB8AC3E}">
-        <p14:creationId xmlns:p14="http://schemas.microsoft.com/office/powerpoint/2010/main" val="185689802"/>
+        <p14:creationId xmlns:p14="http://schemas.microsoft.com/office/powerpoint/2010/main" val="3915566693"/>
       </p:ext>
     </p:extLst>
   </p:cSld>
@@ -18158,7 +17691,7 @@
 
 <file path=ppt/slides/slide28.xml><?xml version="1.0" encoding="utf-8"?>
 <p:sld xmlns:a="http://schemas.openxmlformats.org/drawingml/2006/main" xmlns:r="http://schemas.openxmlformats.org/officeDocument/2006/relationships" xmlns:p="http://schemas.openxmlformats.org/presentationml/2006/main">
-  <p:cSld name="PPTLabsMagnifyingSlide201506261604158044">
+  <p:cSld name="PPTLabsMagnifyingSlide201705111427514103">
     <p:bg>
       <p:bgPr>
         <a:solidFill>
@@ -18183,7 +17716,7 @@
       </p:grpSpPr>
       <p:pic>
         <p:nvPicPr>
-          <p:cNvPr id="32" name="Picture 3" descr="File:AmineTreating.png"/>
+          <p:cNvPr id="34" name="Picture 3" descr="File:AmineTreating.png"/>
           <p:cNvPicPr>
             <a:picLocks noChangeAspect="1" noChangeArrowheads="1"/>
           </p:cNvPicPr>
@@ -18229,7 +17762,7 @@
       </p:pic>
       <p:sp>
         <p:nvSpPr>
-          <p:cNvPr id="33" name="TextBox 1"/>
+          <p:cNvPr id="35" name="TextBox 1"/>
           <p:cNvSpPr txBox="1"/>
           <p:nvPr/>
         </p:nvSpPr>
@@ -18259,154 +17792,68 @@
       </p:sp>
       <p:pic>
         <p:nvPicPr>
-          <p:cNvPr id="34" name="PPTLabsMagnifyAreaGroup201506261604171545"/>
+          <p:cNvPr id="36" name="PPTLabsMagnifyAreaGroup201705111427528056"/>
           <p:cNvPicPr>
-            <a:picLocks noChangeArrowheads="1"/>
+            <a:picLocks/>
           </p:cNvPicPr>
           <p:nvPr/>
         </p:nvPicPr>
         <p:blipFill>
-          <a:blip r:embed="rId3">
-            <a:extLst>
-              <a:ext uri="{28A0092B-C50C-407E-A947-70E740481C1C}">
-                <a14:useLocalDpi xmlns:a14="http://schemas.microsoft.com/office/drawing/2010/main" val="0"/>
-              </a:ext>
-            </a:extLst>
-          </a:blip>
+          <a:blip r:embed="rId3"/>
+          <a:stretch>
+            <a:fillRect/>
+          </a:stretch>
+        </p:blipFill>
+        <p:spPr>
+          <a:xfrm>
+            <a:off x="0" y="0"/>
+            <a:ext cx="9144000" cy="6857998"/>
+          </a:xfrm>
+          <a:prstGeom prst="rect">
+            <a:avLst/>
+          </a:prstGeom>
+        </p:spPr>
+      </p:pic>
+      <p:pic>
+        <p:nvPicPr>
+          <p:cNvPr id="37" name="PPTLabsMagnifyAreaGroup201705111427528056"/>
+          <p:cNvPicPr>
+            <a:picLocks/>
+          </p:cNvPicPr>
+          <p:nvPr/>
+        </p:nvPicPr>
+        <p:blipFill>
+          <a:blip r:embed="rId3"/>
+          <a:stretch>
+            <a:fillRect/>
+          </a:stretch>
+        </p:blipFill>
+        <p:spPr>
+          <a:xfrm>
+            <a:off x="-4029560" y="-7090474"/>
+            <a:ext cx="18597967" cy="13948474"/>
+          </a:xfrm>
+          <a:prstGeom prst="rect">
+            <a:avLst/>
+          </a:prstGeom>
+        </p:spPr>
+      </p:pic>
+      <p:pic>
+        <p:nvPicPr>
+          <p:cNvPr id="33" name="PPTLabsMagnifyAreaGroup201705111427528056"/>
+          <p:cNvPicPr>
+            <a:picLocks noChangeAspect="1"/>
+          </p:cNvPicPr>
+          <p:nvPr/>
+        </p:nvPicPr>
+        <p:blipFill>
+          <a:blip r:embed="rId3"/>
           <a:srcRect/>
           <a:stretch>
             <a:fillRect/>
           </a:stretch>
         </p:blipFill>
-        <p:spPr bwMode="auto">
-          <a:xfrm>
-            <a:off x="0" y="0"/>
-            <a:ext cx="9144000" cy="6858000"/>
-          </a:xfrm>
-          <a:prstGeom prst="rect">
-            <a:avLst/>
-          </a:prstGeom>
-          <a:noFill/>
-          <a:ln>
-            <a:noFill/>
-          </a:ln>
-          <a:effectLst/>
-          <a:extLst>
-            <a:ext uri="{909E8E84-426E-40DD-AFC4-6F175D3DCCD1}">
-              <a14:hiddenFill xmlns:a14="http://schemas.microsoft.com/office/drawing/2010/main">
-                <a:solidFill>
-                  <a:schemeClr val="accent1"/>
-                </a:solidFill>
-              </a14:hiddenFill>
-            </a:ext>
-            <a:ext uri="{91240B29-F687-4F45-9708-019B960494DF}">
-              <a14:hiddenLine xmlns:a14="http://schemas.microsoft.com/office/drawing/2010/main" w="9525">
-                <a:solidFill>
-                  <a:schemeClr val="tx1"/>
-                </a:solidFill>
-                <a:miter lim="800000"/>
-                <a:headEnd/>
-                <a:tailEnd/>
-              </a14:hiddenLine>
-            </a:ext>
-            <a:ext uri="{AF507438-7753-43E0-B8FC-AC1667EBCBE1}">
-              <a14:hiddenEffects xmlns:a14="http://schemas.microsoft.com/office/drawing/2010/main">
-                <a:effectLst>
-                  <a:outerShdw dist="35921" dir="2700000" algn="ctr" rotWithShape="0">
-                    <a:schemeClr val="bg2"/>
-                  </a:outerShdw>
-                </a:effectLst>
-              </a14:hiddenEffects>
-            </a:ext>
-          </a:extLst>
-        </p:spPr>
-      </p:pic>
-      <p:pic>
-        <p:nvPicPr>
-          <p:cNvPr id="35" name="PPTLabsMagnifyAreaGroup201506261604171545"/>
-          <p:cNvPicPr>
-            <a:picLocks noChangeArrowheads="1"/>
-          </p:cNvPicPr>
-          <p:nvPr/>
-        </p:nvPicPr>
-        <p:blipFill>
-          <a:blip r:embed="rId3">
-            <a:extLst>
-              <a:ext uri="{28A0092B-C50C-407E-A947-70E740481C1C}">
-                <a14:useLocalDpi xmlns:a14="http://schemas.microsoft.com/office/drawing/2010/main" val="0"/>
-              </a:ext>
-            </a:extLst>
-          </a:blip>
-          <a:srcRect/>
-          <a:stretch>
-            <a:fillRect/>
-          </a:stretch>
-        </p:blipFill>
-        <p:spPr bwMode="auto">
-          <a:xfrm>
-            <a:off x="-4029559" y="-7090474"/>
-            <a:ext cx="18597966" cy="13948474"/>
-          </a:xfrm>
-          <a:prstGeom prst="rect">
-            <a:avLst/>
-          </a:prstGeom>
-          <a:noFill/>
-          <a:ln>
-            <a:noFill/>
-          </a:ln>
-          <a:effectLst/>
-          <a:extLst>
-            <a:ext uri="{909E8E84-426E-40DD-AFC4-6F175D3DCCD1}">
-              <a14:hiddenFill xmlns:a14="http://schemas.microsoft.com/office/drawing/2010/main">
-                <a:solidFill>
-                  <a:schemeClr val="accent1"/>
-                </a:solidFill>
-              </a14:hiddenFill>
-            </a:ext>
-            <a:ext uri="{91240B29-F687-4F45-9708-019B960494DF}">
-              <a14:hiddenLine xmlns:a14="http://schemas.microsoft.com/office/drawing/2010/main" w="9525">
-                <a:solidFill>
-                  <a:schemeClr val="tx1"/>
-                </a:solidFill>
-                <a:miter lim="800000"/>
-                <a:headEnd/>
-                <a:tailEnd/>
-              </a14:hiddenLine>
-            </a:ext>
-            <a:ext uri="{AF507438-7753-43E0-B8FC-AC1667EBCBE1}">
-              <a14:hiddenEffects xmlns:a14="http://schemas.microsoft.com/office/drawing/2010/main">
-                <a:effectLst>
-                  <a:outerShdw dist="35921" dir="2700000" algn="ctr" rotWithShape="0">
-                    <a:schemeClr val="bg2"/>
-                  </a:outerShdw>
-                </a:effectLst>
-              </a14:hiddenEffects>
-            </a:ext>
-          </a:extLst>
-        </p:spPr>
-      </p:pic>
-      <p:pic>
-        <p:nvPicPr>
-          <p:cNvPr id="31" name="PPTLabsMagnifyAreaGroup201506261604171545"/>
-          <p:cNvPicPr>
-            <a:picLocks noChangeAspect="1" noChangeArrowheads="1"/>
-          </p:cNvPicPr>
-          <p:nvPr/>
-        </p:nvPicPr>
-        <p:blipFill>
-          <a:blip r:embed="rId3">
-            <a:extLst>
-              <a:ext uri="{28A0092B-C50C-407E-A947-70E740481C1C}">
-                <a14:useLocalDpi xmlns:a14="http://schemas.microsoft.com/office/drawing/2010/main" val="0"/>
-              </a:ext>
-            </a:extLst>
-          </a:blip>
-          <a:srcRect/>
-          <a:stretch>
-            <a:fillRect/>
-          </a:stretch>
-        </p:blipFill>
-        <p:spPr bwMode="auto">
+        <p:spPr>
           <a:xfrm>
             <a:off x="-4028893" y="-7089260"/>
             <a:ext cx="18596324" cy="13947264"/>
@@ -18414,63 +17861,24 @@
           <a:prstGeom prst="rect">
             <a:avLst/>
           </a:prstGeom>
-          <a:noFill/>
-          <a:ln>
-            <a:noFill/>
-          </a:ln>
-          <a:effectLst/>
-          <a:extLst>
-            <a:ext uri="{909E8E84-426E-40DD-AFC4-6F175D3DCCD1}">
-              <a14:hiddenFill xmlns:a14="http://schemas.microsoft.com/office/drawing/2010/main">
-                <a:solidFill>
-                  <a:schemeClr val="accent1"/>
-                </a:solidFill>
-              </a14:hiddenFill>
-            </a:ext>
-            <a:ext uri="{91240B29-F687-4F45-9708-019B960494DF}">
-              <a14:hiddenLine xmlns:a14="http://schemas.microsoft.com/office/drawing/2010/main" w="9525">
-                <a:solidFill>
-                  <a:schemeClr val="tx1"/>
-                </a:solidFill>
-                <a:miter lim="800000"/>
-                <a:headEnd/>
-                <a:tailEnd/>
-              </a14:hiddenLine>
-            </a:ext>
-            <a:ext uri="{AF507438-7753-43E0-B8FC-AC1667EBCBE1}">
-              <a14:hiddenEffects xmlns:a14="http://schemas.microsoft.com/office/drawing/2010/main">
-                <a:effectLst>
-                  <a:outerShdw dist="35921" dir="2700000" algn="ctr" rotWithShape="0">
-                    <a:schemeClr val="bg2"/>
-                  </a:outerShdw>
-                </a:effectLst>
-              </a14:hiddenEffects>
-            </a:ext>
-          </a:extLst>
         </p:spPr>
       </p:pic>
       <p:pic>
         <p:nvPicPr>
-          <p:cNvPr id="29" name="PPTLabsMagnifyAreaGroup201506261604168115"/>
+          <p:cNvPr id="31" name="PPTLabsMagnifyAreaGroup201705111427524473"/>
           <p:cNvPicPr>
-            <a:picLocks noChangeArrowheads="1"/>
+            <a:picLocks/>
           </p:cNvPicPr>
           <p:nvPr/>
         </p:nvPicPr>
         <p:blipFill>
-          <a:blip r:embed="rId3">
-            <a:extLst>
-              <a:ext uri="{28A0092B-C50C-407E-A947-70E740481C1C}">
-                <a14:useLocalDpi xmlns:a14="http://schemas.microsoft.com/office/drawing/2010/main" val="0"/>
-              </a:ext>
-            </a:extLst>
-          </a:blip>
+          <a:blip r:embed="rId3"/>
           <a:srcRect/>
           <a:stretch>
             <a:fillRect/>
           </a:stretch>
         </p:blipFill>
-        <p:spPr bwMode="auto">
+        <p:spPr>
           <a:xfrm>
             <a:off x="1" y="0"/>
             <a:ext cx="9143981" cy="6858000"/>
@@ -18478,63 +17886,24 @@
           <a:prstGeom prst="rect">
             <a:avLst/>
           </a:prstGeom>
-          <a:noFill/>
-          <a:ln>
-            <a:noFill/>
-          </a:ln>
-          <a:effectLst/>
-          <a:extLst>
-            <a:ext uri="{909E8E84-426E-40DD-AFC4-6F175D3DCCD1}">
-              <a14:hiddenFill xmlns:a14="http://schemas.microsoft.com/office/drawing/2010/main">
-                <a:solidFill>
-                  <a:schemeClr val="accent1"/>
-                </a:solidFill>
-              </a14:hiddenFill>
-            </a:ext>
-            <a:ext uri="{91240B29-F687-4F45-9708-019B960494DF}">
-              <a14:hiddenLine xmlns:a14="http://schemas.microsoft.com/office/drawing/2010/main" w="9525">
-                <a:solidFill>
-                  <a:schemeClr val="tx1"/>
-                </a:solidFill>
-                <a:miter lim="800000"/>
-                <a:headEnd/>
-                <a:tailEnd/>
-              </a14:hiddenLine>
-            </a:ext>
-            <a:ext uri="{AF507438-7753-43E0-B8FC-AC1667EBCBE1}">
-              <a14:hiddenEffects xmlns:a14="http://schemas.microsoft.com/office/drawing/2010/main">
-                <a:effectLst>
-                  <a:outerShdw dist="35921" dir="2700000" algn="ctr" rotWithShape="0">
-                    <a:schemeClr val="bg2"/>
-                  </a:outerShdw>
-                </a:effectLst>
-              </a14:hiddenEffects>
-            </a:ext>
-          </a:extLst>
         </p:spPr>
       </p:pic>
       <p:pic>
         <p:nvPicPr>
-          <p:cNvPr id="30" name="PPTLabsMagnifyAreaGroup201506261604168115"/>
+          <p:cNvPr id="32" name="PPTLabsMagnifyAreaGroup201705111427524473"/>
           <p:cNvPicPr>
-            <a:picLocks noChangeArrowheads="1"/>
+            <a:picLocks/>
           </p:cNvPicPr>
           <p:nvPr/>
         </p:nvPicPr>
         <p:blipFill>
-          <a:blip r:embed="rId3">
-            <a:extLst>
-              <a:ext uri="{28A0092B-C50C-407E-A947-70E740481C1C}">
-                <a14:useLocalDpi xmlns:a14="http://schemas.microsoft.com/office/drawing/2010/main" val="0"/>
-              </a:ext>
-            </a:extLst>
-          </a:blip>
+          <a:blip r:embed="rId3"/>
           <a:srcRect/>
           <a:stretch>
             <a:fillRect/>
           </a:stretch>
         </p:blipFill>
-        <p:spPr bwMode="auto">
+        <p:spPr>
           <a:xfrm>
             <a:off x="-8029764" y="-1452008"/>
             <a:ext cx="17173764" cy="12880349"/>
@@ -18542,63 +17911,24 @@
           <a:prstGeom prst="rect">
             <a:avLst/>
           </a:prstGeom>
-          <a:noFill/>
-          <a:ln>
-            <a:noFill/>
-          </a:ln>
-          <a:effectLst/>
-          <a:extLst>
-            <a:ext uri="{909E8E84-426E-40DD-AFC4-6F175D3DCCD1}">
-              <a14:hiddenFill xmlns:a14="http://schemas.microsoft.com/office/drawing/2010/main">
-                <a:solidFill>
-                  <a:schemeClr val="accent1"/>
-                </a:solidFill>
-              </a14:hiddenFill>
-            </a:ext>
-            <a:ext uri="{91240B29-F687-4F45-9708-019B960494DF}">
-              <a14:hiddenLine xmlns:a14="http://schemas.microsoft.com/office/drawing/2010/main" w="9525">
-                <a:solidFill>
-                  <a:schemeClr val="tx1"/>
-                </a:solidFill>
-                <a:miter lim="800000"/>
-                <a:headEnd/>
-                <a:tailEnd/>
-              </a14:hiddenLine>
-            </a:ext>
-            <a:ext uri="{AF507438-7753-43E0-B8FC-AC1667EBCBE1}">
-              <a14:hiddenEffects xmlns:a14="http://schemas.microsoft.com/office/drawing/2010/main">
-                <a:effectLst>
-                  <a:outerShdw dist="35921" dir="2700000" algn="ctr" rotWithShape="0">
-                    <a:schemeClr val="bg2"/>
-                  </a:outerShdw>
-                </a:effectLst>
-              </a14:hiddenEffects>
-            </a:ext>
-          </a:extLst>
         </p:spPr>
       </p:pic>
       <p:pic>
         <p:nvPicPr>
-          <p:cNvPr id="28" name="PPTLabsMagnifyAreaGroup201506261604168115"/>
+          <p:cNvPr id="30" name="PPTLabsMagnifyAreaGroup201705111427524473"/>
           <p:cNvPicPr>
-            <a:picLocks noChangeAspect="1" noChangeArrowheads="1"/>
+            <a:picLocks noChangeAspect="1"/>
           </p:cNvPicPr>
           <p:nvPr/>
         </p:nvPicPr>
         <p:blipFill>
-          <a:blip r:embed="rId3">
-            <a:extLst>
-              <a:ext uri="{28A0092B-C50C-407E-A947-70E740481C1C}">
-                <a14:useLocalDpi xmlns:a14="http://schemas.microsoft.com/office/drawing/2010/main" val="0"/>
-              </a:ext>
-            </a:extLst>
-          </a:blip>
+          <a:blip r:embed="rId3"/>
           <a:srcRect/>
           <a:stretch>
             <a:fillRect/>
           </a:stretch>
         </p:blipFill>
-        <p:spPr bwMode="auto">
+        <p:spPr>
           <a:xfrm>
             <a:off x="-8029764" y="-1452008"/>
             <a:ext cx="17173764" cy="12880349"/>
@@ -18606,255 +17936,99 @@
           <a:prstGeom prst="rect">
             <a:avLst/>
           </a:prstGeom>
-          <a:noFill/>
-          <a:ln>
-            <a:noFill/>
-          </a:ln>
-          <a:effectLst/>
-          <a:extLst>
-            <a:ext uri="{909E8E84-426E-40DD-AFC4-6F175D3DCCD1}">
-              <a14:hiddenFill xmlns:a14="http://schemas.microsoft.com/office/drawing/2010/main">
-                <a:solidFill>
-                  <a:schemeClr val="accent1"/>
-                </a:solidFill>
-              </a14:hiddenFill>
-            </a:ext>
-            <a:ext uri="{91240B29-F687-4F45-9708-019B960494DF}">
-              <a14:hiddenLine xmlns:a14="http://schemas.microsoft.com/office/drawing/2010/main" w="9525">
-                <a:solidFill>
-                  <a:schemeClr val="tx1"/>
-                </a:solidFill>
-                <a:miter lim="800000"/>
-                <a:headEnd/>
-                <a:tailEnd/>
-              </a14:hiddenLine>
-            </a:ext>
-            <a:ext uri="{AF507438-7753-43E0-B8FC-AC1667EBCBE1}">
-              <a14:hiddenEffects xmlns:a14="http://schemas.microsoft.com/office/drawing/2010/main">
-                <a:effectLst>
-                  <a:outerShdw dist="35921" dir="2700000" algn="ctr" rotWithShape="0">
-                    <a:schemeClr val="bg2"/>
-                  </a:outerShdw>
-                </a:effectLst>
-              </a14:hiddenEffects>
-            </a:ext>
-          </a:extLst>
         </p:spPr>
       </p:pic>
       <p:pic>
         <p:nvPicPr>
-          <p:cNvPr id="26" name="PPTLabsMagnifyAreaGroup201506261604164674"/>
+          <p:cNvPr id="28" name="PPTLabsMagnifyAreaGroup201705111427520659"/>
           <p:cNvPicPr>
-            <a:picLocks noChangeArrowheads="1"/>
+            <a:picLocks/>
           </p:cNvPicPr>
           <p:nvPr/>
         </p:nvPicPr>
         <p:blipFill>
-          <a:blip r:embed="rId3">
-            <a:extLst>
-              <a:ext uri="{28A0092B-C50C-407E-A947-70E740481C1C}">
-                <a14:useLocalDpi xmlns:a14="http://schemas.microsoft.com/office/drawing/2010/main" val="0"/>
-              </a:ext>
-            </a:extLst>
-          </a:blip>
+          <a:blip r:embed="rId3"/>
           <a:srcRect/>
           <a:stretch>
             <a:fillRect/>
           </a:stretch>
         </p:blipFill>
-        <p:spPr bwMode="auto">
+        <p:spPr>
           <a:xfrm>
             <a:off x="0" y="0"/>
-            <a:ext cx="9143859" cy="6858000"/>
+            <a:ext cx="9143869" cy="6858000"/>
           </a:xfrm>
           <a:prstGeom prst="rect">
             <a:avLst/>
           </a:prstGeom>
-          <a:noFill/>
-          <a:ln>
-            <a:noFill/>
-          </a:ln>
-          <a:effectLst/>
-          <a:extLst>
-            <a:ext uri="{909E8E84-426E-40DD-AFC4-6F175D3DCCD1}">
-              <a14:hiddenFill xmlns:a14="http://schemas.microsoft.com/office/drawing/2010/main">
-                <a:solidFill>
-                  <a:schemeClr val="accent1"/>
-                </a:solidFill>
-              </a14:hiddenFill>
-            </a:ext>
-            <a:ext uri="{91240B29-F687-4F45-9708-019B960494DF}">
-              <a14:hiddenLine xmlns:a14="http://schemas.microsoft.com/office/drawing/2010/main" w="9525">
-                <a:solidFill>
-                  <a:schemeClr val="tx1"/>
-                </a:solidFill>
-                <a:miter lim="800000"/>
-                <a:headEnd/>
-                <a:tailEnd/>
-              </a14:hiddenLine>
-            </a:ext>
-            <a:ext uri="{AF507438-7753-43E0-B8FC-AC1667EBCBE1}">
-              <a14:hiddenEffects xmlns:a14="http://schemas.microsoft.com/office/drawing/2010/main">
-                <a:effectLst>
-                  <a:outerShdw dist="35921" dir="2700000" algn="ctr" rotWithShape="0">
-                    <a:schemeClr val="bg2"/>
-                  </a:outerShdw>
-                </a:effectLst>
-              </a14:hiddenEffects>
-            </a:ext>
-          </a:extLst>
         </p:spPr>
       </p:pic>
       <p:pic>
         <p:nvPicPr>
-          <p:cNvPr id="27" name="PPTLabsMagnifyAreaGroup201506261604164674"/>
+          <p:cNvPr id="29" name="PPTLabsMagnifyAreaGroup201705111427520659"/>
           <p:cNvPicPr>
-            <a:picLocks noChangeArrowheads="1"/>
+            <a:picLocks/>
           </p:cNvPicPr>
           <p:nvPr/>
         </p:nvPicPr>
         <p:blipFill>
-          <a:blip r:embed="rId3">
-            <a:extLst>
-              <a:ext uri="{28A0092B-C50C-407E-A947-70E740481C1C}">
-                <a14:useLocalDpi xmlns:a14="http://schemas.microsoft.com/office/drawing/2010/main" val="0"/>
-              </a:ext>
-            </a:extLst>
-          </a:blip>
+          <a:blip r:embed="rId3"/>
           <a:srcRect/>
           <a:stretch>
             <a:fillRect/>
           </a:stretch>
         </p:blipFill>
-        <p:spPr bwMode="auto">
+        <p:spPr>
           <a:xfrm>
-            <a:off x="-15539486" y="-4761195"/>
-            <a:ext cx="48355375" cy="36267088"/>
+            <a:off x="-15539486" y="-4761187"/>
+            <a:ext cx="48355375" cy="36267051"/>
           </a:xfrm>
           <a:prstGeom prst="rect">
             <a:avLst/>
           </a:prstGeom>
-          <a:noFill/>
-          <a:ln>
-            <a:noFill/>
-          </a:ln>
-          <a:effectLst/>
-          <a:extLst>
-            <a:ext uri="{909E8E84-426E-40DD-AFC4-6F175D3DCCD1}">
-              <a14:hiddenFill xmlns:a14="http://schemas.microsoft.com/office/drawing/2010/main">
-                <a:solidFill>
-                  <a:schemeClr val="accent1"/>
-                </a:solidFill>
-              </a14:hiddenFill>
-            </a:ext>
-            <a:ext uri="{91240B29-F687-4F45-9708-019B960494DF}">
-              <a14:hiddenLine xmlns:a14="http://schemas.microsoft.com/office/drawing/2010/main" w="9525">
-                <a:solidFill>
-                  <a:schemeClr val="tx1"/>
-                </a:solidFill>
-                <a:miter lim="800000"/>
-                <a:headEnd/>
-                <a:tailEnd/>
-              </a14:hiddenLine>
-            </a:ext>
-            <a:ext uri="{AF507438-7753-43E0-B8FC-AC1667EBCBE1}">
-              <a14:hiddenEffects xmlns:a14="http://schemas.microsoft.com/office/drawing/2010/main">
-                <a:effectLst>
-                  <a:outerShdw dist="35921" dir="2700000" algn="ctr" rotWithShape="0">
-                    <a:schemeClr val="bg2"/>
-                  </a:outerShdw>
-                </a:effectLst>
-              </a14:hiddenEffects>
-            </a:ext>
-          </a:extLst>
         </p:spPr>
       </p:pic>
       <p:pic>
         <p:nvPicPr>
-          <p:cNvPr id="25" name="PPTLabsMagnifyAreaGroup201506261604164674"/>
+          <p:cNvPr id="27" name="PPTLabsMagnifyAreaGroup201705111427520659"/>
           <p:cNvPicPr>
-            <a:picLocks noChangeAspect="1" noChangeArrowheads="1"/>
+            <a:picLocks noChangeAspect="1"/>
           </p:cNvPicPr>
           <p:nvPr/>
         </p:nvPicPr>
         <p:blipFill>
-          <a:blip r:embed="rId3">
-            <a:extLst>
-              <a:ext uri="{28A0092B-C50C-407E-A947-70E740481C1C}">
-                <a14:useLocalDpi xmlns:a14="http://schemas.microsoft.com/office/drawing/2010/main" val="0"/>
-              </a:ext>
-            </a:extLst>
-          </a:blip>
+          <a:blip r:embed="rId3"/>
           <a:srcRect/>
           <a:stretch>
             <a:fillRect/>
           </a:stretch>
         </p:blipFill>
-        <p:spPr bwMode="auto">
+        <p:spPr>
           <a:xfrm>
-            <a:off x="-15539486" y="-4761195"/>
-            <a:ext cx="48355375" cy="36267088"/>
+            <a:off x="-15539486" y="-4761187"/>
+            <a:ext cx="48355375" cy="36267051"/>
           </a:xfrm>
           <a:prstGeom prst="rect">
             <a:avLst/>
           </a:prstGeom>
-          <a:noFill/>
-          <a:ln>
-            <a:noFill/>
-          </a:ln>
-          <a:effectLst/>
-          <a:extLst>
-            <a:ext uri="{909E8E84-426E-40DD-AFC4-6F175D3DCCD1}">
-              <a14:hiddenFill xmlns:a14="http://schemas.microsoft.com/office/drawing/2010/main">
-                <a:solidFill>
-                  <a:schemeClr val="accent1"/>
-                </a:solidFill>
-              </a14:hiddenFill>
-            </a:ext>
-            <a:ext uri="{91240B29-F687-4F45-9708-019B960494DF}">
-              <a14:hiddenLine xmlns:a14="http://schemas.microsoft.com/office/drawing/2010/main" w="9525">
-                <a:solidFill>
-                  <a:schemeClr val="tx1"/>
-                </a:solidFill>
-                <a:miter lim="800000"/>
-                <a:headEnd/>
-                <a:tailEnd/>
-              </a14:hiddenLine>
-            </a:ext>
-            <a:ext uri="{AF507438-7753-43E0-B8FC-AC1667EBCBE1}">
-              <a14:hiddenEffects xmlns:a14="http://schemas.microsoft.com/office/drawing/2010/main">
-                <a:effectLst>
-                  <a:outerShdw dist="35921" dir="2700000" algn="ctr" rotWithShape="0">
-                    <a:schemeClr val="bg2"/>
-                  </a:outerShdw>
-                </a:effectLst>
-              </a14:hiddenEffects>
-            </a:ext>
-          </a:extLst>
         </p:spPr>
       </p:pic>
       <p:pic>
         <p:nvPicPr>
-          <p:cNvPr id="23" name="PPTLabsMagnifyAreaGroup201506261604160804"/>
+          <p:cNvPr id="25" name="PPTLabsMagnifyAreaGroup201705111427516985"/>
           <p:cNvPicPr>
-            <a:picLocks noChangeArrowheads="1"/>
+            <a:picLocks/>
           </p:cNvPicPr>
           <p:nvPr/>
         </p:nvPicPr>
         <p:blipFill>
-          <a:blip r:embed="rId3">
-            <a:extLst>
-              <a:ext uri="{28A0092B-C50C-407E-A947-70E740481C1C}">
-                <a14:useLocalDpi xmlns:a14="http://schemas.microsoft.com/office/drawing/2010/main" val="0"/>
-              </a:ext>
-            </a:extLst>
-          </a:blip>
+          <a:blip r:embed="rId3"/>
           <a:srcRect/>
           <a:stretch>
             <a:fillRect/>
           </a:stretch>
         </p:blipFill>
-        <p:spPr bwMode="auto">
+        <p:spPr>
           <a:xfrm>
             <a:off x="0" y="0"/>
             <a:ext cx="9144000" cy="6857993"/>
@@ -18862,63 +18036,24 @@
           <a:prstGeom prst="rect">
             <a:avLst/>
           </a:prstGeom>
-          <a:noFill/>
-          <a:ln>
-            <a:noFill/>
-          </a:ln>
-          <a:effectLst/>
-          <a:extLst>
-            <a:ext uri="{909E8E84-426E-40DD-AFC4-6F175D3DCCD1}">
-              <a14:hiddenFill xmlns:a14="http://schemas.microsoft.com/office/drawing/2010/main">
-                <a:solidFill>
-                  <a:schemeClr val="accent1"/>
-                </a:solidFill>
-              </a14:hiddenFill>
-            </a:ext>
-            <a:ext uri="{91240B29-F687-4F45-9708-019B960494DF}">
-              <a14:hiddenLine xmlns:a14="http://schemas.microsoft.com/office/drawing/2010/main" w="9525">
-                <a:solidFill>
-                  <a:schemeClr val="tx1"/>
-                </a:solidFill>
-                <a:miter lim="800000"/>
-                <a:headEnd/>
-                <a:tailEnd/>
-              </a14:hiddenLine>
-            </a:ext>
-            <a:ext uri="{AF507438-7753-43E0-B8FC-AC1667EBCBE1}">
-              <a14:hiddenEffects xmlns:a14="http://schemas.microsoft.com/office/drawing/2010/main">
-                <a:effectLst>
-                  <a:outerShdw dist="35921" dir="2700000" algn="ctr" rotWithShape="0">
-                    <a:schemeClr val="bg2"/>
-                  </a:outerShdw>
-                </a:effectLst>
-              </a14:hiddenEffects>
-            </a:ext>
-          </a:extLst>
         </p:spPr>
       </p:pic>
       <p:pic>
         <p:nvPicPr>
-          <p:cNvPr id="24" name="PPTLabsMagnifyAreaGroup201506261604160804"/>
+          <p:cNvPr id="26" name="PPTLabsMagnifyAreaGroup201705111427516985"/>
           <p:cNvPicPr>
-            <a:picLocks noChangeArrowheads="1"/>
+            <a:picLocks/>
           </p:cNvPicPr>
           <p:nvPr/>
         </p:nvPicPr>
         <p:blipFill>
-          <a:blip r:embed="rId3">
-            <a:extLst>
-              <a:ext uri="{28A0092B-C50C-407E-A947-70E740481C1C}">
-                <a14:useLocalDpi xmlns:a14="http://schemas.microsoft.com/office/drawing/2010/main" val="0"/>
-              </a:ext>
-            </a:extLst>
-          </a:blip>
+          <a:blip r:embed="rId3"/>
           <a:srcRect/>
           <a:stretch>
             <a:fillRect/>
           </a:stretch>
         </p:blipFill>
-        <p:spPr bwMode="auto">
+        <p:spPr>
           <a:xfrm>
             <a:off x="-2354749" y="-1254471"/>
             <a:ext cx="21551802" cy="16163835"/>
@@ -18926,63 +18061,24 @@
           <a:prstGeom prst="rect">
             <a:avLst/>
           </a:prstGeom>
-          <a:noFill/>
-          <a:ln>
-            <a:noFill/>
-          </a:ln>
-          <a:effectLst/>
-          <a:extLst>
-            <a:ext uri="{909E8E84-426E-40DD-AFC4-6F175D3DCCD1}">
-              <a14:hiddenFill xmlns:a14="http://schemas.microsoft.com/office/drawing/2010/main">
-                <a:solidFill>
-                  <a:schemeClr val="accent1"/>
-                </a:solidFill>
-              </a14:hiddenFill>
-            </a:ext>
-            <a:ext uri="{91240B29-F687-4F45-9708-019B960494DF}">
-              <a14:hiddenLine xmlns:a14="http://schemas.microsoft.com/office/drawing/2010/main" w="9525">
-                <a:solidFill>
-                  <a:schemeClr val="tx1"/>
-                </a:solidFill>
-                <a:miter lim="800000"/>
-                <a:headEnd/>
-                <a:tailEnd/>
-              </a14:hiddenLine>
-            </a:ext>
-            <a:ext uri="{AF507438-7753-43E0-B8FC-AC1667EBCBE1}">
-              <a14:hiddenEffects xmlns:a14="http://schemas.microsoft.com/office/drawing/2010/main">
-                <a:effectLst>
-                  <a:outerShdw dist="35921" dir="2700000" algn="ctr" rotWithShape="0">
-                    <a:schemeClr val="bg2"/>
-                  </a:outerShdw>
-                </a:effectLst>
-              </a14:hiddenEffects>
-            </a:ext>
-          </a:extLst>
         </p:spPr>
       </p:pic>
       <p:pic>
         <p:nvPicPr>
-          <p:cNvPr id="22" name="PPTLabsMagnifyAreaGroup201506261604160804"/>
+          <p:cNvPr id="24" name="PPTLabsMagnifyAreaGroup201705111427516985"/>
           <p:cNvPicPr>
-            <a:picLocks noChangeAspect="1" noChangeArrowheads="1"/>
+            <a:picLocks noChangeAspect="1"/>
           </p:cNvPicPr>
           <p:nvPr/>
         </p:nvPicPr>
         <p:blipFill>
-          <a:blip r:embed="rId3">
-            <a:extLst>
-              <a:ext uri="{28A0092B-C50C-407E-A947-70E740481C1C}">
-                <a14:useLocalDpi xmlns:a14="http://schemas.microsoft.com/office/drawing/2010/main" val="0"/>
-              </a:ext>
-            </a:extLst>
-          </a:blip>
+          <a:blip r:embed="rId3"/>
           <a:srcRect/>
           <a:stretch>
             <a:fillRect/>
           </a:stretch>
         </p:blipFill>
-        <p:spPr bwMode="auto">
+        <p:spPr>
           <a:xfrm>
             <a:off x="-2354749" y="-1254471"/>
             <a:ext cx="21551802" cy="16163835"/>
@@ -18990,39 +18086,6 @@
           <a:prstGeom prst="rect">
             <a:avLst/>
           </a:prstGeom>
-          <a:noFill/>
-          <a:ln>
-            <a:noFill/>
-          </a:ln>
-          <a:effectLst/>
-          <a:extLst>
-            <a:ext uri="{909E8E84-426E-40DD-AFC4-6F175D3DCCD1}">
-              <a14:hiddenFill xmlns:a14="http://schemas.microsoft.com/office/drawing/2010/main">
-                <a:solidFill>
-                  <a:schemeClr val="accent1"/>
-                </a:solidFill>
-              </a14:hiddenFill>
-            </a:ext>
-            <a:ext uri="{91240B29-F687-4F45-9708-019B960494DF}">
-              <a14:hiddenLine xmlns:a14="http://schemas.microsoft.com/office/drawing/2010/main" w="9525">
-                <a:solidFill>
-                  <a:schemeClr val="tx1"/>
-                </a:solidFill>
-                <a:miter lim="800000"/>
-                <a:headEnd/>
-                <a:tailEnd/>
-              </a14:hiddenLine>
-            </a:ext>
-            <a:ext uri="{AF507438-7753-43E0-B8FC-AC1667EBCBE1}">
-              <a14:hiddenEffects xmlns:a14="http://schemas.microsoft.com/office/drawing/2010/main">
-                <a:effectLst>
-                  <a:outerShdw dist="35921" dir="2700000" algn="ctr" rotWithShape="0">
-                    <a:schemeClr val="bg2"/>
-                  </a:outerShdw>
-                </a:effectLst>
-              </a14:hiddenEffects>
-            </a:ext>
-          </a:extLst>
         </p:spPr>
       </p:pic>
       <p:pic>
@@ -19103,26 +18166,19 @@
       </p:sp>
       <p:pic>
         <p:nvPicPr>
-          <p:cNvPr id="9218" name="PPTLabsMagnifyAreaGroup201506261604160804" hidden="1"/>
+          <p:cNvPr id="5" name="PPTLabsMagnifyAreaGroup201705111427516985" hidden="1"/>
           <p:cNvPicPr>
-            <a:picLocks noChangeArrowheads="1"/>
+            <a:picLocks/>
           </p:cNvPicPr>
           <p:nvPr/>
         </p:nvPicPr>
         <p:blipFill>
-          <a:blip r:embed="rId3">
-            <a:extLst>
-              <a:ext uri="{28A0092B-C50C-407E-A947-70E740481C1C}">
-                <a14:useLocalDpi xmlns:a14="http://schemas.microsoft.com/office/drawing/2010/main" val="0"/>
-              </a:ext>
-            </a:extLst>
-          </a:blip>
-          <a:srcRect/>
+          <a:blip r:embed="rId3"/>
           <a:stretch>
             <a:fillRect/>
           </a:stretch>
         </p:blipFill>
-        <p:spPr bwMode="auto">
+        <p:spPr>
           <a:xfrm>
             <a:off x="0" y="0"/>
             <a:ext cx="9144000" cy="6858000"/>
@@ -19130,63 +18186,23 @@
           <a:prstGeom prst="rect">
             <a:avLst/>
           </a:prstGeom>
-          <a:noFill/>
-          <a:ln>
-            <a:noFill/>
-          </a:ln>
-          <a:effectLst/>
-          <a:extLst>
-            <a:ext uri="{909E8E84-426E-40DD-AFC4-6F175D3DCCD1}">
-              <a14:hiddenFill xmlns:a14="http://schemas.microsoft.com/office/drawing/2010/main">
-                <a:solidFill>
-                  <a:schemeClr val="accent1"/>
-                </a:solidFill>
-              </a14:hiddenFill>
-            </a:ext>
-            <a:ext uri="{91240B29-F687-4F45-9708-019B960494DF}">
-              <a14:hiddenLine xmlns:a14="http://schemas.microsoft.com/office/drawing/2010/main" w="9525">
-                <a:solidFill>
-                  <a:schemeClr val="tx1"/>
-                </a:solidFill>
-                <a:miter lim="800000"/>
-                <a:headEnd/>
-                <a:tailEnd/>
-              </a14:hiddenLine>
-            </a:ext>
-            <a:ext uri="{AF507438-7753-43E0-B8FC-AC1667EBCBE1}">
-              <a14:hiddenEffects xmlns:a14="http://schemas.microsoft.com/office/drawing/2010/main">
-                <a:effectLst>
-                  <a:outerShdw dist="35921" dir="2700000" algn="ctr" rotWithShape="0">
-                    <a:schemeClr val="bg2"/>
-                  </a:outerShdw>
-                </a:effectLst>
-              </a14:hiddenEffects>
-            </a:ext>
-          </a:extLst>
         </p:spPr>
       </p:pic>
       <p:pic>
         <p:nvPicPr>
-          <p:cNvPr id="20" name="PPTLabsMagnifyAreaSlide201506261604161294"/>
+          <p:cNvPr id="22" name="PPTLabsMagnifyAreaSlide201705111427517574"/>
           <p:cNvPicPr>
-            <a:picLocks noChangeArrowheads="1"/>
+            <a:picLocks/>
           </p:cNvPicPr>
           <p:nvPr/>
         </p:nvPicPr>
         <p:blipFill>
-          <a:blip r:embed="rId3">
-            <a:extLst>
-              <a:ext uri="{28A0092B-C50C-407E-A947-70E740481C1C}">
-                <a14:useLocalDpi xmlns:a14="http://schemas.microsoft.com/office/drawing/2010/main" val="0"/>
-              </a:ext>
-            </a:extLst>
-          </a:blip>
-          <a:srcRect/>
+          <a:blip r:embed="rId3"/>
           <a:stretch>
             <a:fillRect/>
           </a:stretch>
         </p:blipFill>
-        <p:spPr bwMode="auto">
+        <p:spPr>
           <a:xfrm>
             <a:off x="0" y="0"/>
             <a:ext cx="9144000" cy="6858000"/>
@@ -19194,44 +18210,11 @@
           <a:prstGeom prst="rect">
             <a:avLst/>
           </a:prstGeom>
-          <a:noFill/>
-          <a:ln>
-            <a:noFill/>
-          </a:ln>
-          <a:effectLst/>
-          <a:extLst>
-            <a:ext uri="{909E8E84-426E-40DD-AFC4-6F175D3DCCD1}">
-              <a14:hiddenFill xmlns:a14="http://schemas.microsoft.com/office/drawing/2010/main">
-                <a:solidFill>
-                  <a:schemeClr val="accent1"/>
-                </a:solidFill>
-              </a14:hiddenFill>
-            </a:ext>
-            <a:ext uri="{91240B29-F687-4F45-9708-019B960494DF}">
-              <a14:hiddenLine xmlns:a14="http://schemas.microsoft.com/office/drawing/2010/main" w="9525">
-                <a:solidFill>
-                  <a:schemeClr val="tx1"/>
-                </a:solidFill>
-                <a:miter lim="800000"/>
-                <a:headEnd/>
-                <a:tailEnd/>
-              </a14:hiddenLine>
-            </a:ext>
-            <a:ext uri="{AF507438-7753-43E0-B8FC-AC1667EBCBE1}">
-              <a14:hiddenEffects xmlns:a14="http://schemas.microsoft.com/office/drawing/2010/main">
-                <a:effectLst>
-                  <a:outerShdw dist="35921" dir="2700000" algn="ctr" rotWithShape="0">
-                    <a:schemeClr val="bg2"/>
-                  </a:outerShdw>
-                </a:effectLst>
-              </a14:hiddenEffects>
-            </a:ext>
-          </a:extLst>
         </p:spPr>
       </p:pic>
       <p:pic>
         <p:nvPicPr>
-          <p:cNvPr id="5" name="PPTIndicator201506261604161014"/>
+          <p:cNvPr id="6" name="PPTIndicator201705111427517484"/>
           <p:cNvPicPr>
             <a:picLocks/>
           </p:cNvPicPr>
@@ -19262,7 +18245,7 @@
     </p:spTree>
     <p:extLst>
       <p:ext uri="{BB962C8B-B14F-4D97-AF65-F5344CB8AC3E}">
-        <p14:creationId xmlns:p14="http://schemas.microsoft.com/office/powerpoint/2010/main" val="754413729"/>
+        <p14:creationId xmlns:p14="http://schemas.microsoft.com/office/powerpoint/2010/main" val="1699140480"/>
       </p:ext>
     </p:extLst>
   </p:cSld>
@@ -19314,7 +18297,7 @@
                                           </p:stCondLst>
                                         </p:cTn>
                                         <p:tgtEl>
-                                          <p:spTgt spid="5"/>
+                                          <p:spTgt spid="6"/>
                                         </p:tgtEl>
                                         <p:attrNameLst>
                                           <p:attrName>style.visibility</p:attrName>
@@ -19341,7 +18324,7 @@
                                           </p:stCondLst>
                                         </p:cTn>
                                         <p:tgtEl>
-                                          <p:spTgt spid="5"/>
+                                          <p:spTgt spid="6"/>
                                         </p:tgtEl>
                                         <p:attrNameLst>
                                           <p:attrName>style.visibility</p:attrName>
@@ -19369,11 +18352,11 @@
                                     <p:cond delay="0"/>
                                   </p:stCondLst>
                                   <p:childTnLst>
-                                    <p:animMotion origin="layout" path="M 0 0 C 0.2105131 0.2478196 0.2105131 0.2478196 0.4210261 0.4956393 E" pathEditMode="relative" ptsTypes="">
+                                    <p:animMotion origin="layout" path="M 0 0 C 0.2105131 0.2478195 0.2105131 0.2478195 0.4210261 0.495639 E" pathEditMode="relative" ptsTypes="">
                                       <p:cBhvr>
                                         <p:cTn id="11" dur="500" fill="hold"/>
                                         <p:tgtEl>
-                                          <p:spTgt spid="20"/>
+                                          <p:spTgt spid="22"/>
                                         </p:tgtEl>
                                         <p:attrNameLst>
                                           <p:attrName>ppt_x</p:attrName>
@@ -19394,7 +18377,7 @@
                                       <p:cBhvr>
                                         <p:cTn id="13" dur="500" fill="hold"/>
                                         <p:tgtEl>
-                                          <p:spTgt spid="20"/>
+                                          <p:spTgt spid="22"/>
                                         </p:tgtEl>
                                       </p:cBhvr>
                                       <p:by x="235718" y="235718"/>
@@ -19425,7 +18408,7 @@
                                           </p:stCondLst>
                                         </p:cTn>
                                         <p:tgtEl>
-                                          <p:spTgt spid="20"/>
+                                          <p:spTgt spid="22"/>
                                         </p:tgtEl>
                                         <p:attrNameLst>
                                           <p:attrName>style.visibility</p:attrName>
@@ -19452,7 +18435,7 @@
                                           </p:stCondLst>
                                         </p:cTn>
                                         <p:tgtEl>
-                                          <p:spTgt spid="9218"/>
+                                          <p:spTgt spid="5"/>
                                         </p:tgtEl>
                                         <p:attrNameLst>
                                           <p:attrName>style.visibility</p:attrName>
@@ -19506,7 +18489,7 @@
                                           </p:stCondLst>
                                         </p:cTn>
                                         <p:tgtEl>
-                                          <p:spTgt spid="22"/>
+                                          <p:spTgt spid="24"/>
                                         </p:tgtEl>
                                         <p:attrNameLst>
                                           <p:attrName>style.visibility</p:attrName>
@@ -19578,7 +18561,7 @@
                                           </p:stCondLst>
                                         </p:cTn>
                                         <p:tgtEl>
-                                          <p:spTgt spid="22"/>
+                                          <p:spTgt spid="24"/>
                                         </p:tgtEl>
                                         <p:attrNameLst>
                                           <p:attrName>style.visibility</p:attrName>
@@ -19605,7 +18588,7 @@
                                           </p:stCondLst>
                                         </p:cTn>
                                         <p:tgtEl>
-                                          <p:spTgt spid="24"/>
+                                          <p:spTgt spid="26"/>
                                         </p:tgtEl>
                                         <p:attrNameLst>
                                           <p:attrName>style.visibility</p:attrName>
@@ -19632,7 +18615,7 @@
                                           </p:stCondLst>
                                         </p:cTn>
                                         <p:tgtEl>
-                                          <p:spTgt spid="23"/>
+                                          <p:spTgt spid="25"/>
                                         </p:tgtEl>
                                         <p:attrNameLst>
                                           <p:attrName>style.visibility</p:attrName>
@@ -19655,7 +18638,7 @@
                                       <p:cBhvr>
                                         <p:cTn id="34" dur="1" fill="hold"/>
                                         <p:tgtEl>
-                                          <p:spTgt spid="23"/>
+                                          <p:spTgt spid="25"/>
                                         </p:tgtEl>
                                         <p:attrNameLst>
                                           <p:attrName>ppt_x</p:attrName>
@@ -19676,7 +18659,7 @@
                                       <p:cBhvr>
                                         <p:cTn id="36" dur="1" fill="hold"/>
                                         <p:tgtEl>
-                                          <p:spTgt spid="23"/>
+                                          <p:spTgt spid="25"/>
                                         </p:tgtEl>
                                       </p:cBhvr>
                                       <p:by x="235693" y="235693"/>
@@ -19694,7 +18677,7 @@
                                       <p:cBhvr>
                                         <p:cTn id="38" dur="10"/>
                                         <p:tgtEl>
-                                          <p:spTgt spid="24"/>
+                                          <p:spTgt spid="26"/>
                                         </p:tgtEl>
                                       </p:cBhvr>
                                     </p:animEffect>
@@ -19706,7 +18689,7 @@
                                           </p:stCondLst>
                                         </p:cTn>
                                         <p:tgtEl>
-                                          <p:spTgt spid="24"/>
+                                          <p:spTgt spid="26"/>
                                         </p:tgtEl>
                                         <p:attrNameLst>
                                           <p:attrName>style.visibility</p:attrName>
@@ -19734,11 +18717,11 @@
                                     <p:cond delay="0"/>
                                   </p:stCondLst>
                                   <p:childTnLst>
-                                    <p:animMotion origin="layout" path="M 0.4209484 0.4955453 C 0.4328168 0.9727182 0.4328168 0.9727182 0.4446852 1.449891 E" pathEditMode="relative" ptsTypes="">
+                                    <p:animMotion origin="layout" path="M 0.4209484 0.4955453 C 0.4328169 0.9727173 0.4328169 0.9727173 0.4446853 1.449889 E" pathEditMode="relative" ptsTypes="">
                                       <p:cBhvr>
                                         <p:cTn id="42" dur="400" fill="hold"/>
                                         <p:tgtEl>
-                                          <p:spTgt spid="23"/>
+                                          <p:spTgt spid="25"/>
                                         </p:tgtEl>
                                         <p:attrNameLst>
                                           <p:attrName>ppt_x</p:attrName>
@@ -19759,7 +18742,7 @@
                                       <p:cBhvr>
                                         <p:cTn id="44" dur="400" fill="hold"/>
                                         <p:tgtEl>
-                                          <p:spTgt spid="23"/>
+                                          <p:spTgt spid="25"/>
                                         </p:tgtEl>
                                       </p:cBhvr>
                                       <p:by x="224368" y="224372"/>
@@ -19790,7 +18773,7 @@
                                           </p:stCondLst>
                                         </p:cTn>
                                         <p:tgtEl>
-                                          <p:spTgt spid="25"/>
+                                          <p:spTgt spid="27"/>
                                         </p:tgtEl>
                                         <p:attrNameLst>
                                           <p:attrName>style.visibility</p:attrName>
@@ -19817,7 +18800,7 @@
                                           </p:stCondLst>
                                         </p:cTn>
                                         <p:tgtEl>
-                                          <p:spTgt spid="23"/>
+                                          <p:spTgt spid="25"/>
                                         </p:tgtEl>
                                         <p:attrNameLst>
                                           <p:attrName>style.visibility</p:attrName>
@@ -19862,7 +18845,7 @@
                                           </p:stCondLst>
                                         </p:cTn>
                                         <p:tgtEl>
-                                          <p:spTgt spid="25"/>
+                                          <p:spTgt spid="27"/>
                                         </p:tgtEl>
                                         <p:attrNameLst>
                                           <p:attrName>style.visibility</p:attrName>
@@ -19889,7 +18872,7 @@
                                           </p:stCondLst>
                                         </p:cTn>
                                         <p:tgtEl>
-                                          <p:spTgt spid="27"/>
+                                          <p:spTgt spid="29"/>
                                         </p:tgtEl>
                                         <p:attrNameLst>
                                           <p:attrName>style.visibility</p:attrName>
@@ -19916,7 +18899,7 @@
                                           </p:stCondLst>
                                         </p:cTn>
                                         <p:tgtEl>
-                                          <p:spTgt spid="26"/>
+                                          <p:spTgt spid="28"/>
                                         </p:tgtEl>
                                         <p:attrNameLst>
                                           <p:attrName>style.visibility</p:attrName>
@@ -19935,11 +18918,11 @@
                                     <p:cond delay="0"/>
                                   </p:stCondLst>
                                   <p:childTnLst>
-                                    <p:animMotion origin="layout" path="M 0 0 C 0.2223465 0.7249453 0.2223465 0.7249453 0.4446929 1.449891 E" pathEditMode="relative" ptsTypes="">
+                                    <p:animMotion origin="layout" path="M 0 0 C 0.2223462 0.7249445 0.2223462 0.7249445 0.4446925 1.449889 E" pathEditMode="relative" ptsTypes="">
                                       <p:cBhvr>
                                         <p:cTn id="59" dur="1" fill="hold"/>
                                         <p:tgtEl>
-                                          <p:spTgt spid="26"/>
+                                          <p:spTgt spid="28"/>
                                         </p:tgtEl>
                                         <p:attrNameLst>
                                           <p:attrName>ppt_x</p:attrName>
@@ -19960,10 +18943,10 @@
                                       <p:cBhvr>
                                         <p:cTn id="61" dur="1" fill="hold"/>
                                         <p:tgtEl>
-                                          <p:spTgt spid="26"/>
-                                        </p:tgtEl>
-                                      </p:cBhvr>
-                                      <p:by x="528829" y="528829"/>
+                                          <p:spTgt spid="28"/>
+                                        </p:tgtEl>
+                                      </p:cBhvr>
+                                      <p:by x="528828" y="528828"/>
                                     </p:animScale>
                                   </p:childTnLst>
                                 </p:cTn>
@@ -19978,7 +18961,7 @@
                                       <p:cBhvr>
                                         <p:cTn id="63" dur="10"/>
                                         <p:tgtEl>
-                                          <p:spTgt spid="27"/>
+                                          <p:spTgt spid="29"/>
                                         </p:tgtEl>
                                       </p:cBhvr>
                                     </p:animEffect>
@@ -19990,7 +18973,7 @@
                                           </p:stCondLst>
                                         </p:cTn>
                                         <p:tgtEl>
-                                          <p:spTgt spid="27"/>
+                                          <p:spTgt spid="29"/>
                                         </p:tgtEl>
                                         <p:attrNameLst>
                                           <p:attrName>style.visibility</p:attrName>
@@ -20018,11 +19001,11 @@
                                     <p:cond delay="0"/>
                                   </p:stCondLst>
                                   <p:childTnLst>
-                                    <p:animMotion origin="layout" path="M 0.4446929 1.449891 C 0.002813905 0.8386203 0.002813905 0.8386203 -0.4390651 0.2273496 E" pathEditMode="relative" ptsTypes="">
+                                    <p:animMotion origin="layout" path="M 0.4446925 1.449889 C 0.002813399 0.8386196 0.002813399 0.8386196 -0.4390657 0.2273501 E" pathEditMode="relative" ptsTypes="">
                                       <p:cBhvr>
                                         <p:cTn id="67" dur="400" fill="hold"/>
                                         <p:tgtEl>
-                                          <p:spTgt spid="26"/>
+                                          <p:spTgt spid="28"/>
                                         </p:tgtEl>
                                         <p:attrNameLst>
                                           <p:attrName>ppt_x</p:attrName>
@@ -20043,7 +19026,7 @@
                                       <p:cBhvr>
                                         <p:cTn id="69" dur="400" fill="hold"/>
                                         <p:tgtEl>
-                                          <p:spTgt spid="26"/>
+                                          <p:spTgt spid="28"/>
                                         </p:tgtEl>
                                       </p:cBhvr>
                                       <p:by x="35516" y="35515"/>
@@ -20074,7 +19057,7 @@
                                           </p:stCondLst>
                                         </p:cTn>
                                         <p:tgtEl>
-                                          <p:spTgt spid="28"/>
+                                          <p:spTgt spid="30"/>
                                         </p:tgtEl>
                                         <p:attrNameLst>
                                           <p:attrName>style.visibility</p:attrName>
@@ -20101,7 +19084,7 @@
                                           </p:stCondLst>
                                         </p:cTn>
                                         <p:tgtEl>
-                                          <p:spTgt spid="26"/>
+                                          <p:spTgt spid="28"/>
                                         </p:tgtEl>
                                         <p:attrNameLst>
                                           <p:attrName>style.visibility</p:attrName>
@@ -20146,7 +19129,7 @@
                                           </p:stCondLst>
                                         </p:cTn>
                                         <p:tgtEl>
-                                          <p:spTgt spid="28"/>
+                                          <p:spTgt spid="30"/>
                                         </p:tgtEl>
                                         <p:attrNameLst>
                                           <p:attrName>style.visibility</p:attrName>
@@ -20173,7 +19156,7 @@
                                           </p:stCondLst>
                                         </p:cTn>
                                         <p:tgtEl>
-                                          <p:spTgt spid="30"/>
+                                          <p:spTgt spid="32"/>
                                         </p:tgtEl>
                                         <p:attrNameLst>
                                           <p:attrName>style.visibility</p:attrName>
@@ -20200,7 +19183,7 @@
                                           </p:stCondLst>
                                         </p:cTn>
                                         <p:tgtEl>
-                                          <p:spTgt spid="29"/>
+                                          <p:spTgt spid="31"/>
                                         </p:tgtEl>
                                         <p:attrNameLst>
                                           <p:attrName>style.visibility</p:attrName>
@@ -20219,11 +19202,11 @@
                                     <p:cond delay="0"/>
                                   </p:stCondLst>
                                   <p:childTnLst>
-                                    <p:animMotion origin="layout" path="M 0 0 C -0.2195359 0.113675 -0.2195359 0.113675 -0.4390719 0.22735 E" pathEditMode="relative" ptsTypes="">
+                                    <p:animMotion origin="layout" path="M 0 0 C -0.219536 0.113675 -0.219536 0.113675 -0.4390719 0.22735 E" pathEditMode="relative" ptsTypes="">
                                       <p:cBhvr>
                                         <p:cTn id="84" dur="1" fill="hold"/>
                                         <p:tgtEl>
-                                          <p:spTgt spid="29"/>
+                                          <p:spTgt spid="31"/>
                                         </p:tgtEl>
                                         <p:attrNameLst>
                                           <p:attrName>ppt_x</p:attrName>
@@ -20244,7 +19227,7 @@
                                       <p:cBhvr>
                                         <p:cTn id="86" dur="1" fill="hold"/>
                                         <p:tgtEl>
-                                          <p:spTgt spid="29"/>
+                                          <p:spTgt spid="31"/>
                                         </p:tgtEl>
                                       </p:cBhvr>
                                       <p:by x="187815" y="187815"/>
@@ -20262,7 +19245,7 @@
                                       <p:cBhvr>
                                         <p:cTn id="88" dur="10"/>
                                         <p:tgtEl>
-                                          <p:spTgt spid="30"/>
+                                          <p:spTgt spid="32"/>
                                         </p:tgtEl>
                                       </p:cBhvr>
                                     </p:animEffect>
@@ -20274,7 +19257,7 @@
                                           </p:stCondLst>
                                         </p:cTn>
                                         <p:tgtEl>
-                                          <p:spTgt spid="30"/>
+                                          <p:spTgt spid="32"/>
                                         </p:tgtEl>
                                         <p:attrNameLst>
                                           <p:attrName>style.visibility</p:attrName>
@@ -20306,7 +19289,7 @@
                                       <p:cBhvr>
                                         <p:cTn id="92" dur="400" fill="hold"/>
                                         <p:tgtEl>
-                                          <p:spTgt spid="29"/>
+                                          <p:spTgt spid="31"/>
                                         </p:tgtEl>
                                         <p:attrNameLst>
                                           <p:attrName>ppt_x</p:attrName>
@@ -20327,7 +19310,7 @@
                                       <p:cBhvr>
                                         <p:cTn id="94" dur="400" fill="hold"/>
                                         <p:tgtEl>
-                                          <p:spTgt spid="29"/>
+                                          <p:spTgt spid="31"/>
                                         </p:tgtEl>
                                       </p:cBhvr>
                                       <p:by x="108283" y="108283"/>
@@ -20358,7 +19341,7 @@
                                           </p:stCondLst>
                                         </p:cTn>
                                         <p:tgtEl>
-                                          <p:spTgt spid="31"/>
+                                          <p:spTgt spid="33"/>
                                         </p:tgtEl>
                                         <p:attrNameLst>
                                           <p:attrName>style.visibility</p:attrName>
@@ -20385,7 +19368,7 @@
                                           </p:stCondLst>
                                         </p:cTn>
                                         <p:tgtEl>
-                                          <p:spTgt spid="29"/>
+                                          <p:spTgt spid="31"/>
                                         </p:tgtEl>
                                         <p:attrNameLst>
                                           <p:attrName>style.visibility</p:attrName>
@@ -20430,7 +19413,7 @@
                                           </p:stCondLst>
                                         </p:cTn>
                                         <p:tgtEl>
-                                          <p:spTgt spid="31"/>
+                                          <p:spTgt spid="33"/>
                                         </p:tgtEl>
                                         <p:attrNameLst>
                                           <p:attrName>style.visibility</p:attrName>
@@ -20457,7 +19440,7 @@
                                           </p:stCondLst>
                                         </p:cTn>
                                         <p:tgtEl>
-                                          <p:spTgt spid="35"/>
+                                          <p:spTgt spid="37"/>
                                         </p:tgtEl>
                                         <p:attrNameLst>
                                           <p:attrName>style.visibility</p:attrName>
@@ -20484,7 +19467,7 @@
                                           </p:stCondLst>
                                         </p:cTn>
                                         <p:tgtEl>
-                                          <p:spTgt spid="34"/>
+                                          <p:spTgt spid="36"/>
                                         </p:tgtEl>
                                         <p:attrNameLst>
                                           <p:attrName>style.visibility</p:attrName>
@@ -20503,11 +19486,11 @@
                                     <p:cond delay="0"/>
                                   </p:stCondLst>
                                   <p:childTnLst>
-                                    <p:animMotion origin="layout" path="M 0 0 C 0.03813559 -0.2584746 0.03813559 -0.2584746 0.07627118 -0.5169491 E" pathEditMode="relative" ptsTypes="">
+                                    <p:animMotion origin="layout" path="M 0 0 C 0.03813563 -0.2584745 0.03813563 -0.2584745 0.07627127 -0.5169489 E" pathEditMode="relative" ptsTypes="">
                                       <p:cBhvr>
                                         <p:cTn id="109" dur="1" fill="hold"/>
                                         <p:tgtEl>
-                                          <p:spTgt spid="34"/>
+                                          <p:spTgt spid="36"/>
                                         </p:tgtEl>
                                         <p:attrNameLst>
                                           <p:attrName>ppt_x</p:attrName>
@@ -20528,7 +19511,7 @@
                                       <p:cBhvr>
                                         <p:cTn id="111" dur="1" fill="hold"/>
                                         <p:tgtEl>
-                                          <p:spTgt spid="34"/>
+                                          <p:spTgt spid="36"/>
                                         </p:tgtEl>
                                       </p:cBhvr>
                                       <p:by x="203390" y="203390"/>
@@ -20546,7 +19529,7 @@
                                       <p:cBhvr>
                                         <p:cTn id="113" dur="10"/>
                                         <p:tgtEl>
-                                          <p:spTgt spid="35"/>
+                                          <p:spTgt spid="37"/>
                                         </p:tgtEl>
                                       </p:cBhvr>
                                     </p:animEffect>
@@ -20558,7 +19541,7 @@
                                           </p:stCondLst>
                                         </p:cTn>
                                         <p:tgtEl>
-                                          <p:spTgt spid="35"/>
+                                          <p:spTgt spid="37"/>
                                         </p:tgtEl>
                                         <p:attrNameLst>
                                           <p:attrName>style.visibility</p:attrName>
@@ -20577,11 +19560,11 @@
                                     <p:cond delay="0"/>
                                   </p:stCondLst>
                                   <p:childTnLst>
-                                    <p:animMotion origin="layout" path="M 0.07627118 -0.5169491 C 0.0381356 -0.2584745 0.0381356 -0.2584745 7.450581E-09 0 E" pathEditMode="relative" ptsTypes="">
+                                    <p:animMotion origin="layout" path="M 0.07627127 -0.516949 C 0.03813564 -0.2584744 0.03813564 -0.2584744 -7.450581E-09 1.192093E-07 E" pathEditMode="relative" ptsTypes="">
                                       <p:cBhvr>
                                         <p:cTn id="116" dur="400" fill="hold"/>
                                         <p:tgtEl>
-                                          <p:spTgt spid="34"/>
+                                          <p:spTgt spid="36"/>
                                         </p:tgtEl>
                                         <p:attrNameLst>
                                           <p:attrName>ppt_x</p:attrName>
@@ -20602,7 +19585,7 @@
                                       <p:cBhvr>
                                         <p:cTn id="118" dur="400" fill="hold"/>
                                         <p:tgtEl>
-                                          <p:spTgt spid="34"/>
+                                          <p:spTgt spid="36"/>
                                         </p:tgtEl>
                                       </p:cBhvr>
                                       <p:by x="49167" y="49167"/>
@@ -20633,7 +19616,7 @@
                                           </p:stCondLst>
                                         </p:cTn>
                                         <p:tgtEl>
-                                          <p:spTgt spid="32"/>
+                                          <p:spTgt spid="34"/>
                                         </p:tgtEl>
                                         <p:attrNameLst>
                                           <p:attrName>style.visibility</p:attrName>
@@ -20660,7 +19643,7 @@
                                           </p:stCondLst>
                                         </p:cTn>
                                         <p:tgtEl>
-                                          <p:spTgt spid="33"/>
+                                          <p:spTgt spid="35"/>
                                         </p:tgtEl>
                                         <p:attrNameLst>
                                           <p:attrName>style.visibility</p:attrName>
@@ -20683,7 +19666,7 @@
                                       <p:cBhvr>
                                         <p:cTn id="125" dur="10"/>
                                         <p:tgtEl>
-                                          <p:spTgt spid="34"/>
+                                          <p:spTgt spid="36"/>
                                         </p:tgtEl>
                                       </p:cBhvr>
                                     </p:animEffect>
@@ -20695,7 +19678,7 @@
                                           </p:stCondLst>
                                         </p:cTn>
                                         <p:tgtEl>
-                                          <p:spTgt spid="34"/>
+                                          <p:spTgt spid="36"/>
                                         </p:tgtEl>
                                         <p:attrNameLst>
                                           <p:attrName>style.visibility</p:attrName>
@@ -20736,7 +19719,7 @@
       </p:par>
     </p:tnLst>
     <p:bldLst>
-      <p:bldP spid="33" grpId="0"/>
+      <p:bldP spid="35" grpId="0"/>
       <p:bldP spid="2" grpId="0"/>
     </p:bldLst>
   </p:timing>
@@ -21780,7 +20763,7 @@
 
 <file path=ppt/slides/slide31.xml><?xml version="1.0" encoding="utf-8"?>
 <p:sld xmlns:a="http://schemas.openxmlformats.org/drawingml/2006/main" xmlns:r="http://schemas.openxmlformats.org/officeDocument/2006/relationships" xmlns:p="http://schemas.openxmlformats.org/presentationml/2006/main">
-  <p:cSld name="PPTLabsZoomToAreaSlide201506261603597790">
+  <p:cSld name="PPTLabsZoomToAreaSlide201705111426152231">
     <p:bg>
       <p:bgPr>
         <a:solidFill>
@@ -22033,7 +21016,87 @@
       </p:sp>
       <p:sp>
         <p:nvSpPr>
-          <p:cNvPr id="3" name="PPTLabsMagnifyShape201506261603597850"/>
+          <p:cNvPr id="16" name="Oval 1" hidden="1"/>
+          <p:cNvSpPr/>
+          <p:nvPr/>
+        </p:nvSpPr>
+        <p:spPr>
+          <a:xfrm>
+            <a:off x="302733" y="3184634"/>
+            <a:ext cx="4953000" cy="3505200"/>
+          </a:xfrm>
+          <a:prstGeom prst="ellipse">
+            <a:avLst/>
+          </a:prstGeom>
+        </p:spPr>
+        <p:style>
+          <a:lnRef idx="2">
+            <a:schemeClr val="accent1">
+              <a:shade val="50000"/>
+            </a:schemeClr>
+          </a:lnRef>
+          <a:fillRef idx="1">
+            <a:schemeClr val="accent1"/>
+          </a:fillRef>
+          <a:effectRef idx="0">
+            <a:schemeClr val="accent1"/>
+          </a:effectRef>
+          <a:fontRef idx="minor">
+            <a:schemeClr val="lt1"/>
+          </a:fontRef>
+        </p:style>
+        <p:txBody>
+          <a:bodyPr rtlCol="0" anchor="ctr"/>
+          <a:lstStyle/>
+          <a:p>
+            <a:pPr algn="ctr"/>
+            <a:endParaRPr lang="en-US"/>
+          </a:p>
+        </p:txBody>
+      </p:sp>
+      <p:sp>
+        <p:nvSpPr>
+          <p:cNvPr id="17" name="Oval 5" hidden="1"/>
+          <p:cNvSpPr/>
+          <p:nvPr/>
+        </p:nvSpPr>
+        <p:spPr>
+          <a:xfrm>
+            <a:off x="3962400" y="381000"/>
+            <a:ext cx="4953000" cy="3505200"/>
+          </a:xfrm>
+          <a:prstGeom prst="ellipse">
+            <a:avLst/>
+          </a:prstGeom>
+        </p:spPr>
+        <p:style>
+          <a:lnRef idx="2">
+            <a:schemeClr val="accent1">
+              <a:shade val="50000"/>
+            </a:schemeClr>
+          </a:lnRef>
+          <a:fillRef idx="1">
+            <a:schemeClr val="accent1"/>
+          </a:fillRef>
+          <a:effectRef idx="0">
+            <a:schemeClr val="accent1"/>
+          </a:effectRef>
+          <a:fontRef idx="minor">
+            <a:schemeClr val="lt1"/>
+          </a:fontRef>
+        </p:style>
+        <p:txBody>
+          <a:bodyPr rtlCol="0" anchor="ctr"/>
+          <a:lstStyle/>
+          <a:p>
+            <a:pPr algn="ctr"/>
+            <a:endParaRPr lang="en-US"/>
+          </a:p>
+        </p:txBody>
+      </p:sp>
+      <p:sp>
+        <p:nvSpPr>
+          <p:cNvPr id="3" name="PPTLabsMagnifyShape201705111426152311"/>
           <p:cNvSpPr/>
           <p:nvPr/>
         </p:nvSpPr>
@@ -22097,7 +21160,7 @@
       </p:sp>
       <p:sp>
         <p:nvSpPr>
-          <p:cNvPr id="8" name="PPTLabsMagnifyShape201506261603597980"/>
+          <p:cNvPr id="8" name="PPTLabsMagnifyShape201705111426152482"/>
           <p:cNvSpPr/>
           <p:nvPr/>
         </p:nvSpPr>
@@ -22161,7 +21224,7 @@
       </p:sp>
       <p:sp>
         <p:nvSpPr>
-          <p:cNvPr id="9" name="PPTLabsMagnifyShape201506261603598110"/>
+          <p:cNvPr id="9" name="PPTLabsMagnifyShape201705111426152532"/>
           <p:cNvSpPr/>
           <p:nvPr/>
         </p:nvSpPr>
@@ -22225,7 +21288,7 @@
       </p:sp>
       <p:sp>
         <p:nvSpPr>
-          <p:cNvPr id="10" name="PPTLabsMagnifyShape201506261603598180"/>
+          <p:cNvPr id="10" name="PPTLabsMagnifyShape201705111426152582"/>
           <p:cNvSpPr/>
           <p:nvPr/>
         </p:nvSpPr>
@@ -22290,7 +21353,7 @@
     </p:spTree>
     <p:extLst>
       <p:ext uri="{BB962C8B-B14F-4D97-AF65-F5344CB8AC3E}">
-        <p14:creationId xmlns:p14="http://schemas.microsoft.com/office/powerpoint/2010/main" val="555137689"/>
+        <p14:creationId xmlns:p14="http://schemas.microsoft.com/office/powerpoint/2010/main" val="2294978696"/>
       </p:ext>
     </p:extLst>
   </p:cSld>
@@ -22714,7 +21777,7 @@
 
 <file path=ppt/slides/slide32.xml><?xml version="1.0" encoding="utf-8"?>
 <p:sld xmlns:a="http://schemas.openxmlformats.org/drawingml/2006/main" xmlns:r="http://schemas.openxmlformats.org/officeDocument/2006/relationships" xmlns:p="http://schemas.openxmlformats.org/presentationml/2006/main">
-  <p:cSld name="PPTLabsMagnifyingSlide201506261603598410">
+  <p:cSld name="PPTLabsMagnifyingSlide201705111426152890">
     <p:bg>
       <p:bgPr>
         <a:solidFill>
@@ -22815,26 +21878,19 @@
       </p:sp>
       <p:pic>
         <p:nvPicPr>
-          <p:cNvPr id="5122" name="PPTLabsMagnifyAreaGroup201506261604001101" hidden="1"/>
+          <p:cNvPr id="5" name="PPTLabsMagnifyAreaGroup201705111426155743" hidden="1"/>
           <p:cNvPicPr>
-            <a:picLocks noChangeArrowheads="1"/>
+            <a:picLocks/>
           </p:cNvPicPr>
           <p:nvPr/>
         </p:nvPicPr>
         <p:blipFill>
-          <a:blip r:embed="rId3">
-            <a:extLst>
-              <a:ext uri="{28A0092B-C50C-407E-A947-70E740481C1C}">
-                <a14:useLocalDpi xmlns:a14="http://schemas.microsoft.com/office/drawing/2010/main" val="0"/>
-              </a:ext>
-            </a:extLst>
-          </a:blip>
-          <a:srcRect/>
+          <a:blip r:embed="rId3"/>
           <a:stretch>
             <a:fillRect/>
           </a:stretch>
         </p:blipFill>
-        <p:spPr bwMode="auto">
+        <p:spPr>
           <a:xfrm>
             <a:off x="0" y="0"/>
             <a:ext cx="9144000" cy="6858000"/>
@@ -22842,108 +21898,36 @@
           <a:prstGeom prst="rect">
             <a:avLst/>
           </a:prstGeom>
-          <a:noFill/>
-          <a:ln>
-            <a:noFill/>
-          </a:ln>
-          <a:effectLst/>
-          <a:extLst>
-            <a:ext uri="{909E8E84-426E-40DD-AFC4-6F175D3DCCD1}">
-              <a14:hiddenFill xmlns:a14="http://schemas.microsoft.com/office/drawing/2010/main">
-                <a:solidFill>
-                  <a:schemeClr val="accent1"/>
-                </a:solidFill>
-              </a14:hiddenFill>
-            </a:ext>
-            <a:ext uri="{91240B29-F687-4F45-9708-019B960494DF}">
-              <a14:hiddenLine xmlns:a14="http://schemas.microsoft.com/office/drawing/2010/main" w="9525">
-                <a:solidFill>
-                  <a:schemeClr val="tx1"/>
-                </a:solidFill>
-                <a:miter lim="800000"/>
-                <a:headEnd/>
-                <a:tailEnd/>
-              </a14:hiddenLine>
-            </a:ext>
-            <a:ext uri="{AF507438-7753-43E0-B8FC-AC1667EBCBE1}">
-              <a14:hiddenEffects xmlns:a14="http://schemas.microsoft.com/office/drawing/2010/main">
-                <a:effectLst>
-                  <a:outerShdw dist="35921" dir="2700000" algn="ctr" rotWithShape="0">
-                    <a:schemeClr val="bg2"/>
-                  </a:outerShdw>
-                </a:effectLst>
-              </a14:hiddenEffects>
-            </a:ext>
-          </a:extLst>
         </p:spPr>
       </p:pic>
       <p:pic>
         <p:nvPicPr>
-          <p:cNvPr id="20" name="PPTLabsMagnifyAreaSlide201506261604001421"/>
+          <p:cNvPr id="22" name="PPTLabsMagnifyAreaSlide201705111426156340"/>
           <p:cNvPicPr>
-            <a:picLocks noChangeArrowheads="1"/>
+            <a:picLocks/>
           </p:cNvPicPr>
           <p:nvPr/>
         </p:nvPicPr>
         <p:blipFill>
-          <a:blip r:embed="rId3">
-            <a:extLst>
-              <a:ext uri="{28A0092B-C50C-407E-A947-70E740481C1C}">
-                <a14:useLocalDpi xmlns:a14="http://schemas.microsoft.com/office/drawing/2010/main" val="0"/>
-              </a:ext>
-            </a:extLst>
-          </a:blip>
+          <a:blip r:embed="rId3"/>
           <a:srcRect l="10926" t="7761" r="46646" b="49811"/>
           <a:stretch>
             <a:fillRect/>
           </a:stretch>
         </p:blipFill>
-        <p:spPr bwMode="auto">
+        <p:spPr>
           <a:xfrm>
-            <a:off x="998925" y="532115"/>
+            <a:off x="998925" y="532116"/>
             <a:ext cx="3879657" cy="2909740"/>
           </a:xfrm>
           <a:prstGeom prst="rect">
             <a:avLst/>
           </a:prstGeom>
-          <a:noFill/>
-          <a:ln>
-            <a:noFill/>
-          </a:ln>
-          <a:effectLst/>
-          <a:extLst>
-            <a:ext uri="{909E8E84-426E-40DD-AFC4-6F175D3DCCD1}">
-              <a14:hiddenFill xmlns:a14="http://schemas.microsoft.com/office/drawing/2010/main">
-                <a:solidFill>
-                  <a:schemeClr val="accent1"/>
-                </a:solidFill>
-              </a14:hiddenFill>
-            </a:ext>
-            <a:ext uri="{91240B29-F687-4F45-9708-019B960494DF}">
-              <a14:hiddenLine xmlns:a14="http://schemas.microsoft.com/office/drawing/2010/main" w="9525">
-                <a:solidFill>
-                  <a:schemeClr val="tx1"/>
-                </a:solidFill>
-                <a:miter lim="800000"/>
-                <a:headEnd/>
-                <a:tailEnd/>
-              </a14:hiddenLine>
-            </a:ext>
-            <a:ext uri="{AF507438-7753-43E0-B8FC-AC1667EBCBE1}">
-              <a14:hiddenEffects xmlns:a14="http://schemas.microsoft.com/office/drawing/2010/main">
-                <a:effectLst>
-                  <a:outerShdw dist="35921" dir="2700000" algn="ctr" rotWithShape="0">
-                    <a:schemeClr val="bg2"/>
-                  </a:outerShdw>
-                </a:effectLst>
-              </a14:hiddenEffects>
-            </a:ext>
-          </a:extLst>
         </p:spPr>
       </p:pic>
       <p:pic>
         <p:nvPicPr>
-          <p:cNvPr id="5" name="PPTIndicator201506261604001321"/>
+          <p:cNvPr id="6" name="PPTIndicator201705111426156230"/>
           <p:cNvPicPr>
             <a:picLocks/>
           </p:cNvPicPr>
@@ -22974,7 +21958,7 @@
     </p:spTree>
     <p:extLst>
       <p:ext uri="{BB962C8B-B14F-4D97-AF65-F5344CB8AC3E}">
-        <p14:creationId xmlns:p14="http://schemas.microsoft.com/office/powerpoint/2010/main" val="1357973194"/>
+        <p14:creationId xmlns:p14="http://schemas.microsoft.com/office/powerpoint/2010/main" val="2258728610"/>
       </p:ext>
     </p:extLst>
   </p:cSld>
@@ -23026,7 +22010,7 @@
                                           </p:stCondLst>
                                         </p:cTn>
                                         <p:tgtEl>
-                                          <p:spTgt spid="5"/>
+                                          <p:spTgt spid="6"/>
                                         </p:tgtEl>
                                         <p:attrNameLst>
                                           <p:attrName>style.visibility</p:attrName>
@@ -23053,7 +22037,7 @@
                                           </p:stCondLst>
                                         </p:cTn>
                                         <p:tgtEl>
-                                          <p:spTgt spid="5"/>
+                                          <p:spTgt spid="6"/>
                                         </p:tgtEl>
                                         <p:attrNameLst>
                                           <p:attrName>style.visibility</p:attrName>
@@ -23151,11 +22135,11 @@
                                     <p:cond delay="0"/>
                                   </p:stCondLst>
                                   <p:childTnLst>
-                                    <p:animMotion origin="layout" path="M 0 0 C 0.089307 0.1051338 0.089307 0.1051338 0.178614 0.2102676 E" pathEditMode="relative" ptsTypes="">
+                                    <p:animMotion origin="layout" path="M 0 0 C 0.089307 0.1051337 0.089307 0.1051337 0.178614 0.2102674 E" pathEditMode="relative" ptsTypes="">
                                       <p:cBhvr>
                                         <p:cTn id="17" dur="500" fill="hold"/>
                                         <p:tgtEl>
-                                          <p:spTgt spid="20"/>
+                                          <p:spTgt spid="22"/>
                                         </p:tgtEl>
                                         <p:attrNameLst>
                                           <p:attrName>ppt_x</p:attrName>
@@ -23176,7 +22160,7 @@
                                       <p:cBhvr>
                                         <p:cTn id="19" dur="500" fill="hold"/>
                                         <p:tgtEl>
-                                          <p:spTgt spid="20"/>
+                                          <p:spTgt spid="22"/>
                                         </p:tgtEl>
                                       </p:cBhvr>
                                       <p:by x="235691" y="235691"/>
@@ -23220,7 +22204,7 @@
 
 <file path=ppt/slides/slide33.xml><?xml version="1.0" encoding="utf-8"?>
 <p:sld xmlns:a="http://schemas.openxmlformats.org/drawingml/2006/main" xmlns:r="http://schemas.openxmlformats.org/officeDocument/2006/relationships" xmlns:p="http://schemas.openxmlformats.org/presentationml/2006/main">
-  <p:cSld name="PPTLabsMagnifiedSlide201506261604001431">
+  <p:cSld name="PPTLabsMagnifiedSlide201705111426156390">
     <p:bg>
       <p:bgPr>
         <a:solidFill>
@@ -23245,26 +22229,20 @@
       </p:grpSpPr>
       <p:pic>
         <p:nvPicPr>
-          <p:cNvPr id="5122" name="PPTLabsMagnifyAreaGroup201506261604001101"/>
+          <p:cNvPr id="5" name="PPTLabsMagnifyAreaGroup201705111426155743"/>
           <p:cNvPicPr>
-            <a:picLocks noChangeAspect="1" noChangeArrowheads="1"/>
+            <a:picLocks noChangeAspect="1"/>
           </p:cNvPicPr>
           <p:nvPr/>
         </p:nvPicPr>
         <p:blipFill>
-          <a:blip r:embed="rId2">
-            <a:extLst>
-              <a:ext uri="{28A0092B-C50C-407E-A947-70E740481C1C}">
-                <a14:useLocalDpi xmlns:a14="http://schemas.microsoft.com/office/drawing/2010/main" val="0"/>
-              </a:ext>
-            </a:extLst>
-          </a:blip>
+          <a:blip r:embed="rId2"/>
           <a:srcRect/>
           <a:stretch>
             <a:fillRect/>
           </a:stretch>
         </p:blipFill>
-        <p:spPr bwMode="auto">
+        <p:spPr>
           <a:xfrm>
             <a:off x="-2354749" y="-1254471"/>
             <a:ext cx="21551802" cy="16163835"/>
@@ -23272,44 +22250,11 @@
           <a:prstGeom prst="rect">
             <a:avLst/>
           </a:prstGeom>
-          <a:noFill/>
-          <a:ln>
-            <a:noFill/>
-          </a:ln>
-          <a:effectLst/>
-          <a:extLst>
-            <a:ext uri="{909E8E84-426E-40DD-AFC4-6F175D3DCCD1}">
-              <a14:hiddenFill xmlns:a14="http://schemas.microsoft.com/office/drawing/2010/main">
-                <a:solidFill>
-                  <a:schemeClr val="accent1"/>
-                </a:solidFill>
-              </a14:hiddenFill>
-            </a:ext>
-            <a:ext uri="{91240B29-F687-4F45-9708-019B960494DF}">
-              <a14:hiddenLine xmlns:a14="http://schemas.microsoft.com/office/drawing/2010/main" w="9525">
-                <a:solidFill>
-                  <a:schemeClr val="tx1"/>
-                </a:solidFill>
-                <a:miter lim="800000"/>
-                <a:headEnd/>
-                <a:tailEnd/>
-              </a14:hiddenLine>
-            </a:ext>
-            <a:ext uri="{AF507438-7753-43E0-B8FC-AC1667EBCBE1}">
-              <a14:hiddenEffects xmlns:a14="http://schemas.microsoft.com/office/drawing/2010/main">
-                <a:effectLst>
-                  <a:outerShdw dist="35921" dir="2700000" algn="ctr" rotWithShape="0">
-                    <a:schemeClr val="bg2"/>
-                  </a:outerShdw>
-                </a:effectLst>
-              </a14:hiddenEffects>
-            </a:ext>
-          </a:extLst>
         </p:spPr>
       </p:pic>
       <p:pic>
         <p:nvPicPr>
-          <p:cNvPr id="3" name="PPTIndicator201506261604001581"/>
+          <p:cNvPr id="3" name="PPTIndicator201705111426156729"/>
           <p:cNvPicPr>
             <a:picLocks/>
           </p:cNvPicPr>
@@ -23340,7 +22285,7 @@
     </p:spTree>
     <p:extLst>
       <p:ext uri="{BB962C8B-B14F-4D97-AF65-F5344CB8AC3E}">
-        <p14:creationId xmlns:p14="http://schemas.microsoft.com/office/powerpoint/2010/main" val="744104781"/>
+        <p14:creationId xmlns:p14="http://schemas.microsoft.com/office/powerpoint/2010/main" val="1644900449"/>
       </p:ext>
     </p:extLst>
   </p:cSld>
@@ -23465,7 +22410,7 @@
 
 <file path=ppt/slides/slide34.xml><?xml version="1.0" encoding="utf-8"?>
 <p:sld xmlns:a="http://schemas.openxmlformats.org/drawingml/2006/main" xmlns:r="http://schemas.openxmlformats.org/officeDocument/2006/relationships" xmlns:p="http://schemas.openxmlformats.org/presentationml/2006/main">
-  <p:cSld name="PPTLabsMagnifiedPanSlide201506261604004811">
+  <p:cSld name="PPTLabsMagnifiedPanSlide201705111426160103">
     <p:bg>
       <p:bgPr>
         <a:solidFill>
@@ -23490,26 +22435,20 @@
       </p:grpSpPr>
       <p:pic>
         <p:nvPicPr>
-          <p:cNvPr id="5122" name="PPTLabsMagnifyAreaGroup201506261604001101"/>
+          <p:cNvPr id="5" name="PPTLabsMagnifyAreaGroup201705111426155743"/>
           <p:cNvPicPr>
-            <a:picLocks noChangeArrowheads="1"/>
+            <a:picLocks/>
           </p:cNvPicPr>
           <p:nvPr/>
         </p:nvPicPr>
         <p:blipFill>
-          <a:blip r:embed="rId2">
-            <a:extLst>
-              <a:ext uri="{28A0092B-C50C-407E-A947-70E740481C1C}">
-                <a14:useLocalDpi xmlns:a14="http://schemas.microsoft.com/office/drawing/2010/main" val="0"/>
-              </a:ext>
-            </a:extLst>
-          </a:blip>
+          <a:blip r:embed="rId2"/>
           <a:srcRect/>
           <a:stretch>
             <a:fillRect/>
           </a:stretch>
         </p:blipFill>
-        <p:spPr bwMode="auto">
+        <p:spPr>
           <a:xfrm>
             <a:off x="0" y="0"/>
             <a:ext cx="9144000" cy="6857993"/>
@@ -23517,63 +22456,24 @@
           <a:prstGeom prst="rect">
             <a:avLst/>
           </a:prstGeom>
-          <a:noFill/>
-          <a:ln>
-            <a:noFill/>
-          </a:ln>
-          <a:effectLst/>
-          <a:extLst>
-            <a:ext uri="{909E8E84-426E-40DD-AFC4-6F175D3DCCD1}">
-              <a14:hiddenFill xmlns:a14="http://schemas.microsoft.com/office/drawing/2010/main">
-                <a:solidFill>
-                  <a:schemeClr val="accent1"/>
-                </a:solidFill>
-              </a14:hiddenFill>
-            </a:ext>
-            <a:ext uri="{91240B29-F687-4F45-9708-019B960494DF}">
-              <a14:hiddenLine xmlns:a14="http://schemas.microsoft.com/office/drawing/2010/main" w="9525">
-                <a:solidFill>
-                  <a:schemeClr val="tx1"/>
-                </a:solidFill>
-                <a:miter lim="800000"/>
-                <a:headEnd/>
-                <a:tailEnd/>
-              </a14:hiddenLine>
-            </a:ext>
-            <a:ext uri="{AF507438-7753-43E0-B8FC-AC1667EBCBE1}">
-              <a14:hiddenEffects xmlns:a14="http://schemas.microsoft.com/office/drawing/2010/main">
-                <a:effectLst>
-                  <a:outerShdw dist="35921" dir="2700000" algn="ctr" rotWithShape="0">
-                    <a:schemeClr val="bg2"/>
-                  </a:outerShdw>
-                </a:effectLst>
-              </a14:hiddenEffects>
-            </a:ext>
-          </a:extLst>
         </p:spPr>
       </p:pic>
       <p:pic>
         <p:nvPicPr>
-          <p:cNvPr id="5" name="PPTLabsMagnifyAreaGroup201506261604001101"/>
+          <p:cNvPr id="6" name="PPTLabsMagnifyAreaGroup201705111426155743"/>
           <p:cNvPicPr>
-            <a:picLocks noChangeArrowheads="1"/>
+            <a:picLocks/>
           </p:cNvPicPr>
           <p:nvPr/>
         </p:nvPicPr>
         <p:blipFill>
-          <a:blip r:embed="rId2">
-            <a:extLst>
-              <a:ext uri="{28A0092B-C50C-407E-A947-70E740481C1C}">
-                <a14:useLocalDpi xmlns:a14="http://schemas.microsoft.com/office/drawing/2010/main" val="0"/>
-              </a:ext>
-            </a:extLst>
-          </a:blip>
+          <a:blip r:embed="rId2"/>
           <a:srcRect/>
           <a:stretch>
             <a:fillRect/>
           </a:stretch>
         </p:blipFill>
-        <p:spPr bwMode="auto">
+        <p:spPr>
           <a:xfrm>
             <a:off x="-2354749" y="-1254471"/>
             <a:ext cx="21551802" cy="16163835"/>
@@ -23581,44 +22481,11 @@
           <a:prstGeom prst="rect">
             <a:avLst/>
           </a:prstGeom>
-          <a:noFill/>
-          <a:ln>
-            <a:noFill/>
-          </a:ln>
-          <a:effectLst/>
-          <a:extLst>
-            <a:ext uri="{909E8E84-426E-40DD-AFC4-6F175D3DCCD1}">
-              <a14:hiddenFill xmlns:a14="http://schemas.microsoft.com/office/drawing/2010/main">
-                <a:solidFill>
-                  <a:schemeClr val="accent1"/>
-                </a:solidFill>
-              </a14:hiddenFill>
-            </a:ext>
-            <a:ext uri="{91240B29-F687-4F45-9708-019B960494DF}">
-              <a14:hiddenLine xmlns:a14="http://schemas.microsoft.com/office/drawing/2010/main" w="9525">
-                <a:solidFill>
-                  <a:schemeClr val="tx1"/>
-                </a:solidFill>
-                <a:miter lim="800000"/>
-                <a:headEnd/>
-                <a:tailEnd/>
-              </a14:hiddenLine>
-            </a:ext>
-            <a:ext uri="{AF507438-7753-43E0-B8FC-AC1667EBCBE1}">
-              <a14:hiddenEffects xmlns:a14="http://schemas.microsoft.com/office/drawing/2010/main">
-                <a:effectLst>
-                  <a:outerShdw dist="35921" dir="2700000" algn="ctr" rotWithShape="0">
-                    <a:schemeClr val="bg2"/>
-                  </a:outerShdw>
-                </a:effectLst>
-              </a14:hiddenEffects>
-            </a:ext>
-          </a:extLst>
         </p:spPr>
       </p:pic>
       <p:pic>
         <p:nvPicPr>
-          <p:cNvPr id="2" name="PPTIndicator201506261604004961"/>
+          <p:cNvPr id="2" name="PPTIndicator201705111426160413"/>
           <p:cNvPicPr>
             <a:picLocks/>
           </p:cNvPicPr>
@@ -23649,7 +22516,7 @@
     </p:spTree>
     <p:extLst>
       <p:ext uri="{BB962C8B-B14F-4D97-AF65-F5344CB8AC3E}">
-        <p14:creationId xmlns:p14="http://schemas.microsoft.com/office/powerpoint/2010/main" val="3761063101"/>
+        <p14:creationId xmlns:p14="http://schemas.microsoft.com/office/powerpoint/2010/main" val="1465412335"/>
       </p:ext>
     </p:extLst>
   </p:cSld>
@@ -23751,7 +22618,7 @@
                                       <p:cBhvr>
                                         <p:cTn id="10" dur="1" fill="hold"/>
                                         <p:tgtEl>
-                                          <p:spTgt spid="5122"/>
+                                          <p:spTgt spid="5"/>
                                         </p:tgtEl>
                                         <p:attrNameLst>
                                           <p:attrName>ppt_x</p:attrName>
@@ -23772,7 +22639,7 @@
                                       <p:cBhvr>
                                         <p:cTn id="12" dur="1" fill="hold"/>
                                         <p:tgtEl>
-                                          <p:spTgt spid="5122"/>
+                                          <p:spTgt spid="5"/>
                                         </p:tgtEl>
                                       </p:cBhvr>
                                       <p:by x="235693" y="235693"/>
@@ -23790,7 +22657,7 @@
                                       <p:cBhvr>
                                         <p:cTn id="14" dur="10"/>
                                         <p:tgtEl>
-                                          <p:spTgt spid="5"/>
+                                          <p:spTgt spid="6"/>
                                         </p:tgtEl>
                                       </p:cBhvr>
                                     </p:animEffect>
@@ -23802,7 +22669,7 @@
                                           </p:stCondLst>
                                         </p:cTn>
                                         <p:tgtEl>
-                                          <p:spTgt spid="5"/>
+                                          <p:spTgt spid="6"/>
                                         </p:tgtEl>
                                         <p:attrNameLst>
                                           <p:attrName>style.visibility</p:attrName>
@@ -23830,11 +22697,11 @@
                                     <p:cond delay="0"/>
                                   </p:stCondLst>
                                   <p:childTnLst>
-                                    <p:animMotion origin="layout" path="M 0.4209484 0.4955453 C 0.4328168 0.9727182 0.4328168 0.9727182 0.4446852 1.449891 E" pathEditMode="relative" ptsTypes="">
+                                    <p:animMotion origin="layout" path="M 0.4209484 0.4955453 C 0.4328169 0.9727173 0.4328169 0.9727173 0.4446853 1.449889 E" pathEditMode="relative" ptsTypes="">
                                       <p:cBhvr>
                                         <p:cTn id="18" dur="400" fill="hold"/>
                                         <p:tgtEl>
-                                          <p:spTgt spid="5122"/>
+                                          <p:spTgt spid="5"/>
                                         </p:tgtEl>
                                         <p:attrNameLst>
                                           <p:attrName>ppt_x</p:attrName>
@@ -23855,7 +22722,7 @@
                                       <p:cBhvr>
                                         <p:cTn id="20" dur="400" fill="hold"/>
                                         <p:tgtEl>
-                                          <p:spTgt spid="5122"/>
+                                          <p:spTgt spid="5"/>
                                         </p:tgtEl>
                                       </p:cBhvr>
                                       <p:by x="224368" y="224372"/>
@@ -23896,7 +22763,7 @@
 
 <file path=ppt/slides/slide35.xml><?xml version="1.0" encoding="utf-8"?>
 <p:sld xmlns:a="http://schemas.openxmlformats.org/drawingml/2006/main" xmlns:r="http://schemas.openxmlformats.org/officeDocument/2006/relationships" xmlns:p="http://schemas.openxmlformats.org/presentationml/2006/main">
-  <p:cSld name="PPTLabsMagnifiedSlide201506261604004621">
+  <p:cSld name="PPTLabsMagnifiedSlide201705111426159797">
     <p:bg>
       <p:bgPr>
         <a:solidFill>
@@ -23921,71 +22788,32 @@
       </p:grpSpPr>
       <p:pic>
         <p:nvPicPr>
-          <p:cNvPr id="6146" name="PPTLabsMagnifyAreaGroup201506261604004321"/>
+          <p:cNvPr id="5" name="PPTLabsMagnifyAreaGroup201705111426159350"/>
           <p:cNvPicPr>
-            <a:picLocks noChangeAspect="1" noChangeArrowheads="1"/>
+            <a:picLocks noChangeAspect="1"/>
           </p:cNvPicPr>
           <p:nvPr/>
         </p:nvPicPr>
         <p:blipFill>
-          <a:blip r:embed="rId2">
-            <a:extLst>
-              <a:ext uri="{28A0092B-C50C-407E-A947-70E740481C1C}">
-                <a14:useLocalDpi xmlns:a14="http://schemas.microsoft.com/office/drawing/2010/main" val="0"/>
-              </a:ext>
-            </a:extLst>
-          </a:blip>
+          <a:blip r:embed="rId2"/>
           <a:srcRect/>
           <a:stretch>
             <a:fillRect/>
           </a:stretch>
         </p:blipFill>
-        <p:spPr bwMode="auto">
+        <p:spPr>
           <a:xfrm>
-            <a:off x="-15539485" y="-4761195"/>
-            <a:ext cx="48355375" cy="36267088"/>
+            <a:off x="-15539485" y="-4761187"/>
+            <a:ext cx="48355375" cy="36267051"/>
           </a:xfrm>
           <a:prstGeom prst="rect">
             <a:avLst/>
           </a:prstGeom>
-          <a:noFill/>
-          <a:ln>
-            <a:noFill/>
-          </a:ln>
-          <a:effectLst/>
-          <a:extLst>
-            <a:ext uri="{909E8E84-426E-40DD-AFC4-6F175D3DCCD1}">
-              <a14:hiddenFill xmlns:a14="http://schemas.microsoft.com/office/drawing/2010/main">
-                <a:solidFill>
-                  <a:schemeClr val="accent1"/>
-                </a:solidFill>
-              </a14:hiddenFill>
-            </a:ext>
-            <a:ext uri="{91240B29-F687-4F45-9708-019B960494DF}">
-              <a14:hiddenLine xmlns:a14="http://schemas.microsoft.com/office/drawing/2010/main" w="9525">
-                <a:solidFill>
-                  <a:schemeClr val="tx1"/>
-                </a:solidFill>
-                <a:miter lim="800000"/>
-                <a:headEnd/>
-                <a:tailEnd/>
-              </a14:hiddenLine>
-            </a:ext>
-            <a:ext uri="{AF507438-7753-43E0-B8FC-AC1667EBCBE1}">
-              <a14:hiddenEffects xmlns:a14="http://schemas.microsoft.com/office/drawing/2010/main">
-                <a:effectLst>
-                  <a:outerShdw dist="35921" dir="2700000" algn="ctr" rotWithShape="0">
-                    <a:schemeClr val="bg2"/>
-                  </a:outerShdw>
-                </a:effectLst>
-              </a14:hiddenEffects>
-            </a:ext>
-          </a:extLst>
         </p:spPr>
       </p:pic>
       <p:pic>
         <p:nvPicPr>
-          <p:cNvPr id="3" name="PPTIndicator201506261604004781"/>
+          <p:cNvPr id="3" name="PPTIndicator201705111426160053"/>
           <p:cNvPicPr>
             <a:picLocks/>
           </p:cNvPicPr>
@@ -24016,7 +22844,7 @@
     </p:spTree>
     <p:extLst>
       <p:ext uri="{BB962C8B-B14F-4D97-AF65-F5344CB8AC3E}">
-        <p14:creationId xmlns:p14="http://schemas.microsoft.com/office/powerpoint/2010/main" val="2647369660"/>
+        <p14:creationId xmlns:p14="http://schemas.microsoft.com/office/powerpoint/2010/main" val="377132491"/>
       </p:ext>
     </p:extLst>
   </p:cSld>
@@ -24141,7 +22969,7 @@
 
 <file path=ppt/slides/slide36.xml><?xml version="1.0" encoding="utf-8"?>
 <p:sld xmlns:a="http://schemas.openxmlformats.org/drawingml/2006/main" xmlns:r="http://schemas.openxmlformats.org/officeDocument/2006/relationships" xmlns:p="http://schemas.openxmlformats.org/presentationml/2006/main">
-  <p:cSld name="PPTLabsMagnifiedPanSlide201506261604008191">
+  <p:cSld name="PPTLabsMagnifiedPanSlide201705111426163920">
     <p:bg>
       <p:bgPr>
         <a:solidFill>
@@ -24166,135 +22994,57 @@
       </p:grpSpPr>
       <p:pic>
         <p:nvPicPr>
-          <p:cNvPr id="6146" name="PPTLabsMagnifyAreaGroup201506261604004321"/>
+          <p:cNvPr id="5" name="PPTLabsMagnifyAreaGroup201705111426159350"/>
           <p:cNvPicPr>
-            <a:picLocks noChangeArrowheads="1"/>
+            <a:picLocks/>
           </p:cNvPicPr>
           <p:nvPr/>
         </p:nvPicPr>
         <p:blipFill>
-          <a:blip r:embed="rId2">
-            <a:extLst>
-              <a:ext uri="{28A0092B-C50C-407E-A947-70E740481C1C}">
-                <a14:useLocalDpi xmlns:a14="http://schemas.microsoft.com/office/drawing/2010/main" val="0"/>
-              </a:ext>
-            </a:extLst>
-          </a:blip>
+          <a:blip r:embed="rId2"/>
           <a:srcRect/>
           <a:stretch>
             <a:fillRect/>
           </a:stretch>
         </p:blipFill>
-        <p:spPr bwMode="auto">
+        <p:spPr>
           <a:xfrm>
             <a:off x="0" y="0"/>
-            <a:ext cx="9143859" cy="6858000"/>
+            <a:ext cx="9143869" cy="6858000"/>
           </a:xfrm>
           <a:prstGeom prst="rect">
             <a:avLst/>
           </a:prstGeom>
-          <a:noFill/>
-          <a:ln>
-            <a:noFill/>
-          </a:ln>
-          <a:effectLst/>
-          <a:extLst>
-            <a:ext uri="{909E8E84-426E-40DD-AFC4-6F175D3DCCD1}">
-              <a14:hiddenFill xmlns:a14="http://schemas.microsoft.com/office/drawing/2010/main">
-                <a:solidFill>
-                  <a:schemeClr val="accent1"/>
-                </a:solidFill>
-              </a14:hiddenFill>
-            </a:ext>
-            <a:ext uri="{91240B29-F687-4F45-9708-019B960494DF}">
-              <a14:hiddenLine xmlns:a14="http://schemas.microsoft.com/office/drawing/2010/main" w="9525">
-                <a:solidFill>
-                  <a:schemeClr val="tx1"/>
-                </a:solidFill>
-                <a:miter lim="800000"/>
-                <a:headEnd/>
-                <a:tailEnd/>
-              </a14:hiddenLine>
-            </a:ext>
-            <a:ext uri="{AF507438-7753-43E0-B8FC-AC1667EBCBE1}">
-              <a14:hiddenEffects xmlns:a14="http://schemas.microsoft.com/office/drawing/2010/main">
-                <a:effectLst>
-                  <a:outerShdw dist="35921" dir="2700000" algn="ctr" rotWithShape="0">
-                    <a:schemeClr val="bg2"/>
-                  </a:outerShdw>
-                </a:effectLst>
-              </a14:hiddenEffects>
-            </a:ext>
-          </a:extLst>
         </p:spPr>
       </p:pic>
       <p:pic>
         <p:nvPicPr>
-          <p:cNvPr id="5" name="PPTLabsMagnifyAreaGroup201506261604004321"/>
+          <p:cNvPr id="6" name="PPTLabsMagnifyAreaGroup201705111426159350"/>
           <p:cNvPicPr>
-            <a:picLocks noChangeArrowheads="1"/>
+            <a:picLocks/>
           </p:cNvPicPr>
           <p:nvPr/>
         </p:nvPicPr>
         <p:blipFill>
-          <a:blip r:embed="rId2">
-            <a:extLst>
-              <a:ext uri="{28A0092B-C50C-407E-A947-70E740481C1C}">
-                <a14:useLocalDpi xmlns:a14="http://schemas.microsoft.com/office/drawing/2010/main" val="0"/>
-              </a:ext>
-            </a:extLst>
-          </a:blip>
+          <a:blip r:embed="rId2"/>
           <a:srcRect/>
           <a:stretch>
             <a:fillRect/>
           </a:stretch>
         </p:blipFill>
-        <p:spPr bwMode="auto">
+        <p:spPr>
           <a:xfrm>
-            <a:off x="-15539486" y="-4761195"/>
-            <a:ext cx="48355375" cy="36267088"/>
+            <a:off x="-15539486" y="-4761187"/>
+            <a:ext cx="48355375" cy="36267051"/>
           </a:xfrm>
           <a:prstGeom prst="rect">
             <a:avLst/>
           </a:prstGeom>
-          <a:noFill/>
-          <a:ln>
-            <a:noFill/>
-          </a:ln>
-          <a:effectLst/>
-          <a:extLst>
-            <a:ext uri="{909E8E84-426E-40DD-AFC4-6F175D3DCCD1}">
-              <a14:hiddenFill xmlns:a14="http://schemas.microsoft.com/office/drawing/2010/main">
-                <a:solidFill>
-                  <a:schemeClr val="accent1"/>
-                </a:solidFill>
-              </a14:hiddenFill>
-            </a:ext>
-            <a:ext uri="{91240B29-F687-4F45-9708-019B960494DF}">
-              <a14:hiddenLine xmlns:a14="http://schemas.microsoft.com/office/drawing/2010/main" w="9525">
-                <a:solidFill>
-                  <a:schemeClr val="tx1"/>
-                </a:solidFill>
-                <a:miter lim="800000"/>
-                <a:headEnd/>
-                <a:tailEnd/>
-              </a14:hiddenLine>
-            </a:ext>
-            <a:ext uri="{AF507438-7753-43E0-B8FC-AC1667EBCBE1}">
-              <a14:hiddenEffects xmlns:a14="http://schemas.microsoft.com/office/drawing/2010/main">
-                <a:effectLst>
-                  <a:outerShdw dist="35921" dir="2700000" algn="ctr" rotWithShape="0">
-                    <a:schemeClr val="bg2"/>
-                  </a:outerShdw>
-                </a:effectLst>
-              </a14:hiddenEffects>
-            </a:ext>
-          </a:extLst>
         </p:spPr>
       </p:pic>
       <p:pic>
         <p:nvPicPr>
-          <p:cNvPr id="2" name="PPTIndicator201506261604008331"/>
+          <p:cNvPr id="2" name="PPTIndicator201705111426164100"/>
           <p:cNvPicPr>
             <a:picLocks/>
           </p:cNvPicPr>
@@ -24325,7 +23075,7 @@
     </p:spTree>
     <p:extLst>
       <p:ext uri="{BB962C8B-B14F-4D97-AF65-F5344CB8AC3E}">
-        <p14:creationId xmlns:p14="http://schemas.microsoft.com/office/powerpoint/2010/main" val="1228311384"/>
+        <p14:creationId xmlns:p14="http://schemas.microsoft.com/office/powerpoint/2010/main" val="3936984793"/>
       </p:ext>
     </p:extLst>
   </p:cSld>
@@ -24423,11 +23173,11 @@
                                     <p:cond delay="0"/>
                                   </p:stCondLst>
                                   <p:childTnLst>
-                                    <p:animMotion origin="layout" path="M 0 0 C 0.2223465 0.7249453 0.2223465 0.7249453 0.4446929 1.449891 E" pathEditMode="relative" ptsTypes="">
+                                    <p:animMotion origin="layout" path="M 0 0 C 0.2223462 0.7249445 0.2223462 0.7249445 0.4446925 1.449889 E" pathEditMode="relative" ptsTypes="">
                                       <p:cBhvr>
                                         <p:cTn id="10" dur="1" fill="hold"/>
                                         <p:tgtEl>
-                                          <p:spTgt spid="6146"/>
+                                          <p:spTgt spid="5"/>
                                         </p:tgtEl>
                                         <p:attrNameLst>
                                           <p:attrName>ppt_x</p:attrName>
@@ -24448,10 +23198,10 @@
                                       <p:cBhvr>
                                         <p:cTn id="12" dur="1" fill="hold"/>
                                         <p:tgtEl>
-                                          <p:spTgt spid="6146"/>
-                                        </p:tgtEl>
-                                      </p:cBhvr>
-                                      <p:by x="528829" y="528829"/>
+                                          <p:spTgt spid="5"/>
+                                        </p:tgtEl>
+                                      </p:cBhvr>
+                                      <p:by x="528828" y="528828"/>
                                     </p:animScale>
                                   </p:childTnLst>
                                 </p:cTn>
@@ -24466,7 +23216,7 @@
                                       <p:cBhvr>
                                         <p:cTn id="14" dur="10"/>
                                         <p:tgtEl>
-                                          <p:spTgt spid="5"/>
+                                          <p:spTgt spid="6"/>
                                         </p:tgtEl>
                                       </p:cBhvr>
                                     </p:animEffect>
@@ -24478,7 +23228,7 @@
                                           </p:stCondLst>
                                         </p:cTn>
                                         <p:tgtEl>
-                                          <p:spTgt spid="5"/>
+                                          <p:spTgt spid="6"/>
                                         </p:tgtEl>
                                         <p:attrNameLst>
                                           <p:attrName>style.visibility</p:attrName>
@@ -24506,11 +23256,11 @@
                                     <p:cond delay="0"/>
                                   </p:stCondLst>
                                   <p:childTnLst>
-                                    <p:animMotion origin="layout" path="M 0.4446929 1.449891 C 0.002813905 0.8386203 0.002813905 0.8386203 -0.4390651 0.2273496 E" pathEditMode="relative" ptsTypes="">
+                                    <p:animMotion origin="layout" path="M 0.4446925 1.449889 C 0.002813399 0.8386196 0.002813399 0.8386196 -0.4390657 0.2273501 E" pathEditMode="relative" ptsTypes="">
                                       <p:cBhvr>
                                         <p:cTn id="18" dur="400" fill="hold"/>
                                         <p:tgtEl>
-                                          <p:spTgt spid="6146"/>
+                                          <p:spTgt spid="5"/>
                                         </p:tgtEl>
                                         <p:attrNameLst>
                                           <p:attrName>ppt_x</p:attrName>
@@ -24531,7 +23281,7 @@
                                       <p:cBhvr>
                                         <p:cTn id="20" dur="400" fill="hold"/>
                                         <p:tgtEl>
-                                          <p:spTgt spid="6146"/>
+                                          <p:spTgt spid="5"/>
                                         </p:tgtEl>
                                       </p:cBhvr>
                                       <p:by x="35516" y="35515"/>
@@ -24572,7 +23322,7 @@
 
 <file path=ppt/slides/slide37.xml><?xml version="1.0" encoding="utf-8"?>
 <p:sld xmlns:a="http://schemas.openxmlformats.org/drawingml/2006/main" xmlns:r="http://schemas.openxmlformats.org/officeDocument/2006/relationships" xmlns:p="http://schemas.openxmlformats.org/presentationml/2006/main">
-  <p:cSld name="PPTLabsMagnifiedSlide201506261604008001">
+  <p:cSld name="PPTLabsMagnifiedSlide201705111426163642">
     <p:bg>
       <p:bgPr>
         <a:solidFill>
@@ -24597,26 +23347,20 @@
       </p:grpSpPr>
       <p:pic>
         <p:nvPicPr>
-          <p:cNvPr id="7170" name="PPTLabsMagnifyAreaGroup201506261604007711"/>
+          <p:cNvPr id="5" name="PPTLabsMagnifyAreaGroup201705111426163125"/>
           <p:cNvPicPr>
-            <a:picLocks noChangeAspect="1" noChangeArrowheads="1"/>
+            <a:picLocks noChangeAspect="1"/>
           </p:cNvPicPr>
           <p:nvPr/>
         </p:nvPicPr>
         <p:blipFill>
-          <a:blip r:embed="rId2">
-            <a:extLst>
-              <a:ext uri="{28A0092B-C50C-407E-A947-70E740481C1C}">
-                <a14:useLocalDpi xmlns:a14="http://schemas.microsoft.com/office/drawing/2010/main" val="0"/>
-              </a:ext>
-            </a:extLst>
-          </a:blip>
+          <a:blip r:embed="rId2"/>
           <a:srcRect/>
           <a:stretch>
             <a:fillRect/>
           </a:stretch>
         </p:blipFill>
-        <p:spPr bwMode="auto">
+        <p:spPr>
           <a:xfrm>
             <a:off x="-8029764" y="-1452008"/>
             <a:ext cx="17173764" cy="12880349"/>
@@ -24624,44 +23368,11 @@
           <a:prstGeom prst="rect">
             <a:avLst/>
           </a:prstGeom>
-          <a:noFill/>
-          <a:ln>
-            <a:noFill/>
-          </a:ln>
-          <a:effectLst/>
-          <a:extLst>
-            <a:ext uri="{909E8E84-426E-40DD-AFC4-6F175D3DCCD1}">
-              <a14:hiddenFill xmlns:a14="http://schemas.microsoft.com/office/drawing/2010/main">
-                <a:solidFill>
-                  <a:schemeClr val="accent1"/>
-                </a:solidFill>
-              </a14:hiddenFill>
-            </a:ext>
-            <a:ext uri="{91240B29-F687-4F45-9708-019B960494DF}">
-              <a14:hiddenLine xmlns:a14="http://schemas.microsoft.com/office/drawing/2010/main" w="9525">
-                <a:solidFill>
-                  <a:schemeClr val="tx1"/>
-                </a:solidFill>
-                <a:miter lim="800000"/>
-                <a:headEnd/>
-                <a:tailEnd/>
-              </a14:hiddenLine>
-            </a:ext>
-            <a:ext uri="{AF507438-7753-43E0-B8FC-AC1667EBCBE1}">
-              <a14:hiddenEffects xmlns:a14="http://schemas.microsoft.com/office/drawing/2010/main">
-                <a:effectLst>
-                  <a:outerShdw dist="35921" dir="2700000" algn="ctr" rotWithShape="0">
-                    <a:schemeClr val="bg2"/>
-                  </a:outerShdw>
-                </a:effectLst>
-              </a14:hiddenEffects>
-            </a:ext>
-          </a:extLst>
         </p:spPr>
       </p:pic>
       <p:pic>
         <p:nvPicPr>
-          <p:cNvPr id="3" name="PPTIndicator201506261604008151"/>
+          <p:cNvPr id="3" name="PPTIndicator201705111426163880"/>
           <p:cNvPicPr>
             <a:picLocks/>
           </p:cNvPicPr>
@@ -24692,7 +23403,7 @@
     </p:spTree>
     <p:extLst>
       <p:ext uri="{BB962C8B-B14F-4D97-AF65-F5344CB8AC3E}">
-        <p14:creationId xmlns:p14="http://schemas.microsoft.com/office/powerpoint/2010/main" val="3691995501"/>
+        <p14:creationId xmlns:p14="http://schemas.microsoft.com/office/powerpoint/2010/main" val="2090193175"/>
       </p:ext>
     </p:extLst>
   </p:cSld>
@@ -24817,7 +23528,7 @@
 
 <file path=ppt/slides/slide38.xml><?xml version="1.0" encoding="utf-8"?>
 <p:sld xmlns:a="http://schemas.openxmlformats.org/drawingml/2006/main" xmlns:r="http://schemas.openxmlformats.org/officeDocument/2006/relationships" xmlns:p="http://schemas.openxmlformats.org/presentationml/2006/main">
-  <p:cSld name="PPTLabsMagnifiedPanSlide201506261604011621">
+  <p:cSld name="PPTLabsMagnifiedPanSlide201705111426167557">
     <p:bg>
       <p:bgPr>
         <a:solidFill>
@@ -24842,26 +23553,20 @@
       </p:grpSpPr>
       <p:pic>
         <p:nvPicPr>
-          <p:cNvPr id="7170" name="PPTLabsMagnifyAreaGroup201506261604007711"/>
+          <p:cNvPr id="5" name="PPTLabsMagnifyAreaGroup201705111426163125"/>
           <p:cNvPicPr>
-            <a:picLocks noChangeArrowheads="1"/>
+            <a:picLocks/>
           </p:cNvPicPr>
           <p:nvPr/>
         </p:nvPicPr>
         <p:blipFill>
-          <a:blip r:embed="rId2">
-            <a:extLst>
-              <a:ext uri="{28A0092B-C50C-407E-A947-70E740481C1C}">
-                <a14:useLocalDpi xmlns:a14="http://schemas.microsoft.com/office/drawing/2010/main" val="0"/>
-              </a:ext>
-            </a:extLst>
-          </a:blip>
+          <a:blip r:embed="rId2"/>
           <a:srcRect/>
           <a:stretch>
             <a:fillRect/>
           </a:stretch>
         </p:blipFill>
-        <p:spPr bwMode="auto">
+        <p:spPr>
           <a:xfrm>
             <a:off x="1" y="0"/>
             <a:ext cx="9143981" cy="6858000"/>
@@ -24869,63 +23574,24 @@
           <a:prstGeom prst="rect">
             <a:avLst/>
           </a:prstGeom>
-          <a:noFill/>
-          <a:ln>
-            <a:noFill/>
-          </a:ln>
-          <a:effectLst/>
-          <a:extLst>
-            <a:ext uri="{909E8E84-426E-40DD-AFC4-6F175D3DCCD1}">
-              <a14:hiddenFill xmlns:a14="http://schemas.microsoft.com/office/drawing/2010/main">
-                <a:solidFill>
-                  <a:schemeClr val="accent1"/>
-                </a:solidFill>
-              </a14:hiddenFill>
-            </a:ext>
-            <a:ext uri="{91240B29-F687-4F45-9708-019B960494DF}">
-              <a14:hiddenLine xmlns:a14="http://schemas.microsoft.com/office/drawing/2010/main" w="9525">
-                <a:solidFill>
-                  <a:schemeClr val="tx1"/>
-                </a:solidFill>
-                <a:miter lim="800000"/>
-                <a:headEnd/>
-                <a:tailEnd/>
-              </a14:hiddenLine>
-            </a:ext>
-            <a:ext uri="{AF507438-7753-43E0-B8FC-AC1667EBCBE1}">
-              <a14:hiddenEffects xmlns:a14="http://schemas.microsoft.com/office/drawing/2010/main">
-                <a:effectLst>
-                  <a:outerShdw dist="35921" dir="2700000" algn="ctr" rotWithShape="0">
-                    <a:schemeClr val="bg2"/>
-                  </a:outerShdw>
-                </a:effectLst>
-              </a14:hiddenEffects>
-            </a:ext>
-          </a:extLst>
         </p:spPr>
       </p:pic>
       <p:pic>
         <p:nvPicPr>
-          <p:cNvPr id="5" name="PPTLabsMagnifyAreaGroup201506261604007711"/>
+          <p:cNvPr id="6" name="PPTLabsMagnifyAreaGroup201705111426163125"/>
           <p:cNvPicPr>
-            <a:picLocks noChangeArrowheads="1"/>
+            <a:picLocks/>
           </p:cNvPicPr>
           <p:nvPr/>
         </p:nvPicPr>
         <p:blipFill>
-          <a:blip r:embed="rId2">
-            <a:extLst>
-              <a:ext uri="{28A0092B-C50C-407E-A947-70E740481C1C}">
-                <a14:useLocalDpi xmlns:a14="http://schemas.microsoft.com/office/drawing/2010/main" val="0"/>
-              </a:ext>
-            </a:extLst>
-          </a:blip>
+          <a:blip r:embed="rId2"/>
           <a:srcRect/>
           <a:stretch>
             <a:fillRect/>
           </a:stretch>
         </p:blipFill>
-        <p:spPr bwMode="auto">
+        <p:spPr>
           <a:xfrm>
             <a:off x="-8029764" y="-1452008"/>
             <a:ext cx="17173764" cy="12880349"/>
@@ -24933,44 +23599,11 @@
           <a:prstGeom prst="rect">
             <a:avLst/>
           </a:prstGeom>
-          <a:noFill/>
-          <a:ln>
-            <a:noFill/>
-          </a:ln>
-          <a:effectLst/>
-          <a:extLst>
-            <a:ext uri="{909E8E84-426E-40DD-AFC4-6F175D3DCCD1}">
-              <a14:hiddenFill xmlns:a14="http://schemas.microsoft.com/office/drawing/2010/main">
-                <a:solidFill>
-                  <a:schemeClr val="accent1"/>
-                </a:solidFill>
-              </a14:hiddenFill>
-            </a:ext>
-            <a:ext uri="{91240B29-F687-4F45-9708-019B960494DF}">
-              <a14:hiddenLine xmlns:a14="http://schemas.microsoft.com/office/drawing/2010/main" w="9525">
-                <a:solidFill>
-                  <a:schemeClr val="tx1"/>
-                </a:solidFill>
-                <a:miter lim="800000"/>
-                <a:headEnd/>
-                <a:tailEnd/>
-              </a14:hiddenLine>
-            </a:ext>
-            <a:ext uri="{AF507438-7753-43E0-B8FC-AC1667EBCBE1}">
-              <a14:hiddenEffects xmlns:a14="http://schemas.microsoft.com/office/drawing/2010/main">
-                <a:effectLst>
-                  <a:outerShdw dist="35921" dir="2700000" algn="ctr" rotWithShape="0">
-                    <a:schemeClr val="bg2"/>
-                  </a:outerShdw>
-                </a:effectLst>
-              </a14:hiddenEffects>
-            </a:ext>
-          </a:extLst>
         </p:spPr>
       </p:pic>
       <p:pic>
         <p:nvPicPr>
-          <p:cNvPr id="2" name="PPTIndicator201506261604011761"/>
+          <p:cNvPr id="2" name="PPTIndicator201705111426167727"/>
           <p:cNvPicPr>
             <a:picLocks/>
           </p:cNvPicPr>
@@ -25001,7 +23634,7 @@
     </p:spTree>
     <p:extLst>
       <p:ext uri="{BB962C8B-B14F-4D97-AF65-F5344CB8AC3E}">
-        <p14:creationId xmlns:p14="http://schemas.microsoft.com/office/powerpoint/2010/main" val="2919115476"/>
+        <p14:creationId xmlns:p14="http://schemas.microsoft.com/office/powerpoint/2010/main" val="3976883686"/>
       </p:ext>
     </p:extLst>
   </p:cSld>
@@ -25099,11 +23732,11 @@
                                     <p:cond delay="0"/>
                                   </p:stCondLst>
                                   <p:childTnLst>
-                                    <p:animMotion origin="layout" path="M 0 0 C -0.2195359 0.113675 -0.2195359 0.113675 -0.4390719 0.22735 E" pathEditMode="relative" ptsTypes="">
+                                    <p:animMotion origin="layout" path="M 0 0 C -0.219536 0.113675 -0.219536 0.113675 -0.4390719 0.22735 E" pathEditMode="relative" ptsTypes="">
                                       <p:cBhvr>
                                         <p:cTn id="10" dur="1" fill="hold"/>
                                         <p:tgtEl>
-                                          <p:spTgt spid="7170"/>
+                                          <p:spTgt spid="5"/>
                                         </p:tgtEl>
                                         <p:attrNameLst>
                                           <p:attrName>ppt_x</p:attrName>
@@ -25124,7 +23757,7 @@
                                       <p:cBhvr>
                                         <p:cTn id="12" dur="1" fill="hold"/>
                                         <p:tgtEl>
-                                          <p:spTgt spid="7170"/>
+                                          <p:spTgt spid="5"/>
                                         </p:tgtEl>
                                       </p:cBhvr>
                                       <p:by x="187815" y="187815"/>
@@ -25142,7 +23775,7 @@
                                       <p:cBhvr>
                                         <p:cTn id="14" dur="10"/>
                                         <p:tgtEl>
-                                          <p:spTgt spid="5"/>
+                                          <p:spTgt spid="6"/>
                                         </p:tgtEl>
                                       </p:cBhvr>
                                     </p:animEffect>
@@ -25154,7 +23787,7 @@
                                           </p:stCondLst>
                                         </p:cTn>
                                         <p:tgtEl>
-                                          <p:spTgt spid="5"/>
+                                          <p:spTgt spid="6"/>
                                         </p:tgtEl>
                                         <p:attrNameLst>
                                           <p:attrName>style.visibility</p:attrName>
@@ -25186,7 +23819,7 @@
                                       <p:cBhvr>
                                         <p:cTn id="18" dur="400" fill="hold"/>
                                         <p:tgtEl>
-                                          <p:spTgt spid="7170"/>
+                                          <p:spTgt spid="5"/>
                                         </p:tgtEl>
                                         <p:attrNameLst>
                                           <p:attrName>ppt_x</p:attrName>
@@ -25207,7 +23840,7 @@
                                       <p:cBhvr>
                                         <p:cTn id="20" dur="400" fill="hold"/>
                                         <p:tgtEl>
-                                          <p:spTgt spid="7170"/>
+                                          <p:spTgt spid="5"/>
                                         </p:tgtEl>
                                       </p:cBhvr>
                                       <p:by x="108283" y="108283"/>
@@ -25248,7 +23881,7 @@
 
 <file path=ppt/slides/slide39.xml><?xml version="1.0" encoding="utf-8"?>
 <p:sld xmlns:a="http://schemas.openxmlformats.org/drawingml/2006/main" xmlns:r="http://schemas.openxmlformats.org/officeDocument/2006/relationships" xmlns:p="http://schemas.openxmlformats.org/presentationml/2006/main">
-  <p:cSld name="PPTLabsMagnifiedSlide201506261604011431">
+  <p:cSld name="PPTLabsMagnifiedSlide201705111426167302">
     <p:bg>
       <p:bgPr>
         <a:solidFill>
@@ -25273,26 +23906,20 @@
       </p:grpSpPr>
       <p:pic>
         <p:nvPicPr>
-          <p:cNvPr id="8194" name="PPTLabsMagnifyAreaGroup201506261604011121"/>
+          <p:cNvPr id="5" name="PPTLabsMagnifyAreaGroup201705111426166742"/>
           <p:cNvPicPr>
-            <a:picLocks noChangeAspect="1" noChangeArrowheads="1"/>
+            <a:picLocks noChangeAspect="1"/>
           </p:cNvPicPr>
           <p:nvPr/>
         </p:nvPicPr>
         <p:blipFill>
-          <a:blip r:embed="rId2">
-            <a:extLst>
-              <a:ext uri="{28A0092B-C50C-407E-A947-70E740481C1C}">
-                <a14:useLocalDpi xmlns:a14="http://schemas.microsoft.com/office/drawing/2010/main" val="0"/>
-              </a:ext>
-            </a:extLst>
-          </a:blip>
+          <a:blip r:embed="rId2"/>
           <a:srcRect/>
           <a:stretch>
             <a:fillRect/>
           </a:stretch>
         </p:blipFill>
-        <p:spPr bwMode="auto">
+        <p:spPr>
           <a:xfrm>
             <a:off x="-4028893" y="-7089260"/>
             <a:ext cx="18596324" cy="13947264"/>
@@ -25300,44 +23927,11 @@
           <a:prstGeom prst="rect">
             <a:avLst/>
           </a:prstGeom>
-          <a:noFill/>
-          <a:ln>
-            <a:noFill/>
-          </a:ln>
-          <a:effectLst/>
-          <a:extLst>
-            <a:ext uri="{909E8E84-426E-40DD-AFC4-6F175D3DCCD1}">
-              <a14:hiddenFill xmlns:a14="http://schemas.microsoft.com/office/drawing/2010/main">
-                <a:solidFill>
-                  <a:schemeClr val="accent1"/>
-                </a:solidFill>
-              </a14:hiddenFill>
-            </a:ext>
-            <a:ext uri="{91240B29-F687-4F45-9708-019B960494DF}">
-              <a14:hiddenLine xmlns:a14="http://schemas.microsoft.com/office/drawing/2010/main" w="9525">
-                <a:solidFill>
-                  <a:schemeClr val="tx1"/>
-                </a:solidFill>
-                <a:miter lim="800000"/>
-                <a:headEnd/>
-                <a:tailEnd/>
-              </a14:hiddenLine>
-            </a:ext>
-            <a:ext uri="{AF507438-7753-43E0-B8FC-AC1667EBCBE1}">
-              <a14:hiddenEffects xmlns:a14="http://schemas.microsoft.com/office/drawing/2010/main">
-                <a:effectLst>
-                  <a:outerShdw dist="35921" dir="2700000" algn="ctr" rotWithShape="0">
-                    <a:schemeClr val="bg2"/>
-                  </a:outerShdw>
-                </a:effectLst>
-              </a14:hiddenEffects>
-            </a:ext>
-          </a:extLst>
         </p:spPr>
       </p:pic>
       <p:pic>
         <p:nvPicPr>
-          <p:cNvPr id="3" name="PPTIndicator201506261604011581"/>
+          <p:cNvPr id="3" name="PPTIndicator201705111426167507"/>
           <p:cNvPicPr>
             <a:picLocks/>
           </p:cNvPicPr>
@@ -25368,7 +23962,7 @@
     </p:spTree>
     <p:extLst>
       <p:ext uri="{BB962C8B-B14F-4D97-AF65-F5344CB8AC3E}">
-        <p14:creationId xmlns:p14="http://schemas.microsoft.com/office/powerpoint/2010/main" val="8022515"/>
+        <p14:creationId xmlns:p14="http://schemas.microsoft.com/office/powerpoint/2010/main" val="2918540618"/>
       </p:ext>
     </p:extLst>
   </p:cSld>
@@ -25800,7 +24394,7 @@
 
 <file path=ppt/slides/slide40.xml><?xml version="1.0" encoding="utf-8"?>
 <p:sld xmlns:a="http://schemas.openxmlformats.org/drawingml/2006/main" xmlns:r="http://schemas.openxmlformats.org/officeDocument/2006/relationships" xmlns:p="http://schemas.openxmlformats.org/presentationml/2006/main">
-  <p:cSld name="PPTLabsDeMagnifyingSlide201506261604011841">
+  <p:cSld name="PPTLabsDeMagnifyingSlide201705111426167807">
     <p:bg>
       <p:bgPr>
         <a:solidFill>
@@ -25901,26 +24495,20 @@
       </p:sp>
       <p:pic>
         <p:nvPicPr>
-          <p:cNvPr id="8194" name="PPTLabsMagnifyAreaGroup201506261604011121"/>
+          <p:cNvPr id="5" name="PPTLabsMagnifyAreaGroup201705111426166742"/>
           <p:cNvPicPr>
-            <a:picLocks noChangeArrowheads="1"/>
+            <a:picLocks/>
           </p:cNvPicPr>
           <p:nvPr/>
         </p:nvPicPr>
         <p:blipFill>
-          <a:blip r:embed="rId3">
-            <a:extLst>
-              <a:ext uri="{28A0092B-C50C-407E-A947-70E740481C1C}">
-                <a14:useLocalDpi xmlns:a14="http://schemas.microsoft.com/office/drawing/2010/main" val="0"/>
-              </a:ext>
-            </a:extLst>
-          </a:blip>
+          <a:blip r:embed="rId3"/>
           <a:srcRect l="21665" t="50829" r="29164"/>
           <a:stretch>
             <a:fillRect/>
           </a:stretch>
         </p:blipFill>
-        <p:spPr bwMode="auto">
+        <p:spPr>
           <a:xfrm>
             <a:off x="0" y="-5"/>
             <a:ext cx="9144000" cy="6858009"/>
@@ -25928,44 +24516,11 @@
           <a:prstGeom prst="rect">
             <a:avLst/>
           </a:prstGeom>
-          <a:noFill/>
-          <a:ln>
-            <a:noFill/>
-          </a:ln>
-          <a:effectLst/>
-          <a:extLst>
-            <a:ext uri="{909E8E84-426E-40DD-AFC4-6F175D3DCCD1}">
-              <a14:hiddenFill xmlns:a14="http://schemas.microsoft.com/office/drawing/2010/main">
-                <a:solidFill>
-                  <a:schemeClr val="accent1"/>
-                </a:solidFill>
-              </a14:hiddenFill>
-            </a:ext>
-            <a:ext uri="{91240B29-F687-4F45-9708-019B960494DF}">
-              <a14:hiddenLine xmlns:a14="http://schemas.microsoft.com/office/drawing/2010/main" w="9525">
-                <a:solidFill>
-                  <a:schemeClr val="tx1"/>
-                </a:solidFill>
-                <a:miter lim="800000"/>
-                <a:headEnd/>
-                <a:tailEnd/>
-              </a14:hiddenLine>
-            </a:ext>
-            <a:ext uri="{AF507438-7753-43E0-B8FC-AC1667EBCBE1}">
-              <a14:hiddenEffects xmlns:a14="http://schemas.microsoft.com/office/drawing/2010/main">
-                <a:effectLst>
-                  <a:outerShdw dist="35921" dir="2700000" algn="ctr" rotWithShape="0">
-                    <a:schemeClr val="bg2"/>
-                  </a:outerShdw>
-                </a:effectLst>
-              </a14:hiddenEffects>
-            </a:ext>
-          </a:extLst>
         </p:spPr>
       </p:pic>
       <p:pic>
         <p:nvPicPr>
-          <p:cNvPr id="3" name="PPTIndicator201506261604012011"/>
+          <p:cNvPr id="3" name="PPTIndicator201705111426168088"/>
           <p:cNvPicPr>
             <a:picLocks/>
           </p:cNvPicPr>
@@ -25996,7 +24551,7 @@
     </p:spTree>
     <p:extLst>
       <p:ext uri="{BB962C8B-B14F-4D97-AF65-F5344CB8AC3E}">
-        <p14:creationId xmlns:p14="http://schemas.microsoft.com/office/powerpoint/2010/main" val="2018588706"/>
+        <p14:creationId xmlns:p14="http://schemas.microsoft.com/office/powerpoint/2010/main" val="3062800820"/>
       </p:ext>
     </p:extLst>
   </p:cSld>
@@ -26098,7 +24653,7 @@
                                       <p:cBhvr>
                                         <p:cTn id="10" dur="500" fill="hold"/>
                                         <p:tgtEl>
-                                          <p:spTgt spid="8194"/>
+                                          <p:spTgt spid="5"/>
                                         </p:tgtEl>
                                         <p:attrNameLst>
                                           <p:attrName>ppt_x</p:attrName>
@@ -26119,7 +24674,7 @@
                                       <p:cBhvr>
                                         <p:cTn id="12" dur="500" fill="hold"/>
                                         <p:tgtEl>
-                                          <p:spTgt spid="8194"/>
+                                          <p:spTgt spid="5"/>
                                         </p:tgtEl>
                                       </p:cBhvr>
                                       <p:by x="49167" y="49167"/>
@@ -26216,7 +24771,7 @@
                                       <p:cBhvr>
                                         <p:cTn id="21" dur="250"/>
                                         <p:tgtEl>
-                                          <p:spTgt spid="8194"/>
+                                          <p:spTgt spid="5"/>
                                         </p:tgtEl>
                                       </p:cBhvr>
                                     </p:animEffect>
@@ -26228,7 +24783,7 @@
                                           </p:stCondLst>
                                         </p:cTn>
                                         <p:tgtEl>
-                                          <p:spTgt spid="8194"/>
+                                          <p:spTgt spid="5"/>
                                         </p:tgtEl>
                                         <p:attrNameLst>
                                           <p:attrName>style.visibility</p:attrName>
@@ -27233,7 +25788,7 @@
 
 <file path=ppt/slides/slide43.xml><?xml version="1.0" encoding="utf-8"?>
 <p:sld xmlns:a="http://schemas.openxmlformats.org/drawingml/2006/main" xmlns:r="http://schemas.openxmlformats.org/officeDocument/2006/relationships" xmlns:p="http://schemas.openxmlformats.org/presentationml/2006/main">
-  <p:cSld name="PPTLabsZoomToAreaSlide201506261603414907">
+  <p:cSld name="PPTLabsZoomToAreaSlide201705111424002496">
     <p:bg>
       <p:bgPr>
         <a:solidFill>
@@ -27486,7 +26041,87 @@
       </p:sp>
       <p:sp>
         <p:nvSpPr>
-          <p:cNvPr id="3" name="PPTLabsMagnifyShape201506261603415007"/>
+          <p:cNvPr id="16" name="Oval 1" hidden="1"/>
+          <p:cNvSpPr/>
+          <p:nvPr/>
+        </p:nvSpPr>
+        <p:spPr>
+          <a:xfrm>
+            <a:off x="302733" y="3184634"/>
+            <a:ext cx="4953000" cy="3505200"/>
+          </a:xfrm>
+          <a:prstGeom prst="ellipse">
+            <a:avLst/>
+          </a:prstGeom>
+        </p:spPr>
+        <p:style>
+          <a:lnRef idx="2">
+            <a:schemeClr val="accent1">
+              <a:shade val="50000"/>
+            </a:schemeClr>
+          </a:lnRef>
+          <a:fillRef idx="1">
+            <a:schemeClr val="accent1"/>
+          </a:fillRef>
+          <a:effectRef idx="0">
+            <a:schemeClr val="accent1"/>
+          </a:effectRef>
+          <a:fontRef idx="minor">
+            <a:schemeClr val="lt1"/>
+          </a:fontRef>
+        </p:style>
+        <p:txBody>
+          <a:bodyPr rtlCol="0" anchor="ctr"/>
+          <a:lstStyle/>
+          <a:p>
+            <a:pPr algn="ctr"/>
+            <a:endParaRPr lang="en-US"/>
+          </a:p>
+        </p:txBody>
+      </p:sp>
+      <p:sp>
+        <p:nvSpPr>
+          <p:cNvPr id="17" name="Oval 5" hidden="1"/>
+          <p:cNvSpPr/>
+          <p:nvPr/>
+        </p:nvSpPr>
+        <p:spPr>
+          <a:xfrm>
+            <a:off x="3962400" y="381000"/>
+            <a:ext cx="4953000" cy="3505200"/>
+          </a:xfrm>
+          <a:prstGeom prst="ellipse">
+            <a:avLst/>
+          </a:prstGeom>
+        </p:spPr>
+        <p:style>
+          <a:lnRef idx="2">
+            <a:schemeClr val="accent1">
+              <a:shade val="50000"/>
+            </a:schemeClr>
+          </a:lnRef>
+          <a:fillRef idx="1">
+            <a:schemeClr val="accent1"/>
+          </a:fillRef>
+          <a:effectRef idx="0">
+            <a:schemeClr val="accent1"/>
+          </a:effectRef>
+          <a:fontRef idx="minor">
+            <a:schemeClr val="lt1"/>
+          </a:fontRef>
+        </p:style>
+        <p:txBody>
+          <a:bodyPr rtlCol="0" anchor="ctr"/>
+          <a:lstStyle/>
+          <a:p>
+            <a:pPr algn="ctr"/>
+            <a:endParaRPr lang="en-US"/>
+          </a:p>
+        </p:txBody>
+      </p:sp>
+      <p:sp>
+        <p:nvSpPr>
+          <p:cNvPr id="3" name="PPTLabsMagnifyShape201705111424002516"/>
           <p:cNvSpPr/>
           <p:nvPr/>
         </p:nvSpPr>
@@ -27550,7 +26185,7 @@
       </p:sp>
       <p:sp>
         <p:nvSpPr>
-          <p:cNvPr id="8" name="PPTLabsMagnifyShape201506261603415207"/>
+          <p:cNvPr id="8" name="PPTLabsMagnifyShape201705111424002566"/>
           <p:cNvSpPr/>
           <p:nvPr/>
         </p:nvSpPr>
@@ -27614,7 +26249,7 @@
       </p:sp>
       <p:sp>
         <p:nvSpPr>
-          <p:cNvPr id="9" name="PPTLabsMagnifyShape201506261603415207"/>
+          <p:cNvPr id="9" name="PPTLabsMagnifyShape201705111424002616"/>
           <p:cNvSpPr/>
           <p:nvPr/>
         </p:nvSpPr>
@@ -27678,7 +26313,7 @@
       </p:sp>
       <p:sp>
         <p:nvSpPr>
-          <p:cNvPr id="10" name="PPTLabsMagnifyShape201506261603415307"/>
+          <p:cNvPr id="10" name="PPTLabsMagnifyShape201705111424002666"/>
           <p:cNvSpPr/>
           <p:nvPr/>
         </p:nvSpPr>
@@ -27743,7 +26378,7 @@
     </p:spTree>
     <p:extLst>
       <p:ext uri="{BB962C8B-B14F-4D97-AF65-F5344CB8AC3E}">
-        <p14:creationId xmlns:p14="http://schemas.microsoft.com/office/powerpoint/2010/main" val="1957985918"/>
+        <p14:creationId xmlns:p14="http://schemas.microsoft.com/office/powerpoint/2010/main" val="1282630545"/>
       </p:ext>
     </p:extLst>
   </p:cSld>
@@ -28167,7 +26802,7 @@
 
 <file path=ppt/slides/slide44.xml><?xml version="1.0" encoding="utf-8"?>
 <p:sld xmlns:a="http://schemas.openxmlformats.org/drawingml/2006/main" xmlns:r="http://schemas.openxmlformats.org/officeDocument/2006/relationships" xmlns:p="http://schemas.openxmlformats.org/presentationml/2006/main">
-  <p:cSld name="PPTLabsMagnifyingSlide201506261603415567">
+  <p:cSld name="PPTLabsMagnifyingSlide201705111424002890">
     <p:bg>
       <p:bgPr>
         <a:solidFill>
@@ -28192,7 +26827,7 @@
       </p:grpSpPr>
       <p:pic>
         <p:nvPicPr>
-          <p:cNvPr id="32" name="Picture 3" descr="File:AmineTreating.png"/>
+          <p:cNvPr id="34" name="Picture 3" descr="File:AmineTreating.png"/>
           <p:cNvPicPr>
             <a:picLocks noChangeAspect="1" noChangeArrowheads="1"/>
           </p:cNvPicPr>
@@ -28238,7 +26873,7 @@
       </p:pic>
       <p:sp>
         <p:nvSpPr>
-          <p:cNvPr id="33" name="TextBox 1"/>
+          <p:cNvPr id="35" name="TextBox 1"/>
           <p:cNvSpPr txBox="1"/>
           <p:nvPr/>
         </p:nvSpPr>
@@ -28268,26 +26903,20 @@
       </p:sp>
       <p:pic>
         <p:nvPicPr>
-          <p:cNvPr id="34" name="PPTLabsMagnifyAreaGroup201506261603428752"/>
+          <p:cNvPr id="36" name="PPTLabsMagnifyAreaGroup201705111424017468"/>
           <p:cNvPicPr>
-            <a:picLocks noChangeArrowheads="1"/>
+            <a:picLocks/>
           </p:cNvPicPr>
           <p:nvPr/>
         </p:nvPicPr>
         <p:blipFill>
-          <a:blip r:embed="rId3">
-            <a:extLst>
-              <a:ext uri="{28A0092B-C50C-407E-A947-70E740481C1C}">
-                <a14:useLocalDpi xmlns:a14="http://schemas.microsoft.com/office/drawing/2010/main" val="0"/>
-              </a:ext>
-            </a:extLst>
-          </a:blip>
+          <a:blip r:embed="rId3"/>
           <a:srcRect l="21665" t="50829" r="29164"/>
           <a:stretch>
             <a:fillRect/>
           </a:stretch>
         </p:blipFill>
-        <p:spPr bwMode="auto">
+        <p:spPr>
           <a:xfrm>
             <a:off x="0" y="-5"/>
             <a:ext cx="9144000" cy="6858009"/>
@@ -28295,63 +26924,24 @@
           <a:prstGeom prst="rect">
             <a:avLst/>
           </a:prstGeom>
-          <a:noFill/>
-          <a:ln>
-            <a:noFill/>
-          </a:ln>
-          <a:effectLst/>
-          <a:extLst>
-            <a:ext uri="{909E8E84-426E-40DD-AFC4-6F175D3DCCD1}">
-              <a14:hiddenFill xmlns:a14="http://schemas.microsoft.com/office/drawing/2010/main">
-                <a:solidFill>
-                  <a:schemeClr val="accent1"/>
-                </a:solidFill>
-              </a14:hiddenFill>
-            </a:ext>
-            <a:ext uri="{91240B29-F687-4F45-9708-019B960494DF}">
-              <a14:hiddenLine xmlns:a14="http://schemas.microsoft.com/office/drawing/2010/main" w="9525">
-                <a:solidFill>
-                  <a:schemeClr val="tx1"/>
-                </a:solidFill>
-                <a:miter lim="800000"/>
-                <a:headEnd/>
-                <a:tailEnd/>
-              </a14:hiddenLine>
-            </a:ext>
-            <a:ext uri="{AF507438-7753-43E0-B8FC-AC1667EBCBE1}">
-              <a14:hiddenEffects xmlns:a14="http://schemas.microsoft.com/office/drawing/2010/main">
-                <a:effectLst>
-                  <a:outerShdw dist="35921" dir="2700000" algn="ctr" rotWithShape="0">
-                    <a:schemeClr val="bg2"/>
-                  </a:outerShdw>
-                </a:effectLst>
-              </a14:hiddenEffects>
-            </a:ext>
-          </a:extLst>
         </p:spPr>
       </p:pic>
       <p:pic>
         <p:nvPicPr>
-          <p:cNvPr id="31" name="PPTLabsMagnifyAreaGroup201506261603428752"/>
+          <p:cNvPr id="33" name="PPTLabsMagnifyAreaGroup201705111424017468"/>
           <p:cNvPicPr>
-            <a:picLocks noChangeAspect="1" noChangeArrowheads="1"/>
+            <a:picLocks noChangeAspect="1"/>
           </p:cNvPicPr>
           <p:nvPr/>
         </p:nvPicPr>
         <p:blipFill>
-          <a:blip r:embed="rId3">
-            <a:extLst>
-              <a:ext uri="{28A0092B-C50C-407E-A947-70E740481C1C}">
-                <a14:useLocalDpi xmlns:a14="http://schemas.microsoft.com/office/drawing/2010/main" val="0"/>
-              </a:ext>
-            </a:extLst>
-          </a:blip>
+          <a:blip r:embed="rId3"/>
           <a:srcRect/>
           <a:stretch>
             <a:fillRect/>
           </a:stretch>
         </p:blipFill>
-        <p:spPr bwMode="auto">
+        <p:spPr>
           <a:xfrm>
             <a:off x="-4028893" y="-7089260"/>
             <a:ext cx="18596324" cy="13947264"/>
@@ -28359,63 +26949,24 @@
           <a:prstGeom prst="rect">
             <a:avLst/>
           </a:prstGeom>
-          <a:noFill/>
-          <a:ln>
-            <a:noFill/>
-          </a:ln>
-          <a:effectLst/>
-          <a:extLst>
-            <a:ext uri="{909E8E84-426E-40DD-AFC4-6F175D3DCCD1}">
-              <a14:hiddenFill xmlns:a14="http://schemas.microsoft.com/office/drawing/2010/main">
-                <a:solidFill>
-                  <a:schemeClr val="accent1"/>
-                </a:solidFill>
-              </a14:hiddenFill>
-            </a:ext>
-            <a:ext uri="{91240B29-F687-4F45-9708-019B960494DF}">
-              <a14:hiddenLine xmlns:a14="http://schemas.microsoft.com/office/drawing/2010/main" w="9525">
-                <a:solidFill>
-                  <a:schemeClr val="tx1"/>
-                </a:solidFill>
-                <a:miter lim="800000"/>
-                <a:headEnd/>
-                <a:tailEnd/>
-              </a14:hiddenLine>
-            </a:ext>
-            <a:ext uri="{AF507438-7753-43E0-B8FC-AC1667EBCBE1}">
-              <a14:hiddenEffects xmlns:a14="http://schemas.microsoft.com/office/drawing/2010/main">
-                <a:effectLst>
-                  <a:outerShdw dist="35921" dir="2700000" algn="ctr" rotWithShape="0">
-                    <a:schemeClr val="bg2"/>
-                  </a:outerShdw>
-                </a:effectLst>
-              </a14:hiddenEffects>
-            </a:ext>
-          </a:extLst>
         </p:spPr>
       </p:pic>
       <p:pic>
         <p:nvPicPr>
-          <p:cNvPr id="29" name="PPTLabsMagnifyAreaGroup201506261603425382"/>
+          <p:cNvPr id="31" name="PPTLabsMagnifyAreaGroup201705111424013281"/>
           <p:cNvPicPr>
-            <a:picLocks noChangeArrowheads="1"/>
+            <a:picLocks/>
           </p:cNvPicPr>
           <p:nvPr/>
         </p:nvPicPr>
         <p:blipFill>
-          <a:blip r:embed="rId3">
-            <a:extLst>
-              <a:ext uri="{28A0092B-C50C-407E-A947-70E740481C1C}">
-                <a14:useLocalDpi xmlns:a14="http://schemas.microsoft.com/office/drawing/2010/main" val="0"/>
-              </a:ext>
-            </a:extLst>
-          </a:blip>
+          <a:blip r:embed="rId3"/>
           <a:srcRect/>
           <a:stretch>
             <a:fillRect/>
           </a:stretch>
         </p:blipFill>
-        <p:spPr bwMode="auto">
+        <p:spPr>
           <a:xfrm>
             <a:off x="1" y="0"/>
             <a:ext cx="9143981" cy="6858000"/>
@@ -28423,63 +26974,24 @@
           <a:prstGeom prst="rect">
             <a:avLst/>
           </a:prstGeom>
-          <a:noFill/>
-          <a:ln>
-            <a:noFill/>
-          </a:ln>
-          <a:effectLst/>
-          <a:extLst>
-            <a:ext uri="{909E8E84-426E-40DD-AFC4-6F175D3DCCD1}">
-              <a14:hiddenFill xmlns:a14="http://schemas.microsoft.com/office/drawing/2010/main">
-                <a:solidFill>
-                  <a:schemeClr val="accent1"/>
-                </a:solidFill>
-              </a14:hiddenFill>
-            </a:ext>
-            <a:ext uri="{91240B29-F687-4F45-9708-019B960494DF}">
-              <a14:hiddenLine xmlns:a14="http://schemas.microsoft.com/office/drawing/2010/main" w="9525">
-                <a:solidFill>
-                  <a:schemeClr val="tx1"/>
-                </a:solidFill>
-                <a:miter lim="800000"/>
-                <a:headEnd/>
-                <a:tailEnd/>
-              </a14:hiddenLine>
-            </a:ext>
-            <a:ext uri="{AF507438-7753-43E0-B8FC-AC1667EBCBE1}">
-              <a14:hiddenEffects xmlns:a14="http://schemas.microsoft.com/office/drawing/2010/main">
-                <a:effectLst>
-                  <a:outerShdw dist="35921" dir="2700000" algn="ctr" rotWithShape="0">
-                    <a:schemeClr val="bg2"/>
-                  </a:outerShdw>
-                </a:effectLst>
-              </a14:hiddenEffects>
-            </a:ext>
-          </a:extLst>
         </p:spPr>
       </p:pic>
       <p:pic>
         <p:nvPicPr>
-          <p:cNvPr id="30" name="PPTLabsMagnifyAreaGroup201506261603425382"/>
+          <p:cNvPr id="32" name="PPTLabsMagnifyAreaGroup201705111424013281"/>
           <p:cNvPicPr>
-            <a:picLocks noChangeArrowheads="1"/>
+            <a:picLocks/>
           </p:cNvPicPr>
           <p:nvPr/>
         </p:nvPicPr>
         <p:blipFill>
-          <a:blip r:embed="rId3">
-            <a:extLst>
-              <a:ext uri="{28A0092B-C50C-407E-A947-70E740481C1C}">
-                <a14:useLocalDpi xmlns:a14="http://schemas.microsoft.com/office/drawing/2010/main" val="0"/>
-              </a:ext>
-            </a:extLst>
-          </a:blip>
+          <a:blip r:embed="rId3"/>
           <a:srcRect/>
           <a:stretch>
             <a:fillRect/>
           </a:stretch>
         </p:blipFill>
-        <p:spPr bwMode="auto">
+        <p:spPr>
           <a:xfrm>
             <a:off x="-8029764" y="-1452008"/>
             <a:ext cx="17173764" cy="12880349"/>
@@ -28487,63 +26999,24 @@
           <a:prstGeom prst="rect">
             <a:avLst/>
           </a:prstGeom>
-          <a:noFill/>
-          <a:ln>
-            <a:noFill/>
-          </a:ln>
-          <a:effectLst/>
-          <a:extLst>
-            <a:ext uri="{909E8E84-426E-40DD-AFC4-6F175D3DCCD1}">
-              <a14:hiddenFill xmlns:a14="http://schemas.microsoft.com/office/drawing/2010/main">
-                <a:solidFill>
-                  <a:schemeClr val="accent1"/>
-                </a:solidFill>
-              </a14:hiddenFill>
-            </a:ext>
-            <a:ext uri="{91240B29-F687-4F45-9708-019B960494DF}">
-              <a14:hiddenLine xmlns:a14="http://schemas.microsoft.com/office/drawing/2010/main" w="9525">
-                <a:solidFill>
-                  <a:schemeClr val="tx1"/>
-                </a:solidFill>
-                <a:miter lim="800000"/>
-                <a:headEnd/>
-                <a:tailEnd/>
-              </a14:hiddenLine>
-            </a:ext>
-            <a:ext uri="{AF507438-7753-43E0-B8FC-AC1667EBCBE1}">
-              <a14:hiddenEffects xmlns:a14="http://schemas.microsoft.com/office/drawing/2010/main">
-                <a:effectLst>
-                  <a:outerShdw dist="35921" dir="2700000" algn="ctr" rotWithShape="0">
-                    <a:schemeClr val="bg2"/>
-                  </a:outerShdw>
-                </a:effectLst>
-              </a14:hiddenEffects>
-            </a:ext>
-          </a:extLst>
         </p:spPr>
       </p:pic>
       <p:pic>
         <p:nvPicPr>
-          <p:cNvPr id="28" name="PPTLabsMagnifyAreaGroup201506261603425382"/>
+          <p:cNvPr id="30" name="PPTLabsMagnifyAreaGroup201705111424013281"/>
           <p:cNvPicPr>
-            <a:picLocks noChangeAspect="1" noChangeArrowheads="1"/>
+            <a:picLocks noChangeAspect="1"/>
           </p:cNvPicPr>
           <p:nvPr/>
         </p:nvPicPr>
         <p:blipFill>
-          <a:blip r:embed="rId3">
-            <a:extLst>
-              <a:ext uri="{28A0092B-C50C-407E-A947-70E740481C1C}">
-                <a14:useLocalDpi xmlns:a14="http://schemas.microsoft.com/office/drawing/2010/main" val="0"/>
-              </a:ext>
-            </a:extLst>
-          </a:blip>
+          <a:blip r:embed="rId3"/>
           <a:srcRect/>
           <a:stretch>
             <a:fillRect/>
           </a:stretch>
         </p:blipFill>
-        <p:spPr bwMode="auto">
+        <p:spPr>
           <a:xfrm>
             <a:off x="-8029764" y="-1452008"/>
             <a:ext cx="17173764" cy="12880349"/>
@@ -28551,255 +27024,99 @@
           <a:prstGeom prst="rect">
             <a:avLst/>
           </a:prstGeom>
-          <a:noFill/>
-          <a:ln>
-            <a:noFill/>
-          </a:ln>
-          <a:effectLst/>
-          <a:extLst>
-            <a:ext uri="{909E8E84-426E-40DD-AFC4-6F175D3DCCD1}">
-              <a14:hiddenFill xmlns:a14="http://schemas.microsoft.com/office/drawing/2010/main">
-                <a:solidFill>
-                  <a:schemeClr val="accent1"/>
-                </a:solidFill>
-              </a14:hiddenFill>
-            </a:ext>
-            <a:ext uri="{91240B29-F687-4F45-9708-019B960494DF}">
-              <a14:hiddenLine xmlns:a14="http://schemas.microsoft.com/office/drawing/2010/main" w="9525">
-                <a:solidFill>
-                  <a:schemeClr val="tx1"/>
-                </a:solidFill>
-                <a:miter lim="800000"/>
-                <a:headEnd/>
-                <a:tailEnd/>
-              </a14:hiddenLine>
-            </a:ext>
-            <a:ext uri="{AF507438-7753-43E0-B8FC-AC1667EBCBE1}">
-              <a14:hiddenEffects xmlns:a14="http://schemas.microsoft.com/office/drawing/2010/main">
-                <a:effectLst>
-                  <a:outerShdw dist="35921" dir="2700000" algn="ctr" rotWithShape="0">
-                    <a:schemeClr val="bg2"/>
-                  </a:outerShdw>
-                </a:effectLst>
-              </a14:hiddenEffects>
-            </a:ext>
-          </a:extLst>
         </p:spPr>
       </p:pic>
       <p:pic>
         <p:nvPicPr>
-          <p:cNvPr id="26" name="PPTLabsMagnifyAreaGroup201506261603421527"/>
+          <p:cNvPr id="28" name="PPTLabsMagnifyAreaGroup201705111424009178"/>
           <p:cNvPicPr>
-            <a:picLocks noChangeArrowheads="1"/>
+            <a:picLocks/>
           </p:cNvPicPr>
           <p:nvPr/>
         </p:nvPicPr>
         <p:blipFill>
-          <a:blip r:embed="rId3">
-            <a:extLst>
-              <a:ext uri="{28A0092B-C50C-407E-A947-70E740481C1C}">
-                <a14:useLocalDpi xmlns:a14="http://schemas.microsoft.com/office/drawing/2010/main" val="0"/>
-              </a:ext>
-            </a:extLst>
-          </a:blip>
+          <a:blip r:embed="rId3"/>
           <a:srcRect/>
           <a:stretch>
             <a:fillRect/>
           </a:stretch>
         </p:blipFill>
-        <p:spPr bwMode="auto">
+        <p:spPr>
           <a:xfrm>
             <a:off x="0" y="0"/>
-            <a:ext cx="9143859" cy="6858000"/>
+            <a:ext cx="9143869" cy="6858000"/>
           </a:xfrm>
           <a:prstGeom prst="rect">
             <a:avLst/>
           </a:prstGeom>
-          <a:noFill/>
-          <a:ln>
-            <a:noFill/>
-          </a:ln>
-          <a:effectLst/>
-          <a:extLst>
-            <a:ext uri="{909E8E84-426E-40DD-AFC4-6F175D3DCCD1}">
-              <a14:hiddenFill xmlns:a14="http://schemas.microsoft.com/office/drawing/2010/main">
-                <a:solidFill>
-                  <a:schemeClr val="accent1"/>
-                </a:solidFill>
-              </a14:hiddenFill>
-            </a:ext>
-            <a:ext uri="{91240B29-F687-4F45-9708-019B960494DF}">
-              <a14:hiddenLine xmlns:a14="http://schemas.microsoft.com/office/drawing/2010/main" w="9525">
-                <a:solidFill>
-                  <a:schemeClr val="tx1"/>
-                </a:solidFill>
-                <a:miter lim="800000"/>
-                <a:headEnd/>
-                <a:tailEnd/>
-              </a14:hiddenLine>
-            </a:ext>
-            <a:ext uri="{AF507438-7753-43E0-B8FC-AC1667EBCBE1}">
-              <a14:hiddenEffects xmlns:a14="http://schemas.microsoft.com/office/drawing/2010/main">
-                <a:effectLst>
-                  <a:outerShdw dist="35921" dir="2700000" algn="ctr" rotWithShape="0">
-                    <a:schemeClr val="bg2"/>
-                  </a:outerShdw>
-                </a:effectLst>
-              </a14:hiddenEffects>
-            </a:ext>
-          </a:extLst>
         </p:spPr>
       </p:pic>
       <p:pic>
         <p:nvPicPr>
-          <p:cNvPr id="27" name="PPTLabsMagnifyAreaGroup201506261603421527"/>
+          <p:cNvPr id="29" name="PPTLabsMagnifyAreaGroup201705111424009178"/>
           <p:cNvPicPr>
-            <a:picLocks noChangeArrowheads="1"/>
+            <a:picLocks/>
           </p:cNvPicPr>
           <p:nvPr/>
         </p:nvPicPr>
         <p:blipFill>
-          <a:blip r:embed="rId3">
-            <a:extLst>
-              <a:ext uri="{28A0092B-C50C-407E-A947-70E740481C1C}">
-                <a14:useLocalDpi xmlns:a14="http://schemas.microsoft.com/office/drawing/2010/main" val="0"/>
-              </a:ext>
-            </a:extLst>
-          </a:blip>
+          <a:blip r:embed="rId3"/>
           <a:srcRect/>
           <a:stretch>
             <a:fillRect/>
           </a:stretch>
         </p:blipFill>
-        <p:spPr bwMode="auto">
+        <p:spPr>
           <a:xfrm>
-            <a:off x="-15539486" y="-4761195"/>
-            <a:ext cx="48355375" cy="36267088"/>
+            <a:off x="-15539486" y="-4761187"/>
+            <a:ext cx="48355375" cy="36267051"/>
           </a:xfrm>
           <a:prstGeom prst="rect">
             <a:avLst/>
           </a:prstGeom>
-          <a:noFill/>
-          <a:ln>
-            <a:noFill/>
-          </a:ln>
-          <a:effectLst/>
-          <a:extLst>
-            <a:ext uri="{909E8E84-426E-40DD-AFC4-6F175D3DCCD1}">
-              <a14:hiddenFill xmlns:a14="http://schemas.microsoft.com/office/drawing/2010/main">
-                <a:solidFill>
-                  <a:schemeClr val="accent1"/>
-                </a:solidFill>
-              </a14:hiddenFill>
-            </a:ext>
-            <a:ext uri="{91240B29-F687-4F45-9708-019B960494DF}">
-              <a14:hiddenLine xmlns:a14="http://schemas.microsoft.com/office/drawing/2010/main" w="9525">
-                <a:solidFill>
-                  <a:schemeClr val="tx1"/>
-                </a:solidFill>
-                <a:miter lim="800000"/>
-                <a:headEnd/>
-                <a:tailEnd/>
-              </a14:hiddenLine>
-            </a:ext>
-            <a:ext uri="{AF507438-7753-43E0-B8FC-AC1667EBCBE1}">
-              <a14:hiddenEffects xmlns:a14="http://schemas.microsoft.com/office/drawing/2010/main">
-                <a:effectLst>
-                  <a:outerShdw dist="35921" dir="2700000" algn="ctr" rotWithShape="0">
-                    <a:schemeClr val="bg2"/>
-                  </a:outerShdw>
-                </a:effectLst>
-              </a14:hiddenEffects>
-            </a:ext>
-          </a:extLst>
         </p:spPr>
       </p:pic>
       <p:pic>
         <p:nvPicPr>
-          <p:cNvPr id="25" name="PPTLabsMagnifyAreaGroup201506261603421527"/>
+          <p:cNvPr id="27" name="PPTLabsMagnifyAreaGroup201705111424009178"/>
           <p:cNvPicPr>
-            <a:picLocks noChangeAspect="1" noChangeArrowheads="1"/>
+            <a:picLocks noChangeAspect="1"/>
           </p:cNvPicPr>
           <p:nvPr/>
         </p:nvPicPr>
         <p:blipFill>
-          <a:blip r:embed="rId3">
-            <a:extLst>
-              <a:ext uri="{28A0092B-C50C-407E-A947-70E740481C1C}">
-                <a14:useLocalDpi xmlns:a14="http://schemas.microsoft.com/office/drawing/2010/main" val="0"/>
-              </a:ext>
-            </a:extLst>
-          </a:blip>
+          <a:blip r:embed="rId3"/>
           <a:srcRect/>
           <a:stretch>
             <a:fillRect/>
           </a:stretch>
         </p:blipFill>
-        <p:spPr bwMode="auto">
+        <p:spPr>
           <a:xfrm>
-            <a:off x="-15539486" y="-4761195"/>
-            <a:ext cx="48355375" cy="36267088"/>
+            <a:off x="-15539486" y="-4761187"/>
+            <a:ext cx="48355375" cy="36267051"/>
           </a:xfrm>
           <a:prstGeom prst="rect">
             <a:avLst/>
           </a:prstGeom>
-          <a:noFill/>
-          <a:ln>
-            <a:noFill/>
-          </a:ln>
-          <a:effectLst/>
-          <a:extLst>
-            <a:ext uri="{909E8E84-426E-40DD-AFC4-6F175D3DCCD1}">
-              <a14:hiddenFill xmlns:a14="http://schemas.microsoft.com/office/drawing/2010/main">
-                <a:solidFill>
-                  <a:schemeClr val="accent1"/>
-                </a:solidFill>
-              </a14:hiddenFill>
-            </a:ext>
-            <a:ext uri="{91240B29-F687-4F45-9708-019B960494DF}">
-              <a14:hiddenLine xmlns:a14="http://schemas.microsoft.com/office/drawing/2010/main" w="9525">
-                <a:solidFill>
-                  <a:schemeClr val="tx1"/>
-                </a:solidFill>
-                <a:miter lim="800000"/>
-                <a:headEnd/>
-                <a:tailEnd/>
-              </a14:hiddenLine>
-            </a:ext>
-            <a:ext uri="{AF507438-7753-43E0-B8FC-AC1667EBCBE1}">
-              <a14:hiddenEffects xmlns:a14="http://schemas.microsoft.com/office/drawing/2010/main">
-                <a:effectLst>
-                  <a:outerShdw dist="35921" dir="2700000" algn="ctr" rotWithShape="0">
-                    <a:schemeClr val="bg2"/>
-                  </a:outerShdw>
-                </a:effectLst>
-              </a14:hiddenEffects>
-            </a:ext>
-          </a:extLst>
         </p:spPr>
       </p:pic>
       <p:pic>
         <p:nvPicPr>
-          <p:cNvPr id="23" name="PPTLabsMagnifyAreaGroup201506261603418302"/>
+          <p:cNvPr id="25" name="PPTLabsMagnifyAreaGroup201705111424005542"/>
           <p:cNvPicPr>
-            <a:picLocks noChangeArrowheads="1"/>
+            <a:picLocks/>
           </p:cNvPicPr>
           <p:nvPr/>
         </p:nvPicPr>
         <p:blipFill>
-          <a:blip r:embed="rId3">
-            <a:extLst>
-              <a:ext uri="{28A0092B-C50C-407E-A947-70E740481C1C}">
-                <a14:useLocalDpi xmlns:a14="http://schemas.microsoft.com/office/drawing/2010/main" val="0"/>
-              </a:ext>
-            </a:extLst>
-          </a:blip>
+          <a:blip r:embed="rId3"/>
           <a:srcRect/>
           <a:stretch>
             <a:fillRect/>
           </a:stretch>
         </p:blipFill>
-        <p:spPr bwMode="auto">
+        <p:spPr>
           <a:xfrm>
             <a:off x="0" y="0"/>
             <a:ext cx="9144000" cy="6857993"/>
@@ -28807,63 +27124,24 @@
           <a:prstGeom prst="rect">
             <a:avLst/>
           </a:prstGeom>
-          <a:noFill/>
-          <a:ln>
-            <a:noFill/>
-          </a:ln>
-          <a:effectLst/>
-          <a:extLst>
-            <a:ext uri="{909E8E84-426E-40DD-AFC4-6F175D3DCCD1}">
-              <a14:hiddenFill xmlns:a14="http://schemas.microsoft.com/office/drawing/2010/main">
-                <a:solidFill>
-                  <a:schemeClr val="accent1"/>
-                </a:solidFill>
-              </a14:hiddenFill>
-            </a:ext>
-            <a:ext uri="{91240B29-F687-4F45-9708-019B960494DF}">
-              <a14:hiddenLine xmlns:a14="http://schemas.microsoft.com/office/drawing/2010/main" w="9525">
-                <a:solidFill>
-                  <a:schemeClr val="tx1"/>
-                </a:solidFill>
-                <a:miter lim="800000"/>
-                <a:headEnd/>
-                <a:tailEnd/>
-              </a14:hiddenLine>
-            </a:ext>
-            <a:ext uri="{AF507438-7753-43E0-B8FC-AC1667EBCBE1}">
-              <a14:hiddenEffects xmlns:a14="http://schemas.microsoft.com/office/drawing/2010/main">
-                <a:effectLst>
-                  <a:outerShdw dist="35921" dir="2700000" algn="ctr" rotWithShape="0">
-                    <a:schemeClr val="bg2"/>
-                  </a:outerShdw>
-                </a:effectLst>
-              </a14:hiddenEffects>
-            </a:ext>
-          </a:extLst>
         </p:spPr>
       </p:pic>
       <p:pic>
         <p:nvPicPr>
-          <p:cNvPr id="24" name="PPTLabsMagnifyAreaGroup201506261603418302"/>
+          <p:cNvPr id="26" name="PPTLabsMagnifyAreaGroup201705111424005542"/>
           <p:cNvPicPr>
-            <a:picLocks noChangeArrowheads="1"/>
+            <a:picLocks/>
           </p:cNvPicPr>
           <p:nvPr/>
         </p:nvPicPr>
         <p:blipFill>
-          <a:blip r:embed="rId3">
-            <a:extLst>
-              <a:ext uri="{28A0092B-C50C-407E-A947-70E740481C1C}">
-                <a14:useLocalDpi xmlns:a14="http://schemas.microsoft.com/office/drawing/2010/main" val="0"/>
-              </a:ext>
-            </a:extLst>
-          </a:blip>
+          <a:blip r:embed="rId3"/>
           <a:srcRect/>
           <a:stretch>
             <a:fillRect/>
           </a:stretch>
         </p:blipFill>
-        <p:spPr bwMode="auto">
+        <p:spPr>
           <a:xfrm>
             <a:off x="-2354749" y="-1254471"/>
             <a:ext cx="21551802" cy="16163835"/>
@@ -28871,63 +27149,24 @@
           <a:prstGeom prst="rect">
             <a:avLst/>
           </a:prstGeom>
-          <a:noFill/>
-          <a:ln>
-            <a:noFill/>
-          </a:ln>
-          <a:effectLst/>
-          <a:extLst>
-            <a:ext uri="{909E8E84-426E-40DD-AFC4-6F175D3DCCD1}">
-              <a14:hiddenFill xmlns:a14="http://schemas.microsoft.com/office/drawing/2010/main">
-                <a:solidFill>
-                  <a:schemeClr val="accent1"/>
-                </a:solidFill>
-              </a14:hiddenFill>
-            </a:ext>
-            <a:ext uri="{91240B29-F687-4F45-9708-019B960494DF}">
-              <a14:hiddenLine xmlns:a14="http://schemas.microsoft.com/office/drawing/2010/main" w="9525">
-                <a:solidFill>
-                  <a:schemeClr val="tx1"/>
-                </a:solidFill>
-                <a:miter lim="800000"/>
-                <a:headEnd/>
-                <a:tailEnd/>
-              </a14:hiddenLine>
-            </a:ext>
-            <a:ext uri="{AF507438-7753-43E0-B8FC-AC1667EBCBE1}">
-              <a14:hiddenEffects xmlns:a14="http://schemas.microsoft.com/office/drawing/2010/main">
-                <a:effectLst>
-                  <a:outerShdw dist="35921" dir="2700000" algn="ctr" rotWithShape="0">
-                    <a:schemeClr val="bg2"/>
-                  </a:outerShdw>
-                </a:effectLst>
-              </a14:hiddenEffects>
-            </a:ext>
-          </a:extLst>
         </p:spPr>
       </p:pic>
       <p:pic>
         <p:nvPicPr>
-          <p:cNvPr id="22" name="PPTLabsMagnifyAreaGroup201506261603418302"/>
+          <p:cNvPr id="24" name="PPTLabsMagnifyAreaGroup201705111424005542"/>
           <p:cNvPicPr>
-            <a:picLocks noChangeAspect="1" noChangeArrowheads="1"/>
+            <a:picLocks noChangeAspect="1"/>
           </p:cNvPicPr>
           <p:nvPr/>
         </p:nvPicPr>
         <p:blipFill>
-          <a:blip r:embed="rId3">
-            <a:extLst>
-              <a:ext uri="{28A0092B-C50C-407E-A947-70E740481C1C}">
-                <a14:useLocalDpi xmlns:a14="http://schemas.microsoft.com/office/drawing/2010/main" val="0"/>
-              </a:ext>
-            </a:extLst>
-          </a:blip>
+          <a:blip r:embed="rId3"/>
           <a:srcRect/>
           <a:stretch>
             <a:fillRect/>
           </a:stretch>
         </p:blipFill>
-        <p:spPr bwMode="auto">
+        <p:spPr>
           <a:xfrm>
             <a:off x="-2354749" y="-1254471"/>
             <a:ext cx="21551802" cy="16163835"/>
@@ -28935,39 +27174,6 @@
           <a:prstGeom prst="rect">
             <a:avLst/>
           </a:prstGeom>
-          <a:noFill/>
-          <a:ln>
-            <a:noFill/>
-          </a:ln>
-          <a:effectLst/>
-          <a:extLst>
-            <a:ext uri="{909E8E84-426E-40DD-AFC4-6F175D3DCCD1}">
-              <a14:hiddenFill xmlns:a14="http://schemas.microsoft.com/office/drawing/2010/main">
-                <a:solidFill>
-                  <a:schemeClr val="accent1"/>
-                </a:solidFill>
-              </a14:hiddenFill>
-            </a:ext>
-            <a:ext uri="{91240B29-F687-4F45-9708-019B960494DF}">
-              <a14:hiddenLine xmlns:a14="http://schemas.microsoft.com/office/drawing/2010/main" w="9525">
-                <a:solidFill>
-                  <a:schemeClr val="tx1"/>
-                </a:solidFill>
-                <a:miter lim="800000"/>
-                <a:headEnd/>
-                <a:tailEnd/>
-              </a14:hiddenLine>
-            </a:ext>
-            <a:ext uri="{AF507438-7753-43E0-B8FC-AC1667EBCBE1}">
-              <a14:hiddenEffects xmlns:a14="http://schemas.microsoft.com/office/drawing/2010/main">
-                <a:effectLst>
-                  <a:outerShdw dist="35921" dir="2700000" algn="ctr" rotWithShape="0">
-                    <a:schemeClr val="bg2"/>
-                  </a:outerShdw>
-                </a:effectLst>
-              </a14:hiddenEffects>
-            </a:ext>
-          </a:extLst>
         </p:spPr>
       </p:pic>
       <p:pic>
@@ -29048,26 +27254,19 @@
       </p:sp>
       <p:pic>
         <p:nvPicPr>
-          <p:cNvPr id="1026" name="PPTLabsMagnifyAreaGroup201506261603418302" hidden="1"/>
+          <p:cNvPr id="5" name="PPTLabsMagnifyAreaGroup201705111424005542" hidden="1"/>
           <p:cNvPicPr>
-            <a:picLocks noChangeArrowheads="1"/>
+            <a:picLocks/>
           </p:cNvPicPr>
           <p:nvPr/>
         </p:nvPicPr>
         <p:blipFill>
-          <a:blip r:embed="rId3">
-            <a:extLst>
-              <a:ext uri="{28A0092B-C50C-407E-A947-70E740481C1C}">
-                <a14:useLocalDpi xmlns:a14="http://schemas.microsoft.com/office/drawing/2010/main" val="0"/>
-              </a:ext>
-            </a:extLst>
-          </a:blip>
-          <a:srcRect/>
+          <a:blip r:embed="rId3"/>
           <a:stretch>
             <a:fillRect/>
           </a:stretch>
         </p:blipFill>
-        <p:spPr bwMode="auto">
+        <p:spPr>
           <a:xfrm>
             <a:off x="0" y="0"/>
             <a:ext cx="9144000" cy="6858000"/>
@@ -29075,108 +27274,36 @@
           <a:prstGeom prst="rect">
             <a:avLst/>
           </a:prstGeom>
-          <a:noFill/>
-          <a:ln>
-            <a:noFill/>
-          </a:ln>
-          <a:effectLst/>
-          <a:extLst>
-            <a:ext uri="{909E8E84-426E-40DD-AFC4-6F175D3DCCD1}">
-              <a14:hiddenFill xmlns:a14="http://schemas.microsoft.com/office/drawing/2010/main">
-                <a:solidFill>
-                  <a:schemeClr val="accent1"/>
-                </a:solidFill>
-              </a14:hiddenFill>
-            </a:ext>
-            <a:ext uri="{91240B29-F687-4F45-9708-019B960494DF}">
-              <a14:hiddenLine xmlns:a14="http://schemas.microsoft.com/office/drawing/2010/main" w="9525">
-                <a:solidFill>
-                  <a:schemeClr val="tx1"/>
-                </a:solidFill>
-                <a:miter lim="800000"/>
-                <a:headEnd/>
-                <a:tailEnd/>
-              </a14:hiddenLine>
-            </a:ext>
-            <a:ext uri="{AF507438-7753-43E0-B8FC-AC1667EBCBE1}">
-              <a14:hiddenEffects xmlns:a14="http://schemas.microsoft.com/office/drawing/2010/main">
-                <a:effectLst>
-                  <a:outerShdw dist="35921" dir="2700000" algn="ctr" rotWithShape="0">
-                    <a:schemeClr val="bg2"/>
-                  </a:outerShdw>
-                </a:effectLst>
-              </a14:hiddenEffects>
-            </a:ext>
-          </a:extLst>
         </p:spPr>
       </p:pic>
       <p:pic>
         <p:nvPicPr>
-          <p:cNvPr id="20" name="PPTLabsMagnifyAreaSlide201506261603418652"/>
+          <p:cNvPr id="22" name="PPTLabsMagnifyAreaSlide201705111424006063"/>
           <p:cNvPicPr>
-            <a:picLocks noChangeArrowheads="1"/>
+            <a:picLocks/>
           </p:cNvPicPr>
           <p:nvPr/>
         </p:nvPicPr>
         <p:blipFill>
-          <a:blip r:embed="rId3">
-            <a:extLst>
-              <a:ext uri="{28A0092B-C50C-407E-A947-70E740481C1C}">
-                <a14:useLocalDpi xmlns:a14="http://schemas.microsoft.com/office/drawing/2010/main" val="0"/>
-              </a:ext>
-            </a:extLst>
-          </a:blip>
+          <a:blip r:embed="rId3"/>
           <a:srcRect l="10926" t="7761" r="46646" b="49811"/>
           <a:stretch>
             <a:fillRect/>
           </a:stretch>
         </p:blipFill>
-        <p:spPr bwMode="auto">
+        <p:spPr>
           <a:xfrm>
-            <a:off x="998925" y="532115"/>
+            <a:off x="998925" y="532116"/>
             <a:ext cx="3879657" cy="2909740"/>
           </a:xfrm>
           <a:prstGeom prst="rect">
             <a:avLst/>
           </a:prstGeom>
-          <a:noFill/>
-          <a:ln>
-            <a:noFill/>
-          </a:ln>
-          <a:effectLst/>
-          <a:extLst>
-            <a:ext uri="{909E8E84-426E-40DD-AFC4-6F175D3DCCD1}">
-              <a14:hiddenFill xmlns:a14="http://schemas.microsoft.com/office/drawing/2010/main">
-                <a:solidFill>
-                  <a:schemeClr val="accent1"/>
-                </a:solidFill>
-              </a14:hiddenFill>
-            </a:ext>
-            <a:ext uri="{91240B29-F687-4F45-9708-019B960494DF}">
-              <a14:hiddenLine xmlns:a14="http://schemas.microsoft.com/office/drawing/2010/main" w="9525">
-                <a:solidFill>
-                  <a:schemeClr val="tx1"/>
-                </a:solidFill>
-                <a:miter lim="800000"/>
-                <a:headEnd/>
-                <a:tailEnd/>
-              </a14:hiddenLine>
-            </a:ext>
-            <a:ext uri="{AF507438-7753-43E0-B8FC-AC1667EBCBE1}">
-              <a14:hiddenEffects xmlns:a14="http://schemas.microsoft.com/office/drawing/2010/main">
-                <a:effectLst>
-                  <a:outerShdw dist="35921" dir="2700000" algn="ctr" rotWithShape="0">
-                    <a:schemeClr val="bg2"/>
-                  </a:outerShdw>
-                </a:effectLst>
-              </a14:hiddenEffects>
-            </a:ext>
-          </a:extLst>
         </p:spPr>
       </p:pic>
       <p:pic>
         <p:nvPicPr>
-          <p:cNvPr id="5" name="PPTIndicator201506261603418527"/>
+          <p:cNvPr id="6" name="PPTIndicator201705111424005983"/>
           <p:cNvPicPr>
             <a:picLocks/>
           </p:cNvPicPr>
@@ -29207,7 +27334,7 @@
     </p:spTree>
     <p:extLst>
       <p:ext uri="{BB962C8B-B14F-4D97-AF65-F5344CB8AC3E}">
-        <p14:creationId xmlns:p14="http://schemas.microsoft.com/office/powerpoint/2010/main" val="439812326"/>
+        <p14:creationId xmlns:p14="http://schemas.microsoft.com/office/powerpoint/2010/main" val="1968603056"/>
       </p:ext>
     </p:extLst>
   </p:cSld>
@@ -29259,7 +27386,7 @@
                                           </p:stCondLst>
                                         </p:cTn>
                                         <p:tgtEl>
-                                          <p:spTgt spid="5"/>
+                                          <p:spTgt spid="6"/>
                                         </p:tgtEl>
                                         <p:attrNameLst>
                                           <p:attrName>style.visibility</p:attrName>
@@ -29286,7 +27413,7 @@
                                           </p:stCondLst>
                                         </p:cTn>
                                         <p:tgtEl>
-                                          <p:spTgt spid="5"/>
+                                          <p:spTgt spid="6"/>
                                         </p:tgtEl>
                                         <p:attrNameLst>
                                           <p:attrName>style.visibility</p:attrName>
@@ -29384,11 +27511,11 @@
                                     <p:cond delay="0"/>
                                   </p:stCondLst>
                                   <p:childTnLst>
-                                    <p:animMotion origin="layout" path="M 0 0 C 0.089307 0.1051338 0.089307 0.1051338 0.178614 0.2102676 E" pathEditMode="relative" ptsTypes="">
+                                    <p:animMotion origin="layout" path="M 0 0 C 0.089307 0.1051337 0.089307 0.1051337 0.178614 0.2102674 E" pathEditMode="relative" ptsTypes="">
                                       <p:cBhvr>
                                         <p:cTn id="17" dur="500" fill="hold"/>
                                         <p:tgtEl>
-                                          <p:spTgt spid="20"/>
+                                          <p:spTgt spid="22"/>
                                         </p:tgtEl>
                                         <p:attrNameLst>
                                           <p:attrName>ppt_x</p:attrName>
@@ -29409,7 +27536,7 @@
                                       <p:cBhvr>
                                         <p:cTn id="19" dur="500" fill="hold"/>
                                         <p:tgtEl>
-                                          <p:spTgt spid="20"/>
+                                          <p:spTgt spid="22"/>
                                         </p:tgtEl>
                                       </p:cBhvr>
                                       <p:by x="235691" y="235691"/>
@@ -29440,7 +27567,7 @@
                                           </p:stCondLst>
                                         </p:cTn>
                                         <p:tgtEl>
-                                          <p:spTgt spid="20"/>
+                                          <p:spTgt spid="22"/>
                                         </p:tgtEl>
                                         <p:attrNameLst>
                                           <p:attrName>style.visibility</p:attrName>
@@ -29467,7 +27594,7 @@
                                           </p:stCondLst>
                                         </p:cTn>
                                         <p:tgtEl>
-                                          <p:spTgt spid="22"/>
+                                          <p:spTgt spid="24"/>
                                         </p:tgtEl>
                                         <p:attrNameLst>
                                           <p:attrName>style.visibility</p:attrName>
@@ -29494,7 +27621,7 @@
                                           </p:stCondLst>
                                         </p:cTn>
                                         <p:tgtEl>
-                                          <p:spTgt spid="1026"/>
+                                          <p:spTgt spid="5"/>
                                         </p:tgtEl>
                                         <p:attrNameLst>
                                           <p:attrName>style.visibility</p:attrName>
@@ -29539,7 +27666,7 @@
                                           </p:stCondLst>
                                         </p:cTn>
                                         <p:tgtEl>
-                                          <p:spTgt spid="22"/>
+                                          <p:spTgt spid="24"/>
                                         </p:tgtEl>
                                         <p:attrNameLst>
                                           <p:attrName>style.visibility</p:attrName>
@@ -29566,7 +27693,7 @@
                                           </p:stCondLst>
                                         </p:cTn>
                                         <p:tgtEl>
-                                          <p:spTgt spid="24"/>
+                                          <p:spTgt spid="26"/>
                                         </p:tgtEl>
                                         <p:attrNameLst>
                                           <p:attrName>style.visibility</p:attrName>
@@ -29593,7 +27720,7 @@
                                           </p:stCondLst>
                                         </p:cTn>
                                         <p:tgtEl>
-                                          <p:spTgt spid="23"/>
+                                          <p:spTgt spid="25"/>
                                         </p:tgtEl>
                                         <p:attrNameLst>
                                           <p:attrName>style.visibility</p:attrName>
@@ -29616,7 +27743,7 @@
                                       <p:cBhvr>
                                         <p:cTn id="36" dur="1" fill="hold"/>
                                         <p:tgtEl>
-                                          <p:spTgt spid="23"/>
+                                          <p:spTgt spid="25"/>
                                         </p:tgtEl>
                                         <p:attrNameLst>
                                           <p:attrName>ppt_x</p:attrName>
@@ -29637,7 +27764,7 @@
                                       <p:cBhvr>
                                         <p:cTn id="38" dur="1" fill="hold"/>
                                         <p:tgtEl>
-                                          <p:spTgt spid="23"/>
+                                          <p:spTgt spid="25"/>
                                         </p:tgtEl>
                                       </p:cBhvr>
                                       <p:by x="235693" y="235693"/>
@@ -29655,7 +27782,7 @@
                                       <p:cBhvr>
                                         <p:cTn id="40" dur="10"/>
                                         <p:tgtEl>
-                                          <p:spTgt spid="24"/>
+                                          <p:spTgt spid="26"/>
                                         </p:tgtEl>
                                       </p:cBhvr>
                                     </p:animEffect>
@@ -29667,7 +27794,7 @@
                                           </p:stCondLst>
                                         </p:cTn>
                                         <p:tgtEl>
-                                          <p:spTgt spid="24"/>
+                                          <p:spTgt spid="26"/>
                                         </p:tgtEl>
                                         <p:attrNameLst>
                                           <p:attrName>style.visibility</p:attrName>
@@ -29695,11 +27822,11 @@
                                     <p:cond delay="0"/>
                                   </p:stCondLst>
                                   <p:childTnLst>
-                                    <p:animMotion origin="layout" path="M 0.4209484 0.4955453 C 0.4328168 0.9727182 0.4328168 0.9727182 0.4446852 1.449891 E" pathEditMode="relative" ptsTypes="">
+                                    <p:animMotion origin="layout" path="M 0.4209484 0.4955453 C 0.4328169 0.9727173 0.4328169 0.9727173 0.4446853 1.449889 E" pathEditMode="relative" ptsTypes="">
                                       <p:cBhvr>
                                         <p:cTn id="44" dur="400" fill="hold"/>
                                         <p:tgtEl>
-                                          <p:spTgt spid="23"/>
+                                          <p:spTgt spid="25"/>
                                         </p:tgtEl>
                                         <p:attrNameLst>
                                           <p:attrName>ppt_x</p:attrName>
@@ -29720,7 +27847,7 @@
                                       <p:cBhvr>
                                         <p:cTn id="46" dur="400" fill="hold"/>
                                         <p:tgtEl>
-                                          <p:spTgt spid="23"/>
+                                          <p:spTgt spid="25"/>
                                         </p:tgtEl>
                                       </p:cBhvr>
                                       <p:by x="224368" y="224372"/>
@@ -29751,7 +27878,7 @@
                                           </p:stCondLst>
                                         </p:cTn>
                                         <p:tgtEl>
-                                          <p:spTgt spid="25"/>
+                                          <p:spTgt spid="27"/>
                                         </p:tgtEl>
                                         <p:attrNameLst>
                                           <p:attrName>style.visibility</p:attrName>
@@ -29778,7 +27905,7 @@
                                           </p:stCondLst>
                                         </p:cTn>
                                         <p:tgtEl>
-                                          <p:spTgt spid="23"/>
+                                          <p:spTgt spid="25"/>
                                         </p:tgtEl>
                                         <p:attrNameLst>
                                           <p:attrName>style.visibility</p:attrName>
@@ -29823,7 +27950,7 @@
                                           </p:stCondLst>
                                         </p:cTn>
                                         <p:tgtEl>
-                                          <p:spTgt spid="25"/>
+                                          <p:spTgt spid="27"/>
                                         </p:tgtEl>
                                         <p:attrNameLst>
                                           <p:attrName>style.visibility</p:attrName>
@@ -29850,7 +27977,7 @@
                                           </p:stCondLst>
                                         </p:cTn>
                                         <p:tgtEl>
-                                          <p:spTgt spid="27"/>
+                                          <p:spTgt spid="29"/>
                                         </p:tgtEl>
                                         <p:attrNameLst>
                                           <p:attrName>style.visibility</p:attrName>
@@ -29877,7 +28004,7 @@
                                           </p:stCondLst>
                                         </p:cTn>
                                         <p:tgtEl>
-                                          <p:spTgt spid="26"/>
+                                          <p:spTgt spid="28"/>
                                         </p:tgtEl>
                                         <p:attrNameLst>
                                           <p:attrName>style.visibility</p:attrName>
@@ -29896,11 +28023,11 @@
                                     <p:cond delay="0"/>
                                   </p:stCondLst>
                                   <p:childTnLst>
-                                    <p:animMotion origin="layout" path="M 0 0 C 0.2223465 0.7249453 0.2223465 0.7249453 0.4446929 1.449891 E" pathEditMode="relative" ptsTypes="">
+                                    <p:animMotion origin="layout" path="M 0 0 C 0.2223462 0.7249445 0.2223462 0.7249445 0.4446925 1.449889 E" pathEditMode="relative" ptsTypes="">
                                       <p:cBhvr>
                                         <p:cTn id="61" dur="1" fill="hold"/>
                                         <p:tgtEl>
-                                          <p:spTgt spid="26"/>
+                                          <p:spTgt spid="28"/>
                                         </p:tgtEl>
                                         <p:attrNameLst>
                                           <p:attrName>ppt_x</p:attrName>
@@ -29921,10 +28048,10 @@
                                       <p:cBhvr>
                                         <p:cTn id="63" dur="1" fill="hold"/>
                                         <p:tgtEl>
-                                          <p:spTgt spid="26"/>
-                                        </p:tgtEl>
-                                      </p:cBhvr>
-                                      <p:by x="528829" y="528829"/>
+                                          <p:spTgt spid="28"/>
+                                        </p:tgtEl>
+                                      </p:cBhvr>
+                                      <p:by x="528828" y="528828"/>
                                     </p:animScale>
                                   </p:childTnLst>
                                 </p:cTn>
@@ -29939,7 +28066,7 @@
                                       <p:cBhvr>
                                         <p:cTn id="65" dur="10"/>
                                         <p:tgtEl>
-                                          <p:spTgt spid="27"/>
+                                          <p:spTgt spid="29"/>
                                         </p:tgtEl>
                                       </p:cBhvr>
                                     </p:animEffect>
@@ -29951,7 +28078,7 @@
                                           </p:stCondLst>
                                         </p:cTn>
                                         <p:tgtEl>
-                                          <p:spTgt spid="27"/>
+                                          <p:spTgt spid="29"/>
                                         </p:tgtEl>
                                         <p:attrNameLst>
                                           <p:attrName>style.visibility</p:attrName>
@@ -29979,11 +28106,11 @@
                                     <p:cond delay="0"/>
                                   </p:stCondLst>
                                   <p:childTnLst>
-                                    <p:animMotion origin="layout" path="M 0.4446929 1.449891 C 0.002813905 0.8386203 0.002813905 0.8386203 -0.4390651 0.2273496 E" pathEditMode="relative" ptsTypes="">
+                                    <p:animMotion origin="layout" path="M 0.4446925 1.449889 C 0.002813399 0.8386196 0.002813399 0.8386196 -0.4390657 0.2273501 E" pathEditMode="relative" ptsTypes="">
                                       <p:cBhvr>
                                         <p:cTn id="69" dur="400" fill="hold"/>
                                         <p:tgtEl>
-                                          <p:spTgt spid="26"/>
+                                          <p:spTgt spid="28"/>
                                         </p:tgtEl>
                                         <p:attrNameLst>
                                           <p:attrName>ppt_x</p:attrName>
@@ -30004,7 +28131,7 @@
                                       <p:cBhvr>
                                         <p:cTn id="71" dur="400" fill="hold"/>
                                         <p:tgtEl>
-                                          <p:spTgt spid="26"/>
+                                          <p:spTgt spid="28"/>
                                         </p:tgtEl>
                                       </p:cBhvr>
                                       <p:by x="35516" y="35515"/>
@@ -30035,7 +28162,7 @@
                                           </p:stCondLst>
                                         </p:cTn>
                                         <p:tgtEl>
-                                          <p:spTgt spid="28"/>
+                                          <p:spTgt spid="30"/>
                                         </p:tgtEl>
                                         <p:attrNameLst>
                                           <p:attrName>style.visibility</p:attrName>
@@ -30062,7 +28189,7 @@
                                           </p:stCondLst>
                                         </p:cTn>
                                         <p:tgtEl>
-                                          <p:spTgt spid="26"/>
+                                          <p:spTgt spid="28"/>
                                         </p:tgtEl>
                                         <p:attrNameLst>
                                           <p:attrName>style.visibility</p:attrName>
@@ -30107,7 +28234,7 @@
                                           </p:stCondLst>
                                         </p:cTn>
                                         <p:tgtEl>
-                                          <p:spTgt spid="28"/>
+                                          <p:spTgt spid="30"/>
                                         </p:tgtEl>
                                         <p:attrNameLst>
                                           <p:attrName>style.visibility</p:attrName>
@@ -30134,7 +28261,7 @@
                                           </p:stCondLst>
                                         </p:cTn>
                                         <p:tgtEl>
-                                          <p:spTgt spid="30"/>
+                                          <p:spTgt spid="32"/>
                                         </p:tgtEl>
                                         <p:attrNameLst>
                                           <p:attrName>style.visibility</p:attrName>
@@ -30161,7 +28288,7 @@
                                           </p:stCondLst>
                                         </p:cTn>
                                         <p:tgtEl>
-                                          <p:spTgt spid="29"/>
+                                          <p:spTgt spid="31"/>
                                         </p:tgtEl>
                                         <p:attrNameLst>
                                           <p:attrName>style.visibility</p:attrName>
@@ -30180,11 +28307,11 @@
                                     <p:cond delay="0"/>
                                   </p:stCondLst>
                                   <p:childTnLst>
-                                    <p:animMotion origin="layout" path="M 0 0 C -0.2195359 0.113675 -0.2195359 0.113675 -0.4390719 0.22735 E" pathEditMode="relative" ptsTypes="">
+                                    <p:animMotion origin="layout" path="M 0 0 C -0.219536 0.113675 -0.219536 0.113675 -0.4390719 0.22735 E" pathEditMode="relative" ptsTypes="">
                                       <p:cBhvr>
                                         <p:cTn id="86" dur="1" fill="hold"/>
                                         <p:tgtEl>
-                                          <p:spTgt spid="29"/>
+                                          <p:spTgt spid="31"/>
                                         </p:tgtEl>
                                         <p:attrNameLst>
                                           <p:attrName>ppt_x</p:attrName>
@@ -30205,7 +28332,7 @@
                                       <p:cBhvr>
                                         <p:cTn id="88" dur="1" fill="hold"/>
                                         <p:tgtEl>
-                                          <p:spTgt spid="29"/>
+                                          <p:spTgt spid="31"/>
                                         </p:tgtEl>
                                       </p:cBhvr>
                                       <p:by x="187815" y="187815"/>
@@ -30223,7 +28350,7 @@
                                       <p:cBhvr>
                                         <p:cTn id="90" dur="10"/>
                                         <p:tgtEl>
-                                          <p:spTgt spid="30"/>
+                                          <p:spTgt spid="32"/>
                                         </p:tgtEl>
                                       </p:cBhvr>
                                     </p:animEffect>
@@ -30235,7 +28362,7 @@
                                           </p:stCondLst>
                                         </p:cTn>
                                         <p:tgtEl>
-                                          <p:spTgt spid="30"/>
+                                          <p:spTgt spid="32"/>
                                         </p:tgtEl>
                                         <p:attrNameLst>
                                           <p:attrName>style.visibility</p:attrName>
@@ -30267,7 +28394,7 @@
                                       <p:cBhvr>
                                         <p:cTn id="94" dur="400" fill="hold"/>
                                         <p:tgtEl>
-                                          <p:spTgt spid="29"/>
+                                          <p:spTgt spid="31"/>
                                         </p:tgtEl>
                                         <p:attrNameLst>
                                           <p:attrName>ppt_x</p:attrName>
@@ -30288,7 +28415,7 @@
                                       <p:cBhvr>
                                         <p:cTn id="96" dur="400" fill="hold"/>
                                         <p:tgtEl>
-                                          <p:spTgt spid="29"/>
+                                          <p:spTgt spid="31"/>
                                         </p:tgtEl>
                                       </p:cBhvr>
                                       <p:by x="108283" y="108283"/>
@@ -30319,7 +28446,7 @@
                                           </p:stCondLst>
                                         </p:cTn>
                                         <p:tgtEl>
-                                          <p:spTgt spid="31"/>
+                                          <p:spTgt spid="33"/>
                                         </p:tgtEl>
                                         <p:attrNameLst>
                                           <p:attrName>style.visibility</p:attrName>
@@ -30346,7 +28473,7 @@
                                           </p:stCondLst>
                                         </p:cTn>
                                         <p:tgtEl>
-                                          <p:spTgt spid="29"/>
+                                          <p:spTgt spid="31"/>
                                         </p:tgtEl>
                                         <p:attrNameLst>
                                           <p:attrName>style.visibility</p:attrName>
@@ -30391,7 +28518,7 @@
                                           </p:stCondLst>
                                         </p:cTn>
                                         <p:tgtEl>
-                                          <p:spTgt spid="31"/>
+                                          <p:spTgt spid="33"/>
                                         </p:tgtEl>
                                         <p:attrNameLst>
                                           <p:attrName>style.visibility</p:attrName>
@@ -30418,7 +28545,7 @@
                                           </p:stCondLst>
                                         </p:cTn>
                                         <p:tgtEl>
-                                          <p:spTgt spid="34"/>
+                                          <p:spTgt spid="36"/>
                                         </p:tgtEl>
                                         <p:attrNameLst>
                                           <p:attrName>style.visibility</p:attrName>
@@ -30441,7 +28568,7 @@
                                       <p:cBhvr>
                                         <p:cTn id="109" dur="500" fill="hold"/>
                                         <p:tgtEl>
-                                          <p:spTgt spid="34"/>
+                                          <p:spTgt spid="36"/>
                                         </p:tgtEl>
                                         <p:attrNameLst>
                                           <p:attrName>ppt_x</p:attrName>
@@ -30462,7 +28589,7 @@
                                       <p:cBhvr>
                                         <p:cTn id="111" dur="500" fill="hold"/>
                                         <p:tgtEl>
-                                          <p:spTgt spid="34"/>
+                                          <p:spTgt spid="36"/>
                                         </p:tgtEl>
                                       </p:cBhvr>
                                       <p:by x="49167" y="49167"/>
@@ -30493,7 +28620,7 @@
                                           </p:stCondLst>
                                         </p:cTn>
                                         <p:tgtEl>
-                                          <p:spTgt spid="32"/>
+                                          <p:spTgt spid="34"/>
                                         </p:tgtEl>
                                         <p:attrNameLst>
                                           <p:attrName>style.visibility</p:attrName>
@@ -30507,7 +28634,7 @@
                                       <p:cBhvr>
                                         <p:cTn id="115" dur="250"/>
                                         <p:tgtEl>
-                                          <p:spTgt spid="32"/>
+                                          <p:spTgt spid="34"/>
                                         </p:tgtEl>
                                       </p:cBhvr>
                                     </p:animEffect>
@@ -30528,7 +28655,7 @@
                                           </p:stCondLst>
                                         </p:cTn>
                                         <p:tgtEl>
-                                          <p:spTgt spid="33"/>
+                                          <p:spTgt spid="35"/>
                                         </p:tgtEl>
                                         <p:attrNameLst>
                                           <p:attrName>style.visibility</p:attrName>
@@ -30542,7 +28669,7 @@
                                       <p:cBhvr>
                                         <p:cTn id="118" dur="250"/>
                                         <p:tgtEl>
-                                          <p:spTgt spid="33"/>
+                                          <p:spTgt spid="35"/>
                                         </p:tgtEl>
                                       </p:cBhvr>
                                     </p:animEffect>
@@ -30559,7 +28686,7 @@
                                       <p:cBhvr>
                                         <p:cTn id="120" dur="250"/>
                                         <p:tgtEl>
-                                          <p:spTgt spid="34"/>
+                                          <p:spTgt spid="36"/>
                                         </p:tgtEl>
                                       </p:cBhvr>
                                     </p:animEffect>
@@ -30571,7 +28698,7 @@
                                           </p:stCondLst>
                                         </p:cTn>
                                         <p:tgtEl>
-                                          <p:spTgt spid="34"/>
+                                          <p:spTgt spid="36"/>
                                         </p:tgtEl>
                                         <p:attrNameLst>
                                           <p:attrName>style.visibility</p:attrName>
@@ -30612,7 +28739,7 @@
       </p:par>
     </p:tnLst>
     <p:bldLst>
-      <p:bldP spid="33" grpId="0"/>
+      <p:bldP spid="35" grpId="0"/>
       <p:bldP spid="2" grpId="0"/>
     </p:bldLst>
   </p:timing>
@@ -30696,7 +28823,7 @@
 
 <file path=ppt/slides/slide5.xml><?xml version="1.0" encoding="utf-8"?>
 <p:sld xmlns:a="http://schemas.openxmlformats.org/drawingml/2006/main" xmlns:r="http://schemas.openxmlformats.org/officeDocument/2006/relationships" xmlns:p="http://schemas.openxmlformats.org/presentationml/2006/main">
-  <p:cSld name="PPTLabsZoomToAreaSlide201506181744127208">
+  <p:cSld name="PPTLabsZoomToAreaSlide201705111432293028">
     <p:bg>
       <p:bgPr>
         <a:solidFill>
@@ -30767,7 +28894,87 @@
       </p:pic>
       <p:sp>
         <p:nvSpPr>
-          <p:cNvPr id="2" name="PPTLabsMagnifyShape201506181744127318"/>
+          <p:cNvPr id="2" name="Oval 1" hidden="1"/>
+          <p:cNvSpPr/>
+          <p:nvPr/>
+        </p:nvSpPr>
+        <p:spPr>
+          <a:xfrm>
+            <a:off x="302733" y="3184634"/>
+            <a:ext cx="4953000" cy="3505200"/>
+          </a:xfrm>
+          <a:prstGeom prst="ellipse">
+            <a:avLst/>
+          </a:prstGeom>
+        </p:spPr>
+        <p:style>
+          <a:lnRef idx="2">
+            <a:schemeClr val="accent1">
+              <a:shade val="50000"/>
+            </a:schemeClr>
+          </a:lnRef>
+          <a:fillRef idx="1">
+            <a:schemeClr val="accent1"/>
+          </a:fillRef>
+          <a:effectRef idx="0">
+            <a:schemeClr val="accent1"/>
+          </a:effectRef>
+          <a:fontRef idx="minor">
+            <a:schemeClr val="lt1"/>
+          </a:fontRef>
+        </p:style>
+        <p:txBody>
+          <a:bodyPr rtlCol="0" anchor="ctr"/>
+          <a:lstStyle/>
+          <a:p>
+            <a:pPr algn="ctr"/>
+            <a:endParaRPr lang="en-US"/>
+          </a:p>
+        </p:txBody>
+      </p:sp>
+      <p:sp>
+        <p:nvSpPr>
+          <p:cNvPr id="6" name="Oval 5" hidden="1"/>
+          <p:cNvSpPr/>
+          <p:nvPr/>
+        </p:nvSpPr>
+        <p:spPr>
+          <a:xfrm>
+            <a:off x="3962400" y="381000"/>
+            <a:ext cx="4953000" cy="3505200"/>
+          </a:xfrm>
+          <a:prstGeom prst="ellipse">
+            <a:avLst/>
+          </a:prstGeom>
+        </p:spPr>
+        <p:style>
+          <a:lnRef idx="2">
+            <a:schemeClr val="accent1">
+              <a:shade val="50000"/>
+            </a:schemeClr>
+          </a:lnRef>
+          <a:fillRef idx="1">
+            <a:schemeClr val="accent1"/>
+          </a:fillRef>
+          <a:effectRef idx="0">
+            <a:schemeClr val="accent1"/>
+          </a:effectRef>
+          <a:fontRef idx="minor">
+            <a:schemeClr val="lt1"/>
+          </a:fontRef>
+        </p:style>
+        <p:txBody>
+          <a:bodyPr rtlCol="0" anchor="ctr"/>
+          <a:lstStyle/>
+          <a:p>
+            <a:pPr algn="ctr"/>
+            <a:endParaRPr lang="en-US"/>
+          </a:p>
+        </p:txBody>
+      </p:sp>
+      <p:sp>
+        <p:nvSpPr>
+          <p:cNvPr id="3" name="PPTLabsMagnifyShape201705111432293038"/>
           <p:cNvSpPr/>
           <p:nvPr/>
         </p:nvSpPr>
@@ -30832,7 +29039,7 @@
     </p:spTree>
     <p:extLst>
       <p:ext uri="{BB962C8B-B14F-4D97-AF65-F5344CB8AC3E}">
-        <p14:creationId xmlns:p14="http://schemas.microsoft.com/office/powerpoint/2010/main" val="999958709"/>
+        <p14:creationId xmlns:p14="http://schemas.microsoft.com/office/powerpoint/2010/main" val="3130667785"/>
       </p:ext>
     </p:extLst>
   </p:cSld>
@@ -30884,7 +29091,7 @@
                                           </p:stCondLst>
                                         </p:cTn>
                                         <p:tgtEl>
-                                          <p:spTgt spid="2"/>
+                                          <p:spTgt spid="3"/>
                                         </p:tgtEl>
                                         <p:attrNameLst>
                                           <p:attrName>style.visibility</p:attrName>
@@ -30911,7 +29118,7 @@
                                           </p:stCondLst>
                                         </p:cTn>
                                         <p:tgtEl>
-                                          <p:spTgt spid="2"/>
+                                          <p:spTgt spid="3"/>
                                         </p:tgtEl>
                                         <p:attrNameLst>
                                           <p:attrName>style.visibility</p:attrName>
@@ -30952,8 +29159,8 @@
       </p:par>
     </p:tnLst>
     <p:bldLst>
-      <p:bldP spid="2" grpId="0" animBg="1"/>
-      <p:bldP spid="2" grpId="1" animBg="1"/>
+      <p:bldP spid="3" grpId="0" animBg="1"/>
+      <p:bldP spid="3" grpId="1" animBg="1"/>
     </p:bldLst>
   </p:timing>
 </p:sld>
@@ -30961,7 +29168,7 @@
 
 <file path=ppt/slides/slide6.xml><?xml version="1.0" encoding="utf-8"?>
 <p:sld xmlns:a="http://schemas.openxmlformats.org/drawingml/2006/main" xmlns:r="http://schemas.openxmlformats.org/officeDocument/2006/relationships" xmlns:p="http://schemas.openxmlformats.org/presentationml/2006/main">
-  <p:cSld name="PPTLabsMagnifyingSlide201506181744127608">
+  <p:cSld name="PPTLabsMagnifyingSlide201705111432293200">
     <p:bg>
       <p:bgPr>
         <a:solidFill>
@@ -31032,26 +29239,19 @@
       </p:pic>
       <p:pic>
         <p:nvPicPr>
-          <p:cNvPr id="1026" name="PPTLabsMagnifyAreaGroup201506181744130398" hidden="1"/>
+          <p:cNvPr id="5" name="PPTLabsMagnifyAreaGroup201705111432295971" hidden="1"/>
           <p:cNvPicPr>
-            <a:picLocks noChangeArrowheads="1"/>
+            <a:picLocks/>
           </p:cNvPicPr>
           <p:nvPr/>
         </p:nvPicPr>
         <p:blipFill>
-          <a:blip r:embed="rId3">
-            <a:extLst>
-              <a:ext uri="{28A0092B-C50C-407E-A947-70E740481C1C}">
-                <a14:useLocalDpi xmlns:a14="http://schemas.microsoft.com/office/drawing/2010/main" val="0"/>
-              </a:ext>
-            </a:extLst>
-          </a:blip>
-          <a:srcRect/>
+          <a:blip r:embed="rId3"/>
           <a:stretch>
             <a:fillRect/>
           </a:stretch>
         </p:blipFill>
-        <p:spPr bwMode="auto">
+        <p:spPr>
           <a:xfrm>
             <a:off x="0" y="0"/>
             <a:ext cx="9144000" cy="6858000"/>
@@ -31059,63 +29259,23 @@
           <a:prstGeom prst="rect">
             <a:avLst/>
           </a:prstGeom>
-          <a:noFill/>
-          <a:ln>
-            <a:noFill/>
-          </a:ln>
-          <a:effectLst/>
-          <a:extLst>
-            <a:ext uri="{909E8E84-426E-40DD-AFC4-6F175D3DCCD1}">
-              <a14:hiddenFill xmlns:a14="http://schemas.microsoft.com/office/drawing/2010/main">
-                <a:solidFill>
-                  <a:schemeClr val="accent1"/>
-                </a:solidFill>
-              </a14:hiddenFill>
-            </a:ext>
-            <a:ext uri="{91240B29-F687-4F45-9708-019B960494DF}">
-              <a14:hiddenLine xmlns:a14="http://schemas.microsoft.com/office/drawing/2010/main" w="9525">
-                <a:solidFill>
-                  <a:schemeClr val="tx1"/>
-                </a:solidFill>
-                <a:miter lim="800000"/>
-                <a:headEnd/>
-                <a:tailEnd/>
-              </a14:hiddenLine>
-            </a:ext>
-            <a:ext uri="{AF507438-7753-43E0-B8FC-AC1667EBCBE1}">
-              <a14:hiddenEffects xmlns:a14="http://schemas.microsoft.com/office/drawing/2010/main">
-                <a:effectLst>
-                  <a:outerShdw dist="35921" dir="2700000" algn="ctr" rotWithShape="0">
-                    <a:schemeClr val="bg2"/>
-                  </a:outerShdw>
-                </a:effectLst>
-              </a14:hiddenEffects>
-            </a:ext>
-          </a:extLst>
         </p:spPr>
       </p:pic>
       <p:pic>
         <p:nvPicPr>
-          <p:cNvPr id="7" name="PPTLabsMagnifyAreaSlide201506181744130678"/>
+          <p:cNvPr id="9" name="PPTLabsMagnifyAreaSlide201705111432296363"/>
           <p:cNvPicPr>
-            <a:picLocks noChangeArrowheads="1"/>
+            <a:picLocks/>
           </p:cNvPicPr>
           <p:nvPr/>
         </p:nvPicPr>
         <p:blipFill>
-          <a:blip r:embed="rId3">
-            <a:extLst>
-              <a:ext uri="{28A0092B-C50C-407E-A947-70E740481C1C}">
-                <a14:useLocalDpi xmlns:a14="http://schemas.microsoft.com/office/drawing/2010/main" val="0"/>
-              </a:ext>
-            </a:extLst>
-          </a:blip>
-          <a:srcRect/>
+          <a:blip r:embed="rId3"/>
           <a:stretch>
             <a:fillRect/>
           </a:stretch>
         </p:blipFill>
-        <p:spPr bwMode="auto">
+        <p:spPr>
           <a:xfrm>
             <a:off x="0" y="0"/>
             <a:ext cx="9144000" cy="6858000"/>
@@ -31123,44 +29283,11 @@
           <a:prstGeom prst="rect">
             <a:avLst/>
           </a:prstGeom>
-          <a:noFill/>
-          <a:ln>
-            <a:noFill/>
-          </a:ln>
-          <a:effectLst/>
-          <a:extLst>
-            <a:ext uri="{909E8E84-426E-40DD-AFC4-6F175D3DCCD1}">
-              <a14:hiddenFill xmlns:a14="http://schemas.microsoft.com/office/drawing/2010/main">
-                <a:solidFill>
-                  <a:schemeClr val="accent1"/>
-                </a:solidFill>
-              </a14:hiddenFill>
-            </a:ext>
-            <a:ext uri="{91240B29-F687-4F45-9708-019B960494DF}">
-              <a14:hiddenLine xmlns:a14="http://schemas.microsoft.com/office/drawing/2010/main" w="9525">
-                <a:solidFill>
-                  <a:schemeClr val="tx1"/>
-                </a:solidFill>
-                <a:miter lim="800000"/>
-                <a:headEnd/>
-                <a:tailEnd/>
-              </a14:hiddenLine>
-            </a:ext>
-            <a:ext uri="{AF507438-7753-43E0-B8FC-AC1667EBCBE1}">
-              <a14:hiddenEffects xmlns:a14="http://schemas.microsoft.com/office/drawing/2010/main">
-                <a:effectLst>
-                  <a:outerShdw dist="35921" dir="2700000" algn="ctr" rotWithShape="0">
-                    <a:schemeClr val="bg2"/>
-                  </a:outerShdw>
-                </a:effectLst>
-              </a14:hiddenEffects>
-            </a:ext>
-          </a:extLst>
         </p:spPr>
       </p:pic>
       <p:pic>
         <p:nvPicPr>
-          <p:cNvPr id="3" name="PPTIndicator201506181744130598"/>
+          <p:cNvPr id="8" name="PPTIndicator201705111432296333"/>
           <p:cNvPicPr>
             <a:picLocks/>
           </p:cNvPicPr>
@@ -31191,18 +29318,18 @@
     </p:spTree>
     <p:extLst>
       <p:ext uri="{BB962C8B-B14F-4D97-AF65-F5344CB8AC3E}">
-        <p14:creationId xmlns:p14="http://schemas.microsoft.com/office/powerpoint/2010/main" val="403202567"/>
+        <p14:creationId xmlns:p14="http://schemas.microsoft.com/office/powerpoint/2010/main" val="1896576846"/>
       </p:ext>
     </p:extLst>
   </p:cSld>
   <p:clrMapOvr>
     <a:masterClrMapping/>
   </p:clrMapOvr>
-  <mc:AlternateContent xmlns:mc="http://schemas.openxmlformats.org/markup-compatibility/2006" xmlns:p14="http://schemas.microsoft.com/office/powerpoint/2010/main">
-    <mc:Choice Requires="p14">
+  <mc:AlternateContent xmlns:mc="http://schemas.openxmlformats.org/markup-compatibility/2006">
+    <mc:Choice xmlns:p14="http://schemas.microsoft.com/office/powerpoint/2010/main" Requires="p14">
       <p:transition spd="slow" p14:dur="2000" advClick="0" advTm="0"/>
     </mc:Choice>
-    <mc:Fallback xmlns="">
+    <mc:Fallback>
       <p:transition spd="slow" advClick="0" advTm="0"/>
     </mc:Fallback>
   </mc:AlternateContent>
@@ -31243,7 +29370,7 @@
                                           </p:stCondLst>
                                         </p:cTn>
                                         <p:tgtEl>
-                                          <p:spTgt spid="3"/>
+                                          <p:spTgt spid="8"/>
                                         </p:tgtEl>
                                         <p:attrNameLst>
                                           <p:attrName>style.visibility</p:attrName>
@@ -31270,7 +29397,7 @@
                                           </p:stCondLst>
                                         </p:cTn>
                                         <p:tgtEl>
-                                          <p:spTgt spid="3"/>
+                                          <p:spTgt spid="8"/>
                                         </p:tgtEl>
                                         <p:attrNameLst>
                                           <p:attrName>style.visibility</p:attrName>
@@ -31298,11 +29425,11 @@
                                     <p:cond delay="0"/>
                                   </p:stCondLst>
                                   <p:childTnLst>
-                                    <p:animMotion origin="layout" path="M 0 0 C 0.2739167 0.299782 0.2739167 0.299782 0.5478333 0.599564 E" pathEditMode="relative" ptsTypes="">
+                                    <p:animMotion origin="layout" path="M 0 0 C 0.2739166 0.299782 0.2739166 0.299782 0.5478333 0.599564 E" pathEditMode="relative" ptsTypes="">
                                       <p:cBhvr>
                                         <p:cTn id="11" dur="500" fill="hold"/>
                                         <p:tgtEl>
-                                          <p:spTgt spid="7"/>
+                                          <p:spTgt spid="9"/>
                                         </p:tgtEl>
                                         <p:attrNameLst>
                                           <p:attrName>ppt_x</p:attrName>
@@ -31323,7 +29450,7 @@
                                       <p:cBhvr>
                                         <p:cTn id="13" dur="500" fill="hold"/>
                                         <p:tgtEl>
-                                          <p:spTgt spid="7"/>
+                                          <p:spTgt spid="9"/>
                                         </p:tgtEl>
                                       </p:cBhvr>
                                       <p:by x="279422" y="279422"/>
@@ -31364,7 +29491,7 @@
 
 <file path=ppt/slides/slide7.xml><?xml version="1.0" encoding="utf-8"?>
 <p:sld xmlns:a="http://schemas.openxmlformats.org/drawingml/2006/main" xmlns:r="http://schemas.openxmlformats.org/officeDocument/2006/relationships" xmlns:p="http://schemas.openxmlformats.org/presentationml/2006/main">
-  <p:cSld name="PPTLabsMagnifiedSlide201506181744130688">
+  <p:cSld name="PPTLabsMagnifiedSlide201705111432296383">
     <p:bg>
       <p:bgPr>
         <a:solidFill>
@@ -31389,71 +29516,32 @@
       </p:grpSpPr>
       <p:pic>
         <p:nvPicPr>
-          <p:cNvPr id="1026" name="PPTLabsMagnifyAreaGroup201506181744130398"/>
+          <p:cNvPr id="5" name="PPTLabsMagnifyAreaGroup201705111432295971"/>
           <p:cNvPicPr>
-            <a:picLocks noChangeAspect="1" noChangeArrowheads="1"/>
+            <a:picLocks noChangeAspect="1"/>
           </p:cNvPicPr>
           <p:nvPr/>
         </p:nvPicPr>
         <p:blipFill>
-          <a:blip r:embed="rId2">
-            <a:extLst>
-              <a:ext uri="{28A0092B-C50C-407E-A947-70E740481C1C}">
-                <a14:useLocalDpi xmlns:a14="http://schemas.microsoft.com/office/drawing/2010/main" val="0"/>
-              </a:ext>
-            </a:extLst>
-          </a:blip>
+          <a:blip r:embed="rId2"/>
           <a:srcRect/>
           <a:stretch>
             <a:fillRect/>
           </a:stretch>
         </p:blipFill>
-        <p:spPr bwMode="auto">
+        <p:spPr>
           <a:xfrm>
-            <a:off x="-3193018" y="-2040158"/>
-            <a:ext cx="25546182" cy="19160112"/>
+            <a:off x="-3193018" y="-2040156"/>
+            <a:ext cx="25546182" cy="19160104"/>
           </a:xfrm>
           <a:prstGeom prst="rect">
             <a:avLst/>
           </a:prstGeom>
-          <a:noFill/>
-          <a:ln>
-            <a:noFill/>
-          </a:ln>
-          <a:effectLst/>
-          <a:extLst>
-            <a:ext uri="{909E8E84-426E-40DD-AFC4-6F175D3DCCD1}">
-              <a14:hiddenFill xmlns:a14="http://schemas.microsoft.com/office/drawing/2010/main">
-                <a:solidFill>
-                  <a:schemeClr val="accent1"/>
-                </a:solidFill>
-              </a14:hiddenFill>
-            </a:ext>
-            <a:ext uri="{91240B29-F687-4F45-9708-019B960494DF}">
-              <a14:hiddenLine xmlns:a14="http://schemas.microsoft.com/office/drawing/2010/main" w="9525">
-                <a:solidFill>
-                  <a:schemeClr val="tx1"/>
-                </a:solidFill>
-                <a:miter lim="800000"/>
-                <a:headEnd/>
-                <a:tailEnd/>
-              </a14:hiddenLine>
-            </a:ext>
-            <a:ext uri="{AF507438-7753-43E0-B8FC-AC1667EBCBE1}">
-              <a14:hiddenEffects xmlns:a14="http://schemas.microsoft.com/office/drawing/2010/main">
-                <a:effectLst>
-                  <a:outerShdw dist="35921" dir="2700000" algn="ctr" rotWithShape="0">
-                    <a:schemeClr val="bg2"/>
-                  </a:outerShdw>
-                </a:effectLst>
-              </a14:hiddenEffects>
-            </a:ext>
-          </a:extLst>
         </p:spPr>
       </p:pic>
       <p:pic>
         <p:nvPicPr>
-          <p:cNvPr id="2" name="PPTIndicator201506181744130848"/>
+          <p:cNvPr id="2" name="PPTIndicator201705111432296637"/>
           <p:cNvPicPr>
             <a:picLocks/>
           </p:cNvPicPr>
@@ -31484,18 +29572,18 @@
     </p:spTree>
     <p:extLst>
       <p:ext uri="{BB962C8B-B14F-4D97-AF65-F5344CB8AC3E}">
-        <p14:creationId xmlns:p14="http://schemas.microsoft.com/office/powerpoint/2010/main" val="2700776701"/>
+        <p14:creationId xmlns:p14="http://schemas.microsoft.com/office/powerpoint/2010/main" val="2137916648"/>
       </p:ext>
     </p:extLst>
   </p:cSld>
   <p:clrMapOvr>
     <a:masterClrMapping/>
   </p:clrMapOvr>
-  <mc:AlternateContent xmlns:mc="http://schemas.openxmlformats.org/markup-compatibility/2006" xmlns:p14="http://schemas.microsoft.com/office/powerpoint/2010/main">
-    <mc:Choice Requires="p14">
+  <mc:AlternateContent xmlns:mc="http://schemas.openxmlformats.org/markup-compatibility/2006">
+    <mc:Choice xmlns:p14="http://schemas.microsoft.com/office/powerpoint/2010/main" Requires="p14">
       <p:transition spd="slow" p14:dur="2000"/>
     </mc:Choice>
-    <mc:Fallback xmlns="">
+    <mc:Fallback>
       <p:transition spd="slow"/>
     </mc:Fallback>
   </mc:AlternateContent>
@@ -31609,7 +29697,7 @@
 
 <file path=ppt/slides/slide8.xml><?xml version="1.0" encoding="utf-8"?>
 <p:sld xmlns:a="http://schemas.openxmlformats.org/drawingml/2006/main" xmlns:r="http://schemas.openxmlformats.org/officeDocument/2006/relationships" xmlns:p="http://schemas.openxmlformats.org/presentationml/2006/main">
-  <p:cSld name="PPTLabsDeMagnifyingSlide201506181744130898">
+  <p:cSld name="PPTLabsDeMagnifyingSlide201705111432296667">
     <p:bg>
       <p:bgPr>
         <a:solidFill>
@@ -31680,26 +29768,19 @@
       </p:pic>
       <p:pic>
         <p:nvPicPr>
-          <p:cNvPr id="1026" name="PPTLabsMagnifyAreaGroup201506181744130398"/>
+          <p:cNvPr id="5" name="PPTLabsMagnifyAreaGroup201705111432295971"/>
           <p:cNvPicPr>
-            <a:picLocks noChangeArrowheads="1"/>
+            <a:picLocks/>
           </p:cNvPicPr>
           <p:nvPr/>
         </p:nvPicPr>
         <p:blipFill>
-          <a:blip r:embed="rId3">
-            <a:extLst>
-              <a:ext uri="{28A0092B-C50C-407E-A947-70E740481C1C}">
-                <a14:useLocalDpi xmlns:a14="http://schemas.microsoft.com/office/drawing/2010/main" val="0"/>
-              </a:ext>
-            </a:extLst>
-          </a:blip>
-          <a:srcRect/>
+          <a:blip r:embed="rId3"/>
           <a:stretch>
             <a:fillRect/>
           </a:stretch>
         </p:blipFill>
-        <p:spPr bwMode="auto">
+        <p:spPr>
           <a:xfrm>
             <a:off x="0" y="0"/>
             <a:ext cx="9144000" cy="6858000"/>
@@ -31707,63 +29788,23 @@
           <a:prstGeom prst="rect">
             <a:avLst/>
           </a:prstGeom>
-          <a:noFill/>
-          <a:ln>
-            <a:noFill/>
-          </a:ln>
-          <a:effectLst/>
-          <a:extLst>
-            <a:ext uri="{909E8E84-426E-40DD-AFC4-6F175D3DCCD1}">
-              <a14:hiddenFill xmlns:a14="http://schemas.microsoft.com/office/drawing/2010/main">
-                <a:solidFill>
-                  <a:schemeClr val="accent1"/>
-                </a:solidFill>
-              </a14:hiddenFill>
-            </a:ext>
-            <a:ext uri="{91240B29-F687-4F45-9708-019B960494DF}">
-              <a14:hiddenLine xmlns:a14="http://schemas.microsoft.com/office/drawing/2010/main" w="9525">
-                <a:solidFill>
-                  <a:schemeClr val="tx1"/>
-                </a:solidFill>
-                <a:miter lim="800000"/>
-                <a:headEnd/>
-                <a:tailEnd/>
-              </a14:hiddenLine>
-            </a:ext>
-            <a:ext uri="{AF507438-7753-43E0-B8FC-AC1667EBCBE1}">
-              <a14:hiddenEffects xmlns:a14="http://schemas.microsoft.com/office/drawing/2010/main">
-                <a:effectLst>
-                  <a:outerShdw dist="35921" dir="2700000" algn="ctr" rotWithShape="0">
-                    <a:schemeClr val="bg2"/>
-                  </a:outerShdw>
-                </a:effectLst>
-              </a14:hiddenEffects>
-            </a:ext>
-          </a:extLst>
         </p:spPr>
       </p:pic>
       <p:pic>
         <p:nvPicPr>
-          <p:cNvPr id="10" name="PPTLabsMagnifyAreaGroup201506181744130398"/>
+          <p:cNvPr id="11" name="PPTLabsMagnifyAreaGroup201705111432295971"/>
           <p:cNvPicPr>
-            <a:picLocks noChangeArrowheads="1"/>
+            <a:picLocks/>
           </p:cNvPicPr>
           <p:nvPr/>
         </p:nvPicPr>
         <p:blipFill>
-          <a:blip r:embed="rId3">
-            <a:extLst>
-              <a:ext uri="{28A0092B-C50C-407E-A947-70E740481C1C}">
-                <a14:useLocalDpi xmlns:a14="http://schemas.microsoft.com/office/drawing/2010/main" val="0"/>
-              </a:ext>
-            </a:extLst>
-          </a:blip>
-          <a:srcRect/>
+          <a:blip r:embed="rId3"/>
           <a:stretch>
             <a:fillRect/>
           </a:stretch>
         </p:blipFill>
-        <p:spPr bwMode="auto">
+        <p:spPr>
           <a:xfrm>
             <a:off x="-3193792" y="-2040575"/>
             <a:ext cx="25550360" cy="19162770"/>
@@ -31771,44 +29812,11 @@
           <a:prstGeom prst="rect">
             <a:avLst/>
           </a:prstGeom>
-          <a:noFill/>
-          <a:ln>
-            <a:noFill/>
-          </a:ln>
-          <a:effectLst/>
-          <a:extLst>
-            <a:ext uri="{909E8E84-426E-40DD-AFC4-6F175D3DCCD1}">
-              <a14:hiddenFill xmlns:a14="http://schemas.microsoft.com/office/drawing/2010/main">
-                <a:solidFill>
-                  <a:schemeClr val="accent1"/>
-                </a:solidFill>
-              </a14:hiddenFill>
-            </a:ext>
-            <a:ext uri="{91240B29-F687-4F45-9708-019B960494DF}">
-              <a14:hiddenLine xmlns:a14="http://schemas.microsoft.com/office/drawing/2010/main" w="9525">
-                <a:solidFill>
-                  <a:schemeClr val="tx1"/>
-                </a:solidFill>
-                <a:miter lim="800000"/>
-                <a:headEnd/>
-                <a:tailEnd/>
-              </a14:hiddenLine>
-            </a:ext>
-            <a:ext uri="{AF507438-7753-43E0-B8FC-AC1667EBCBE1}">
-              <a14:hiddenEffects xmlns:a14="http://schemas.microsoft.com/office/drawing/2010/main">
-                <a:effectLst>
-                  <a:outerShdw dist="35921" dir="2700000" algn="ctr" rotWithShape="0">
-                    <a:schemeClr val="bg2"/>
-                  </a:outerShdw>
-                </a:effectLst>
-              </a14:hiddenEffects>
-            </a:ext>
-          </a:extLst>
         </p:spPr>
       </p:pic>
       <p:pic>
         <p:nvPicPr>
-          <p:cNvPr id="2" name="PPTIndicator201506181744131068"/>
+          <p:cNvPr id="2" name="PPTIndicator201705111432296980"/>
           <p:cNvPicPr>
             <a:picLocks/>
           </p:cNvPicPr>
@@ -31839,18 +29847,18 @@
     </p:spTree>
     <p:extLst>
       <p:ext uri="{BB962C8B-B14F-4D97-AF65-F5344CB8AC3E}">
-        <p14:creationId xmlns:p14="http://schemas.microsoft.com/office/powerpoint/2010/main" val="1563527924"/>
+        <p14:creationId xmlns:p14="http://schemas.microsoft.com/office/powerpoint/2010/main" val="767327699"/>
       </p:ext>
     </p:extLst>
   </p:cSld>
   <p:clrMapOvr>
     <a:masterClrMapping/>
   </p:clrMapOvr>
-  <mc:AlternateContent xmlns:mc="http://schemas.openxmlformats.org/markup-compatibility/2006" xmlns:p14="http://schemas.microsoft.com/office/powerpoint/2010/main">
-    <mc:Choice Requires="p14">
+  <mc:AlternateContent xmlns:mc="http://schemas.openxmlformats.org/markup-compatibility/2006">
+    <mc:Choice xmlns:p14="http://schemas.microsoft.com/office/powerpoint/2010/main" Requires="p14">
       <p:transition spd="slow" p14:dur="2000"/>
     </mc:Choice>
-    <mc:Fallback xmlns="">
+    <mc:Fallback>
       <p:transition spd="slow"/>
     </mc:Fallback>
   </mc:AlternateContent>
@@ -31941,7 +29949,7 @@
                                       <p:cBhvr>
                                         <p:cTn id="10" dur="1" fill="hold"/>
                                         <p:tgtEl>
-                                          <p:spTgt spid="1026"/>
+                                          <p:spTgt spid="5"/>
                                         </p:tgtEl>
                                         <p:attrNameLst>
                                           <p:attrName>ppt_x</p:attrName>
@@ -31962,7 +29970,7 @@
                                       <p:cBhvr>
                                         <p:cTn id="12" dur="1" fill="hold"/>
                                         <p:tgtEl>
-                                          <p:spTgt spid="1026"/>
+                                          <p:spTgt spid="5"/>
                                         </p:tgtEl>
                                       </p:cBhvr>
                                       <p:by x="279422" y="279422"/>
@@ -31980,7 +29988,7 @@
                                       <p:cBhvr>
                                         <p:cTn id="14" dur="10"/>
                                         <p:tgtEl>
-                                          <p:spTgt spid="10"/>
+                                          <p:spTgt spid="11"/>
                                         </p:tgtEl>
                                       </p:cBhvr>
                                     </p:animEffect>
@@ -31992,7 +30000,7 @@
                                           </p:stCondLst>
                                         </p:cTn>
                                         <p:tgtEl>
-                                          <p:spTgt spid="10"/>
+                                          <p:spTgt spid="11"/>
                                         </p:tgtEl>
                                         <p:attrNameLst>
                                           <p:attrName>style.visibility</p:attrName>
@@ -32015,7 +30023,7 @@
                                       <p:cBhvr>
                                         <p:cTn id="17" dur="400" fill="hold"/>
                                         <p:tgtEl>
-                                          <p:spTgt spid="1026"/>
+                                          <p:spTgt spid="5"/>
                                         </p:tgtEl>
                                         <p:attrNameLst>
                                           <p:attrName>ppt_x</p:attrName>
@@ -32036,7 +30044,7 @@
                                       <p:cBhvr>
                                         <p:cTn id="19" dur="400" fill="hold"/>
                                         <p:tgtEl>
-                                          <p:spTgt spid="1026"/>
+                                          <p:spTgt spid="5"/>
                                         </p:tgtEl>
                                       </p:cBhvr>
                                       <p:by x="35788" y="35788"/>
@@ -32090,7 +30098,7 @@
                                       <p:cBhvr>
                                         <p:cTn id="24" dur="10"/>
                                         <p:tgtEl>
-                                          <p:spTgt spid="1026"/>
+                                          <p:spTgt spid="5"/>
                                         </p:tgtEl>
                                       </p:cBhvr>
                                     </p:animEffect>
@@ -32102,7 +30110,7 @@
                                           </p:stCondLst>
                                         </p:cTn>
                                         <p:tgtEl>
-                                          <p:spTgt spid="1026"/>
+                                          <p:spTgt spid="5"/>
                                         </p:tgtEl>
                                         <p:attrNameLst>
                                           <p:attrName>style.visibility</p:attrName>

--- a/doc/test/ZoomToArea.pptx
+++ b/doc/test/ZoomToArea.pptx
@@ -11,46 +11,46 @@
     <p:sldId id="256" r:id="rId5"/>
     <p:sldId id="320" r:id="rId6"/>
     <p:sldId id="321" r:id="rId7"/>
-    <p:sldId id="377" r:id="rId8"/>
-    <p:sldId id="378" r:id="rId9"/>
-    <p:sldId id="379" r:id="rId10"/>
-    <p:sldId id="380" r:id="rId11"/>
+    <p:sldId id="300" r:id="rId8"/>
+    <p:sldId id="301" r:id="rId9"/>
+    <p:sldId id="302" r:id="rId10"/>
+    <p:sldId id="303" r:id="rId11"/>
     <p:sldId id="292" r:id="rId12"/>
     <p:sldId id="293" r:id="rId13"/>
-    <p:sldId id="375" r:id="rId14"/>
-    <p:sldId id="376" r:id="rId15"/>
+    <p:sldId id="343" r:id="rId14"/>
+    <p:sldId id="344" r:id="rId15"/>
     <p:sldId id="296" r:id="rId16"/>
-    <p:sldId id="374" r:id="rId17"/>
-    <p:sldId id="297" r:id="rId18"/>
-    <p:sldId id="362" r:id="rId19"/>
-    <p:sldId id="363" r:id="rId20"/>
-    <p:sldId id="366" r:id="rId21"/>
-    <p:sldId id="365" r:id="rId22"/>
-    <p:sldId id="369" r:id="rId23"/>
-    <p:sldId id="368" r:id="rId24"/>
-    <p:sldId id="372" r:id="rId25"/>
-    <p:sldId id="371" r:id="rId26"/>
-    <p:sldId id="373" r:id="rId27"/>
+    <p:sldId id="297" r:id="rId17"/>
+    <p:sldId id="305" r:id="rId18"/>
+    <p:sldId id="306" r:id="rId19"/>
+    <p:sldId id="307" r:id="rId20"/>
+    <p:sldId id="310" r:id="rId21"/>
+    <p:sldId id="309" r:id="rId22"/>
+    <p:sldId id="313" r:id="rId23"/>
+    <p:sldId id="312" r:id="rId24"/>
+    <p:sldId id="316" r:id="rId25"/>
+    <p:sldId id="315" r:id="rId26"/>
+    <p:sldId id="317" r:id="rId27"/>
     <p:sldId id="318" r:id="rId28"/>
     <p:sldId id="319" r:id="rId29"/>
-    <p:sldId id="360" r:id="rId30"/>
-    <p:sldId id="361" r:id="rId31"/>
+    <p:sldId id="326" r:id="rId30"/>
+    <p:sldId id="342" r:id="rId31"/>
     <p:sldId id="324" r:id="rId32"/>
     <p:sldId id="325" r:id="rId33"/>
-    <p:sldId id="347" r:id="rId34"/>
-    <p:sldId id="348" r:id="rId35"/>
-    <p:sldId id="349" r:id="rId36"/>
-    <p:sldId id="352" r:id="rId37"/>
-    <p:sldId id="351" r:id="rId38"/>
-    <p:sldId id="355" r:id="rId39"/>
-    <p:sldId id="354" r:id="rId40"/>
-    <p:sldId id="358" r:id="rId41"/>
-    <p:sldId id="357" r:id="rId42"/>
-    <p:sldId id="359" r:id="rId43"/>
+    <p:sldId id="327" r:id="rId34"/>
+    <p:sldId id="330" r:id="rId35"/>
+    <p:sldId id="331" r:id="rId36"/>
+    <p:sldId id="334" r:id="rId37"/>
+    <p:sldId id="333" r:id="rId38"/>
+    <p:sldId id="337" r:id="rId39"/>
+    <p:sldId id="336" r:id="rId40"/>
+    <p:sldId id="340" r:id="rId41"/>
+    <p:sldId id="339" r:id="rId42"/>
+    <p:sldId id="341" r:id="rId43"/>
     <p:sldId id="322" r:id="rId44"/>
     <p:sldId id="323" r:id="rId45"/>
-    <p:sldId id="345" r:id="rId46"/>
-    <p:sldId id="346" r:id="rId47"/>
+    <p:sldId id="328" r:id="rId46"/>
+    <p:sldId id="329" r:id="rId47"/>
     <p:sldId id="304" r:id="rId48"/>
   </p:sldIdLst>
   <p:sldSz cx="9144000" cy="6858000" type="screen4x3"/>
@@ -163,53 +163,53 @@
             <p14:sldId id="256"/>
             <p14:sldId id="320"/>
             <p14:sldId id="321"/>
-            <p14:sldId id="377"/>
-            <p14:sldId id="378"/>
-            <p14:sldId id="379"/>
-            <p14:sldId id="380"/>
+            <p14:sldId id="300"/>
+            <p14:sldId id="301"/>
+            <p14:sldId id="302"/>
+            <p14:sldId id="303"/>
             <p14:sldId id="292"/>
             <p14:sldId id="293"/>
-            <p14:sldId id="375"/>
-            <p14:sldId id="376"/>
+            <p14:sldId id="343"/>
+            <p14:sldId id="344"/>
             <p14:sldId id="296"/>
-            <p14:sldId id="374"/>
             <p14:sldId id="297"/>
-            <p14:sldId id="362"/>
-            <p14:sldId id="363"/>
-            <p14:sldId id="366"/>
-            <p14:sldId id="365"/>
-            <p14:sldId id="369"/>
-            <p14:sldId id="368"/>
-            <p14:sldId id="372"/>
-            <p14:sldId id="371"/>
-            <p14:sldId id="373"/>
+            <p14:sldId id="305"/>
+            <p14:sldId id="306"/>
+            <p14:sldId id="307"/>
+            <p14:sldId id="310"/>
+            <p14:sldId id="309"/>
+            <p14:sldId id="313"/>
+            <p14:sldId id="312"/>
+            <p14:sldId id="316"/>
+            <p14:sldId id="315"/>
+            <p14:sldId id="317"/>
             <p14:sldId id="318"/>
             <p14:sldId id="319"/>
-            <p14:sldId id="360"/>
-            <p14:sldId id="361"/>
+            <p14:sldId id="326"/>
+            <p14:sldId id="342"/>
             <p14:sldId id="324"/>
             <p14:sldId id="325"/>
-            <p14:sldId id="347"/>
-            <p14:sldId id="348"/>
-            <p14:sldId id="349"/>
-            <p14:sldId id="352"/>
-            <p14:sldId id="351"/>
-            <p14:sldId id="355"/>
-            <p14:sldId id="354"/>
-            <p14:sldId id="358"/>
-            <p14:sldId id="357"/>
-            <p14:sldId id="359"/>
+            <p14:sldId id="327"/>
+            <p14:sldId id="330"/>
+            <p14:sldId id="331"/>
+            <p14:sldId id="334"/>
+            <p14:sldId id="333"/>
+            <p14:sldId id="337"/>
+            <p14:sldId id="336"/>
+            <p14:sldId id="340"/>
+            <p14:sldId id="339"/>
+            <p14:sldId id="341"/>
             <p14:sldId id="322"/>
             <p14:sldId id="323"/>
-            <p14:sldId id="345"/>
-            <p14:sldId id="346"/>
+            <p14:sldId id="328"/>
+            <p14:sldId id="329"/>
             <p14:sldId id="304"/>
           </p14:sldIdLst>
         </p14:section>
       </p14:sectionLst>
     </p:ext>
     <p:ext uri="{EFAFB233-063F-42B5-8137-9DF3F51BA10A}">
-      <p15:sldGuideLst xmlns:p15="http://schemas.microsoft.com/office/powerpoint/2012/main">
+      <p15:sldGuideLst xmlns:p15="http://schemas.microsoft.com/office/powerpoint/2012/main" xmlns="">
         <p15:guide id="1" orient="horz" pos="2160">
           <p15:clr>
             <a:srgbClr val="A4A3A4"/>
@@ -407,7 +407,7 @@
           <a:p>
             <a:fld id="{699DC775-C286-4358-8C92-D7E584E969B3}" type="datetimeFigureOut">
               <a:rPr lang="en-US" smtClean="0"/>
-              <a:t>5/11/2017</a:t>
+              <a:t>26-Jun-15</a:t>
             </a:fld>
             <a:endParaRPr lang="en-US"/>
           </a:p>
@@ -577,7 +577,7 @@
           <a:p>
             <a:fld id="{699DC775-C286-4358-8C92-D7E584E969B3}" type="datetimeFigureOut">
               <a:rPr lang="en-US" smtClean="0"/>
-              <a:t>5/11/2017</a:t>
+              <a:t>26-Jun-15</a:t>
             </a:fld>
             <a:endParaRPr lang="en-US"/>
           </a:p>
@@ -757,7 +757,7 @@
           <a:p>
             <a:fld id="{699DC775-C286-4358-8C92-D7E584E969B3}" type="datetimeFigureOut">
               <a:rPr lang="en-US" smtClean="0"/>
-              <a:t>5/11/2017</a:t>
+              <a:t>26-Jun-15</a:t>
             </a:fld>
             <a:endParaRPr lang="en-US"/>
           </a:p>
@@ -999,7 +999,7 @@
           <a:p>
             <a:fld id="{699DC775-C286-4358-8C92-D7E584E969B3}" type="datetimeFigureOut">
               <a:rPr lang="en-US" smtClean="0"/>
-              <a:t>5/11/2017</a:t>
+              <a:t>26-Jun-15</a:t>
             </a:fld>
             <a:endParaRPr lang="en-US"/>
           </a:p>
@@ -1169,7 +1169,7 @@
           <a:p>
             <a:fld id="{699DC775-C286-4358-8C92-D7E584E969B3}" type="datetimeFigureOut">
               <a:rPr lang="en-US" smtClean="0"/>
-              <a:t>5/11/2017</a:t>
+              <a:t>26-Jun-15</a:t>
             </a:fld>
             <a:endParaRPr lang="en-US"/>
           </a:p>
@@ -1415,7 +1415,7 @@
           <a:p>
             <a:fld id="{699DC775-C286-4358-8C92-D7E584E969B3}" type="datetimeFigureOut">
               <a:rPr lang="en-US" smtClean="0"/>
-              <a:t>5/11/2017</a:t>
+              <a:t>26-Jun-15</a:t>
             </a:fld>
             <a:endParaRPr lang="en-US"/>
           </a:p>
@@ -1703,7 +1703,7 @@
           <a:p>
             <a:fld id="{699DC775-C286-4358-8C92-D7E584E969B3}" type="datetimeFigureOut">
               <a:rPr lang="en-US" smtClean="0"/>
-              <a:t>5/11/2017</a:t>
+              <a:t>26-Jun-15</a:t>
             </a:fld>
             <a:endParaRPr lang="en-US"/>
           </a:p>
@@ -2125,7 +2125,7 @@
           <a:p>
             <a:fld id="{699DC775-C286-4358-8C92-D7E584E969B3}" type="datetimeFigureOut">
               <a:rPr lang="en-US" smtClean="0"/>
-              <a:t>5/11/2017</a:t>
+              <a:t>26-Jun-15</a:t>
             </a:fld>
             <a:endParaRPr lang="en-US"/>
           </a:p>
@@ -2243,7 +2243,7 @@
           <a:p>
             <a:fld id="{699DC775-C286-4358-8C92-D7E584E969B3}" type="datetimeFigureOut">
               <a:rPr lang="en-US" smtClean="0"/>
-              <a:t>5/11/2017</a:t>
+              <a:t>26-Jun-15</a:t>
             </a:fld>
             <a:endParaRPr lang="en-US"/>
           </a:p>
@@ -2338,7 +2338,7 @@
           <a:p>
             <a:fld id="{699DC775-C286-4358-8C92-D7E584E969B3}" type="datetimeFigureOut">
               <a:rPr lang="en-US" smtClean="0"/>
-              <a:t>5/11/2017</a:t>
+              <a:t>26-Jun-15</a:t>
             </a:fld>
             <a:endParaRPr lang="en-US"/>
           </a:p>
@@ -2615,7 +2615,7 @@
           <a:p>
             <a:fld id="{699DC775-C286-4358-8C92-D7E584E969B3}" type="datetimeFigureOut">
               <a:rPr lang="en-US" smtClean="0"/>
-              <a:t>5/11/2017</a:t>
+              <a:t>26-Jun-15</a:t>
             </a:fld>
             <a:endParaRPr lang="en-US"/>
           </a:p>
@@ -2785,7 +2785,7 @@
           <a:p>
             <a:fld id="{699DC775-C286-4358-8C92-D7E584E969B3}" type="datetimeFigureOut">
               <a:rPr lang="en-US" smtClean="0"/>
-              <a:t>5/11/2017</a:t>
+              <a:t>26-Jun-15</a:t>
             </a:fld>
             <a:endParaRPr lang="en-US"/>
           </a:p>
@@ -3038,7 +3038,7 @@
           <a:p>
             <a:fld id="{699DC775-C286-4358-8C92-D7E584E969B3}" type="datetimeFigureOut">
               <a:rPr lang="en-US" smtClean="0"/>
-              <a:t>5/11/2017</a:t>
+              <a:t>26-Jun-15</a:t>
             </a:fld>
             <a:endParaRPr lang="en-US"/>
           </a:p>
@@ -3208,7 +3208,7 @@
           <a:p>
             <a:fld id="{699DC775-C286-4358-8C92-D7E584E969B3}" type="datetimeFigureOut">
               <a:rPr lang="en-US" smtClean="0"/>
-              <a:t>5/11/2017</a:t>
+              <a:t>26-Jun-15</a:t>
             </a:fld>
             <a:endParaRPr lang="en-US"/>
           </a:p>
@@ -3388,7 +3388,7 @@
           <a:p>
             <a:fld id="{699DC775-C286-4358-8C92-D7E584E969B3}" type="datetimeFigureOut">
               <a:rPr lang="en-US" smtClean="0"/>
-              <a:t>5/11/2017</a:t>
+              <a:t>26-Jun-15</a:t>
             </a:fld>
             <a:endParaRPr lang="en-US"/>
           </a:p>
@@ -3638,7 +3638,7 @@
           <a:p>
             <a:fld id="{699DC775-C286-4358-8C92-D7E584E969B3}" type="datetimeFigureOut">
               <a:rPr lang="en-US" smtClean="0"/>
-              <a:t>5/11/2017</a:t>
+              <a:t>26-Jun-15</a:t>
             </a:fld>
             <a:endParaRPr lang="en-US"/>
           </a:p>
@@ -3816,7 +3816,7 @@
           <a:p>
             <a:fld id="{699DC775-C286-4358-8C92-D7E584E969B3}" type="datetimeFigureOut">
               <a:rPr lang="en-US" smtClean="0"/>
-              <a:t>5/11/2017</a:t>
+              <a:t>26-Jun-15</a:t>
             </a:fld>
             <a:endParaRPr lang="en-US"/>
           </a:p>
@@ -4070,7 +4070,7 @@
           <a:p>
             <a:fld id="{699DC775-C286-4358-8C92-D7E584E969B3}" type="datetimeFigureOut">
               <a:rPr lang="en-US" smtClean="0"/>
-              <a:t>5/11/2017</a:t>
+              <a:t>26-Jun-15</a:t>
             </a:fld>
             <a:endParaRPr lang="en-US"/>
           </a:p>
@@ -4366,7 +4366,7 @@
           <a:p>
             <a:fld id="{699DC775-C286-4358-8C92-D7E584E969B3}" type="datetimeFigureOut">
               <a:rPr lang="en-US" smtClean="0"/>
-              <a:t>5/11/2017</a:t>
+              <a:t>26-Jun-15</a:t>
             </a:fld>
             <a:endParaRPr lang="en-US"/>
           </a:p>
@@ -4796,7 +4796,7 @@
           <a:p>
             <a:fld id="{699DC775-C286-4358-8C92-D7E584E969B3}" type="datetimeFigureOut">
               <a:rPr lang="en-US" smtClean="0"/>
-              <a:t>5/11/2017</a:t>
+              <a:t>26-Jun-15</a:t>
             </a:fld>
             <a:endParaRPr lang="en-US"/>
           </a:p>
@@ -4922,7 +4922,7 @@
           <a:p>
             <a:fld id="{699DC775-C286-4358-8C92-D7E584E969B3}" type="datetimeFigureOut">
               <a:rPr lang="en-US" smtClean="0"/>
-              <a:t>5/11/2017</a:t>
+              <a:t>26-Jun-15</a:t>
             </a:fld>
             <a:endParaRPr lang="en-US"/>
           </a:p>
@@ -5025,7 +5025,7 @@
           <a:p>
             <a:fld id="{699DC775-C286-4358-8C92-D7E584E969B3}" type="datetimeFigureOut">
               <a:rPr lang="en-US" smtClean="0"/>
-              <a:t>5/11/2017</a:t>
+              <a:t>26-Jun-15</a:t>
             </a:fld>
             <a:endParaRPr lang="en-US"/>
           </a:p>
@@ -5271,7 +5271,7 @@
           <a:p>
             <a:fld id="{699DC775-C286-4358-8C92-D7E584E969B3}" type="datetimeFigureOut">
               <a:rPr lang="en-US" smtClean="0"/>
-              <a:t>5/11/2017</a:t>
+              <a:t>26-Jun-15</a:t>
             </a:fld>
             <a:endParaRPr lang="en-US"/>
           </a:p>
@@ -5556,7 +5556,7 @@
           <a:p>
             <a:fld id="{699DC775-C286-4358-8C92-D7E584E969B3}" type="datetimeFigureOut">
               <a:rPr lang="en-US" smtClean="0"/>
-              <a:t>5/11/2017</a:t>
+              <a:t>26-Jun-15</a:t>
             </a:fld>
             <a:endParaRPr lang="en-US"/>
           </a:p>
@@ -5817,7 +5817,7 @@
           <a:p>
             <a:fld id="{699DC775-C286-4358-8C92-D7E584E969B3}" type="datetimeFigureOut">
               <a:rPr lang="en-US" smtClean="0"/>
-              <a:t>5/11/2017</a:t>
+              <a:t>26-Jun-15</a:t>
             </a:fld>
             <a:endParaRPr lang="en-US"/>
           </a:p>
@@ -5995,7 +5995,7 @@
           <a:p>
             <a:fld id="{699DC775-C286-4358-8C92-D7E584E969B3}" type="datetimeFigureOut">
               <a:rPr lang="en-US" smtClean="0"/>
-              <a:t>5/11/2017</a:t>
+              <a:t>26-Jun-15</a:t>
             </a:fld>
             <a:endParaRPr lang="en-US"/>
           </a:p>
@@ -6183,7 +6183,7 @@
           <a:p>
             <a:fld id="{699DC775-C286-4358-8C92-D7E584E969B3}" type="datetimeFigureOut">
               <a:rPr lang="en-US" smtClean="0"/>
-              <a:t>5/11/2017</a:t>
+              <a:t>26-Jun-15</a:t>
             </a:fld>
             <a:endParaRPr lang="en-US"/>
           </a:p>
@@ -6471,7 +6471,7 @@
           <a:p>
             <a:fld id="{699DC775-C286-4358-8C92-D7E584E969B3}" type="datetimeFigureOut">
               <a:rPr lang="en-US" smtClean="0"/>
-              <a:t>5/11/2017</a:t>
+              <a:t>26-Jun-15</a:t>
             </a:fld>
             <a:endParaRPr lang="en-US"/>
           </a:p>
@@ -6893,7 +6893,7 @@
           <a:p>
             <a:fld id="{699DC775-C286-4358-8C92-D7E584E969B3}" type="datetimeFigureOut">
               <a:rPr lang="en-US" smtClean="0"/>
-              <a:t>5/11/2017</a:t>
+              <a:t>26-Jun-15</a:t>
             </a:fld>
             <a:endParaRPr lang="en-US"/>
           </a:p>
@@ -7011,7 +7011,7 @@
           <a:p>
             <a:fld id="{699DC775-C286-4358-8C92-D7E584E969B3}" type="datetimeFigureOut">
               <a:rPr lang="en-US" smtClean="0"/>
-              <a:t>5/11/2017</a:t>
+              <a:t>26-Jun-15</a:t>
             </a:fld>
             <a:endParaRPr lang="en-US"/>
           </a:p>
@@ -7106,7 +7106,7 @@
           <a:p>
             <a:fld id="{699DC775-C286-4358-8C92-D7E584E969B3}" type="datetimeFigureOut">
               <a:rPr lang="en-US" smtClean="0"/>
-              <a:t>5/11/2017</a:t>
+              <a:t>26-Jun-15</a:t>
             </a:fld>
             <a:endParaRPr lang="en-US"/>
           </a:p>
@@ -7383,7 +7383,7 @@
           <a:p>
             <a:fld id="{699DC775-C286-4358-8C92-D7E584E969B3}" type="datetimeFigureOut">
               <a:rPr lang="en-US" smtClean="0"/>
-              <a:t>5/11/2017</a:t>
+              <a:t>26-Jun-15</a:t>
             </a:fld>
             <a:endParaRPr lang="en-US"/>
           </a:p>
@@ -7636,7 +7636,7 @@
           <a:p>
             <a:fld id="{699DC775-C286-4358-8C92-D7E584E969B3}" type="datetimeFigureOut">
               <a:rPr lang="en-US" smtClean="0"/>
-              <a:t>5/11/2017</a:t>
+              <a:t>26-Jun-15</a:t>
             </a:fld>
             <a:endParaRPr lang="en-US"/>
           </a:p>
@@ -7849,7 +7849,7 @@
           <a:p>
             <a:fld id="{699DC775-C286-4358-8C92-D7E584E969B3}" type="datetimeFigureOut">
               <a:rPr lang="en-US" smtClean="0"/>
-              <a:t>5/11/2017</a:t>
+              <a:t>26-Jun-15</a:t>
             </a:fld>
             <a:endParaRPr lang="en-US"/>
           </a:p>
@@ -8364,7 +8364,7 @@
           <a:p>
             <a:fld id="{699DC775-C286-4358-8C92-D7E584E969B3}" type="datetimeFigureOut">
               <a:rPr lang="en-US" smtClean="0"/>
-              <a:t>5/11/2017</a:t>
+              <a:t>26-Jun-15</a:t>
             </a:fld>
             <a:endParaRPr lang="en-US"/>
           </a:p>
@@ -8877,7 +8877,7 @@
           <a:p>
             <a:fld id="{699DC775-C286-4358-8C92-D7E584E969B3}" type="datetimeFigureOut">
               <a:rPr lang="en-US" smtClean="0"/>
-              <a:t>5/11/2017</a:t>
+              <a:t>26-Jun-15</a:t>
             </a:fld>
             <a:endParaRPr lang="en-US"/>
           </a:p>
@@ -9748,7 +9748,7 @@
 
 <file path=ppt/slides/slide11.xml><?xml version="1.0" encoding="utf-8"?>
 <p:sld xmlns:a="http://schemas.openxmlformats.org/drawingml/2006/main" xmlns:r="http://schemas.openxmlformats.org/officeDocument/2006/relationships" xmlns:p="http://schemas.openxmlformats.org/presentationml/2006/main">
-  <p:cSld name="PPTLabsZoomToAreaSlide201705111431580867">
+  <p:cSld name="PPTLabsZoomToAreaSlide201506261604350671">
     <p:bg>
       <p:bgPr>
         <a:solidFill>
@@ -9819,87 +9819,7 @@
       </p:pic>
       <p:sp>
         <p:nvSpPr>
-          <p:cNvPr id="6" name="Oval 1" hidden="1"/>
-          <p:cNvSpPr/>
-          <p:nvPr/>
-        </p:nvSpPr>
-        <p:spPr>
-          <a:xfrm>
-            <a:off x="302733" y="3184634"/>
-            <a:ext cx="4953000" cy="3505200"/>
-          </a:xfrm>
-          <a:prstGeom prst="ellipse">
-            <a:avLst/>
-          </a:prstGeom>
-        </p:spPr>
-        <p:style>
-          <a:lnRef idx="2">
-            <a:schemeClr val="accent1">
-              <a:shade val="50000"/>
-            </a:schemeClr>
-          </a:lnRef>
-          <a:fillRef idx="1">
-            <a:schemeClr val="accent1"/>
-          </a:fillRef>
-          <a:effectRef idx="0">
-            <a:schemeClr val="accent1"/>
-          </a:effectRef>
-          <a:fontRef idx="minor">
-            <a:schemeClr val="lt1"/>
-          </a:fontRef>
-        </p:style>
-        <p:txBody>
-          <a:bodyPr rtlCol="0" anchor="ctr"/>
-          <a:lstStyle/>
-          <a:p>
-            <a:pPr algn="ctr"/>
-            <a:endParaRPr lang="en-US"/>
-          </a:p>
-        </p:txBody>
-      </p:sp>
-      <p:sp>
-        <p:nvSpPr>
-          <p:cNvPr id="7" name="Oval 5" hidden="1"/>
-          <p:cNvSpPr/>
-          <p:nvPr/>
-        </p:nvSpPr>
-        <p:spPr>
-          <a:xfrm>
-            <a:off x="3962400" y="381000"/>
-            <a:ext cx="4953000" cy="3505200"/>
-          </a:xfrm>
-          <a:prstGeom prst="ellipse">
-            <a:avLst/>
-          </a:prstGeom>
-        </p:spPr>
-        <p:style>
-          <a:lnRef idx="2">
-            <a:schemeClr val="accent1">
-              <a:shade val="50000"/>
-            </a:schemeClr>
-          </a:lnRef>
-          <a:fillRef idx="1">
-            <a:schemeClr val="accent1"/>
-          </a:fillRef>
-          <a:effectRef idx="0">
-            <a:schemeClr val="accent1"/>
-          </a:effectRef>
-          <a:fontRef idx="minor">
-            <a:schemeClr val="lt1"/>
-          </a:fontRef>
-        </p:style>
-        <p:txBody>
-          <a:bodyPr rtlCol="0" anchor="ctr"/>
-          <a:lstStyle/>
-          <a:p>
-            <a:pPr algn="ctr"/>
-            <a:endParaRPr lang="en-US"/>
-          </a:p>
-        </p:txBody>
-      </p:sp>
-      <p:sp>
-        <p:nvSpPr>
-          <p:cNvPr id="2" name="PPTLabsMagnifyShape201705111431580947"/>
+          <p:cNvPr id="2" name="PPTLabsMagnifyShape201506261604350711"/>
           <p:cNvSpPr/>
           <p:nvPr/>
         </p:nvSpPr>
@@ -9964,7 +9884,7 @@
     </p:spTree>
     <p:extLst>
       <p:ext uri="{BB962C8B-B14F-4D97-AF65-F5344CB8AC3E}">
-        <p14:creationId xmlns:p14="http://schemas.microsoft.com/office/powerpoint/2010/main" val="3935905690"/>
+        <p14:creationId xmlns:p14="http://schemas.microsoft.com/office/powerpoint/2010/main" val="893296094"/>
       </p:ext>
     </p:extLst>
   </p:cSld>
@@ -10093,7 +10013,7 @@
 
 <file path=ppt/slides/slide12.xml><?xml version="1.0" encoding="utf-8"?>
 <p:sld xmlns:a="http://schemas.openxmlformats.org/drawingml/2006/main" xmlns:r="http://schemas.openxmlformats.org/officeDocument/2006/relationships" xmlns:p="http://schemas.openxmlformats.org/presentationml/2006/main">
-  <p:cSld name="PPTLabsMagnifyingSlide201705111431581228">
+  <p:cSld name="PPTLabsMagnifyingSlide201506261604350881">
     <p:bg>
       <p:bgPr>
         <a:solidFill>
@@ -10118,7 +10038,7 @@
       </p:grpSpPr>
       <p:pic>
         <p:nvPicPr>
-          <p:cNvPr id="12" name="Picture 3" descr="File:AmineTreating.png"/>
+          <p:cNvPr id="10" name="Picture 3" descr="File:AmineTreating.png"/>
           <p:cNvPicPr>
             <a:picLocks noChangeAspect="1" noChangeArrowheads="1"/>
           </p:cNvPicPr>
@@ -10164,52 +10084,130 @@
       </p:pic>
       <p:pic>
         <p:nvPicPr>
-          <p:cNvPr id="13" name="PPTLabsMagnifyAreaGroup201705111431584090"/>
+          <p:cNvPr id="11" name="PPTLabsMagnifyAreaGroup201506261604353611"/>
           <p:cNvPicPr>
-            <a:picLocks/>
+            <a:picLocks noChangeArrowheads="1"/>
           </p:cNvPicPr>
           <p:nvPr/>
         </p:nvPicPr>
         <p:blipFill>
-          <a:blip r:embed="rId3"/>
+          <a:blip r:embed="rId3">
+            <a:extLst>
+              <a:ext uri="{28A0092B-C50C-407E-A947-70E740481C1C}">
+                <a14:useLocalDpi xmlns:a14="http://schemas.microsoft.com/office/drawing/2010/main" val="0"/>
+              </a:ext>
+            </a:extLst>
+          </a:blip>
           <a:srcRect l="12499" t="10648" r="51707" b="53559"/>
           <a:stretch>
             <a:fillRect/>
           </a:stretch>
         </p:blipFill>
-        <p:spPr>
+        <p:spPr bwMode="auto">
           <a:xfrm>
-            <a:off x="0" y="11"/>
-            <a:ext cx="9144000" cy="6857978"/>
+            <a:off x="0" y="10"/>
+            <a:ext cx="9144000" cy="6857981"/>
           </a:xfrm>
           <a:prstGeom prst="rect">
             <a:avLst/>
           </a:prstGeom>
+          <a:noFill/>
+          <a:ln>
+            <a:noFill/>
+          </a:ln>
+          <a:effectLst/>
+          <a:extLst>
+            <a:ext uri="{909E8E84-426E-40DD-AFC4-6F175D3DCCD1}">
+              <a14:hiddenFill xmlns:a14="http://schemas.microsoft.com/office/drawing/2010/main">
+                <a:solidFill>
+                  <a:schemeClr val="accent1"/>
+                </a:solidFill>
+              </a14:hiddenFill>
+            </a:ext>
+            <a:ext uri="{91240B29-F687-4F45-9708-019B960494DF}">
+              <a14:hiddenLine xmlns:a14="http://schemas.microsoft.com/office/drawing/2010/main" w="9525">
+                <a:solidFill>
+                  <a:schemeClr val="tx1"/>
+                </a:solidFill>
+                <a:miter lim="800000"/>
+                <a:headEnd/>
+                <a:tailEnd/>
+              </a14:hiddenLine>
+            </a:ext>
+            <a:ext uri="{AF507438-7753-43E0-B8FC-AC1667EBCBE1}">
+              <a14:hiddenEffects xmlns:a14="http://schemas.microsoft.com/office/drawing/2010/main">
+                <a:effectLst>
+                  <a:outerShdw dist="35921" dir="2700000" algn="ctr" rotWithShape="0">
+                    <a:schemeClr val="bg2"/>
+                  </a:outerShdw>
+                </a:effectLst>
+              </a14:hiddenEffects>
+            </a:ext>
+          </a:extLst>
         </p:spPr>
       </p:pic>
       <p:pic>
         <p:nvPicPr>
-          <p:cNvPr id="11" name="PPTLabsMagnifyAreaGroup201705111431584090"/>
+          <p:cNvPr id="9" name="PPTLabsMagnifyAreaGroup201506261604353611"/>
           <p:cNvPicPr>
-            <a:picLocks noChangeAspect="1"/>
+            <a:picLocks noChangeAspect="1" noChangeArrowheads="1"/>
           </p:cNvPicPr>
           <p:nvPr/>
         </p:nvPicPr>
         <p:blipFill>
-          <a:blip r:embed="rId3"/>
+          <a:blip r:embed="rId3">
+            <a:extLst>
+              <a:ext uri="{28A0092B-C50C-407E-A947-70E740481C1C}">
+                <a14:useLocalDpi xmlns:a14="http://schemas.microsoft.com/office/drawing/2010/main" val="0"/>
+              </a:ext>
+            </a:extLst>
+          </a:blip>
           <a:srcRect/>
           <a:stretch>
             <a:fillRect/>
           </a:stretch>
         </p:blipFill>
-        <p:spPr>
+        <p:spPr bwMode="auto">
           <a:xfrm>
-            <a:off x="-3193018" y="-2040156"/>
-            <a:ext cx="25546182" cy="19160104"/>
+            <a:off x="-3193018" y="-2040158"/>
+            <a:ext cx="25546182" cy="19160112"/>
           </a:xfrm>
           <a:prstGeom prst="rect">
             <a:avLst/>
           </a:prstGeom>
+          <a:noFill/>
+          <a:ln>
+            <a:noFill/>
+          </a:ln>
+          <a:effectLst/>
+          <a:extLst>
+            <a:ext uri="{909E8E84-426E-40DD-AFC4-6F175D3DCCD1}">
+              <a14:hiddenFill xmlns:a14="http://schemas.microsoft.com/office/drawing/2010/main">
+                <a:solidFill>
+                  <a:schemeClr val="accent1"/>
+                </a:solidFill>
+              </a14:hiddenFill>
+            </a:ext>
+            <a:ext uri="{91240B29-F687-4F45-9708-019B960494DF}">
+              <a14:hiddenLine xmlns:a14="http://schemas.microsoft.com/office/drawing/2010/main" w="9525">
+                <a:solidFill>
+                  <a:schemeClr val="tx1"/>
+                </a:solidFill>
+                <a:miter lim="800000"/>
+                <a:headEnd/>
+                <a:tailEnd/>
+              </a14:hiddenLine>
+            </a:ext>
+            <a:ext uri="{AF507438-7753-43E0-B8FC-AC1667EBCBE1}">
+              <a14:hiddenEffects xmlns:a14="http://schemas.microsoft.com/office/drawing/2010/main">
+                <a:effectLst>
+                  <a:outerShdw dist="35921" dir="2700000" algn="ctr" rotWithShape="0">
+                    <a:schemeClr val="bg2"/>
+                  </a:outerShdw>
+                </a:effectLst>
+              </a14:hiddenEffects>
+            </a:ext>
+          </a:extLst>
         </p:spPr>
       </p:pic>
       <p:pic>
@@ -10260,19 +10258,26 @@
       </p:pic>
       <p:pic>
         <p:nvPicPr>
-          <p:cNvPr id="3" name="PPTLabsMagnifyAreaGroup201705111431584090" hidden="1"/>
+          <p:cNvPr id="13314" name="PPTLabsMagnifyAreaGroup201506261604353611" hidden="1"/>
           <p:cNvPicPr>
-            <a:picLocks/>
+            <a:picLocks noChangeArrowheads="1"/>
           </p:cNvPicPr>
           <p:nvPr/>
         </p:nvPicPr>
         <p:blipFill>
-          <a:blip r:embed="rId3"/>
+          <a:blip r:embed="rId3">
+            <a:extLst>
+              <a:ext uri="{28A0092B-C50C-407E-A947-70E740481C1C}">
+                <a14:useLocalDpi xmlns:a14="http://schemas.microsoft.com/office/drawing/2010/main" val="0"/>
+              </a:ext>
+            </a:extLst>
+          </a:blip>
+          <a:srcRect/>
           <a:stretch>
             <a:fillRect/>
           </a:stretch>
         </p:blipFill>
-        <p:spPr>
+        <p:spPr bwMode="auto">
           <a:xfrm>
             <a:off x="0" y="0"/>
             <a:ext cx="9144000" cy="6858000"/>
@@ -10280,36 +10285,108 @@
           <a:prstGeom prst="rect">
             <a:avLst/>
           </a:prstGeom>
+          <a:noFill/>
+          <a:ln>
+            <a:noFill/>
+          </a:ln>
+          <a:effectLst/>
+          <a:extLst>
+            <a:ext uri="{909E8E84-426E-40DD-AFC4-6F175D3DCCD1}">
+              <a14:hiddenFill xmlns:a14="http://schemas.microsoft.com/office/drawing/2010/main">
+                <a:solidFill>
+                  <a:schemeClr val="accent1"/>
+                </a:solidFill>
+              </a14:hiddenFill>
+            </a:ext>
+            <a:ext uri="{91240B29-F687-4F45-9708-019B960494DF}">
+              <a14:hiddenLine xmlns:a14="http://schemas.microsoft.com/office/drawing/2010/main" w="9525">
+                <a:solidFill>
+                  <a:schemeClr val="tx1"/>
+                </a:solidFill>
+                <a:miter lim="800000"/>
+                <a:headEnd/>
+                <a:tailEnd/>
+              </a14:hiddenLine>
+            </a:ext>
+            <a:ext uri="{AF507438-7753-43E0-B8FC-AC1667EBCBE1}">
+              <a14:hiddenEffects xmlns:a14="http://schemas.microsoft.com/office/drawing/2010/main">
+                <a:effectLst>
+                  <a:outerShdw dist="35921" dir="2700000" algn="ctr" rotWithShape="0">
+                    <a:schemeClr val="bg2"/>
+                  </a:outerShdw>
+                </a:effectLst>
+              </a14:hiddenEffects>
+            </a:ext>
+          </a:extLst>
         </p:spPr>
       </p:pic>
       <p:pic>
         <p:nvPicPr>
-          <p:cNvPr id="9" name="PPTLabsMagnifyAreaSlide201705111431584872"/>
+          <p:cNvPr id="7" name="PPTLabsMagnifyAreaSlide201506261604353851"/>
           <p:cNvPicPr>
-            <a:picLocks/>
+            <a:picLocks noChangeArrowheads="1"/>
           </p:cNvPicPr>
           <p:nvPr/>
         </p:nvPicPr>
         <p:blipFill>
-          <a:blip r:embed="rId3"/>
+          <a:blip r:embed="rId3">
+            <a:extLst>
+              <a:ext uri="{28A0092B-C50C-407E-A947-70E740481C1C}">
+                <a14:useLocalDpi xmlns:a14="http://schemas.microsoft.com/office/drawing/2010/main" val="0"/>
+              </a:ext>
+            </a:extLst>
+          </a:blip>
           <a:srcRect l="12499" t="10648" r="51707" b="53559"/>
           <a:stretch>
             <a:fillRect/>
           </a:stretch>
         </p:blipFill>
-        <p:spPr>
+        <p:spPr bwMode="auto">
           <a:xfrm>
-            <a:off x="1142747" y="730099"/>
-            <a:ext cx="3272973" cy="2454722"/>
+            <a:off x="1142747" y="730098"/>
+            <a:ext cx="3272973" cy="2454723"/>
           </a:xfrm>
           <a:prstGeom prst="rect">
             <a:avLst/>
           </a:prstGeom>
+          <a:noFill/>
+          <a:ln>
+            <a:noFill/>
+          </a:ln>
+          <a:effectLst/>
+          <a:extLst>
+            <a:ext uri="{909E8E84-426E-40DD-AFC4-6F175D3DCCD1}">
+              <a14:hiddenFill xmlns:a14="http://schemas.microsoft.com/office/drawing/2010/main">
+                <a:solidFill>
+                  <a:schemeClr val="accent1"/>
+                </a:solidFill>
+              </a14:hiddenFill>
+            </a:ext>
+            <a:ext uri="{91240B29-F687-4F45-9708-019B960494DF}">
+              <a14:hiddenLine xmlns:a14="http://schemas.microsoft.com/office/drawing/2010/main" w="9525">
+                <a:solidFill>
+                  <a:schemeClr val="tx1"/>
+                </a:solidFill>
+                <a:miter lim="800000"/>
+                <a:headEnd/>
+                <a:tailEnd/>
+              </a14:hiddenLine>
+            </a:ext>
+            <a:ext uri="{AF507438-7753-43E0-B8FC-AC1667EBCBE1}">
+              <a14:hiddenEffects xmlns:a14="http://schemas.microsoft.com/office/drawing/2010/main">
+                <a:effectLst>
+                  <a:outerShdw dist="35921" dir="2700000" algn="ctr" rotWithShape="0">
+                    <a:schemeClr val="bg2"/>
+                  </a:outerShdw>
+                </a:effectLst>
+              </a14:hiddenEffects>
+            </a:ext>
+          </a:extLst>
         </p:spPr>
       </p:pic>
       <p:pic>
         <p:nvPicPr>
-          <p:cNvPr id="5" name="PPTIndicator201705111431584742"/>
+          <p:cNvPr id="3" name="PPTIndicator201506261604353791"/>
           <p:cNvPicPr>
             <a:picLocks/>
           </p:cNvPicPr>
@@ -10340,18 +10417,18 @@
     </p:spTree>
     <p:extLst>
       <p:ext uri="{BB962C8B-B14F-4D97-AF65-F5344CB8AC3E}">
-        <p14:creationId xmlns:p14="http://schemas.microsoft.com/office/powerpoint/2010/main" val="1689804877"/>
+        <p14:creationId xmlns:p14="http://schemas.microsoft.com/office/powerpoint/2010/main" val="2311836691"/>
       </p:ext>
     </p:extLst>
   </p:cSld>
   <p:clrMapOvr>
     <a:masterClrMapping/>
   </p:clrMapOvr>
-  <mc:AlternateContent xmlns:mc="http://schemas.openxmlformats.org/markup-compatibility/2006">
-    <mc:Choice xmlns:p14="http://schemas.microsoft.com/office/powerpoint/2010/main" Requires="p14">
+  <mc:AlternateContent xmlns:mc="http://schemas.openxmlformats.org/markup-compatibility/2006" xmlns:p14="http://schemas.microsoft.com/office/powerpoint/2010/main">
+    <mc:Choice Requires="p14">
       <p:transition spd="slow" p14:dur="2000"/>
     </mc:Choice>
-    <mc:Fallback>
+    <mc:Fallback xmlns="">
       <p:transition spd="slow"/>
     </mc:Fallback>
   </mc:AlternateContent>
@@ -10392,7 +10469,7 @@
                                           </p:stCondLst>
                                         </p:cTn>
                                         <p:tgtEl>
-                                          <p:spTgt spid="5"/>
+                                          <p:spTgt spid="3"/>
                                         </p:tgtEl>
                                         <p:attrNameLst>
                                           <p:attrName>style.visibility</p:attrName>
@@ -10419,7 +10496,7 @@
                                           </p:stCondLst>
                                         </p:cTn>
                                         <p:tgtEl>
-                                          <p:spTgt spid="5"/>
+                                          <p:spTgt spid="3"/>
                                         </p:tgtEl>
                                         <p:attrNameLst>
                                           <p:attrName>style.visibility</p:attrName>
@@ -10482,11 +10559,11 @@
                                     <p:cond delay="0"/>
                                   </p:stCondLst>
                                   <p:childTnLst>
-                                    <p:animMotion origin="layout" path="M 0 0 C 0.09802967 0.1072864 0.09802967 0.1072864 0.1960593 0.2145728 E" pathEditMode="relative" ptsTypes="">
+                                    <p:animMotion origin="layout" path="M 0 0 C 0.09802967 0.1072864 0.09802967 0.1072864 0.1960593 0.2145729 E" pathEditMode="relative" ptsTypes="">
                                       <p:cBhvr>
                                         <p:cTn id="14" dur="500" fill="hold"/>
                                         <p:tgtEl>
-                                          <p:spTgt spid="9"/>
+                                          <p:spTgt spid="7"/>
                                         </p:tgtEl>
                                         <p:attrNameLst>
                                           <p:attrName>ppt_x</p:attrName>
@@ -10507,7 +10584,7 @@
                                       <p:cBhvr>
                                         <p:cTn id="16" dur="500" fill="hold"/>
                                         <p:tgtEl>
-                                          <p:spTgt spid="9"/>
+                                          <p:spTgt spid="7"/>
                                         </p:tgtEl>
                                       </p:cBhvr>
                                       <p:by x="279379" y="279379"/>
@@ -10538,7 +10615,7 @@
                                           </p:stCondLst>
                                         </p:cTn>
                                         <p:tgtEl>
-                                          <p:spTgt spid="9"/>
+                                          <p:spTgt spid="7"/>
                                         </p:tgtEl>
                                         <p:attrNameLst>
                                           <p:attrName>style.visibility</p:attrName>
@@ -10565,7 +10642,7 @@
                                           </p:stCondLst>
                                         </p:cTn>
                                         <p:tgtEl>
-                                          <p:spTgt spid="11"/>
+                                          <p:spTgt spid="9"/>
                                         </p:tgtEl>
                                         <p:attrNameLst>
                                           <p:attrName>style.visibility</p:attrName>
@@ -10592,7 +10669,7 @@
                                           </p:stCondLst>
                                         </p:cTn>
                                         <p:tgtEl>
-                                          <p:spTgt spid="3"/>
+                                          <p:spTgt spid="13314"/>
                                         </p:tgtEl>
                                         <p:attrNameLst>
                                           <p:attrName>style.visibility</p:attrName>
@@ -10637,7 +10714,7 @@
                                           </p:stCondLst>
                                         </p:cTn>
                                         <p:tgtEl>
-                                          <p:spTgt spid="11"/>
+                                          <p:spTgt spid="9"/>
                                         </p:tgtEl>
                                         <p:attrNameLst>
                                           <p:attrName>style.visibility</p:attrName>
@@ -10664,7 +10741,7 @@
                                           </p:stCondLst>
                                         </p:cTn>
                                         <p:tgtEl>
-                                          <p:spTgt spid="13"/>
+                                          <p:spTgt spid="11"/>
                                         </p:tgtEl>
                                         <p:attrNameLst>
                                           <p:attrName>style.visibility</p:attrName>
@@ -10683,11 +10760,11 @@
                                     <p:cond delay="0"/>
                                   </p:stCondLst>
                                   <p:childTnLst>
-                                    <p:animMotion origin="layout" path="M 0 0 C -0.09802969 -0.1072864 -0.09802969 -0.1072864 -0.1960594 -0.2145728 E" pathEditMode="relative" ptsTypes="">
+                                    <p:animMotion origin="layout" path="M 0 0 C -0.09802969 -0.1072864 -0.09802969 -0.1072864 -0.1960594 -0.2145729 E" pathEditMode="relative" ptsTypes="">
                                       <p:cBhvr>
                                         <p:cTn id="31" dur="500" fill="hold"/>
                                         <p:tgtEl>
-                                          <p:spTgt spid="13"/>
+                                          <p:spTgt spid="11"/>
                                         </p:tgtEl>
                                         <p:attrNameLst>
                                           <p:attrName>ppt_x</p:attrName>
@@ -10708,7 +10785,7 @@
                                       <p:cBhvr>
                                         <p:cTn id="33" dur="500" fill="hold"/>
                                         <p:tgtEl>
-                                          <p:spTgt spid="13"/>
+                                          <p:spTgt spid="11"/>
                                         </p:tgtEl>
                                       </p:cBhvr>
                                       <p:by x="35788" y="35788"/>
@@ -10739,7 +10816,7 @@
                                           </p:stCondLst>
                                         </p:cTn>
                                         <p:tgtEl>
-                                          <p:spTgt spid="12"/>
+                                          <p:spTgt spid="10"/>
                                         </p:tgtEl>
                                         <p:attrNameLst>
                                           <p:attrName>style.visibility</p:attrName>
@@ -10753,7 +10830,7 @@
                                       <p:cBhvr>
                                         <p:cTn id="37" dur="250"/>
                                         <p:tgtEl>
-                                          <p:spTgt spid="12"/>
+                                          <p:spTgt spid="10"/>
                                         </p:tgtEl>
                                       </p:cBhvr>
                                     </p:animEffect>
@@ -10770,7 +10847,7 @@
                                       <p:cBhvr>
                                         <p:cTn id="39" dur="250"/>
                                         <p:tgtEl>
-                                          <p:spTgt spid="13"/>
+                                          <p:spTgt spid="11"/>
                                         </p:tgtEl>
                                       </p:cBhvr>
                                     </p:animEffect>
@@ -10782,7 +10859,7 @@
                                           </p:stCondLst>
                                         </p:cTn>
                                         <p:tgtEl>
-                                          <p:spTgt spid="13"/>
+                                          <p:spTgt spid="11"/>
                                         </p:tgtEl>
                                         <p:attrNameLst>
                                           <p:attrName>style.visibility</p:attrName>
@@ -11430,7 +11507,7 @@
     </p:spTree>
     <p:extLst>
       <p:ext uri="{BB962C8B-B14F-4D97-AF65-F5344CB8AC3E}">
-        <p14:creationId xmlns:p14="http://schemas.microsoft.com/office/powerpoint/2010/main" val="3684537491"/>
+        <p14:creationId xmlns:p14="http://schemas.microsoft.com/office/powerpoint/2010/main" val="1061844167"/>
       </p:ext>
     </p:extLst>
   </p:cSld>
@@ -11759,7 +11836,7 @@
 
 <file path=ppt/slides/slide15.xml><?xml version="1.0" encoding="utf-8"?>
 <p:sld xmlns:a="http://schemas.openxmlformats.org/drawingml/2006/main" xmlns:r="http://schemas.openxmlformats.org/officeDocument/2006/relationships" xmlns:p="http://schemas.openxmlformats.org/presentationml/2006/main">
-  <p:cSld name="PPTLabsZoomToAreaSlide201705111428194626">
+  <p:cSld name="PPTLabsZoomToAreaSlide201506181756125910">
     <p:bg>
       <p:bgPr>
         <a:solidFill>
@@ -12012,87 +12089,7 @@
       </p:sp>
       <p:sp>
         <p:nvSpPr>
-          <p:cNvPr id="16" name="Oval 1" hidden="1"/>
-          <p:cNvSpPr/>
-          <p:nvPr/>
-        </p:nvSpPr>
-        <p:spPr>
-          <a:xfrm>
-            <a:off x="302733" y="3184634"/>
-            <a:ext cx="4953000" cy="3505200"/>
-          </a:xfrm>
-          <a:prstGeom prst="ellipse">
-            <a:avLst/>
-          </a:prstGeom>
-        </p:spPr>
-        <p:style>
-          <a:lnRef idx="2">
-            <a:schemeClr val="accent1">
-              <a:shade val="50000"/>
-            </a:schemeClr>
-          </a:lnRef>
-          <a:fillRef idx="1">
-            <a:schemeClr val="accent1"/>
-          </a:fillRef>
-          <a:effectRef idx="0">
-            <a:schemeClr val="accent1"/>
-          </a:effectRef>
-          <a:fontRef idx="minor">
-            <a:schemeClr val="lt1"/>
-          </a:fontRef>
-        </p:style>
-        <p:txBody>
-          <a:bodyPr rtlCol="0" anchor="ctr"/>
-          <a:lstStyle/>
-          <a:p>
-            <a:pPr algn="ctr"/>
-            <a:endParaRPr lang="en-US"/>
-          </a:p>
-        </p:txBody>
-      </p:sp>
-      <p:sp>
-        <p:nvSpPr>
-          <p:cNvPr id="17" name="Oval 5" hidden="1"/>
-          <p:cNvSpPr/>
-          <p:nvPr/>
-        </p:nvSpPr>
-        <p:spPr>
-          <a:xfrm>
-            <a:off x="3962400" y="381000"/>
-            <a:ext cx="4953000" cy="3505200"/>
-          </a:xfrm>
-          <a:prstGeom prst="ellipse">
-            <a:avLst/>
-          </a:prstGeom>
-        </p:spPr>
-        <p:style>
-          <a:lnRef idx="2">
-            <a:schemeClr val="accent1">
-              <a:shade val="50000"/>
-            </a:schemeClr>
-          </a:lnRef>
-          <a:fillRef idx="1">
-            <a:schemeClr val="accent1"/>
-          </a:fillRef>
-          <a:effectRef idx="0">
-            <a:schemeClr val="accent1"/>
-          </a:effectRef>
-          <a:fontRef idx="minor">
-            <a:schemeClr val="lt1"/>
-          </a:fontRef>
-        </p:style>
-        <p:txBody>
-          <a:bodyPr rtlCol="0" anchor="ctr"/>
-          <a:lstStyle/>
-          <a:p>
-            <a:pPr algn="ctr"/>
-            <a:endParaRPr lang="en-US"/>
-          </a:p>
-        </p:txBody>
-      </p:sp>
-      <p:sp>
-        <p:nvSpPr>
-          <p:cNvPr id="3" name="PPTLabsMagnifyShape201705111428194645"/>
+          <p:cNvPr id="3" name="PPTLabsMagnifyShape201506181756125960"/>
           <p:cNvSpPr/>
           <p:nvPr/>
         </p:nvSpPr>
@@ -12156,7 +12153,7 @@
       </p:sp>
       <p:sp>
         <p:nvSpPr>
-          <p:cNvPr id="8" name="PPTLabsMagnifyShape201705111428194696"/>
+          <p:cNvPr id="8" name="PPTLabsMagnifyShape201506181756126090"/>
           <p:cNvSpPr/>
           <p:nvPr/>
         </p:nvSpPr>
@@ -12220,7 +12217,7 @@
       </p:sp>
       <p:sp>
         <p:nvSpPr>
-          <p:cNvPr id="9" name="PPTLabsMagnifyShape201705111428194756"/>
+          <p:cNvPr id="9" name="PPTLabsMagnifyShape201506181756126220"/>
           <p:cNvSpPr/>
           <p:nvPr/>
         </p:nvSpPr>
@@ -12284,7 +12281,7 @@
       </p:sp>
       <p:sp>
         <p:nvSpPr>
-          <p:cNvPr id="10" name="PPTLabsMagnifyShape201705111428194806"/>
+          <p:cNvPr id="10" name="PPTLabsMagnifyShape201506181756126330"/>
           <p:cNvSpPr/>
           <p:nvPr/>
         </p:nvSpPr>
@@ -12349,7 +12346,7 @@
     </p:spTree>
     <p:extLst>
       <p:ext uri="{BB962C8B-B14F-4D97-AF65-F5344CB8AC3E}">
-        <p14:creationId xmlns:p14="http://schemas.microsoft.com/office/powerpoint/2010/main" val="1061844167"/>
+        <p14:creationId xmlns:p14="http://schemas.microsoft.com/office/powerpoint/2010/main" val="936790927"/>
       </p:ext>
     </p:extLst>
   </p:cSld>
@@ -12773,7 +12770,7 @@
 
 <file path=ppt/slides/slide16.xml><?xml version="1.0" encoding="utf-8"?>
 <p:sld xmlns:a="http://schemas.openxmlformats.org/drawingml/2006/main" xmlns:r="http://schemas.openxmlformats.org/officeDocument/2006/relationships" xmlns:p="http://schemas.openxmlformats.org/presentationml/2006/main">
-  <p:cSld name="PPTLabsMagnifyingSlide201705111428195046">
+  <p:cSld name="PPTLabsMagnifyingSlide201506181756126510">
     <p:bg>
       <p:bgPr>
         <a:solidFill>
@@ -12874,19 +12871,26 @@
       </p:sp>
       <p:pic>
         <p:nvPicPr>
-          <p:cNvPr id="5" name="PPTLabsMagnifyAreaGroup201705111428197711" hidden="1"/>
+          <p:cNvPr id="10242" name="PPTLabsMagnifyAreaGroup201506181756129260" hidden="1"/>
           <p:cNvPicPr>
-            <a:picLocks/>
+            <a:picLocks noChangeArrowheads="1"/>
           </p:cNvPicPr>
           <p:nvPr/>
         </p:nvPicPr>
         <p:blipFill>
-          <a:blip r:embed="rId3"/>
+          <a:blip r:embed="rId3">
+            <a:extLst>
+              <a:ext uri="{28A0092B-C50C-407E-A947-70E740481C1C}">
+                <a14:useLocalDpi xmlns:a14="http://schemas.microsoft.com/office/drawing/2010/main" val="0"/>
+              </a:ext>
+            </a:extLst>
+          </a:blip>
+          <a:srcRect/>
           <a:stretch>
             <a:fillRect/>
           </a:stretch>
         </p:blipFill>
-        <p:spPr>
+        <p:spPr bwMode="auto">
           <a:xfrm>
             <a:off x="0" y="0"/>
             <a:ext cx="9144000" cy="6858000"/>
@@ -12894,23 +12898,63 @@
           <a:prstGeom prst="rect">
             <a:avLst/>
           </a:prstGeom>
+          <a:noFill/>
+          <a:ln>
+            <a:noFill/>
+          </a:ln>
+          <a:effectLst/>
+          <a:extLst>
+            <a:ext uri="{909E8E84-426E-40DD-AFC4-6F175D3DCCD1}">
+              <a14:hiddenFill xmlns:a14="http://schemas.microsoft.com/office/drawing/2010/main">
+                <a:solidFill>
+                  <a:schemeClr val="accent1"/>
+                </a:solidFill>
+              </a14:hiddenFill>
+            </a:ext>
+            <a:ext uri="{91240B29-F687-4F45-9708-019B960494DF}">
+              <a14:hiddenLine xmlns:a14="http://schemas.microsoft.com/office/drawing/2010/main" w="9525">
+                <a:solidFill>
+                  <a:schemeClr val="tx1"/>
+                </a:solidFill>
+                <a:miter lim="800000"/>
+                <a:headEnd/>
+                <a:tailEnd/>
+              </a14:hiddenLine>
+            </a:ext>
+            <a:ext uri="{AF507438-7753-43E0-B8FC-AC1667EBCBE1}">
+              <a14:hiddenEffects xmlns:a14="http://schemas.microsoft.com/office/drawing/2010/main">
+                <a:effectLst>
+                  <a:outerShdw dist="35921" dir="2700000" algn="ctr" rotWithShape="0">
+                    <a:schemeClr val="bg2"/>
+                  </a:outerShdw>
+                </a:effectLst>
+              </a14:hiddenEffects>
+            </a:ext>
+          </a:extLst>
         </p:spPr>
       </p:pic>
       <p:pic>
         <p:nvPicPr>
-          <p:cNvPr id="22" name="PPTLabsMagnifyAreaSlide201705111428198221"/>
+          <p:cNvPr id="20" name="PPTLabsMagnifyAreaSlide201506181756129480"/>
           <p:cNvPicPr>
-            <a:picLocks/>
+            <a:picLocks noChangeArrowheads="1"/>
           </p:cNvPicPr>
           <p:nvPr/>
         </p:nvPicPr>
         <p:blipFill>
-          <a:blip r:embed="rId3"/>
+          <a:blip r:embed="rId3">
+            <a:extLst>
+              <a:ext uri="{28A0092B-C50C-407E-A947-70E740481C1C}">
+                <a14:useLocalDpi xmlns:a14="http://schemas.microsoft.com/office/drawing/2010/main" val="0"/>
+              </a:ext>
+            </a:extLst>
+          </a:blip>
+          <a:srcRect/>
           <a:stretch>
             <a:fillRect/>
           </a:stretch>
         </p:blipFill>
-        <p:spPr>
+        <p:spPr bwMode="auto">
           <a:xfrm>
             <a:off x="0" y="0"/>
             <a:ext cx="9144000" cy="6858000"/>
@@ -12918,11 +12962,44 @@
           <a:prstGeom prst="rect">
             <a:avLst/>
           </a:prstGeom>
+          <a:noFill/>
+          <a:ln>
+            <a:noFill/>
+          </a:ln>
+          <a:effectLst/>
+          <a:extLst>
+            <a:ext uri="{909E8E84-426E-40DD-AFC4-6F175D3DCCD1}">
+              <a14:hiddenFill xmlns:a14="http://schemas.microsoft.com/office/drawing/2010/main">
+                <a:solidFill>
+                  <a:schemeClr val="accent1"/>
+                </a:solidFill>
+              </a14:hiddenFill>
+            </a:ext>
+            <a:ext uri="{91240B29-F687-4F45-9708-019B960494DF}">
+              <a14:hiddenLine xmlns:a14="http://schemas.microsoft.com/office/drawing/2010/main" w="9525">
+                <a:solidFill>
+                  <a:schemeClr val="tx1"/>
+                </a:solidFill>
+                <a:miter lim="800000"/>
+                <a:headEnd/>
+                <a:tailEnd/>
+              </a14:hiddenLine>
+            </a:ext>
+            <a:ext uri="{AF507438-7753-43E0-B8FC-AC1667EBCBE1}">
+              <a14:hiddenEffects xmlns:a14="http://schemas.microsoft.com/office/drawing/2010/main">
+                <a:effectLst>
+                  <a:outerShdw dist="35921" dir="2700000" algn="ctr" rotWithShape="0">
+                    <a:schemeClr val="bg2"/>
+                  </a:outerShdw>
+                </a:effectLst>
+              </a14:hiddenEffects>
+            </a:ext>
+          </a:extLst>
         </p:spPr>
       </p:pic>
       <p:pic>
         <p:nvPicPr>
-          <p:cNvPr id="6" name="PPTIndicator201705111428198191"/>
+          <p:cNvPr id="5" name="PPTIndicator201506181756129430"/>
           <p:cNvPicPr>
             <a:picLocks/>
           </p:cNvPicPr>
@@ -12953,7 +13030,7 @@
     </p:spTree>
     <p:extLst>
       <p:ext uri="{BB962C8B-B14F-4D97-AF65-F5344CB8AC3E}">
-        <p14:creationId xmlns:p14="http://schemas.microsoft.com/office/powerpoint/2010/main" val="789142181"/>
+        <p14:creationId xmlns:p14="http://schemas.microsoft.com/office/powerpoint/2010/main" val="1221846932"/>
       </p:ext>
     </p:extLst>
   </p:cSld>
@@ -13005,7 +13082,7 @@
                                           </p:stCondLst>
                                         </p:cTn>
                                         <p:tgtEl>
-                                          <p:spTgt spid="6"/>
+                                          <p:spTgt spid="5"/>
                                         </p:tgtEl>
                                         <p:attrNameLst>
                                           <p:attrName>style.visibility</p:attrName>
@@ -13032,7 +13109,7 @@
                                           </p:stCondLst>
                                         </p:cTn>
                                         <p:tgtEl>
-                                          <p:spTgt spid="6"/>
+                                          <p:spTgt spid="5"/>
                                         </p:tgtEl>
                                         <p:attrNameLst>
                                           <p:attrName>style.visibility</p:attrName>
@@ -13060,11 +13137,11 @@
                                     <p:cond delay="0"/>
                                   </p:stCondLst>
                                   <p:childTnLst>
-                                    <p:animMotion origin="layout" path="M 0 0 C 0.2105131 0.2478195 0.2105131 0.2478195 0.4210261 0.495639 E" pathEditMode="relative" ptsTypes="">
+                                    <p:animMotion origin="layout" path="M 0 0 C 0.2105131 0.2478196 0.2105131 0.2478196 0.4210261 0.4956393 E" pathEditMode="relative" ptsTypes="">
                                       <p:cBhvr>
                                         <p:cTn id="11" dur="500" fill="hold"/>
                                         <p:tgtEl>
-                                          <p:spTgt spid="22"/>
+                                          <p:spTgt spid="20"/>
                                         </p:tgtEl>
                                         <p:attrNameLst>
                                           <p:attrName>ppt_x</p:attrName>
@@ -13085,7 +13162,7 @@
                                       <p:cBhvr>
                                         <p:cTn id="13" dur="500" fill="hold"/>
                                         <p:tgtEl>
-                                          <p:spTgt spid="22"/>
+                                          <p:spTgt spid="20"/>
                                         </p:tgtEl>
                                       </p:cBhvr>
                                       <p:by x="235718" y="235718"/>
@@ -13126,7 +13203,7 @@
 
 <file path=ppt/slides/slide17.xml><?xml version="1.0" encoding="utf-8"?>
 <p:sld xmlns:a="http://schemas.openxmlformats.org/drawingml/2006/main" xmlns:r="http://schemas.openxmlformats.org/officeDocument/2006/relationships" xmlns:p="http://schemas.openxmlformats.org/presentationml/2006/main">
-  <p:cSld name="PPTLabsMagnifiedSlide201705111428198241">
+  <p:cSld name="PPTLabsMagnifiedSlide201506181756129490">
     <p:bg>
       <p:bgPr>
         <a:solidFill>
@@ -13151,20 +13228,26 @@
       </p:grpSpPr>
       <p:pic>
         <p:nvPicPr>
-          <p:cNvPr id="5" name="PPTLabsMagnifyAreaGroup201705111428197711"/>
+          <p:cNvPr id="10242" name="PPTLabsMagnifyAreaGroup201506181756129260"/>
           <p:cNvPicPr>
-            <a:picLocks noChangeAspect="1"/>
+            <a:picLocks noChangeAspect="1" noChangeArrowheads="1"/>
           </p:cNvPicPr>
           <p:nvPr/>
         </p:nvPicPr>
         <p:blipFill>
-          <a:blip r:embed="rId2"/>
+          <a:blip r:embed="rId2">
+            <a:extLst>
+              <a:ext uri="{28A0092B-C50C-407E-A947-70E740481C1C}">
+                <a14:useLocalDpi xmlns:a14="http://schemas.microsoft.com/office/drawing/2010/main" val="0"/>
+              </a:ext>
+            </a:extLst>
+          </a:blip>
           <a:srcRect/>
           <a:stretch>
             <a:fillRect/>
           </a:stretch>
         </p:blipFill>
-        <p:spPr>
+        <p:spPr bwMode="auto">
           <a:xfrm>
             <a:off x="-2354749" y="-1254471"/>
             <a:ext cx="21551802" cy="16163835"/>
@@ -13172,11 +13255,44 @@
           <a:prstGeom prst="rect">
             <a:avLst/>
           </a:prstGeom>
+          <a:noFill/>
+          <a:ln>
+            <a:noFill/>
+          </a:ln>
+          <a:effectLst/>
+          <a:extLst>
+            <a:ext uri="{909E8E84-426E-40DD-AFC4-6F175D3DCCD1}">
+              <a14:hiddenFill xmlns:a14="http://schemas.microsoft.com/office/drawing/2010/main">
+                <a:solidFill>
+                  <a:schemeClr val="accent1"/>
+                </a:solidFill>
+              </a14:hiddenFill>
+            </a:ext>
+            <a:ext uri="{91240B29-F687-4F45-9708-019B960494DF}">
+              <a14:hiddenLine xmlns:a14="http://schemas.microsoft.com/office/drawing/2010/main" w="9525">
+                <a:solidFill>
+                  <a:schemeClr val="tx1"/>
+                </a:solidFill>
+                <a:miter lim="800000"/>
+                <a:headEnd/>
+                <a:tailEnd/>
+              </a14:hiddenLine>
+            </a:ext>
+            <a:ext uri="{AF507438-7753-43E0-B8FC-AC1667EBCBE1}">
+              <a14:hiddenEffects xmlns:a14="http://schemas.microsoft.com/office/drawing/2010/main">
+                <a:effectLst>
+                  <a:outerShdw dist="35921" dir="2700000" algn="ctr" rotWithShape="0">
+                    <a:schemeClr val="bg2"/>
+                  </a:outerShdw>
+                </a:effectLst>
+              </a14:hiddenEffects>
+            </a:ext>
+          </a:extLst>
         </p:spPr>
       </p:pic>
       <p:pic>
         <p:nvPicPr>
-          <p:cNvPr id="3" name="PPTIndicator201705111428198471"/>
+          <p:cNvPr id="3" name="PPTIndicator201506181756129630"/>
           <p:cNvPicPr>
             <a:picLocks/>
           </p:cNvPicPr>
@@ -13207,7 +13323,7 @@
     </p:spTree>
     <p:extLst>
       <p:ext uri="{BB962C8B-B14F-4D97-AF65-F5344CB8AC3E}">
-        <p14:creationId xmlns:p14="http://schemas.microsoft.com/office/powerpoint/2010/main" val="3438702707"/>
+        <p14:creationId xmlns:p14="http://schemas.microsoft.com/office/powerpoint/2010/main" val="3235416022"/>
       </p:ext>
     </p:extLst>
   </p:cSld>
@@ -13332,7 +13448,7 @@
 
 <file path=ppt/slides/slide18.xml><?xml version="1.0" encoding="utf-8"?>
 <p:sld xmlns:a="http://schemas.openxmlformats.org/drawingml/2006/main" xmlns:r="http://schemas.openxmlformats.org/officeDocument/2006/relationships" xmlns:p="http://schemas.openxmlformats.org/presentationml/2006/main">
-  <p:cSld name="PPTLabsMagnifiedPanSlide201705111428201825">
+  <p:cSld name="PPTLabsMagnifiedPanSlide201506181756132860">
     <p:bg>
       <p:bgPr>
         <a:solidFill>
@@ -13357,20 +13473,26 @@
       </p:grpSpPr>
       <p:pic>
         <p:nvPicPr>
-          <p:cNvPr id="5" name="PPTLabsMagnifyAreaGroup201705111428197711"/>
+          <p:cNvPr id="10242" name="PPTLabsMagnifyAreaGroup201506181756129260"/>
           <p:cNvPicPr>
-            <a:picLocks/>
+            <a:picLocks noChangeArrowheads="1"/>
           </p:cNvPicPr>
           <p:nvPr/>
         </p:nvPicPr>
         <p:blipFill>
-          <a:blip r:embed="rId2"/>
+          <a:blip r:embed="rId2">
+            <a:extLst>
+              <a:ext uri="{28A0092B-C50C-407E-A947-70E740481C1C}">
+                <a14:useLocalDpi xmlns:a14="http://schemas.microsoft.com/office/drawing/2010/main" val="0"/>
+              </a:ext>
+            </a:extLst>
+          </a:blip>
           <a:srcRect/>
           <a:stretch>
             <a:fillRect/>
           </a:stretch>
         </p:blipFill>
-        <p:spPr>
+        <p:spPr bwMode="auto">
           <a:xfrm>
             <a:off x="0" y="0"/>
             <a:ext cx="9144000" cy="6857993"/>
@@ -13378,24 +13500,63 @@
           <a:prstGeom prst="rect">
             <a:avLst/>
           </a:prstGeom>
+          <a:noFill/>
+          <a:ln>
+            <a:noFill/>
+          </a:ln>
+          <a:effectLst/>
+          <a:extLst>
+            <a:ext uri="{909E8E84-426E-40DD-AFC4-6F175D3DCCD1}">
+              <a14:hiddenFill xmlns:a14="http://schemas.microsoft.com/office/drawing/2010/main">
+                <a:solidFill>
+                  <a:schemeClr val="accent1"/>
+                </a:solidFill>
+              </a14:hiddenFill>
+            </a:ext>
+            <a:ext uri="{91240B29-F687-4F45-9708-019B960494DF}">
+              <a14:hiddenLine xmlns:a14="http://schemas.microsoft.com/office/drawing/2010/main" w="9525">
+                <a:solidFill>
+                  <a:schemeClr val="tx1"/>
+                </a:solidFill>
+                <a:miter lim="800000"/>
+                <a:headEnd/>
+                <a:tailEnd/>
+              </a14:hiddenLine>
+            </a:ext>
+            <a:ext uri="{AF507438-7753-43E0-B8FC-AC1667EBCBE1}">
+              <a14:hiddenEffects xmlns:a14="http://schemas.microsoft.com/office/drawing/2010/main">
+                <a:effectLst>
+                  <a:outerShdw dist="35921" dir="2700000" algn="ctr" rotWithShape="0">
+                    <a:schemeClr val="bg2"/>
+                  </a:outerShdw>
+                </a:effectLst>
+              </a14:hiddenEffects>
+            </a:ext>
+          </a:extLst>
         </p:spPr>
       </p:pic>
       <p:pic>
         <p:nvPicPr>
-          <p:cNvPr id="6" name="PPTLabsMagnifyAreaGroup201705111428197711"/>
+          <p:cNvPr id="5" name="PPTLabsMagnifyAreaGroup201506181756129260"/>
           <p:cNvPicPr>
-            <a:picLocks/>
+            <a:picLocks noChangeArrowheads="1"/>
           </p:cNvPicPr>
           <p:nvPr/>
         </p:nvPicPr>
         <p:blipFill>
-          <a:blip r:embed="rId2"/>
+          <a:blip r:embed="rId2">
+            <a:extLst>
+              <a:ext uri="{28A0092B-C50C-407E-A947-70E740481C1C}">
+                <a14:useLocalDpi xmlns:a14="http://schemas.microsoft.com/office/drawing/2010/main" val="0"/>
+              </a:ext>
+            </a:extLst>
+          </a:blip>
           <a:srcRect/>
           <a:stretch>
             <a:fillRect/>
           </a:stretch>
         </p:blipFill>
-        <p:spPr>
+        <p:spPr bwMode="auto">
           <a:xfrm>
             <a:off x="-2354749" y="-1254471"/>
             <a:ext cx="21551802" cy="16163835"/>
@@ -13403,11 +13564,44 @@
           <a:prstGeom prst="rect">
             <a:avLst/>
           </a:prstGeom>
+          <a:noFill/>
+          <a:ln>
+            <a:noFill/>
+          </a:ln>
+          <a:effectLst/>
+          <a:extLst>
+            <a:ext uri="{909E8E84-426E-40DD-AFC4-6F175D3DCCD1}">
+              <a14:hiddenFill xmlns:a14="http://schemas.microsoft.com/office/drawing/2010/main">
+                <a:solidFill>
+                  <a:schemeClr val="accent1"/>
+                </a:solidFill>
+              </a14:hiddenFill>
+            </a:ext>
+            <a:ext uri="{91240B29-F687-4F45-9708-019B960494DF}">
+              <a14:hiddenLine xmlns:a14="http://schemas.microsoft.com/office/drawing/2010/main" w="9525">
+                <a:solidFill>
+                  <a:schemeClr val="tx1"/>
+                </a:solidFill>
+                <a:miter lim="800000"/>
+                <a:headEnd/>
+                <a:tailEnd/>
+              </a14:hiddenLine>
+            </a:ext>
+            <a:ext uri="{AF507438-7753-43E0-B8FC-AC1667EBCBE1}">
+              <a14:hiddenEffects xmlns:a14="http://schemas.microsoft.com/office/drawing/2010/main">
+                <a:effectLst>
+                  <a:outerShdw dist="35921" dir="2700000" algn="ctr" rotWithShape="0">
+                    <a:schemeClr val="bg2"/>
+                  </a:outerShdw>
+                </a:effectLst>
+              </a14:hiddenEffects>
+            </a:ext>
+          </a:extLst>
         </p:spPr>
       </p:pic>
       <p:pic>
         <p:nvPicPr>
-          <p:cNvPr id="2" name="PPTIndicator201705111428202131"/>
+          <p:cNvPr id="2" name="PPTIndicator201506181756133000"/>
           <p:cNvPicPr>
             <a:picLocks/>
           </p:cNvPicPr>
@@ -13438,7 +13632,7 @@
     </p:spTree>
     <p:extLst>
       <p:ext uri="{BB962C8B-B14F-4D97-AF65-F5344CB8AC3E}">
-        <p14:creationId xmlns:p14="http://schemas.microsoft.com/office/powerpoint/2010/main" val="3752020867"/>
+        <p14:creationId xmlns:p14="http://schemas.microsoft.com/office/powerpoint/2010/main" val="3209269376"/>
       </p:ext>
     </p:extLst>
   </p:cSld>
@@ -13540,7 +13734,7 @@
                                       <p:cBhvr>
                                         <p:cTn id="10" dur="1" fill="hold"/>
                                         <p:tgtEl>
-                                          <p:spTgt spid="5"/>
+                                          <p:spTgt spid="10242"/>
                                         </p:tgtEl>
                                         <p:attrNameLst>
                                           <p:attrName>ppt_x</p:attrName>
@@ -13561,7 +13755,7 @@
                                       <p:cBhvr>
                                         <p:cTn id="12" dur="1" fill="hold"/>
                                         <p:tgtEl>
-                                          <p:spTgt spid="5"/>
+                                          <p:spTgt spid="10242"/>
                                         </p:tgtEl>
                                       </p:cBhvr>
                                       <p:by x="235693" y="235693"/>
@@ -13579,7 +13773,7 @@
                                       <p:cBhvr>
                                         <p:cTn id="14" dur="10"/>
                                         <p:tgtEl>
-                                          <p:spTgt spid="6"/>
+                                          <p:spTgt spid="5"/>
                                         </p:tgtEl>
                                       </p:cBhvr>
                                     </p:animEffect>
@@ -13591,7 +13785,7 @@
                                           </p:stCondLst>
                                         </p:cTn>
                                         <p:tgtEl>
-                                          <p:spTgt spid="6"/>
+                                          <p:spTgt spid="5"/>
                                         </p:tgtEl>
                                         <p:attrNameLst>
                                           <p:attrName>style.visibility</p:attrName>
@@ -13619,11 +13813,11 @@
                                     <p:cond delay="0"/>
                                   </p:stCondLst>
                                   <p:childTnLst>
-                                    <p:animMotion origin="layout" path="M 0.4209484 0.4955453 C 0.4328169 0.9727173 0.4328169 0.9727173 0.4446853 1.449889 E" pathEditMode="relative" ptsTypes="">
+                                    <p:animMotion origin="layout" path="M 0.4209484 0.4955453 C 0.4328168 0.9727182 0.4328168 0.9727182 0.4446852 1.449891 E" pathEditMode="relative" ptsTypes="">
                                       <p:cBhvr>
                                         <p:cTn id="18" dur="400" fill="hold"/>
                                         <p:tgtEl>
-                                          <p:spTgt spid="5"/>
+                                          <p:spTgt spid="10242"/>
                                         </p:tgtEl>
                                         <p:attrNameLst>
                                           <p:attrName>ppt_x</p:attrName>
@@ -13644,7 +13838,7 @@
                                       <p:cBhvr>
                                         <p:cTn id="20" dur="400" fill="hold"/>
                                         <p:tgtEl>
-                                          <p:spTgt spid="5"/>
+                                          <p:spTgt spid="10242"/>
                                         </p:tgtEl>
                                       </p:cBhvr>
                                       <p:by x="224368" y="224372"/>
@@ -13685,7 +13879,7 @@
 
 <file path=ppt/slides/slide19.xml><?xml version="1.0" encoding="utf-8"?>
 <p:sld xmlns:a="http://schemas.openxmlformats.org/drawingml/2006/main" xmlns:r="http://schemas.openxmlformats.org/officeDocument/2006/relationships" xmlns:p="http://schemas.openxmlformats.org/presentationml/2006/main">
-  <p:cSld name="PPTLabsMagnifiedSlide201705111428201521">
+  <p:cSld name="PPTLabsMagnifiedSlide201506181756132670">
     <p:bg>
       <p:bgPr>
         <a:solidFill>
@@ -13710,32 +13904,71 @@
       </p:grpSpPr>
       <p:pic>
         <p:nvPicPr>
-          <p:cNvPr id="5" name="PPTLabsMagnifyAreaGroup201705111428201069"/>
+          <p:cNvPr id="11266" name="PPTLabsMagnifyAreaGroup201506181756132440"/>
           <p:cNvPicPr>
-            <a:picLocks noChangeAspect="1"/>
+            <a:picLocks noChangeAspect="1" noChangeArrowheads="1"/>
           </p:cNvPicPr>
           <p:nvPr/>
         </p:nvPicPr>
         <p:blipFill>
-          <a:blip r:embed="rId2"/>
+          <a:blip r:embed="rId2">
+            <a:extLst>
+              <a:ext uri="{28A0092B-C50C-407E-A947-70E740481C1C}">
+                <a14:useLocalDpi xmlns:a14="http://schemas.microsoft.com/office/drawing/2010/main" val="0"/>
+              </a:ext>
+            </a:extLst>
+          </a:blip>
           <a:srcRect/>
           <a:stretch>
             <a:fillRect/>
           </a:stretch>
         </p:blipFill>
-        <p:spPr>
+        <p:spPr bwMode="auto">
           <a:xfrm>
-            <a:off x="-15539485" y="-4761187"/>
-            <a:ext cx="48355375" cy="36267051"/>
+            <a:off x="-15539485" y="-4761195"/>
+            <a:ext cx="48355375" cy="36267088"/>
           </a:xfrm>
           <a:prstGeom prst="rect">
             <a:avLst/>
           </a:prstGeom>
+          <a:noFill/>
+          <a:ln>
+            <a:noFill/>
+          </a:ln>
+          <a:effectLst/>
+          <a:extLst>
+            <a:ext uri="{909E8E84-426E-40DD-AFC4-6F175D3DCCD1}">
+              <a14:hiddenFill xmlns:a14="http://schemas.microsoft.com/office/drawing/2010/main">
+                <a:solidFill>
+                  <a:schemeClr val="accent1"/>
+                </a:solidFill>
+              </a14:hiddenFill>
+            </a:ext>
+            <a:ext uri="{91240B29-F687-4F45-9708-019B960494DF}">
+              <a14:hiddenLine xmlns:a14="http://schemas.microsoft.com/office/drawing/2010/main" w="9525">
+                <a:solidFill>
+                  <a:schemeClr val="tx1"/>
+                </a:solidFill>
+                <a:miter lim="800000"/>
+                <a:headEnd/>
+                <a:tailEnd/>
+              </a14:hiddenLine>
+            </a:ext>
+            <a:ext uri="{AF507438-7753-43E0-B8FC-AC1667EBCBE1}">
+              <a14:hiddenEffects xmlns:a14="http://schemas.microsoft.com/office/drawing/2010/main">
+                <a:effectLst>
+                  <a:outerShdw dist="35921" dir="2700000" algn="ctr" rotWithShape="0">
+                    <a:schemeClr val="bg2"/>
+                  </a:outerShdw>
+                </a:effectLst>
+              </a14:hiddenEffects>
+            </a:ext>
+          </a:extLst>
         </p:spPr>
       </p:pic>
       <p:pic>
         <p:nvPicPr>
-          <p:cNvPr id="3" name="PPTIndicator201705111428201795"/>
+          <p:cNvPr id="3" name="PPTIndicator201506181756132820"/>
           <p:cNvPicPr>
             <a:picLocks/>
           </p:cNvPicPr>
@@ -13766,7 +13999,7 @@
     </p:spTree>
     <p:extLst>
       <p:ext uri="{BB962C8B-B14F-4D97-AF65-F5344CB8AC3E}">
-        <p14:creationId xmlns:p14="http://schemas.microsoft.com/office/powerpoint/2010/main" val="847195898"/>
+        <p14:creationId xmlns:p14="http://schemas.microsoft.com/office/powerpoint/2010/main" val="3076973614"/>
       </p:ext>
     </p:extLst>
   </p:cSld>
@@ -14084,7 +14317,7 @@
 
 <file path=ppt/slides/slide20.xml><?xml version="1.0" encoding="utf-8"?>
 <p:sld xmlns:a="http://schemas.openxmlformats.org/drawingml/2006/main" xmlns:r="http://schemas.openxmlformats.org/officeDocument/2006/relationships" xmlns:p="http://schemas.openxmlformats.org/presentationml/2006/main">
-  <p:cSld name="PPTLabsMagnifiedPanSlide201705111428205327">
+  <p:cSld name="PPTLabsMagnifiedPanSlide201506181756136290">
     <p:bg>
       <p:bgPr>
         <a:solidFill>
@@ -14109,57 +14342,135 @@
       </p:grpSpPr>
       <p:pic>
         <p:nvPicPr>
-          <p:cNvPr id="5" name="PPTLabsMagnifyAreaGroup201705111428201069"/>
+          <p:cNvPr id="11266" name="PPTLabsMagnifyAreaGroup201506181756132440"/>
           <p:cNvPicPr>
-            <a:picLocks/>
+            <a:picLocks noChangeArrowheads="1"/>
           </p:cNvPicPr>
           <p:nvPr/>
         </p:nvPicPr>
         <p:blipFill>
-          <a:blip r:embed="rId2"/>
+          <a:blip r:embed="rId2">
+            <a:extLst>
+              <a:ext uri="{28A0092B-C50C-407E-A947-70E740481C1C}">
+                <a14:useLocalDpi xmlns:a14="http://schemas.microsoft.com/office/drawing/2010/main" val="0"/>
+              </a:ext>
+            </a:extLst>
+          </a:blip>
           <a:srcRect/>
           <a:stretch>
             <a:fillRect/>
           </a:stretch>
         </p:blipFill>
-        <p:spPr>
+        <p:spPr bwMode="auto">
           <a:xfrm>
             <a:off x="0" y="0"/>
-            <a:ext cx="9143869" cy="6858000"/>
+            <a:ext cx="9143859" cy="6858000"/>
           </a:xfrm>
           <a:prstGeom prst="rect">
             <a:avLst/>
           </a:prstGeom>
+          <a:noFill/>
+          <a:ln>
+            <a:noFill/>
+          </a:ln>
+          <a:effectLst/>
+          <a:extLst>
+            <a:ext uri="{909E8E84-426E-40DD-AFC4-6F175D3DCCD1}">
+              <a14:hiddenFill xmlns:a14="http://schemas.microsoft.com/office/drawing/2010/main">
+                <a:solidFill>
+                  <a:schemeClr val="accent1"/>
+                </a:solidFill>
+              </a14:hiddenFill>
+            </a:ext>
+            <a:ext uri="{91240B29-F687-4F45-9708-019B960494DF}">
+              <a14:hiddenLine xmlns:a14="http://schemas.microsoft.com/office/drawing/2010/main" w="9525">
+                <a:solidFill>
+                  <a:schemeClr val="tx1"/>
+                </a:solidFill>
+                <a:miter lim="800000"/>
+                <a:headEnd/>
+                <a:tailEnd/>
+              </a14:hiddenLine>
+            </a:ext>
+            <a:ext uri="{AF507438-7753-43E0-B8FC-AC1667EBCBE1}">
+              <a14:hiddenEffects xmlns:a14="http://schemas.microsoft.com/office/drawing/2010/main">
+                <a:effectLst>
+                  <a:outerShdw dist="35921" dir="2700000" algn="ctr" rotWithShape="0">
+                    <a:schemeClr val="bg2"/>
+                  </a:outerShdw>
+                </a:effectLst>
+              </a14:hiddenEffects>
+            </a:ext>
+          </a:extLst>
         </p:spPr>
       </p:pic>
       <p:pic>
         <p:nvPicPr>
-          <p:cNvPr id="6" name="PPTLabsMagnifyAreaGroup201705111428201069"/>
+          <p:cNvPr id="5" name="PPTLabsMagnifyAreaGroup201506181756132440"/>
           <p:cNvPicPr>
-            <a:picLocks/>
+            <a:picLocks noChangeArrowheads="1"/>
           </p:cNvPicPr>
           <p:nvPr/>
         </p:nvPicPr>
         <p:blipFill>
-          <a:blip r:embed="rId2"/>
+          <a:blip r:embed="rId2">
+            <a:extLst>
+              <a:ext uri="{28A0092B-C50C-407E-A947-70E740481C1C}">
+                <a14:useLocalDpi xmlns:a14="http://schemas.microsoft.com/office/drawing/2010/main" val="0"/>
+              </a:ext>
+            </a:extLst>
+          </a:blip>
           <a:srcRect/>
           <a:stretch>
             <a:fillRect/>
           </a:stretch>
         </p:blipFill>
-        <p:spPr>
+        <p:spPr bwMode="auto">
           <a:xfrm>
-            <a:off x="-15539486" y="-4761187"/>
-            <a:ext cx="48355375" cy="36267051"/>
+            <a:off x="-15539486" y="-4761195"/>
+            <a:ext cx="48355375" cy="36267088"/>
           </a:xfrm>
           <a:prstGeom prst="rect">
             <a:avLst/>
           </a:prstGeom>
+          <a:noFill/>
+          <a:ln>
+            <a:noFill/>
+          </a:ln>
+          <a:effectLst/>
+          <a:extLst>
+            <a:ext uri="{909E8E84-426E-40DD-AFC4-6F175D3DCCD1}">
+              <a14:hiddenFill xmlns:a14="http://schemas.microsoft.com/office/drawing/2010/main">
+                <a:solidFill>
+                  <a:schemeClr val="accent1"/>
+                </a:solidFill>
+              </a14:hiddenFill>
+            </a:ext>
+            <a:ext uri="{91240B29-F687-4F45-9708-019B960494DF}">
+              <a14:hiddenLine xmlns:a14="http://schemas.microsoft.com/office/drawing/2010/main" w="9525">
+                <a:solidFill>
+                  <a:schemeClr val="tx1"/>
+                </a:solidFill>
+                <a:miter lim="800000"/>
+                <a:headEnd/>
+                <a:tailEnd/>
+              </a14:hiddenLine>
+            </a:ext>
+            <a:ext uri="{AF507438-7753-43E0-B8FC-AC1667EBCBE1}">
+              <a14:hiddenEffects xmlns:a14="http://schemas.microsoft.com/office/drawing/2010/main">
+                <a:effectLst>
+                  <a:outerShdw dist="35921" dir="2700000" algn="ctr" rotWithShape="0">
+                    <a:schemeClr val="bg2"/>
+                  </a:outerShdw>
+                </a:effectLst>
+              </a14:hiddenEffects>
+            </a:ext>
+          </a:extLst>
         </p:spPr>
       </p:pic>
       <p:pic>
         <p:nvPicPr>
-          <p:cNvPr id="2" name="PPTIndicator201705111428205497"/>
+          <p:cNvPr id="2" name="PPTIndicator201506181756136420"/>
           <p:cNvPicPr>
             <a:picLocks/>
           </p:cNvPicPr>
@@ -14190,7 +14501,7 @@
     </p:spTree>
     <p:extLst>
       <p:ext uri="{BB962C8B-B14F-4D97-AF65-F5344CB8AC3E}">
-        <p14:creationId xmlns:p14="http://schemas.microsoft.com/office/powerpoint/2010/main" val="2215249357"/>
+        <p14:creationId xmlns:p14="http://schemas.microsoft.com/office/powerpoint/2010/main" val="696875417"/>
       </p:ext>
     </p:extLst>
   </p:cSld>
@@ -14288,11 +14599,11 @@
                                     <p:cond delay="0"/>
                                   </p:stCondLst>
                                   <p:childTnLst>
-                                    <p:animMotion origin="layout" path="M 0 0 C 0.2223462 0.7249445 0.2223462 0.7249445 0.4446925 1.449889 E" pathEditMode="relative" ptsTypes="">
+                                    <p:animMotion origin="layout" path="M 0 0 C 0.2223465 0.7249453 0.2223465 0.7249453 0.4446929 1.449891 E" pathEditMode="relative" ptsTypes="">
                                       <p:cBhvr>
                                         <p:cTn id="10" dur="1" fill="hold"/>
                                         <p:tgtEl>
-                                          <p:spTgt spid="5"/>
+                                          <p:spTgt spid="11266"/>
                                         </p:tgtEl>
                                         <p:attrNameLst>
                                           <p:attrName>ppt_x</p:attrName>
@@ -14313,10 +14624,10 @@
                                       <p:cBhvr>
                                         <p:cTn id="12" dur="1" fill="hold"/>
                                         <p:tgtEl>
-                                          <p:spTgt spid="5"/>
-                                        </p:tgtEl>
-                                      </p:cBhvr>
-                                      <p:by x="528828" y="528828"/>
+                                          <p:spTgt spid="11266"/>
+                                        </p:tgtEl>
+                                      </p:cBhvr>
+                                      <p:by x="528829" y="528829"/>
                                     </p:animScale>
                                   </p:childTnLst>
                                 </p:cTn>
@@ -14331,7 +14642,7 @@
                                       <p:cBhvr>
                                         <p:cTn id="14" dur="10"/>
                                         <p:tgtEl>
-                                          <p:spTgt spid="6"/>
+                                          <p:spTgt spid="5"/>
                                         </p:tgtEl>
                                       </p:cBhvr>
                                     </p:animEffect>
@@ -14343,7 +14654,7 @@
                                           </p:stCondLst>
                                         </p:cTn>
                                         <p:tgtEl>
-                                          <p:spTgt spid="6"/>
+                                          <p:spTgt spid="5"/>
                                         </p:tgtEl>
                                         <p:attrNameLst>
                                           <p:attrName>style.visibility</p:attrName>
@@ -14371,11 +14682,11 @@
                                     <p:cond delay="0"/>
                                   </p:stCondLst>
                                   <p:childTnLst>
-                                    <p:animMotion origin="layout" path="M 0.4446925 1.449889 C 0.002813399 0.8386196 0.002813399 0.8386196 -0.4390657 0.2273501 E" pathEditMode="relative" ptsTypes="">
+                                    <p:animMotion origin="layout" path="M 0.4446929 1.449891 C 0.002813905 0.8386203 0.002813905 0.8386203 -0.4390651 0.2273496 E" pathEditMode="relative" ptsTypes="">
                                       <p:cBhvr>
                                         <p:cTn id="18" dur="400" fill="hold"/>
                                         <p:tgtEl>
-                                          <p:spTgt spid="5"/>
+                                          <p:spTgt spid="11266"/>
                                         </p:tgtEl>
                                         <p:attrNameLst>
                                           <p:attrName>ppt_x</p:attrName>
@@ -14396,7 +14707,7 @@
                                       <p:cBhvr>
                                         <p:cTn id="20" dur="400" fill="hold"/>
                                         <p:tgtEl>
-                                          <p:spTgt spid="5"/>
+                                          <p:spTgt spid="11266"/>
                                         </p:tgtEl>
                                       </p:cBhvr>
                                       <p:by x="35516" y="35515"/>
@@ -14437,7 +14748,7 @@
 
 <file path=ppt/slides/slide21.xml><?xml version="1.0" encoding="utf-8"?>
 <p:sld xmlns:a="http://schemas.openxmlformats.org/drawingml/2006/main" xmlns:r="http://schemas.openxmlformats.org/officeDocument/2006/relationships" xmlns:p="http://schemas.openxmlformats.org/presentationml/2006/main">
-  <p:cSld name="PPTLabsMagnifiedSlide201705111428205036">
+  <p:cSld name="PPTLabsMagnifiedSlide201506181756136100">
     <p:bg>
       <p:bgPr>
         <a:solidFill>
@@ -14462,20 +14773,26 @@
       </p:grpSpPr>
       <p:pic>
         <p:nvPicPr>
-          <p:cNvPr id="5" name="PPTLabsMagnifyAreaGroup201705111428204704"/>
+          <p:cNvPr id="12290" name="PPTLabsMagnifyAreaGroup201506181756135860"/>
           <p:cNvPicPr>
-            <a:picLocks noChangeAspect="1"/>
+            <a:picLocks noChangeAspect="1" noChangeArrowheads="1"/>
           </p:cNvPicPr>
           <p:nvPr/>
         </p:nvPicPr>
         <p:blipFill>
-          <a:blip r:embed="rId2"/>
+          <a:blip r:embed="rId2">
+            <a:extLst>
+              <a:ext uri="{28A0092B-C50C-407E-A947-70E740481C1C}">
+                <a14:useLocalDpi xmlns:a14="http://schemas.microsoft.com/office/drawing/2010/main" val="0"/>
+              </a:ext>
+            </a:extLst>
+          </a:blip>
           <a:srcRect/>
           <a:stretch>
             <a:fillRect/>
           </a:stretch>
         </p:blipFill>
-        <p:spPr>
+        <p:spPr bwMode="auto">
           <a:xfrm>
             <a:off x="-8029764" y="-1452008"/>
             <a:ext cx="17173764" cy="12880349"/>
@@ -14483,11 +14800,44 @@
           <a:prstGeom prst="rect">
             <a:avLst/>
           </a:prstGeom>
+          <a:noFill/>
+          <a:ln>
+            <a:noFill/>
+          </a:ln>
+          <a:effectLst/>
+          <a:extLst>
+            <a:ext uri="{909E8E84-426E-40DD-AFC4-6F175D3DCCD1}">
+              <a14:hiddenFill xmlns:a14="http://schemas.microsoft.com/office/drawing/2010/main">
+                <a:solidFill>
+                  <a:schemeClr val="accent1"/>
+                </a:solidFill>
+              </a14:hiddenFill>
+            </a:ext>
+            <a:ext uri="{91240B29-F687-4F45-9708-019B960494DF}">
+              <a14:hiddenLine xmlns:a14="http://schemas.microsoft.com/office/drawing/2010/main" w="9525">
+                <a:solidFill>
+                  <a:schemeClr val="tx1"/>
+                </a:solidFill>
+                <a:miter lim="800000"/>
+                <a:headEnd/>
+                <a:tailEnd/>
+              </a14:hiddenLine>
+            </a:ext>
+            <a:ext uri="{AF507438-7753-43E0-B8FC-AC1667EBCBE1}">
+              <a14:hiddenEffects xmlns:a14="http://schemas.microsoft.com/office/drawing/2010/main">
+                <a:effectLst>
+                  <a:outerShdw dist="35921" dir="2700000" algn="ctr" rotWithShape="0">
+                    <a:schemeClr val="bg2"/>
+                  </a:outerShdw>
+                </a:effectLst>
+              </a14:hiddenEffects>
+            </a:ext>
+          </a:extLst>
         </p:spPr>
       </p:pic>
       <p:pic>
         <p:nvPicPr>
-          <p:cNvPr id="3" name="PPTIndicator201705111428205297"/>
+          <p:cNvPr id="3" name="PPTIndicator201506181756136250"/>
           <p:cNvPicPr>
             <a:picLocks/>
           </p:cNvPicPr>
@@ -14518,7 +14868,7 @@
     </p:spTree>
     <p:extLst>
       <p:ext uri="{BB962C8B-B14F-4D97-AF65-F5344CB8AC3E}">
-        <p14:creationId xmlns:p14="http://schemas.microsoft.com/office/powerpoint/2010/main" val="102992547"/>
+        <p14:creationId xmlns:p14="http://schemas.microsoft.com/office/powerpoint/2010/main" val="704792802"/>
       </p:ext>
     </p:extLst>
   </p:cSld>
@@ -14643,7 +14993,7 @@
 
 <file path=ppt/slides/slide22.xml><?xml version="1.0" encoding="utf-8"?>
 <p:sld xmlns:a="http://schemas.openxmlformats.org/drawingml/2006/main" xmlns:r="http://schemas.openxmlformats.org/officeDocument/2006/relationships" xmlns:p="http://schemas.openxmlformats.org/presentationml/2006/main">
-  <p:cSld name="PPTLabsMagnifiedPanSlide201705111428208828">
+  <p:cSld name="PPTLabsMagnifiedPanSlide201506181756139670">
     <p:bg>
       <p:bgPr>
         <a:solidFill>
@@ -14668,20 +15018,26 @@
       </p:grpSpPr>
       <p:pic>
         <p:nvPicPr>
-          <p:cNvPr id="5" name="PPTLabsMagnifyAreaGroup201705111428204704"/>
+          <p:cNvPr id="12290" name="PPTLabsMagnifyAreaGroup201506181756135860"/>
           <p:cNvPicPr>
-            <a:picLocks/>
+            <a:picLocks noChangeArrowheads="1"/>
           </p:cNvPicPr>
           <p:nvPr/>
         </p:nvPicPr>
         <p:blipFill>
-          <a:blip r:embed="rId2"/>
+          <a:blip r:embed="rId2">
+            <a:extLst>
+              <a:ext uri="{28A0092B-C50C-407E-A947-70E740481C1C}">
+                <a14:useLocalDpi xmlns:a14="http://schemas.microsoft.com/office/drawing/2010/main" val="0"/>
+              </a:ext>
+            </a:extLst>
+          </a:blip>
           <a:srcRect/>
           <a:stretch>
             <a:fillRect/>
           </a:stretch>
         </p:blipFill>
-        <p:spPr>
+        <p:spPr bwMode="auto">
           <a:xfrm>
             <a:off x="1" y="0"/>
             <a:ext cx="9143981" cy="6858000"/>
@@ -14689,24 +15045,63 @@
           <a:prstGeom prst="rect">
             <a:avLst/>
           </a:prstGeom>
+          <a:noFill/>
+          <a:ln>
+            <a:noFill/>
+          </a:ln>
+          <a:effectLst/>
+          <a:extLst>
+            <a:ext uri="{909E8E84-426E-40DD-AFC4-6F175D3DCCD1}">
+              <a14:hiddenFill xmlns:a14="http://schemas.microsoft.com/office/drawing/2010/main">
+                <a:solidFill>
+                  <a:schemeClr val="accent1"/>
+                </a:solidFill>
+              </a14:hiddenFill>
+            </a:ext>
+            <a:ext uri="{91240B29-F687-4F45-9708-019B960494DF}">
+              <a14:hiddenLine xmlns:a14="http://schemas.microsoft.com/office/drawing/2010/main" w="9525">
+                <a:solidFill>
+                  <a:schemeClr val="tx1"/>
+                </a:solidFill>
+                <a:miter lim="800000"/>
+                <a:headEnd/>
+                <a:tailEnd/>
+              </a14:hiddenLine>
+            </a:ext>
+            <a:ext uri="{AF507438-7753-43E0-B8FC-AC1667EBCBE1}">
+              <a14:hiddenEffects xmlns:a14="http://schemas.microsoft.com/office/drawing/2010/main">
+                <a:effectLst>
+                  <a:outerShdw dist="35921" dir="2700000" algn="ctr" rotWithShape="0">
+                    <a:schemeClr val="bg2"/>
+                  </a:outerShdw>
+                </a:effectLst>
+              </a14:hiddenEffects>
+            </a:ext>
+          </a:extLst>
         </p:spPr>
       </p:pic>
       <p:pic>
         <p:nvPicPr>
-          <p:cNvPr id="6" name="PPTLabsMagnifyAreaGroup201705111428204704"/>
+          <p:cNvPr id="5" name="PPTLabsMagnifyAreaGroup201506181756135860"/>
           <p:cNvPicPr>
-            <a:picLocks/>
+            <a:picLocks noChangeArrowheads="1"/>
           </p:cNvPicPr>
           <p:nvPr/>
         </p:nvPicPr>
         <p:blipFill>
-          <a:blip r:embed="rId2"/>
+          <a:blip r:embed="rId2">
+            <a:extLst>
+              <a:ext uri="{28A0092B-C50C-407E-A947-70E740481C1C}">
+                <a14:useLocalDpi xmlns:a14="http://schemas.microsoft.com/office/drawing/2010/main" val="0"/>
+              </a:ext>
+            </a:extLst>
+          </a:blip>
           <a:srcRect/>
           <a:stretch>
             <a:fillRect/>
           </a:stretch>
         </p:blipFill>
-        <p:spPr>
+        <p:spPr bwMode="auto">
           <a:xfrm>
             <a:off x="-8029764" y="-1452008"/>
             <a:ext cx="17173764" cy="12880349"/>
@@ -14714,11 +15109,44 @@
           <a:prstGeom prst="rect">
             <a:avLst/>
           </a:prstGeom>
+          <a:noFill/>
+          <a:ln>
+            <a:noFill/>
+          </a:ln>
+          <a:effectLst/>
+          <a:extLst>
+            <a:ext uri="{909E8E84-426E-40DD-AFC4-6F175D3DCCD1}">
+              <a14:hiddenFill xmlns:a14="http://schemas.microsoft.com/office/drawing/2010/main">
+                <a:solidFill>
+                  <a:schemeClr val="accent1"/>
+                </a:solidFill>
+              </a14:hiddenFill>
+            </a:ext>
+            <a:ext uri="{91240B29-F687-4F45-9708-019B960494DF}">
+              <a14:hiddenLine xmlns:a14="http://schemas.microsoft.com/office/drawing/2010/main" w="9525">
+                <a:solidFill>
+                  <a:schemeClr val="tx1"/>
+                </a:solidFill>
+                <a:miter lim="800000"/>
+                <a:headEnd/>
+                <a:tailEnd/>
+              </a14:hiddenLine>
+            </a:ext>
+            <a:ext uri="{AF507438-7753-43E0-B8FC-AC1667EBCBE1}">
+              <a14:hiddenEffects xmlns:a14="http://schemas.microsoft.com/office/drawing/2010/main">
+                <a:effectLst>
+                  <a:outerShdw dist="35921" dir="2700000" algn="ctr" rotWithShape="0">
+                    <a:schemeClr val="bg2"/>
+                  </a:outerShdw>
+                </a:effectLst>
+              </a14:hiddenEffects>
+            </a:ext>
+          </a:extLst>
         </p:spPr>
       </p:pic>
       <p:pic>
         <p:nvPicPr>
-          <p:cNvPr id="2" name="PPTIndicator201705111428209008"/>
+          <p:cNvPr id="2" name="PPTIndicator201506181756139810"/>
           <p:cNvPicPr>
             <a:picLocks/>
           </p:cNvPicPr>
@@ -14749,7 +15177,7 @@
     </p:spTree>
     <p:extLst>
       <p:ext uri="{BB962C8B-B14F-4D97-AF65-F5344CB8AC3E}">
-        <p14:creationId xmlns:p14="http://schemas.microsoft.com/office/powerpoint/2010/main" val="1170809142"/>
+        <p14:creationId xmlns:p14="http://schemas.microsoft.com/office/powerpoint/2010/main" val="3546375103"/>
       </p:ext>
     </p:extLst>
   </p:cSld>
@@ -14847,11 +15275,11 @@
                                     <p:cond delay="0"/>
                                   </p:stCondLst>
                                   <p:childTnLst>
-                                    <p:animMotion origin="layout" path="M 0 0 C -0.219536 0.113675 -0.219536 0.113675 -0.4390719 0.22735 E" pathEditMode="relative" ptsTypes="">
+                                    <p:animMotion origin="layout" path="M 0 0 C -0.2195359 0.113675 -0.2195359 0.113675 -0.4390719 0.22735 E" pathEditMode="relative" ptsTypes="">
                                       <p:cBhvr>
                                         <p:cTn id="10" dur="1" fill="hold"/>
                                         <p:tgtEl>
-                                          <p:spTgt spid="5"/>
+                                          <p:spTgt spid="12290"/>
                                         </p:tgtEl>
                                         <p:attrNameLst>
                                           <p:attrName>ppt_x</p:attrName>
@@ -14872,7 +15300,7 @@
                                       <p:cBhvr>
                                         <p:cTn id="12" dur="1" fill="hold"/>
                                         <p:tgtEl>
-                                          <p:spTgt spid="5"/>
+                                          <p:spTgt spid="12290"/>
                                         </p:tgtEl>
                                       </p:cBhvr>
                                       <p:by x="187815" y="187815"/>
@@ -14890,7 +15318,7 @@
                                       <p:cBhvr>
                                         <p:cTn id="14" dur="10"/>
                                         <p:tgtEl>
-                                          <p:spTgt spid="6"/>
+                                          <p:spTgt spid="5"/>
                                         </p:tgtEl>
                                       </p:cBhvr>
                                     </p:animEffect>
@@ -14902,7 +15330,7 @@
                                           </p:stCondLst>
                                         </p:cTn>
                                         <p:tgtEl>
-                                          <p:spTgt spid="6"/>
+                                          <p:spTgt spid="5"/>
                                         </p:tgtEl>
                                         <p:attrNameLst>
                                           <p:attrName>style.visibility</p:attrName>
@@ -14934,7 +15362,7 @@
                                       <p:cBhvr>
                                         <p:cTn id="18" dur="400" fill="hold"/>
                                         <p:tgtEl>
-                                          <p:spTgt spid="5"/>
+                                          <p:spTgt spid="12290"/>
                                         </p:tgtEl>
                                         <p:attrNameLst>
                                           <p:attrName>ppt_x</p:attrName>
@@ -14955,7 +15383,7 @@
                                       <p:cBhvr>
                                         <p:cTn id="20" dur="400" fill="hold"/>
                                         <p:tgtEl>
-                                          <p:spTgt spid="5"/>
+                                          <p:spTgt spid="12290"/>
                                         </p:tgtEl>
                                       </p:cBhvr>
                                       <p:by x="108283" y="108283"/>
@@ -14996,7 +15424,7 @@
 
 <file path=ppt/slides/slide23.xml><?xml version="1.0" encoding="utf-8"?>
 <p:sld xmlns:a="http://schemas.openxmlformats.org/drawingml/2006/main" xmlns:r="http://schemas.openxmlformats.org/officeDocument/2006/relationships" xmlns:p="http://schemas.openxmlformats.org/presentationml/2006/main">
-  <p:cSld name="PPTLabsMagnifiedSlide201705111428208527">
+  <p:cSld name="PPTLabsMagnifiedSlide201506181756139480">
     <p:bg>
       <p:bgPr>
         <a:solidFill>
@@ -15021,20 +15449,26 @@
       </p:grpSpPr>
       <p:pic>
         <p:nvPicPr>
-          <p:cNvPr id="5" name="PPTLabsMagnifyAreaGroup201705111428208072"/>
+          <p:cNvPr id="13314" name="PPTLabsMagnifyAreaGroup201506181756139240"/>
           <p:cNvPicPr>
-            <a:picLocks noChangeAspect="1"/>
+            <a:picLocks noChangeAspect="1" noChangeArrowheads="1"/>
           </p:cNvPicPr>
           <p:nvPr/>
         </p:nvPicPr>
         <p:blipFill>
-          <a:blip r:embed="rId2"/>
+          <a:blip r:embed="rId2">
+            <a:extLst>
+              <a:ext uri="{28A0092B-C50C-407E-A947-70E740481C1C}">
+                <a14:useLocalDpi xmlns:a14="http://schemas.microsoft.com/office/drawing/2010/main" val="0"/>
+              </a:ext>
+            </a:extLst>
+          </a:blip>
           <a:srcRect/>
           <a:stretch>
             <a:fillRect/>
           </a:stretch>
         </p:blipFill>
-        <p:spPr>
+        <p:spPr bwMode="auto">
           <a:xfrm>
             <a:off x="-4028893" y="-7089260"/>
             <a:ext cx="18596324" cy="13947264"/>
@@ -15042,11 +15476,44 @@
           <a:prstGeom prst="rect">
             <a:avLst/>
           </a:prstGeom>
+          <a:noFill/>
+          <a:ln>
+            <a:noFill/>
+          </a:ln>
+          <a:effectLst/>
+          <a:extLst>
+            <a:ext uri="{909E8E84-426E-40DD-AFC4-6F175D3DCCD1}">
+              <a14:hiddenFill xmlns:a14="http://schemas.microsoft.com/office/drawing/2010/main">
+                <a:solidFill>
+                  <a:schemeClr val="accent1"/>
+                </a:solidFill>
+              </a14:hiddenFill>
+            </a:ext>
+            <a:ext uri="{91240B29-F687-4F45-9708-019B960494DF}">
+              <a14:hiddenLine xmlns:a14="http://schemas.microsoft.com/office/drawing/2010/main" w="9525">
+                <a:solidFill>
+                  <a:schemeClr val="tx1"/>
+                </a:solidFill>
+                <a:miter lim="800000"/>
+                <a:headEnd/>
+                <a:tailEnd/>
+              </a14:hiddenLine>
+            </a:ext>
+            <a:ext uri="{AF507438-7753-43E0-B8FC-AC1667EBCBE1}">
+              <a14:hiddenEffects xmlns:a14="http://schemas.microsoft.com/office/drawing/2010/main">
+                <a:effectLst>
+                  <a:outerShdw dist="35921" dir="2700000" algn="ctr" rotWithShape="0">
+                    <a:schemeClr val="bg2"/>
+                  </a:outerShdw>
+                </a:effectLst>
+              </a14:hiddenEffects>
+            </a:ext>
+          </a:extLst>
         </p:spPr>
       </p:pic>
       <p:pic>
         <p:nvPicPr>
-          <p:cNvPr id="3" name="PPTIndicator201705111428208798"/>
+          <p:cNvPr id="3" name="PPTIndicator201506181756139630"/>
           <p:cNvPicPr>
             <a:picLocks/>
           </p:cNvPicPr>
@@ -15077,7 +15544,7 @@
     </p:spTree>
     <p:extLst>
       <p:ext uri="{BB962C8B-B14F-4D97-AF65-F5344CB8AC3E}">
-        <p14:creationId xmlns:p14="http://schemas.microsoft.com/office/powerpoint/2010/main" val="1203944331"/>
+        <p14:creationId xmlns:p14="http://schemas.microsoft.com/office/powerpoint/2010/main" val="1124689160"/>
       </p:ext>
     </p:extLst>
   </p:cSld>
@@ -15202,7 +15669,7 @@
 
 <file path=ppt/slides/slide24.xml><?xml version="1.0" encoding="utf-8"?>
 <p:sld xmlns:a="http://schemas.openxmlformats.org/drawingml/2006/main" xmlns:r="http://schemas.openxmlformats.org/officeDocument/2006/relationships" xmlns:p="http://schemas.openxmlformats.org/presentationml/2006/main">
-  <p:cSld name="PPTLabsDeMagnifyingSlide201705111428209078">
+  <p:cSld name="PPTLabsDeMagnifyingSlide201506181756139870">
     <p:bg>
       <p:bgPr>
         <a:solidFill>
@@ -15303,55 +15770,135 @@
       </p:sp>
       <p:pic>
         <p:nvPicPr>
-          <p:cNvPr id="5" name="PPTLabsMagnifyAreaGroup201705111428208072"/>
+          <p:cNvPr id="13314" name="PPTLabsMagnifyAreaGroup201506181756139240"/>
           <p:cNvPicPr>
-            <a:picLocks/>
+            <a:picLocks noChangeArrowheads="1"/>
           </p:cNvPicPr>
           <p:nvPr/>
         </p:nvPicPr>
         <p:blipFill>
-          <a:blip r:embed="rId3"/>
+          <a:blip r:embed="rId3">
+            <a:extLst>
+              <a:ext uri="{28A0092B-C50C-407E-A947-70E740481C1C}">
+                <a14:useLocalDpi xmlns:a14="http://schemas.microsoft.com/office/drawing/2010/main" val="0"/>
+              </a:ext>
+            </a:extLst>
+          </a:blip>
+          <a:srcRect/>
           <a:stretch>
             <a:fillRect/>
           </a:stretch>
         </p:blipFill>
-        <p:spPr>
+        <p:spPr bwMode="auto">
           <a:xfrm>
             <a:off x="0" y="0"/>
-            <a:ext cx="9144000" cy="6857998"/>
+            <a:ext cx="9144000" cy="6858000"/>
           </a:xfrm>
           <a:prstGeom prst="rect">
             <a:avLst/>
           </a:prstGeom>
+          <a:noFill/>
+          <a:ln>
+            <a:noFill/>
+          </a:ln>
+          <a:effectLst/>
+          <a:extLst>
+            <a:ext uri="{909E8E84-426E-40DD-AFC4-6F175D3DCCD1}">
+              <a14:hiddenFill xmlns:a14="http://schemas.microsoft.com/office/drawing/2010/main">
+                <a:solidFill>
+                  <a:schemeClr val="accent1"/>
+                </a:solidFill>
+              </a14:hiddenFill>
+            </a:ext>
+            <a:ext uri="{91240B29-F687-4F45-9708-019B960494DF}">
+              <a14:hiddenLine xmlns:a14="http://schemas.microsoft.com/office/drawing/2010/main" w="9525">
+                <a:solidFill>
+                  <a:schemeClr val="tx1"/>
+                </a:solidFill>
+                <a:miter lim="800000"/>
+                <a:headEnd/>
+                <a:tailEnd/>
+              </a14:hiddenLine>
+            </a:ext>
+            <a:ext uri="{AF507438-7753-43E0-B8FC-AC1667EBCBE1}">
+              <a14:hiddenEffects xmlns:a14="http://schemas.microsoft.com/office/drawing/2010/main">
+                <a:effectLst>
+                  <a:outerShdw dist="35921" dir="2700000" algn="ctr" rotWithShape="0">
+                    <a:schemeClr val="bg2"/>
+                  </a:outerShdw>
+                </a:effectLst>
+              </a14:hiddenEffects>
+            </a:ext>
+          </a:extLst>
         </p:spPr>
       </p:pic>
       <p:pic>
         <p:nvPicPr>
-          <p:cNvPr id="11" name="PPTLabsMagnifyAreaGroup201705111428208072"/>
+          <p:cNvPr id="11" name="PPTLabsMagnifyAreaGroup201506181756139240"/>
           <p:cNvPicPr>
-            <a:picLocks/>
+            <a:picLocks noChangeArrowheads="1"/>
           </p:cNvPicPr>
           <p:nvPr/>
         </p:nvPicPr>
         <p:blipFill>
-          <a:blip r:embed="rId3"/>
+          <a:blip r:embed="rId3">
+            <a:extLst>
+              <a:ext uri="{28A0092B-C50C-407E-A947-70E740481C1C}">
+                <a14:useLocalDpi xmlns:a14="http://schemas.microsoft.com/office/drawing/2010/main" val="0"/>
+              </a:ext>
+            </a:extLst>
+          </a:blip>
+          <a:srcRect/>
           <a:stretch>
             <a:fillRect/>
           </a:stretch>
         </p:blipFill>
-        <p:spPr>
+        <p:spPr bwMode="auto">
           <a:xfrm>
-            <a:off x="-4029560" y="-7090474"/>
-            <a:ext cx="18597967" cy="13948474"/>
+            <a:off x="-4029559" y="-7090474"/>
+            <a:ext cx="18597966" cy="13948474"/>
           </a:xfrm>
           <a:prstGeom prst="rect">
             <a:avLst/>
           </a:prstGeom>
+          <a:noFill/>
+          <a:ln>
+            <a:noFill/>
+          </a:ln>
+          <a:effectLst/>
+          <a:extLst>
+            <a:ext uri="{909E8E84-426E-40DD-AFC4-6F175D3DCCD1}">
+              <a14:hiddenFill xmlns:a14="http://schemas.microsoft.com/office/drawing/2010/main">
+                <a:solidFill>
+                  <a:schemeClr val="accent1"/>
+                </a:solidFill>
+              </a14:hiddenFill>
+            </a:ext>
+            <a:ext uri="{91240B29-F687-4F45-9708-019B960494DF}">
+              <a14:hiddenLine xmlns:a14="http://schemas.microsoft.com/office/drawing/2010/main" w="9525">
+                <a:solidFill>
+                  <a:schemeClr val="tx1"/>
+                </a:solidFill>
+                <a:miter lim="800000"/>
+                <a:headEnd/>
+                <a:tailEnd/>
+              </a14:hiddenLine>
+            </a:ext>
+            <a:ext uri="{AF507438-7753-43E0-B8FC-AC1667EBCBE1}">
+              <a14:hiddenEffects xmlns:a14="http://schemas.microsoft.com/office/drawing/2010/main">
+                <a:effectLst>
+                  <a:outerShdw dist="35921" dir="2700000" algn="ctr" rotWithShape="0">
+                    <a:schemeClr val="bg2"/>
+                  </a:outerShdw>
+                </a:effectLst>
+              </a14:hiddenEffects>
+            </a:ext>
+          </a:extLst>
         </p:spPr>
       </p:pic>
       <p:pic>
         <p:nvPicPr>
-          <p:cNvPr id="3" name="PPTIndicator201705111428209298"/>
+          <p:cNvPr id="3" name="PPTIndicator201506181756140030"/>
           <p:cNvPicPr>
             <a:picLocks/>
           </p:cNvPicPr>
@@ -15382,7 +15929,7 @@
     </p:spTree>
     <p:extLst>
       <p:ext uri="{BB962C8B-B14F-4D97-AF65-F5344CB8AC3E}">
-        <p14:creationId xmlns:p14="http://schemas.microsoft.com/office/powerpoint/2010/main" val="2628252027"/>
+        <p14:creationId xmlns:p14="http://schemas.microsoft.com/office/powerpoint/2010/main" val="1704016943"/>
       </p:ext>
     </p:extLst>
   </p:cSld>
@@ -15480,11 +16027,11 @@
                                     <p:cond delay="0"/>
                                   </p:stCondLst>
                                   <p:childTnLst>
-                                    <p:animMotion origin="layout" path="M 0 0 C 0.03813563 -0.2584745 0.03813563 -0.2584745 0.07627127 -0.5169489 E" pathEditMode="relative" ptsTypes="">
+                                    <p:animMotion origin="layout" path="M 0 0 C 0.03813559 -0.2584746 0.03813559 -0.2584746 0.07627118 -0.5169491 E" pathEditMode="relative" ptsTypes="">
                                       <p:cBhvr>
                                         <p:cTn id="10" dur="1" fill="hold"/>
                                         <p:tgtEl>
-                                          <p:spTgt spid="5"/>
+                                          <p:spTgt spid="13314"/>
                                         </p:tgtEl>
                                         <p:attrNameLst>
                                           <p:attrName>ppt_x</p:attrName>
@@ -15505,7 +16052,7 @@
                                       <p:cBhvr>
                                         <p:cTn id="12" dur="1" fill="hold"/>
                                         <p:tgtEl>
-                                          <p:spTgt spid="5"/>
+                                          <p:spTgt spid="13314"/>
                                         </p:tgtEl>
                                       </p:cBhvr>
                                       <p:by x="203390" y="203390"/>
@@ -15554,11 +16101,11 @@
                                     <p:cond delay="0"/>
                                   </p:stCondLst>
                                   <p:childTnLst>
-                                    <p:animMotion origin="layout" path="M 0.07627127 -0.516949 C 0.03813564 -0.2584744 0.03813564 -0.2584744 -7.450581E-09 1.192093E-07 E" pathEditMode="relative" ptsTypes="">
+                                    <p:animMotion origin="layout" path="M 0.07627118 -0.5169491 C 0.0381356 -0.2584745 0.0381356 -0.2584745 7.450581E-09 0 E" pathEditMode="relative" ptsTypes="">
                                       <p:cBhvr>
                                         <p:cTn id="17" dur="400" fill="hold"/>
                                         <p:tgtEl>
-                                          <p:spTgt spid="5"/>
+                                          <p:spTgt spid="13314"/>
                                         </p:tgtEl>
                                         <p:attrNameLst>
                                           <p:attrName>ppt_x</p:attrName>
@@ -15579,7 +16126,7 @@
                                       <p:cBhvr>
                                         <p:cTn id="19" dur="400" fill="hold"/>
                                         <p:tgtEl>
-                                          <p:spTgt spid="5"/>
+                                          <p:spTgt spid="13314"/>
                                         </p:tgtEl>
                                       </p:cBhvr>
                                       <p:by x="49167" y="49167"/>
@@ -15660,7 +16207,7 @@
                                       <p:cBhvr>
                                         <p:cTn id="26" dur="10"/>
                                         <p:tgtEl>
-                                          <p:spTgt spid="5"/>
+                                          <p:spTgt spid="13314"/>
                                         </p:tgtEl>
                                       </p:cBhvr>
                                     </p:animEffect>
@@ -15672,7 +16219,7 @@
                                           </p:stCondLst>
                                         </p:cTn>
                                         <p:tgtEl>
-                                          <p:spTgt spid="5"/>
+                                          <p:spTgt spid="13314"/>
                                         </p:tgtEl>
                                         <p:attrNameLst>
                                           <p:attrName>style.visibility</p:attrName>
@@ -16677,7 +17224,7 @@
 
 <file path=ppt/slides/slide27.xml><?xml version="1.0" encoding="utf-8"?>
 <p:sld xmlns:a="http://schemas.openxmlformats.org/drawingml/2006/main" xmlns:r="http://schemas.openxmlformats.org/officeDocument/2006/relationships" xmlns:p="http://schemas.openxmlformats.org/presentationml/2006/main">
-  <p:cSld name="PPTLabsZoomToAreaSlide201705111427513434">
+  <p:cSld name="PPTLabsZoomToAreaSlide201506261604157394">
     <p:bg>
       <p:bgPr>
         <a:solidFill>
@@ -16930,87 +17477,7 @@
       </p:sp>
       <p:sp>
         <p:nvSpPr>
-          <p:cNvPr id="16" name="Oval 1" hidden="1"/>
-          <p:cNvSpPr/>
-          <p:nvPr/>
-        </p:nvSpPr>
-        <p:spPr>
-          <a:xfrm>
-            <a:off x="302733" y="3184634"/>
-            <a:ext cx="4953000" cy="3505200"/>
-          </a:xfrm>
-          <a:prstGeom prst="ellipse">
-            <a:avLst/>
-          </a:prstGeom>
-        </p:spPr>
-        <p:style>
-          <a:lnRef idx="2">
-            <a:schemeClr val="accent1">
-              <a:shade val="50000"/>
-            </a:schemeClr>
-          </a:lnRef>
-          <a:fillRef idx="1">
-            <a:schemeClr val="accent1"/>
-          </a:fillRef>
-          <a:effectRef idx="0">
-            <a:schemeClr val="accent1"/>
-          </a:effectRef>
-          <a:fontRef idx="minor">
-            <a:schemeClr val="lt1"/>
-          </a:fontRef>
-        </p:style>
-        <p:txBody>
-          <a:bodyPr rtlCol="0" anchor="ctr"/>
-          <a:lstStyle/>
-          <a:p>
-            <a:pPr algn="ctr"/>
-            <a:endParaRPr lang="en-US"/>
-          </a:p>
-        </p:txBody>
-      </p:sp>
-      <p:sp>
-        <p:nvSpPr>
-          <p:cNvPr id="17" name="Oval 5" hidden="1"/>
-          <p:cNvSpPr/>
-          <p:nvPr/>
-        </p:nvSpPr>
-        <p:spPr>
-          <a:xfrm>
-            <a:off x="3962400" y="381000"/>
-            <a:ext cx="4953000" cy="3505200"/>
-          </a:xfrm>
-          <a:prstGeom prst="ellipse">
-            <a:avLst/>
-          </a:prstGeom>
-        </p:spPr>
-        <p:style>
-          <a:lnRef idx="2">
-            <a:schemeClr val="accent1">
-              <a:shade val="50000"/>
-            </a:schemeClr>
-          </a:lnRef>
-          <a:fillRef idx="1">
-            <a:schemeClr val="accent1"/>
-          </a:fillRef>
-          <a:effectRef idx="0">
-            <a:schemeClr val="accent1"/>
-          </a:effectRef>
-          <a:fontRef idx="minor">
-            <a:schemeClr val="lt1"/>
-          </a:fontRef>
-        </p:style>
-        <p:txBody>
-          <a:bodyPr rtlCol="0" anchor="ctr"/>
-          <a:lstStyle/>
-          <a:p>
-            <a:pPr algn="ctr"/>
-            <a:endParaRPr lang="en-US"/>
-          </a:p>
-        </p:txBody>
-      </p:sp>
-      <p:sp>
-        <p:nvSpPr>
-          <p:cNvPr id="3" name="PPTLabsMagnifyShape201705111427513514"/>
+          <p:cNvPr id="3" name="PPTLabsMagnifyShape201506261604157454"/>
           <p:cNvSpPr/>
           <p:nvPr/>
         </p:nvSpPr>
@@ -17074,7 +17541,7 @@
       </p:sp>
       <p:sp>
         <p:nvSpPr>
-          <p:cNvPr id="8" name="PPTLabsMagnifyShape201705111427513674"/>
+          <p:cNvPr id="8" name="PPTLabsMagnifyShape201506261604157594"/>
           <p:cNvSpPr/>
           <p:nvPr/>
         </p:nvSpPr>
@@ -17138,7 +17605,7 @@
       </p:sp>
       <p:sp>
         <p:nvSpPr>
-          <p:cNvPr id="9" name="PPTLabsMagnifyShape201705111427513724"/>
+          <p:cNvPr id="9" name="PPTLabsMagnifyShape201506261604157744"/>
           <p:cNvSpPr/>
           <p:nvPr/>
         </p:nvSpPr>
@@ -17202,7 +17669,7 @@
       </p:sp>
       <p:sp>
         <p:nvSpPr>
-          <p:cNvPr id="10" name="PPTLabsMagnifyShape201705111427513784"/>
+          <p:cNvPr id="10" name="PPTLabsMagnifyShape201506261604157824"/>
           <p:cNvSpPr/>
           <p:nvPr/>
         </p:nvSpPr>
@@ -17267,7 +17734,7 @@
     </p:spTree>
     <p:extLst>
       <p:ext uri="{BB962C8B-B14F-4D97-AF65-F5344CB8AC3E}">
-        <p14:creationId xmlns:p14="http://schemas.microsoft.com/office/powerpoint/2010/main" val="3915566693"/>
+        <p14:creationId xmlns:p14="http://schemas.microsoft.com/office/powerpoint/2010/main" val="185689802"/>
       </p:ext>
     </p:extLst>
   </p:cSld>
@@ -17691,7 +18158,7 @@
 
 <file path=ppt/slides/slide28.xml><?xml version="1.0" encoding="utf-8"?>
 <p:sld xmlns:a="http://schemas.openxmlformats.org/drawingml/2006/main" xmlns:r="http://schemas.openxmlformats.org/officeDocument/2006/relationships" xmlns:p="http://schemas.openxmlformats.org/presentationml/2006/main">
-  <p:cSld name="PPTLabsMagnifyingSlide201705111427514103">
+  <p:cSld name="PPTLabsMagnifyingSlide201506261604158044">
     <p:bg>
       <p:bgPr>
         <a:solidFill>
@@ -17716,7 +18183,7 @@
       </p:grpSpPr>
       <p:pic>
         <p:nvPicPr>
-          <p:cNvPr id="34" name="Picture 3" descr="File:AmineTreating.png"/>
+          <p:cNvPr id="32" name="Picture 3" descr="File:AmineTreating.png"/>
           <p:cNvPicPr>
             <a:picLocks noChangeAspect="1" noChangeArrowheads="1"/>
           </p:cNvPicPr>
@@ -17762,7 +18229,7 @@
       </p:pic>
       <p:sp>
         <p:nvSpPr>
-          <p:cNvPr id="35" name="TextBox 1"/>
+          <p:cNvPr id="33" name="TextBox 1"/>
           <p:cNvSpPr txBox="1"/>
           <p:nvPr/>
         </p:nvSpPr>
@@ -17792,68 +18259,154 @@
       </p:sp>
       <p:pic>
         <p:nvPicPr>
-          <p:cNvPr id="36" name="PPTLabsMagnifyAreaGroup201705111427528056"/>
+          <p:cNvPr id="34" name="PPTLabsMagnifyAreaGroup201506261604171545"/>
           <p:cNvPicPr>
-            <a:picLocks/>
+            <a:picLocks noChangeArrowheads="1"/>
           </p:cNvPicPr>
           <p:nvPr/>
         </p:nvPicPr>
         <p:blipFill>
-          <a:blip r:embed="rId3"/>
-          <a:stretch>
-            <a:fillRect/>
-          </a:stretch>
-        </p:blipFill>
-        <p:spPr>
-          <a:xfrm>
-            <a:off x="0" y="0"/>
-            <a:ext cx="9144000" cy="6857998"/>
-          </a:xfrm>
-          <a:prstGeom prst="rect">
-            <a:avLst/>
-          </a:prstGeom>
-        </p:spPr>
-      </p:pic>
-      <p:pic>
-        <p:nvPicPr>
-          <p:cNvPr id="37" name="PPTLabsMagnifyAreaGroup201705111427528056"/>
-          <p:cNvPicPr>
-            <a:picLocks/>
-          </p:cNvPicPr>
-          <p:nvPr/>
-        </p:nvPicPr>
-        <p:blipFill>
-          <a:blip r:embed="rId3"/>
-          <a:stretch>
-            <a:fillRect/>
-          </a:stretch>
-        </p:blipFill>
-        <p:spPr>
-          <a:xfrm>
-            <a:off x="-4029560" y="-7090474"/>
-            <a:ext cx="18597967" cy="13948474"/>
-          </a:xfrm>
-          <a:prstGeom prst="rect">
-            <a:avLst/>
-          </a:prstGeom>
-        </p:spPr>
-      </p:pic>
-      <p:pic>
-        <p:nvPicPr>
-          <p:cNvPr id="33" name="PPTLabsMagnifyAreaGroup201705111427528056"/>
-          <p:cNvPicPr>
-            <a:picLocks noChangeAspect="1"/>
-          </p:cNvPicPr>
-          <p:nvPr/>
-        </p:nvPicPr>
-        <p:blipFill>
-          <a:blip r:embed="rId3"/>
+          <a:blip r:embed="rId3">
+            <a:extLst>
+              <a:ext uri="{28A0092B-C50C-407E-A947-70E740481C1C}">
+                <a14:useLocalDpi xmlns:a14="http://schemas.microsoft.com/office/drawing/2010/main" val="0"/>
+              </a:ext>
+            </a:extLst>
+          </a:blip>
           <a:srcRect/>
           <a:stretch>
             <a:fillRect/>
           </a:stretch>
         </p:blipFill>
-        <p:spPr>
+        <p:spPr bwMode="auto">
+          <a:xfrm>
+            <a:off x="0" y="0"/>
+            <a:ext cx="9144000" cy="6858000"/>
+          </a:xfrm>
+          <a:prstGeom prst="rect">
+            <a:avLst/>
+          </a:prstGeom>
+          <a:noFill/>
+          <a:ln>
+            <a:noFill/>
+          </a:ln>
+          <a:effectLst/>
+          <a:extLst>
+            <a:ext uri="{909E8E84-426E-40DD-AFC4-6F175D3DCCD1}">
+              <a14:hiddenFill xmlns:a14="http://schemas.microsoft.com/office/drawing/2010/main">
+                <a:solidFill>
+                  <a:schemeClr val="accent1"/>
+                </a:solidFill>
+              </a14:hiddenFill>
+            </a:ext>
+            <a:ext uri="{91240B29-F687-4F45-9708-019B960494DF}">
+              <a14:hiddenLine xmlns:a14="http://schemas.microsoft.com/office/drawing/2010/main" w="9525">
+                <a:solidFill>
+                  <a:schemeClr val="tx1"/>
+                </a:solidFill>
+                <a:miter lim="800000"/>
+                <a:headEnd/>
+                <a:tailEnd/>
+              </a14:hiddenLine>
+            </a:ext>
+            <a:ext uri="{AF507438-7753-43E0-B8FC-AC1667EBCBE1}">
+              <a14:hiddenEffects xmlns:a14="http://schemas.microsoft.com/office/drawing/2010/main">
+                <a:effectLst>
+                  <a:outerShdw dist="35921" dir="2700000" algn="ctr" rotWithShape="0">
+                    <a:schemeClr val="bg2"/>
+                  </a:outerShdw>
+                </a:effectLst>
+              </a14:hiddenEffects>
+            </a:ext>
+          </a:extLst>
+        </p:spPr>
+      </p:pic>
+      <p:pic>
+        <p:nvPicPr>
+          <p:cNvPr id="35" name="PPTLabsMagnifyAreaGroup201506261604171545"/>
+          <p:cNvPicPr>
+            <a:picLocks noChangeArrowheads="1"/>
+          </p:cNvPicPr>
+          <p:nvPr/>
+        </p:nvPicPr>
+        <p:blipFill>
+          <a:blip r:embed="rId3">
+            <a:extLst>
+              <a:ext uri="{28A0092B-C50C-407E-A947-70E740481C1C}">
+                <a14:useLocalDpi xmlns:a14="http://schemas.microsoft.com/office/drawing/2010/main" val="0"/>
+              </a:ext>
+            </a:extLst>
+          </a:blip>
+          <a:srcRect/>
+          <a:stretch>
+            <a:fillRect/>
+          </a:stretch>
+        </p:blipFill>
+        <p:spPr bwMode="auto">
+          <a:xfrm>
+            <a:off x="-4029559" y="-7090474"/>
+            <a:ext cx="18597966" cy="13948474"/>
+          </a:xfrm>
+          <a:prstGeom prst="rect">
+            <a:avLst/>
+          </a:prstGeom>
+          <a:noFill/>
+          <a:ln>
+            <a:noFill/>
+          </a:ln>
+          <a:effectLst/>
+          <a:extLst>
+            <a:ext uri="{909E8E84-426E-40DD-AFC4-6F175D3DCCD1}">
+              <a14:hiddenFill xmlns:a14="http://schemas.microsoft.com/office/drawing/2010/main">
+                <a:solidFill>
+                  <a:schemeClr val="accent1"/>
+                </a:solidFill>
+              </a14:hiddenFill>
+            </a:ext>
+            <a:ext uri="{91240B29-F687-4F45-9708-019B960494DF}">
+              <a14:hiddenLine xmlns:a14="http://schemas.microsoft.com/office/drawing/2010/main" w="9525">
+                <a:solidFill>
+                  <a:schemeClr val="tx1"/>
+                </a:solidFill>
+                <a:miter lim="800000"/>
+                <a:headEnd/>
+                <a:tailEnd/>
+              </a14:hiddenLine>
+            </a:ext>
+            <a:ext uri="{AF507438-7753-43E0-B8FC-AC1667EBCBE1}">
+              <a14:hiddenEffects xmlns:a14="http://schemas.microsoft.com/office/drawing/2010/main">
+                <a:effectLst>
+                  <a:outerShdw dist="35921" dir="2700000" algn="ctr" rotWithShape="0">
+                    <a:schemeClr val="bg2"/>
+                  </a:outerShdw>
+                </a:effectLst>
+              </a14:hiddenEffects>
+            </a:ext>
+          </a:extLst>
+        </p:spPr>
+      </p:pic>
+      <p:pic>
+        <p:nvPicPr>
+          <p:cNvPr id="31" name="PPTLabsMagnifyAreaGroup201506261604171545"/>
+          <p:cNvPicPr>
+            <a:picLocks noChangeAspect="1" noChangeArrowheads="1"/>
+          </p:cNvPicPr>
+          <p:nvPr/>
+        </p:nvPicPr>
+        <p:blipFill>
+          <a:blip r:embed="rId3">
+            <a:extLst>
+              <a:ext uri="{28A0092B-C50C-407E-A947-70E740481C1C}">
+                <a14:useLocalDpi xmlns:a14="http://schemas.microsoft.com/office/drawing/2010/main" val="0"/>
+              </a:ext>
+            </a:extLst>
+          </a:blip>
+          <a:srcRect/>
+          <a:stretch>
+            <a:fillRect/>
+          </a:stretch>
+        </p:blipFill>
+        <p:spPr bwMode="auto">
           <a:xfrm>
             <a:off x="-4028893" y="-7089260"/>
             <a:ext cx="18596324" cy="13947264"/>
@@ -17861,24 +18414,63 @@
           <a:prstGeom prst="rect">
             <a:avLst/>
           </a:prstGeom>
+          <a:noFill/>
+          <a:ln>
+            <a:noFill/>
+          </a:ln>
+          <a:effectLst/>
+          <a:extLst>
+            <a:ext uri="{909E8E84-426E-40DD-AFC4-6F175D3DCCD1}">
+              <a14:hiddenFill xmlns:a14="http://schemas.microsoft.com/office/drawing/2010/main">
+                <a:solidFill>
+                  <a:schemeClr val="accent1"/>
+                </a:solidFill>
+              </a14:hiddenFill>
+            </a:ext>
+            <a:ext uri="{91240B29-F687-4F45-9708-019B960494DF}">
+              <a14:hiddenLine xmlns:a14="http://schemas.microsoft.com/office/drawing/2010/main" w="9525">
+                <a:solidFill>
+                  <a:schemeClr val="tx1"/>
+                </a:solidFill>
+                <a:miter lim="800000"/>
+                <a:headEnd/>
+                <a:tailEnd/>
+              </a14:hiddenLine>
+            </a:ext>
+            <a:ext uri="{AF507438-7753-43E0-B8FC-AC1667EBCBE1}">
+              <a14:hiddenEffects xmlns:a14="http://schemas.microsoft.com/office/drawing/2010/main">
+                <a:effectLst>
+                  <a:outerShdw dist="35921" dir="2700000" algn="ctr" rotWithShape="0">
+                    <a:schemeClr val="bg2"/>
+                  </a:outerShdw>
+                </a:effectLst>
+              </a14:hiddenEffects>
+            </a:ext>
+          </a:extLst>
         </p:spPr>
       </p:pic>
       <p:pic>
         <p:nvPicPr>
-          <p:cNvPr id="31" name="PPTLabsMagnifyAreaGroup201705111427524473"/>
+          <p:cNvPr id="29" name="PPTLabsMagnifyAreaGroup201506261604168115"/>
           <p:cNvPicPr>
-            <a:picLocks/>
+            <a:picLocks noChangeArrowheads="1"/>
           </p:cNvPicPr>
           <p:nvPr/>
         </p:nvPicPr>
         <p:blipFill>
-          <a:blip r:embed="rId3"/>
+          <a:blip r:embed="rId3">
+            <a:extLst>
+              <a:ext uri="{28A0092B-C50C-407E-A947-70E740481C1C}">
+                <a14:useLocalDpi xmlns:a14="http://schemas.microsoft.com/office/drawing/2010/main" val="0"/>
+              </a:ext>
+            </a:extLst>
+          </a:blip>
           <a:srcRect/>
           <a:stretch>
             <a:fillRect/>
           </a:stretch>
         </p:blipFill>
-        <p:spPr>
+        <p:spPr bwMode="auto">
           <a:xfrm>
             <a:off x="1" y="0"/>
             <a:ext cx="9143981" cy="6858000"/>
@@ -17886,24 +18478,63 @@
           <a:prstGeom prst="rect">
             <a:avLst/>
           </a:prstGeom>
+          <a:noFill/>
+          <a:ln>
+            <a:noFill/>
+          </a:ln>
+          <a:effectLst/>
+          <a:extLst>
+            <a:ext uri="{909E8E84-426E-40DD-AFC4-6F175D3DCCD1}">
+              <a14:hiddenFill xmlns:a14="http://schemas.microsoft.com/office/drawing/2010/main">
+                <a:solidFill>
+                  <a:schemeClr val="accent1"/>
+                </a:solidFill>
+              </a14:hiddenFill>
+            </a:ext>
+            <a:ext uri="{91240B29-F687-4F45-9708-019B960494DF}">
+              <a14:hiddenLine xmlns:a14="http://schemas.microsoft.com/office/drawing/2010/main" w="9525">
+                <a:solidFill>
+                  <a:schemeClr val="tx1"/>
+                </a:solidFill>
+                <a:miter lim="800000"/>
+                <a:headEnd/>
+                <a:tailEnd/>
+              </a14:hiddenLine>
+            </a:ext>
+            <a:ext uri="{AF507438-7753-43E0-B8FC-AC1667EBCBE1}">
+              <a14:hiddenEffects xmlns:a14="http://schemas.microsoft.com/office/drawing/2010/main">
+                <a:effectLst>
+                  <a:outerShdw dist="35921" dir="2700000" algn="ctr" rotWithShape="0">
+                    <a:schemeClr val="bg2"/>
+                  </a:outerShdw>
+                </a:effectLst>
+              </a14:hiddenEffects>
+            </a:ext>
+          </a:extLst>
         </p:spPr>
       </p:pic>
       <p:pic>
         <p:nvPicPr>
-          <p:cNvPr id="32" name="PPTLabsMagnifyAreaGroup201705111427524473"/>
+          <p:cNvPr id="30" name="PPTLabsMagnifyAreaGroup201506261604168115"/>
           <p:cNvPicPr>
-            <a:picLocks/>
+            <a:picLocks noChangeArrowheads="1"/>
           </p:cNvPicPr>
           <p:nvPr/>
         </p:nvPicPr>
         <p:blipFill>
-          <a:blip r:embed="rId3"/>
+          <a:blip r:embed="rId3">
+            <a:extLst>
+              <a:ext uri="{28A0092B-C50C-407E-A947-70E740481C1C}">
+                <a14:useLocalDpi xmlns:a14="http://schemas.microsoft.com/office/drawing/2010/main" val="0"/>
+              </a:ext>
+            </a:extLst>
+          </a:blip>
           <a:srcRect/>
           <a:stretch>
             <a:fillRect/>
           </a:stretch>
         </p:blipFill>
-        <p:spPr>
+        <p:spPr bwMode="auto">
           <a:xfrm>
             <a:off x="-8029764" y="-1452008"/>
             <a:ext cx="17173764" cy="12880349"/>
@@ -17911,24 +18542,63 @@
           <a:prstGeom prst="rect">
             <a:avLst/>
           </a:prstGeom>
+          <a:noFill/>
+          <a:ln>
+            <a:noFill/>
+          </a:ln>
+          <a:effectLst/>
+          <a:extLst>
+            <a:ext uri="{909E8E84-426E-40DD-AFC4-6F175D3DCCD1}">
+              <a14:hiddenFill xmlns:a14="http://schemas.microsoft.com/office/drawing/2010/main">
+                <a:solidFill>
+                  <a:schemeClr val="accent1"/>
+                </a:solidFill>
+              </a14:hiddenFill>
+            </a:ext>
+            <a:ext uri="{91240B29-F687-4F45-9708-019B960494DF}">
+              <a14:hiddenLine xmlns:a14="http://schemas.microsoft.com/office/drawing/2010/main" w="9525">
+                <a:solidFill>
+                  <a:schemeClr val="tx1"/>
+                </a:solidFill>
+                <a:miter lim="800000"/>
+                <a:headEnd/>
+                <a:tailEnd/>
+              </a14:hiddenLine>
+            </a:ext>
+            <a:ext uri="{AF507438-7753-43E0-B8FC-AC1667EBCBE1}">
+              <a14:hiddenEffects xmlns:a14="http://schemas.microsoft.com/office/drawing/2010/main">
+                <a:effectLst>
+                  <a:outerShdw dist="35921" dir="2700000" algn="ctr" rotWithShape="0">
+                    <a:schemeClr val="bg2"/>
+                  </a:outerShdw>
+                </a:effectLst>
+              </a14:hiddenEffects>
+            </a:ext>
+          </a:extLst>
         </p:spPr>
       </p:pic>
       <p:pic>
         <p:nvPicPr>
-          <p:cNvPr id="30" name="PPTLabsMagnifyAreaGroup201705111427524473"/>
+          <p:cNvPr id="28" name="PPTLabsMagnifyAreaGroup201506261604168115"/>
           <p:cNvPicPr>
-            <a:picLocks noChangeAspect="1"/>
+            <a:picLocks noChangeAspect="1" noChangeArrowheads="1"/>
           </p:cNvPicPr>
           <p:nvPr/>
         </p:nvPicPr>
         <p:blipFill>
-          <a:blip r:embed="rId3"/>
+          <a:blip r:embed="rId3">
+            <a:extLst>
+              <a:ext uri="{28A0092B-C50C-407E-A947-70E740481C1C}">
+                <a14:useLocalDpi xmlns:a14="http://schemas.microsoft.com/office/drawing/2010/main" val="0"/>
+              </a:ext>
+            </a:extLst>
+          </a:blip>
           <a:srcRect/>
           <a:stretch>
             <a:fillRect/>
           </a:stretch>
         </p:blipFill>
-        <p:spPr>
+        <p:spPr bwMode="auto">
           <a:xfrm>
             <a:off x="-8029764" y="-1452008"/>
             <a:ext cx="17173764" cy="12880349"/>
@@ -17936,99 +18606,255 @@
           <a:prstGeom prst="rect">
             <a:avLst/>
           </a:prstGeom>
+          <a:noFill/>
+          <a:ln>
+            <a:noFill/>
+          </a:ln>
+          <a:effectLst/>
+          <a:extLst>
+            <a:ext uri="{909E8E84-426E-40DD-AFC4-6F175D3DCCD1}">
+              <a14:hiddenFill xmlns:a14="http://schemas.microsoft.com/office/drawing/2010/main">
+                <a:solidFill>
+                  <a:schemeClr val="accent1"/>
+                </a:solidFill>
+              </a14:hiddenFill>
+            </a:ext>
+            <a:ext uri="{91240B29-F687-4F45-9708-019B960494DF}">
+              <a14:hiddenLine xmlns:a14="http://schemas.microsoft.com/office/drawing/2010/main" w="9525">
+                <a:solidFill>
+                  <a:schemeClr val="tx1"/>
+                </a:solidFill>
+                <a:miter lim="800000"/>
+                <a:headEnd/>
+                <a:tailEnd/>
+              </a14:hiddenLine>
+            </a:ext>
+            <a:ext uri="{AF507438-7753-43E0-B8FC-AC1667EBCBE1}">
+              <a14:hiddenEffects xmlns:a14="http://schemas.microsoft.com/office/drawing/2010/main">
+                <a:effectLst>
+                  <a:outerShdw dist="35921" dir="2700000" algn="ctr" rotWithShape="0">
+                    <a:schemeClr val="bg2"/>
+                  </a:outerShdw>
+                </a:effectLst>
+              </a14:hiddenEffects>
+            </a:ext>
+          </a:extLst>
         </p:spPr>
       </p:pic>
       <p:pic>
         <p:nvPicPr>
-          <p:cNvPr id="28" name="PPTLabsMagnifyAreaGroup201705111427520659"/>
+          <p:cNvPr id="26" name="PPTLabsMagnifyAreaGroup201506261604164674"/>
           <p:cNvPicPr>
-            <a:picLocks/>
+            <a:picLocks noChangeArrowheads="1"/>
           </p:cNvPicPr>
           <p:nvPr/>
         </p:nvPicPr>
         <p:blipFill>
-          <a:blip r:embed="rId3"/>
+          <a:blip r:embed="rId3">
+            <a:extLst>
+              <a:ext uri="{28A0092B-C50C-407E-A947-70E740481C1C}">
+                <a14:useLocalDpi xmlns:a14="http://schemas.microsoft.com/office/drawing/2010/main" val="0"/>
+              </a:ext>
+            </a:extLst>
+          </a:blip>
           <a:srcRect/>
           <a:stretch>
             <a:fillRect/>
           </a:stretch>
         </p:blipFill>
-        <p:spPr>
+        <p:spPr bwMode="auto">
           <a:xfrm>
             <a:off x="0" y="0"/>
-            <a:ext cx="9143869" cy="6858000"/>
+            <a:ext cx="9143859" cy="6858000"/>
           </a:xfrm>
           <a:prstGeom prst="rect">
             <a:avLst/>
           </a:prstGeom>
+          <a:noFill/>
+          <a:ln>
+            <a:noFill/>
+          </a:ln>
+          <a:effectLst/>
+          <a:extLst>
+            <a:ext uri="{909E8E84-426E-40DD-AFC4-6F175D3DCCD1}">
+              <a14:hiddenFill xmlns:a14="http://schemas.microsoft.com/office/drawing/2010/main">
+                <a:solidFill>
+                  <a:schemeClr val="accent1"/>
+                </a:solidFill>
+              </a14:hiddenFill>
+            </a:ext>
+            <a:ext uri="{91240B29-F687-4F45-9708-019B960494DF}">
+              <a14:hiddenLine xmlns:a14="http://schemas.microsoft.com/office/drawing/2010/main" w="9525">
+                <a:solidFill>
+                  <a:schemeClr val="tx1"/>
+                </a:solidFill>
+                <a:miter lim="800000"/>
+                <a:headEnd/>
+                <a:tailEnd/>
+              </a14:hiddenLine>
+            </a:ext>
+            <a:ext uri="{AF507438-7753-43E0-B8FC-AC1667EBCBE1}">
+              <a14:hiddenEffects xmlns:a14="http://schemas.microsoft.com/office/drawing/2010/main">
+                <a:effectLst>
+                  <a:outerShdw dist="35921" dir="2700000" algn="ctr" rotWithShape="0">
+                    <a:schemeClr val="bg2"/>
+                  </a:outerShdw>
+                </a:effectLst>
+              </a14:hiddenEffects>
+            </a:ext>
+          </a:extLst>
         </p:spPr>
       </p:pic>
       <p:pic>
         <p:nvPicPr>
-          <p:cNvPr id="29" name="PPTLabsMagnifyAreaGroup201705111427520659"/>
+          <p:cNvPr id="27" name="PPTLabsMagnifyAreaGroup201506261604164674"/>
           <p:cNvPicPr>
-            <a:picLocks/>
+            <a:picLocks noChangeArrowheads="1"/>
           </p:cNvPicPr>
           <p:nvPr/>
         </p:nvPicPr>
         <p:blipFill>
-          <a:blip r:embed="rId3"/>
+          <a:blip r:embed="rId3">
+            <a:extLst>
+              <a:ext uri="{28A0092B-C50C-407E-A947-70E740481C1C}">
+                <a14:useLocalDpi xmlns:a14="http://schemas.microsoft.com/office/drawing/2010/main" val="0"/>
+              </a:ext>
+            </a:extLst>
+          </a:blip>
           <a:srcRect/>
           <a:stretch>
             <a:fillRect/>
           </a:stretch>
         </p:blipFill>
-        <p:spPr>
+        <p:spPr bwMode="auto">
           <a:xfrm>
-            <a:off x="-15539486" y="-4761187"/>
-            <a:ext cx="48355375" cy="36267051"/>
+            <a:off x="-15539486" y="-4761195"/>
+            <a:ext cx="48355375" cy="36267088"/>
           </a:xfrm>
           <a:prstGeom prst="rect">
             <a:avLst/>
           </a:prstGeom>
+          <a:noFill/>
+          <a:ln>
+            <a:noFill/>
+          </a:ln>
+          <a:effectLst/>
+          <a:extLst>
+            <a:ext uri="{909E8E84-426E-40DD-AFC4-6F175D3DCCD1}">
+              <a14:hiddenFill xmlns:a14="http://schemas.microsoft.com/office/drawing/2010/main">
+                <a:solidFill>
+                  <a:schemeClr val="accent1"/>
+                </a:solidFill>
+              </a14:hiddenFill>
+            </a:ext>
+            <a:ext uri="{91240B29-F687-4F45-9708-019B960494DF}">
+              <a14:hiddenLine xmlns:a14="http://schemas.microsoft.com/office/drawing/2010/main" w="9525">
+                <a:solidFill>
+                  <a:schemeClr val="tx1"/>
+                </a:solidFill>
+                <a:miter lim="800000"/>
+                <a:headEnd/>
+                <a:tailEnd/>
+              </a14:hiddenLine>
+            </a:ext>
+            <a:ext uri="{AF507438-7753-43E0-B8FC-AC1667EBCBE1}">
+              <a14:hiddenEffects xmlns:a14="http://schemas.microsoft.com/office/drawing/2010/main">
+                <a:effectLst>
+                  <a:outerShdw dist="35921" dir="2700000" algn="ctr" rotWithShape="0">
+                    <a:schemeClr val="bg2"/>
+                  </a:outerShdw>
+                </a:effectLst>
+              </a14:hiddenEffects>
+            </a:ext>
+          </a:extLst>
         </p:spPr>
       </p:pic>
       <p:pic>
         <p:nvPicPr>
-          <p:cNvPr id="27" name="PPTLabsMagnifyAreaGroup201705111427520659"/>
+          <p:cNvPr id="25" name="PPTLabsMagnifyAreaGroup201506261604164674"/>
           <p:cNvPicPr>
-            <a:picLocks noChangeAspect="1"/>
+            <a:picLocks noChangeAspect="1" noChangeArrowheads="1"/>
           </p:cNvPicPr>
           <p:nvPr/>
         </p:nvPicPr>
         <p:blipFill>
-          <a:blip r:embed="rId3"/>
+          <a:blip r:embed="rId3">
+            <a:extLst>
+              <a:ext uri="{28A0092B-C50C-407E-A947-70E740481C1C}">
+                <a14:useLocalDpi xmlns:a14="http://schemas.microsoft.com/office/drawing/2010/main" val="0"/>
+              </a:ext>
+            </a:extLst>
+          </a:blip>
           <a:srcRect/>
           <a:stretch>
             <a:fillRect/>
           </a:stretch>
         </p:blipFill>
-        <p:spPr>
+        <p:spPr bwMode="auto">
           <a:xfrm>
-            <a:off x="-15539486" y="-4761187"/>
-            <a:ext cx="48355375" cy="36267051"/>
+            <a:off x="-15539486" y="-4761195"/>
+            <a:ext cx="48355375" cy="36267088"/>
           </a:xfrm>
           <a:prstGeom prst="rect">
             <a:avLst/>
           </a:prstGeom>
+          <a:noFill/>
+          <a:ln>
+            <a:noFill/>
+          </a:ln>
+          <a:effectLst/>
+          <a:extLst>
+            <a:ext uri="{909E8E84-426E-40DD-AFC4-6F175D3DCCD1}">
+              <a14:hiddenFill xmlns:a14="http://schemas.microsoft.com/office/drawing/2010/main">
+                <a:solidFill>
+                  <a:schemeClr val="accent1"/>
+                </a:solidFill>
+              </a14:hiddenFill>
+            </a:ext>
+            <a:ext uri="{91240B29-F687-4F45-9708-019B960494DF}">
+              <a14:hiddenLine xmlns:a14="http://schemas.microsoft.com/office/drawing/2010/main" w="9525">
+                <a:solidFill>
+                  <a:schemeClr val="tx1"/>
+                </a:solidFill>
+                <a:miter lim="800000"/>
+                <a:headEnd/>
+                <a:tailEnd/>
+              </a14:hiddenLine>
+            </a:ext>
+            <a:ext uri="{AF507438-7753-43E0-B8FC-AC1667EBCBE1}">
+              <a14:hiddenEffects xmlns:a14="http://schemas.microsoft.com/office/drawing/2010/main">
+                <a:effectLst>
+                  <a:outerShdw dist="35921" dir="2700000" algn="ctr" rotWithShape="0">
+                    <a:schemeClr val="bg2"/>
+                  </a:outerShdw>
+                </a:effectLst>
+              </a14:hiddenEffects>
+            </a:ext>
+          </a:extLst>
         </p:spPr>
       </p:pic>
       <p:pic>
         <p:nvPicPr>
-          <p:cNvPr id="25" name="PPTLabsMagnifyAreaGroup201705111427516985"/>
+          <p:cNvPr id="23" name="PPTLabsMagnifyAreaGroup201506261604160804"/>
           <p:cNvPicPr>
-            <a:picLocks/>
+            <a:picLocks noChangeArrowheads="1"/>
           </p:cNvPicPr>
           <p:nvPr/>
         </p:nvPicPr>
         <p:blipFill>
-          <a:blip r:embed="rId3"/>
+          <a:blip r:embed="rId3">
+            <a:extLst>
+              <a:ext uri="{28A0092B-C50C-407E-A947-70E740481C1C}">
+                <a14:useLocalDpi xmlns:a14="http://schemas.microsoft.com/office/drawing/2010/main" val="0"/>
+              </a:ext>
+            </a:extLst>
+          </a:blip>
           <a:srcRect/>
           <a:stretch>
             <a:fillRect/>
           </a:stretch>
         </p:blipFill>
-        <p:spPr>
+        <p:spPr bwMode="auto">
           <a:xfrm>
             <a:off x="0" y="0"/>
             <a:ext cx="9144000" cy="6857993"/>
@@ -18036,24 +18862,63 @@
           <a:prstGeom prst="rect">
             <a:avLst/>
           </a:prstGeom>
+          <a:noFill/>
+          <a:ln>
+            <a:noFill/>
+          </a:ln>
+          <a:effectLst/>
+          <a:extLst>
+            <a:ext uri="{909E8E84-426E-40DD-AFC4-6F175D3DCCD1}">
+              <a14:hiddenFill xmlns:a14="http://schemas.microsoft.com/office/drawing/2010/main">
+                <a:solidFill>
+                  <a:schemeClr val="accent1"/>
+                </a:solidFill>
+              </a14:hiddenFill>
+            </a:ext>
+            <a:ext uri="{91240B29-F687-4F45-9708-019B960494DF}">
+              <a14:hiddenLine xmlns:a14="http://schemas.microsoft.com/office/drawing/2010/main" w="9525">
+                <a:solidFill>
+                  <a:schemeClr val="tx1"/>
+                </a:solidFill>
+                <a:miter lim="800000"/>
+                <a:headEnd/>
+                <a:tailEnd/>
+              </a14:hiddenLine>
+            </a:ext>
+            <a:ext uri="{AF507438-7753-43E0-B8FC-AC1667EBCBE1}">
+              <a14:hiddenEffects xmlns:a14="http://schemas.microsoft.com/office/drawing/2010/main">
+                <a:effectLst>
+                  <a:outerShdw dist="35921" dir="2700000" algn="ctr" rotWithShape="0">
+                    <a:schemeClr val="bg2"/>
+                  </a:outerShdw>
+                </a:effectLst>
+              </a14:hiddenEffects>
+            </a:ext>
+          </a:extLst>
         </p:spPr>
       </p:pic>
       <p:pic>
         <p:nvPicPr>
-          <p:cNvPr id="26" name="PPTLabsMagnifyAreaGroup201705111427516985"/>
+          <p:cNvPr id="24" name="PPTLabsMagnifyAreaGroup201506261604160804"/>
           <p:cNvPicPr>
-            <a:picLocks/>
+            <a:picLocks noChangeArrowheads="1"/>
           </p:cNvPicPr>
           <p:nvPr/>
         </p:nvPicPr>
         <p:blipFill>
-          <a:blip r:embed="rId3"/>
+          <a:blip r:embed="rId3">
+            <a:extLst>
+              <a:ext uri="{28A0092B-C50C-407E-A947-70E740481C1C}">
+                <a14:useLocalDpi xmlns:a14="http://schemas.microsoft.com/office/drawing/2010/main" val="0"/>
+              </a:ext>
+            </a:extLst>
+          </a:blip>
           <a:srcRect/>
           <a:stretch>
             <a:fillRect/>
           </a:stretch>
         </p:blipFill>
-        <p:spPr>
+        <p:spPr bwMode="auto">
           <a:xfrm>
             <a:off x="-2354749" y="-1254471"/>
             <a:ext cx="21551802" cy="16163835"/>
@@ -18061,24 +18926,63 @@
           <a:prstGeom prst="rect">
             <a:avLst/>
           </a:prstGeom>
+          <a:noFill/>
+          <a:ln>
+            <a:noFill/>
+          </a:ln>
+          <a:effectLst/>
+          <a:extLst>
+            <a:ext uri="{909E8E84-426E-40DD-AFC4-6F175D3DCCD1}">
+              <a14:hiddenFill xmlns:a14="http://schemas.microsoft.com/office/drawing/2010/main">
+                <a:solidFill>
+                  <a:schemeClr val="accent1"/>
+                </a:solidFill>
+              </a14:hiddenFill>
+            </a:ext>
+            <a:ext uri="{91240B29-F687-4F45-9708-019B960494DF}">
+              <a14:hiddenLine xmlns:a14="http://schemas.microsoft.com/office/drawing/2010/main" w="9525">
+                <a:solidFill>
+                  <a:schemeClr val="tx1"/>
+                </a:solidFill>
+                <a:miter lim="800000"/>
+                <a:headEnd/>
+                <a:tailEnd/>
+              </a14:hiddenLine>
+            </a:ext>
+            <a:ext uri="{AF507438-7753-43E0-B8FC-AC1667EBCBE1}">
+              <a14:hiddenEffects xmlns:a14="http://schemas.microsoft.com/office/drawing/2010/main">
+                <a:effectLst>
+                  <a:outerShdw dist="35921" dir="2700000" algn="ctr" rotWithShape="0">
+                    <a:schemeClr val="bg2"/>
+                  </a:outerShdw>
+                </a:effectLst>
+              </a14:hiddenEffects>
+            </a:ext>
+          </a:extLst>
         </p:spPr>
       </p:pic>
       <p:pic>
         <p:nvPicPr>
-          <p:cNvPr id="24" name="PPTLabsMagnifyAreaGroup201705111427516985"/>
+          <p:cNvPr id="22" name="PPTLabsMagnifyAreaGroup201506261604160804"/>
           <p:cNvPicPr>
-            <a:picLocks noChangeAspect="1"/>
+            <a:picLocks noChangeAspect="1" noChangeArrowheads="1"/>
           </p:cNvPicPr>
           <p:nvPr/>
         </p:nvPicPr>
         <p:blipFill>
-          <a:blip r:embed="rId3"/>
+          <a:blip r:embed="rId3">
+            <a:extLst>
+              <a:ext uri="{28A0092B-C50C-407E-A947-70E740481C1C}">
+                <a14:useLocalDpi xmlns:a14="http://schemas.microsoft.com/office/drawing/2010/main" val="0"/>
+              </a:ext>
+            </a:extLst>
+          </a:blip>
           <a:srcRect/>
           <a:stretch>
             <a:fillRect/>
           </a:stretch>
         </p:blipFill>
-        <p:spPr>
+        <p:spPr bwMode="auto">
           <a:xfrm>
             <a:off x="-2354749" y="-1254471"/>
             <a:ext cx="21551802" cy="16163835"/>
@@ -18086,6 +18990,39 @@
           <a:prstGeom prst="rect">
             <a:avLst/>
           </a:prstGeom>
+          <a:noFill/>
+          <a:ln>
+            <a:noFill/>
+          </a:ln>
+          <a:effectLst/>
+          <a:extLst>
+            <a:ext uri="{909E8E84-426E-40DD-AFC4-6F175D3DCCD1}">
+              <a14:hiddenFill xmlns:a14="http://schemas.microsoft.com/office/drawing/2010/main">
+                <a:solidFill>
+                  <a:schemeClr val="accent1"/>
+                </a:solidFill>
+              </a14:hiddenFill>
+            </a:ext>
+            <a:ext uri="{91240B29-F687-4F45-9708-019B960494DF}">
+              <a14:hiddenLine xmlns:a14="http://schemas.microsoft.com/office/drawing/2010/main" w="9525">
+                <a:solidFill>
+                  <a:schemeClr val="tx1"/>
+                </a:solidFill>
+                <a:miter lim="800000"/>
+                <a:headEnd/>
+                <a:tailEnd/>
+              </a14:hiddenLine>
+            </a:ext>
+            <a:ext uri="{AF507438-7753-43E0-B8FC-AC1667EBCBE1}">
+              <a14:hiddenEffects xmlns:a14="http://schemas.microsoft.com/office/drawing/2010/main">
+                <a:effectLst>
+                  <a:outerShdw dist="35921" dir="2700000" algn="ctr" rotWithShape="0">
+                    <a:schemeClr val="bg2"/>
+                  </a:outerShdw>
+                </a:effectLst>
+              </a14:hiddenEffects>
+            </a:ext>
+          </a:extLst>
         </p:spPr>
       </p:pic>
       <p:pic>
@@ -18166,19 +19103,26 @@
       </p:sp>
       <p:pic>
         <p:nvPicPr>
-          <p:cNvPr id="5" name="PPTLabsMagnifyAreaGroup201705111427516985" hidden="1"/>
+          <p:cNvPr id="9218" name="PPTLabsMagnifyAreaGroup201506261604160804" hidden="1"/>
           <p:cNvPicPr>
-            <a:picLocks/>
+            <a:picLocks noChangeArrowheads="1"/>
           </p:cNvPicPr>
           <p:nvPr/>
         </p:nvPicPr>
         <p:blipFill>
-          <a:blip r:embed="rId3"/>
+          <a:blip r:embed="rId3">
+            <a:extLst>
+              <a:ext uri="{28A0092B-C50C-407E-A947-70E740481C1C}">
+                <a14:useLocalDpi xmlns:a14="http://schemas.microsoft.com/office/drawing/2010/main" val="0"/>
+              </a:ext>
+            </a:extLst>
+          </a:blip>
+          <a:srcRect/>
           <a:stretch>
             <a:fillRect/>
           </a:stretch>
         </p:blipFill>
-        <p:spPr>
+        <p:spPr bwMode="auto">
           <a:xfrm>
             <a:off x="0" y="0"/>
             <a:ext cx="9144000" cy="6858000"/>
@@ -18186,23 +19130,63 @@
           <a:prstGeom prst="rect">
             <a:avLst/>
           </a:prstGeom>
+          <a:noFill/>
+          <a:ln>
+            <a:noFill/>
+          </a:ln>
+          <a:effectLst/>
+          <a:extLst>
+            <a:ext uri="{909E8E84-426E-40DD-AFC4-6F175D3DCCD1}">
+              <a14:hiddenFill xmlns:a14="http://schemas.microsoft.com/office/drawing/2010/main">
+                <a:solidFill>
+                  <a:schemeClr val="accent1"/>
+                </a:solidFill>
+              </a14:hiddenFill>
+            </a:ext>
+            <a:ext uri="{91240B29-F687-4F45-9708-019B960494DF}">
+              <a14:hiddenLine xmlns:a14="http://schemas.microsoft.com/office/drawing/2010/main" w="9525">
+                <a:solidFill>
+                  <a:schemeClr val="tx1"/>
+                </a:solidFill>
+                <a:miter lim="800000"/>
+                <a:headEnd/>
+                <a:tailEnd/>
+              </a14:hiddenLine>
+            </a:ext>
+            <a:ext uri="{AF507438-7753-43E0-B8FC-AC1667EBCBE1}">
+              <a14:hiddenEffects xmlns:a14="http://schemas.microsoft.com/office/drawing/2010/main">
+                <a:effectLst>
+                  <a:outerShdw dist="35921" dir="2700000" algn="ctr" rotWithShape="0">
+                    <a:schemeClr val="bg2"/>
+                  </a:outerShdw>
+                </a:effectLst>
+              </a14:hiddenEffects>
+            </a:ext>
+          </a:extLst>
         </p:spPr>
       </p:pic>
       <p:pic>
         <p:nvPicPr>
-          <p:cNvPr id="22" name="PPTLabsMagnifyAreaSlide201705111427517574"/>
+          <p:cNvPr id="20" name="PPTLabsMagnifyAreaSlide201506261604161294"/>
           <p:cNvPicPr>
-            <a:picLocks/>
+            <a:picLocks noChangeArrowheads="1"/>
           </p:cNvPicPr>
           <p:nvPr/>
         </p:nvPicPr>
         <p:blipFill>
-          <a:blip r:embed="rId3"/>
+          <a:blip r:embed="rId3">
+            <a:extLst>
+              <a:ext uri="{28A0092B-C50C-407E-A947-70E740481C1C}">
+                <a14:useLocalDpi xmlns:a14="http://schemas.microsoft.com/office/drawing/2010/main" val="0"/>
+              </a:ext>
+            </a:extLst>
+          </a:blip>
+          <a:srcRect/>
           <a:stretch>
             <a:fillRect/>
           </a:stretch>
         </p:blipFill>
-        <p:spPr>
+        <p:spPr bwMode="auto">
           <a:xfrm>
             <a:off x="0" y="0"/>
             <a:ext cx="9144000" cy="6858000"/>
@@ -18210,11 +19194,44 @@
           <a:prstGeom prst="rect">
             <a:avLst/>
           </a:prstGeom>
+          <a:noFill/>
+          <a:ln>
+            <a:noFill/>
+          </a:ln>
+          <a:effectLst/>
+          <a:extLst>
+            <a:ext uri="{909E8E84-426E-40DD-AFC4-6F175D3DCCD1}">
+              <a14:hiddenFill xmlns:a14="http://schemas.microsoft.com/office/drawing/2010/main">
+                <a:solidFill>
+                  <a:schemeClr val="accent1"/>
+                </a:solidFill>
+              </a14:hiddenFill>
+            </a:ext>
+            <a:ext uri="{91240B29-F687-4F45-9708-019B960494DF}">
+              <a14:hiddenLine xmlns:a14="http://schemas.microsoft.com/office/drawing/2010/main" w="9525">
+                <a:solidFill>
+                  <a:schemeClr val="tx1"/>
+                </a:solidFill>
+                <a:miter lim="800000"/>
+                <a:headEnd/>
+                <a:tailEnd/>
+              </a14:hiddenLine>
+            </a:ext>
+            <a:ext uri="{AF507438-7753-43E0-B8FC-AC1667EBCBE1}">
+              <a14:hiddenEffects xmlns:a14="http://schemas.microsoft.com/office/drawing/2010/main">
+                <a:effectLst>
+                  <a:outerShdw dist="35921" dir="2700000" algn="ctr" rotWithShape="0">
+                    <a:schemeClr val="bg2"/>
+                  </a:outerShdw>
+                </a:effectLst>
+              </a14:hiddenEffects>
+            </a:ext>
+          </a:extLst>
         </p:spPr>
       </p:pic>
       <p:pic>
         <p:nvPicPr>
-          <p:cNvPr id="6" name="PPTIndicator201705111427517484"/>
+          <p:cNvPr id="5" name="PPTIndicator201506261604161014"/>
           <p:cNvPicPr>
             <a:picLocks/>
           </p:cNvPicPr>
@@ -18245,7 +19262,7 @@
     </p:spTree>
     <p:extLst>
       <p:ext uri="{BB962C8B-B14F-4D97-AF65-F5344CB8AC3E}">
-        <p14:creationId xmlns:p14="http://schemas.microsoft.com/office/powerpoint/2010/main" val="1699140480"/>
+        <p14:creationId xmlns:p14="http://schemas.microsoft.com/office/powerpoint/2010/main" val="754413729"/>
       </p:ext>
     </p:extLst>
   </p:cSld>
@@ -18297,7 +19314,7 @@
                                           </p:stCondLst>
                                         </p:cTn>
                                         <p:tgtEl>
-                                          <p:spTgt spid="6"/>
+                                          <p:spTgt spid="5"/>
                                         </p:tgtEl>
                                         <p:attrNameLst>
                                           <p:attrName>style.visibility</p:attrName>
@@ -18324,7 +19341,7 @@
                                           </p:stCondLst>
                                         </p:cTn>
                                         <p:tgtEl>
-                                          <p:spTgt spid="6"/>
+                                          <p:spTgt spid="5"/>
                                         </p:tgtEl>
                                         <p:attrNameLst>
                                           <p:attrName>style.visibility</p:attrName>
@@ -18352,11 +19369,11 @@
                                     <p:cond delay="0"/>
                                   </p:stCondLst>
                                   <p:childTnLst>
-                                    <p:animMotion origin="layout" path="M 0 0 C 0.2105131 0.2478195 0.2105131 0.2478195 0.4210261 0.495639 E" pathEditMode="relative" ptsTypes="">
+                                    <p:animMotion origin="layout" path="M 0 0 C 0.2105131 0.2478196 0.2105131 0.2478196 0.4210261 0.4956393 E" pathEditMode="relative" ptsTypes="">
                                       <p:cBhvr>
                                         <p:cTn id="11" dur="500" fill="hold"/>
                                         <p:tgtEl>
-                                          <p:spTgt spid="22"/>
+                                          <p:spTgt spid="20"/>
                                         </p:tgtEl>
                                         <p:attrNameLst>
                                           <p:attrName>ppt_x</p:attrName>
@@ -18377,7 +19394,7 @@
                                       <p:cBhvr>
                                         <p:cTn id="13" dur="500" fill="hold"/>
                                         <p:tgtEl>
-                                          <p:spTgt spid="22"/>
+                                          <p:spTgt spid="20"/>
                                         </p:tgtEl>
                                       </p:cBhvr>
                                       <p:by x="235718" y="235718"/>
@@ -18408,7 +19425,7 @@
                                           </p:stCondLst>
                                         </p:cTn>
                                         <p:tgtEl>
-                                          <p:spTgt spid="22"/>
+                                          <p:spTgt spid="20"/>
                                         </p:tgtEl>
                                         <p:attrNameLst>
                                           <p:attrName>style.visibility</p:attrName>
@@ -18435,7 +19452,7 @@
                                           </p:stCondLst>
                                         </p:cTn>
                                         <p:tgtEl>
-                                          <p:spTgt spid="5"/>
+                                          <p:spTgt spid="9218"/>
                                         </p:tgtEl>
                                         <p:attrNameLst>
                                           <p:attrName>style.visibility</p:attrName>
@@ -18489,7 +19506,7 @@
                                           </p:stCondLst>
                                         </p:cTn>
                                         <p:tgtEl>
-                                          <p:spTgt spid="24"/>
+                                          <p:spTgt spid="22"/>
                                         </p:tgtEl>
                                         <p:attrNameLst>
                                           <p:attrName>style.visibility</p:attrName>
@@ -18561,7 +19578,7 @@
                                           </p:stCondLst>
                                         </p:cTn>
                                         <p:tgtEl>
-                                          <p:spTgt spid="24"/>
+                                          <p:spTgt spid="22"/>
                                         </p:tgtEl>
                                         <p:attrNameLst>
                                           <p:attrName>style.visibility</p:attrName>
@@ -18588,7 +19605,7 @@
                                           </p:stCondLst>
                                         </p:cTn>
                                         <p:tgtEl>
-                                          <p:spTgt spid="26"/>
+                                          <p:spTgt spid="24"/>
                                         </p:tgtEl>
                                         <p:attrNameLst>
                                           <p:attrName>style.visibility</p:attrName>
@@ -18615,7 +19632,7 @@
                                           </p:stCondLst>
                                         </p:cTn>
                                         <p:tgtEl>
-                                          <p:spTgt spid="25"/>
+                                          <p:spTgt spid="23"/>
                                         </p:tgtEl>
                                         <p:attrNameLst>
                                           <p:attrName>style.visibility</p:attrName>
@@ -18638,7 +19655,7 @@
                                       <p:cBhvr>
                                         <p:cTn id="34" dur="1" fill="hold"/>
                                         <p:tgtEl>
-                                          <p:spTgt spid="25"/>
+                                          <p:spTgt spid="23"/>
                                         </p:tgtEl>
                                         <p:attrNameLst>
                                           <p:attrName>ppt_x</p:attrName>
@@ -18659,7 +19676,7 @@
                                       <p:cBhvr>
                                         <p:cTn id="36" dur="1" fill="hold"/>
                                         <p:tgtEl>
-                                          <p:spTgt spid="25"/>
+                                          <p:spTgt spid="23"/>
                                         </p:tgtEl>
                                       </p:cBhvr>
                                       <p:by x="235693" y="235693"/>
@@ -18677,7 +19694,7 @@
                                       <p:cBhvr>
                                         <p:cTn id="38" dur="10"/>
                                         <p:tgtEl>
-                                          <p:spTgt spid="26"/>
+                                          <p:spTgt spid="24"/>
                                         </p:tgtEl>
                                       </p:cBhvr>
                                     </p:animEffect>
@@ -18689,7 +19706,7 @@
                                           </p:stCondLst>
                                         </p:cTn>
                                         <p:tgtEl>
-                                          <p:spTgt spid="26"/>
+                                          <p:spTgt spid="24"/>
                                         </p:tgtEl>
                                         <p:attrNameLst>
                                           <p:attrName>style.visibility</p:attrName>
@@ -18717,11 +19734,11 @@
                                     <p:cond delay="0"/>
                                   </p:stCondLst>
                                   <p:childTnLst>
-                                    <p:animMotion origin="layout" path="M 0.4209484 0.4955453 C 0.4328169 0.9727173 0.4328169 0.9727173 0.4446853 1.449889 E" pathEditMode="relative" ptsTypes="">
+                                    <p:animMotion origin="layout" path="M 0.4209484 0.4955453 C 0.4328168 0.9727182 0.4328168 0.9727182 0.4446852 1.449891 E" pathEditMode="relative" ptsTypes="">
                                       <p:cBhvr>
                                         <p:cTn id="42" dur="400" fill="hold"/>
                                         <p:tgtEl>
-                                          <p:spTgt spid="25"/>
+                                          <p:spTgt spid="23"/>
                                         </p:tgtEl>
                                         <p:attrNameLst>
                                           <p:attrName>ppt_x</p:attrName>
@@ -18742,7 +19759,7 @@
                                       <p:cBhvr>
                                         <p:cTn id="44" dur="400" fill="hold"/>
                                         <p:tgtEl>
-                                          <p:spTgt spid="25"/>
+                                          <p:spTgt spid="23"/>
                                         </p:tgtEl>
                                       </p:cBhvr>
                                       <p:by x="224368" y="224372"/>
@@ -18773,7 +19790,7 @@
                                           </p:stCondLst>
                                         </p:cTn>
                                         <p:tgtEl>
-                                          <p:spTgt spid="27"/>
+                                          <p:spTgt spid="25"/>
                                         </p:tgtEl>
                                         <p:attrNameLst>
                                           <p:attrName>style.visibility</p:attrName>
@@ -18800,7 +19817,7 @@
                                           </p:stCondLst>
                                         </p:cTn>
                                         <p:tgtEl>
-                                          <p:spTgt spid="25"/>
+                                          <p:spTgt spid="23"/>
                                         </p:tgtEl>
                                         <p:attrNameLst>
                                           <p:attrName>style.visibility</p:attrName>
@@ -18845,7 +19862,7 @@
                                           </p:stCondLst>
                                         </p:cTn>
                                         <p:tgtEl>
-                                          <p:spTgt spid="27"/>
+                                          <p:spTgt spid="25"/>
                                         </p:tgtEl>
                                         <p:attrNameLst>
                                           <p:attrName>style.visibility</p:attrName>
@@ -18872,7 +19889,7 @@
                                           </p:stCondLst>
                                         </p:cTn>
                                         <p:tgtEl>
-                                          <p:spTgt spid="29"/>
+                                          <p:spTgt spid="27"/>
                                         </p:tgtEl>
                                         <p:attrNameLst>
                                           <p:attrName>style.visibility</p:attrName>
@@ -18899,7 +19916,7 @@
                                           </p:stCondLst>
                                         </p:cTn>
                                         <p:tgtEl>
-                                          <p:spTgt spid="28"/>
+                                          <p:spTgt spid="26"/>
                                         </p:tgtEl>
                                         <p:attrNameLst>
                                           <p:attrName>style.visibility</p:attrName>
@@ -18918,11 +19935,11 @@
                                     <p:cond delay="0"/>
                                   </p:stCondLst>
                                   <p:childTnLst>
-                                    <p:animMotion origin="layout" path="M 0 0 C 0.2223462 0.7249445 0.2223462 0.7249445 0.4446925 1.449889 E" pathEditMode="relative" ptsTypes="">
+                                    <p:animMotion origin="layout" path="M 0 0 C 0.2223465 0.7249453 0.2223465 0.7249453 0.4446929 1.449891 E" pathEditMode="relative" ptsTypes="">
                                       <p:cBhvr>
                                         <p:cTn id="59" dur="1" fill="hold"/>
                                         <p:tgtEl>
-                                          <p:spTgt spid="28"/>
+                                          <p:spTgt spid="26"/>
                                         </p:tgtEl>
                                         <p:attrNameLst>
                                           <p:attrName>ppt_x</p:attrName>
@@ -18943,10 +19960,10 @@
                                       <p:cBhvr>
                                         <p:cTn id="61" dur="1" fill="hold"/>
                                         <p:tgtEl>
-                                          <p:spTgt spid="28"/>
-                                        </p:tgtEl>
-                                      </p:cBhvr>
-                                      <p:by x="528828" y="528828"/>
+                                          <p:spTgt spid="26"/>
+                                        </p:tgtEl>
+                                      </p:cBhvr>
+                                      <p:by x="528829" y="528829"/>
                                     </p:animScale>
                                   </p:childTnLst>
                                 </p:cTn>
@@ -18961,7 +19978,7 @@
                                       <p:cBhvr>
                                         <p:cTn id="63" dur="10"/>
                                         <p:tgtEl>
-                                          <p:spTgt spid="29"/>
+                                          <p:spTgt spid="27"/>
                                         </p:tgtEl>
                                       </p:cBhvr>
                                     </p:animEffect>
@@ -18973,7 +19990,7 @@
                                           </p:stCondLst>
                                         </p:cTn>
                                         <p:tgtEl>
-                                          <p:spTgt spid="29"/>
+                                          <p:spTgt spid="27"/>
                                         </p:tgtEl>
                                         <p:attrNameLst>
                                           <p:attrName>style.visibility</p:attrName>
@@ -19001,11 +20018,11 @@
                                     <p:cond delay="0"/>
                                   </p:stCondLst>
                                   <p:childTnLst>
-                                    <p:animMotion origin="layout" path="M 0.4446925 1.449889 C 0.002813399 0.8386196 0.002813399 0.8386196 -0.4390657 0.2273501 E" pathEditMode="relative" ptsTypes="">
+                                    <p:animMotion origin="layout" path="M 0.4446929 1.449891 C 0.002813905 0.8386203 0.002813905 0.8386203 -0.4390651 0.2273496 E" pathEditMode="relative" ptsTypes="">
                                       <p:cBhvr>
                                         <p:cTn id="67" dur="400" fill="hold"/>
                                         <p:tgtEl>
-                                          <p:spTgt spid="28"/>
+                                          <p:spTgt spid="26"/>
                                         </p:tgtEl>
                                         <p:attrNameLst>
                                           <p:attrName>ppt_x</p:attrName>
@@ -19026,7 +20043,7 @@
                                       <p:cBhvr>
                                         <p:cTn id="69" dur="400" fill="hold"/>
                                         <p:tgtEl>
-                                          <p:spTgt spid="28"/>
+                                          <p:spTgt spid="26"/>
                                         </p:tgtEl>
                                       </p:cBhvr>
                                       <p:by x="35516" y="35515"/>
@@ -19057,7 +20074,7 @@
                                           </p:stCondLst>
                                         </p:cTn>
                                         <p:tgtEl>
-                                          <p:spTgt spid="30"/>
+                                          <p:spTgt spid="28"/>
                                         </p:tgtEl>
                                         <p:attrNameLst>
                                           <p:attrName>style.visibility</p:attrName>
@@ -19084,7 +20101,7 @@
                                           </p:stCondLst>
                                         </p:cTn>
                                         <p:tgtEl>
-                                          <p:spTgt spid="28"/>
+                                          <p:spTgt spid="26"/>
                                         </p:tgtEl>
                                         <p:attrNameLst>
                                           <p:attrName>style.visibility</p:attrName>
@@ -19129,7 +20146,7 @@
                                           </p:stCondLst>
                                         </p:cTn>
                                         <p:tgtEl>
-                                          <p:spTgt spid="30"/>
+                                          <p:spTgt spid="28"/>
                                         </p:tgtEl>
                                         <p:attrNameLst>
                                           <p:attrName>style.visibility</p:attrName>
@@ -19156,7 +20173,7 @@
                                           </p:stCondLst>
                                         </p:cTn>
                                         <p:tgtEl>
-                                          <p:spTgt spid="32"/>
+                                          <p:spTgt spid="30"/>
                                         </p:tgtEl>
                                         <p:attrNameLst>
                                           <p:attrName>style.visibility</p:attrName>
@@ -19183,7 +20200,7 @@
                                           </p:stCondLst>
                                         </p:cTn>
                                         <p:tgtEl>
-                                          <p:spTgt spid="31"/>
+                                          <p:spTgt spid="29"/>
                                         </p:tgtEl>
                                         <p:attrNameLst>
                                           <p:attrName>style.visibility</p:attrName>
@@ -19202,11 +20219,11 @@
                                     <p:cond delay="0"/>
                                   </p:stCondLst>
                                   <p:childTnLst>
-                                    <p:animMotion origin="layout" path="M 0 0 C -0.219536 0.113675 -0.219536 0.113675 -0.4390719 0.22735 E" pathEditMode="relative" ptsTypes="">
+                                    <p:animMotion origin="layout" path="M 0 0 C -0.2195359 0.113675 -0.2195359 0.113675 -0.4390719 0.22735 E" pathEditMode="relative" ptsTypes="">
                                       <p:cBhvr>
                                         <p:cTn id="84" dur="1" fill="hold"/>
                                         <p:tgtEl>
-                                          <p:spTgt spid="31"/>
+                                          <p:spTgt spid="29"/>
                                         </p:tgtEl>
                                         <p:attrNameLst>
                                           <p:attrName>ppt_x</p:attrName>
@@ -19227,7 +20244,7 @@
                                       <p:cBhvr>
                                         <p:cTn id="86" dur="1" fill="hold"/>
                                         <p:tgtEl>
-                                          <p:spTgt spid="31"/>
+                                          <p:spTgt spid="29"/>
                                         </p:tgtEl>
                                       </p:cBhvr>
                                       <p:by x="187815" y="187815"/>
@@ -19245,7 +20262,7 @@
                                       <p:cBhvr>
                                         <p:cTn id="88" dur="10"/>
                                         <p:tgtEl>
-                                          <p:spTgt spid="32"/>
+                                          <p:spTgt spid="30"/>
                                         </p:tgtEl>
                                       </p:cBhvr>
                                     </p:animEffect>
@@ -19257,7 +20274,7 @@
                                           </p:stCondLst>
                                         </p:cTn>
                                         <p:tgtEl>
-                                          <p:spTgt spid="32"/>
+                                          <p:spTgt spid="30"/>
                                         </p:tgtEl>
                                         <p:attrNameLst>
                                           <p:attrName>style.visibility</p:attrName>
@@ -19289,7 +20306,7 @@
                                       <p:cBhvr>
                                         <p:cTn id="92" dur="400" fill="hold"/>
                                         <p:tgtEl>
-                                          <p:spTgt spid="31"/>
+                                          <p:spTgt spid="29"/>
                                         </p:tgtEl>
                                         <p:attrNameLst>
                                           <p:attrName>ppt_x</p:attrName>
@@ -19310,7 +20327,7 @@
                                       <p:cBhvr>
                                         <p:cTn id="94" dur="400" fill="hold"/>
                                         <p:tgtEl>
-                                          <p:spTgt spid="31"/>
+                                          <p:spTgt spid="29"/>
                                         </p:tgtEl>
                                       </p:cBhvr>
                                       <p:by x="108283" y="108283"/>
@@ -19341,7 +20358,7 @@
                                           </p:stCondLst>
                                         </p:cTn>
                                         <p:tgtEl>
-                                          <p:spTgt spid="33"/>
+                                          <p:spTgt spid="31"/>
                                         </p:tgtEl>
                                         <p:attrNameLst>
                                           <p:attrName>style.visibility</p:attrName>
@@ -19368,7 +20385,7 @@
                                           </p:stCondLst>
                                         </p:cTn>
                                         <p:tgtEl>
-                                          <p:spTgt spid="31"/>
+                                          <p:spTgt spid="29"/>
                                         </p:tgtEl>
                                         <p:attrNameLst>
                                           <p:attrName>style.visibility</p:attrName>
@@ -19413,7 +20430,7 @@
                                           </p:stCondLst>
                                         </p:cTn>
                                         <p:tgtEl>
-                                          <p:spTgt spid="33"/>
+                                          <p:spTgt spid="31"/>
                                         </p:tgtEl>
                                         <p:attrNameLst>
                                           <p:attrName>style.visibility</p:attrName>
@@ -19440,7 +20457,7 @@
                                           </p:stCondLst>
                                         </p:cTn>
                                         <p:tgtEl>
-                                          <p:spTgt spid="37"/>
+                                          <p:spTgt spid="35"/>
                                         </p:tgtEl>
                                         <p:attrNameLst>
                                           <p:attrName>style.visibility</p:attrName>
@@ -19467,7 +20484,7 @@
                                           </p:stCondLst>
                                         </p:cTn>
                                         <p:tgtEl>
-                                          <p:spTgt spid="36"/>
+                                          <p:spTgt spid="34"/>
                                         </p:tgtEl>
                                         <p:attrNameLst>
                                           <p:attrName>style.visibility</p:attrName>
@@ -19486,11 +20503,11 @@
                                     <p:cond delay="0"/>
                                   </p:stCondLst>
                                   <p:childTnLst>
-                                    <p:animMotion origin="layout" path="M 0 0 C 0.03813563 -0.2584745 0.03813563 -0.2584745 0.07627127 -0.5169489 E" pathEditMode="relative" ptsTypes="">
+                                    <p:animMotion origin="layout" path="M 0 0 C 0.03813559 -0.2584746 0.03813559 -0.2584746 0.07627118 -0.5169491 E" pathEditMode="relative" ptsTypes="">
                                       <p:cBhvr>
                                         <p:cTn id="109" dur="1" fill="hold"/>
                                         <p:tgtEl>
-                                          <p:spTgt spid="36"/>
+                                          <p:spTgt spid="34"/>
                                         </p:tgtEl>
                                         <p:attrNameLst>
                                           <p:attrName>ppt_x</p:attrName>
@@ -19511,7 +20528,7 @@
                                       <p:cBhvr>
                                         <p:cTn id="111" dur="1" fill="hold"/>
                                         <p:tgtEl>
-                                          <p:spTgt spid="36"/>
+                                          <p:spTgt spid="34"/>
                                         </p:tgtEl>
                                       </p:cBhvr>
                                       <p:by x="203390" y="203390"/>
@@ -19529,7 +20546,7 @@
                                       <p:cBhvr>
                                         <p:cTn id="113" dur="10"/>
                                         <p:tgtEl>
-                                          <p:spTgt spid="37"/>
+                                          <p:spTgt spid="35"/>
                                         </p:tgtEl>
                                       </p:cBhvr>
                                     </p:animEffect>
@@ -19541,7 +20558,7 @@
                                           </p:stCondLst>
                                         </p:cTn>
                                         <p:tgtEl>
-                                          <p:spTgt spid="37"/>
+                                          <p:spTgt spid="35"/>
                                         </p:tgtEl>
                                         <p:attrNameLst>
                                           <p:attrName>style.visibility</p:attrName>
@@ -19560,11 +20577,11 @@
                                     <p:cond delay="0"/>
                                   </p:stCondLst>
                                   <p:childTnLst>
-                                    <p:animMotion origin="layout" path="M 0.07627127 -0.516949 C 0.03813564 -0.2584744 0.03813564 -0.2584744 -7.450581E-09 1.192093E-07 E" pathEditMode="relative" ptsTypes="">
+                                    <p:animMotion origin="layout" path="M 0.07627118 -0.5169491 C 0.0381356 -0.2584745 0.0381356 -0.2584745 7.450581E-09 0 E" pathEditMode="relative" ptsTypes="">
                                       <p:cBhvr>
                                         <p:cTn id="116" dur="400" fill="hold"/>
                                         <p:tgtEl>
-                                          <p:spTgt spid="36"/>
+                                          <p:spTgt spid="34"/>
                                         </p:tgtEl>
                                         <p:attrNameLst>
                                           <p:attrName>ppt_x</p:attrName>
@@ -19585,7 +20602,7 @@
                                       <p:cBhvr>
                                         <p:cTn id="118" dur="400" fill="hold"/>
                                         <p:tgtEl>
-                                          <p:spTgt spid="36"/>
+                                          <p:spTgt spid="34"/>
                                         </p:tgtEl>
                                       </p:cBhvr>
                                       <p:by x="49167" y="49167"/>
@@ -19616,7 +20633,7 @@
                                           </p:stCondLst>
                                         </p:cTn>
                                         <p:tgtEl>
-                                          <p:spTgt spid="34"/>
+                                          <p:spTgt spid="32"/>
                                         </p:tgtEl>
                                         <p:attrNameLst>
                                           <p:attrName>style.visibility</p:attrName>
@@ -19643,7 +20660,7 @@
                                           </p:stCondLst>
                                         </p:cTn>
                                         <p:tgtEl>
-                                          <p:spTgt spid="35"/>
+                                          <p:spTgt spid="33"/>
                                         </p:tgtEl>
                                         <p:attrNameLst>
                                           <p:attrName>style.visibility</p:attrName>
@@ -19666,7 +20683,7 @@
                                       <p:cBhvr>
                                         <p:cTn id="125" dur="10"/>
                                         <p:tgtEl>
-                                          <p:spTgt spid="36"/>
+                                          <p:spTgt spid="34"/>
                                         </p:tgtEl>
                                       </p:cBhvr>
                                     </p:animEffect>
@@ -19678,7 +20695,7 @@
                                           </p:stCondLst>
                                         </p:cTn>
                                         <p:tgtEl>
-                                          <p:spTgt spid="36"/>
+                                          <p:spTgt spid="34"/>
                                         </p:tgtEl>
                                         <p:attrNameLst>
                                           <p:attrName>style.visibility</p:attrName>
@@ -19719,7 +20736,7 @@
       </p:par>
     </p:tnLst>
     <p:bldLst>
-      <p:bldP spid="35" grpId="0"/>
+      <p:bldP spid="33" grpId="0"/>
       <p:bldP spid="2" grpId="0"/>
     </p:bldLst>
   </p:timing>
@@ -20763,7 +21780,7 @@
 
 <file path=ppt/slides/slide31.xml><?xml version="1.0" encoding="utf-8"?>
 <p:sld xmlns:a="http://schemas.openxmlformats.org/drawingml/2006/main" xmlns:r="http://schemas.openxmlformats.org/officeDocument/2006/relationships" xmlns:p="http://schemas.openxmlformats.org/presentationml/2006/main">
-  <p:cSld name="PPTLabsZoomToAreaSlide201705111426152231">
+  <p:cSld name="PPTLabsZoomToAreaSlide201506261603597790">
     <p:bg>
       <p:bgPr>
         <a:solidFill>
@@ -21016,87 +22033,7 @@
       </p:sp>
       <p:sp>
         <p:nvSpPr>
-          <p:cNvPr id="16" name="Oval 1" hidden="1"/>
-          <p:cNvSpPr/>
-          <p:nvPr/>
-        </p:nvSpPr>
-        <p:spPr>
-          <a:xfrm>
-            <a:off x="302733" y="3184634"/>
-            <a:ext cx="4953000" cy="3505200"/>
-          </a:xfrm>
-          <a:prstGeom prst="ellipse">
-            <a:avLst/>
-          </a:prstGeom>
-        </p:spPr>
-        <p:style>
-          <a:lnRef idx="2">
-            <a:schemeClr val="accent1">
-              <a:shade val="50000"/>
-            </a:schemeClr>
-          </a:lnRef>
-          <a:fillRef idx="1">
-            <a:schemeClr val="accent1"/>
-          </a:fillRef>
-          <a:effectRef idx="0">
-            <a:schemeClr val="accent1"/>
-          </a:effectRef>
-          <a:fontRef idx="minor">
-            <a:schemeClr val="lt1"/>
-          </a:fontRef>
-        </p:style>
-        <p:txBody>
-          <a:bodyPr rtlCol="0" anchor="ctr"/>
-          <a:lstStyle/>
-          <a:p>
-            <a:pPr algn="ctr"/>
-            <a:endParaRPr lang="en-US"/>
-          </a:p>
-        </p:txBody>
-      </p:sp>
-      <p:sp>
-        <p:nvSpPr>
-          <p:cNvPr id="17" name="Oval 5" hidden="1"/>
-          <p:cNvSpPr/>
-          <p:nvPr/>
-        </p:nvSpPr>
-        <p:spPr>
-          <a:xfrm>
-            <a:off x="3962400" y="381000"/>
-            <a:ext cx="4953000" cy="3505200"/>
-          </a:xfrm>
-          <a:prstGeom prst="ellipse">
-            <a:avLst/>
-          </a:prstGeom>
-        </p:spPr>
-        <p:style>
-          <a:lnRef idx="2">
-            <a:schemeClr val="accent1">
-              <a:shade val="50000"/>
-            </a:schemeClr>
-          </a:lnRef>
-          <a:fillRef idx="1">
-            <a:schemeClr val="accent1"/>
-          </a:fillRef>
-          <a:effectRef idx="0">
-            <a:schemeClr val="accent1"/>
-          </a:effectRef>
-          <a:fontRef idx="minor">
-            <a:schemeClr val="lt1"/>
-          </a:fontRef>
-        </p:style>
-        <p:txBody>
-          <a:bodyPr rtlCol="0" anchor="ctr"/>
-          <a:lstStyle/>
-          <a:p>
-            <a:pPr algn="ctr"/>
-            <a:endParaRPr lang="en-US"/>
-          </a:p>
-        </p:txBody>
-      </p:sp>
-      <p:sp>
-        <p:nvSpPr>
-          <p:cNvPr id="3" name="PPTLabsMagnifyShape201705111426152311"/>
+          <p:cNvPr id="3" name="PPTLabsMagnifyShape201506261603597850"/>
           <p:cNvSpPr/>
           <p:nvPr/>
         </p:nvSpPr>
@@ -21160,7 +22097,7 @@
       </p:sp>
       <p:sp>
         <p:nvSpPr>
-          <p:cNvPr id="8" name="PPTLabsMagnifyShape201705111426152482"/>
+          <p:cNvPr id="8" name="PPTLabsMagnifyShape201506261603597980"/>
           <p:cNvSpPr/>
           <p:nvPr/>
         </p:nvSpPr>
@@ -21224,7 +22161,7 @@
       </p:sp>
       <p:sp>
         <p:nvSpPr>
-          <p:cNvPr id="9" name="PPTLabsMagnifyShape201705111426152532"/>
+          <p:cNvPr id="9" name="PPTLabsMagnifyShape201506261603598110"/>
           <p:cNvSpPr/>
           <p:nvPr/>
         </p:nvSpPr>
@@ -21288,7 +22225,7 @@
       </p:sp>
       <p:sp>
         <p:nvSpPr>
-          <p:cNvPr id="10" name="PPTLabsMagnifyShape201705111426152582"/>
+          <p:cNvPr id="10" name="PPTLabsMagnifyShape201506261603598180"/>
           <p:cNvSpPr/>
           <p:nvPr/>
         </p:nvSpPr>
@@ -21353,7 +22290,7 @@
     </p:spTree>
     <p:extLst>
       <p:ext uri="{BB962C8B-B14F-4D97-AF65-F5344CB8AC3E}">
-        <p14:creationId xmlns:p14="http://schemas.microsoft.com/office/powerpoint/2010/main" val="2294978696"/>
+        <p14:creationId xmlns:p14="http://schemas.microsoft.com/office/powerpoint/2010/main" val="555137689"/>
       </p:ext>
     </p:extLst>
   </p:cSld>
@@ -21777,7 +22714,7 @@
 
 <file path=ppt/slides/slide32.xml><?xml version="1.0" encoding="utf-8"?>
 <p:sld xmlns:a="http://schemas.openxmlformats.org/drawingml/2006/main" xmlns:r="http://schemas.openxmlformats.org/officeDocument/2006/relationships" xmlns:p="http://schemas.openxmlformats.org/presentationml/2006/main">
-  <p:cSld name="PPTLabsMagnifyingSlide201705111426152890">
+  <p:cSld name="PPTLabsMagnifyingSlide201506261603598410">
     <p:bg>
       <p:bgPr>
         <a:solidFill>
@@ -21878,19 +22815,26 @@
       </p:sp>
       <p:pic>
         <p:nvPicPr>
-          <p:cNvPr id="5" name="PPTLabsMagnifyAreaGroup201705111426155743" hidden="1"/>
+          <p:cNvPr id="5122" name="PPTLabsMagnifyAreaGroup201506261604001101" hidden="1"/>
           <p:cNvPicPr>
-            <a:picLocks/>
+            <a:picLocks noChangeArrowheads="1"/>
           </p:cNvPicPr>
           <p:nvPr/>
         </p:nvPicPr>
         <p:blipFill>
-          <a:blip r:embed="rId3"/>
+          <a:blip r:embed="rId3">
+            <a:extLst>
+              <a:ext uri="{28A0092B-C50C-407E-A947-70E740481C1C}">
+                <a14:useLocalDpi xmlns:a14="http://schemas.microsoft.com/office/drawing/2010/main" val="0"/>
+              </a:ext>
+            </a:extLst>
+          </a:blip>
+          <a:srcRect/>
           <a:stretch>
             <a:fillRect/>
           </a:stretch>
         </p:blipFill>
-        <p:spPr>
+        <p:spPr bwMode="auto">
           <a:xfrm>
             <a:off x="0" y="0"/>
             <a:ext cx="9144000" cy="6858000"/>
@@ -21898,36 +22842,108 @@
           <a:prstGeom prst="rect">
             <a:avLst/>
           </a:prstGeom>
+          <a:noFill/>
+          <a:ln>
+            <a:noFill/>
+          </a:ln>
+          <a:effectLst/>
+          <a:extLst>
+            <a:ext uri="{909E8E84-426E-40DD-AFC4-6F175D3DCCD1}">
+              <a14:hiddenFill xmlns:a14="http://schemas.microsoft.com/office/drawing/2010/main">
+                <a:solidFill>
+                  <a:schemeClr val="accent1"/>
+                </a:solidFill>
+              </a14:hiddenFill>
+            </a:ext>
+            <a:ext uri="{91240B29-F687-4F45-9708-019B960494DF}">
+              <a14:hiddenLine xmlns:a14="http://schemas.microsoft.com/office/drawing/2010/main" w="9525">
+                <a:solidFill>
+                  <a:schemeClr val="tx1"/>
+                </a:solidFill>
+                <a:miter lim="800000"/>
+                <a:headEnd/>
+                <a:tailEnd/>
+              </a14:hiddenLine>
+            </a:ext>
+            <a:ext uri="{AF507438-7753-43E0-B8FC-AC1667EBCBE1}">
+              <a14:hiddenEffects xmlns:a14="http://schemas.microsoft.com/office/drawing/2010/main">
+                <a:effectLst>
+                  <a:outerShdw dist="35921" dir="2700000" algn="ctr" rotWithShape="0">
+                    <a:schemeClr val="bg2"/>
+                  </a:outerShdw>
+                </a:effectLst>
+              </a14:hiddenEffects>
+            </a:ext>
+          </a:extLst>
         </p:spPr>
       </p:pic>
       <p:pic>
         <p:nvPicPr>
-          <p:cNvPr id="22" name="PPTLabsMagnifyAreaSlide201705111426156340"/>
+          <p:cNvPr id="20" name="PPTLabsMagnifyAreaSlide201506261604001421"/>
           <p:cNvPicPr>
-            <a:picLocks/>
+            <a:picLocks noChangeArrowheads="1"/>
           </p:cNvPicPr>
           <p:nvPr/>
         </p:nvPicPr>
         <p:blipFill>
-          <a:blip r:embed="rId3"/>
+          <a:blip r:embed="rId3">
+            <a:extLst>
+              <a:ext uri="{28A0092B-C50C-407E-A947-70E740481C1C}">
+                <a14:useLocalDpi xmlns:a14="http://schemas.microsoft.com/office/drawing/2010/main" val="0"/>
+              </a:ext>
+            </a:extLst>
+          </a:blip>
           <a:srcRect l="10926" t="7761" r="46646" b="49811"/>
           <a:stretch>
             <a:fillRect/>
           </a:stretch>
         </p:blipFill>
-        <p:spPr>
+        <p:spPr bwMode="auto">
           <a:xfrm>
-            <a:off x="998925" y="532116"/>
+            <a:off x="998925" y="532115"/>
             <a:ext cx="3879657" cy="2909740"/>
           </a:xfrm>
           <a:prstGeom prst="rect">
             <a:avLst/>
           </a:prstGeom>
+          <a:noFill/>
+          <a:ln>
+            <a:noFill/>
+          </a:ln>
+          <a:effectLst/>
+          <a:extLst>
+            <a:ext uri="{909E8E84-426E-40DD-AFC4-6F175D3DCCD1}">
+              <a14:hiddenFill xmlns:a14="http://schemas.microsoft.com/office/drawing/2010/main">
+                <a:solidFill>
+                  <a:schemeClr val="accent1"/>
+                </a:solidFill>
+              </a14:hiddenFill>
+            </a:ext>
+            <a:ext uri="{91240B29-F687-4F45-9708-019B960494DF}">
+              <a14:hiddenLine xmlns:a14="http://schemas.microsoft.com/office/drawing/2010/main" w="9525">
+                <a:solidFill>
+                  <a:schemeClr val="tx1"/>
+                </a:solidFill>
+                <a:miter lim="800000"/>
+                <a:headEnd/>
+                <a:tailEnd/>
+              </a14:hiddenLine>
+            </a:ext>
+            <a:ext uri="{AF507438-7753-43E0-B8FC-AC1667EBCBE1}">
+              <a14:hiddenEffects xmlns:a14="http://schemas.microsoft.com/office/drawing/2010/main">
+                <a:effectLst>
+                  <a:outerShdw dist="35921" dir="2700000" algn="ctr" rotWithShape="0">
+                    <a:schemeClr val="bg2"/>
+                  </a:outerShdw>
+                </a:effectLst>
+              </a14:hiddenEffects>
+            </a:ext>
+          </a:extLst>
         </p:spPr>
       </p:pic>
       <p:pic>
         <p:nvPicPr>
-          <p:cNvPr id="6" name="PPTIndicator201705111426156230"/>
+          <p:cNvPr id="5" name="PPTIndicator201506261604001321"/>
           <p:cNvPicPr>
             <a:picLocks/>
           </p:cNvPicPr>
@@ -21958,7 +22974,7 @@
     </p:spTree>
     <p:extLst>
       <p:ext uri="{BB962C8B-B14F-4D97-AF65-F5344CB8AC3E}">
-        <p14:creationId xmlns:p14="http://schemas.microsoft.com/office/powerpoint/2010/main" val="2258728610"/>
+        <p14:creationId xmlns:p14="http://schemas.microsoft.com/office/powerpoint/2010/main" val="1357973194"/>
       </p:ext>
     </p:extLst>
   </p:cSld>
@@ -22010,7 +23026,7 @@
                                           </p:stCondLst>
                                         </p:cTn>
                                         <p:tgtEl>
-                                          <p:spTgt spid="6"/>
+                                          <p:spTgt spid="5"/>
                                         </p:tgtEl>
                                         <p:attrNameLst>
                                           <p:attrName>style.visibility</p:attrName>
@@ -22037,7 +23053,7 @@
                                           </p:stCondLst>
                                         </p:cTn>
                                         <p:tgtEl>
-                                          <p:spTgt spid="6"/>
+                                          <p:spTgt spid="5"/>
                                         </p:tgtEl>
                                         <p:attrNameLst>
                                           <p:attrName>style.visibility</p:attrName>
@@ -22135,11 +23151,11 @@
                                     <p:cond delay="0"/>
                                   </p:stCondLst>
                                   <p:childTnLst>
-                                    <p:animMotion origin="layout" path="M 0 0 C 0.089307 0.1051337 0.089307 0.1051337 0.178614 0.2102674 E" pathEditMode="relative" ptsTypes="">
+                                    <p:animMotion origin="layout" path="M 0 0 C 0.089307 0.1051338 0.089307 0.1051338 0.178614 0.2102676 E" pathEditMode="relative" ptsTypes="">
                                       <p:cBhvr>
                                         <p:cTn id="17" dur="500" fill="hold"/>
                                         <p:tgtEl>
-                                          <p:spTgt spid="22"/>
+                                          <p:spTgt spid="20"/>
                                         </p:tgtEl>
                                         <p:attrNameLst>
                                           <p:attrName>ppt_x</p:attrName>
@@ -22160,7 +23176,7 @@
                                       <p:cBhvr>
                                         <p:cTn id="19" dur="500" fill="hold"/>
                                         <p:tgtEl>
-                                          <p:spTgt spid="22"/>
+                                          <p:spTgt spid="20"/>
                                         </p:tgtEl>
                                       </p:cBhvr>
                                       <p:by x="235691" y="235691"/>
@@ -22204,7 +23220,7 @@
 
 <file path=ppt/slides/slide33.xml><?xml version="1.0" encoding="utf-8"?>
 <p:sld xmlns:a="http://schemas.openxmlformats.org/drawingml/2006/main" xmlns:r="http://schemas.openxmlformats.org/officeDocument/2006/relationships" xmlns:p="http://schemas.openxmlformats.org/presentationml/2006/main">
-  <p:cSld name="PPTLabsMagnifiedSlide201705111426156390">
+  <p:cSld name="PPTLabsMagnifiedSlide201506261604001431">
     <p:bg>
       <p:bgPr>
         <a:solidFill>
@@ -22229,20 +23245,26 @@
       </p:grpSpPr>
       <p:pic>
         <p:nvPicPr>
-          <p:cNvPr id="5" name="PPTLabsMagnifyAreaGroup201705111426155743"/>
+          <p:cNvPr id="5122" name="PPTLabsMagnifyAreaGroup201506261604001101"/>
           <p:cNvPicPr>
-            <a:picLocks noChangeAspect="1"/>
+            <a:picLocks noChangeAspect="1" noChangeArrowheads="1"/>
           </p:cNvPicPr>
           <p:nvPr/>
         </p:nvPicPr>
         <p:blipFill>
-          <a:blip r:embed="rId2"/>
+          <a:blip r:embed="rId2">
+            <a:extLst>
+              <a:ext uri="{28A0092B-C50C-407E-A947-70E740481C1C}">
+                <a14:useLocalDpi xmlns:a14="http://schemas.microsoft.com/office/drawing/2010/main" val="0"/>
+              </a:ext>
+            </a:extLst>
+          </a:blip>
           <a:srcRect/>
           <a:stretch>
             <a:fillRect/>
           </a:stretch>
         </p:blipFill>
-        <p:spPr>
+        <p:spPr bwMode="auto">
           <a:xfrm>
             <a:off x="-2354749" y="-1254471"/>
             <a:ext cx="21551802" cy="16163835"/>
@@ -22250,11 +23272,44 @@
           <a:prstGeom prst="rect">
             <a:avLst/>
           </a:prstGeom>
+          <a:noFill/>
+          <a:ln>
+            <a:noFill/>
+          </a:ln>
+          <a:effectLst/>
+          <a:extLst>
+            <a:ext uri="{909E8E84-426E-40DD-AFC4-6F175D3DCCD1}">
+              <a14:hiddenFill xmlns:a14="http://schemas.microsoft.com/office/drawing/2010/main">
+                <a:solidFill>
+                  <a:schemeClr val="accent1"/>
+                </a:solidFill>
+              </a14:hiddenFill>
+            </a:ext>
+            <a:ext uri="{91240B29-F687-4F45-9708-019B960494DF}">
+              <a14:hiddenLine xmlns:a14="http://schemas.microsoft.com/office/drawing/2010/main" w="9525">
+                <a:solidFill>
+                  <a:schemeClr val="tx1"/>
+                </a:solidFill>
+                <a:miter lim="800000"/>
+                <a:headEnd/>
+                <a:tailEnd/>
+              </a14:hiddenLine>
+            </a:ext>
+            <a:ext uri="{AF507438-7753-43E0-B8FC-AC1667EBCBE1}">
+              <a14:hiddenEffects xmlns:a14="http://schemas.microsoft.com/office/drawing/2010/main">
+                <a:effectLst>
+                  <a:outerShdw dist="35921" dir="2700000" algn="ctr" rotWithShape="0">
+                    <a:schemeClr val="bg2"/>
+                  </a:outerShdw>
+                </a:effectLst>
+              </a14:hiddenEffects>
+            </a:ext>
+          </a:extLst>
         </p:spPr>
       </p:pic>
       <p:pic>
         <p:nvPicPr>
-          <p:cNvPr id="3" name="PPTIndicator201705111426156729"/>
+          <p:cNvPr id="3" name="PPTIndicator201506261604001581"/>
           <p:cNvPicPr>
             <a:picLocks/>
           </p:cNvPicPr>
@@ -22285,7 +23340,7 @@
     </p:spTree>
     <p:extLst>
       <p:ext uri="{BB962C8B-B14F-4D97-AF65-F5344CB8AC3E}">
-        <p14:creationId xmlns:p14="http://schemas.microsoft.com/office/powerpoint/2010/main" val="1644900449"/>
+        <p14:creationId xmlns:p14="http://schemas.microsoft.com/office/powerpoint/2010/main" val="744104781"/>
       </p:ext>
     </p:extLst>
   </p:cSld>
@@ -22410,7 +23465,7 @@
 
 <file path=ppt/slides/slide34.xml><?xml version="1.0" encoding="utf-8"?>
 <p:sld xmlns:a="http://schemas.openxmlformats.org/drawingml/2006/main" xmlns:r="http://schemas.openxmlformats.org/officeDocument/2006/relationships" xmlns:p="http://schemas.openxmlformats.org/presentationml/2006/main">
-  <p:cSld name="PPTLabsMagnifiedPanSlide201705111426160103">
+  <p:cSld name="PPTLabsMagnifiedPanSlide201506261604004811">
     <p:bg>
       <p:bgPr>
         <a:solidFill>
@@ -22435,20 +23490,26 @@
       </p:grpSpPr>
       <p:pic>
         <p:nvPicPr>
-          <p:cNvPr id="5" name="PPTLabsMagnifyAreaGroup201705111426155743"/>
+          <p:cNvPr id="5122" name="PPTLabsMagnifyAreaGroup201506261604001101"/>
           <p:cNvPicPr>
-            <a:picLocks/>
+            <a:picLocks noChangeArrowheads="1"/>
           </p:cNvPicPr>
           <p:nvPr/>
         </p:nvPicPr>
         <p:blipFill>
-          <a:blip r:embed="rId2"/>
+          <a:blip r:embed="rId2">
+            <a:extLst>
+              <a:ext uri="{28A0092B-C50C-407E-A947-70E740481C1C}">
+                <a14:useLocalDpi xmlns:a14="http://schemas.microsoft.com/office/drawing/2010/main" val="0"/>
+              </a:ext>
+            </a:extLst>
+          </a:blip>
           <a:srcRect/>
           <a:stretch>
             <a:fillRect/>
           </a:stretch>
         </p:blipFill>
-        <p:spPr>
+        <p:spPr bwMode="auto">
           <a:xfrm>
             <a:off x="0" y="0"/>
             <a:ext cx="9144000" cy="6857993"/>
@@ -22456,24 +23517,63 @@
           <a:prstGeom prst="rect">
             <a:avLst/>
           </a:prstGeom>
+          <a:noFill/>
+          <a:ln>
+            <a:noFill/>
+          </a:ln>
+          <a:effectLst/>
+          <a:extLst>
+            <a:ext uri="{909E8E84-426E-40DD-AFC4-6F175D3DCCD1}">
+              <a14:hiddenFill xmlns:a14="http://schemas.microsoft.com/office/drawing/2010/main">
+                <a:solidFill>
+                  <a:schemeClr val="accent1"/>
+                </a:solidFill>
+              </a14:hiddenFill>
+            </a:ext>
+            <a:ext uri="{91240B29-F687-4F45-9708-019B960494DF}">
+              <a14:hiddenLine xmlns:a14="http://schemas.microsoft.com/office/drawing/2010/main" w="9525">
+                <a:solidFill>
+                  <a:schemeClr val="tx1"/>
+                </a:solidFill>
+                <a:miter lim="800000"/>
+                <a:headEnd/>
+                <a:tailEnd/>
+              </a14:hiddenLine>
+            </a:ext>
+            <a:ext uri="{AF507438-7753-43E0-B8FC-AC1667EBCBE1}">
+              <a14:hiddenEffects xmlns:a14="http://schemas.microsoft.com/office/drawing/2010/main">
+                <a:effectLst>
+                  <a:outerShdw dist="35921" dir="2700000" algn="ctr" rotWithShape="0">
+                    <a:schemeClr val="bg2"/>
+                  </a:outerShdw>
+                </a:effectLst>
+              </a14:hiddenEffects>
+            </a:ext>
+          </a:extLst>
         </p:spPr>
       </p:pic>
       <p:pic>
         <p:nvPicPr>
-          <p:cNvPr id="6" name="PPTLabsMagnifyAreaGroup201705111426155743"/>
+          <p:cNvPr id="5" name="PPTLabsMagnifyAreaGroup201506261604001101"/>
           <p:cNvPicPr>
-            <a:picLocks/>
+            <a:picLocks noChangeArrowheads="1"/>
           </p:cNvPicPr>
           <p:nvPr/>
         </p:nvPicPr>
         <p:blipFill>
-          <a:blip r:embed="rId2"/>
+          <a:blip r:embed="rId2">
+            <a:extLst>
+              <a:ext uri="{28A0092B-C50C-407E-A947-70E740481C1C}">
+                <a14:useLocalDpi xmlns:a14="http://schemas.microsoft.com/office/drawing/2010/main" val="0"/>
+              </a:ext>
+            </a:extLst>
+          </a:blip>
           <a:srcRect/>
           <a:stretch>
             <a:fillRect/>
           </a:stretch>
         </p:blipFill>
-        <p:spPr>
+        <p:spPr bwMode="auto">
           <a:xfrm>
             <a:off x="-2354749" y="-1254471"/>
             <a:ext cx="21551802" cy="16163835"/>
@@ -22481,11 +23581,44 @@
           <a:prstGeom prst="rect">
             <a:avLst/>
           </a:prstGeom>
+          <a:noFill/>
+          <a:ln>
+            <a:noFill/>
+          </a:ln>
+          <a:effectLst/>
+          <a:extLst>
+            <a:ext uri="{909E8E84-426E-40DD-AFC4-6F175D3DCCD1}">
+              <a14:hiddenFill xmlns:a14="http://schemas.microsoft.com/office/drawing/2010/main">
+                <a:solidFill>
+                  <a:schemeClr val="accent1"/>
+                </a:solidFill>
+              </a14:hiddenFill>
+            </a:ext>
+            <a:ext uri="{91240B29-F687-4F45-9708-019B960494DF}">
+              <a14:hiddenLine xmlns:a14="http://schemas.microsoft.com/office/drawing/2010/main" w="9525">
+                <a:solidFill>
+                  <a:schemeClr val="tx1"/>
+                </a:solidFill>
+                <a:miter lim="800000"/>
+                <a:headEnd/>
+                <a:tailEnd/>
+              </a14:hiddenLine>
+            </a:ext>
+            <a:ext uri="{AF507438-7753-43E0-B8FC-AC1667EBCBE1}">
+              <a14:hiddenEffects xmlns:a14="http://schemas.microsoft.com/office/drawing/2010/main">
+                <a:effectLst>
+                  <a:outerShdw dist="35921" dir="2700000" algn="ctr" rotWithShape="0">
+                    <a:schemeClr val="bg2"/>
+                  </a:outerShdw>
+                </a:effectLst>
+              </a14:hiddenEffects>
+            </a:ext>
+          </a:extLst>
         </p:spPr>
       </p:pic>
       <p:pic>
         <p:nvPicPr>
-          <p:cNvPr id="2" name="PPTIndicator201705111426160413"/>
+          <p:cNvPr id="2" name="PPTIndicator201506261604004961"/>
           <p:cNvPicPr>
             <a:picLocks/>
           </p:cNvPicPr>
@@ -22516,7 +23649,7 @@
     </p:spTree>
     <p:extLst>
       <p:ext uri="{BB962C8B-B14F-4D97-AF65-F5344CB8AC3E}">
-        <p14:creationId xmlns:p14="http://schemas.microsoft.com/office/powerpoint/2010/main" val="1465412335"/>
+        <p14:creationId xmlns:p14="http://schemas.microsoft.com/office/powerpoint/2010/main" val="3761063101"/>
       </p:ext>
     </p:extLst>
   </p:cSld>
@@ -22618,7 +23751,7 @@
                                       <p:cBhvr>
                                         <p:cTn id="10" dur="1" fill="hold"/>
                                         <p:tgtEl>
-                                          <p:spTgt spid="5"/>
+                                          <p:spTgt spid="5122"/>
                                         </p:tgtEl>
                                         <p:attrNameLst>
                                           <p:attrName>ppt_x</p:attrName>
@@ -22639,7 +23772,7 @@
                                       <p:cBhvr>
                                         <p:cTn id="12" dur="1" fill="hold"/>
                                         <p:tgtEl>
-                                          <p:spTgt spid="5"/>
+                                          <p:spTgt spid="5122"/>
                                         </p:tgtEl>
                                       </p:cBhvr>
                                       <p:by x="235693" y="235693"/>
@@ -22657,7 +23790,7 @@
                                       <p:cBhvr>
                                         <p:cTn id="14" dur="10"/>
                                         <p:tgtEl>
-                                          <p:spTgt spid="6"/>
+                                          <p:spTgt spid="5"/>
                                         </p:tgtEl>
                                       </p:cBhvr>
                                     </p:animEffect>
@@ -22669,7 +23802,7 @@
                                           </p:stCondLst>
                                         </p:cTn>
                                         <p:tgtEl>
-                                          <p:spTgt spid="6"/>
+                                          <p:spTgt spid="5"/>
                                         </p:tgtEl>
                                         <p:attrNameLst>
                                           <p:attrName>style.visibility</p:attrName>
@@ -22697,11 +23830,11 @@
                                     <p:cond delay="0"/>
                                   </p:stCondLst>
                                   <p:childTnLst>
-                                    <p:animMotion origin="layout" path="M 0.4209484 0.4955453 C 0.4328169 0.9727173 0.4328169 0.9727173 0.4446853 1.449889 E" pathEditMode="relative" ptsTypes="">
+                                    <p:animMotion origin="layout" path="M 0.4209484 0.4955453 C 0.4328168 0.9727182 0.4328168 0.9727182 0.4446852 1.449891 E" pathEditMode="relative" ptsTypes="">
                                       <p:cBhvr>
                                         <p:cTn id="18" dur="400" fill="hold"/>
                                         <p:tgtEl>
-                                          <p:spTgt spid="5"/>
+                                          <p:spTgt spid="5122"/>
                                         </p:tgtEl>
                                         <p:attrNameLst>
                                           <p:attrName>ppt_x</p:attrName>
@@ -22722,7 +23855,7 @@
                                       <p:cBhvr>
                                         <p:cTn id="20" dur="400" fill="hold"/>
                                         <p:tgtEl>
-                                          <p:spTgt spid="5"/>
+                                          <p:spTgt spid="5122"/>
                                         </p:tgtEl>
                                       </p:cBhvr>
                                       <p:by x="224368" y="224372"/>
@@ -22763,7 +23896,7 @@
 
 <file path=ppt/slides/slide35.xml><?xml version="1.0" encoding="utf-8"?>
 <p:sld xmlns:a="http://schemas.openxmlformats.org/drawingml/2006/main" xmlns:r="http://schemas.openxmlformats.org/officeDocument/2006/relationships" xmlns:p="http://schemas.openxmlformats.org/presentationml/2006/main">
-  <p:cSld name="PPTLabsMagnifiedSlide201705111426159797">
+  <p:cSld name="PPTLabsMagnifiedSlide201506261604004621">
     <p:bg>
       <p:bgPr>
         <a:solidFill>
@@ -22788,32 +23921,71 @@
       </p:grpSpPr>
       <p:pic>
         <p:nvPicPr>
-          <p:cNvPr id="5" name="PPTLabsMagnifyAreaGroup201705111426159350"/>
+          <p:cNvPr id="6146" name="PPTLabsMagnifyAreaGroup201506261604004321"/>
           <p:cNvPicPr>
-            <a:picLocks noChangeAspect="1"/>
+            <a:picLocks noChangeAspect="1" noChangeArrowheads="1"/>
           </p:cNvPicPr>
           <p:nvPr/>
         </p:nvPicPr>
         <p:blipFill>
-          <a:blip r:embed="rId2"/>
+          <a:blip r:embed="rId2">
+            <a:extLst>
+              <a:ext uri="{28A0092B-C50C-407E-A947-70E740481C1C}">
+                <a14:useLocalDpi xmlns:a14="http://schemas.microsoft.com/office/drawing/2010/main" val="0"/>
+              </a:ext>
+            </a:extLst>
+          </a:blip>
           <a:srcRect/>
           <a:stretch>
             <a:fillRect/>
           </a:stretch>
         </p:blipFill>
-        <p:spPr>
+        <p:spPr bwMode="auto">
           <a:xfrm>
-            <a:off x="-15539485" y="-4761187"/>
-            <a:ext cx="48355375" cy="36267051"/>
+            <a:off x="-15539485" y="-4761195"/>
+            <a:ext cx="48355375" cy="36267088"/>
           </a:xfrm>
           <a:prstGeom prst="rect">
             <a:avLst/>
           </a:prstGeom>
+          <a:noFill/>
+          <a:ln>
+            <a:noFill/>
+          </a:ln>
+          <a:effectLst/>
+          <a:extLst>
+            <a:ext uri="{909E8E84-426E-40DD-AFC4-6F175D3DCCD1}">
+              <a14:hiddenFill xmlns:a14="http://schemas.microsoft.com/office/drawing/2010/main">
+                <a:solidFill>
+                  <a:schemeClr val="accent1"/>
+                </a:solidFill>
+              </a14:hiddenFill>
+            </a:ext>
+            <a:ext uri="{91240B29-F687-4F45-9708-019B960494DF}">
+              <a14:hiddenLine xmlns:a14="http://schemas.microsoft.com/office/drawing/2010/main" w="9525">
+                <a:solidFill>
+                  <a:schemeClr val="tx1"/>
+                </a:solidFill>
+                <a:miter lim="800000"/>
+                <a:headEnd/>
+                <a:tailEnd/>
+              </a14:hiddenLine>
+            </a:ext>
+            <a:ext uri="{AF507438-7753-43E0-B8FC-AC1667EBCBE1}">
+              <a14:hiddenEffects xmlns:a14="http://schemas.microsoft.com/office/drawing/2010/main">
+                <a:effectLst>
+                  <a:outerShdw dist="35921" dir="2700000" algn="ctr" rotWithShape="0">
+                    <a:schemeClr val="bg2"/>
+                  </a:outerShdw>
+                </a:effectLst>
+              </a14:hiddenEffects>
+            </a:ext>
+          </a:extLst>
         </p:spPr>
       </p:pic>
       <p:pic>
         <p:nvPicPr>
-          <p:cNvPr id="3" name="PPTIndicator201705111426160053"/>
+          <p:cNvPr id="3" name="PPTIndicator201506261604004781"/>
           <p:cNvPicPr>
             <a:picLocks/>
           </p:cNvPicPr>
@@ -22844,7 +24016,7 @@
     </p:spTree>
     <p:extLst>
       <p:ext uri="{BB962C8B-B14F-4D97-AF65-F5344CB8AC3E}">
-        <p14:creationId xmlns:p14="http://schemas.microsoft.com/office/powerpoint/2010/main" val="377132491"/>
+        <p14:creationId xmlns:p14="http://schemas.microsoft.com/office/powerpoint/2010/main" val="2647369660"/>
       </p:ext>
     </p:extLst>
   </p:cSld>
@@ -22969,7 +24141,7 @@
 
 <file path=ppt/slides/slide36.xml><?xml version="1.0" encoding="utf-8"?>
 <p:sld xmlns:a="http://schemas.openxmlformats.org/drawingml/2006/main" xmlns:r="http://schemas.openxmlformats.org/officeDocument/2006/relationships" xmlns:p="http://schemas.openxmlformats.org/presentationml/2006/main">
-  <p:cSld name="PPTLabsMagnifiedPanSlide201705111426163920">
+  <p:cSld name="PPTLabsMagnifiedPanSlide201506261604008191">
     <p:bg>
       <p:bgPr>
         <a:solidFill>
@@ -22994,57 +24166,135 @@
       </p:grpSpPr>
       <p:pic>
         <p:nvPicPr>
-          <p:cNvPr id="5" name="PPTLabsMagnifyAreaGroup201705111426159350"/>
+          <p:cNvPr id="6146" name="PPTLabsMagnifyAreaGroup201506261604004321"/>
           <p:cNvPicPr>
-            <a:picLocks/>
+            <a:picLocks noChangeArrowheads="1"/>
           </p:cNvPicPr>
           <p:nvPr/>
         </p:nvPicPr>
         <p:blipFill>
-          <a:blip r:embed="rId2"/>
+          <a:blip r:embed="rId2">
+            <a:extLst>
+              <a:ext uri="{28A0092B-C50C-407E-A947-70E740481C1C}">
+                <a14:useLocalDpi xmlns:a14="http://schemas.microsoft.com/office/drawing/2010/main" val="0"/>
+              </a:ext>
+            </a:extLst>
+          </a:blip>
           <a:srcRect/>
           <a:stretch>
             <a:fillRect/>
           </a:stretch>
         </p:blipFill>
-        <p:spPr>
+        <p:spPr bwMode="auto">
           <a:xfrm>
             <a:off x="0" y="0"/>
-            <a:ext cx="9143869" cy="6858000"/>
+            <a:ext cx="9143859" cy="6858000"/>
           </a:xfrm>
           <a:prstGeom prst="rect">
             <a:avLst/>
           </a:prstGeom>
+          <a:noFill/>
+          <a:ln>
+            <a:noFill/>
+          </a:ln>
+          <a:effectLst/>
+          <a:extLst>
+            <a:ext uri="{909E8E84-426E-40DD-AFC4-6F175D3DCCD1}">
+              <a14:hiddenFill xmlns:a14="http://schemas.microsoft.com/office/drawing/2010/main">
+                <a:solidFill>
+                  <a:schemeClr val="accent1"/>
+                </a:solidFill>
+              </a14:hiddenFill>
+            </a:ext>
+            <a:ext uri="{91240B29-F687-4F45-9708-019B960494DF}">
+              <a14:hiddenLine xmlns:a14="http://schemas.microsoft.com/office/drawing/2010/main" w="9525">
+                <a:solidFill>
+                  <a:schemeClr val="tx1"/>
+                </a:solidFill>
+                <a:miter lim="800000"/>
+                <a:headEnd/>
+                <a:tailEnd/>
+              </a14:hiddenLine>
+            </a:ext>
+            <a:ext uri="{AF507438-7753-43E0-B8FC-AC1667EBCBE1}">
+              <a14:hiddenEffects xmlns:a14="http://schemas.microsoft.com/office/drawing/2010/main">
+                <a:effectLst>
+                  <a:outerShdw dist="35921" dir="2700000" algn="ctr" rotWithShape="0">
+                    <a:schemeClr val="bg2"/>
+                  </a:outerShdw>
+                </a:effectLst>
+              </a14:hiddenEffects>
+            </a:ext>
+          </a:extLst>
         </p:spPr>
       </p:pic>
       <p:pic>
         <p:nvPicPr>
-          <p:cNvPr id="6" name="PPTLabsMagnifyAreaGroup201705111426159350"/>
+          <p:cNvPr id="5" name="PPTLabsMagnifyAreaGroup201506261604004321"/>
           <p:cNvPicPr>
-            <a:picLocks/>
+            <a:picLocks noChangeArrowheads="1"/>
           </p:cNvPicPr>
           <p:nvPr/>
         </p:nvPicPr>
         <p:blipFill>
-          <a:blip r:embed="rId2"/>
+          <a:blip r:embed="rId2">
+            <a:extLst>
+              <a:ext uri="{28A0092B-C50C-407E-A947-70E740481C1C}">
+                <a14:useLocalDpi xmlns:a14="http://schemas.microsoft.com/office/drawing/2010/main" val="0"/>
+              </a:ext>
+            </a:extLst>
+          </a:blip>
           <a:srcRect/>
           <a:stretch>
             <a:fillRect/>
           </a:stretch>
         </p:blipFill>
-        <p:spPr>
+        <p:spPr bwMode="auto">
           <a:xfrm>
-            <a:off x="-15539486" y="-4761187"/>
-            <a:ext cx="48355375" cy="36267051"/>
+            <a:off x="-15539486" y="-4761195"/>
+            <a:ext cx="48355375" cy="36267088"/>
           </a:xfrm>
           <a:prstGeom prst="rect">
             <a:avLst/>
           </a:prstGeom>
+          <a:noFill/>
+          <a:ln>
+            <a:noFill/>
+          </a:ln>
+          <a:effectLst/>
+          <a:extLst>
+            <a:ext uri="{909E8E84-426E-40DD-AFC4-6F175D3DCCD1}">
+              <a14:hiddenFill xmlns:a14="http://schemas.microsoft.com/office/drawing/2010/main">
+                <a:solidFill>
+                  <a:schemeClr val="accent1"/>
+                </a:solidFill>
+              </a14:hiddenFill>
+            </a:ext>
+            <a:ext uri="{91240B29-F687-4F45-9708-019B960494DF}">
+              <a14:hiddenLine xmlns:a14="http://schemas.microsoft.com/office/drawing/2010/main" w="9525">
+                <a:solidFill>
+                  <a:schemeClr val="tx1"/>
+                </a:solidFill>
+                <a:miter lim="800000"/>
+                <a:headEnd/>
+                <a:tailEnd/>
+              </a14:hiddenLine>
+            </a:ext>
+            <a:ext uri="{AF507438-7753-43E0-B8FC-AC1667EBCBE1}">
+              <a14:hiddenEffects xmlns:a14="http://schemas.microsoft.com/office/drawing/2010/main">
+                <a:effectLst>
+                  <a:outerShdw dist="35921" dir="2700000" algn="ctr" rotWithShape="0">
+                    <a:schemeClr val="bg2"/>
+                  </a:outerShdw>
+                </a:effectLst>
+              </a14:hiddenEffects>
+            </a:ext>
+          </a:extLst>
         </p:spPr>
       </p:pic>
       <p:pic>
         <p:nvPicPr>
-          <p:cNvPr id="2" name="PPTIndicator201705111426164100"/>
+          <p:cNvPr id="2" name="PPTIndicator201506261604008331"/>
           <p:cNvPicPr>
             <a:picLocks/>
           </p:cNvPicPr>
@@ -23075,7 +24325,7 @@
     </p:spTree>
     <p:extLst>
       <p:ext uri="{BB962C8B-B14F-4D97-AF65-F5344CB8AC3E}">
-        <p14:creationId xmlns:p14="http://schemas.microsoft.com/office/powerpoint/2010/main" val="3936984793"/>
+        <p14:creationId xmlns:p14="http://schemas.microsoft.com/office/powerpoint/2010/main" val="1228311384"/>
       </p:ext>
     </p:extLst>
   </p:cSld>
@@ -23173,11 +24423,11 @@
                                     <p:cond delay="0"/>
                                   </p:stCondLst>
                                   <p:childTnLst>
-                                    <p:animMotion origin="layout" path="M 0 0 C 0.2223462 0.7249445 0.2223462 0.7249445 0.4446925 1.449889 E" pathEditMode="relative" ptsTypes="">
+                                    <p:animMotion origin="layout" path="M 0 0 C 0.2223465 0.7249453 0.2223465 0.7249453 0.4446929 1.449891 E" pathEditMode="relative" ptsTypes="">
                                       <p:cBhvr>
                                         <p:cTn id="10" dur="1" fill="hold"/>
                                         <p:tgtEl>
-                                          <p:spTgt spid="5"/>
+                                          <p:spTgt spid="6146"/>
                                         </p:tgtEl>
                                         <p:attrNameLst>
                                           <p:attrName>ppt_x</p:attrName>
@@ -23198,10 +24448,10 @@
                                       <p:cBhvr>
                                         <p:cTn id="12" dur="1" fill="hold"/>
                                         <p:tgtEl>
-                                          <p:spTgt spid="5"/>
-                                        </p:tgtEl>
-                                      </p:cBhvr>
-                                      <p:by x="528828" y="528828"/>
+                                          <p:spTgt spid="6146"/>
+                                        </p:tgtEl>
+                                      </p:cBhvr>
+                                      <p:by x="528829" y="528829"/>
                                     </p:animScale>
                                   </p:childTnLst>
                                 </p:cTn>
@@ -23216,7 +24466,7 @@
                                       <p:cBhvr>
                                         <p:cTn id="14" dur="10"/>
                                         <p:tgtEl>
-                                          <p:spTgt spid="6"/>
+                                          <p:spTgt spid="5"/>
                                         </p:tgtEl>
                                       </p:cBhvr>
                                     </p:animEffect>
@@ -23228,7 +24478,7 @@
                                           </p:stCondLst>
                                         </p:cTn>
                                         <p:tgtEl>
-                                          <p:spTgt spid="6"/>
+                                          <p:spTgt spid="5"/>
                                         </p:tgtEl>
                                         <p:attrNameLst>
                                           <p:attrName>style.visibility</p:attrName>
@@ -23256,11 +24506,11 @@
                                     <p:cond delay="0"/>
                                   </p:stCondLst>
                                   <p:childTnLst>
-                                    <p:animMotion origin="layout" path="M 0.4446925 1.449889 C 0.002813399 0.8386196 0.002813399 0.8386196 -0.4390657 0.2273501 E" pathEditMode="relative" ptsTypes="">
+                                    <p:animMotion origin="layout" path="M 0.4446929 1.449891 C 0.002813905 0.8386203 0.002813905 0.8386203 -0.4390651 0.2273496 E" pathEditMode="relative" ptsTypes="">
                                       <p:cBhvr>
                                         <p:cTn id="18" dur="400" fill="hold"/>
                                         <p:tgtEl>
-                                          <p:spTgt spid="5"/>
+                                          <p:spTgt spid="6146"/>
                                         </p:tgtEl>
                                         <p:attrNameLst>
                                           <p:attrName>ppt_x</p:attrName>
@@ -23281,7 +24531,7 @@
                                       <p:cBhvr>
                                         <p:cTn id="20" dur="400" fill="hold"/>
                                         <p:tgtEl>
-                                          <p:spTgt spid="5"/>
+                                          <p:spTgt spid="6146"/>
                                         </p:tgtEl>
                                       </p:cBhvr>
                                       <p:by x="35516" y="35515"/>
@@ -23322,7 +24572,7 @@
 
 <file path=ppt/slides/slide37.xml><?xml version="1.0" encoding="utf-8"?>
 <p:sld xmlns:a="http://schemas.openxmlformats.org/drawingml/2006/main" xmlns:r="http://schemas.openxmlformats.org/officeDocument/2006/relationships" xmlns:p="http://schemas.openxmlformats.org/presentationml/2006/main">
-  <p:cSld name="PPTLabsMagnifiedSlide201705111426163642">
+  <p:cSld name="PPTLabsMagnifiedSlide201506261604008001">
     <p:bg>
       <p:bgPr>
         <a:solidFill>
@@ -23347,20 +24597,26 @@
       </p:grpSpPr>
       <p:pic>
         <p:nvPicPr>
-          <p:cNvPr id="5" name="PPTLabsMagnifyAreaGroup201705111426163125"/>
+          <p:cNvPr id="7170" name="PPTLabsMagnifyAreaGroup201506261604007711"/>
           <p:cNvPicPr>
-            <a:picLocks noChangeAspect="1"/>
+            <a:picLocks noChangeAspect="1" noChangeArrowheads="1"/>
           </p:cNvPicPr>
           <p:nvPr/>
         </p:nvPicPr>
         <p:blipFill>
-          <a:blip r:embed="rId2"/>
+          <a:blip r:embed="rId2">
+            <a:extLst>
+              <a:ext uri="{28A0092B-C50C-407E-A947-70E740481C1C}">
+                <a14:useLocalDpi xmlns:a14="http://schemas.microsoft.com/office/drawing/2010/main" val="0"/>
+              </a:ext>
+            </a:extLst>
+          </a:blip>
           <a:srcRect/>
           <a:stretch>
             <a:fillRect/>
           </a:stretch>
         </p:blipFill>
-        <p:spPr>
+        <p:spPr bwMode="auto">
           <a:xfrm>
             <a:off x="-8029764" y="-1452008"/>
             <a:ext cx="17173764" cy="12880349"/>
@@ -23368,11 +24624,44 @@
           <a:prstGeom prst="rect">
             <a:avLst/>
           </a:prstGeom>
+          <a:noFill/>
+          <a:ln>
+            <a:noFill/>
+          </a:ln>
+          <a:effectLst/>
+          <a:extLst>
+            <a:ext uri="{909E8E84-426E-40DD-AFC4-6F175D3DCCD1}">
+              <a14:hiddenFill xmlns:a14="http://schemas.microsoft.com/office/drawing/2010/main">
+                <a:solidFill>
+                  <a:schemeClr val="accent1"/>
+                </a:solidFill>
+              </a14:hiddenFill>
+            </a:ext>
+            <a:ext uri="{91240B29-F687-4F45-9708-019B960494DF}">
+              <a14:hiddenLine xmlns:a14="http://schemas.microsoft.com/office/drawing/2010/main" w="9525">
+                <a:solidFill>
+                  <a:schemeClr val="tx1"/>
+                </a:solidFill>
+                <a:miter lim="800000"/>
+                <a:headEnd/>
+                <a:tailEnd/>
+              </a14:hiddenLine>
+            </a:ext>
+            <a:ext uri="{AF507438-7753-43E0-B8FC-AC1667EBCBE1}">
+              <a14:hiddenEffects xmlns:a14="http://schemas.microsoft.com/office/drawing/2010/main">
+                <a:effectLst>
+                  <a:outerShdw dist="35921" dir="2700000" algn="ctr" rotWithShape="0">
+                    <a:schemeClr val="bg2"/>
+                  </a:outerShdw>
+                </a:effectLst>
+              </a14:hiddenEffects>
+            </a:ext>
+          </a:extLst>
         </p:spPr>
       </p:pic>
       <p:pic>
         <p:nvPicPr>
-          <p:cNvPr id="3" name="PPTIndicator201705111426163880"/>
+          <p:cNvPr id="3" name="PPTIndicator201506261604008151"/>
           <p:cNvPicPr>
             <a:picLocks/>
           </p:cNvPicPr>
@@ -23403,7 +24692,7 @@
     </p:spTree>
     <p:extLst>
       <p:ext uri="{BB962C8B-B14F-4D97-AF65-F5344CB8AC3E}">
-        <p14:creationId xmlns:p14="http://schemas.microsoft.com/office/powerpoint/2010/main" val="2090193175"/>
+        <p14:creationId xmlns:p14="http://schemas.microsoft.com/office/powerpoint/2010/main" val="3691995501"/>
       </p:ext>
     </p:extLst>
   </p:cSld>
@@ -23528,7 +24817,7 @@
 
 <file path=ppt/slides/slide38.xml><?xml version="1.0" encoding="utf-8"?>
 <p:sld xmlns:a="http://schemas.openxmlformats.org/drawingml/2006/main" xmlns:r="http://schemas.openxmlformats.org/officeDocument/2006/relationships" xmlns:p="http://schemas.openxmlformats.org/presentationml/2006/main">
-  <p:cSld name="PPTLabsMagnifiedPanSlide201705111426167557">
+  <p:cSld name="PPTLabsMagnifiedPanSlide201506261604011621">
     <p:bg>
       <p:bgPr>
         <a:solidFill>
@@ -23553,20 +24842,26 @@
       </p:grpSpPr>
       <p:pic>
         <p:nvPicPr>
-          <p:cNvPr id="5" name="PPTLabsMagnifyAreaGroup201705111426163125"/>
+          <p:cNvPr id="7170" name="PPTLabsMagnifyAreaGroup201506261604007711"/>
           <p:cNvPicPr>
-            <a:picLocks/>
+            <a:picLocks noChangeArrowheads="1"/>
           </p:cNvPicPr>
           <p:nvPr/>
         </p:nvPicPr>
         <p:blipFill>
-          <a:blip r:embed="rId2"/>
+          <a:blip r:embed="rId2">
+            <a:extLst>
+              <a:ext uri="{28A0092B-C50C-407E-A947-70E740481C1C}">
+                <a14:useLocalDpi xmlns:a14="http://schemas.microsoft.com/office/drawing/2010/main" val="0"/>
+              </a:ext>
+            </a:extLst>
+          </a:blip>
           <a:srcRect/>
           <a:stretch>
             <a:fillRect/>
           </a:stretch>
         </p:blipFill>
-        <p:spPr>
+        <p:spPr bwMode="auto">
           <a:xfrm>
             <a:off x="1" y="0"/>
             <a:ext cx="9143981" cy="6858000"/>
@@ -23574,24 +24869,63 @@
           <a:prstGeom prst="rect">
             <a:avLst/>
           </a:prstGeom>
+          <a:noFill/>
+          <a:ln>
+            <a:noFill/>
+          </a:ln>
+          <a:effectLst/>
+          <a:extLst>
+            <a:ext uri="{909E8E84-426E-40DD-AFC4-6F175D3DCCD1}">
+              <a14:hiddenFill xmlns:a14="http://schemas.microsoft.com/office/drawing/2010/main">
+                <a:solidFill>
+                  <a:schemeClr val="accent1"/>
+                </a:solidFill>
+              </a14:hiddenFill>
+            </a:ext>
+            <a:ext uri="{91240B29-F687-4F45-9708-019B960494DF}">
+              <a14:hiddenLine xmlns:a14="http://schemas.microsoft.com/office/drawing/2010/main" w="9525">
+                <a:solidFill>
+                  <a:schemeClr val="tx1"/>
+                </a:solidFill>
+                <a:miter lim="800000"/>
+                <a:headEnd/>
+                <a:tailEnd/>
+              </a14:hiddenLine>
+            </a:ext>
+            <a:ext uri="{AF507438-7753-43E0-B8FC-AC1667EBCBE1}">
+              <a14:hiddenEffects xmlns:a14="http://schemas.microsoft.com/office/drawing/2010/main">
+                <a:effectLst>
+                  <a:outerShdw dist="35921" dir="2700000" algn="ctr" rotWithShape="0">
+                    <a:schemeClr val="bg2"/>
+                  </a:outerShdw>
+                </a:effectLst>
+              </a14:hiddenEffects>
+            </a:ext>
+          </a:extLst>
         </p:spPr>
       </p:pic>
       <p:pic>
         <p:nvPicPr>
-          <p:cNvPr id="6" name="PPTLabsMagnifyAreaGroup201705111426163125"/>
+          <p:cNvPr id="5" name="PPTLabsMagnifyAreaGroup201506261604007711"/>
           <p:cNvPicPr>
-            <a:picLocks/>
+            <a:picLocks noChangeArrowheads="1"/>
           </p:cNvPicPr>
           <p:nvPr/>
         </p:nvPicPr>
         <p:blipFill>
-          <a:blip r:embed="rId2"/>
+          <a:blip r:embed="rId2">
+            <a:extLst>
+              <a:ext uri="{28A0092B-C50C-407E-A947-70E740481C1C}">
+                <a14:useLocalDpi xmlns:a14="http://schemas.microsoft.com/office/drawing/2010/main" val="0"/>
+              </a:ext>
+            </a:extLst>
+          </a:blip>
           <a:srcRect/>
           <a:stretch>
             <a:fillRect/>
           </a:stretch>
         </p:blipFill>
-        <p:spPr>
+        <p:spPr bwMode="auto">
           <a:xfrm>
             <a:off x="-8029764" y="-1452008"/>
             <a:ext cx="17173764" cy="12880349"/>
@@ -23599,11 +24933,44 @@
           <a:prstGeom prst="rect">
             <a:avLst/>
           </a:prstGeom>
+          <a:noFill/>
+          <a:ln>
+            <a:noFill/>
+          </a:ln>
+          <a:effectLst/>
+          <a:extLst>
+            <a:ext uri="{909E8E84-426E-40DD-AFC4-6F175D3DCCD1}">
+              <a14:hiddenFill xmlns:a14="http://schemas.microsoft.com/office/drawing/2010/main">
+                <a:solidFill>
+                  <a:schemeClr val="accent1"/>
+                </a:solidFill>
+              </a14:hiddenFill>
+            </a:ext>
+            <a:ext uri="{91240B29-F687-4F45-9708-019B960494DF}">
+              <a14:hiddenLine xmlns:a14="http://schemas.microsoft.com/office/drawing/2010/main" w="9525">
+                <a:solidFill>
+                  <a:schemeClr val="tx1"/>
+                </a:solidFill>
+                <a:miter lim="800000"/>
+                <a:headEnd/>
+                <a:tailEnd/>
+              </a14:hiddenLine>
+            </a:ext>
+            <a:ext uri="{AF507438-7753-43E0-B8FC-AC1667EBCBE1}">
+              <a14:hiddenEffects xmlns:a14="http://schemas.microsoft.com/office/drawing/2010/main">
+                <a:effectLst>
+                  <a:outerShdw dist="35921" dir="2700000" algn="ctr" rotWithShape="0">
+                    <a:schemeClr val="bg2"/>
+                  </a:outerShdw>
+                </a:effectLst>
+              </a14:hiddenEffects>
+            </a:ext>
+          </a:extLst>
         </p:spPr>
       </p:pic>
       <p:pic>
         <p:nvPicPr>
-          <p:cNvPr id="2" name="PPTIndicator201705111426167727"/>
+          <p:cNvPr id="2" name="PPTIndicator201506261604011761"/>
           <p:cNvPicPr>
             <a:picLocks/>
           </p:cNvPicPr>
@@ -23634,7 +25001,7 @@
     </p:spTree>
     <p:extLst>
       <p:ext uri="{BB962C8B-B14F-4D97-AF65-F5344CB8AC3E}">
-        <p14:creationId xmlns:p14="http://schemas.microsoft.com/office/powerpoint/2010/main" val="3976883686"/>
+        <p14:creationId xmlns:p14="http://schemas.microsoft.com/office/powerpoint/2010/main" val="2919115476"/>
       </p:ext>
     </p:extLst>
   </p:cSld>
@@ -23732,11 +25099,11 @@
                                     <p:cond delay="0"/>
                                   </p:stCondLst>
                                   <p:childTnLst>
-                                    <p:animMotion origin="layout" path="M 0 0 C -0.219536 0.113675 -0.219536 0.113675 -0.4390719 0.22735 E" pathEditMode="relative" ptsTypes="">
+                                    <p:animMotion origin="layout" path="M 0 0 C -0.2195359 0.113675 -0.2195359 0.113675 -0.4390719 0.22735 E" pathEditMode="relative" ptsTypes="">
                                       <p:cBhvr>
                                         <p:cTn id="10" dur="1" fill="hold"/>
                                         <p:tgtEl>
-                                          <p:spTgt spid="5"/>
+                                          <p:spTgt spid="7170"/>
                                         </p:tgtEl>
                                         <p:attrNameLst>
                                           <p:attrName>ppt_x</p:attrName>
@@ -23757,7 +25124,7 @@
                                       <p:cBhvr>
                                         <p:cTn id="12" dur="1" fill="hold"/>
                                         <p:tgtEl>
-                                          <p:spTgt spid="5"/>
+                                          <p:spTgt spid="7170"/>
                                         </p:tgtEl>
                                       </p:cBhvr>
                                       <p:by x="187815" y="187815"/>
@@ -23775,7 +25142,7 @@
                                       <p:cBhvr>
                                         <p:cTn id="14" dur="10"/>
                                         <p:tgtEl>
-                                          <p:spTgt spid="6"/>
+                                          <p:spTgt spid="5"/>
                                         </p:tgtEl>
                                       </p:cBhvr>
                                     </p:animEffect>
@@ -23787,7 +25154,7 @@
                                           </p:stCondLst>
                                         </p:cTn>
                                         <p:tgtEl>
-                                          <p:spTgt spid="6"/>
+                                          <p:spTgt spid="5"/>
                                         </p:tgtEl>
                                         <p:attrNameLst>
                                           <p:attrName>style.visibility</p:attrName>
@@ -23819,7 +25186,7 @@
                                       <p:cBhvr>
                                         <p:cTn id="18" dur="400" fill="hold"/>
                                         <p:tgtEl>
-                                          <p:spTgt spid="5"/>
+                                          <p:spTgt spid="7170"/>
                                         </p:tgtEl>
                                         <p:attrNameLst>
                                           <p:attrName>ppt_x</p:attrName>
@@ -23840,7 +25207,7 @@
                                       <p:cBhvr>
                                         <p:cTn id="20" dur="400" fill="hold"/>
                                         <p:tgtEl>
-                                          <p:spTgt spid="5"/>
+                                          <p:spTgt spid="7170"/>
                                         </p:tgtEl>
                                       </p:cBhvr>
                                       <p:by x="108283" y="108283"/>
@@ -23881,7 +25248,7 @@
 
 <file path=ppt/slides/slide39.xml><?xml version="1.0" encoding="utf-8"?>
 <p:sld xmlns:a="http://schemas.openxmlformats.org/drawingml/2006/main" xmlns:r="http://schemas.openxmlformats.org/officeDocument/2006/relationships" xmlns:p="http://schemas.openxmlformats.org/presentationml/2006/main">
-  <p:cSld name="PPTLabsMagnifiedSlide201705111426167302">
+  <p:cSld name="PPTLabsMagnifiedSlide201506261604011431">
     <p:bg>
       <p:bgPr>
         <a:solidFill>
@@ -23906,20 +25273,26 @@
       </p:grpSpPr>
       <p:pic>
         <p:nvPicPr>
-          <p:cNvPr id="5" name="PPTLabsMagnifyAreaGroup201705111426166742"/>
+          <p:cNvPr id="8194" name="PPTLabsMagnifyAreaGroup201506261604011121"/>
           <p:cNvPicPr>
-            <a:picLocks noChangeAspect="1"/>
+            <a:picLocks noChangeAspect="1" noChangeArrowheads="1"/>
           </p:cNvPicPr>
           <p:nvPr/>
         </p:nvPicPr>
         <p:blipFill>
-          <a:blip r:embed="rId2"/>
+          <a:blip r:embed="rId2">
+            <a:extLst>
+              <a:ext uri="{28A0092B-C50C-407E-A947-70E740481C1C}">
+                <a14:useLocalDpi xmlns:a14="http://schemas.microsoft.com/office/drawing/2010/main" val="0"/>
+              </a:ext>
+            </a:extLst>
+          </a:blip>
           <a:srcRect/>
           <a:stretch>
             <a:fillRect/>
           </a:stretch>
         </p:blipFill>
-        <p:spPr>
+        <p:spPr bwMode="auto">
           <a:xfrm>
             <a:off x="-4028893" y="-7089260"/>
             <a:ext cx="18596324" cy="13947264"/>
@@ -23927,11 +25300,44 @@
           <a:prstGeom prst="rect">
             <a:avLst/>
           </a:prstGeom>
+          <a:noFill/>
+          <a:ln>
+            <a:noFill/>
+          </a:ln>
+          <a:effectLst/>
+          <a:extLst>
+            <a:ext uri="{909E8E84-426E-40DD-AFC4-6F175D3DCCD1}">
+              <a14:hiddenFill xmlns:a14="http://schemas.microsoft.com/office/drawing/2010/main">
+                <a:solidFill>
+                  <a:schemeClr val="accent1"/>
+                </a:solidFill>
+              </a14:hiddenFill>
+            </a:ext>
+            <a:ext uri="{91240B29-F687-4F45-9708-019B960494DF}">
+              <a14:hiddenLine xmlns:a14="http://schemas.microsoft.com/office/drawing/2010/main" w="9525">
+                <a:solidFill>
+                  <a:schemeClr val="tx1"/>
+                </a:solidFill>
+                <a:miter lim="800000"/>
+                <a:headEnd/>
+                <a:tailEnd/>
+              </a14:hiddenLine>
+            </a:ext>
+            <a:ext uri="{AF507438-7753-43E0-B8FC-AC1667EBCBE1}">
+              <a14:hiddenEffects xmlns:a14="http://schemas.microsoft.com/office/drawing/2010/main">
+                <a:effectLst>
+                  <a:outerShdw dist="35921" dir="2700000" algn="ctr" rotWithShape="0">
+                    <a:schemeClr val="bg2"/>
+                  </a:outerShdw>
+                </a:effectLst>
+              </a14:hiddenEffects>
+            </a:ext>
+          </a:extLst>
         </p:spPr>
       </p:pic>
       <p:pic>
         <p:nvPicPr>
-          <p:cNvPr id="3" name="PPTIndicator201705111426167507"/>
+          <p:cNvPr id="3" name="PPTIndicator201506261604011581"/>
           <p:cNvPicPr>
             <a:picLocks/>
           </p:cNvPicPr>
@@ -23962,7 +25368,7 @@
     </p:spTree>
     <p:extLst>
       <p:ext uri="{BB962C8B-B14F-4D97-AF65-F5344CB8AC3E}">
-        <p14:creationId xmlns:p14="http://schemas.microsoft.com/office/powerpoint/2010/main" val="2918540618"/>
+        <p14:creationId xmlns:p14="http://schemas.microsoft.com/office/powerpoint/2010/main" val="8022515"/>
       </p:ext>
     </p:extLst>
   </p:cSld>
@@ -24394,7 +25800,7 @@
 
 <file path=ppt/slides/slide40.xml><?xml version="1.0" encoding="utf-8"?>
 <p:sld xmlns:a="http://schemas.openxmlformats.org/drawingml/2006/main" xmlns:r="http://schemas.openxmlformats.org/officeDocument/2006/relationships" xmlns:p="http://schemas.openxmlformats.org/presentationml/2006/main">
-  <p:cSld name="PPTLabsDeMagnifyingSlide201705111426167807">
+  <p:cSld name="PPTLabsDeMagnifyingSlide201506261604011841">
     <p:bg>
       <p:bgPr>
         <a:solidFill>
@@ -24495,20 +25901,26 @@
       </p:sp>
       <p:pic>
         <p:nvPicPr>
-          <p:cNvPr id="5" name="PPTLabsMagnifyAreaGroup201705111426166742"/>
+          <p:cNvPr id="8194" name="PPTLabsMagnifyAreaGroup201506261604011121"/>
           <p:cNvPicPr>
-            <a:picLocks/>
+            <a:picLocks noChangeArrowheads="1"/>
           </p:cNvPicPr>
           <p:nvPr/>
         </p:nvPicPr>
         <p:blipFill>
-          <a:blip r:embed="rId3"/>
+          <a:blip r:embed="rId3">
+            <a:extLst>
+              <a:ext uri="{28A0092B-C50C-407E-A947-70E740481C1C}">
+                <a14:useLocalDpi xmlns:a14="http://schemas.microsoft.com/office/drawing/2010/main" val="0"/>
+              </a:ext>
+            </a:extLst>
+          </a:blip>
           <a:srcRect l="21665" t="50829" r="29164"/>
           <a:stretch>
             <a:fillRect/>
           </a:stretch>
         </p:blipFill>
-        <p:spPr>
+        <p:spPr bwMode="auto">
           <a:xfrm>
             <a:off x="0" y="-5"/>
             <a:ext cx="9144000" cy="6858009"/>
@@ -24516,11 +25928,44 @@
           <a:prstGeom prst="rect">
             <a:avLst/>
           </a:prstGeom>
+          <a:noFill/>
+          <a:ln>
+            <a:noFill/>
+          </a:ln>
+          <a:effectLst/>
+          <a:extLst>
+            <a:ext uri="{909E8E84-426E-40DD-AFC4-6F175D3DCCD1}">
+              <a14:hiddenFill xmlns:a14="http://schemas.microsoft.com/office/drawing/2010/main">
+                <a:solidFill>
+                  <a:schemeClr val="accent1"/>
+                </a:solidFill>
+              </a14:hiddenFill>
+            </a:ext>
+            <a:ext uri="{91240B29-F687-4F45-9708-019B960494DF}">
+              <a14:hiddenLine xmlns:a14="http://schemas.microsoft.com/office/drawing/2010/main" w="9525">
+                <a:solidFill>
+                  <a:schemeClr val="tx1"/>
+                </a:solidFill>
+                <a:miter lim="800000"/>
+                <a:headEnd/>
+                <a:tailEnd/>
+              </a14:hiddenLine>
+            </a:ext>
+            <a:ext uri="{AF507438-7753-43E0-B8FC-AC1667EBCBE1}">
+              <a14:hiddenEffects xmlns:a14="http://schemas.microsoft.com/office/drawing/2010/main">
+                <a:effectLst>
+                  <a:outerShdw dist="35921" dir="2700000" algn="ctr" rotWithShape="0">
+                    <a:schemeClr val="bg2"/>
+                  </a:outerShdw>
+                </a:effectLst>
+              </a14:hiddenEffects>
+            </a:ext>
+          </a:extLst>
         </p:spPr>
       </p:pic>
       <p:pic>
         <p:nvPicPr>
-          <p:cNvPr id="3" name="PPTIndicator201705111426168088"/>
+          <p:cNvPr id="3" name="PPTIndicator201506261604012011"/>
           <p:cNvPicPr>
             <a:picLocks/>
           </p:cNvPicPr>
@@ -24551,7 +25996,7 @@
     </p:spTree>
     <p:extLst>
       <p:ext uri="{BB962C8B-B14F-4D97-AF65-F5344CB8AC3E}">
-        <p14:creationId xmlns:p14="http://schemas.microsoft.com/office/powerpoint/2010/main" val="3062800820"/>
+        <p14:creationId xmlns:p14="http://schemas.microsoft.com/office/powerpoint/2010/main" val="2018588706"/>
       </p:ext>
     </p:extLst>
   </p:cSld>
@@ -24653,7 +26098,7 @@
                                       <p:cBhvr>
                                         <p:cTn id="10" dur="500" fill="hold"/>
                                         <p:tgtEl>
-                                          <p:spTgt spid="5"/>
+                                          <p:spTgt spid="8194"/>
                                         </p:tgtEl>
                                         <p:attrNameLst>
                                           <p:attrName>ppt_x</p:attrName>
@@ -24674,7 +26119,7 @@
                                       <p:cBhvr>
                                         <p:cTn id="12" dur="500" fill="hold"/>
                                         <p:tgtEl>
-                                          <p:spTgt spid="5"/>
+                                          <p:spTgt spid="8194"/>
                                         </p:tgtEl>
                                       </p:cBhvr>
                                       <p:by x="49167" y="49167"/>
@@ -24771,7 +26216,7 @@
                                       <p:cBhvr>
                                         <p:cTn id="21" dur="250"/>
                                         <p:tgtEl>
-                                          <p:spTgt spid="5"/>
+                                          <p:spTgt spid="8194"/>
                                         </p:tgtEl>
                                       </p:cBhvr>
                                     </p:animEffect>
@@ -24783,7 +26228,7 @@
                                           </p:stCondLst>
                                         </p:cTn>
                                         <p:tgtEl>
-                                          <p:spTgt spid="5"/>
+                                          <p:spTgt spid="8194"/>
                                         </p:tgtEl>
                                         <p:attrNameLst>
                                           <p:attrName>style.visibility</p:attrName>
@@ -25788,7 +27233,7 @@
 
 <file path=ppt/slides/slide43.xml><?xml version="1.0" encoding="utf-8"?>
 <p:sld xmlns:a="http://schemas.openxmlformats.org/drawingml/2006/main" xmlns:r="http://schemas.openxmlformats.org/officeDocument/2006/relationships" xmlns:p="http://schemas.openxmlformats.org/presentationml/2006/main">
-  <p:cSld name="PPTLabsZoomToAreaSlide201705111424002496">
+  <p:cSld name="PPTLabsZoomToAreaSlide201506261603414907">
     <p:bg>
       <p:bgPr>
         <a:solidFill>
@@ -26041,87 +27486,7 @@
       </p:sp>
       <p:sp>
         <p:nvSpPr>
-          <p:cNvPr id="16" name="Oval 1" hidden="1"/>
-          <p:cNvSpPr/>
-          <p:nvPr/>
-        </p:nvSpPr>
-        <p:spPr>
-          <a:xfrm>
-            <a:off x="302733" y="3184634"/>
-            <a:ext cx="4953000" cy="3505200"/>
-          </a:xfrm>
-          <a:prstGeom prst="ellipse">
-            <a:avLst/>
-          </a:prstGeom>
-        </p:spPr>
-        <p:style>
-          <a:lnRef idx="2">
-            <a:schemeClr val="accent1">
-              <a:shade val="50000"/>
-            </a:schemeClr>
-          </a:lnRef>
-          <a:fillRef idx="1">
-            <a:schemeClr val="accent1"/>
-          </a:fillRef>
-          <a:effectRef idx="0">
-            <a:schemeClr val="accent1"/>
-          </a:effectRef>
-          <a:fontRef idx="minor">
-            <a:schemeClr val="lt1"/>
-          </a:fontRef>
-        </p:style>
-        <p:txBody>
-          <a:bodyPr rtlCol="0" anchor="ctr"/>
-          <a:lstStyle/>
-          <a:p>
-            <a:pPr algn="ctr"/>
-            <a:endParaRPr lang="en-US"/>
-          </a:p>
-        </p:txBody>
-      </p:sp>
-      <p:sp>
-        <p:nvSpPr>
-          <p:cNvPr id="17" name="Oval 5" hidden="1"/>
-          <p:cNvSpPr/>
-          <p:nvPr/>
-        </p:nvSpPr>
-        <p:spPr>
-          <a:xfrm>
-            <a:off x="3962400" y="381000"/>
-            <a:ext cx="4953000" cy="3505200"/>
-          </a:xfrm>
-          <a:prstGeom prst="ellipse">
-            <a:avLst/>
-          </a:prstGeom>
-        </p:spPr>
-        <p:style>
-          <a:lnRef idx="2">
-            <a:schemeClr val="accent1">
-              <a:shade val="50000"/>
-            </a:schemeClr>
-          </a:lnRef>
-          <a:fillRef idx="1">
-            <a:schemeClr val="accent1"/>
-          </a:fillRef>
-          <a:effectRef idx="0">
-            <a:schemeClr val="accent1"/>
-          </a:effectRef>
-          <a:fontRef idx="minor">
-            <a:schemeClr val="lt1"/>
-          </a:fontRef>
-        </p:style>
-        <p:txBody>
-          <a:bodyPr rtlCol="0" anchor="ctr"/>
-          <a:lstStyle/>
-          <a:p>
-            <a:pPr algn="ctr"/>
-            <a:endParaRPr lang="en-US"/>
-          </a:p>
-        </p:txBody>
-      </p:sp>
-      <p:sp>
-        <p:nvSpPr>
-          <p:cNvPr id="3" name="PPTLabsMagnifyShape201705111424002516"/>
+          <p:cNvPr id="3" name="PPTLabsMagnifyShape201506261603415007"/>
           <p:cNvSpPr/>
           <p:nvPr/>
         </p:nvSpPr>
@@ -26185,7 +27550,7 @@
       </p:sp>
       <p:sp>
         <p:nvSpPr>
-          <p:cNvPr id="8" name="PPTLabsMagnifyShape201705111424002566"/>
+          <p:cNvPr id="8" name="PPTLabsMagnifyShape201506261603415207"/>
           <p:cNvSpPr/>
           <p:nvPr/>
         </p:nvSpPr>
@@ -26249,7 +27614,7 @@
       </p:sp>
       <p:sp>
         <p:nvSpPr>
-          <p:cNvPr id="9" name="PPTLabsMagnifyShape201705111424002616"/>
+          <p:cNvPr id="9" name="PPTLabsMagnifyShape201506261603415207"/>
           <p:cNvSpPr/>
           <p:nvPr/>
         </p:nvSpPr>
@@ -26313,7 +27678,7 @@
       </p:sp>
       <p:sp>
         <p:nvSpPr>
-          <p:cNvPr id="10" name="PPTLabsMagnifyShape201705111424002666"/>
+          <p:cNvPr id="10" name="PPTLabsMagnifyShape201506261603415307"/>
           <p:cNvSpPr/>
           <p:nvPr/>
         </p:nvSpPr>
@@ -26378,7 +27743,7 @@
     </p:spTree>
     <p:extLst>
       <p:ext uri="{BB962C8B-B14F-4D97-AF65-F5344CB8AC3E}">
-        <p14:creationId xmlns:p14="http://schemas.microsoft.com/office/powerpoint/2010/main" val="1282630545"/>
+        <p14:creationId xmlns:p14="http://schemas.microsoft.com/office/powerpoint/2010/main" val="1957985918"/>
       </p:ext>
     </p:extLst>
   </p:cSld>
@@ -26802,7 +28167,7 @@
 
 <file path=ppt/slides/slide44.xml><?xml version="1.0" encoding="utf-8"?>
 <p:sld xmlns:a="http://schemas.openxmlformats.org/drawingml/2006/main" xmlns:r="http://schemas.openxmlformats.org/officeDocument/2006/relationships" xmlns:p="http://schemas.openxmlformats.org/presentationml/2006/main">
-  <p:cSld name="PPTLabsMagnifyingSlide201705111424002890">
+  <p:cSld name="PPTLabsMagnifyingSlide201506261603415567">
     <p:bg>
       <p:bgPr>
         <a:solidFill>
@@ -26827,7 +28192,7 @@
       </p:grpSpPr>
       <p:pic>
         <p:nvPicPr>
-          <p:cNvPr id="34" name="Picture 3" descr="File:AmineTreating.png"/>
+          <p:cNvPr id="32" name="Picture 3" descr="File:AmineTreating.png"/>
           <p:cNvPicPr>
             <a:picLocks noChangeAspect="1" noChangeArrowheads="1"/>
           </p:cNvPicPr>
@@ -26873,7 +28238,7 @@
       </p:pic>
       <p:sp>
         <p:nvSpPr>
-          <p:cNvPr id="35" name="TextBox 1"/>
+          <p:cNvPr id="33" name="TextBox 1"/>
           <p:cNvSpPr txBox="1"/>
           <p:nvPr/>
         </p:nvSpPr>
@@ -26903,20 +28268,26 @@
       </p:sp>
       <p:pic>
         <p:nvPicPr>
-          <p:cNvPr id="36" name="PPTLabsMagnifyAreaGroup201705111424017468"/>
+          <p:cNvPr id="34" name="PPTLabsMagnifyAreaGroup201506261603428752"/>
           <p:cNvPicPr>
-            <a:picLocks/>
+            <a:picLocks noChangeArrowheads="1"/>
           </p:cNvPicPr>
           <p:nvPr/>
         </p:nvPicPr>
         <p:blipFill>
-          <a:blip r:embed="rId3"/>
+          <a:blip r:embed="rId3">
+            <a:extLst>
+              <a:ext uri="{28A0092B-C50C-407E-A947-70E740481C1C}">
+                <a14:useLocalDpi xmlns:a14="http://schemas.microsoft.com/office/drawing/2010/main" val="0"/>
+              </a:ext>
+            </a:extLst>
+          </a:blip>
           <a:srcRect l="21665" t="50829" r="29164"/>
           <a:stretch>
             <a:fillRect/>
           </a:stretch>
         </p:blipFill>
-        <p:spPr>
+        <p:spPr bwMode="auto">
           <a:xfrm>
             <a:off x="0" y="-5"/>
             <a:ext cx="9144000" cy="6858009"/>
@@ -26924,24 +28295,63 @@
           <a:prstGeom prst="rect">
             <a:avLst/>
           </a:prstGeom>
+          <a:noFill/>
+          <a:ln>
+            <a:noFill/>
+          </a:ln>
+          <a:effectLst/>
+          <a:extLst>
+            <a:ext uri="{909E8E84-426E-40DD-AFC4-6F175D3DCCD1}">
+              <a14:hiddenFill xmlns:a14="http://schemas.microsoft.com/office/drawing/2010/main">
+                <a:solidFill>
+                  <a:schemeClr val="accent1"/>
+                </a:solidFill>
+              </a14:hiddenFill>
+            </a:ext>
+            <a:ext uri="{91240B29-F687-4F45-9708-019B960494DF}">
+              <a14:hiddenLine xmlns:a14="http://schemas.microsoft.com/office/drawing/2010/main" w="9525">
+                <a:solidFill>
+                  <a:schemeClr val="tx1"/>
+                </a:solidFill>
+                <a:miter lim="800000"/>
+                <a:headEnd/>
+                <a:tailEnd/>
+              </a14:hiddenLine>
+            </a:ext>
+            <a:ext uri="{AF507438-7753-43E0-B8FC-AC1667EBCBE1}">
+              <a14:hiddenEffects xmlns:a14="http://schemas.microsoft.com/office/drawing/2010/main">
+                <a:effectLst>
+                  <a:outerShdw dist="35921" dir="2700000" algn="ctr" rotWithShape="0">
+                    <a:schemeClr val="bg2"/>
+                  </a:outerShdw>
+                </a:effectLst>
+              </a14:hiddenEffects>
+            </a:ext>
+          </a:extLst>
         </p:spPr>
       </p:pic>
       <p:pic>
         <p:nvPicPr>
-          <p:cNvPr id="33" name="PPTLabsMagnifyAreaGroup201705111424017468"/>
+          <p:cNvPr id="31" name="PPTLabsMagnifyAreaGroup201506261603428752"/>
           <p:cNvPicPr>
-            <a:picLocks noChangeAspect="1"/>
+            <a:picLocks noChangeAspect="1" noChangeArrowheads="1"/>
           </p:cNvPicPr>
           <p:nvPr/>
         </p:nvPicPr>
         <p:blipFill>
-          <a:blip r:embed="rId3"/>
+          <a:blip r:embed="rId3">
+            <a:extLst>
+              <a:ext uri="{28A0092B-C50C-407E-A947-70E740481C1C}">
+                <a14:useLocalDpi xmlns:a14="http://schemas.microsoft.com/office/drawing/2010/main" val="0"/>
+              </a:ext>
+            </a:extLst>
+          </a:blip>
           <a:srcRect/>
           <a:stretch>
             <a:fillRect/>
           </a:stretch>
         </p:blipFill>
-        <p:spPr>
+        <p:spPr bwMode="auto">
           <a:xfrm>
             <a:off x="-4028893" y="-7089260"/>
             <a:ext cx="18596324" cy="13947264"/>
@@ -26949,24 +28359,63 @@
           <a:prstGeom prst="rect">
             <a:avLst/>
           </a:prstGeom>
+          <a:noFill/>
+          <a:ln>
+            <a:noFill/>
+          </a:ln>
+          <a:effectLst/>
+          <a:extLst>
+            <a:ext uri="{909E8E84-426E-40DD-AFC4-6F175D3DCCD1}">
+              <a14:hiddenFill xmlns:a14="http://schemas.microsoft.com/office/drawing/2010/main">
+                <a:solidFill>
+                  <a:schemeClr val="accent1"/>
+                </a:solidFill>
+              </a14:hiddenFill>
+            </a:ext>
+            <a:ext uri="{91240B29-F687-4F45-9708-019B960494DF}">
+              <a14:hiddenLine xmlns:a14="http://schemas.microsoft.com/office/drawing/2010/main" w="9525">
+                <a:solidFill>
+                  <a:schemeClr val="tx1"/>
+                </a:solidFill>
+                <a:miter lim="800000"/>
+                <a:headEnd/>
+                <a:tailEnd/>
+              </a14:hiddenLine>
+            </a:ext>
+            <a:ext uri="{AF507438-7753-43E0-B8FC-AC1667EBCBE1}">
+              <a14:hiddenEffects xmlns:a14="http://schemas.microsoft.com/office/drawing/2010/main">
+                <a:effectLst>
+                  <a:outerShdw dist="35921" dir="2700000" algn="ctr" rotWithShape="0">
+                    <a:schemeClr val="bg2"/>
+                  </a:outerShdw>
+                </a:effectLst>
+              </a14:hiddenEffects>
+            </a:ext>
+          </a:extLst>
         </p:spPr>
       </p:pic>
       <p:pic>
         <p:nvPicPr>
-          <p:cNvPr id="31" name="PPTLabsMagnifyAreaGroup201705111424013281"/>
+          <p:cNvPr id="29" name="PPTLabsMagnifyAreaGroup201506261603425382"/>
           <p:cNvPicPr>
-            <a:picLocks/>
+            <a:picLocks noChangeArrowheads="1"/>
           </p:cNvPicPr>
           <p:nvPr/>
         </p:nvPicPr>
         <p:blipFill>
-          <a:blip r:embed="rId3"/>
+          <a:blip r:embed="rId3">
+            <a:extLst>
+              <a:ext uri="{28A0092B-C50C-407E-A947-70E740481C1C}">
+                <a14:useLocalDpi xmlns:a14="http://schemas.microsoft.com/office/drawing/2010/main" val="0"/>
+              </a:ext>
+            </a:extLst>
+          </a:blip>
           <a:srcRect/>
           <a:stretch>
             <a:fillRect/>
           </a:stretch>
         </p:blipFill>
-        <p:spPr>
+        <p:spPr bwMode="auto">
           <a:xfrm>
             <a:off x="1" y="0"/>
             <a:ext cx="9143981" cy="6858000"/>
@@ -26974,24 +28423,63 @@
           <a:prstGeom prst="rect">
             <a:avLst/>
           </a:prstGeom>
+          <a:noFill/>
+          <a:ln>
+            <a:noFill/>
+          </a:ln>
+          <a:effectLst/>
+          <a:extLst>
+            <a:ext uri="{909E8E84-426E-40DD-AFC4-6F175D3DCCD1}">
+              <a14:hiddenFill xmlns:a14="http://schemas.microsoft.com/office/drawing/2010/main">
+                <a:solidFill>
+                  <a:schemeClr val="accent1"/>
+                </a:solidFill>
+              </a14:hiddenFill>
+            </a:ext>
+            <a:ext uri="{91240B29-F687-4F45-9708-019B960494DF}">
+              <a14:hiddenLine xmlns:a14="http://schemas.microsoft.com/office/drawing/2010/main" w="9525">
+                <a:solidFill>
+                  <a:schemeClr val="tx1"/>
+                </a:solidFill>
+                <a:miter lim="800000"/>
+                <a:headEnd/>
+                <a:tailEnd/>
+              </a14:hiddenLine>
+            </a:ext>
+            <a:ext uri="{AF507438-7753-43E0-B8FC-AC1667EBCBE1}">
+              <a14:hiddenEffects xmlns:a14="http://schemas.microsoft.com/office/drawing/2010/main">
+                <a:effectLst>
+                  <a:outerShdw dist="35921" dir="2700000" algn="ctr" rotWithShape="0">
+                    <a:schemeClr val="bg2"/>
+                  </a:outerShdw>
+                </a:effectLst>
+              </a14:hiddenEffects>
+            </a:ext>
+          </a:extLst>
         </p:spPr>
       </p:pic>
       <p:pic>
         <p:nvPicPr>
-          <p:cNvPr id="32" name="PPTLabsMagnifyAreaGroup201705111424013281"/>
+          <p:cNvPr id="30" name="PPTLabsMagnifyAreaGroup201506261603425382"/>
           <p:cNvPicPr>
-            <a:picLocks/>
+            <a:picLocks noChangeArrowheads="1"/>
           </p:cNvPicPr>
           <p:nvPr/>
         </p:nvPicPr>
         <p:blipFill>
-          <a:blip r:embed="rId3"/>
+          <a:blip r:embed="rId3">
+            <a:extLst>
+              <a:ext uri="{28A0092B-C50C-407E-A947-70E740481C1C}">
+                <a14:useLocalDpi xmlns:a14="http://schemas.microsoft.com/office/drawing/2010/main" val="0"/>
+              </a:ext>
+            </a:extLst>
+          </a:blip>
           <a:srcRect/>
           <a:stretch>
             <a:fillRect/>
           </a:stretch>
         </p:blipFill>
-        <p:spPr>
+        <p:spPr bwMode="auto">
           <a:xfrm>
             <a:off x="-8029764" y="-1452008"/>
             <a:ext cx="17173764" cy="12880349"/>
@@ -26999,24 +28487,63 @@
           <a:prstGeom prst="rect">
             <a:avLst/>
           </a:prstGeom>
+          <a:noFill/>
+          <a:ln>
+            <a:noFill/>
+          </a:ln>
+          <a:effectLst/>
+          <a:extLst>
+            <a:ext uri="{909E8E84-426E-40DD-AFC4-6F175D3DCCD1}">
+              <a14:hiddenFill xmlns:a14="http://schemas.microsoft.com/office/drawing/2010/main">
+                <a:solidFill>
+                  <a:schemeClr val="accent1"/>
+                </a:solidFill>
+              </a14:hiddenFill>
+            </a:ext>
+            <a:ext uri="{91240B29-F687-4F45-9708-019B960494DF}">
+              <a14:hiddenLine xmlns:a14="http://schemas.microsoft.com/office/drawing/2010/main" w="9525">
+                <a:solidFill>
+                  <a:schemeClr val="tx1"/>
+                </a:solidFill>
+                <a:miter lim="800000"/>
+                <a:headEnd/>
+                <a:tailEnd/>
+              </a14:hiddenLine>
+            </a:ext>
+            <a:ext uri="{AF507438-7753-43E0-B8FC-AC1667EBCBE1}">
+              <a14:hiddenEffects xmlns:a14="http://schemas.microsoft.com/office/drawing/2010/main">
+                <a:effectLst>
+                  <a:outerShdw dist="35921" dir="2700000" algn="ctr" rotWithShape="0">
+                    <a:schemeClr val="bg2"/>
+                  </a:outerShdw>
+                </a:effectLst>
+              </a14:hiddenEffects>
+            </a:ext>
+          </a:extLst>
         </p:spPr>
       </p:pic>
       <p:pic>
         <p:nvPicPr>
-          <p:cNvPr id="30" name="PPTLabsMagnifyAreaGroup201705111424013281"/>
+          <p:cNvPr id="28" name="PPTLabsMagnifyAreaGroup201506261603425382"/>
           <p:cNvPicPr>
-            <a:picLocks noChangeAspect="1"/>
+            <a:picLocks noChangeAspect="1" noChangeArrowheads="1"/>
           </p:cNvPicPr>
           <p:nvPr/>
         </p:nvPicPr>
         <p:blipFill>
-          <a:blip r:embed="rId3"/>
+          <a:blip r:embed="rId3">
+            <a:extLst>
+              <a:ext uri="{28A0092B-C50C-407E-A947-70E740481C1C}">
+                <a14:useLocalDpi xmlns:a14="http://schemas.microsoft.com/office/drawing/2010/main" val="0"/>
+              </a:ext>
+            </a:extLst>
+          </a:blip>
           <a:srcRect/>
           <a:stretch>
             <a:fillRect/>
           </a:stretch>
         </p:blipFill>
-        <p:spPr>
+        <p:spPr bwMode="auto">
           <a:xfrm>
             <a:off x="-8029764" y="-1452008"/>
             <a:ext cx="17173764" cy="12880349"/>
@@ -27024,99 +28551,255 @@
           <a:prstGeom prst="rect">
             <a:avLst/>
           </a:prstGeom>
+          <a:noFill/>
+          <a:ln>
+            <a:noFill/>
+          </a:ln>
+          <a:effectLst/>
+          <a:extLst>
+            <a:ext uri="{909E8E84-426E-40DD-AFC4-6F175D3DCCD1}">
+              <a14:hiddenFill xmlns:a14="http://schemas.microsoft.com/office/drawing/2010/main">
+                <a:solidFill>
+                  <a:schemeClr val="accent1"/>
+                </a:solidFill>
+              </a14:hiddenFill>
+            </a:ext>
+            <a:ext uri="{91240B29-F687-4F45-9708-019B960494DF}">
+              <a14:hiddenLine xmlns:a14="http://schemas.microsoft.com/office/drawing/2010/main" w="9525">
+                <a:solidFill>
+                  <a:schemeClr val="tx1"/>
+                </a:solidFill>
+                <a:miter lim="800000"/>
+                <a:headEnd/>
+                <a:tailEnd/>
+              </a14:hiddenLine>
+            </a:ext>
+            <a:ext uri="{AF507438-7753-43E0-B8FC-AC1667EBCBE1}">
+              <a14:hiddenEffects xmlns:a14="http://schemas.microsoft.com/office/drawing/2010/main">
+                <a:effectLst>
+                  <a:outerShdw dist="35921" dir="2700000" algn="ctr" rotWithShape="0">
+                    <a:schemeClr val="bg2"/>
+                  </a:outerShdw>
+                </a:effectLst>
+              </a14:hiddenEffects>
+            </a:ext>
+          </a:extLst>
         </p:spPr>
       </p:pic>
       <p:pic>
         <p:nvPicPr>
-          <p:cNvPr id="28" name="PPTLabsMagnifyAreaGroup201705111424009178"/>
+          <p:cNvPr id="26" name="PPTLabsMagnifyAreaGroup201506261603421527"/>
           <p:cNvPicPr>
-            <a:picLocks/>
+            <a:picLocks noChangeArrowheads="1"/>
           </p:cNvPicPr>
           <p:nvPr/>
         </p:nvPicPr>
         <p:blipFill>
-          <a:blip r:embed="rId3"/>
+          <a:blip r:embed="rId3">
+            <a:extLst>
+              <a:ext uri="{28A0092B-C50C-407E-A947-70E740481C1C}">
+                <a14:useLocalDpi xmlns:a14="http://schemas.microsoft.com/office/drawing/2010/main" val="0"/>
+              </a:ext>
+            </a:extLst>
+          </a:blip>
           <a:srcRect/>
           <a:stretch>
             <a:fillRect/>
           </a:stretch>
         </p:blipFill>
-        <p:spPr>
+        <p:spPr bwMode="auto">
           <a:xfrm>
             <a:off x="0" y="0"/>
-            <a:ext cx="9143869" cy="6858000"/>
+            <a:ext cx="9143859" cy="6858000"/>
           </a:xfrm>
           <a:prstGeom prst="rect">
             <a:avLst/>
           </a:prstGeom>
+          <a:noFill/>
+          <a:ln>
+            <a:noFill/>
+          </a:ln>
+          <a:effectLst/>
+          <a:extLst>
+            <a:ext uri="{909E8E84-426E-40DD-AFC4-6F175D3DCCD1}">
+              <a14:hiddenFill xmlns:a14="http://schemas.microsoft.com/office/drawing/2010/main">
+                <a:solidFill>
+                  <a:schemeClr val="accent1"/>
+                </a:solidFill>
+              </a14:hiddenFill>
+            </a:ext>
+            <a:ext uri="{91240B29-F687-4F45-9708-019B960494DF}">
+              <a14:hiddenLine xmlns:a14="http://schemas.microsoft.com/office/drawing/2010/main" w="9525">
+                <a:solidFill>
+                  <a:schemeClr val="tx1"/>
+                </a:solidFill>
+                <a:miter lim="800000"/>
+                <a:headEnd/>
+                <a:tailEnd/>
+              </a14:hiddenLine>
+            </a:ext>
+            <a:ext uri="{AF507438-7753-43E0-B8FC-AC1667EBCBE1}">
+              <a14:hiddenEffects xmlns:a14="http://schemas.microsoft.com/office/drawing/2010/main">
+                <a:effectLst>
+                  <a:outerShdw dist="35921" dir="2700000" algn="ctr" rotWithShape="0">
+                    <a:schemeClr val="bg2"/>
+                  </a:outerShdw>
+                </a:effectLst>
+              </a14:hiddenEffects>
+            </a:ext>
+          </a:extLst>
         </p:spPr>
       </p:pic>
       <p:pic>
         <p:nvPicPr>
-          <p:cNvPr id="29" name="PPTLabsMagnifyAreaGroup201705111424009178"/>
+          <p:cNvPr id="27" name="PPTLabsMagnifyAreaGroup201506261603421527"/>
           <p:cNvPicPr>
-            <a:picLocks/>
+            <a:picLocks noChangeArrowheads="1"/>
           </p:cNvPicPr>
           <p:nvPr/>
         </p:nvPicPr>
         <p:blipFill>
-          <a:blip r:embed="rId3"/>
+          <a:blip r:embed="rId3">
+            <a:extLst>
+              <a:ext uri="{28A0092B-C50C-407E-A947-70E740481C1C}">
+                <a14:useLocalDpi xmlns:a14="http://schemas.microsoft.com/office/drawing/2010/main" val="0"/>
+              </a:ext>
+            </a:extLst>
+          </a:blip>
           <a:srcRect/>
           <a:stretch>
             <a:fillRect/>
           </a:stretch>
         </p:blipFill>
-        <p:spPr>
+        <p:spPr bwMode="auto">
           <a:xfrm>
-            <a:off x="-15539486" y="-4761187"/>
-            <a:ext cx="48355375" cy="36267051"/>
+            <a:off x="-15539486" y="-4761195"/>
+            <a:ext cx="48355375" cy="36267088"/>
           </a:xfrm>
           <a:prstGeom prst="rect">
             <a:avLst/>
           </a:prstGeom>
+          <a:noFill/>
+          <a:ln>
+            <a:noFill/>
+          </a:ln>
+          <a:effectLst/>
+          <a:extLst>
+            <a:ext uri="{909E8E84-426E-40DD-AFC4-6F175D3DCCD1}">
+              <a14:hiddenFill xmlns:a14="http://schemas.microsoft.com/office/drawing/2010/main">
+                <a:solidFill>
+                  <a:schemeClr val="accent1"/>
+                </a:solidFill>
+              </a14:hiddenFill>
+            </a:ext>
+            <a:ext uri="{91240B29-F687-4F45-9708-019B960494DF}">
+              <a14:hiddenLine xmlns:a14="http://schemas.microsoft.com/office/drawing/2010/main" w="9525">
+                <a:solidFill>
+                  <a:schemeClr val="tx1"/>
+                </a:solidFill>
+                <a:miter lim="800000"/>
+                <a:headEnd/>
+                <a:tailEnd/>
+              </a14:hiddenLine>
+            </a:ext>
+            <a:ext uri="{AF507438-7753-43E0-B8FC-AC1667EBCBE1}">
+              <a14:hiddenEffects xmlns:a14="http://schemas.microsoft.com/office/drawing/2010/main">
+                <a:effectLst>
+                  <a:outerShdw dist="35921" dir="2700000" algn="ctr" rotWithShape="0">
+                    <a:schemeClr val="bg2"/>
+                  </a:outerShdw>
+                </a:effectLst>
+              </a14:hiddenEffects>
+            </a:ext>
+          </a:extLst>
         </p:spPr>
       </p:pic>
       <p:pic>
         <p:nvPicPr>
-          <p:cNvPr id="27" name="PPTLabsMagnifyAreaGroup201705111424009178"/>
+          <p:cNvPr id="25" name="PPTLabsMagnifyAreaGroup201506261603421527"/>
           <p:cNvPicPr>
-            <a:picLocks noChangeAspect="1"/>
+            <a:picLocks noChangeAspect="1" noChangeArrowheads="1"/>
           </p:cNvPicPr>
           <p:nvPr/>
         </p:nvPicPr>
         <p:blipFill>
-          <a:blip r:embed="rId3"/>
+          <a:blip r:embed="rId3">
+            <a:extLst>
+              <a:ext uri="{28A0092B-C50C-407E-A947-70E740481C1C}">
+                <a14:useLocalDpi xmlns:a14="http://schemas.microsoft.com/office/drawing/2010/main" val="0"/>
+              </a:ext>
+            </a:extLst>
+          </a:blip>
           <a:srcRect/>
           <a:stretch>
             <a:fillRect/>
           </a:stretch>
         </p:blipFill>
-        <p:spPr>
+        <p:spPr bwMode="auto">
           <a:xfrm>
-            <a:off x="-15539486" y="-4761187"/>
-            <a:ext cx="48355375" cy="36267051"/>
+            <a:off x="-15539486" y="-4761195"/>
+            <a:ext cx="48355375" cy="36267088"/>
           </a:xfrm>
           <a:prstGeom prst="rect">
             <a:avLst/>
           </a:prstGeom>
+          <a:noFill/>
+          <a:ln>
+            <a:noFill/>
+          </a:ln>
+          <a:effectLst/>
+          <a:extLst>
+            <a:ext uri="{909E8E84-426E-40DD-AFC4-6F175D3DCCD1}">
+              <a14:hiddenFill xmlns:a14="http://schemas.microsoft.com/office/drawing/2010/main">
+                <a:solidFill>
+                  <a:schemeClr val="accent1"/>
+                </a:solidFill>
+              </a14:hiddenFill>
+            </a:ext>
+            <a:ext uri="{91240B29-F687-4F45-9708-019B960494DF}">
+              <a14:hiddenLine xmlns:a14="http://schemas.microsoft.com/office/drawing/2010/main" w="9525">
+                <a:solidFill>
+                  <a:schemeClr val="tx1"/>
+                </a:solidFill>
+                <a:miter lim="800000"/>
+                <a:headEnd/>
+                <a:tailEnd/>
+              </a14:hiddenLine>
+            </a:ext>
+            <a:ext uri="{AF507438-7753-43E0-B8FC-AC1667EBCBE1}">
+              <a14:hiddenEffects xmlns:a14="http://schemas.microsoft.com/office/drawing/2010/main">
+                <a:effectLst>
+                  <a:outerShdw dist="35921" dir="2700000" algn="ctr" rotWithShape="0">
+                    <a:schemeClr val="bg2"/>
+                  </a:outerShdw>
+                </a:effectLst>
+              </a14:hiddenEffects>
+            </a:ext>
+          </a:extLst>
         </p:spPr>
       </p:pic>
       <p:pic>
         <p:nvPicPr>
-          <p:cNvPr id="25" name="PPTLabsMagnifyAreaGroup201705111424005542"/>
+          <p:cNvPr id="23" name="PPTLabsMagnifyAreaGroup201506261603418302"/>
           <p:cNvPicPr>
-            <a:picLocks/>
+            <a:picLocks noChangeArrowheads="1"/>
           </p:cNvPicPr>
           <p:nvPr/>
         </p:nvPicPr>
         <p:blipFill>
-          <a:blip r:embed="rId3"/>
+          <a:blip r:embed="rId3">
+            <a:extLst>
+              <a:ext uri="{28A0092B-C50C-407E-A947-70E740481C1C}">
+                <a14:useLocalDpi xmlns:a14="http://schemas.microsoft.com/office/drawing/2010/main" val="0"/>
+              </a:ext>
+            </a:extLst>
+          </a:blip>
           <a:srcRect/>
           <a:stretch>
             <a:fillRect/>
           </a:stretch>
         </p:blipFill>
-        <p:spPr>
+        <p:spPr bwMode="auto">
           <a:xfrm>
             <a:off x="0" y="0"/>
             <a:ext cx="9144000" cy="6857993"/>
@@ -27124,24 +28807,63 @@
           <a:prstGeom prst="rect">
             <a:avLst/>
           </a:prstGeom>
+          <a:noFill/>
+          <a:ln>
+            <a:noFill/>
+          </a:ln>
+          <a:effectLst/>
+          <a:extLst>
+            <a:ext uri="{909E8E84-426E-40DD-AFC4-6F175D3DCCD1}">
+              <a14:hiddenFill xmlns:a14="http://schemas.microsoft.com/office/drawing/2010/main">
+                <a:solidFill>
+                  <a:schemeClr val="accent1"/>
+                </a:solidFill>
+              </a14:hiddenFill>
+            </a:ext>
+            <a:ext uri="{91240B29-F687-4F45-9708-019B960494DF}">
+              <a14:hiddenLine xmlns:a14="http://schemas.microsoft.com/office/drawing/2010/main" w="9525">
+                <a:solidFill>
+                  <a:schemeClr val="tx1"/>
+                </a:solidFill>
+                <a:miter lim="800000"/>
+                <a:headEnd/>
+                <a:tailEnd/>
+              </a14:hiddenLine>
+            </a:ext>
+            <a:ext uri="{AF507438-7753-43E0-B8FC-AC1667EBCBE1}">
+              <a14:hiddenEffects xmlns:a14="http://schemas.microsoft.com/office/drawing/2010/main">
+                <a:effectLst>
+                  <a:outerShdw dist="35921" dir="2700000" algn="ctr" rotWithShape="0">
+                    <a:schemeClr val="bg2"/>
+                  </a:outerShdw>
+                </a:effectLst>
+              </a14:hiddenEffects>
+            </a:ext>
+          </a:extLst>
         </p:spPr>
       </p:pic>
       <p:pic>
         <p:nvPicPr>
-          <p:cNvPr id="26" name="PPTLabsMagnifyAreaGroup201705111424005542"/>
+          <p:cNvPr id="24" name="PPTLabsMagnifyAreaGroup201506261603418302"/>
           <p:cNvPicPr>
-            <a:picLocks/>
+            <a:picLocks noChangeArrowheads="1"/>
           </p:cNvPicPr>
           <p:nvPr/>
         </p:nvPicPr>
         <p:blipFill>
-          <a:blip r:embed="rId3"/>
+          <a:blip r:embed="rId3">
+            <a:extLst>
+              <a:ext uri="{28A0092B-C50C-407E-A947-70E740481C1C}">
+                <a14:useLocalDpi xmlns:a14="http://schemas.microsoft.com/office/drawing/2010/main" val="0"/>
+              </a:ext>
+            </a:extLst>
+          </a:blip>
           <a:srcRect/>
           <a:stretch>
             <a:fillRect/>
           </a:stretch>
         </p:blipFill>
-        <p:spPr>
+        <p:spPr bwMode="auto">
           <a:xfrm>
             <a:off x="-2354749" y="-1254471"/>
             <a:ext cx="21551802" cy="16163835"/>
@@ -27149,24 +28871,63 @@
           <a:prstGeom prst="rect">
             <a:avLst/>
           </a:prstGeom>
+          <a:noFill/>
+          <a:ln>
+            <a:noFill/>
+          </a:ln>
+          <a:effectLst/>
+          <a:extLst>
+            <a:ext uri="{909E8E84-426E-40DD-AFC4-6F175D3DCCD1}">
+              <a14:hiddenFill xmlns:a14="http://schemas.microsoft.com/office/drawing/2010/main">
+                <a:solidFill>
+                  <a:schemeClr val="accent1"/>
+                </a:solidFill>
+              </a14:hiddenFill>
+            </a:ext>
+            <a:ext uri="{91240B29-F687-4F45-9708-019B960494DF}">
+              <a14:hiddenLine xmlns:a14="http://schemas.microsoft.com/office/drawing/2010/main" w="9525">
+                <a:solidFill>
+                  <a:schemeClr val="tx1"/>
+                </a:solidFill>
+                <a:miter lim="800000"/>
+                <a:headEnd/>
+                <a:tailEnd/>
+              </a14:hiddenLine>
+            </a:ext>
+            <a:ext uri="{AF507438-7753-43E0-B8FC-AC1667EBCBE1}">
+              <a14:hiddenEffects xmlns:a14="http://schemas.microsoft.com/office/drawing/2010/main">
+                <a:effectLst>
+                  <a:outerShdw dist="35921" dir="2700000" algn="ctr" rotWithShape="0">
+                    <a:schemeClr val="bg2"/>
+                  </a:outerShdw>
+                </a:effectLst>
+              </a14:hiddenEffects>
+            </a:ext>
+          </a:extLst>
         </p:spPr>
       </p:pic>
       <p:pic>
         <p:nvPicPr>
-          <p:cNvPr id="24" name="PPTLabsMagnifyAreaGroup201705111424005542"/>
+          <p:cNvPr id="22" name="PPTLabsMagnifyAreaGroup201506261603418302"/>
           <p:cNvPicPr>
-            <a:picLocks noChangeAspect="1"/>
+            <a:picLocks noChangeAspect="1" noChangeArrowheads="1"/>
           </p:cNvPicPr>
           <p:nvPr/>
         </p:nvPicPr>
         <p:blipFill>
-          <a:blip r:embed="rId3"/>
+          <a:blip r:embed="rId3">
+            <a:extLst>
+              <a:ext uri="{28A0092B-C50C-407E-A947-70E740481C1C}">
+                <a14:useLocalDpi xmlns:a14="http://schemas.microsoft.com/office/drawing/2010/main" val="0"/>
+              </a:ext>
+            </a:extLst>
+          </a:blip>
           <a:srcRect/>
           <a:stretch>
             <a:fillRect/>
           </a:stretch>
         </p:blipFill>
-        <p:spPr>
+        <p:spPr bwMode="auto">
           <a:xfrm>
             <a:off x="-2354749" y="-1254471"/>
             <a:ext cx="21551802" cy="16163835"/>
@@ -27174,6 +28935,39 @@
           <a:prstGeom prst="rect">
             <a:avLst/>
           </a:prstGeom>
+          <a:noFill/>
+          <a:ln>
+            <a:noFill/>
+          </a:ln>
+          <a:effectLst/>
+          <a:extLst>
+            <a:ext uri="{909E8E84-426E-40DD-AFC4-6F175D3DCCD1}">
+              <a14:hiddenFill xmlns:a14="http://schemas.microsoft.com/office/drawing/2010/main">
+                <a:solidFill>
+                  <a:schemeClr val="accent1"/>
+                </a:solidFill>
+              </a14:hiddenFill>
+            </a:ext>
+            <a:ext uri="{91240B29-F687-4F45-9708-019B960494DF}">
+              <a14:hiddenLine xmlns:a14="http://schemas.microsoft.com/office/drawing/2010/main" w="9525">
+                <a:solidFill>
+                  <a:schemeClr val="tx1"/>
+                </a:solidFill>
+                <a:miter lim="800000"/>
+                <a:headEnd/>
+                <a:tailEnd/>
+              </a14:hiddenLine>
+            </a:ext>
+            <a:ext uri="{AF507438-7753-43E0-B8FC-AC1667EBCBE1}">
+              <a14:hiddenEffects xmlns:a14="http://schemas.microsoft.com/office/drawing/2010/main">
+                <a:effectLst>
+                  <a:outerShdw dist="35921" dir="2700000" algn="ctr" rotWithShape="0">
+                    <a:schemeClr val="bg2"/>
+                  </a:outerShdw>
+                </a:effectLst>
+              </a14:hiddenEffects>
+            </a:ext>
+          </a:extLst>
         </p:spPr>
       </p:pic>
       <p:pic>
@@ -27254,19 +29048,26 @@
       </p:sp>
       <p:pic>
         <p:nvPicPr>
-          <p:cNvPr id="5" name="PPTLabsMagnifyAreaGroup201705111424005542" hidden="1"/>
+          <p:cNvPr id="1026" name="PPTLabsMagnifyAreaGroup201506261603418302" hidden="1"/>
           <p:cNvPicPr>
-            <a:picLocks/>
+            <a:picLocks noChangeArrowheads="1"/>
           </p:cNvPicPr>
           <p:nvPr/>
         </p:nvPicPr>
         <p:blipFill>
-          <a:blip r:embed="rId3"/>
+          <a:blip r:embed="rId3">
+            <a:extLst>
+              <a:ext uri="{28A0092B-C50C-407E-A947-70E740481C1C}">
+                <a14:useLocalDpi xmlns:a14="http://schemas.microsoft.com/office/drawing/2010/main" val="0"/>
+              </a:ext>
+            </a:extLst>
+          </a:blip>
+          <a:srcRect/>
           <a:stretch>
             <a:fillRect/>
           </a:stretch>
         </p:blipFill>
-        <p:spPr>
+        <p:spPr bwMode="auto">
           <a:xfrm>
             <a:off x="0" y="0"/>
             <a:ext cx="9144000" cy="6858000"/>
@@ -27274,36 +29075,108 @@
           <a:prstGeom prst="rect">
             <a:avLst/>
           </a:prstGeom>
+          <a:noFill/>
+          <a:ln>
+            <a:noFill/>
+          </a:ln>
+          <a:effectLst/>
+          <a:extLst>
+            <a:ext uri="{909E8E84-426E-40DD-AFC4-6F175D3DCCD1}">
+              <a14:hiddenFill xmlns:a14="http://schemas.microsoft.com/office/drawing/2010/main">
+                <a:solidFill>
+                  <a:schemeClr val="accent1"/>
+                </a:solidFill>
+              </a14:hiddenFill>
+            </a:ext>
+            <a:ext uri="{91240B29-F687-4F45-9708-019B960494DF}">
+              <a14:hiddenLine xmlns:a14="http://schemas.microsoft.com/office/drawing/2010/main" w="9525">
+                <a:solidFill>
+                  <a:schemeClr val="tx1"/>
+                </a:solidFill>
+                <a:miter lim="800000"/>
+                <a:headEnd/>
+                <a:tailEnd/>
+              </a14:hiddenLine>
+            </a:ext>
+            <a:ext uri="{AF507438-7753-43E0-B8FC-AC1667EBCBE1}">
+              <a14:hiddenEffects xmlns:a14="http://schemas.microsoft.com/office/drawing/2010/main">
+                <a:effectLst>
+                  <a:outerShdw dist="35921" dir="2700000" algn="ctr" rotWithShape="0">
+                    <a:schemeClr val="bg2"/>
+                  </a:outerShdw>
+                </a:effectLst>
+              </a14:hiddenEffects>
+            </a:ext>
+          </a:extLst>
         </p:spPr>
       </p:pic>
       <p:pic>
         <p:nvPicPr>
-          <p:cNvPr id="22" name="PPTLabsMagnifyAreaSlide201705111424006063"/>
+          <p:cNvPr id="20" name="PPTLabsMagnifyAreaSlide201506261603418652"/>
           <p:cNvPicPr>
-            <a:picLocks/>
+            <a:picLocks noChangeArrowheads="1"/>
           </p:cNvPicPr>
           <p:nvPr/>
         </p:nvPicPr>
         <p:blipFill>
-          <a:blip r:embed="rId3"/>
+          <a:blip r:embed="rId3">
+            <a:extLst>
+              <a:ext uri="{28A0092B-C50C-407E-A947-70E740481C1C}">
+                <a14:useLocalDpi xmlns:a14="http://schemas.microsoft.com/office/drawing/2010/main" val="0"/>
+              </a:ext>
+            </a:extLst>
+          </a:blip>
           <a:srcRect l="10926" t="7761" r="46646" b="49811"/>
           <a:stretch>
             <a:fillRect/>
           </a:stretch>
         </p:blipFill>
-        <p:spPr>
+        <p:spPr bwMode="auto">
           <a:xfrm>
-            <a:off x="998925" y="532116"/>
+            <a:off x="998925" y="532115"/>
             <a:ext cx="3879657" cy="2909740"/>
           </a:xfrm>
           <a:prstGeom prst="rect">
             <a:avLst/>
           </a:prstGeom>
+          <a:noFill/>
+          <a:ln>
+            <a:noFill/>
+          </a:ln>
+          <a:effectLst/>
+          <a:extLst>
+            <a:ext uri="{909E8E84-426E-40DD-AFC4-6F175D3DCCD1}">
+              <a14:hiddenFill xmlns:a14="http://schemas.microsoft.com/office/drawing/2010/main">
+                <a:solidFill>
+                  <a:schemeClr val="accent1"/>
+                </a:solidFill>
+              </a14:hiddenFill>
+            </a:ext>
+            <a:ext uri="{91240B29-F687-4F45-9708-019B960494DF}">
+              <a14:hiddenLine xmlns:a14="http://schemas.microsoft.com/office/drawing/2010/main" w="9525">
+                <a:solidFill>
+                  <a:schemeClr val="tx1"/>
+                </a:solidFill>
+                <a:miter lim="800000"/>
+                <a:headEnd/>
+                <a:tailEnd/>
+              </a14:hiddenLine>
+            </a:ext>
+            <a:ext uri="{AF507438-7753-43E0-B8FC-AC1667EBCBE1}">
+              <a14:hiddenEffects xmlns:a14="http://schemas.microsoft.com/office/drawing/2010/main">
+                <a:effectLst>
+                  <a:outerShdw dist="35921" dir="2700000" algn="ctr" rotWithShape="0">
+                    <a:schemeClr val="bg2"/>
+                  </a:outerShdw>
+                </a:effectLst>
+              </a14:hiddenEffects>
+            </a:ext>
+          </a:extLst>
         </p:spPr>
       </p:pic>
       <p:pic>
         <p:nvPicPr>
-          <p:cNvPr id="6" name="PPTIndicator201705111424005983"/>
+          <p:cNvPr id="5" name="PPTIndicator201506261603418527"/>
           <p:cNvPicPr>
             <a:picLocks/>
           </p:cNvPicPr>
@@ -27334,7 +29207,7 @@
     </p:spTree>
     <p:extLst>
       <p:ext uri="{BB962C8B-B14F-4D97-AF65-F5344CB8AC3E}">
-        <p14:creationId xmlns:p14="http://schemas.microsoft.com/office/powerpoint/2010/main" val="1968603056"/>
+        <p14:creationId xmlns:p14="http://schemas.microsoft.com/office/powerpoint/2010/main" val="439812326"/>
       </p:ext>
     </p:extLst>
   </p:cSld>
@@ -27386,7 +29259,7 @@
                                           </p:stCondLst>
                                         </p:cTn>
                                         <p:tgtEl>
-                                          <p:spTgt spid="6"/>
+                                          <p:spTgt spid="5"/>
                                         </p:tgtEl>
                                         <p:attrNameLst>
                                           <p:attrName>style.visibility</p:attrName>
@@ -27413,7 +29286,7 @@
                                           </p:stCondLst>
                                         </p:cTn>
                                         <p:tgtEl>
-                                          <p:spTgt spid="6"/>
+                                          <p:spTgt spid="5"/>
                                         </p:tgtEl>
                                         <p:attrNameLst>
                                           <p:attrName>style.visibility</p:attrName>
@@ -27511,11 +29384,11 @@
                                     <p:cond delay="0"/>
                                   </p:stCondLst>
                                   <p:childTnLst>
-                                    <p:animMotion origin="layout" path="M 0 0 C 0.089307 0.1051337 0.089307 0.1051337 0.178614 0.2102674 E" pathEditMode="relative" ptsTypes="">
+                                    <p:animMotion origin="layout" path="M 0 0 C 0.089307 0.1051338 0.089307 0.1051338 0.178614 0.2102676 E" pathEditMode="relative" ptsTypes="">
                                       <p:cBhvr>
                                         <p:cTn id="17" dur="500" fill="hold"/>
                                         <p:tgtEl>
-                                          <p:spTgt spid="22"/>
+                                          <p:spTgt spid="20"/>
                                         </p:tgtEl>
                                         <p:attrNameLst>
                                           <p:attrName>ppt_x</p:attrName>
@@ -27536,7 +29409,7 @@
                                       <p:cBhvr>
                                         <p:cTn id="19" dur="500" fill="hold"/>
                                         <p:tgtEl>
-                                          <p:spTgt spid="22"/>
+                                          <p:spTgt spid="20"/>
                                         </p:tgtEl>
                                       </p:cBhvr>
                                       <p:by x="235691" y="235691"/>
@@ -27567,7 +29440,7 @@
                                           </p:stCondLst>
                                         </p:cTn>
                                         <p:tgtEl>
-                                          <p:spTgt spid="22"/>
+                                          <p:spTgt spid="20"/>
                                         </p:tgtEl>
                                         <p:attrNameLst>
                                           <p:attrName>style.visibility</p:attrName>
@@ -27594,7 +29467,7 @@
                                           </p:stCondLst>
                                         </p:cTn>
                                         <p:tgtEl>
-                                          <p:spTgt spid="24"/>
+                                          <p:spTgt spid="22"/>
                                         </p:tgtEl>
                                         <p:attrNameLst>
                                           <p:attrName>style.visibility</p:attrName>
@@ -27621,7 +29494,7 @@
                                           </p:stCondLst>
                                         </p:cTn>
                                         <p:tgtEl>
-                                          <p:spTgt spid="5"/>
+                                          <p:spTgt spid="1026"/>
                                         </p:tgtEl>
                                         <p:attrNameLst>
                                           <p:attrName>style.visibility</p:attrName>
@@ -27666,7 +29539,7 @@
                                           </p:stCondLst>
                                         </p:cTn>
                                         <p:tgtEl>
-                                          <p:spTgt spid="24"/>
+                                          <p:spTgt spid="22"/>
                                         </p:tgtEl>
                                         <p:attrNameLst>
                                           <p:attrName>style.visibility</p:attrName>
@@ -27693,7 +29566,7 @@
                                           </p:stCondLst>
                                         </p:cTn>
                                         <p:tgtEl>
-                                          <p:spTgt spid="26"/>
+                                          <p:spTgt spid="24"/>
                                         </p:tgtEl>
                                         <p:attrNameLst>
                                           <p:attrName>style.visibility</p:attrName>
@@ -27720,7 +29593,7 @@
                                           </p:stCondLst>
                                         </p:cTn>
                                         <p:tgtEl>
-                                          <p:spTgt spid="25"/>
+                                          <p:spTgt spid="23"/>
                                         </p:tgtEl>
                                         <p:attrNameLst>
                                           <p:attrName>style.visibility</p:attrName>
@@ -27743,7 +29616,7 @@
                                       <p:cBhvr>
                                         <p:cTn id="36" dur="1" fill="hold"/>
                                         <p:tgtEl>
-                                          <p:spTgt spid="25"/>
+                                          <p:spTgt spid="23"/>
                                         </p:tgtEl>
                                         <p:attrNameLst>
                                           <p:attrName>ppt_x</p:attrName>
@@ -27764,7 +29637,7 @@
                                       <p:cBhvr>
                                         <p:cTn id="38" dur="1" fill="hold"/>
                                         <p:tgtEl>
-                                          <p:spTgt spid="25"/>
+                                          <p:spTgt spid="23"/>
                                         </p:tgtEl>
                                       </p:cBhvr>
                                       <p:by x="235693" y="235693"/>
@@ -27782,7 +29655,7 @@
                                       <p:cBhvr>
                                         <p:cTn id="40" dur="10"/>
                                         <p:tgtEl>
-                                          <p:spTgt spid="26"/>
+                                          <p:spTgt spid="24"/>
                                         </p:tgtEl>
                                       </p:cBhvr>
                                     </p:animEffect>
@@ -27794,7 +29667,7 @@
                                           </p:stCondLst>
                                         </p:cTn>
                                         <p:tgtEl>
-                                          <p:spTgt spid="26"/>
+                                          <p:spTgt spid="24"/>
                                         </p:tgtEl>
                                         <p:attrNameLst>
                                           <p:attrName>style.visibility</p:attrName>
@@ -27822,11 +29695,11 @@
                                     <p:cond delay="0"/>
                                   </p:stCondLst>
                                   <p:childTnLst>
-                                    <p:animMotion origin="layout" path="M 0.4209484 0.4955453 C 0.4328169 0.9727173 0.4328169 0.9727173 0.4446853 1.449889 E" pathEditMode="relative" ptsTypes="">
+                                    <p:animMotion origin="layout" path="M 0.4209484 0.4955453 C 0.4328168 0.9727182 0.4328168 0.9727182 0.4446852 1.449891 E" pathEditMode="relative" ptsTypes="">
                                       <p:cBhvr>
                                         <p:cTn id="44" dur="400" fill="hold"/>
                                         <p:tgtEl>
-                                          <p:spTgt spid="25"/>
+                                          <p:spTgt spid="23"/>
                                         </p:tgtEl>
                                         <p:attrNameLst>
                                           <p:attrName>ppt_x</p:attrName>
@@ -27847,7 +29720,7 @@
                                       <p:cBhvr>
                                         <p:cTn id="46" dur="400" fill="hold"/>
                                         <p:tgtEl>
-                                          <p:spTgt spid="25"/>
+                                          <p:spTgt spid="23"/>
                                         </p:tgtEl>
                                       </p:cBhvr>
                                       <p:by x="224368" y="224372"/>
@@ -27878,7 +29751,7 @@
                                           </p:stCondLst>
                                         </p:cTn>
                                         <p:tgtEl>
-                                          <p:spTgt spid="27"/>
+                                          <p:spTgt spid="25"/>
                                         </p:tgtEl>
                                         <p:attrNameLst>
                                           <p:attrName>style.visibility</p:attrName>
@@ -27905,7 +29778,7 @@
                                           </p:stCondLst>
                                         </p:cTn>
                                         <p:tgtEl>
-                                          <p:spTgt spid="25"/>
+                                          <p:spTgt spid="23"/>
                                         </p:tgtEl>
                                         <p:attrNameLst>
                                           <p:attrName>style.visibility</p:attrName>
@@ -27950,7 +29823,7 @@
                                           </p:stCondLst>
                                         </p:cTn>
                                         <p:tgtEl>
-                                          <p:spTgt spid="27"/>
+                                          <p:spTgt spid="25"/>
                                         </p:tgtEl>
                                         <p:attrNameLst>
                                           <p:attrName>style.visibility</p:attrName>
@@ -27977,7 +29850,7 @@
                                           </p:stCondLst>
                                         </p:cTn>
                                         <p:tgtEl>
-                                          <p:spTgt spid="29"/>
+                                          <p:spTgt spid="27"/>
                                         </p:tgtEl>
                                         <p:attrNameLst>
                                           <p:attrName>style.visibility</p:attrName>
@@ -28004,7 +29877,7 @@
                                           </p:stCondLst>
                                         </p:cTn>
                                         <p:tgtEl>
-                                          <p:spTgt spid="28"/>
+                                          <p:spTgt spid="26"/>
                                         </p:tgtEl>
                                         <p:attrNameLst>
                                           <p:attrName>style.visibility</p:attrName>
@@ -28023,11 +29896,11 @@
                                     <p:cond delay="0"/>
                                   </p:stCondLst>
                                   <p:childTnLst>
-                                    <p:animMotion origin="layout" path="M 0 0 C 0.2223462 0.7249445 0.2223462 0.7249445 0.4446925 1.449889 E" pathEditMode="relative" ptsTypes="">
+                                    <p:animMotion origin="layout" path="M 0 0 C 0.2223465 0.7249453 0.2223465 0.7249453 0.4446929 1.449891 E" pathEditMode="relative" ptsTypes="">
                                       <p:cBhvr>
                                         <p:cTn id="61" dur="1" fill="hold"/>
                                         <p:tgtEl>
-                                          <p:spTgt spid="28"/>
+                                          <p:spTgt spid="26"/>
                                         </p:tgtEl>
                                         <p:attrNameLst>
                                           <p:attrName>ppt_x</p:attrName>
@@ -28048,10 +29921,10 @@
                                       <p:cBhvr>
                                         <p:cTn id="63" dur="1" fill="hold"/>
                                         <p:tgtEl>
-                                          <p:spTgt spid="28"/>
-                                        </p:tgtEl>
-                                      </p:cBhvr>
-                                      <p:by x="528828" y="528828"/>
+                                          <p:spTgt spid="26"/>
+                                        </p:tgtEl>
+                                      </p:cBhvr>
+                                      <p:by x="528829" y="528829"/>
                                     </p:animScale>
                                   </p:childTnLst>
                                 </p:cTn>
@@ -28066,7 +29939,7 @@
                                       <p:cBhvr>
                                         <p:cTn id="65" dur="10"/>
                                         <p:tgtEl>
-                                          <p:spTgt spid="29"/>
+                                          <p:spTgt spid="27"/>
                                         </p:tgtEl>
                                       </p:cBhvr>
                                     </p:animEffect>
@@ -28078,7 +29951,7 @@
                                           </p:stCondLst>
                                         </p:cTn>
                                         <p:tgtEl>
-                                          <p:spTgt spid="29"/>
+                                          <p:spTgt spid="27"/>
                                         </p:tgtEl>
                                         <p:attrNameLst>
                                           <p:attrName>style.visibility</p:attrName>
@@ -28106,11 +29979,11 @@
                                     <p:cond delay="0"/>
                                   </p:stCondLst>
                                   <p:childTnLst>
-                                    <p:animMotion origin="layout" path="M 0.4446925 1.449889 C 0.002813399 0.8386196 0.002813399 0.8386196 -0.4390657 0.2273501 E" pathEditMode="relative" ptsTypes="">
+                                    <p:animMotion origin="layout" path="M 0.4446929 1.449891 C 0.002813905 0.8386203 0.002813905 0.8386203 -0.4390651 0.2273496 E" pathEditMode="relative" ptsTypes="">
                                       <p:cBhvr>
                                         <p:cTn id="69" dur="400" fill="hold"/>
                                         <p:tgtEl>
-                                          <p:spTgt spid="28"/>
+                                          <p:spTgt spid="26"/>
                                         </p:tgtEl>
                                         <p:attrNameLst>
                                           <p:attrName>ppt_x</p:attrName>
@@ -28131,7 +30004,7 @@
                                       <p:cBhvr>
                                         <p:cTn id="71" dur="400" fill="hold"/>
                                         <p:tgtEl>
-                                          <p:spTgt spid="28"/>
+                                          <p:spTgt spid="26"/>
                                         </p:tgtEl>
                                       </p:cBhvr>
                                       <p:by x="35516" y="35515"/>
@@ -28162,7 +30035,7 @@
                                           </p:stCondLst>
                                         </p:cTn>
                                         <p:tgtEl>
-                                          <p:spTgt spid="30"/>
+                                          <p:spTgt spid="28"/>
                                         </p:tgtEl>
                                         <p:attrNameLst>
                                           <p:attrName>style.visibility</p:attrName>
@@ -28189,7 +30062,7 @@
                                           </p:stCondLst>
                                         </p:cTn>
                                         <p:tgtEl>
-                                          <p:spTgt spid="28"/>
+                                          <p:spTgt spid="26"/>
                                         </p:tgtEl>
                                         <p:attrNameLst>
                                           <p:attrName>style.visibility</p:attrName>
@@ -28234,7 +30107,7 @@
                                           </p:stCondLst>
                                         </p:cTn>
                                         <p:tgtEl>
-                                          <p:spTgt spid="30"/>
+                                          <p:spTgt spid="28"/>
                                         </p:tgtEl>
                                         <p:attrNameLst>
                                           <p:attrName>style.visibility</p:attrName>
@@ -28261,7 +30134,7 @@
                                           </p:stCondLst>
                                         </p:cTn>
                                         <p:tgtEl>
-                                          <p:spTgt spid="32"/>
+                                          <p:spTgt spid="30"/>
                                         </p:tgtEl>
                                         <p:attrNameLst>
                                           <p:attrName>style.visibility</p:attrName>
@@ -28288,7 +30161,7 @@
                                           </p:stCondLst>
                                         </p:cTn>
                                         <p:tgtEl>
-                                          <p:spTgt spid="31"/>
+                                          <p:spTgt spid="29"/>
                                         </p:tgtEl>
                                         <p:attrNameLst>
                                           <p:attrName>style.visibility</p:attrName>
@@ -28307,11 +30180,11 @@
                                     <p:cond delay="0"/>
                                   </p:stCondLst>
                                   <p:childTnLst>
-                                    <p:animMotion origin="layout" path="M 0 0 C -0.219536 0.113675 -0.219536 0.113675 -0.4390719 0.22735 E" pathEditMode="relative" ptsTypes="">
+                                    <p:animMotion origin="layout" path="M 0 0 C -0.2195359 0.113675 -0.2195359 0.113675 -0.4390719 0.22735 E" pathEditMode="relative" ptsTypes="">
                                       <p:cBhvr>
                                         <p:cTn id="86" dur="1" fill="hold"/>
                                         <p:tgtEl>
-                                          <p:spTgt spid="31"/>
+                                          <p:spTgt spid="29"/>
                                         </p:tgtEl>
                                         <p:attrNameLst>
                                           <p:attrName>ppt_x</p:attrName>
@@ -28332,7 +30205,7 @@
                                       <p:cBhvr>
                                         <p:cTn id="88" dur="1" fill="hold"/>
                                         <p:tgtEl>
-                                          <p:spTgt spid="31"/>
+                                          <p:spTgt spid="29"/>
                                         </p:tgtEl>
                                       </p:cBhvr>
                                       <p:by x="187815" y="187815"/>
@@ -28350,7 +30223,7 @@
                                       <p:cBhvr>
                                         <p:cTn id="90" dur="10"/>
                                         <p:tgtEl>
-                                          <p:spTgt spid="32"/>
+                                          <p:spTgt spid="30"/>
                                         </p:tgtEl>
                                       </p:cBhvr>
                                     </p:animEffect>
@@ -28362,7 +30235,7 @@
                                           </p:stCondLst>
                                         </p:cTn>
                                         <p:tgtEl>
-                                          <p:spTgt spid="32"/>
+                                          <p:spTgt spid="30"/>
                                         </p:tgtEl>
                                         <p:attrNameLst>
                                           <p:attrName>style.visibility</p:attrName>
@@ -28394,7 +30267,7 @@
                                       <p:cBhvr>
                                         <p:cTn id="94" dur="400" fill="hold"/>
                                         <p:tgtEl>
-                                          <p:spTgt spid="31"/>
+                                          <p:spTgt spid="29"/>
                                         </p:tgtEl>
                                         <p:attrNameLst>
                                           <p:attrName>ppt_x</p:attrName>
@@ -28415,7 +30288,7 @@
                                       <p:cBhvr>
                                         <p:cTn id="96" dur="400" fill="hold"/>
                                         <p:tgtEl>
-                                          <p:spTgt spid="31"/>
+                                          <p:spTgt spid="29"/>
                                         </p:tgtEl>
                                       </p:cBhvr>
                                       <p:by x="108283" y="108283"/>
@@ -28446,7 +30319,7 @@
                                           </p:stCondLst>
                                         </p:cTn>
                                         <p:tgtEl>
-                                          <p:spTgt spid="33"/>
+                                          <p:spTgt spid="31"/>
                                         </p:tgtEl>
                                         <p:attrNameLst>
                                           <p:attrName>style.visibility</p:attrName>
@@ -28473,7 +30346,7 @@
                                           </p:stCondLst>
                                         </p:cTn>
                                         <p:tgtEl>
-                                          <p:spTgt spid="31"/>
+                                          <p:spTgt spid="29"/>
                                         </p:tgtEl>
                                         <p:attrNameLst>
                                           <p:attrName>style.visibility</p:attrName>
@@ -28518,7 +30391,7 @@
                                           </p:stCondLst>
                                         </p:cTn>
                                         <p:tgtEl>
-                                          <p:spTgt spid="33"/>
+                                          <p:spTgt spid="31"/>
                                         </p:tgtEl>
                                         <p:attrNameLst>
                                           <p:attrName>style.visibility</p:attrName>
@@ -28545,7 +30418,7 @@
                                           </p:stCondLst>
                                         </p:cTn>
                                         <p:tgtEl>
-                                          <p:spTgt spid="36"/>
+                                          <p:spTgt spid="34"/>
                                         </p:tgtEl>
                                         <p:attrNameLst>
                                           <p:attrName>style.visibility</p:attrName>
@@ -28568,7 +30441,7 @@
                                       <p:cBhvr>
                                         <p:cTn id="109" dur="500" fill="hold"/>
                                         <p:tgtEl>
-                                          <p:spTgt spid="36"/>
+                                          <p:spTgt spid="34"/>
                                         </p:tgtEl>
                                         <p:attrNameLst>
                                           <p:attrName>ppt_x</p:attrName>
@@ -28589,7 +30462,7 @@
                                       <p:cBhvr>
                                         <p:cTn id="111" dur="500" fill="hold"/>
                                         <p:tgtEl>
-                                          <p:spTgt spid="36"/>
+                                          <p:spTgt spid="34"/>
                                         </p:tgtEl>
                                       </p:cBhvr>
                                       <p:by x="49167" y="49167"/>
@@ -28620,7 +30493,7 @@
                                           </p:stCondLst>
                                         </p:cTn>
                                         <p:tgtEl>
-                                          <p:spTgt spid="34"/>
+                                          <p:spTgt spid="32"/>
                                         </p:tgtEl>
                                         <p:attrNameLst>
                                           <p:attrName>style.visibility</p:attrName>
@@ -28634,7 +30507,7 @@
                                       <p:cBhvr>
                                         <p:cTn id="115" dur="250"/>
                                         <p:tgtEl>
-                                          <p:spTgt spid="34"/>
+                                          <p:spTgt spid="32"/>
                                         </p:tgtEl>
                                       </p:cBhvr>
                                     </p:animEffect>
@@ -28655,7 +30528,7 @@
                                           </p:stCondLst>
                                         </p:cTn>
                                         <p:tgtEl>
-                                          <p:spTgt spid="35"/>
+                                          <p:spTgt spid="33"/>
                                         </p:tgtEl>
                                         <p:attrNameLst>
                                           <p:attrName>style.visibility</p:attrName>
@@ -28669,7 +30542,7 @@
                                       <p:cBhvr>
                                         <p:cTn id="118" dur="250"/>
                                         <p:tgtEl>
-                                          <p:spTgt spid="35"/>
+                                          <p:spTgt spid="33"/>
                                         </p:tgtEl>
                                       </p:cBhvr>
                                     </p:animEffect>
@@ -28686,7 +30559,7 @@
                                       <p:cBhvr>
                                         <p:cTn id="120" dur="250"/>
                                         <p:tgtEl>
-                                          <p:spTgt spid="36"/>
+                                          <p:spTgt spid="34"/>
                                         </p:tgtEl>
                                       </p:cBhvr>
                                     </p:animEffect>
@@ -28698,7 +30571,7 @@
                                           </p:stCondLst>
                                         </p:cTn>
                                         <p:tgtEl>
-                                          <p:spTgt spid="36"/>
+                                          <p:spTgt spid="34"/>
                                         </p:tgtEl>
                                         <p:attrNameLst>
                                           <p:attrName>style.visibility</p:attrName>
@@ -28739,7 +30612,7 @@
       </p:par>
     </p:tnLst>
     <p:bldLst>
-      <p:bldP spid="35" grpId="0"/>
+      <p:bldP spid="33" grpId="0"/>
       <p:bldP spid="2" grpId="0"/>
     </p:bldLst>
   </p:timing>
@@ -28823,7 +30696,7 @@
 
 <file path=ppt/slides/slide5.xml><?xml version="1.0" encoding="utf-8"?>
 <p:sld xmlns:a="http://schemas.openxmlformats.org/drawingml/2006/main" xmlns:r="http://schemas.openxmlformats.org/officeDocument/2006/relationships" xmlns:p="http://schemas.openxmlformats.org/presentationml/2006/main">
-  <p:cSld name="PPTLabsZoomToAreaSlide201705111432293028">
+  <p:cSld name="PPTLabsZoomToAreaSlide201506181744127208">
     <p:bg>
       <p:bgPr>
         <a:solidFill>
@@ -28894,87 +30767,7 @@
       </p:pic>
       <p:sp>
         <p:nvSpPr>
-          <p:cNvPr id="2" name="Oval 1" hidden="1"/>
-          <p:cNvSpPr/>
-          <p:nvPr/>
-        </p:nvSpPr>
-        <p:spPr>
-          <a:xfrm>
-            <a:off x="302733" y="3184634"/>
-            <a:ext cx="4953000" cy="3505200"/>
-          </a:xfrm>
-          <a:prstGeom prst="ellipse">
-            <a:avLst/>
-          </a:prstGeom>
-        </p:spPr>
-        <p:style>
-          <a:lnRef idx="2">
-            <a:schemeClr val="accent1">
-              <a:shade val="50000"/>
-            </a:schemeClr>
-          </a:lnRef>
-          <a:fillRef idx="1">
-            <a:schemeClr val="accent1"/>
-          </a:fillRef>
-          <a:effectRef idx="0">
-            <a:schemeClr val="accent1"/>
-          </a:effectRef>
-          <a:fontRef idx="minor">
-            <a:schemeClr val="lt1"/>
-          </a:fontRef>
-        </p:style>
-        <p:txBody>
-          <a:bodyPr rtlCol="0" anchor="ctr"/>
-          <a:lstStyle/>
-          <a:p>
-            <a:pPr algn="ctr"/>
-            <a:endParaRPr lang="en-US"/>
-          </a:p>
-        </p:txBody>
-      </p:sp>
-      <p:sp>
-        <p:nvSpPr>
-          <p:cNvPr id="6" name="Oval 5" hidden="1"/>
-          <p:cNvSpPr/>
-          <p:nvPr/>
-        </p:nvSpPr>
-        <p:spPr>
-          <a:xfrm>
-            <a:off x="3962400" y="381000"/>
-            <a:ext cx="4953000" cy="3505200"/>
-          </a:xfrm>
-          <a:prstGeom prst="ellipse">
-            <a:avLst/>
-          </a:prstGeom>
-        </p:spPr>
-        <p:style>
-          <a:lnRef idx="2">
-            <a:schemeClr val="accent1">
-              <a:shade val="50000"/>
-            </a:schemeClr>
-          </a:lnRef>
-          <a:fillRef idx="1">
-            <a:schemeClr val="accent1"/>
-          </a:fillRef>
-          <a:effectRef idx="0">
-            <a:schemeClr val="accent1"/>
-          </a:effectRef>
-          <a:fontRef idx="minor">
-            <a:schemeClr val="lt1"/>
-          </a:fontRef>
-        </p:style>
-        <p:txBody>
-          <a:bodyPr rtlCol="0" anchor="ctr"/>
-          <a:lstStyle/>
-          <a:p>
-            <a:pPr algn="ctr"/>
-            <a:endParaRPr lang="en-US"/>
-          </a:p>
-        </p:txBody>
-      </p:sp>
-      <p:sp>
-        <p:nvSpPr>
-          <p:cNvPr id="3" name="PPTLabsMagnifyShape201705111432293038"/>
+          <p:cNvPr id="2" name="PPTLabsMagnifyShape201506181744127318"/>
           <p:cNvSpPr/>
           <p:nvPr/>
         </p:nvSpPr>
@@ -29039,7 +30832,7 @@
     </p:spTree>
     <p:extLst>
       <p:ext uri="{BB962C8B-B14F-4D97-AF65-F5344CB8AC3E}">
-        <p14:creationId xmlns:p14="http://schemas.microsoft.com/office/powerpoint/2010/main" val="3130667785"/>
+        <p14:creationId xmlns:p14="http://schemas.microsoft.com/office/powerpoint/2010/main" val="999958709"/>
       </p:ext>
     </p:extLst>
   </p:cSld>
@@ -29091,7 +30884,7 @@
                                           </p:stCondLst>
                                         </p:cTn>
                                         <p:tgtEl>
-                                          <p:spTgt spid="3"/>
+                                          <p:spTgt spid="2"/>
                                         </p:tgtEl>
                                         <p:attrNameLst>
                                           <p:attrName>style.visibility</p:attrName>
@@ -29118,7 +30911,7 @@
                                           </p:stCondLst>
                                         </p:cTn>
                                         <p:tgtEl>
-                                          <p:spTgt spid="3"/>
+                                          <p:spTgt spid="2"/>
                                         </p:tgtEl>
                                         <p:attrNameLst>
                                           <p:attrName>style.visibility</p:attrName>
@@ -29159,8 +30952,8 @@
       </p:par>
     </p:tnLst>
     <p:bldLst>
-      <p:bldP spid="3" grpId="0" animBg="1"/>
-      <p:bldP spid="3" grpId="1" animBg="1"/>
+      <p:bldP spid="2" grpId="0" animBg="1"/>
+      <p:bldP spid="2" grpId="1" animBg="1"/>
     </p:bldLst>
   </p:timing>
 </p:sld>
@@ -29168,7 +30961,7 @@
 
 <file path=ppt/slides/slide6.xml><?xml version="1.0" encoding="utf-8"?>
 <p:sld xmlns:a="http://schemas.openxmlformats.org/drawingml/2006/main" xmlns:r="http://schemas.openxmlformats.org/officeDocument/2006/relationships" xmlns:p="http://schemas.openxmlformats.org/presentationml/2006/main">
-  <p:cSld name="PPTLabsMagnifyingSlide201705111432293200">
+  <p:cSld name="PPTLabsMagnifyingSlide201506181744127608">
     <p:bg>
       <p:bgPr>
         <a:solidFill>
@@ -29239,19 +31032,26 @@
       </p:pic>
       <p:pic>
         <p:nvPicPr>
-          <p:cNvPr id="5" name="PPTLabsMagnifyAreaGroup201705111432295971" hidden="1"/>
+          <p:cNvPr id="1026" name="PPTLabsMagnifyAreaGroup201506181744130398" hidden="1"/>
           <p:cNvPicPr>
-            <a:picLocks/>
+            <a:picLocks noChangeArrowheads="1"/>
           </p:cNvPicPr>
           <p:nvPr/>
         </p:nvPicPr>
         <p:blipFill>
-          <a:blip r:embed="rId3"/>
+          <a:blip r:embed="rId3">
+            <a:extLst>
+              <a:ext uri="{28A0092B-C50C-407E-A947-70E740481C1C}">
+                <a14:useLocalDpi xmlns:a14="http://schemas.microsoft.com/office/drawing/2010/main" val="0"/>
+              </a:ext>
+            </a:extLst>
+          </a:blip>
+          <a:srcRect/>
           <a:stretch>
             <a:fillRect/>
           </a:stretch>
         </p:blipFill>
-        <p:spPr>
+        <p:spPr bwMode="auto">
           <a:xfrm>
             <a:off x="0" y="0"/>
             <a:ext cx="9144000" cy="6858000"/>
@@ -29259,23 +31059,63 @@
           <a:prstGeom prst="rect">
             <a:avLst/>
           </a:prstGeom>
+          <a:noFill/>
+          <a:ln>
+            <a:noFill/>
+          </a:ln>
+          <a:effectLst/>
+          <a:extLst>
+            <a:ext uri="{909E8E84-426E-40DD-AFC4-6F175D3DCCD1}">
+              <a14:hiddenFill xmlns:a14="http://schemas.microsoft.com/office/drawing/2010/main">
+                <a:solidFill>
+                  <a:schemeClr val="accent1"/>
+                </a:solidFill>
+              </a14:hiddenFill>
+            </a:ext>
+            <a:ext uri="{91240B29-F687-4F45-9708-019B960494DF}">
+              <a14:hiddenLine xmlns:a14="http://schemas.microsoft.com/office/drawing/2010/main" w="9525">
+                <a:solidFill>
+                  <a:schemeClr val="tx1"/>
+                </a:solidFill>
+                <a:miter lim="800000"/>
+                <a:headEnd/>
+                <a:tailEnd/>
+              </a14:hiddenLine>
+            </a:ext>
+            <a:ext uri="{AF507438-7753-43E0-B8FC-AC1667EBCBE1}">
+              <a14:hiddenEffects xmlns:a14="http://schemas.microsoft.com/office/drawing/2010/main">
+                <a:effectLst>
+                  <a:outerShdw dist="35921" dir="2700000" algn="ctr" rotWithShape="0">
+                    <a:schemeClr val="bg2"/>
+                  </a:outerShdw>
+                </a:effectLst>
+              </a14:hiddenEffects>
+            </a:ext>
+          </a:extLst>
         </p:spPr>
       </p:pic>
       <p:pic>
         <p:nvPicPr>
-          <p:cNvPr id="9" name="PPTLabsMagnifyAreaSlide201705111432296363"/>
+          <p:cNvPr id="7" name="PPTLabsMagnifyAreaSlide201506181744130678"/>
           <p:cNvPicPr>
-            <a:picLocks/>
+            <a:picLocks noChangeArrowheads="1"/>
           </p:cNvPicPr>
           <p:nvPr/>
         </p:nvPicPr>
         <p:blipFill>
-          <a:blip r:embed="rId3"/>
+          <a:blip r:embed="rId3">
+            <a:extLst>
+              <a:ext uri="{28A0092B-C50C-407E-A947-70E740481C1C}">
+                <a14:useLocalDpi xmlns:a14="http://schemas.microsoft.com/office/drawing/2010/main" val="0"/>
+              </a:ext>
+            </a:extLst>
+          </a:blip>
+          <a:srcRect/>
           <a:stretch>
             <a:fillRect/>
           </a:stretch>
         </p:blipFill>
-        <p:spPr>
+        <p:spPr bwMode="auto">
           <a:xfrm>
             <a:off x="0" y="0"/>
             <a:ext cx="9144000" cy="6858000"/>
@@ -29283,11 +31123,44 @@
           <a:prstGeom prst="rect">
             <a:avLst/>
           </a:prstGeom>
+          <a:noFill/>
+          <a:ln>
+            <a:noFill/>
+          </a:ln>
+          <a:effectLst/>
+          <a:extLst>
+            <a:ext uri="{909E8E84-426E-40DD-AFC4-6F175D3DCCD1}">
+              <a14:hiddenFill xmlns:a14="http://schemas.microsoft.com/office/drawing/2010/main">
+                <a:solidFill>
+                  <a:schemeClr val="accent1"/>
+                </a:solidFill>
+              </a14:hiddenFill>
+            </a:ext>
+            <a:ext uri="{91240B29-F687-4F45-9708-019B960494DF}">
+              <a14:hiddenLine xmlns:a14="http://schemas.microsoft.com/office/drawing/2010/main" w="9525">
+                <a:solidFill>
+                  <a:schemeClr val="tx1"/>
+                </a:solidFill>
+                <a:miter lim="800000"/>
+                <a:headEnd/>
+                <a:tailEnd/>
+              </a14:hiddenLine>
+            </a:ext>
+            <a:ext uri="{AF507438-7753-43E0-B8FC-AC1667EBCBE1}">
+              <a14:hiddenEffects xmlns:a14="http://schemas.microsoft.com/office/drawing/2010/main">
+                <a:effectLst>
+                  <a:outerShdw dist="35921" dir="2700000" algn="ctr" rotWithShape="0">
+                    <a:schemeClr val="bg2"/>
+                  </a:outerShdw>
+                </a:effectLst>
+              </a14:hiddenEffects>
+            </a:ext>
+          </a:extLst>
         </p:spPr>
       </p:pic>
       <p:pic>
         <p:nvPicPr>
-          <p:cNvPr id="8" name="PPTIndicator201705111432296333"/>
+          <p:cNvPr id="3" name="PPTIndicator201506181744130598"/>
           <p:cNvPicPr>
             <a:picLocks/>
           </p:cNvPicPr>
@@ -29318,18 +31191,18 @@
     </p:spTree>
     <p:extLst>
       <p:ext uri="{BB962C8B-B14F-4D97-AF65-F5344CB8AC3E}">
-        <p14:creationId xmlns:p14="http://schemas.microsoft.com/office/powerpoint/2010/main" val="1896576846"/>
+        <p14:creationId xmlns:p14="http://schemas.microsoft.com/office/powerpoint/2010/main" val="403202567"/>
       </p:ext>
     </p:extLst>
   </p:cSld>
   <p:clrMapOvr>
     <a:masterClrMapping/>
   </p:clrMapOvr>
-  <mc:AlternateContent xmlns:mc="http://schemas.openxmlformats.org/markup-compatibility/2006">
-    <mc:Choice xmlns:p14="http://schemas.microsoft.com/office/powerpoint/2010/main" Requires="p14">
+  <mc:AlternateContent xmlns:mc="http://schemas.openxmlformats.org/markup-compatibility/2006" xmlns:p14="http://schemas.microsoft.com/office/powerpoint/2010/main">
+    <mc:Choice Requires="p14">
       <p:transition spd="slow" p14:dur="2000" advClick="0" advTm="0"/>
     </mc:Choice>
-    <mc:Fallback>
+    <mc:Fallback xmlns="">
       <p:transition spd="slow" advClick="0" advTm="0"/>
     </mc:Fallback>
   </mc:AlternateContent>
@@ -29370,7 +31243,7 @@
                                           </p:stCondLst>
                                         </p:cTn>
                                         <p:tgtEl>
-                                          <p:spTgt spid="8"/>
+                                          <p:spTgt spid="3"/>
                                         </p:tgtEl>
                                         <p:attrNameLst>
                                           <p:attrName>style.visibility</p:attrName>
@@ -29397,7 +31270,7 @@
                                           </p:stCondLst>
                                         </p:cTn>
                                         <p:tgtEl>
-                                          <p:spTgt spid="8"/>
+                                          <p:spTgt spid="3"/>
                                         </p:tgtEl>
                                         <p:attrNameLst>
                                           <p:attrName>style.visibility</p:attrName>
@@ -29425,11 +31298,11 @@
                                     <p:cond delay="0"/>
                                   </p:stCondLst>
                                   <p:childTnLst>
-                                    <p:animMotion origin="layout" path="M 0 0 C 0.2739166 0.299782 0.2739166 0.299782 0.5478333 0.599564 E" pathEditMode="relative" ptsTypes="">
+                                    <p:animMotion origin="layout" path="M 0 0 C 0.2739167 0.299782 0.2739167 0.299782 0.5478333 0.599564 E" pathEditMode="relative" ptsTypes="">
                                       <p:cBhvr>
                                         <p:cTn id="11" dur="500" fill="hold"/>
                                         <p:tgtEl>
-                                          <p:spTgt spid="9"/>
+                                          <p:spTgt spid="7"/>
                                         </p:tgtEl>
                                         <p:attrNameLst>
                                           <p:attrName>ppt_x</p:attrName>
@@ -29450,7 +31323,7 @@
                                       <p:cBhvr>
                                         <p:cTn id="13" dur="500" fill="hold"/>
                                         <p:tgtEl>
-                                          <p:spTgt spid="9"/>
+                                          <p:spTgt spid="7"/>
                                         </p:tgtEl>
                                       </p:cBhvr>
                                       <p:by x="279422" y="279422"/>
@@ -29491,7 +31364,7 @@
 
 <file path=ppt/slides/slide7.xml><?xml version="1.0" encoding="utf-8"?>
 <p:sld xmlns:a="http://schemas.openxmlformats.org/drawingml/2006/main" xmlns:r="http://schemas.openxmlformats.org/officeDocument/2006/relationships" xmlns:p="http://schemas.openxmlformats.org/presentationml/2006/main">
-  <p:cSld name="PPTLabsMagnifiedSlide201705111432296383">
+  <p:cSld name="PPTLabsMagnifiedSlide201506181744130688">
     <p:bg>
       <p:bgPr>
         <a:solidFill>
@@ -29516,32 +31389,71 @@
       </p:grpSpPr>
       <p:pic>
         <p:nvPicPr>
-          <p:cNvPr id="5" name="PPTLabsMagnifyAreaGroup201705111432295971"/>
+          <p:cNvPr id="1026" name="PPTLabsMagnifyAreaGroup201506181744130398"/>
           <p:cNvPicPr>
-            <a:picLocks noChangeAspect="1"/>
+            <a:picLocks noChangeAspect="1" noChangeArrowheads="1"/>
           </p:cNvPicPr>
           <p:nvPr/>
         </p:nvPicPr>
         <p:blipFill>
-          <a:blip r:embed="rId2"/>
+          <a:blip r:embed="rId2">
+            <a:extLst>
+              <a:ext uri="{28A0092B-C50C-407E-A947-70E740481C1C}">
+                <a14:useLocalDpi xmlns:a14="http://schemas.microsoft.com/office/drawing/2010/main" val="0"/>
+              </a:ext>
+            </a:extLst>
+          </a:blip>
           <a:srcRect/>
           <a:stretch>
             <a:fillRect/>
           </a:stretch>
         </p:blipFill>
-        <p:spPr>
+        <p:spPr bwMode="auto">
           <a:xfrm>
-            <a:off x="-3193018" y="-2040156"/>
-            <a:ext cx="25546182" cy="19160104"/>
+            <a:off x="-3193018" y="-2040158"/>
+            <a:ext cx="25546182" cy="19160112"/>
           </a:xfrm>
           <a:prstGeom prst="rect">
             <a:avLst/>
           </a:prstGeom>
+          <a:noFill/>
+          <a:ln>
+            <a:noFill/>
+          </a:ln>
+          <a:effectLst/>
+          <a:extLst>
+            <a:ext uri="{909E8E84-426E-40DD-AFC4-6F175D3DCCD1}">
+              <a14:hiddenFill xmlns:a14="http://schemas.microsoft.com/office/drawing/2010/main">
+                <a:solidFill>
+                  <a:schemeClr val="accent1"/>
+                </a:solidFill>
+              </a14:hiddenFill>
+            </a:ext>
+            <a:ext uri="{91240B29-F687-4F45-9708-019B960494DF}">
+              <a14:hiddenLine xmlns:a14="http://schemas.microsoft.com/office/drawing/2010/main" w="9525">
+                <a:solidFill>
+                  <a:schemeClr val="tx1"/>
+                </a:solidFill>
+                <a:miter lim="800000"/>
+                <a:headEnd/>
+                <a:tailEnd/>
+              </a14:hiddenLine>
+            </a:ext>
+            <a:ext uri="{AF507438-7753-43E0-B8FC-AC1667EBCBE1}">
+              <a14:hiddenEffects xmlns:a14="http://schemas.microsoft.com/office/drawing/2010/main">
+                <a:effectLst>
+                  <a:outerShdw dist="35921" dir="2700000" algn="ctr" rotWithShape="0">
+                    <a:schemeClr val="bg2"/>
+                  </a:outerShdw>
+                </a:effectLst>
+              </a14:hiddenEffects>
+            </a:ext>
+          </a:extLst>
         </p:spPr>
       </p:pic>
       <p:pic>
         <p:nvPicPr>
-          <p:cNvPr id="2" name="PPTIndicator201705111432296637"/>
+          <p:cNvPr id="2" name="PPTIndicator201506181744130848"/>
           <p:cNvPicPr>
             <a:picLocks/>
           </p:cNvPicPr>
@@ -29572,18 +31484,18 @@
     </p:spTree>
     <p:extLst>
       <p:ext uri="{BB962C8B-B14F-4D97-AF65-F5344CB8AC3E}">
-        <p14:creationId xmlns:p14="http://schemas.microsoft.com/office/powerpoint/2010/main" val="2137916648"/>
+        <p14:creationId xmlns:p14="http://schemas.microsoft.com/office/powerpoint/2010/main" val="2700776701"/>
       </p:ext>
     </p:extLst>
   </p:cSld>
   <p:clrMapOvr>
     <a:masterClrMapping/>
   </p:clrMapOvr>
-  <mc:AlternateContent xmlns:mc="http://schemas.openxmlformats.org/markup-compatibility/2006">
-    <mc:Choice xmlns:p14="http://schemas.microsoft.com/office/powerpoint/2010/main" Requires="p14">
+  <mc:AlternateContent xmlns:mc="http://schemas.openxmlformats.org/markup-compatibility/2006" xmlns:p14="http://schemas.microsoft.com/office/powerpoint/2010/main">
+    <mc:Choice Requires="p14">
       <p:transition spd="slow" p14:dur="2000"/>
     </mc:Choice>
-    <mc:Fallback>
+    <mc:Fallback xmlns="">
       <p:transition spd="slow"/>
     </mc:Fallback>
   </mc:AlternateContent>
@@ -29697,7 +31609,7 @@
 
 <file path=ppt/slides/slide8.xml><?xml version="1.0" encoding="utf-8"?>
 <p:sld xmlns:a="http://schemas.openxmlformats.org/drawingml/2006/main" xmlns:r="http://schemas.openxmlformats.org/officeDocument/2006/relationships" xmlns:p="http://schemas.openxmlformats.org/presentationml/2006/main">
-  <p:cSld name="PPTLabsDeMagnifyingSlide201705111432296667">
+  <p:cSld name="PPTLabsDeMagnifyingSlide201506181744130898">
     <p:bg>
       <p:bgPr>
         <a:solidFill>
@@ -29768,19 +31680,26 @@
       </p:pic>
       <p:pic>
         <p:nvPicPr>
-          <p:cNvPr id="5" name="PPTLabsMagnifyAreaGroup201705111432295971"/>
+          <p:cNvPr id="1026" name="PPTLabsMagnifyAreaGroup201506181744130398"/>
           <p:cNvPicPr>
-            <a:picLocks/>
+            <a:picLocks noChangeArrowheads="1"/>
           </p:cNvPicPr>
           <p:nvPr/>
         </p:nvPicPr>
         <p:blipFill>
-          <a:blip r:embed="rId3"/>
+          <a:blip r:embed="rId3">
+            <a:extLst>
+              <a:ext uri="{28A0092B-C50C-407E-A947-70E740481C1C}">
+                <a14:useLocalDpi xmlns:a14="http://schemas.microsoft.com/office/drawing/2010/main" val="0"/>
+              </a:ext>
+            </a:extLst>
+          </a:blip>
+          <a:srcRect/>
           <a:stretch>
             <a:fillRect/>
           </a:stretch>
         </p:blipFill>
-        <p:spPr>
+        <p:spPr bwMode="auto">
           <a:xfrm>
             <a:off x="0" y="0"/>
             <a:ext cx="9144000" cy="6858000"/>
@@ -29788,23 +31707,63 @@
           <a:prstGeom prst="rect">
             <a:avLst/>
           </a:prstGeom>
+          <a:noFill/>
+          <a:ln>
+            <a:noFill/>
+          </a:ln>
+          <a:effectLst/>
+          <a:extLst>
+            <a:ext uri="{909E8E84-426E-40DD-AFC4-6F175D3DCCD1}">
+              <a14:hiddenFill xmlns:a14="http://schemas.microsoft.com/office/drawing/2010/main">
+                <a:solidFill>
+                  <a:schemeClr val="accent1"/>
+                </a:solidFill>
+              </a14:hiddenFill>
+            </a:ext>
+            <a:ext uri="{91240B29-F687-4F45-9708-019B960494DF}">
+              <a14:hiddenLine xmlns:a14="http://schemas.microsoft.com/office/drawing/2010/main" w="9525">
+                <a:solidFill>
+                  <a:schemeClr val="tx1"/>
+                </a:solidFill>
+                <a:miter lim="800000"/>
+                <a:headEnd/>
+                <a:tailEnd/>
+              </a14:hiddenLine>
+            </a:ext>
+            <a:ext uri="{AF507438-7753-43E0-B8FC-AC1667EBCBE1}">
+              <a14:hiddenEffects xmlns:a14="http://schemas.microsoft.com/office/drawing/2010/main">
+                <a:effectLst>
+                  <a:outerShdw dist="35921" dir="2700000" algn="ctr" rotWithShape="0">
+                    <a:schemeClr val="bg2"/>
+                  </a:outerShdw>
+                </a:effectLst>
+              </a14:hiddenEffects>
+            </a:ext>
+          </a:extLst>
         </p:spPr>
       </p:pic>
       <p:pic>
         <p:nvPicPr>
-          <p:cNvPr id="11" name="PPTLabsMagnifyAreaGroup201705111432295971"/>
+          <p:cNvPr id="10" name="PPTLabsMagnifyAreaGroup201506181744130398"/>
           <p:cNvPicPr>
-            <a:picLocks/>
+            <a:picLocks noChangeArrowheads="1"/>
           </p:cNvPicPr>
           <p:nvPr/>
         </p:nvPicPr>
         <p:blipFill>
-          <a:blip r:embed="rId3"/>
+          <a:blip r:embed="rId3">
+            <a:extLst>
+              <a:ext uri="{28A0092B-C50C-407E-A947-70E740481C1C}">
+                <a14:useLocalDpi xmlns:a14="http://schemas.microsoft.com/office/drawing/2010/main" val="0"/>
+              </a:ext>
+            </a:extLst>
+          </a:blip>
+          <a:srcRect/>
           <a:stretch>
             <a:fillRect/>
           </a:stretch>
         </p:blipFill>
-        <p:spPr>
+        <p:spPr bwMode="auto">
           <a:xfrm>
             <a:off x="-3193792" y="-2040575"/>
             <a:ext cx="25550360" cy="19162770"/>
@@ -29812,11 +31771,44 @@
           <a:prstGeom prst="rect">
             <a:avLst/>
           </a:prstGeom>
+          <a:noFill/>
+          <a:ln>
+            <a:noFill/>
+          </a:ln>
+          <a:effectLst/>
+          <a:extLst>
+            <a:ext uri="{909E8E84-426E-40DD-AFC4-6F175D3DCCD1}">
+              <a14:hiddenFill xmlns:a14="http://schemas.microsoft.com/office/drawing/2010/main">
+                <a:solidFill>
+                  <a:schemeClr val="accent1"/>
+                </a:solidFill>
+              </a14:hiddenFill>
+            </a:ext>
+            <a:ext uri="{91240B29-F687-4F45-9708-019B960494DF}">
+              <a14:hiddenLine xmlns:a14="http://schemas.microsoft.com/office/drawing/2010/main" w="9525">
+                <a:solidFill>
+                  <a:schemeClr val="tx1"/>
+                </a:solidFill>
+                <a:miter lim="800000"/>
+                <a:headEnd/>
+                <a:tailEnd/>
+              </a14:hiddenLine>
+            </a:ext>
+            <a:ext uri="{AF507438-7753-43E0-B8FC-AC1667EBCBE1}">
+              <a14:hiddenEffects xmlns:a14="http://schemas.microsoft.com/office/drawing/2010/main">
+                <a:effectLst>
+                  <a:outerShdw dist="35921" dir="2700000" algn="ctr" rotWithShape="0">
+                    <a:schemeClr val="bg2"/>
+                  </a:outerShdw>
+                </a:effectLst>
+              </a14:hiddenEffects>
+            </a:ext>
+          </a:extLst>
         </p:spPr>
       </p:pic>
       <p:pic>
         <p:nvPicPr>
-          <p:cNvPr id="2" name="PPTIndicator201705111432296980"/>
+          <p:cNvPr id="2" name="PPTIndicator201506181744131068"/>
           <p:cNvPicPr>
             <a:picLocks/>
           </p:cNvPicPr>
@@ -29847,18 +31839,18 @@
     </p:spTree>
     <p:extLst>
       <p:ext uri="{BB962C8B-B14F-4D97-AF65-F5344CB8AC3E}">
-        <p14:creationId xmlns:p14="http://schemas.microsoft.com/office/powerpoint/2010/main" val="767327699"/>
+        <p14:creationId xmlns:p14="http://schemas.microsoft.com/office/powerpoint/2010/main" val="1563527924"/>
       </p:ext>
     </p:extLst>
   </p:cSld>
   <p:clrMapOvr>
     <a:masterClrMapping/>
   </p:clrMapOvr>
-  <mc:AlternateContent xmlns:mc="http://schemas.openxmlformats.org/markup-compatibility/2006">
-    <mc:Choice xmlns:p14="http://schemas.microsoft.com/office/powerpoint/2010/main" Requires="p14">
+  <mc:AlternateContent xmlns:mc="http://schemas.openxmlformats.org/markup-compatibility/2006" xmlns:p14="http://schemas.microsoft.com/office/powerpoint/2010/main">
+    <mc:Choice Requires="p14">
       <p:transition spd="slow" p14:dur="2000"/>
     </mc:Choice>
-    <mc:Fallback>
+    <mc:Fallback xmlns="">
       <p:transition spd="slow"/>
     </mc:Fallback>
   </mc:AlternateContent>
@@ -29949,7 +31941,7 @@
                                       <p:cBhvr>
                                         <p:cTn id="10" dur="1" fill="hold"/>
                                         <p:tgtEl>
-                                          <p:spTgt spid="5"/>
+                                          <p:spTgt spid="1026"/>
                                         </p:tgtEl>
                                         <p:attrNameLst>
                                           <p:attrName>ppt_x</p:attrName>
@@ -29970,7 +31962,7 @@
                                       <p:cBhvr>
                                         <p:cTn id="12" dur="1" fill="hold"/>
                                         <p:tgtEl>
-                                          <p:spTgt spid="5"/>
+                                          <p:spTgt spid="1026"/>
                                         </p:tgtEl>
                                       </p:cBhvr>
                                       <p:by x="279422" y="279422"/>
@@ -29988,7 +31980,7 @@
                                       <p:cBhvr>
                                         <p:cTn id="14" dur="10"/>
                                         <p:tgtEl>
-                                          <p:spTgt spid="11"/>
+                                          <p:spTgt spid="10"/>
                                         </p:tgtEl>
                                       </p:cBhvr>
                                     </p:animEffect>
@@ -30000,7 +31992,7 @@
                                           </p:stCondLst>
                                         </p:cTn>
                                         <p:tgtEl>
-                                          <p:spTgt spid="11"/>
+                                          <p:spTgt spid="10"/>
                                         </p:tgtEl>
                                         <p:attrNameLst>
                                           <p:attrName>style.visibility</p:attrName>
@@ -30023,7 +32015,7 @@
                                       <p:cBhvr>
                                         <p:cTn id="17" dur="400" fill="hold"/>
                                         <p:tgtEl>
-                                          <p:spTgt spid="5"/>
+                                          <p:spTgt spid="1026"/>
                                         </p:tgtEl>
                                         <p:attrNameLst>
                                           <p:attrName>ppt_x</p:attrName>
@@ -30044,7 +32036,7 @@
                                       <p:cBhvr>
                                         <p:cTn id="19" dur="400" fill="hold"/>
                                         <p:tgtEl>
-                                          <p:spTgt spid="5"/>
+                                          <p:spTgt spid="1026"/>
                                         </p:tgtEl>
                                       </p:cBhvr>
                                       <p:by x="35788" y="35788"/>
@@ -30098,7 +32090,7 @@
                                       <p:cBhvr>
                                         <p:cTn id="24" dur="10"/>
                                         <p:tgtEl>
-                                          <p:spTgt spid="5"/>
+                                          <p:spTgt spid="1026"/>
                                         </p:tgtEl>
                                       </p:cBhvr>
                                     </p:animEffect>
@@ -30110,7 +32102,7 @@
                                           </p:stCondLst>
                                         </p:cTn>
                                         <p:tgtEl>
-                                          <p:spTgt spid="5"/>
+                                          <p:spTgt spid="1026"/>
                                         </p:tgtEl>
                                         <p:attrNameLst>
                                           <p:attrName>style.visibility</p:attrName>
